--- a/learn-pr/azure/hub-and-spoke-network-architecture/media/media.pptx
+++ b/learn-pr/azure/hub-and-spoke-network-architecture/media/media.pptx
@@ -6,6 +6,8 @@
   </p:sldMasterIdLst>
   <p:sldIdLst>
     <p:sldId id="256" r:id="rId2"/>
+    <p:sldId id="257" r:id="rId3"/>
+    <p:sldId id="258" r:id="rId4"/>
   </p:sldIdLst>
   <p:sldSz cx="12192000" cy="6858000"/>
   <p:notesSz cx="6858000" cy="9144000"/>
@@ -104,6 +106,11 @@
       </a:defRPr>
     </a:lvl9pPr>
   </p:defaultTextStyle>
+  <p:extLst>
+    <p:ext uri="{EFAFB233-063F-42B5-8137-9DF3F51BA10A}">
+      <p15:sldGuideLst xmlns:p15="http://schemas.microsoft.com/office/powerpoint/2012/main"/>
+    </p:ext>
+  </p:extLst>
 </p:presentation>
 </file>
 
@@ -256,7 +263,7 @@
           <a:p>
             <a:fld id="{46442A20-0CBE-4B59-A660-255D23BCF90B}" type="datetimeFigureOut">
               <a:rPr lang="en-GB" smtClean="0"/>
-              <a:t>21/06/2019</a:t>
+              <a:t>25/06/2019</a:t>
             </a:fld>
             <a:endParaRPr lang="en-GB"/>
           </a:p>
@@ -456,7 +463,7 @@
           <a:p>
             <a:fld id="{46442A20-0CBE-4B59-A660-255D23BCF90B}" type="datetimeFigureOut">
               <a:rPr lang="en-GB" smtClean="0"/>
-              <a:t>21/06/2019</a:t>
+              <a:t>25/06/2019</a:t>
             </a:fld>
             <a:endParaRPr lang="en-GB"/>
           </a:p>
@@ -666,7 +673,7 @@
           <a:p>
             <a:fld id="{46442A20-0CBE-4B59-A660-255D23BCF90B}" type="datetimeFigureOut">
               <a:rPr lang="en-GB" smtClean="0"/>
-              <a:t>21/06/2019</a:t>
+              <a:t>25/06/2019</a:t>
             </a:fld>
             <a:endParaRPr lang="en-GB"/>
           </a:p>
@@ -866,7 +873,7 @@
           <a:p>
             <a:fld id="{46442A20-0CBE-4B59-A660-255D23BCF90B}" type="datetimeFigureOut">
               <a:rPr lang="en-GB" smtClean="0"/>
-              <a:t>21/06/2019</a:t>
+              <a:t>25/06/2019</a:t>
             </a:fld>
             <a:endParaRPr lang="en-GB"/>
           </a:p>
@@ -1142,7 +1149,7 @@
           <a:p>
             <a:fld id="{46442A20-0CBE-4B59-A660-255D23BCF90B}" type="datetimeFigureOut">
               <a:rPr lang="en-GB" smtClean="0"/>
-              <a:t>21/06/2019</a:t>
+              <a:t>25/06/2019</a:t>
             </a:fld>
             <a:endParaRPr lang="en-GB"/>
           </a:p>
@@ -1410,7 +1417,7 @@
           <a:p>
             <a:fld id="{46442A20-0CBE-4B59-A660-255D23BCF90B}" type="datetimeFigureOut">
               <a:rPr lang="en-GB" smtClean="0"/>
-              <a:t>21/06/2019</a:t>
+              <a:t>25/06/2019</a:t>
             </a:fld>
             <a:endParaRPr lang="en-GB"/>
           </a:p>
@@ -1825,7 +1832,7 @@
           <a:p>
             <a:fld id="{46442A20-0CBE-4B59-A660-255D23BCF90B}" type="datetimeFigureOut">
               <a:rPr lang="en-GB" smtClean="0"/>
-              <a:t>21/06/2019</a:t>
+              <a:t>25/06/2019</a:t>
             </a:fld>
             <a:endParaRPr lang="en-GB"/>
           </a:p>
@@ -1967,7 +1974,7 @@
           <a:p>
             <a:fld id="{46442A20-0CBE-4B59-A660-255D23BCF90B}" type="datetimeFigureOut">
               <a:rPr lang="en-GB" smtClean="0"/>
-              <a:t>21/06/2019</a:t>
+              <a:t>25/06/2019</a:t>
             </a:fld>
             <a:endParaRPr lang="en-GB"/>
           </a:p>
@@ -2080,7 +2087,7 @@
           <a:p>
             <a:fld id="{46442A20-0CBE-4B59-A660-255D23BCF90B}" type="datetimeFigureOut">
               <a:rPr lang="en-GB" smtClean="0"/>
-              <a:t>21/06/2019</a:t>
+              <a:t>25/06/2019</a:t>
             </a:fld>
             <a:endParaRPr lang="en-GB"/>
           </a:p>
@@ -2393,7 +2400,7 @@
           <a:p>
             <a:fld id="{46442A20-0CBE-4B59-A660-255D23BCF90B}" type="datetimeFigureOut">
               <a:rPr lang="en-GB" smtClean="0"/>
-              <a:t>21/06/2019</a:t>
+              <a:t>25/06/2019</a:t>
             </a:fld>
             <a:endParaRPr lang="en-GB"/>
           </a:p>
@@ -2682,7 +2689,7 @@
           <a:p>
             <a:fld id="{46442A20-0CBE-4B59-A660-255D23BCF90B}" type="datetimeFigureOut">
               <a:rPr lang="en-GB" smtClean="0"/>
-              <a:t>21/06/2019</a:t>
+              <a:t>25/06/2019</a:t>
             </a:fld>
             <a:endParaRPr lang="en-GB"/>
           </a:p>
@@ -2925,7 +2932,7 @@
           <a:p>
             <a:fld id="{46442A20-0CBE-4B59-A660-255D23BCF90B}" type="datetimeFigureOut">
               <a:rPr lang="en-GB" smtClean="0"/>
-              <a:t>21/06/2019</a:t>
+              <a:t>25/06/2019</a:t>
             </a:fld>
             <a:endParaRPr lang="en-GB"/>
           </a:p>
@@ -4673,6 +4680,4367 @@
 </p:sld>
 </file>
 
+<file path=ppt/slides/slide2.xml><?xml version="1.0" encoding="utf-8"?>
+<p:sld xmlns:a="http://schemas.openxmlformats.org/drawingml/2006/main" xmlns:r="http://schemas.openxmlformats.org/officeDocument/2006/relationships" xmlns:p="http://schemas.openxmlformats.org/presentationml/2006/main">
+  <p:cSld>
+    <p:spTree>
+      <p:nvGrpSpPr>
+        <p:cNvPr id="1" name=""/>
+        <p:cNvGrpSpPr/>
+        <p:nvPr/>
+      </p:nvGrpSpPr>
+      <p:grpSpPr>
+        <a:xfrm>
+          <a:off x="0" y="0"/>
+          <a:ext cx="0" cy="0"/>
+          <a:chOff x="0" y="0"/>
+          <a:chExt cx="0" cy="0"/>
+        </a:xfrm>
+      </p:grpSpPr>
+      <p:grpSp>
+        <p:nvGrpSpPr>
+          <p:cNvPr id="164" name="Group 163">
+            <a:extLst>
+              <a:ext uri="{FF2B5EF4-FFF2-40B4-BE49-F238E27FC236}">
+                <a16:creationId xmlns:a16="http://schemas.microsoft.com/office/drawing/2014/main" id="{D0BA5481-B61D-4879-84CF-1CF60BE799E7}"/>
+              </a:ext>
+            </a:extLst>
+          </p:cNvPr>
+          <p:cNvGrpSpPr/>
+          <p:nvPr/>
+        </p:nvGrpSpPr>
+        <p:grpSpPr>
+          <a:xfrm>
+            <a:off x="140450" y="1080821"/>
+            <a:ext cx="11786120" cy="5708631"/>
+            <a:chOff x="140450" y="1080821"/>
+            <a:chExt cx="11786120" cy="5708631"/>
+          </a:xfrm>
+        </p:grpSpPr>
+        <p:sp>
+          <p:nvSpPr>
+            <p:cNvPr id="8" name="Cloud 7">
+              <a:extLst>
+                <a:ext uri="{FF2B5EF4-FFF2-40B4-BE49-F238E27FC236}">
+                  <a16:creationId xmlns:a16="http://schemas.microsoft.com/office/drawing/2014/main" id="{D04C277F-B9BC-4C2A-B7FD-11CCC26EF43B}"/>
+                </a:ext>
+              </a:extLst>
+            </p:cNvPr>
+            <p:cNvSpPr/>
+            <p:nvPr/>
+          </p:nvSpPr>
+          <p:spPr>
+            <a:xfrm>
+              <a:off x="6678697" y="1080821"/>
+              <a:ext cx="2540000" cy="1143000"/>
+            </a:xfrm>
+            <a:prstGeom prst="cloud">
+              <a:avLst/>
+            </a:prstGeom>
+            <a:solidFill>
+              <a:srgbClr val="5B9BD5"/>
+            </a:solidFill>
+            <a:ln>
+              <a:noFill/>
+            </a:ln>
+          </p:spPr>
+          <p:style>
+            <a:lnRef idx="2">
+              <a:schemeClr val="accent1">
+                <a:shade val="50000"/>
+              </a:schemeClr>
+            </a:lnRef>
+            <a:fillRef idx="1">
+              <a:schemeClr val="accent1"/>
+            </a:fillRef>
+            <a:effectRef idx="0">
+              <a:schemeClr val="accent1"/>
+            </a:effectRef>
+            <a:fontRef idx="minor">
+              <a:schemeClr val="lt1"/>
+            </a:fontRef>
+          </p:style>
+          <p:txBody>
+            <a:bodyPr rtlCol="0" anchor="ctr"/>
+            <a:lstStyle/>
+            <a:p>
+              <a:pPr algn="ctr"/>
+              <a:r>
+                <a:rPr lang="en-GB" dirty="0">
+                  <a:latin typeface="Segoe UI Semilight" panose="020B0402040204020203" pitchFamily="34" charset="0"/>
+                  <a:cs typeface="Segoe UI Semilight" panose="020B0402040204020203" pitchFamily="34" charset="0"/>
+                </a:rPr>
+                <a:t>Public Internet</a:t>
+              </a:r>
+            </a:p>
+          </p:txBody>
+        </p:sp>
+        <p:sp>
+          <p:nvSpPr>
+            <p:cNvPr id="162" name="Arrow: Bent 161">
+              <a:extLst>
+                <a:ext uri="{FF2B5EF4-FFF2-40B4-BE49-F238E27FC236}">
+                  <a16:creationId xmlns:a16="http://schemas.microsoft.com/office/drawing/2014/main" id="{F582D883-654F-49D0-83EB-27FCFC763400}"/>
+                </a:ext>
+              </a:extLst>
+            </p:cNvPr>
+            <p:cNvSpPr/>
+            <p:nvPr/>
+          </p:nvSpPr>
+          <p:spPr>
+            <a:xfrm flipH="1">
+              <a:off x="8876851" y="1416424"/>
+              <a:ext cx="644402" cy="2761858"/>
+            </a:xfrm>
+            <a:prstGeom prst="bentArrow">
+              <a:avLst>
+                <a:gd name="adj1" fmla="val 25000"/>
+                <a:gd name="adj2" fmla="val 25000"/>
+                <a:gd name="adj3" fmla="val 25000"/>
+                <a:gd name="adj4" fmla="val 0"/>
+              </a:avLst>
+            </a:prstGeom>
+            <a:solidFill>
+              <a:srgbClr val="77C5E6"/>
+            </a:solidFill>
+            <a:ln>
+              <a:noFill/>
+            </a:ln>
+          </p:spPr>
+          <p:style>
+            <a:lnRef idx="2">
+              <a:schemeClr val="accent1">
+                <a:shade val="50000"/>
+              </a:schemeClr>
+            </a:lnRef>
+            <a:fillRef idx="1">
+              <a:schemeClr val="accent1"/>
+            </a:fillRef>
+            <a:effectRef idx="0">
+              <a:schemeClr val="accent1"/>
+            </a:effectRef>
+            <a:fontRef idx="minor">
+              <a:schemeClr val="lt1"/>
+            </a:fontRef>
+          </p:style>
+          <p:txBody>
+            <a:bodyPr rtlCol="0" anchor="ctr"/>
+            <a:lstStyle/>
+            <a:p>
+              <a:pPr algn="ctr"/>
+              <a:endParaRPr lang="en-GB">
+                <a:solidFill>
+                  <a:schemeClr val="tx1"/>
+                </a:solidFill>
+              </a:endParaRPr>
+            </a:p>
+          </p:txBody>
+        </p:sp>
+        <p:grpSp>
+          <p:nvGrpSpPr>
+            <p:cNvPr id="78" name="Group 77">
+              <a:extLst>
+                <a:ext uri="{FF2B5EF4-FFF2-40B4-BE49-F238E27FC236}">
+                  <a16:creationId xmlns:a16="http://schemas.microsoft.com/office/drawing/2014/main" id="{78BD2E25-1D47-4405-9664-C928350A34CA}"/>
+                </a:ext>
+              </a:extLst>
+            </p:cNvPr>
+            <p:cNvGrpSpPr/>
+            <p:nvPr/>
+          </p:nvGrpSpPr>
+          <p:grpSpPr>
+            <a:xfrm>
+              <a:off x="5857135" y="2929505"/>
+              <a:ext cx="3177393" cy="3447608"/>
+              <a:chOff x="4472547" y="618164"/>
+              <a:chExt cx="3177393" cy="3447608"/>
+            </a:xfrm>
+          </p:grpSpPr>
+          <p:sp>
+            <p:nvSpPr>
+              <p:cNvPr id="75" name="TextBox 74">
+                <a:extLst>
+                  <a:ext uri="{FF2B5EF4-FFF2-40B4-BE49-F238E27FC236}">
+                    <a16:creationId xmlns:a16="http://schemas.microsoft.com/office/drawing/2014/main" id="{8FA94EC7-C901-45AE-93FA-15AA4D3789BF}"/>
+                  </a:ext>
+                </a:extLst>
+              </p:cNvPr>
+              <p:cNvSpPr txBox="1"/>
+              <p:nvPr/>
+            </p:nvSpPr>
+            <p:spPr>
+              <a:xfrm>
+                <a:off x="4578929" y="618164"/>
+                <a:ext cx="2767236" cy="307777"/>
+              </a:xfrm>
+              <a:prstGeom prst="rect">
+                <a:avLst/>
+              </a:prstGeom>
+              <a:noFill/>
+            </p:spPr>
+            <p:txBody>
+              <a:bodyPr wrap="square" rtlCol="0">
+                <a:spAutoFit/>
+              </a:bodyPr>
+              <a:lstStyle/>
+              <a:p>
+                <a:pPr algn="ctr"/>
+                <a:r>
+                  <a:rPr lang="en-GB" sz="1400" dirty="0">
+                    <a:solidFill>
+                      <a:srgbClr val="5B9BD5"/>
+                    </a:solidFill>
+                    <a:latin typeface="Segoe UI Black" panose="020B0A02040204020203" pitchFamily="34" charset="0"/>
+                    <a:ea typeface="Segoe UI Black" panose="020B0A02040204020203" pitchFamily="34" charset="0"/>
+                    <a:cs typeface="Segoe UI Semilight" panose="020B0402040204020203" pitchFamily="34" charset="0"/>
+                  </a:rPr>
+                  <a:t>Hub</a:t>
+                </a:r>
+              </a:p>
+            </p:txBody>
+          </p:sp>
+          <p:grpSp>
+            <p:nvGrpSpPr>
+              <p:cNvPr id="74" name="Group 73">
+                <a:extLst>
+                  <a:ext uri="{FF2B5EF4-FFF2-40B4-BE49-F238E27FC236}">
+                    <a16:creationId xmlns:a16="http://schemas.microsoft.com/office/drawing/2014/main" id="{5164267A-75A8-4B2A-8BC1-1C43F0F82B74}"/>
+                  </a:ext>
+                </a:extLst>
+              </p:cNvPr>
+              <p:cNvGrpSpPr/>
+              <p:nvPr/>
+            </p:nvGrpSpPr>
+            <p:grpSpPr>
+              <a:xfrm>
+                <a:off x="4472547" y="907308"/>
+                <a:ext cx="3177393" cy="3158464"/>
+                <a:chOff x="3305920" y="153286"/>
+                <a:chExt cx="3177393" cy="3158464"/>
+              </a:xfrm>
+            </p:grpSpPr>
+            <p:pic>
+              <p:nvPicPr>
+                <p:cNvPr id="29" name="Picture 28">
+                  <a:extLst>
+                    <a:ext uri="{FF2B5EF4-FFF2-40B4-BE49-F238E27FC236}">
+                      <a16:creationId xmlns:a16="http://schemas.microsoft.com/office/drawing/2014/main" id="{06080F83-D104-4305-A019-280A4DFBEBCF}"/>
+                    </a:ext>
+                  </a:extLst>
+                </p:cNvPr>
+                <p:cNvPicPr>
+                  <a:picLocks noChangeAspect="1"/>
+                </p:cNvPicPr>
+                <p:nvPr/>
+              </p:nvPicPr>
+              <p:blipFill>
+                <a:blip r:embed="rId2"/>
+                <a:stretch>
+                  <a:fillRect/>
+                </a:stretch>
+              </p:blipFill>
+              <p:spPr>
+                <a:xfrm>
+                  <a:off x="4953243" y="616946"/>
+                  <a:ext cx="984301" cy="1092256"/>
+                </a:xfrm>
+                <a:prstGeom prst="rect">
+                  <a:avLst/>
+                </a:prstGeom>
+              </p:spPr>
+            </p:pic>
+            <p:sp>
+              <p:nvSpPr>
+                <p:cNvPr id="4" name="AutoShape 2" descr="1">
+                  <a:extLst>
+                    <a:ext uri="{FF2B5EF4-FFF2-40B4-BE49-F238E27FC236}">
+                      <a16:creationId xmlns:a16="http://schemas.microsoft.com/office/drawing/2014/main" id="{D2741D4E-C0E7-4313-B888-AD4CD7CEC177}"/>
+                    </a:ext>
+                  </a:extLst>
+                </p:cNvPr>
+                <p:cNvSpPr>
+                  <a:spLocks noChangeAspect="1" noChangeArrowheads="1"/>
+                </p:cNvSpPr>
+                <p:nvPr/>
+              </p:nvSpPr>
+              <p:spPr bwMode="auto">
+                <a:xfrm>
+                  <a:off x="3305920" y="709023"/>
+                  <a:ext cx="2602727" cy="2602727"/>
+                </a:xfrm>
+                <a:prstGeom prst="rect">
+                  <a:avLst/>
+                </a:prstGeom>
+                <a:noFill/>
+                <a:extLst>
+                  <a:ext uri="{909E8E84-426E-40DD-AFC4-6F175D3DCCD1}">
+                    <a14:hiddenFill xmlns:a14="http://schemas.microsoft.com/office/drawing/2010/main">
+                      <a:solidFill>
+                        <a:srgbClr val="FFFFFF"/>
+                      </a:solidFill>
+                    </a14:hiddenFill>
+                  </a:ext>
+                </a:extLst>
+              </p:spPr>
+              <p:txBody>
+                <a:bodyPr vert="horz" wrap="square" lIns="91440" tIns="45720" rIns="91440" bIns="45720" numCol="1" anchor="t" anchorCtr="0" compatLnSpc="1">
+                  <a:prstTxWarp prst="textNoShape">
+                    <a:avLst/>
+                  </a:prstTxWarp>
+                </a:bodyPr>
+                <a:lstStyle/>
+                <a:p>
+                  <a:endParaRPr lang="en-GB">
+                    <a:latin typeface="Segoe UI Semilight" panose="020B0402040204020203" pitchFamily="34" charset="0"/>
+                    <a:cs typeface="Segoe UI Semilight" panose="020B0402040204020203" pitchFamily="34" charset="0"/>
+                  </a:endParaRPr>
+                </a:p>
+              </p:txBody>
+            </p:sp>
+            <p:pic>
+              <p:nvPicPr>
+                <p:cNvPr id="26" name="Picture 25">
+                  <a:extLst>
+                    <a:ext uri="{FF2B5EF4-FFF2-40B4-BE49-F238E27FC236}">
+                      <a16:creationId xmlns:a16="http://schemas.microsoft.com/office/drawing/2014/main" id="{11422D63-0B0C-4AA9-9A52-B60F82AE7ED8}"/>
+                    </a:ext>
+                  </a:extLst>
+                </p:cNvPr>
+                <p:cNvPicPr>
+                  <a:picLocks noChangeAspect="1"/>
+                </p:cNvPicPr>
+                <p:nvPr/>
+              </p:nvPicPr>
+              <p:blipFill>
+                <a:blip r:embed="rId3">
+                  <a:clrChange>
+                    <a:clrFrom>
+                      <a:srgbClr val="FFFFFF"/>
+                    </a:clrFrom>
+                    <a:clrTo>
+                      <a:srgbClr val="FFFFFF">
+                        <a:alpha val="0"/>
+                      </a:srgbClr>
+                    </a:clrTo>
+                  </a:clrChange>
+                </a:blip>
+                <a:stretch>
+                  <a:fillRect/>
+                </a:stretch>
+              </p:blipFill>
+              <p:spPr>
+                <a:xfrm>
+                  <a:off x="4857705" y="1693996"/>
+                  <a:ext cx="1079555" cy="857294"/>
+                </a:xfrm>
+                <a:prstGeom prst="rect">
+                  <a:avLst/>
+                </a:prstGeom>
+              </p:spPr>
+            </p:pic>
+            <p:pic>
+              <p:nvPicPr>
+                <p:cNvPr id="35" name="Picture 34">
+                  <a:extLst>
+                    <a:ext uri="{FF2B5EF4-FFF2-40B4-BE49-F238E27FC236}">
+                      <a16:creationId xmlns:a16="http://schemas.microsoft.com/office/drawing/2014/main" id="{1535C81E-CD2C-4AD5-BF99-FA0E3AB6BAA9}"/>
+                    </a:ext>
+                  </a:extLst>
+                </p:cNvPr>
+                <p:cNvPicPr>
+                  <a:picLocks noChangeAspect="1"/>
+                </p:cNvPicPr>
+                <p:nvPr/>
+              </p:nvPicPr>
+              <p:blipFill>
+                <a:blip r:embed="rId4">
+                  <a:clrChange>
+                    <a:clrFrom>
+                      <a:srgbClr val="FFFFFF"/>
+                    </a:clrFrom>
+                    <a:clrTo>
+                      <a:srgbClr val="FFFFFF">
+                        <a:alpha val="0"/>
+                      </a:srgbClr>
+                    </a:clrTo>
+                  </a:clrChange>
+                </a:blip>
+                <a:stretch>
+                  <a:fillRect/>
+                </a:stretch>
+              </p:blipFill>
+              <p:spPr>
+                <a:xfrm>
+                  <a:off x="3595227" y="1420168"/>
+                  <a:ext cx="1174810" cy="1041454"/>
+                </a:xfrm>
+                <a:prstGeom prst="rect">
+                  <a:avLst/>
+                </a:prstGeom>
+              </p:spPr>
+            </p:pic>
+            <p:pic>
+              <p:nvPicPr>
+                <p:cNvPr id="36" name="Picture 35">
+                  <a:extLst>
+                    <a:ext uri="{FF2B5EF4-FFF2-40B4-BE49-F238E27FC236}">
+                      <a16:creationId xmlns:a16="http://schemas.microsoft.com/office/drawing/2014/main" id="{EB6BBCFB-8E63-423E-8851-46E9097D52F7}"/>
+                    </a:ext>
+                  </a:extLst>
+                </p:cNvPr>
+                <p:cNvPicPr>
+                  <a:picLocks noChangeAspect="1"/>
+                </p:cNvPicPr>
+                <p:nvPr/>
+              </p:nvPicPr>
+              <p:blipFill>
+                <a:blip r:embed="rId5"/>
+                <a:stretch>
+                  <a:fillRect/>
+                </a:stretch>
+              </p:blipFill>
+              <p:spPr>
+                <a:xfrm>
+                  <a:off x="3825012" y="499896"/>
+                  <a:ext cx="869995" cy="850944"/>
+                </a:xfrm>
+                <a:prstGeom prst="rect">
+                  <a:avLst/>
+                </a:prstGeom>
+              </p:spPr>
+            </p:pic>
+            <p:sp>
+              <p:nvSpPr>
+                <p:cNvPr id="58" name="Rectangle 57">
+                  <a:extLst>
+                    <a:ext uri="{FF2B5EF4-FFF2-40B4-BE49-F238E27FC236}">
+                      <a16:creationId xmlns:a16="http://schemas.microsoft.com/office/drawing/2014/main" id="{E0BDE120-D5D1-49ED-9AB6-743C1B5DDAF2}"/>
+                    </a:ext>
+                  </a:extLst>
+                </p:cNvPr>
+                <p:cNvSpPr/>
+                <p:nvPr/>
+              </p:nvSpPr>
+              <p:spPr>
+                <a:xfrm>
+                  <a:off x="3399629" y="153286"/>
+                  <a:ext cx="2770293" cy="2700867"/>
+                </a:xfrm>
+                <a:prstGeom prst="rect">
+                  <a:avLst/>
+                </a:prstGeom>
+                <a:noFill/>
+                <a:ln w="38100">
+                  <a:solidFill>
+                    <a:srgbClr val="5B9BD5"/>
+                  </a:solidFill>
+                  <a:prstDash val="sysDot"/>
+                </a:ln>
+              </p:spPr>
+              <p:style>
+                <a:lnRef idx="2">
+                  <a:schemeClr val="accent1">
+                    <a:shade val="50000"/>
+                  </a:schemeClr>
+                </a:lnRef>
+                <a:fillRef idx="1">
+                  <a:schemeClr val="accent1"/>
+                </a:fillRef>
+                <a:effectRef idx="0">
+                  <a:schemeClr val="accent1"/>
+                </a:effectRef>
+                <a:fontRef idx="minor">
+                  <a:schemeClr val="lt1"/>
+                </a:fontRef>
+              </p:style>
+              <p:txBody>
+                <a:bodyPr rtlCol="0" anchor="ctr"/>
+                <a:lstStyle/>
+                <a:p>
+                  <a:pPr algn="ctr"/>
+                  <a:endParaRPr lang="en-GB"/>
+                </a:p>
+              </p:txBody>
+            </p:sp>
+            <p:grpSp>
+              <p:nvGrpSpPr>
+                <p:cNvPr id="61" name="Group 60">
+                  <a:extLst>
+                    <a:ext uri="{FF2B5EF4-FFF2-40B4-BE49-F238E27FC236}">
+                      <a16:creationId xmlns:a16="http://schemas.microsoft.com/office/drawing/2014/main" id="{02FFCFF1-2457-46FF-ABEB-177C71E9B6FC}"/>
+                    </a:ext>
+                  </a:extLst>
+                </p:cNvPr>
+                <p:cNvGrpSpPr/>
+                <p:nvPr/>
+              </p:nvGrpSpPr>
+              <p:grpSpPr>
+                <a:xfrm>
+                  <a:off x="5574821" y="2521170"/>
+                  <a:ext cx="908492" cy="682597"/>
+                  <a:chOff x="5358637" y="4686040"/>
+                  <a:chExt cx="908492" cy="682597"/>
+                </a:xfrm>
+              </p:grpSpPr>
+              <p:sp>
+                <p:nvSpPr>
+                  <p:cNvPr id="60" name="Rectangle 59">
+                    <a:extLst>
+                      <a:ext uri="{FF2B5EF4-FFF2-40B4-BE49-F238E27FC236}">
+                        <a16:creationId xmlns:a16="http://schemas.microsoft.com/office/drawing/2014/main" id="{E2D81316-84F0-4EA5-B2C0-5D8AE24B47EF}"/>
+                      </a:ext>
+                    </a:extLst>
+                  </p:cNvPr>
+                  <p:cNvSpPr/>
+                  <p:nvPr/>
+                </p:nvSpPr>
+                <p:spPr>
+                  <a:xfrm>
+                    <a:off x="5427133" y="4818529"/>
+                    <a:ext cx="713691" cy="407895"/>
+                  </a:xfrm>
+                  <a:prstGeom prst="rect">
+                    <a:avLst/>
+                  </a:prstGeom>
+                  <a:solidFill>
+                    <a:schemeClr val="bg1"/>
+                  </a:solidFill>
+                  <a:ln>
+                    <a:noFill/>
+                  </a:ln>
+                </p:spPr>
+                <p:style>
+                  <a:lnRef idx="2">
+                    <a:schemeClr val="accent1">
+                      <a:shade val="50000"/>
+                    </a:schemeClr>
+                  </a:lnRef>
+                  <a:fillRef idx="1">
+                    <a:schemeClr val="accent1"/>
+                  </a:fillRef>
+                  <a:effectRef idx="0">
+                    <a:schemeClr val="accent1"/>
+                  </a:effectRef>
+                  <a:fontRef idx="minor">
+                    <a:schemeClr val="lt1"/>
+                  </a:fontRef>
+                </p:style>
+                <p:txBody>
+                  <a:bodyPr rtlCol="0" anchor="ctr"/>
+                  <a:lstStyle/>
+                  <a:p>
+                    <a:pPr algn="ctr"/>
+                    <a:endParaRPr lang="en-GB"/>
+                  </a:p>
+                </p:txBody>
+              </p:sp>
+              <p:pic>
+                <p:nvPicPr>
+                  <p:cNvPr id="59" name="Picture 58">
+                    <a:extLst>
+                      <a:ext uri="{FF2B5EF4-FFF2-40B4-BE49-F238E27FC236}">
+                        <a16:creationId xmlns:a16="http://schemas.microsoft.com/office/drawing/2014/main" id="{7E32F89D-79D1-45A5-A1F4-0C52884F93ED}"/>
+                      </a:ext>
+                    </a:extLst>
+                  </p:cNvPr>
+                  <p:cNvPicPr>
+                    <a:picLocks noChangeAspect="1"/>
+                  </p:cNvPicPr>
+                  <p:nvPr/>
+                </p:nvPicPr>
+                <p:blipFill>
+                  <a:blip r:embed="rId6">
+                    <a:clrChange>
+                      <a:clrFrom>
+                        <a:srgbClr val="FFFFFF"/>
+                      </a:clrFrom>
+                      <a:clrTo>
+                        <a:srgbClr val="FFFFFF">
+                          <a:alpha val="0"/>
+                        </a:srgbClr>
+                      </a:clrTo>
+                    </a:clrChange>
+                  </a:blip>
+                  <a:stretch>
+                    <a:fillRect/>
+                  </a:stretch>
+                </p:blipFill>
+                <p:spPr>
+                  <a:xfrm>
+                    <a:off x="5358637" y="4686040"/>
+                    <a:ext cx="908492" cy="682597"/>
+                  </a:xfrm>
+                  <a:prstGeom prst="rect">
+                    <a:avLst/>
+                  </a:prstGeom>
+                </p:spPr>
+              </p:pic>
+            </p:grpSp>
+            <p:sp>
+              <p:nvSpPr>
+                <p:cNvPr id="68" name="TextBox 67">
+                  <a:extLst>
+                    <a:ext uri="{FF2B5EF4-FFF2-40B4-BE49-F238E27FC236}">
+                      <a16:creationId xmlns:a16="http://schemas.microsoft.com/office/drawing/2014/main" id="{737A5110-B902-4EB7-925A-176F4328E5D1}"/>
+                    </a:ext>
+                  </a:extLst>
+                </p:cNvPr>
+                <p:cNvSpPr txBox="1"/>
+                <p:nvPr/>
+              </p:nvSpPr>
+              <p:spPr>
+                <a:xfrm>
+                  <a:off x="5125444" y="2843935"/>
+                  <a:ext cx="713691" cy="307777"/>
+                </a:xfrm>
+                <a:prstGeom prst="rect">
+                  <a:avLst/>
+                </a:prstGeom>
+                <a:noFill/>
+              </p:spPr>
+              <p:txBody>
+                <a:bodyPr wrap="square" rtlCol="0">
+                  <a:spAutoFit/>
+                </a:bodyPr>
+                <a:lstStyle/>
+                <a:p>
+                  <a:pPr algn="ctr"/>
+                  <a:r>
+                    <a:rPr lang="en-GB" sz="1400" dirty="0" err="1">
+                      <a:latin typeface="Segoe UI Semilight" panose="020B0402040204020203" pitchFamily="34" charset="0"/>
+                      <a:cs typeface="Segoe UI Semilight" panose="020B0402040204020203" pitchFamily="34" charset="0"/>
+                    </a:rPr>
+                    <a:t>VNet</a:t>
+                  </a:r>
+                  <a:endParaRPr lang="en-GB" sz="1400" dirty="0">
+                    <a:latin typeface="Segoe UI Semilight" panose="020B0402040204020203" pitchFamily="34" charset="0"/>
+                    <a:cs typeface="Segoe UI Semilight" panose="020B0402040204020203" pitchFamily="34" charset="0"/>
+                  </a:endParaRPr>
+                </a:p>
+              </p:txBody>
+            </p:sp>
+            <p:sp>
+              <p:nvSpPr>
+                <p:cNvPr id="69" name="TextBox 68">
+                  <a:extLst>
+                    <a:ext uri="{FF2B5EF4-FFF2-40B4-BE49-F238E27FC236}">
+                      <a16:creationId xmlns:a16="http://schemas.microsoft.com/office/drawing/2014/main" id="{B07A2E68-80E6-4876-B3B9-CF2CFD7ADE0D}"/>
+                    </a:ext>
+                  </a:extLst>
+                </p:cNvPr>
+                <p:cNvSpPr txBox="1"/>
+                <p:nvPr/>
+              </p:nvSpPr>
+              <p:spPr>
+                <a:xfrm>
+                  <a:off x="3735497" y="2345882"/>
+                  <a:ext cx="908492" cy="523220"/>
+                </a:xfrm>
+                <a:prstGeom prst="rect">
+                  <a:avLst/>
+                </a:prstGeom>
+                <a:noFill/>
+              </p:spPr>
+              <p:txBody>
+                <a:bodyPr wrap="square" rtlCol="0">
+                  <a:spAutoFit/>
+                </a:bodyPr>
+                <a:lstStyle/>
+                <a:p>
+                  <a:pPr algn="ctr"/>
+                  <a:r>
+                    <a:rPr lang="en-GB" sz="1400" dirty="0">
+                      <a:latin typeface="Segoe UI Semilight" panose="020B0402040204020203" pitchFamily="34" charset="0"/>
+                      <a:cs typeface="Segoe UI Semilight" panose="020B0402040204020203" pitchFamily="34" charset="0"/>
+                    </a:rPr>
+                    <a:t>Active Directory</a:t>
+                  </a:r>
+                </a:p>
+              </p:txBody>
+            </p:sp>
+            <p:sp>
+              <p:nvSpPr>
+                <p:cNvPr id="70" name="TextBox 69">
+                  <a:extLst>
+                    <a:ext uri="{FF2B5EF4-FFF2-40B4-BE49-F238E27FC236}">
+                      <a16:creationId xmlns:a16="http://schemas.microsoft.com/office/drawing/2014/main" id="{FFBC1F5F-D413-49CF-91BA-299EBC64F855}"/>
+                    </a:ext>
+                  </a:extLst>
+                </p:cNvPr>
+                <p:cNvSpPr txBox="1"/>
+                <p:nvPr/>
+              </p:nvSpPr>
+              <p:spPr>
+                <a:xfrm>
+                  <a:off x="4899637" y="222444"/>
+                  <a:ext cx="1009010" cy="523220"/>
+                </a:xfrm>
+                <a:prstGeom prst="rect">
+                  <a:avLst/>
+                </a:prstGeom>
+                <a:noFill/>
+              </p:spPr>
+              <p:txBody>
+                <a:bodyPr wrap="square" rtlCol="0">
+                  <a:spAutoFit/>
+                </a:bodyPr>
+                <a:lstStyle/>
+                <a:p>
+                  <a:pPr algn="ctr"/>
+                  <a:r>
+                    <a:rPr lang="en-GB" sz="1400" dirty="0">
+                      <a:latin typeface="Segoe UI Semilight" panose="020B0402040204020203" pitchFamily="34" charset="0"/>
+                      <a:cs typeface="Segoe UI Semilight" panose="020B0402040204020203" pitchFamily="34" charset="0"/>
+                    </a:rPr>
+                    <a:t>DDOS protection</a:t>
+                  </a:r>
+                </a:p>
+              </p:txBody>
+            </p:sp>
+            <p:sp>
+              <p:nvSpPr>
+                <p:cNvPr id="71" name="TextBox 70">
+                  <a:extLst>
+                    <a:ext uri="{FF2B5EF4-FFF2-40B4-BE49-F238E27FC236}">
+                      <a16:creationId xmlns:a16="http://schemas.microsoft.com/office/drawing/2014/main" id="{F8CA4FF7-ACF8-4198-9D55-FE1CBFE699A7}"/>
+                    </a:ext>
+                  </a:extLst>
+                </p:cNvPr>
+                <p:cNvSpPr txBox="1"/>
+                <p:nvPr/>
+              </p:nvSpPr>
+              <p:spPr>
+                <a:xfrm>
+                  <a:off x="3390014" y="264850"/>
+                  <a:ext cx="869995" cy="523220"/>
+                </a:xfrm>
+                <a:prstGeom prst="rect">
+                  <a:avLst/>
+                </a:prstGeom>
+                <a:noFill/>
+              </p:spPr>
+              <p:txBody>
+                <a:bodyPr wrap="square" rtlCol="0">
+                  <a:spAutoFit/>
+                </a:bodyPr>
+                <a:lstStyle/>
+                <a:p>
+                  <a:pPr algn="ctr"/>
+                  <a:r>
+                    <a:rPr lang="en-GB" sz="1400" dirty="0">
+                      <a:latin typeface="Segoe UI Semilight" panose="020B0402040204020203" pitchFamily="34" charset="0"/>
+                      <a:cs typeface="Segoe UI Semilight" panose="020B0402040204020203" pitchFamily="34" charset="0"/>
+                    </a:rPr>
+                    <a:t>Azure Firewall</a:t>
+                  </a:r>
+                </a:p>
+              </p:txBody>
+            </p:sp>
+          </p:grpSp>
+        </p:grpSp>
+        <p:sp>
+          <p:nvSpPr>
+            <p:cNvPr id="15" name="TextBox 14">
+              <a:extLst>
+                <a:ext uri="{FF2B5EF4-FFF2-40B4-BE49-F238E27FC236}">
+                  <a16:creationId xmlns:a16="http://schemas.microsoft.com/office/drawing/2014/main" id="{7A20343E-32D2-41A1-8C87-8A0DE735F4F4}"/>
+                </a:ext>
+              </a:extLst>
+            </p:cNvPr>
+            <p:cNvSpPr txBox="1"/>
+            <p:nvPr/>
+          </p:nvSpPr>
+          <p:spPr>
+            <a:xfrm>
+              <a:off x="10316210" y="3244174"/>
+              <a:ext cx="1451231" cy="369332"/>
+            </a:xfrm>
+            <a:prstGeom prst="rect">
+              <a:avLst/>
+            </a:prstGeom>
+            <a:noFill/>
+          </p:spPr>
+          <p:txBody>
+            <a:bodyPr wrap="none" rtlCol="0">
+              <a:spAutoFit/>
+            </a:bodyPr>
+            <a:lstStyle/>
+            <a:p>
+              <a:r>
+                <a:rPr lang="en-GB" dirty="0">
+                  <a:latin typeface="Segoe UI Semilight" panose="020B0402040204020203" pitchFamily="34" charset="0"/>
+                  <a:cs typeface="Segoe UI Semilight" panose="020B0402040204020203" pitchFamily="34" charset="0"/>
+                </a:rPr>
+                <a:t>On-Premises</a:t>
+              </a:r>
+            </a:p>
+          </p:txBody>
+        </p:sp>
+        <p:sp>
+          <p:nvSpPr>
+            <p:cNvPr id="16" name="Rectangle 15">
+              <a:extLst>
+                <a:ext uri="{FF2B5EF4-FFF2-40B4-BE49-F238E27FC236}">
+                  <a16:creationId xmlns:a16="http://schemas.microsoft.com/office/drawing/2014/main" id="{622970DB-C4BE-4FD8-AA13-70AA24E535D8}"/>
+                </a:ext>
+              </a:extLst>
+            </p:cNvPr>
+            <p:cNvSpPr/>
+            <p:nvPr/>
+          </p:nvSpPr>
+          <p:spPr>
+            <a:xfrm>
+              <a:off x="10077450" y="3182842"/>
+              <a:ext cx="1849120" cy="2940934"/>
+            </a:xfrm>
+            <a:prstGeom prst="rect">
+              <a:avLst/>
+            </a:prstGeom>
+            <a:noFill/>
+            <a:ln w="76200">
+              <a:solidFill>
+                <a:srgbClr val="A5A5A5"/>
+              </a:solidFill>
+              <a:prstDash val="sysDot"/>
+            </a:ln>
+          </p:spPr>
+          <p:style>
+            <a:lnRef idx="2">
+              <a:schemeClr val="accent1">
+                <a:shade val="50000"/>
+              </a:schemeClr>
+            </a:lnRef>
+            <a:fillRef idx="1">
+              <a:schemeClr val="accent1"/>
+            </a:fillRef>
+            <a:effectRef idx="0">
+              <a:schemeClr val="accent1"/>
+            </a:effectRef>
+            <a:fontRef idx="minor">
+              <a:schemeClr val="lt1"/>
+            </a:fontRef>
+          </p:style>
+          <p:txBody>
+            <a:bodyPr rtlCol="0" anchor="ctr"/>
+            <a:lstStyle/>
+            <a:p>
+              <a:pPr algn="ctr"/>
+              <a:endParaRPr lang="en-GB">
+                <a:latin typeface="Segoe UI Semilight" panose="020B0402040204020203" pitchFamily="34" charset="0"/>
+                <a:cs typeface="Segoe UI Semilight" panose="020B0402040204020203" pitchFamily="34" charset="0"/>
+              </a:endParaRPr>
+            </a:p>
+          </p:txBody>
+        </p:sp>
+        <p:grpSp>
+          <p:nvGrpSpPr>
+            <p:cNvPr id="159" name="Group 158">
+              <a:extLst>
+                <a:ext uri="{FF2B5EF4-FFF2-40B4-BE49-F238E27FC236}">
+                  <a16:creationId xmlns:a16="http://schemas.microsoft.com/office/drawing/2014/main" id="{1EE5864B-16DD-40E5-A3E8-2FC71E651CF6}"/>
+                </a:ext>
+              </a:extLst>
+            </p:cNvPr>
+            <p:cNvGrpSpPr/>
+            <p:nvPr/>
+          </p:nvGrpSpPr>
+          <p:grpSpPr>
+            <a:xfrm>
+              <a:off x="8366718" y="4796000"/>
+              <a:ext cx="3322174" cy="1199161"/>
+              <a:chOff x="8366718" y="3575852"/>
+              <a:chExt cx="3322174" cy="1199161"/>
+            </a:xfrm>
+          </p:grpSpPr>
+          <p:grpSp>
+            <p:nvGrpSpPr>
+              <p:cNvPr id="80" name="Group 79">
+                <a:extLst>
+                  <a:ext uri="{FF2B5EF4-FFF2-40B4-BE49-F238E27FC236}">
+                    <a16:creationId xmlns:a16="http://schemas.microsoft.com/office/drawing/2014/main" id="{05E85FB0-7702-4CF1-BF32-C92AD1897B5A}"/>
+                  </a:ext>
+                </a:extLst>
+              </p:cNvPr>
+              <p:cNvGrpSpPr/>
+              <p:nvPr/>
+            </p:nvGrpSpPr>
+            <p:grpSpPr>
+              <a:xfrm>
+                <a:off x="10316210" y="3613506"/>
+                <a:ext cx="1372682" cy="1161507"/>
+                <a:chOff x="9528810" y="848880"/>
+                <a:chExt cx="1372682" cy="1161507"/>
+              </a:xfrm>
+            </p:grpSpPr>
+            <p:pic>
+              <p:nvPicPr>
+                <p:cNvPr id="12" name="Graphic 11" descr="Building">
+                  <a:extLst>
+                    <a:ext uri="{FF2B5EF4-FFF2-40B4-BE49-F238E27FC236}">
+                      <a16:creationId xmlns:a16="http://schemas.microsoft.com/office/drawing/2014/main" id="{BB05C67C-AFA8-48B8-A50D-4F4C8EACCF38}"/>
+                    </a:ext>
+                  </a:extLst>
+                </p:cNvPr>
+                <p:cNvPicPr>
+                  <a:picLocks noChangeAspect="1"/>
+                </p:cNvPicPr>
+                <p:nvPr/>
+              </p:nvPicPr>
+              <p:blipFill>
+                <a:blip r:embed="rId7">
+                  <a:extLst>
+                    <a:ext uri="{28A0092B-C50C-407E-A947-70E740481C1C}">
+                      <a14:useLocalDpi xmlns:a14="http://schemas.microsoft.com/office/drawing/2010/main" val="0"/>
+                    </a:ext>
+                    <a:ext uri="{96DAC541-7B7A-43D3-8B79-37D633B846F1}">
+                      <asvg:svgBlip xmlns:asvg="http://schemas.microsoft.com/office/drawing/2016/SVG/main" r:embed="rId8"/>
+                    </a:ext>
+                  </a:extLst>
+                </a:blip>
+                <a:stretch>
+                  <a:fillRect/>
+                </a:stretch>
+              </p:blipFill>
+              <p:spPr>
+                <a:xfrm>
+                  <a:off x="9758043" y="848880"/>
+                  <a:ext cx="914400" cy="914400"/>
+                </a:xfrm>
+                <a:prstGeom prst="rect">
+                  <a:avLst/>
+                </a:prstGeom>
+              </p:spPr>
+            </p:pic>
+            <p:sp>
+              <p:nvSpPr>
+                <p:cNvPr id="17" name="TextBox 16">
+                  <a:extLst>
+                    <a:ext uri="{FF2B5EF4-FFF2-40B4-BE49-F238E27FC236}">
+                      <a16:creationId xmlns:a16="http://schemas.microsoft.com/office/drawing/2014/main" id="{8021D4FA-6E55-4511-BD58-330BD07874C3}"/>
+                    </a:ext>
+                  </a:extLst>
+                </p:cNvPr>
+                <p:cNvSpPr txBox="1"/>
+                <p:nvPr/>
+              </p:nvSpPr>
+              <p:spPr>
+                <a:xfrm>
+                  <a:off x="9528810" y="1702610"/>
+                  <a:ext cx="1372682" cy="307777"/>
+                </a:xfrm>
+                <a:prstGeom prst="rect">
+                  <a:avLst/>
+                </a:prstGeom>
+                <a:noFill/>
+              </p:spPr>
+              <p:txBody>
+                <a:bodyPr wrap="square" rtlCol="0">
+                  <a:spAutoFit/>
+                </a:bodyPr>
+                <a:lstStyle/>
+                <a:p>
+                  <a:pPr algn="ctr"/>
+                  <a:r>
+                    <a:rPr lang="en-GB" sz="1400" dirty="0">
+                      <a:latin typeface="Segoe UI Semilight" panose="020B0402040204020203" pitchFamily="34" charset="0"/>
+                      <a:cs typeface="Segoe UI Semilight" panose="020B0402040204020203" pitchFamily="34" charset="0"/>
+                    </a:rPr>
+                    <a:t>HQ</a:t>
+                  </a:r>
+                </a:p>
+              </p:txBody>
+            </p:sp>
+          </p:grpSp>
+          <p:grpSp>
+            <p:nvGrpSpPr>
+              <p:cNvPr id="158" name="Group 157">
+                <a:extLst>
+                  <a:ext uri="{FF2B5EF4-FFF2-40B4-BE49-F238E27FC236}">
+                    <a16:creationId xmlns:a16="http://schemas.microsoft.com/office/drawing/2014/main" id="{24A4C56F-0795-4ECF-B470-2BDCF0265F0A}"/>
+                  </a:ext>
+                </a:extLst>
+              </p:cNvPr>
+              <p:cNvGrpSpPr/>
+              <p:nvPr/>
+            </p:nvGrpSpPr>
+            <p:grpSpPr>
+              <a:xfrm>
+                <a:off x="8366718" y="3575852"/>
+                <a:ext cx="2129831" cy="995260"/>
+                <a:chOff x="8366718" y="3575852"/>
+                <a:chExt cx="2129831" cy="995260"/>
+              </a:xfrm>
+            </p:grpSpPr>
+            <p:sp>
+              <p:nvSpPr>
+                <p:cNvPr id="136" name="Arrow: Left-Right 135">
+                  <a:extLst>
+                    <a:ext uri="{FF2B5EF4-FFF2-40B4-BE49-F238E27FC236}">
+                      <a16:creationId xmlns:a16="http://schemas.microsoft.com/office/drawing/2014/main" id="{89487CB8-D983-4725-A02E-605350E28D3B}"/>
+                    </a:ext>
+                  </a:extLst>
+                </p:cNvPr>
+                <p:cNvSpPr/>
+                <p:nvPr/>
+              </p:nvSpPr>
+              <p:spPr>
+                <a:xfrm>
+                  <a:off x="8366718" y="3575852"/>
+                  <a:ext cx="2129831" cy="995260"/>
+                </a:xfrm>
+                <a:prstGeom prst="leftRightArrow">
+                  <a:avLst>
+                    <a:gd name="adj1" fmla="val 70417"/>
+                    <a:gd name="adj2" fmla="val 25755"/>
+                  </a:avLst>
+                </a:prstGeom>
+                <a:solidFill>
+                  <a:srgbClr val="A5A5A5"/>
+                </a:solidFill>
+                <a:ln>
+                  <a:noFill/>
+                </a:ln>
+              </p:spPr>
+              <p:style>
+                <a:lnRef idx="2">
+                  <a:schemeClr val="accent1">
+                    <a:shade val="50000"/>
+                  </a:schemeClr>
+                </a:lnRef>
+                <a:fillRef idx="1">
+                  <a:schemeClr val="accent1"/>
+                </a:fillRef>
+                <a:effectRef idx="0">
+                  <a:schemeClr val="accent1"/>
+                </a:effectRef>
+                <a:fontRef idx="minor">
+                  <a:schemeClr val="lt1"/>
+                </a:fontRef>
+              </p:style>
+              <p:txBody>
+                <a:bodyPr rtlCol="0" anchor="ctr"/>
+                <a:lstStyle/>
+                <a:p>
+                  <a:pPr algn="ctr"/>
+                  <a:endParaRPr lang="en-GB"/>
+                </a:p>
+              </p:txBody>
+            </p:sp>
+            <p:grpSp>
+              <p:nvGrpSpPr>
+                <p:cNvPr id="77" name="Group 76">
+                  <a:extLst>
+                    <a:ext uri="{FF2B5EF4-FFF2-40B4-BE49-F238E27FC236}">
+                      <a16:creationId xmlns:a16="http://schemas.microsoft.com/office/drawing/2014/main" id="{998DEFAD-6D25-4009-B3D2-3A60E0266513}"/>
+                    </a:ext>
+                  </a:extLst>
+                </p:cNvPr>
+                <p:cNvGrpSpPr/>
+                <p:nvPr/>
+              </p:nvGrpSpPr>
+              <p:grpSpPr>
+                <a:xfrm>
+                  <a:off x="8772579" y="3666600"/>
+                  <a:ext cx="1199798" cy="800636"/>
+                  <a:chOff x="7963947" y="1085755"/>
+                  <a:chExt cx="1199798" cy="800636"/>
+                </a:xfrm>
+              </p:grpSpPr>
+              <p:pic>
+                <p:nvPicPr>
+                  <p:cNvPr id="25" name="Picture 24">
+                    <a:extLst>
+                      <a:ext uri="{FF2B5EF4-FFF2-40B4-BE49-F238E27FC236}">
+                        <a16:creationId xmlns:a16="http://schemas.microsoft.com/office/drawing/2014/main" id="{521F238D-09BA-4C31-B67F-B6000BFFDBEB}"/>
+                      </a:ext>
+                    </a:extLst>
+                  </p:cNvPr>
+                  <p:cNvPicPr>
+                    <a:picLocks noChangeAspect="1"/>
+                  </p:cNvPicPr>
+                  <p:nvPr/>
+                </p:nvPicPr>
+                <p:blipFill>
+                  <a:blip r:embed="rId9">
+                    <a:clrChange>
+                      <a:clrFrom>
+                        <a:srgbClr val="FFFFFF"/>
+                      </a:clrFrom>
+                      <a:clrTo>
+                        <a:srgbClr val="FFFFFF">
+                          <a:alpha val="0"/>
+                        </a:srgbClr>
+                      </a:clrTo>
+                    </a:clrChange>
+                  </a:blip>
+                  <a:stretch>
+                    <a:fillRect/>
+                  </a:stretch>
+                </p:blipFill>
+                <p:spPr>
+                  <a:xfrm>
+                    <a:off x="8117991" y="1085755"/>
+                    <a:ext cx="891710" cy="677525"/>
+                  </a:xfrm>
+                  <a:prstGeom prst="rect">
+                    <a:avLst/>
+                  </a:prstGeom>
+                </p:spPr>
+              </p:pic>
+              <p:sp>
+                <p:nvSpPr>
+                  <p:cNvPr id="33" name="TextBox 32">
+                    <a:extLst>
+                      <a:ext uri="{FF2B5EF4-FFF2-40B4-BE49-F238E27FC236}">
+                        <a16:creationId xmlns:a16="http://schemas.microsoft.com/office/drawing/2014/main" id="{F5D17D4D-8777-4219-80D6-3F36F07BD671}"/>
+                      </a:ext>
+                    </a:extLst>
+                  </p:cNvPr>
+                  <p:cNvSpPr txBox="1"/>
+                  <p:nvPr/>
+                </p:nvSpPr>
+                <p:spPr>
+                  <a:xfrm>
+                    <a:off x="7963947" y="1578614"/>
+                    <a:ext cx="1199798" cy="307777"/>
+                  </a:xfrm>
+                  <a:prstGeom prst="rect">
+                    <a:avLst/>
+                  </a:prstGeom>
+                  <a:noFill/>
+                </p:spPr>
+                <p:txBody>
+                  <a:bodyPr wrap="square" rtlCol="0">
+                    <a:spAutoFit/>
+                  </a:bodyPr>
+                  <a:lstStyle/>
+                  <a:p>
+                    <a:pPr algn="ctr"/>
+                    <a:r>
+                      <a:rPr lang="en-GB" sz="1400" dirty="0">
+                        <a:latin typeface="Segoe UI Semilight" panose="020B0402040204020203" pitchFamily="34" charset="0"/>
+                        <a:cs typeface="Segoe UI Semilight" panose="020B0402040204020203" pitchFamily="34" charset="0"/>
+                      </a:rPr>
+                      <a:t>ExpressRoute</a:t>
+                    </a:r>
+                  </a:p>
+                </p:txBody>
+              </p:sp>
+            </p:grpSp>
+          </p:grpSp>
+        </p:grpSp>
+        <p:sp>
+          <p:nvSpPr>
+            <p:cNvPr id="137" name="Arrow: Right 136">
+              <a:extLst>
+                <a:ext uri="{FF2B5EF4-FFF2-40B4-BE49-F238E27FC236}">
+                  <a16:creationId xmlns:a16="http://schemas.microsoft.com/office/drawing/2014/main" id="{205E1C7E-2A17-4B42-8EAB-2386319A3508}"/>
+                </a:ext>
+              </a:extLst>
+            </p:cNvPr>
+            <p:cNvSpPr/>
+            <p:nvPr/>
+          </p:nvSpPr>
+          <p:spPr>
+            <a:xfrm>
+              <a:off x="9360765" y="3575762"/>
+              <a:ext cx="1135784" cy="317522"/>
+            </a:xfrm>
+            <a:prstGeom prst="rightArrow">
+              <a:avLst/>
+            </a:prstGeom>
+            <a:solidFill>
+              <a:srgbClr val="77C5E6"/>
+            </a:solidFill>
+            <a:ln>
+              <a:noFill/>
+            </a:ln>
+          </p:spPr>
+          <p:style>
+            <a:lnRef idx="2">
+              <a:schemeClr val="accent1">
+                <a:shade val="50000"/>
+              </a:schemeClr>
+            </a:lnRef>
+            <a:fillRef idx="1">
+              <a:schemeClr val="accent1"/>
+            </a:fillRef>
+            <a:effectRef idx="0">
+              <a:schemeClr val="accent1"/>
+            </a:effectRef>
+            <a:fontRef idx="minor">
+              <a:schemeClr val="lt1"/>
+            </a:fontRef>
+          </p:style>
+          <p:txBody>
+            <a:bodyPr rtlCol="0" anchor="ctr"/>
+            <a:lstStyle/>
+            <a:p>
+              <a:pPr algn="ctr"/>
+              <a:endParaRPr lang="en-GB"/>
+            </a:p>
+          </p:txBody>
+        </p:sp>
+        <p:sp>
+          <p:nvSpPr>
+            <p:cNvPr id="140" name="Arrow: Right 139">
+              <a:extLst>
+                <a:ext uri="{FF2B5EF4-FFF2-40B4-BE49-F238E27FC236}">
+                  <a16:creationId xmlns:a16="http://schemas.microsoft.com/office/drawing/2014/main" id="{AC4A0C1E-66C3-4F22-B811-49DE5D1BFD9E}"/>
+                </a:ext>
+              </a:extLst>
+            </p:cNvPr>
+            <p:cNvSpPr/>
+            <p:nvPr/>
+          </p:nvSpPr>
+          <p:spPr>
+            <a:xfrm>
+              <a:off x="9360765" y="3948550"/>
+              <a:ext cx="1135784" cy="317522"/>
+            </a:xfrm>
+            <a:prstGeom prst="rightArrow">
+              <a:avLst/>
+            </a:prstGeom>
+            <a:solidFill>
+              <a:srgbClr val="77C5E6"/>
+            </a:solidFill>
+            <a:ln>
+              <a:noFill/>
+            </a:ln>
+          </p:spPr>
+          <p:style>
+            <a:lnRef idx="2">
+              <a:schemeClr val="accent1">
+                <a:shade val="50000"/>
+              </a:schemeClr>
+            </a:lnRef>
+            <a:fillRef idx="1">
+              <a:schemeClr val="accent1"/>
+            </a:fillRef>
+            <a:effectRef idx="0">
+              <a:schemeClr val="accent1"/>
+            </a:effectRef>
+            <a:fontRef idx="minor">
+              <a:schemeClr val="lt1"/>
+            </a:fontRef>
+          </p:style>
+          <p:txBody>
+            <a:bodyPr rtlCol="0" anchor="ctr"/>
+            <a:lstStyle/>
+            <a:p>
+              <a:pPr algn="ctr"/>
+              <a:endParaRPr lang="en-GB"/>
+            </a:p>
+          </p:txBody>
+        </p:sp>
+        <p:grpSp>
+          <p:nvGrpSpPr>
+            <p:cNvPr id="79" name="Group 78">
+              <a:extLst>
+                <a:ext uri="{FF2B5EF4-FFF2-40B4-BE49-F238E27FC236}">
+                  <a16:creationId xmlns:a16="http://schemas.microsoft.com/office/drawing/2014/main" id="{300321F2-6491-4A5C-9990-1BEC4262435F}"/>
+                </a:ext>
+              </a:extLst>
+            </p:cNvPr>
+            <p:cNvGrpSpPr/>
+            <p:nvPr/>
+          </p:nvGrpSpPr>
+          <p:grpSpPr>
+            <a:xfrm>
+              <a:off x="10316210" y="3497886"/>
+              <a:ext cx="1372682" cy="1037511"/>
+              <a:chOff x="9528810" y="2749936"/>
+              <a:chExt cx="1372682" cy="1037511"/>
+            </a:xfrm>
+          </p:grpSpPr>
+          <p:pic>
+            <p:nvPicPr>
+              <p:cNvPr id="10" name="Graphic 9" descr="City">
+                <a:extLst>
+                  <a:ext uri="{FF2B5EF4-FFF2-40B4-BE49-F238E27FC236}">
+                    <a16:creationId xmlns:a16="http://schemas.microsoft.com/office/drawing/2014/main" id="{3C061ECA-946C-4459-8146-9BC2166D9312}"/>
+                  </a:ext>
+                </a:extLst>
+              </p:cNvPr>
+              <p:cNvPicPr>
+                <a:picLocks noChangeAspect="1"/>
+              </p:cNvPicPr>
+              <p:nvPr/>
+            </p:nvPicPr>
+            <p:blipFill>
+              <a:blip r:embed="rId10">
+                <a:extLst>
+                  <a:ext uri="{28A0092B-C50C-407E-A947-70E740481C1C}">
+                    <a14:useLocalDpi xmlns:a14="http://schemas.microsoft.com/office/drawing/2010/main" val="0"/>
+                  </a:ext>
+                  <a:ext uri="{96DAC541-7B7A-43D3-8B79-37D633B846F1}">
+                    <asvg:svgBlip xmlns:asvg="http://schemas.microsoft.com/office/drawing/2016/SVG/main" r:embed="rId11"/>
+                  </a:ext>
+                </a:extLst>
+              </a:blip>
+              <a:stretch>
+                <a:fillRect/>
+              </a:stretch>
+            </p:blipFill>
+            <p:spPr>
+              <a:xfrm>
+                <a:off x="9758043" y="2749936"/>
+                <a:ext cx="914400" cy="914400"/>
+              </a:xfrm>
+              <a:prstGeom prst="rect">
+                <a:avLst/>
+              </a:prstGeom>
+            </p:spPr>
+          </p:pic>
+          <p:sp>
+            <p:nvSpPr>
+              <p:cNvPr id="18" name="TextBox 17">
+                <a:extLst>
+                  <a:ext uri="{FF2B5EF4-FFF2-40B4-BE49-F238E27FC236}">
+                    <a16:creationId xmlns:a16="http://schemas.microsoft.com/office/drawing/2014/main" id="{9E7332B4-1E81-4CFC-B6D2-AB3D7B0CDF93}"/>
+                  </a:ext>
+                </a:extLst>
+              </p:cNvPr>
+              <p:cNvSpPr txBox="1"/>
+              <p:nvPr/>
+            </p:nvSpPr>
+            <p:spPr>
+              <a:xfrm>
+                <a:off x="9528810" y="3479670"/>
+                <a:ext cx="1372682" cy="307777"/>
+              </a:xfrm>
+              <a:prstGeom prst="rect">
+                <a:avLst/>
+              </a:prstGeom>
+              <a:noFill/>
+            </p:spPr>
+            <p:txBody>
+              <a:bodyPr wrap="square" rtlCol="0">
+                <a:spAutoFit/>
+              </a:bodyPr>
+              <a:lstStyle/>
+              <a:p>
+                <a:pPr algn="ctr"/>
+                <a:r>
+                  <a:rPr lang="en-GB" sz="1400" dirty="0">
+                    <a:latin typeface="Segoe UI Semilight" panose="020B0402040204020203" pitchFamily="34" charset="0"/>
+                    <a:cs typeface="Segoe UI Semilight" panose="020B0402040204020203" pitchFamily="34" charset="0"/>
+                  </a:rPr>
+                  <a:t>Satellite Offices</a:t>
+                </a:r>
+              </a:p>
+            </p:txBody>
+          </p:sp>
+        </p:grpSp>
+        <p:grpSp>
+          <p:nvGrpSpPr>
+            <p:cNvPr id="161" name="Group 160">
+              <a:extLst>
+                <a:ext uri="{FF2B5EF4-FFF2-40B4-BE49-F238E27FC236}">
+                  <a16:creationId xmlns:a16="http://schemas.microsoft.com/office/drawing/2014/main" id="{49FC2C55-736B-4441-875F-A67245FB56FC}"/>
+                </a:ext>
+              </a:extLst>
+            </p:cNvPr>
+            <p:cNvGrpSpPr/>
+            <p:nvPr/>
+          </p:nvGrpSpPr>
+          <p:grpSpPr>
+            <a:xfrm>
+              <a:off x="8942018" y="3454599"/>
+              <a:ext cx="1016052" cy="965868"/>
+              <a:chOff x="8942018" y="2041151"/>
+              <a:chExt cx="1016052" cy="965868"/>
+            </a:xfrm>
+          </p:grpSpPr>
+          <p:sp>
+            <p:nvSpPr>
+              <p:cNvPr id="142" name="Rectangle 141">
+                <a:extLst>
+                  <a:ext uri="{FF2B5EF4-FFF2-40B4-BE49-F238E27FC236}">
+                    <a16:creationId xmlns:a16="http://schemas.microsoft.com/office/drawing/2014/main" id="{F7EF69FB-0706-4341-878F-C83627B36903}"/>
+                  </a:ext>
+                </a:extLst>
+              </p:cNvPr>
+              <p:cNvSpPr/>
+              <p:nvPr/>
+            </p:nvSpPr>
+            <p:spPr>
+              <a:xfrm>
+                <a:off x="9194800" y="2331694"/>
+                <a:ext cx="484135" cy="366772"/>
+              </a:xfrm>
+              <a:prstGeom prst="rect">
+                <a:avLst/>
+              </a:prstGeom>
+              <a:solidFill>
+                <a:schemeClr val="bg1"/>
+              </a:solidFill>
+              <a:ln>
+                <a:noFill/>
+              </a:ln>
+            </p:spPr>
+            <p:style>
+              <a:lnRef idx="2">
+                <a:schemeClr val="accent1">
+                  <a:shade val="50000"/>
+                </a:schemeClr>
+              </a:lnRef>
+              <a:fillRef idx="1">
+                <a:schemeClr val="accent1"/>
+              </a:fillRef>
+              <a:effectRef idx="0">
+                <a:schemeClr val="accent1"/>
+              </a:effectRef>
+              <a:fontRef idx="minor">
+                <a:schemeClr val="lt1"/>
+              </a:fontRef>
+            </p:style>
+            <p:txBody>
+              <a:bodyPr rtlCol="0" anchor="ctr"/>
+              <a:lstStyle/>
+              <a:p>
+                <a:pPr algn="ctr"/>
+                <a:endParaRPr lang="en-GB"/>
+              </a:p>
+            </p:txBody>
+          </p:sp>
+          <p:grpSp>
+            <p:nvGrpSpPr>
+              <p:cNvPr id="76" name="Group 75">
+                <a:extLst>
+                  <a:ext uri="{FF2B5EF4-FFF2-40B4-BE49-F238E27FC236}">
+                    <a16:creationId xmlns:a16="http://schemas.microsoft.com/office/drawing/2014/main" id="{41551FEA-0E8F-4EFF-AE58-A6CF3EA5DEE9}"/>
+                  </a:ext>
+                </a:extLst>
+              </p:cNvPr>
+              <p:cNvGrpSpPr/>
+              <p:nvPr/>
+            </p:nvGrpSpPr>
+            <p:grpSpPr>
+              <a:xfrm>
+                <a:off x="8942018" y="2041151"/>
+                <a:ext cx="1016052" cy="965868"/>
+                <a:chOff x="8044949" y="3099904"/>
+                <a:chExt cx="1016052" cy="965868"/>
+              </a:xfrm>
+            </p:grpSpPr>
+            <p:pic>
+              <p:nvPicPr>
+                <p:cNvPr id="27" name="Picture 26">
+                  <a:extLst>
+                    <a:ext uri="{FF2B5EF4-FFF2-40B4-BE49-F238E27FC236}">
+                      <a16:creationId xmlns:a16="http://schemas.microsoft.com/office/drawing/2014/main" id="{055D241C-DD88-4380-9DBA-9BB353CD539F}"/>
+                    </a:ext>
+                  </a:extLst>
+                </p:cNvPr>
+                <p:cNvPicPr>
+                  <a:picLocks noChangeAspect="1"/>
+                </p:cNvPicPr>
+                <p:nvPr/>
+              </p:nvPicPr>
+              <p:blipFill>
+                <a:blip r:embed="rId12">
+                  <a:clrChange>
+                    <a:clrFrom>
+                      <a:srgbClr val="FFFFFF"/>
+                    </a:clrFrom>
+                    <a:clrTo>
+                      <a:srgbClr val="FFFFFF">
+                        <a:alpha val="0"/>
+                      </a:srgbClr>
+                    </a:clrTo>
+                  </a:clrChange>
+                </a:blip>
+                <a:stretch>
+                  <a:fillRect/>
+                </a:stretch>
+              </p:blipFill>
+              <p:spPr>
+                <a:xfrm>
+                  <a:off x="8197149" y="3099904"/>
+                  <a:ext cx="699380" cy="712493"/>
+                </a:xfrm>
+                <a:prstGeom prst="rect">
+                  <a:avLst/>
+                </a:prstGeom>
+              </p:spPr>
+            </p:pic>
+            <p:sp>
+              <p:nvSpPr>
+                <p:cNvPr id="34" name="TextBox 33">
+                  <a:extLst>
+                    <a:ext uri="{FF2B5EF4-FFF2-40B4-BE49-F238E27FC236}">
+                      <a16:creationId xmlns:a16="http://schemas.microsoft.com/office/drawing/2014/main" id="{413CB75F-A91B-49DC-9A9E-EE97F5B6ED7B}"/>
+                    </a:ext>
+                  </a:extLst>
+                </p:cNvPr>
+                <p:cNvSpPr txBox="1"/>
+                <p:nvPr/>
+              </p:nvSpPr>
+              <p:spPr>
+                <a:xfrm>
+                  <a:off x="8044949" y="3757995"/>
+                  <a:ext cx="1016052" cy="307777"/>
+                </a:xfrm>
+                <a:prstGeom prst="rect">
+                  <a:avLst/>
+                </a:prstGeom>
+                <a:noFill/>
+              </p:spPr>
+              <p:txBody>
+                <a:bodyPr wrap="square" rtlCol="0">
+                  <a:spAutoFit/>
+                </a:bodyPr>
+                <a:lstStyle/>
+                <a:p>
+                  <a:pPr algn="ctr"/>
+                  <a:r>
+                    <a:rPr lang="en-GB" sz="1400" dirty="0">
+                      <a:latin typeface="Segoe UI Semilight" panose="020B0402040204020203" pitchFamily="34" charset="0"/>
+                      <a:cs typeface="Segoe UI Semilight" panose="020B0402040204020203" pitchFamily="34" charset="0"/>
+                    </a:rPr>
+                    <a:t>VPN</a:t>
+                  </a:r>
+                </a:p>
+              </p:txBody>
+            </p:sp>
+          </p:grpSp>
+        </p:grpSp>
+        <p:grpSp>
+          <p:nvGrpSpPr>
+            <p:cNvPr id="110" name="Group 109">
+              <a:extLst>
+                <a:ext uri="{FF2B5EF4-FFF2-40B4-BE49-F238E27FC236}">
+                  <a16:creationId xmlns:a16="http://schemas.microsoft.com/office/drawing/2014/main" id="{CA3B33A1-953E-4B7A-B547-A19B741E62EA}"/>
+                </a:ext>
+              </a:extLst>
+            </p:cNvPr>
+            <p:cNvGrpSpPr/>
+            <p:nvPr/>
+          </p:nvGrpSpPr>
+          <p:grpSpPr>
+            <a:xfrm>
+              <a:off x="140450" y="2929505"/>
+              <a:ext cx="2165553" cy="3859947"/>
+              <a:chOff x="140450" y="52955"/>
+              <a:chExt cx="2165553" cy="3859947"/>
+            </a:xfrm>
+          </p:grpSpPr>
+          <p:grpSp>
+            <p:nvGrpSpPr>
+              <p:cNvPr id="48" name="Group 47">
+                <a:extLst>
+                  <a:ext uri="{FF2B5EF4-FFF2-40B4-BE49-F238E27FC236}">
+                    <a16:creationId xmlns:a16="http://schemas.microsoft.com/office/drawing/2014/main" id="{1B76919F-83CD-45BA-B56B-44B69287829B}"/>
+                  </a:ext>
+                </a:extLst>
+              </p:cNvPr>
+              <p:cNvGrpSpPr/>
+              <p:nvPr/>
+            </p:nvGrpSpPr>
+            <p:grpSpPr>
+              <a:xfrm>
+                <a:off x="1261851" y="313678"/>
+                <a:ext cx="816458" cy="816458"/>
+                <a:chOff x="3828158" y="4585427"/>
+                <a:chExt cx="816458" cy="816458"/>
+              </a:xfrm>
+            </p:grpSpPr>
+            <p:pic>
+              <p:nvPicPr>
+                <p:cNvPr id="40" name="Graphic 39" descr="Lock">
+                  <a:extLst>
+                    <a:ext uri="{FF2B5EF4-FFF2-40B4-BE49-F238E27FC236}">
+                      <a16:creationId xmlns:a16="http://schemas.microsoft.com/office/drawing/2014/main" id="{1264F9E4-D246-4378-B554-1EAE314D6073}"/>
+                    </a:ext>
+                  </a:extLst>
+                </p:cNvPr>
+                <p:cNvPicPr>
+                  <a:picLocks noChangeAspect="1"/>
+                </p:cNvPicPr>
+                <p:nvPr/>
+              </p:nvPicPr>
+              <p:blipFill>
+                <a:blip r:embed="rId13">
+                  <a:extLst>
+                    <a:ext uri="{28A0092B-C50C-407E-A947-70E740481C1C}">
+                      <a14:useLocalDpi xmlns:a14="http://schemas.microsoft.com/office/drawing/2010/main" val="0"/>
+                    </a:ext>
+                    <a:ext uri="{96DAC541-7B7A-43D3-8B79-37D633B846F1}">
+                      <asvg:svgBlip xmlns:asvg="http://schemas.microsoft.com/office/drawing/2016/SVG/main" r:embed="rId14"/>
+                    </a:ext>
+                  </a:extLst>
+                </a:blip>
+                <a:stretch>
+                  <a:fillRect/>
+                </a:stretch>
+              </p:blipFill>
+              <p:spPr>
+                <a:xfrm>
+                  <a:off x="3828158" y="4585427"/>
+                  <a:ext cx="816458" cy="816458"/>
+                </a:xfrm>
+                <a:prstGeom prst="rect">
+                  <a:avLst/>
+                </a:prstGeom>
+              </p:spPr>
+            </p:pic>
+            <p:sp>
+              <p:nvSpPr>
+                <p:cNvPr id="41" name="TextBox 40">
+                  <a:extLst>
+                    <a:ext uri="{FF2B5EF4-FFF2-40B4-BE49-F238E27FC236}">
+                      <a16:creationId xmlns:a16="http://schemas.microsoft.com/office/drawing/2014/main" id="{4913B024-AE82-4D2A-9C6E-CC6B64282ABD}"/>
+                    </a:ext>
+                  </a:extLst>
+                </p:cNvPr>
+                <p:cNvSpPr txBox="1"/>
+                <p:nvPr/>
+              </p:nvSpPr>
+              <p:spPr>
+                <a:xfrm>
+                  <a:off x="4028732" y="5010165"/>
+                  <a:ext cx="371748" cy="215444"/>
+                </a:xfrm>
+                <a:prstGeom prst="rect">
+                  <a:avLst/>
+                </a:prstGeom>
+                <a:solidFill>
+                  <a:srgbClr val="5B9BD5"/>
+                </a:solidFill>
+              </p:spPr>
+              <p:txBody>
+                <a:bodyPr wrap="square" lIns="0" tIns="0" rIns="0" bIns="0" rtlCol="0">
+                  <a:spAutoFit/>
+                </a:bodyPr>
+                <a:lstStyle/>
+                <a:p>
+                  <a:pPr algn="ctr"/>
+                  <a:r>
+                    <a:rPr lang="en-GB" sz="1400" b="1" dirty="0">
+                      <a:solidFill>
+                        <a:schemeClr val="bg1"/>
+                      </a:solidFill>
+                      <a:latin typeface="Segoe UI Semilight" panose="020B0402040204020203" pitchFamily="34" charset="0"/>
+                      <a:cs typeface="Segoe UI Semilight" panose="020B0402040204020203" pitchFamily="34" charset="0"/>
+                    </a:rPr>
+                    <a:t>NSG</a:t>
+                  </a:r>
+                </a:p>
+              </p:txBody>
+            </p:sp>
+          </p:grpSp>
+          <p:grpSp>
+            <p:nvGrpSpPr>
+              <p:cNvPr id="54" name="Group 53">
+                <a:extLst>
+                  <a:ext uri="{FF2B5EF4-FFF2-40B4-BE49-F238E27FC236}">
+                    <a16:creationId xmlns:a16="http://schemas.microsoft.com/office/drawing/2014/main" id="{1BE7E0FB-7979-48A2-B7F5-A62A50D7433D}"/>
+                  </a:ext>
+                </a:extLst>
+              </p:cNvPr>
+              <p:cNvGrpSpPr/>
+              <p:nvPr/>
+            </p:nvGrpSpPr>
+            <p:grpSpPr>
+              <a:xfrm>
+                <a:off x="140450" y="1550586"/>
+                <a:ext cx="1016052" cy="984582"/>
+                <a:chOff x="568313" y="4311129"/>
+                <a:chExt cx="1016052" cy="984582"/>
+              </a:xfrm>
+            </p:grpSpPr>
+            <p:pic>
+              <p:nvPicPr>
+                <p:cNvPr id="30" name="Picture 29">
+                  <a:extLst>
+                    <a:ext uri="{FF2B5EF4-FFF2-40B4-BE49-F238E27FC236}">
+                      <a16:creationId xmlns:a16="http://schemas.microsoft.com/office/drawing/2014/main" id="{635DD745-A63D-4918-8610-5DF4C1731EBE}"/>
+                    </a:ext>
+                  </a:extLst>
+                </p:cNvPr>
+                <p:cNvPicPr>
+                  <a:picLocks noChangeAspect="1"/>
+                </p:cNvPicPr>
+                <p:nvPr/>
+              </p:nvPicPr>
+              <p:blipFill>
+                <a:blip r:embed="rId15"/>
+                <a:stretch>
+                  <a:fillRect/>
+                </a:stretch>
+              </p:blipFill>
+              <p:spPr>
+                <a:xfrm>
+                  <a:off x="667138" y="4311129"/>
+                  <a:ext cx="818403" cy="749822"/>
+                </a:xfrm>
+                <a:prstGeom prst="rect">
+                  <a:avLst/>
+                </a:prstGeom>
+              </p:spPr>
+            </p:pic>
+            <p:sp>
+              <p:nvSpPr>
+                <p:cNvPr id="49" name="TextBox 48">
+                  <a:extLst>
+                    <a:ext uri="{FF2B5EF4-FFF2-40B4-BE49-F238E27FC236}">
+                      <a16:creationId xmlns:a16="http://schemas.microsoft.com/office/drawing/2014/main" id="{B8604F9F-1072-41D8-8801-E346584DD829}"/>
+                    </a:ext>
+                  </a:extLst>
+                </p:cNvPr>
+                <p:cNvSpPr txBox="1"/>
+                <p:nvPr/>
+              </p:nvSpPr>
+              <p:spPr>
+                <a:xfrm>
+                  <a:off x="568313" y="4987934"/>
+                  <a:ext cx="1016052" cy="307777"/>
+                </a:xfrm>
+                <a:prstGeom prst="rect">
+                  <a:avLst/>
+                </a:prstGeom>
+                <a:noFill/>
+              </p:spPr>
+              <p:txBody>
+                <a:bodyPr wrap="square" rtlCol="0">
+                  <a:spAutoFit/>
+                </a:bodyPr>
+                <a:lstStyle/>
+                <a:p>
+                  <a:pPr algn="ctr"/>
+                  <a:r>
+                    <a:rPr lang="en-GB" sz="1400" dirty="0">
+                      <a:latin typeface="Segoe UI Semilight" panose="020B0402040204020203" pitchFamily="34" charset="0"/>
+                      <a:cs typeface="Segoe UI Semilight" panose="020B0402040204020203" pitchFamily="34" charset="0"/>
+                    </a:rPr>
+                    <a:t>IIS</a:t>
+                  </a:r>
+                </a:p>
+              </p:txBody>
+            </p:sp>
+          </p:grpSp>
+          <p:grpSp>
+            <p:nvGrpSpPr>
+              <p:cNvPr id="55" name="Group 54">
+                <a:extLst>
+                  <a:ext uri="{FF2B5EF4-FFF2-40B4-BE49-F238E27FC236}">
+                    <a16:creationId xmlns:a16="http://schemas.microsoft.com/office/drawing/2014/main" id="{4ED0F3DA-B7FE-42A2-8AD4-388BC014C162}"/>
+                  </a:ext>
+                </a:extLst>
+              </p:cNvPr>
+              <p:cNvGrpSpPr/>
+              <p:nvPr/>
+            </p:nvGrpSpPr>
+            <p:grpSpPr>
+              <a:xfrm>
+                <a:off x="909780" y="1550586"/>
+                <a:ext cx="1016052" cy="984582"/>
+                <a:chOff x="1592994" y="4311129"/>
+                <a:chExt cx="1016052" cy="984582"/>
+              </a:xfrm>
+            </p:grpSpPr>
+            <p:pic>
+              <p:nvPicPr>
+                <p:cNvPr id="37" name="Picture 36">
+                  <a:extLst>
+                    <a:ext uri="{FF2B5EF4-FFF2-40B4-BE49-F238E27FC236}">
+                      <a16:creationId xmlns:a16="http://schemas.microsoft.com/office/drawing/2014/main" id="{D299BE9F-5683-47DC-93D4-465401F5862B}"/>
+                    </a:ext>
+                  </a:extLst>
+                </p:cNvPr>
+                <p:cNvPicPr>
+                  <a:picLocks noChangeAspect="1"/>
+                </p:cNvPicPr>
+                <p:nvPr/>
+              </p:nvPicPr>
+              <p:blipFill>
+                <a:blip r:embed="rId15"/>
+                <a:stretch>
+                  <a:fillRect/>
+                </a:stretch>
+              </p:blipFill>
+              <p:spPr>
+                <a:xfrm>
+                  <a:off x="1688942" y="4311129"/>
+                  <a:ext cx="818403" cy="749822"/>
+                </a:xfrm>
+                <a:prstGeom prst="rect">
+                  <a:avLst/>
+                </a:prstGeom>
+              </p:spPr>
+            </p:pic>
+            <p:sp>
+              <p:nvSpPr>
+                <p:cNvPr id="50" name="TextBox 49">
+                  <a:extLst>
+                    <a:ext uri="{FF2B5EF4-FFF2-40B4-BE49-F238E27FC236}">
+                      <a16:creationId xmlns:a16="http://schemas.microsoft.com/office/drawing/2014/main" id="{83D1D68A-038D-48F0-ACD9-5AF9907619E9}"/>
+                    </a:ext>
+                  </a:extLst>
+                </p:cNvPr>
+                <p:cNvSpPr txBox="1"/>
+                <p:nvPr/>
+              </p:nvSpPr>
+              <p:spPr>
+                <a:xfrm>
+                  <a:off x="1592994" y="4987934"/>
+                  <a:ext cx="1016052" cy="307777"/>
+                </a:xfrm>
+                <a:prstGeom prst="rect">
+                  <a:avLst/>
+                </a:prstGeom>
+                <a:noFill/>
+              </p:spPr>
+              <p:txBody>
+                <a:bodyPr wrap="square" rtlCol="0">
+                  <a:spAutoFit/>
+                </a:bodyPr>
+                <a:lstStyle/>
+                <a:p>
+                  <a:pPr algn="ctr"/>
+                  <a:r>
+                    <a:rPr lang="en-GB" sz="1400" dirty="0">
+                      <a:latin typeface="Segoe UI Semilight" panose="020B0402040204020203" pitchFamily="34" charset="0"/>
+                      <a:cs typeface="Segoe UI Semilight" panose="020B0402040204020203" pitchFamily="34" charset="0"/>
+                    </a:rPr>
+                    <a:t>IIS</a:t>
+                  </a:r>
+                </a:p>
+              </p:txBody>
+            </p:sp>
+          </p:grpSp>
+          <p:grpSp>
+            <p:nvGrpSpPr>
+              <p:cNvPr id="57" name="Group 56">
+                <a:extLst>
+                  <a:ext uri="{FF2B5EF4-FFF2-40B4-BE49-F238E27FC236}">
+                    <a16:creationId xmlns:a16="http://schemas.microsoft.com/office/drawing/2014/main" id="{D7A07CD3-0A7A-4C3B-AB52-96CD76847D18}"/>
+                  </a:ext>
+                </a:extLst>
+              </p:cNvPr>
+              <p:cNvGrpSpPr/>
+              <p:nvPr/>
+            </p:nvGrpSpPr>
+            <p:grpSpPr>
+              <a:xfrm>
+                <a:off x="576588" y="2438974"/>
+                <a:ext cx="1016052" cy="984356"/>
+                <a:chOff x="1592994" y="5295937"/>
+                <a:chExt cx="1016052" cy="984356"/>
+              </a:xfrm>
+            </p:grpSpPr>
+            <p:grpSp>
+              <p:nvGrpSpPr>
+                <p:cNvPr id="47" name="Group 46">
+                  <a:extLst>
+                    <a:ext uri="{FF2B5EF4-FFF2-40B4-BE49-F238E27FC236}">
+                      <a16:creationId xmlns:a16="http://schemas.microsoft.com/office/drawing/2014/main" id="{FE5A5D7C-89EA-4FC9-9EA2-C9A27493E3BE}"/>
+                    </a:ext>
+                  </a:extLst>
+                </p:cNvPr>
+                <p:cNvGrpSpPr/>
+                <p:nvPr/>
+              </p:nvGrpSpPr>
+              <p:grpSpPr>
+                <a:xfrm>
+                  <a:off x="1674715" y="5295937"/>
+                  <a:ext cx="818403" cy="749822"/>
+                  <a:chOff x="6908241" y="4869690"/>
+                  <a:chExt cx="1136708" cy="1041454"/>
+                </a:xfrm>
+              </p:grpSpPr>
+              <p:pic>
+                <p:nvPicPr>
+                  <p:cNvPr id="43" name="Picture 42">
+                    <a:extLst>
+                      <a:ext uri="{FF2B5EF4-FFF2-40B4-BE49-F238E27FC236}">
+                        <a16:creationId xmlns:a16="http://schemas.microsoft.com/office/drawing/2014/main" id="{6F3BAFC5-55DB-441D-81F8-4AF82011CD77}"/>
+                      </a:ext>
+                    </a:extLst>
+                  </p:cNvPr>
+                  <p:cNvPicPr>
+                    <a:picLocks noChangeAspect="1"/>
+                  </p:cNvPicPr>
+                  <p:nvPr/>
+                </p:nvPicPr>
+                <p:blipFill>
+                  <a:blip r:embed="rId15">
+                    <a:clrChange>
+                      <a:clrFrom>
+                        <a:srgbClr val="FFFFFF"/>
+                      </a:clrFrom>
+                      <a:clrTo>
+                        <a:srgbClr val="FFFFFF">
+                          <a:alpha val="0"/>
+                        </a:srgbClr>
+                      </a:clrTo>
+                    </a:clrChange>
+                  </a:blip>
+                  <a:stretch>
+                    <a:fillRect/>
+                  </a:stretch>
+                </p:blipFill>
+                <p:spPr>
+                  <a:xfrm>
+                    <a:off x="6908241" y="4869690"/>
+                    <a:ext cx="1136708" cy="1041454"/>
+                  </a:xfrm>
+                  <a:prstGeom prst="rect">
+                    <a:avLst/>
+                  </a:prstGeom>
+                </p:spPr>
+              </p:pic>
+              <p:sp>
+                <p:nvSpPr>
+                  <p:cNvPr id="44" name="Rectangle 43">
+                    <a:extLst>
+                      <a:ext uri="{FF2B5EF4-FFF2-40B4-BE49-F238E27FC236}">
+                        <a16:creationId xmlns:a16="http://schemas.microsoft.com/office/drawing/2014/main" id="{DC51FB42-FE55-4BE1-A70F-E9FC1AEC60B0}"/>
+                      </a:ext>
+                    </a:extLst>
+                  </p:cNvPr>
+                  <p:cNvSpPr/>
+                  <p:nvPr/>
+                </p:nvSpPr>
+                <p:spPr>
+                  <a:xfrm>
+                    <a:off x="7207250" y="5060951"/>
+                    <a:ext cx="562070" cy="482600"/>
+                  </a:xfrm>
+                  <a:prstGeom prst="rect">
+                    <a:avLst/>
+                  </a:prstGeom>
+                  <a:solidFill>
+                    <a:srgbClr val="59B4D9"/>
+                  </a:solidFill>
+                  <a:ln>
+                    <a:noFill/>
+                  </a:ln>
+                </p:spPr>
+                <p:style>
+                  <a:lnRef idx="2">
+                    <a:schemeClr val="accent1">
+                      <a:shade val="50000"/>
+                    </a:schemeClr>
+                  </a:lnRef>
+                  <a:fillRef idx="1">
+                    <a:schemeClr val="accent1"/>
+                  </a:fillRef>
+                  <a:effectRef idx="0">
+                    <a:schemeClr val="accent1"/>
+                  </a:effectRef>
+                  <a:fontRef idx="minor">
+                    <a:schemeClr val="lt1"/>
+                  </a:fontRef>
+                </p:style>
+                <p:txBody>
+                  <a:bodyPr rtlCol="0" anchor="ctr"/>
+                  <a:lstStyle/>
+                  <a:p>
+                    <a:pPr algn="ctr"/>
+                    <a:endParaRPr lang="en-GB"/>
+                  </a:p>
+                </p:txBody>
+              </p:sp>
+              <p:pic>
+                <p:nvPicPr>
+                  <p:cNvPr id="46" name="Graphic 45" descr="Database">
+                    <a:extLst>
+                      <a:ext uri="{FF2B5EF4-FFF2-40B4-BE49-F238E27FC236}">
+                        <a16:creationId xmlns:a16="http://schemas.microsoft.com/office/drawing/2014/main" id="{B4F10433-30AF-4BE0-B7E8-522D4EF80122}"/>
+                      </a:ext>
+                    </a:extLst>
+                  </p:cNvPr>
+                  <p:cNvPicPr>
+                    <a:picLocks noChangeAspect="1"/>
+                  </p:cNvPicPr>
+                  <p:nvPr/>
+                </p:nvPicPr>
+                <p:blipFill>
+                  <a:blip r:embed="rId16">
+                    <a:extLst>
+                      <a:ext uri="{28A0092B-C50C-407E-A947-70E740481C1C}">
+                        <a14:useLocalDpi xmlns:a14="http://schemas.microsoft.com/office/drawing/2010/main" val="0"/>
+                      </a:ext>
+                      <a:ext uri="{96DAC541-7B7A-43D3-8B79-37D633B846F1}">
+                        <asvg:svgBlip xmlns:asvg="http://schemas.microsoft.com/office/drawing/2016/SVG/main" r:embed="rId17"/>
+                      </a:ext>
+                    </a:extLst>
+                  </a:blip>
+                  <a:stretch>
+                    <a:fillRect/>
+                  </a:stretch>
+                </p:blipFill>
+                <p:spPr>
+                  <a:xfrm>
+                    <a:off x="7230111" y="5041901"/>
+                    <a:ext cx="530474" cy="530474"/>
+                  </a:xfrm>
+                  <a:prstGeom prst="rect">
+                    <a:avLst/>
+                  </a:prstGeom>
+                </p:spPr>
+              </p:pic>
+            </p:grpSp>
+            <p:sp>
+              <p:nvSpPr>
+                <p:cNvPr id="52" name="TextBox 51">
+                  <a:extLst>
+                    <a:ext uri="{FF2B5EF4-FFF2-40B4-BE49-F238E27FC236}">
+                      <a16:creationId xmlns:a16="http://schemas.microsoft.com/office/drawing/2014/main" id="{975C0A49-FEAA-4731-BB43-2A055D3EDA80}"/>
+                    </a:ext>
+                  </a:extLst>
+                </p:cNvPr>
+                <p:cNvSpPr txBox="1"/>
+                <p:nvPr/>
+              </p:nvSpPr>
+              <p:spPr>
+                <a:xfrm>
+                  <a:off x="1592994" y="5972516"/>
+                  <a:ext cx="1016052" cy="307777"/>
+                </a:xfrm>
+                <a:prstGeom prst="rect">
+                  <a:avLst/>
+                </a:prstGeom>
+                <a:noFill/>
+              </p:spPr>
+              <p:txBody>
+                <a:bodyPr wrap="square" rtlCol="0">
+                  <a:spAutoFit/>
+                </a:bodyPr>
+                <a:lstStyle/>
+                <a:p>
+                  <a:pPr algn="ctr"/>
+                  <a:r>
+                    <a:rPr lang="en-GB" sz="1400" dirty="0">
+                      <a:latin typeface="Segoe UI Semilight" panose="020B0402040204020203" pitchFamily="34" charset="0"/>
+                      <a:cs typeface="Segoe UI Semilight" panose="020B0402040204020203" pitchFamily="34" charset="0"/>
+                    </a:rPr>
+                    <a:t>DB</a:t>
+                  </a:r>
+                </a:p>
+              </p:txBody>
+            </p:sp>
+          </p:grpSp>
+          <p:sp>
+            <p:nvSpPr>
+              <p:cNvPr id="62" name="Rectangle 61">
+                <a:extLst>
+                  <a:ext uri="{FF2B5EF4-FFF2-40B4-BE49-F238E27FC236}">
+                    <a16:creationId xmlns:a16="http://schemas.microsoft.com/office/drawing/2014/main" id="{C4BEC688-0C34-4004-9739-EE4E16B9F344}"/>
+                  </a:ext>
+                </a:extLst>
+              </p:cNvPr>
+              <p:cNvSpPr/>
+              <p:nvPr/>
+            </p:nvSpPr>
+            <p:spPr>
+              <a:xfrm>
+                <a:off x="173715" y="337222"/>
+                <a:ext cx="1811051" cy="3235800"/>
+              </a:xfrm>
+              <a:prstGeom prst="rect">
+                <a:avLst/>
+              </a:prstGeom>
+              <a:noFill/>
+              <a:ln w="38100">
+                <a:solidFill>
+                  <a:srgbClr val="5B9BD5"/>
+                </a:solidFill>
+                <a:prstDash val="sysDot"/>
+              </a:ln>
+            </p:spPr>
+            <p:style>
+              <a:lnRef idx="2">
+                <a:schemeClr val="accent1">
+                  <a:shade val="50000"/>
+                </a:schemeClr>
+              </a:lnRef>
+              <a:fillRef idx="1">
+                <a:schemeClr val="accent1"/>
+              </a:fillRef>
+              <a:effectRef idx="0">
+                <a:schemeClr val="accent1"/>
+              </a:effectRef>
+              <a:fontRef idx="minor">
+                <a:schemeClr val="lt1"/>
+              </a:fontRef>
+            </p:style>
+            <p:txBody>
+              <a:bodyPr rtlCol="0" anchor="ctr"/>
+              <a:lstStyle/>
+              <a:p>
+                <a:pPr algn="ctr"/>
+                <a:endParaRPr lang="en-GB"/>
+              </a:p>
+            </p:txBody>
+          </p:sp>
+          <p:grpSp>
+            <p:nvGrpSpPr>
+              <p:cNvPr id="63" name="Group 62">
+                <a:extLst>
+                  <a:ext uri="{FF2B5EF4-FFF2-40B4-BE49-F238E27FC236}">
+                    <a16:creationId xmlns:a16="http://schemas.microsoft.com/office/drawing/2014/main" id="{84618313-D453-465C-A754-FF95BF8E5CD7}"/>
+                  </a:ext>
+                </a:extLst>
+              </p:cNvPr>
+              <p:cNvGrpSpPr/>
+              <p:nvPr/>
+            </p:nvGrpSpPr>
+            <p:grpSpPr>
+              <a:xfrm>
+                <a:off x="1397511" y="3230305"/>
+                <a:ext cx="908492" cy="682597"/>
+                <a:chOff x="5358637" y="4686040"/>
+                <a:chExt cx="908492" cy="682597"/>
+              </a:xfrm>
+            </p:grpSpPr>
+            <p:sp>
+              <p:nvSpPr>
+                <p:cNvPr id="64" name="Rectangle 63">
+                  <a:extLst>
+                    <a:ext uri="{FF2B5EF4-FFF2-40B4-BE49-F238E27FC236}">
+                      <a16:creationId xmlns:a16="http://schemas.microsoft.com/office/drawing/2014/main" id="{3475E751-AC4D-43FA-B57B-0510676E99D0}"/>
+                    </a:ext>
+                  </a:extLst>
+                </p:cNvPr>
+                <p:cNvSpPr/>
+                <p:nvPr/>
+              </p:nvSpPr>
+              <p:spPr>
+                <a:xfrm>
+                  <a:off x="5427133" y="4818529"/>
+                  <a:ext cx="713691" cy="407895"/>
+                </a:xfrm>
+                <a:prstGeom prst="rect">
+                  <a:avLst/>
+                </a:prstGeom>
+                <a:solidFill>
+                  <a:schemeClr val="bg1"/>
+                </a:solidFill>
+                <a:ln>
+                  <a:noFill/>
+                </a:ln>
+              </p:spPr>
+              <p:style>
+                <a:lnRef idx="2">
+                  <a:schemeClr val="accent1">
+                    <a:shade val="50000"/>
+                  </a:schemeClr>
+                </a:lnRef>
+                <a:fillRef idx="1">
+                  <a:schemeClr val="accent1"/>
+                </a:fillRef>
+                <a:effectRef idx="0">
+                  <a:schemeClr val="accent1"/>
+                </a:effectRef>
+                <a:fontRef idx="minor">
+                  <a:schemeClr val="lt1"/>
+                </a:fontRef>
+              </p:style>
+              <p:txBody>
+                <a:bodyPr rtlCol="0" anchor="ctr"/>
+                <a:lstStyle/>
+                <a:p>
+                  <a:pPr algn="ctr"/>
+                  <a:endParaRPr lang="en-GB"/>
+                </a:p>
+              </p:txBody>
+            </p:sp>
+            <p:pic>
+              <p:nvPicPr>
+                <p:cNvPr id="65" name="Picture 64">
+                  <a:extLst>
+                    <a:ext uri="{FF2B5EF4-FFF2-40B4-BE49-F238E27FC236}">
+                      <a16:creationId xmlns:a16="http://schemas.microsoft.com/office/drawing/2014/main" id="{6F3E8E70-AD2D-441D-8162-F545CE69C542}"/>
+                    </a:ext>
+                  </a:extLst>
+                </p:cNvPr>
+                <p:cNvPicPr>
+                  <a:picLocks noChangeAspect="1"/>
+                </p:cNvPicPr>
+                <p:nvPr/>
+              </p:nvPicPr>
+              <p:blipFill>
+                <a:blip r:embed="rId6">
+                  <a:clrChange>
+                    <a:clrFrom>
+                      <a:srgbClr val="FFFFFF"/>
+                    </a:clrFrom>
+                    <a:clrTo>
+                      <a:srgbClr val="FFFFFF">
+                        <a:alpha val="0"/>
+                      </a:srgbClr>
+                    </a:clrTo>
+                  </a:clrChange>
+                </a:blip>
+                <a:stretch>
+                  <a:fillRect/>
+                </a:stretch>
+              </p:blipFill>
+              <p:spPr>
+                <a:xfrm>
+                  <a:off x="5358637" y="4686040"/>
+                  <a:ext cx="908492" cy="682597"/>
+                </a:xfrm>
+                <a:prstGeom prst="rect">
+                  <a:avLst/>
+                </a:prstGeom>
+              </p:spPr>
+            </p:pic>
+          </p:grpSp>
+          <p:grpSp>
+            <p:nvGrpSpPr>
+              <p:cNvPr id="109" name="Group 108">
+                <a:extLst>
+                  <a:ext uri="{FF2B5EF4-FFF2-40B4-BE49-F238E27FC236}">
+                    <a16:creationId xmlns:a16="http://schemas.microsoft.com/office/drawing/2014/main" id="{F9332310-6BAC-4834-AF64-DA60907FD617}"/>
+                  </a:ext>
+                </a:extLst>
+              </p:cNvPr>
+              <p:cNvGrpSpPr/>
+              <p:nvPr/>
+            </p:nvGrpSpPr>
+            <p:grpSpPr>
+              <a:xfrm>
+                <a:off x="196618" y="401757"/>
+                <a:ext cx="1126728" cy="1142160"/>
+                <a:chOff x="1076591" y="401757"/>
+                <a:chExt cx="1126728" cy="1142160"/>
+              </a:xfrm>
+            </p:grpSpPr>
+            <p:pic>
+              <p:nvPicPr>
+                <p:cNvPr id="24" name="Picture 23">
+                  <a:extLst>
+                    <a:ext uri="{FF2B5EF4-FFF2-40B4-BE49-F238E27FC236}">
+                      <a16:creationId xmlns:a16="http://schemas.microsoft.com/office/drawing/2014/main" id="{C6D968C1-0A4E-4211-A90E-779CEEEE97F7}"/>
+                    </a:ext>
+                  </a:extLst>
+                </p:cNvPr>
+                <p:cNvPicPr>
+                  <a:picLocks noChangeAspect="1"/>
+                </p:cNvPicPr>
+                <p:nvPr/>
+              </p:nvPicPr>
+              <p:blipFill>
+                <a:blip r:embed="rId18">
+                  <a:clrChange>
+                    <a:clrFrom>
+                      <a:srgbClr val="FFFFFF"/>
+                    </a:clrFrom>
+                    <a:clrTo>
+                      <a:srgbClr val="FFFFFF">
+                        <a:alpha val="0"/>
+                      </a:srgbClr>
+                    </a:clrTo>
+                  </a:clrChange>
+                </a:blip>
+                <a:stretch>
+                  <a:fillRect/>
+                </a:stretch>
+              </p:blipFill>
+              <p:spPr>
+                <a:xfrm>
+                  <a:off x="1210276" y="401757"/>
+                  <a:ext cx="891556" cy="768110"/>
+                </a:xfrm>
+                <a:prstGeom prst="rect">
+                  <a:avLst/>
+                </a:prstGeom>
+              </p:spPr>
+            </p:pic>
+            <p:sp>
+              <p:nvSpPr>
+                <p:cNvPr id="66" name="TextBox 65">
+                  <a:extLst>
+                    <a:ext uri="{FF2B5EF4-FFF2-40B4-BE49-F238E27FC236}">
+                      <a16:creationId xmlns:a16="http://schemas.microsoft.com/office/drawing/2014/main" id="{06CD8D36-7BE6-4385-AD88-718D9D42D6C7}"/>
+                    </a:ext>
+                  </a:extLst>
+                </p:cNvPr>
+                <p:cNvSpPr txBox="1"/>
+                <p:nvPr/>
+              </p:nvSpPr>
+              <p:spPr>
+                <a:xfrm>
+                  <a:off x="1076591" y="1020697"/>
+                  <a:ext cx="1126728" cy="523220"/>
+                </a:xfrm>
+                <a:prstGeom prst="rect">
+                  <a:avLst/>
+                </a:prstGeom>
+                <a:noFill/>
+              </p:spPr>
+              <p:txBody>
+                <a:bodyPr wrap="square" rtlCol="0">
+                  <a:spAutoFit/>
+                </a:bodyPr>
+                <a:lstStyle/>
+                <a:p>
+                  <a:pPr algn="ctr"/>
+                  <a:r>
+                    <a:rPr lang="en-GB" sz="1400" dirty="0">
+                      <a:latin typeface="Segoe UI Semilight" panose="020B0402040204020203" pitchFamily="34" charset="0"/>
+                      <a:cs typeface="Segoe UI Semilight" panose="020B0402040204020203" pitchFamily="34" charset="0"/>
+                    </a:rPr>
+                    <a:t>Load Balancer</a:t>
+                  </a:r>
+                </a:p>
+              </p:txBody>
+            </p:sp>
+          </p:grpSp>
+          <p:sp>
+            <p:nvSpPr>
+              <p:cNvPr id="67" name="TextBox 66">
+                <a:extLst>
+                  <a:ext uri="{FF2B5EF4-FFF2-40B4-BE49-F238E27FC236}">
+                    <a16:creationId xmlns:a16="http://schemas.microsoft.com/office/drawing/2014/main" id="{84D30738-E727-44E9-966E-01EBB1BF9D10}"/>
+                  </a:ext>
+                </a:extLst>
+              </p:cNvPr>
+              <p:cNvSpPr txBox="1"/>
+              <p:nvPr/>
+            </p:nvSpPr>
+            <p:spPr>
+              <a:xfrm>
+                <a:off x="948953" y="3561805"/>
+                <a:ext cx="713691" cy="307777"/>
+              </a:xfrm>
+              <a:prstGeom prst="rect">
+                <a:avLst/>
+              </a:prstGeom>
+              <a:noFill/>
+            </p:spPr>
+            <p:txBody>
+              <a:bodyPr wrap="square" rtlCol="0">
+                <a:spAutoFit/>
+              </a:bodyPr>
+              <a:lstStyle/>
+              <a:p>
+                <a:pPr algn="ctr"/>
+                <a:r>
+                  <a:rPr lang="en-GB" sz="1400" dirty="0" err="1">
+                    <a:latin typeface="Segoe UI Semilight" panose="020B0402040204020203" pitchFamily="34" charset="0"/>
+                    <a:cs typeface="Segoe UI Semilight" panose="020B0402040204020203" pitchFamily="34" charset="0"/>
+                  </a:rPr>
+                  <a:t>VNet</a:t>
+                </a:r>
+                <a:endParaRPr lang="en-GB" sz="1400" dirty="0">
+                  <a:latin typeface="Segoe UI Semilight" panose="020B0402040204020203" pitchFamily="34" charset="0"/>
+                  <a:cs typeface="Segoe UI Semilight" panose="020B0402040204020203" pitchFamily="34" charset="0"/>
+                </a:endParaRPr>
+              </a:p>
+            </p:txBody>
+          </p:sp>
+          <p:sp>
+            <p:nvSpPr>
+              <p:cNvPr id="72" name="TextBox 71">
+                <a:extLst>
+                  <a:ext uri="{FF2B5EF4-FFF2-40B4-BE49-F238E27FC236}">
+                    <a16:creationId xmlns:a16="http://schemas.microsoft.com/office/drawing/2014/main" id="{287BDEC1-A5B1-4356-A84A-2F274EEE8C58}"/>
+                  </a:ext>
+                </a:extLst>
+              </p:cNvPr>
+              <p:cNvSpPr txBox="1"/>
+              <p:nvPr/>
+            </p:nvSpPr>
+            <p:spPr>
+              <a:xfrm>
+                <a:off x="173715" y="52955"/>
+                <a:ext cx="1811052" cy="307777"/>
+              </a:xfrm>
+              <a:prstGeom prst="rect">
+                <a:avLst/>
+              </a:prstGeom>
+              <a:noFill/>
+            </p:spPr>
+            <p:txBody>
+              <a:bodyPr wrap="square" rtlCol="0">
+                <a:spAutoFit/>
+              </a:bodyPr>
+              <a:lstStyle/>
+              <a:p>
+                <a:pPr algn="r"/>
+                <a:r>
+                  <a:rPr lang="en-GB" sz="1400" dirty="0">
+                    <a:solidFill>
+                      <a:srgbClr val="5B9BD5"/>
+                    </a:solidFill>
+                    <a:latin typeface="Segoe UI Black" panose="020B0A02040204020203" pitchFamily="34" charset="0"/>
+                    <a:ea typeface="Segoe UI Black" panose="020B0A02040204020203" pitchFamily="34" charset="0"/>
+                    <a:cs typeface="Segoe UI Semilight" panose="020B0402040204020203" pitchFamily="34" charset="0"/>
+                  </a:rPr>
+                  <a:t>Spoke 1</a:t>
+                </a:r>
+              </a:p>
+            </p:txBody>
+          </p:sp>
+        </p:grpSp>
+        <p:grpSp>
+          <p:nvGrpSpPr>
+            <p:cNvPr id="111" name="Group 110">
+              <a:extLst>
+                <a:ext uri="{FF2B5EF4-FFF2-40B4-BE49-F238E27FC236}">
+                  <a16:creationId xmlns:a16="http://schemas.microsoft.com/office/drawing/2014/main" id="{F6F2AD89-1C7A-497E-8211-4CE4784B1C56}"/>
+                </a:ext>
+              </a:extLst>
+            </p:cNvPr>
+            <p:cNvGrpSpPr/>
+            <p:nvPr/>
+          </p:nvGrpSpPr>
+          <p:grpSpPr>
+            <a:xfrm>
+              <a:off x="2288379" y="2929505"/>
+              <a:ext cx="2165553" cy="3859947"/>
+              <a:chOff x="140450" y="52955"/>
+              <a:chExt cx="2165553" cy="3859947"/>
+            </a:xfrm>
+          </p:grpSpPr>
+          <p:grpSp>
+            <p:nvGrpSpPr>
+              <p:cNvPr id="112" name="Group 111">
+                <a:extLst>
+                  <a:ext uri="{FF2B5EF4-FFF2-40B4-BE49-F238E27FC236}">
+                    <a16:creationId xmlns:a16="http://schemas.microsoft.com/office/drawing/2014/main" id="{4575BAC4-D85A-46DB-8199-DE6EC1B7263D}"/>
+                  </a:ext>
+                </a:extLst>
+              </p:cNvPr>
+              <p:cNvGrpSpPr/>
+              <p:nvPr/>
+            </p:nvGrpSpPr>
+            <p:grpSpPr>
+              <a:xfrm>
+                <a:off x="1261851" y="313678"/>
+                <a:ext cx="816458" cy="816458"/>
+                <a:chOff x="3828158" y="4585427"/>
+                <a:chExt cx="816458" cy="816458"/>
+              </a:xfrm>
+            </p:grpSpPr>
+            <p:pic>
+              <p:nvPicPr>
+                <p:cNvPr id="134" name="Graphic 133" descr="Lock">
+                  <a:extLst>
+                    <a:ext uri="{FF2B5EF4-FFF2-40B4-BE49-F238E27FC236}">
+                      <a16:creationId xmlns:a16="http://schemas.microsoft.com/office/drawing/2014/main" id="{6F9C496F-E825-400F-B2C7-73477CD92FE6}"/>
+                    </a:ext>
+                  </a:extLst>
+                </p:cNvPr>
+                <p:cNvPicPr>
+                  <a:picLocks noChangeAspect="1"/>
+                </p:cNvPicPr>
+                <p:nvPr/>
+              </p:nvPicPr>
+              <p:blipFill>
+                <a:blip r:embed="rId13">
+                  <a:extLst>
+                    <a:ext uri="{28A0092B-C50C-407E-A947-70E740481C1C}">
+                      <a14:useLocalDpi xmlns:a14="http://schemas.microsoft.com/office/drawing/2010/main" val="0"/>
+                    </a:ext>
+                    <a:ext uri="{96DAC541-7B7A-43D3-8B79-37D633B846F1}">
+                      <asvg:svgBlip xmlns:asvg="http://schemas.microsoft.com/office/drawing/2016/SVG/main" r:embed="rId14"/>
+                    </a:ext>
+                  </a:extLst>
+                </a:blip>
+                <a:stretch>
+                  <a:fillRect/>
+                </a:stretch>
+              </p:blipFill>
+              <p:spPr>
+                <a:xfrm>
+                  <a:off x="3828158" y="4585427"/>
+                  <a:ext cx="816458" cy="816458"/>
+                </a:xfrm>
+                <a:prstGeom prst="rect">
+                  <a:avLst/>
+                </a:prstGeom>
+              </p:spPr>
+            </p:pic>
+            <p:sp>
+              <p:nvSpPr>
+                <p:cNvPr id="135" name="TextBox 134">
+                  <a:extLst>
+                    <a:ext uri="{FF2B5EF4-FFF2-40B4-BE49-F238E27FC236}">
+                      <a16:creationId xmlns:a16="http://schemas.microsoft.com/office/drawing/2014/main" id="{25B20A87-43F8-40E1-808E-846309FF2B2C}"/>
+                    </a:ext>
+                  </a:extLst>
+                </p:cNvPr>
+                <p:cNvSpPr txBox="1"/>
+                <p:nvPr/>
+              </p:nvSpPr>
+              <p:spPr>
+                <a:xfrm>
+                  <a:off x="4028732" y="5010165"/>
+                  <a:ext cx="371748" cy="215444"/>
+                </a:xfrm>
+                <a:prstGeom prst="rect">
+                  <a:avLst/>
+                </a:prstGeom>
+                <a:solidFill>
+                  <a:srgbClr val="5B9BD5"/>
+                </a:solidFill>
+              </p:spPr>
+              <p:txBody>
+                <a:bodyPr wrap="square" lIns="0" tIns="0" rIns="0" bIns="0" rtlCol="0">
+                  <a:spAutoFit/>
+                </a:bodyPr>
+                <a:lstStyle/>
+                <a:p>
+                  <a:pPr algn="ctr"/>
+                  <a:r>
+                    <a:rPr lang="en-GB" sz="1400" b="1" dirty="0">
+                      <a:solidFill>
+                        <a:schemeClr val="bg1"/>
+                      </a:solidFill>
+                      <a:latin typeface="Segoe UI Semilight" panose="020B0402040204020203" pitchFamily="34" charset="0"/>
+                      <a:cs typeface="Segoe UI Semilight" panose="020B0402040204020203" pitchFamily="34" charset="0"/>
+                    </a:rPr>
+                    <a:t>NSG</a:t>
+                  </a:r>
+                </a:p>
+              </p:txBody>
+            </p:sp>
+          </p:grpSp>
+          <p:grpSp>
+            <p:nvGrpSpPr>
+              <p:cNvPr id="113" name="Group 112">
+                <a:extLst>
+                  <a:ext uri="{FF2B5EF4-FFF2-40B4-BE49-F238E27FC236}">
+                    <a16:creationId xmlns:a16="http://schemas.microsoft.com/office/drawing/2014/main" id="{DD28F5AB-BA71-4706-9AAD-02B0911606B6}"/>
+                  </a:ext>
+                </a:extLst>
+              </p:cNvPr>
+              <p:cNvGrpSpPr/>
+              <p:nvPr/>
+            </p:nvGrpSpPr>
+            <p:grpSpPr>
+              <a:xfrm>
+                <a:off x="140450" y="1550586"/>
+                <a:ext cx="1016052" cy="984582"/>
+                <a:chOff x="568313" y="4311129"/>
+                <a:chExt cx="1016052" cy="984582"/>
+              </a:xfrm>
+            </p:grpSpPr>
+            <p:pic>
+              <p:nvPicPr>
+                <p:cNvPr id="132" name="Picture 131">
+                  <a:extLst>
+                    <a:ext uri="{FF2B5EF4-FFF2-40B4-BE49-F238E27FC236}">
+                      <a16:creationId xmlns:a16="http://schemas.microsoft.com/office/drawing/2014/main" id="{9DD9B193-0DFE-4515-91F3-D15B26A219A6}"/>
+                    </a:ext>
+                  </a:extLst>
+                </p:cNvPr>
+                <p:cNvPicPr>
+                  <a:picLocks noChangeAspect="1"/>
+                </p:cNvPicPr>
+                <p:nvPr/>
+              </p:nvPicPr>
+              <p:blipFill>
+                <a:blip r:embed="rId15"/>
+                <a:stretch>
+                  <a:fillRect/>
+                </a:stretch>
+              </p:blipFill>
+              <p:spPr>
+                <a:xfrm>
+                  <a:off x="667138" y="4311129"/>
+                  <a:ext cx="818403" cy="749822"/>
+                </a:xfrm>
+                <a:prstGeom prst="rect">
+                  <a:avLst/>
+                </a:prstGeom>
+              </p:spPr>
+            </p:pic>
+            <p:sp>
+              <p:nvSpPr>
+                <p:cNvPr id="133" name="TextBox 132">
+                  <a:extLst>
+                    <a:ext uri="{FF2B5EF4-FFF2-40B4-BE49-F238E27FC236}">
+                      <a16:creationId xmlns:a16="http://schemas.microsoft.com/office/drawing/2014/main" id="{9DBD75A6-6489-4E7B-A8E7-A9C03EE90CC2}"/>
+                    </a:ext>
+                  </a:extLst>
+                </p:cNvPr>
+                <p:cNvSpPr txBox="1"/>
+                <p:nvPr/>
+              </p:nvSpPr>
+              <p:spPr>
+                <a:xfrm>
+                  <a:off x="568313" y="4987934"/>
+                  <a:ext cx="1016052" cy="307777"/>
+                </a:xfrm>
+                <a:prstGeom prst="rect">
+                  <a:avLst/>
+                </a:prstGeom>
+                <a:noFill/>
+              </p:spPr>
+              <p:txBody>
+                <a:bodyPr wrap="square" rtlCol="0">
+                  <a:spAutoFit/>
+                </a:bodyPr>
+                <a:lstStyle/>
+                <a:p>
+                  <a:pPr algn="ctr"/>
+                  <a:r>
+                    <a:rPr lang="en-GB" sz="1400" dirty="0">
+                      <a:latin typeface="Segoe UI Semilight" panose="020B0402040204020203" pitchFamily="34" charset="0"/>
+                      <a:cs typeface="Segoe UI Semilight" panose="020B0402040204020203" pitchFamily="34" charset="0"/>
+                    </a:rPr>
+                    <a:t>IIS</a:t>
+                  </a:r>
+                </a:p>
+              </p:txBody>
+            </p:sp>
+          </p:grpSp>
+          <p:grpSp>
+            <p:nvGrpSpPr>
+              <p:cNvPr id="114" name="Group 113">
+                <a:extLst>
+                  <a:ext uri="{FF2B5EF4-FFF2-40B4-BE49-F238E27FC236}">
+                    <a16:creationId xmlns:a16="http://schemas.microsoft.com/office/drawing/2014/main" id="{FE3F3D5B-B6CE-4B16-A2F9-2BAC65D7CA6E}"/>
+                  </a:ext>
+                </a:extLst>
+              </p:cNvPr>
+              <p:cNvGrpSpPr/>
+              <p:nvPr/>
+            </p:nvGrpSpPr>
+            <p:grpSpPr>
+              <a:xfrm>
+                <a:off x="909780" y="1550586"/>
+                <a:ext cx="1016052" cy="984582"/>
+                <a:chOff x="1592994" y="4311129"/>
+                <a:chExt cx="1016052" cy="984582"/>
+              </a:xfrm>
+            </p:grpSpPr>
+            <p:pic>
+              <p:nvPicPr>
+                <p:cNvPr id="130" name="Picture 129">
+                  <a:extLst>
+                    <a:ext uri="{FF2B5EF4-FFF2-40B4-BE49-F238E27FC236}">
+                      <a16:creationId xmlns:a16="http://schemas.microsoft.com/office/drawing/2014/main" id="{CC693226-0B9C-47AF-A4D4-C6BBBE089F02}"/>
+                    </a:ext>
+                  </a:extLst>
+                </p:cNvPr>
+                <p:cNvPicPr>
+                  <a:picLocks noChangeAspect="1"/>
+                </p:cNvPicPr>
+                <p:nvPr/>
+              </p:nvPicPr>
+              <p:blipFill>
+                <a:blip r:embed="rId15"/>
+                <a:stretch>
+                  <a:fillRect/>
+                </a:stretch>
+              </p:blipFill>
+              <p:spPr>
+                <a:xfrm>
+                  <a:off x="1688942" y="4311129"/>
+                  <a:ext cx="818403" cy="749822"/>
+                </a:xfrm>
+                <a:prstGeom prst="rect">
+                  <a:avLst/>
+                </a:prstGeom>
+              </p:spPr>
+            </p:pic>
+            <p:sp>
+              <p:nvSpPr>
+                <p:cNvPr id="131" name="TextBox 130">
+                  <a:extLst>
+                    <a:ext uri="{FF2B5EF4-FFF2-40B4-BE49-F238E27FC236}">
+                      <a16:creationId xmlns:a16="http://schemas.microsoft.com/office/drawing/2014/main" id="{F8591797-75CD-4227-AFB1-FE307829214A}"/>
+                    </a:ext>
+                  </a:extLst>
+                </p:cNvPr>
+                <p:cNvSpPr txBox="1"/>
+                <p:nvPr/>
+              </p:nvSpPr>
+              <p:spPr>
+                <a:xfrm>
+                  <a:off x="1592994" y="4987934"/>
+                  <a:ext cx="1016052" cy="307777"/>
+                </a:xfrm>
+                <a:prstGeom prst="rect">
+                  <a:avLst/>
+                </a:prstGeom>
+                <a:noFill/>
+              </p:spPr>
+              <p:txBody>
+                <a:bodyPr wrap="square" rtlCol="0">
+                  <a:spAutoFit/>
+                </a:bodyPr>
+                <a:lstStyle/>
+                <a:p>
+                  <a:pPr algn="ctr"/>
+                  <a:r>
+                    <a:rPr lang="en-GB" sz="1400" dirty="0">
+                      <a:latin typeface="Segoe UI Semilight" panose="020B0402040204020203" pitchFamily="34" charset="0"/>
+                      <a:cs typeface="Segoe UI Semilight" panose="020B0402040204020203" pitchFamily="34" charset="0"/>
+                    </a:rPr>
+                    <a:t>IIS</a:t>
+                  </a:r>
+                </a:p>
+              </p:txBody>
+            </p:sp>
+          </p:grpSp>
+          <p:grpSp>
+            <p:nvGrpSpPr>
+              <p:cNvPr id="115" name="Group 114">
+                <a:extLst>
+                  <a:ext uri="{FF2B5EF4-FFF2-40B4-BE49-F238E27FC236}">
+                    <a16:creationId xmlns:a16="http://schemas.microsoft.com/office/drawing/2014/main" id="{6F594179-D037-4268-A3F9-B0A02F0CFD38}"/>
+                  </a:ext>
+                </a:extLst>
+              </p:cNvPr>
+              <p:cNvGrpSpPr/>
+              <p:nvPr/>
+            </p:nvGrpSpPr>
+            <p:grpSpPr>
+              <a:xfrm>
+                <a:off x="576588" y="2438974"/>
+                <a:ext cx="1016052" cy="984356"/>
+                <a:chOff x="1592994" y="5295937"/>
+                <a:chExt cx="1016052" cy="984356"/>
+              </a:xfrm>
+            </p:grpSpPr>
+            <p:grpSp>
+              <p:nvGrpSpPr>
+                <p:cNvPr id="125" name="Group 124">
+                  <a:extLst>
+                    <a:ext uri="{FF2B5EF4-FFF2-40B4-BE49-F238E27FC236}">
+                      <a16:creationId xmlns:a16="http://schemas.microsoft.com/office/drawing/2014/main" id="{CFAA27AF-E845-4C61-91FD-7477ECAAEF04}"/>
+                    </a:ext>
+                  </a:extLst>
+                </p:cNvPr>
+                <p:cNvGrpSpPr/>
+                <p:nvPr/>
+              </p:nvGrpSpPr>
+              <p:grpSpPr>
+                <a:xfrm>
+                  <a:off x="1674715" y="5295937"/>
+                  <a:ext cx="818403" cy="749822"/>
+                  <a:chOff x="6908241" y="4869690"/>
+                  <a:chExt cx="1136708" cy="1041454"/>
+                </a:xfrm>
+              </p:grpSpPr>
+              <p:pic>
+                <p:nvPicPr>
+                  <p:cNvPr id="127" name="Picture 126">
+                    <a:extLst>
+                      <a:ext uri="{FF2B5EF4-FFF2-40B4-BE49-F238E27FC236}">
+                        <a16:creationId xmlns:a16="http://schemas.microsoft.com/office/drawing/2014/main" id="{31480F15-EBBB-4253-8295-5A915A0F1248}"/>
+                      </a:ext>
+                    </a:extLst>
+                  </p:cNvPr>
+                  <p:cNvPicPr>
+                    <a:picLocks noChangeAspect="1"/>
+                  </p:cNvPicPr>
+                  <p:nvPr/>
+                </p:nvPicPr>
+                <p:blipFill>
+                  <a:blip r:embed="rId15">
+                    <a:clrChange>
+                      <a:clrFrom>
+                        <a:srgbClr val="FFFFFF"/>
+                      </a:clrFrom>
+                      <a:clrTo>
+                        <a:srgbClr val="FFFFFF">
+                          <a:alpha val="0"/>
+                        </a:srgbClr>
+                      </a:clrTo>
+                    </a:clrChange>
+                  </a:blip>
+                  <a:stretch>
+                    <a:fillRect/>
+                  </a:stretch>
+                </p:blipFill>
+                <p:spPr>
+                  <a:xfrm>
+                    <a:off x="6908241" y="4869690"/>
+                    <a:ext cx="1136708" cy="1041454"/>
+                  </a:xfrm>
+                  <a:prstGeom prst="rect">
+                    <a:avLst/>
+                  </a:prstGeom>
+                </p:spPr>
+              </p:pic>
+              <p:sp>
+                <p:nvSpPr>
+                  <p:cNvPr id="128" name="Rectangle 127">
+                    <a:extLst>
+                      <a:ext uri="{FF2B5EF4-FFF2-40B4-BE49-F238E27FC236}">
+                        <a16:creationId xmlns:a16="http://schemas.microsoft.com/office/drawing/2014/main" id="{16EF04F9-605D-4630-805A-C59CB6AFD454}"/>
+                      </a:ext>
+                    </a:extLst>
+                  </p:cNvPr>
+                  <p:cNvSpPr/>
+                  <p:nvPr/>
+                </p:nvSpPr>
+                <p:spPr>
+                  <a:xfrm>
+                    <a:off x="7207250" y="5060951"/>
+                    <a:ext cx="562070" cy="482600"/>
+                  </a:xfrm>
+                  <a:prstGeom prst="rect">
+                    <a:avLst/>
+                  </a:prstGeom>
+                  <a:solidFill>
+                    <a:srgbClr val="59B4D9"/>
+                  </a:solidFill>
+                  <a:ln>
+                    <a:noFill/>
+                  </a:ln>
+                </p:spPr>
+                <p:style>
+                  <a:lnRef idx="2">
+                    <a:schemeClr val="accent1">
+                      <a:shade val="50000"/>
+                    </a:schemeClr>
+                  </a:lnRef>
+                  <a:fillRef idx="1">
+                    <a:schemeClr val="accent1"/>
+                  </a:fillRef>
+                  <a:effectRef idx="0">
+                    <a:schemeClr val="accent1"/>
+                  </a:effectRef>
+                  <a:fontRef idx="minor">
+                    <a:schemeClr val="lt1"/>
+                  </a:fontRef>
+                </p:style>
+                <p:txBody>
+                  <a:bodyPr rtlCol="0" anchor="ctr"/>
+                  <a:lstStyle/>
+                  <a:p>
+                    <a:pPr algn="ctr"/>
+                    <a:endParaRPr lang="en-GB"/>
+                  </a:p>
+                </p:txBody>
+              </p:sp>
+              <p:pic>
+                <p:nvPicPr>
+                  <p:cNvPr id="129" name="Graphic 128" descr="Database">
+                    <a:extLst>
+                      <a:ext uri="{FF2B5EF4-FFF2-40B4-BE49-F238E27FC236}">
+                        <a16:creationId xmlns:a16="http://schemas.microsoft.com/office/drawing/2014/main" id="{A4987C5C-7433-4F90-BA04-863D7180A2A7}"/>
+                      </a:ext>
+                    </a:extLst>
+                  </p:cNvPr>
+                  <p:cNvPicPr>
+                    <a:picLocks noChangeAspect="1"/>
+                  </p:cNvPicPr>
+                  <p:nvPr/>
+                </p:nvPicPr>
+                <p:blipFill>
+                  <a:blip r:embed="rId16">
+                    <a:extLst>
+                      <a:ext uri="{28A0092B-C50C-407E-A947-70E740481C1C}">
+                        <a14:useLocalDpi xmlns:a14="http://schemas.microsoft.com/office/drawing/2010/main" val="0"/>
+                      </a:ext>
+                      <a:ext uri="{96DAC541-7B7A-43D3-8B79-37D633B846F1}">
+                        <asvg:svgBlip xmlns:asvg="http://schemas.microsoft.com/office/drawing/2016/SVG/main" r:embed="rId17"/>
+                      </a:ext>
+                    </a:extLst>
+                  </a:blip>
+                  <a:stretch>
+                    <a:fillRect/>
+                  </a:stretch>
+                </p:blipFill>
+                <p:spPr>
+                  <a:xfrm>
+                    <a:off x="7230111" y="5041901"/>
+                    <a:ext cx="530474" cy="530474"/>
+                  </a:xfrm>
+                  <a:prstGeom prst="rect">
+                    <a:avLst/>
+                  </a:prstGeom>
+                </p:spPr>
+              </p:pic>
+            </p:grpSp>
+            <p:sp>
+              <p:nvSpPr>
+                <p:cNvPr id="126" name="TextBox 125">
+                  <a:extLst>
+                    <a:ext uri="{FF2B5EF4-FFF2-40B4-BE49-F238E27FC236}">
+                      <a16:creationId xmlns:a16="http://schemas.microsoft.com/office/drawing/2014/main" id="{4AF8119F-6679-40B1-B9EC-1C22F9FE84C9}"/>
+                    </a:ext>
+                  </a:extLst>
+                </p:cNvPr>
+                <p:cNvSpPr txBox="1"/>
+                <p:nvPr/>
+              </p:nvSpPr>
+              <p:spPr>
+                <a:xfrm>
+                  <a:off x="1592994" y="5972516"/>
+                  <a:ext cx="1016052" cy="307777"/>
+                </a:xfrm>
+                <a:prstGeom prst="rect">
+                  <a:avLst/>
+                </a:prstGeom>
+                <a:noFill/>
+              </p:spPr>
+              <p:txBody>
+                <a:bodyPr wrap="square" rtlCol="0">
+                  <a:spAutoFit/>
+                </a:bodyPr>
+                <a:lstStyle/>
+                <a:p>
+                  <a:pPr algn="ctr"/>
+                  <a:r>
+                    <a:rPr lang="en-GB" sz="1400" dirty="0">
+                      <a:latin typeface="Segoe UI Semilight" panose="020B0402040204020203" pitchFamily="34" charset="0"/>
+                      <a:cs typeface="Segoe UI Semilight" panose="020B0402040204020203" pitchFamily="34" charset="0"/>
+                    </a:rPr>
+                    <a:t>DB</a:t>
+                  </a:r>
+                </a:p>
+              </p:txBody>
+            </p:sp>
+          </p:grpSp>
+          <p:sp>
+            <p:nvSpPr>
+              <p:cNvPr id="116" name="Rectangle 115">
+                <a:extLst>
+                  <a:ext uri="{FF2B5EF4-FFF2-40B4-BE49-F238E27FC236}">
+                    <a16:creationId xmlns:a16="http://schemas.microsoft.com/office/drawing/2014/main" id="{B1DE6C72-9C1D-4DAB-AC17-19057C52A63F}"/>
+                  </a:ext>
+                </a:extLst>
+              </p:cNvPr>
+              <p:cNvSpPr/>
+              <p:nvPr/>
+            </p:nvSpPr>
+            <p:spPr>
+              <a:xfrm>
+                <a:off x="173715" y="337222"/>
+                <a:ext cx="1811051" cy="3235800"/>
+              </a:xfrm>
+              <a:prstGeom prst="rect">
+                <a:avLst/>
+              </a:prstGeom>
+              <a:noFill/>
+              <a:ln w="38100">
+                <a:solidFill>
+                  <a:srgbClr val="5B9BD5"/>
+                </a:solidFill>
+                <a:prstDash val="sysDot"/>
+              </a:ln>
+            </p:spPr>
+            <p:style>
+              <a:lnRef idx="2">
+                <a:schemeClr val="accent1">
+                  <a:shade val="50000"/>
+                </a:schemeClr>
+              </a:lnRef>
+              <a:fillRef idx="1">
+                <a:schemeClr val="accent1"/>
+              </a:fillRef>
+              <a:effectRef idx="0">
+                <a:schemeClr val="accent1"/>
+              </a:effectRef>
+              <a:fontRef idx="minor">
+                <a:schemeClr val="lt1"/>
+              </a:fontRef>
+            </p:style>
+            <p:txBody>
+              <a:bodyPr rtlCol="0" anchor="ctr"/>
+              <a:lstStyle/>
+              <a:p>
+                <a:pPr algn="ctr"/>
+                <a:endParaRPr lang="en-GB"/>
+              </a:p>
+            </p:txBody>
+          </p:sp>
+          <p:grpSp>
+            <p:nvGrpSpPr>
+              <p:cNvPr id="117" name="Group 116">
+                <a:extLst>
+                  <a:ext uri="{FF2B5EF4-FFF2-40B4-BE49-F238E27FC236}">
+                    <a16:creationId xmlns:a16="http://schemas.microsoft.com/office/drawing/2014/main" id="{79841015-9905-42BA-A2F2-124D1016F209}"/>
+                  </a:ext>
+                </a:extLst>
+              </p:cNvPr>
+              <p:cNvGrpSpPr/>
+              <p:nvPr/>
+            </p:nvGrpSpPr>
+            <p:grpSpPr>
+              <a:xfrm>
+                <a:off x="1397511" y="3230305"/>
+                <a:ext cx="908492" cy="682597"/>
+                <a:chOff x="5358637" y="4686040"/>
+                <a:chExt cx="908492" cy="682597"/>
+              </a:xfrm>
+            </p:grpSpPr>
+            <p:sp>
+              <p:nvSpPr>
+                <p:cNvPr id="123" name="Rectangle 122">
+                  <a:extLst>
+                    <a:ext uri="{FF2B5EF4-FFF2-40B4-BE49-F238E27FC236}">
+                      <a16:creationId xmlns:a16="http://schemas.microsoft.com/office/drawing/2014/main" id="{34A0EC9F-EC5B-4CA0-BC92-22D994518253}"/>
+                    </a:ext>
+                  </a:extLst>
+                </p:cNvPr>
+                <p:cNvSpPr/>
+                <p:nvPr/>
+              </p:nvSpPr>
+              <p:spPr>
+                <a:xfrm>
+                  <a:off x="5427133" y="4818529"/>
+                  <a:ext cx="713691" cy="407895"/>
+                </a:xfrm>
+                <a:prstGeom prst="rect">
+                  <a:avLst/>
+                </a:prstGeom>
+                <a:solidFill>
+                  <a:schemeClr val="bg1"/>
+                </a:solidFill>
+                <a:ln>
+                  <a:noFill/>
+                </a:ln>
+              </p:spPr>
+              <p:style>
+                <a:lnRef idx="2">
+                  <a:schemeClr val="accent1">
+                    <a:shade val="50000"/>
+                  </a:schemeClr>
+                </a:lnRef>
+                <a:fillRef idx="1">
+                  <a:schemeClr val="accent1"/>
+                </a:fillRef>
+                <a:effectRef idx="0">
+                  <a:schemeClr val="accent1"/>
+                </a:effectRef>
+                <a:fontRef idx="minor">
+                  <a:schemeClr val="lt1"/>
+                </a:fontRef>
+              </p:style>
+              <p:txBody>
+                <a:bodyPr rtlCol="0" anchor="ctr"/>
+                <a:lstStyle/>
+                <a:p>
+                  <a:pPr algn="ctr"/>
+                  <a:endParaRPr lang="en-GB"/>
+                </a:p>
+              </p:txBody>
+            </p:sp>
+            <p:pic>
+              <p:nvPicPr>
+                <p:cNvPr id="124" name="Picture 123">
+                  <a:extLst>
+                    <a:ext uri="{FF2B5EF4-FFF2-40B4-BE49-F238E27FC236}">
+                      <a16:creationId xmlns:a16="http://schemas.microsoft.com/office/drawing/2014/main" id="{7262BD0E-9AD6-4A66-82C4-58AA0EFC6D51}"/>
+                    </a:ext>
+                  </a:extLst>
+                </p:cNvPr>
+                <p:cNvPicPr>
+                  <a:picLocks noChangeAspect="1"/>
+                </p:cNvPicPr>
+                <p:nvPr/>
+              </p:nvPicPr>
+              <p:blipFill>
+                <a:blip r:embed="rId6">
+                  <a:clrChange>
+                    <a:clrFrom>
+                      <a:srgbClr val="FFFFFF"/>
+                    </a:clrFrom>
+                    <a:clrTo>
+                      <a:srgbClr val="FFFFFF">
+                        <a:alpha val="0"/>
+                      </a:srgbClr>
+                    </a:clrTo>
+                  </a:clrChange>
+                </a:blip>
+                <a:stretch>
+                  <a:fillRect/>
+                </a:stretch>
+              </p:blipFill>
+              <p:spPr>
+                <a:xfrm>
+                  <a:off x="5358637" y="4686040"/>
+                  <a:ext cx="908492" cy="682597"/>
+                </a:xfrm>
+                <a:prstGeom prst="rect">
+                  <a:avLst/>
+                </a:prstGeom>
+              </p:spPr>
+            </p:pic>
+          </p:grpSp>
+          <p:grpSp>
+            <p:nvGrpSpPr>
+              <p:cNvPr id="118" name="Group 117">
+                <a:extLst>
+                  <a:ext uri="{FF2B5EF4-FFF2-40B4-BE49-F238E27FC236}">
+                    <a16:creationId xmlns:a16="http://schemas.microsoft.com/office/drawing/2014/main" id="{5A3CD03B-BB5D-4F01-BA3A-460AF6F574E7}"/>
+                  </a:ext>
+                </a:extLst>
+              </p:cNvPr>
+              <p:cNvGrpSpPr/>
+              <p:nvPr/>
+            </p:nvGrpSpPr>
+            <p:grpSpPr>
+              <a:xfrm>
+                <a:off x="196618" y="401757"/>
+                <a:ext cx="1126728" cy="1142160"/>
+                <a:chOff x="1076591" y="401757"/>
+                <a:chExt cx="1126728" cy="1142160"/>
+              </a:xfrm>
+            </p:grpSpPr>
+            <p:pic>
+              <p:nvPicPr>
+                <p:cNvPr id="121" name="Picture 120">
+                  <a:extLst>
+                    <a:ext uri="{FF2B5EF4-FFF2-40B4-BE49-F238E27FC236}">
+                      <a16:creationId xmlns:a16="http://schemas.microsoft.com/office/drawing/2014/main" id="{6CC90D85-A32E-43D8-B6C6-3CF8C9C64B4D}"/>
+                    </a:ext>
+                  </a:extLst>
+                </p:cNvPr>
+                <p:cNvPicPr>
+                  <a:picLocks noChangeAspect="1"/>
+                </p:cNvPicPr>
+                <p:nvPr/>
+              </p:nvPicPr>
+              <p:blipFill>
+                <a:blip r:embed="rId18">
+                  <a:clrChange>
+                    <a:clrFrom>
+                      <a:srgbClr val="FFFFFF"/>
+                    </a:clrFrom>
+                    <a:clrTo>
+                      <a:srgbClr val="FFFFFF">
+                        <a:alpha val="0"/>
+                      </a:srgbClr>
+                    </a:clrTo>
+                  </a:clrChange>
+                </a:blip>
+                <a:stretch>
+                  <a:fillRect/>
+                </a:stretch>
+              </p:blipFill>
+              <p:spPr>
+                <a:xfrm>
+                  <a:off x="1210276" y="401757"/>
+                  <a:ext cx="891556" cy="768110"/>
+                </a:xfrm>
+                <a:prstGeom prst="rect">
+                  <a:avLst/>
+                </a:prstGeom>
+              </p:spPr>
+            </p:pic>
+            <p:sp>
+              <p:nvSpPr>
+                <p:cNvPr id="122" name="TextBox 121">
+                  <a:extLst>
+                    <a:ext uri="{FF2B5EF4-FFF2-40B4-BE49-F238E27FC236}">
+                      <a16:creationId xmlns:a16="http://schemas.microsoft.com/office/drawing/2014/main" id="{311D21CE-85C6-4CE3-94F2-4ACC1747BB0D}"/>
+                    </a:ext>
+                  </a:extLst>
+                </p:cNvPr>
+                <p:cNvSpPr txBox="1"/>
+                <p:nvPr/>
+              </p:nvSpPr>
+              <p:spPr>
+                <a:xfrm>
+                  <a:off x="1076591" y="1020697"/>
+                  <a:ext cx="1126728" cy="523220"/>
+                </a:xfrm>
+                <a:prstGeom prst="rect">
+                  <a:avLst/>
+                </a:prstGeom>
+                <a:noFill/>
+              </p:spPr>
+              <p:txBody>
+                <a:bodyPr wrap="square" rtlCol="0">
+                  <a:spAutoFit/>
+                </a:bodyPr>
+                <a:lstStyle/>
+                <a:p>
+                  <a:pPr algn="ctr"/>
+                  <a:r>
+                    <a:rPr lang="en-GB" sz="1400" dirty="0">
+                      <a:latin typeface="Segoe UI Semilight" panose="020B0402040204020203" pitchFamily="34" charset="0"/>
+                      <a:cs typeface="Segoe UI Semilight" panose="020B0402040204020203" pitchFamily="34" charset="0"/>
+                    </a:rPr>
+                    <a:t>Load Balancer</a:t>
+                  </a:r>
+                </a:p>
+              </p:txBody>
+            </p:sp>
+          </p:grpSp>
+          <p:sp>
+            <p:nvSpPr>
+              <p:cNvPr id="119" name="TextBox 118">
+                <a:extLst>
+                  <a:ext uri="{FF2B5EF4-FFF2-40B4-BE49-F238E27FC236}">
+                    <a16:creationId xmlns:a16="http://schemas.microsoft.com/office/drawing/2014/main" id="{F89F6402-8470-429E-8991-BC845C0C64E1}"/>
+                  </a:ext>
+                </a:extLst>
+              </p:cNvPr>
+              <p:cNvSpPr txBox="1"/>
+              <p:nvPr/>
+            </p:nvSpPr>
+            <p:spPr>
+              <a:xfrm>
+                <a:off x="948953" y="3561805"/>
+                <a:ext cx="713691" cy="307777"/>
+              </a:xfrm>
+              <a:prstGeom prst="rect">
+                <a:avLst/>
+              </a:prstGeom>
+              <a:noFill/>
+            </p:spPr>
+            <p:txBody>
+              <a:bodyPr wrap="square" rtlCol="0">
+                <a:spAutoFit/>
+              </a:bodyPr>
+              <a:lstStyle/>
+              <a:p>
+                <a:pPr algn="ctr"/>
+                <a:r>
+                  <a:rPr lang="en-GB" sz="1400" dirty="0" err="1">
+                    <a:latin typeface="Segoe UI Semilight" panose="020B0402040204020203" pitchFamily="34" charset="0"/>
+                    <a:cs typeface="Segoe UI Semilight" panose="020B0402040204020203" pitchFamily="34" charset="0"/>
+                  </a:rPr>
+                  <a:t>VNet</a:t>
+                </a:r>
+                <a:endParaRPr lang="en-GB" sz="1400" dirty="0">
+                  <a:latin typeface="Segoe UI Semilight" panose="020B0402040204020203" pitchFamily="34" charset="0"/>
+                  <a:cs typeface="Segoe UI Semilight" panose="020B0402040204020203" pitchFamily="34" charset="0"/>
+                </a:endParaRPr>
+              </a:p>
+            </p:txBody>
+          </p:sp>
+          <p:sp>
+            <p:nvSpPr>
+              <p:cNvPr id="120" name="TextBox 119">
+                <a:extLst>
+                  <a:ext uri="{FF2B5EF4-FFF2-40B4-BE49-F238E27FC236}">
+                    <a16:creationId xmlns:a16="http://schemas.microsoft.com/office/drawing/2014/main" id="{E6C30A14-E90C-4B0D-9EC3-B6AC6ACA2283}"/>
+                  </a:ext>
+                </a:extLst>
+              </p:cNvPr>
+              <p:cNvSpPr txBox="1"/>
+              <p:nvPr/>
+            </p:nvSpPr>
+            <p:spPr>
+              <a:xfrm>
+                <a:off x="173715" y="52955"/>
+                <a:ext cx="1811052" cy="307777"/>
+              </a:xfrm>
+              <a:prstGeom prst="rect">
+                <a:avLst/>
+              </a:prstGeom>
+              <a:noFill/>
+            </p:spPr>
+            <p:txBody>
+              <a:bodyPr wrap="square" rtlCol="0">
+                <a:spAutoFit/>
+              </a:bodyPr>
+              <a:lstStyle/>
+              <a:p>
+                <a:pPr algn="r"/>
+                <a:r>
+                  <a:rPr lang="en-GB" sz="1400" dirty="0">
+                    <a:solidFill>
+                      <a:srgbClr val="5B9BD5"/>
+                    </a:solidFill>
+                    <a:latin typeface="Segoe UI Black" panose="020B0A02040204020203" pitchFamily="34" charset="0"/>
+                    <a:ea typeface="Segoe UI Black" panose="020B0A02040204020203" pitchFamily="34" charset="0"/>
+                    <a:cs typeface="Segoe UI Semilight" panose="020B0402040204020203" pitchFamily="34" charset="0"/>
+                  </a:rPr>
+                  <a:t>Spoke 2</a:t>
+                </a:r>
+              </a:p>
+            </p:txBody>
+          </p:sp>
+        </p:grpSp>
+        <p:cxnSp>
+          <p:nvCxnSpPr>
+            <p:cNvPr id="146" name="Straight Arrow Connector 145">
+              <a:extLst>
+                <a:ext uri="{FF2B5EF4-FFF2-40B4-BE49-F238E27FC236}">
+                  <a16:creationId xmlns:a16="http://schemas.microsoft.com/office/drawing/2014/main" id="{85A04DDE-65A1-4664-BFA0-948BE7F2FD77}"/>
+                </a:ext>
+              </a:extLst>
+            </p:cNvPr>
+            <p:cNvCxnSpPr>
+              <a:stCxn id="8" idx="1"/>
+              <a:endCxn id="70" idx="0"/>
+            </p:cNvCxnSpPr>
+            <p:nvPr/>
+          </p:nvCxnSpPr>
+          <p:spPr>
+            <a:xfrm>
+              <a:off x="7948697" y="2222604"/>
+              <a:ext cx="6660" cy="1065203"/>
+            </a:xfrm>
+            <a:prstGeom prst="straightConnector1">
+              <a:avLst/>
+            </a:prstGeom>
+            <a:ln w="38100">
+              <a:solidFill>
+                <a:srgbClr val="5B9BD5"/>
+              </a:solidFill>
+              <a:headEnd type="triangle"/>
+              <a:tailEnd type="triangle"/>
+            </a:ln>
+          </p:spPr>
+          <p:style>
+            <a:lnRef idx="1">
+              <a:schemeClr val="accent1"/>
+            </a:lnRef>
+            <a:fillRef idx="0">
+              <a:schemeClr val="accent1"/>
+            </a:fillRef>
+            <a:effectRef idx="0">
+              <a:schemeClr val="accent1"/>
+            </a:effectRef>
+            <a:fontRef idx="minor">
+              <a:schemeClr val="tx1"/>
+            </a:fontRef>
+          </p:style>
+        </p:cxnSp>
+        <p:cxnSp>
+          <p:nvCxnSpPr>
+            <p:cNvPr id="149" name="Connector: Elbow 148">
+              <a:extLst>
+                <a:ext uri="{FF2B5EF4-FFF2-40B4-BE49-F238E27FC236}">
+                  <a16:creationId xmlns:a16="http://schemas.microsoft.com/office/drawing/2014/main" id="{C44271AA-3E57-4761-815E-BFE542E115A3}"/>
+                </a:ext>
+              </a:extLst>
+            </p:cNvPr>
+            <p:cNvCxnSpPr>
+              <a:stCxn id="121" idx="0"/>
+              <a:endCxn id="36" idx="1"/>
+            </p:cNvCxnSpPr>
+            <p:nvPr/>
+          </p:nvCxnSpPr>
+          <p:spPr>
+            <a:xfrm rot="16200000" flipH="1">
+              <a:off x="4293906" y="1908411"/>
+              <a:ext cx="712424" cy="3452217"/>
+            </a:xfrm>
+            <a:prstGeom prst="bentConnector4">
+              <a:avLst>
+                <a:gd name="adj1" fmla="val -93589"/>
+                <a:gd name="adj2" fmla="val 56456"/>
+              </a:avLst>
+            </a:prstGeom>
+            <a:ln w="38100">
+              <a:solidFill>
+                <a:srgbClr val="92C426"/>
+              </a:solidFill>
+              <a:headEnd type="triangle"/>
+              <a:tailEnd type="triangle"/>
+            </a:ln>
+          </p:spPr>
+          <p:style>
+            <a:lnRef idx="1">
+              <a:schemeClr val="accent1"/>
+            </a:lnRef>
+            <a:fillRef idx="0">
+              <a:schemeClr val="accent1"/>
+            </a:fillRef>
+            <a:effectRef idx="0">
+              <a:schemeClr val="accent1"/>
+            </a:effectRef>
+            <a:fontRef idx="minor">
+              <a:schemeClr val="tx1"/>
+            </a:fontRef>
+          </p:style>
+        </p:cxnSp>
+        <p:cxnSp>
+          <p:nvCxnSpPr>
+            <p:cNvPr id="151" name="Connector: Elbow 150">
+              <a:extLst>
+                <a:ext uri="{FF2B5EF4-FFF2-40B4-BE49-F238E27FC236}">
+                  <a16:creationId xmlns:a16="http://schemas.microsoft.com/office/drawing/2014/main" id="{54D863C8-E926-4ED7-844B-5A0FC94C1F00}"/>
+                </a:ext>
+              </a:extLst>
+            </p:cNvPr>
+            <p:cNvCxnSpPr>
+              <a:cxnSpLocks/>
+              <a:stCxn id="24" idx="0"/>
+              <a:endCxn id="36" idx="1"/>
+            </p:cNvCxnSpPr>
+            <p:nvPr/>
+          </p:nvCxnSpPr>
+          <p:spPr>
+            <a:xfrm rot="16200000" flipH="1">
+              <a:off x="3219942" y="834446"/>
+              <a:ext cx="712424" cy="5600146"/>
+            </a:xfrm>
+            <a:prstGeom prst="bentConnector4">
+              <a:avLst>
+                <a:gd name="adj1" fmla="val -93589"/>
+                <a:gd name="adj2" fmla="val 73143"/>
+              </a:avLst>
+            </a:prstGeom>
+            <a:ln w="38100">
+              <a:solidFill>
+                <a:srgbClr val="92C426"/>
+              </a:solidFill>
+              <a:headEnd type="triangle"/>
+              <a:tailEnd type="triangle"/>
+            </a:ln>
+          </p:spPr>
+          <p:style>
+            <a:lnRef idx="1">
+              <a:schemeClr val="accent1"/>
+            </a:lnRef>
+            <a:fillRef idx="0">
+              <a:schemeClr val="accent1"/>
+            </a:fillRef>
+            <a:effectRef idx="0">
+              <a:schemeClr val="accent1"/>
+            </a:effectRef>
+            <a:fontRef idx="minor">
+              <a:schemeClr val="tx1"/>
+            </a:fontRef>
+          </p:style>
+        </p:cxnSp>
+        <p:sp>
+          <p:nvSpPr>
+            <p:cNvPr id="156" name="TextBox 155">
+              <a:extLst>
+                <a:ext uri="{FF2B5EF4-FFF2-40B4-BE49-F238E27FC236}">
+                  <a16:creationId xmlns:a16="http://schemas.microsoft.com/office/drawing/2014/main" id="{2962CD03-6CAD-4F96-AA62-CDAC5669D815}"/>
+                </a:ext>
+              </a:extLst>
+            </p:cNvPr>
+            <p:cNvSpPr txBox="1"/>
+            <p:nvPr/>
+          </p:nvSpPr>
+          <p:spPr>
+            <a:xfrm>
+              <a:off x="776080" y="2274159"/>
+              <a:ext cx="4087090" cy="307777"/>
+            </a:xfrm>
+            <a:prstGeom prst="rect">
+              <a:avLst/>
+            </a:prstGeom>
+            <a:noFill/>
+          </p:spPr>
+          <p:txBody>
+            <a:bodyPr wrap="square" rtlCol="0">
+              <a:spAutoFit/>
+            </a:bodyPr>
+            <a:lstStyle/>
+            <a:p>
+              <a:pPr algn="ctr"/>
+              <a:r>
+                <a:rPr lang="en-GB" sz="1400" dirty="0" err="1">
+                  <a:latin typeface="Segoe UI Semilight" panose="020B0402040204020203" pitchFamily="34" charset="0"/>
+                  <a:cs typeface="Segoe UI Semilight" panose="020B0402040204020203" pitchFamily="34" charset="0"/>
+                </a:rPr>
+                <a:t>VNet</a:t>
+              </a:r>
+              <a:r>
+                <a:rPr lang="en-GB" sz="1400" dirty="0">
+                  <a:latin typeface="Segoe UI Semilight" panose="020B0402040204020203" pitchFamily="34" charset="0"/>
+                  <a:cs typeface="Segoe UI Semilight" panose="020B0402040204020203" pitchFamily="34" charset="0"/>
+                </a:rPr>
+                <a:t> Peering</a:t>
+              </a:r>
+            </a:p>
+          </p:txBody>
+        </p:sp>
+      </p:grpSp>
+    </p:spTree>
+    <p:extLst>
+      <p:ext uri="{BB962C8B-B14F-4D97-AF65-F5344CB8AC3E}">
+        <p14:creationId xmlns:p14="http://schemas.microsoft.com/office/powerpoint/2010/main" val="2389143986"/>
+      </p:ext>
+    </p:extLst>
+  </p:cSld>
+  <p:clrMapOvr>
+    <a:masterClrMapping/>
+  </p:clrMapOvr>
+</p:sld>
+</file>
+
+<file path=ppt/slides/slide3.xml><?xml version="1.0" encoding="utf-8"?>
+<p:sld xmlns:a="http://schemas.openxmlformats.org/drawingml/2006/main" xmlns:r="http://schemas.openxmlformats.org/officeDocument/2006/relationships" xmlns:p="http://schemas.openxmlformats.org/presentationml/2006/main">
+  <p:cSld>
+    <p:spTree>
+      <p:nvGrpSpPr>
+        <p:cNvPr id="1" name=""/>
+        <p:cNvGrpSpPr/>
+        <p:nvPr/>
+      </p:nvGrpSpPr>
+      <p:grpSpPr>
+        <a:xfrm>
+          <a:off x="0" y="0"/>
+          <a:ext cx="0" cy="0"/>
+          <a:chOff x="0" y="0"/>
+          <a:chExt cx="0" cy="0"/>
+        </a:xfrm>
+      </p:grpSpPr>
+      <p:grpSp>
+        <p:nvGrpSpPr>
+          <p:cNvPr id="36" name="Group 35">
+            <a:extLst>
+              <a:ext uri="{FF2B5EF4-FFF2-40B4-BE49-F238E27FC236}">
+                <a16:creationId xmlns:a16="http://schemas.microsoft.com/office/drawing/2014/main" id="{DB41EBD1-BF5D-434F-BD40-72BF60CD67A5}"/>
+              </a:ext>
+            </a:extLst>
+          </p:cNvPr>
+          <p:cNvGrpSpPr/>
+          <p:nvPr/>
+        </p:nvGrpSpPr>
+        <p:grpSpPr>
+          <a:xfrm>
+            <a:off x="1598959" y="1833305"/>
+            <a:ext cx="3049230" cy="2390986"/>
+            <a:chOff x="1598959" y="1833305"/>
+            <a:chExt cx="3049230" cy="2390986"/>
+          </a:xfrm>
+        </p:grpSpPr>
+        <p:grpSp>
+          <p:nvGrpSpPr>
+            <p:cNvPr id="8" name="Group 7">
+              <a:extLst>
+                <a:ext uri="{FF2B5EF4-FFF2-40B4-BE49-F238E27FC236}">
+                  <a16:creationId xmlns:a16="http://schemas.microsoft.com/office/drawing/2014/main" id="{AFEFCAEE-4E78-4B96-8C66-3F6221E8EC31}"/>
+                </a:ext>
+              </a:extLst>
+            </p:cNvPr>
+            <p:cNvGrpSpPr/>
+            <p:nvPr/>
+          </p:nvGrpSpPr>
+          <p:grpSpPr>
+            <a:xfrm>
+              <a:off x="3337679" y="3407833"/>
+              <a:ext cx="816458" cy="816458"/>
+              <a:chOff x="3409780" y="3171178"/>
+              <a:chExt cx="816458" cy="816458"/>
+            </a:xfrm>
+          </p:grpSpPr>
+          <p:pic>
+            <p:nvPicPr>
+              <p:cNvPr id="9" name="Graphic 8" descr="Lock">
+                <a:extLst>
+                  <a:ext uri="{FF2B5EF4-FFF2-40B4-BE49-F238E27FC236}">
+                    <a16:creationId xmlns:a16="http://schemas.microsoft.com/office/drawing/2014/main" id="{836B4601-5F86-4D72-8A47-6DF8577DEAFF}"/>
+                  </a:ext>
+                </a:extLst>
+              </p:cNvPr>
+              <p:cNvPicPr>
+                <a:picLocks noChangeAspect="1"/>
+              </p:cNvPicPr>
+              <p:nvPr/>
+            </p:nvPicPr>
+            <p:blipFill>
+              <a:blip r:embed="rId2">
+                <a:extLst>
+                  <a:ext uri="{28A0092B-C50C-407E-A947-70E740481C1C}">
+                    <a14:useLocalDpi xmlns:a14="http://schemas.microsoft.com/office/drawing/2010/main" val="0"/>
+                  </a:ext>
+                  <a:ext uri="{96DAC541-7B7A-43D3-8B79-37D633B846F1}">
+                    <asvg:svgBlip xmlns:asvg="http://schemas.microsoft.com/office/drawing/2016/SVG/main" r:embed="rId3"/>
+                  </a:ext>
+                </a:extLst>
+              </a:blip>
+              <a:stretch>
+                <a:fillRect/>
+              </a:stretch>
+            </p:blipFill>
+            <p:spPr>
+              <a:xfrm>
+                <a:off x="3409780" y="3171178"/>
+                <a:ext cx="816458" cy="816458"/>
+              </a:xfrm>
+              <a:prstGeom prst="rect">
+                <a:avLst/>
+              </a:prstGeom>
+            </p:spPr>
+          </p:pic>
+          <p:sp>
+            <p:nvSpPr>
+              <p:cNvPr id="10" name="TextBox 9">
+                <a:extLst>
+                  <a:ext uri="{FF2B5EF4-FFF2-40B4-BE49-F238E27FC236}">
+                    <a16:creationId xmlns:a16="http://schemas.microsoft.com/office/drawing/2014/main" id="{E55040BF-3C33-4DB8-B75E-024547B37496}"/>
+                  </a:ext>
+                </a:extLst>
+              </p:cNvPr>
+              <p:cNvSpPr txBox="1"/>
+              <p:nvPr/>
+            </p:nvSpPr>
+            <p:spPr>
+              <a:xfrm>
+                <a:off x="3610354" y="3595916"/>
+                <a:ext cx="371748" cy="215444"/>
+              </a:xfrm>
+              <a:prstGeom prst="rect">
+                <a:avLst/>
+              </a:prstGeom>
+              <a:solidFill>
+                <a:srgbClr val="5B9BD5"/>
+              </a:solidFill>
+            </p:spPr>
+            <p:txBody>
+              <a:bodyPr wrap="square" lIns="0" tIns="0" rIns="0" bIns="0" rtlCol="0">
+                <a:spAutoFit/>
+              </a:bodyPr>
+              <a:lstStyle/>
+              <a:p>
+                <a:pPr algn="ctr"/>
+                <a:r>
+                  <a:rPr lang="en-GB" sz="1400" b="1" dirty="0">
+                    <a:solidFill>
+                      <a:schemeClr val="bg1"/>
+                    </a:solidFill>
+                    <a:latin typeface="Segoe UI Semilight" panose="020B0402040204020203" pitchFamily="34" charset="0"/>
+                    <a:cs typeface="Segoe UI Semilight" panose="020B0402040204020203" pitchFamily="34" charset="0"/>
+                  </a:rPr>
+                  <a:t>NSG</a:t>
+                </a:r>
+              </a:p>
+            </p:txBody>
+          </p:sp>
+        </p:grpSp>
+        <p:pic>
+          <p:nvPicPr>
+            <p:cNvPr id="11" name="Picture 10">
+              <a:extLst>
+                <a:ext uri="{FF2B5EF4-FFF2-40B4-BE49-F238E27FC236}">
+                  <a16:creationId xmlns:a16="http://schemas.microsoft.com/office/drawing/2014/main" id="{62A607C7-3AF9-43FF-9B8C-198C9EDA4C5D}"/>
+                </a:ext>
+              </a:extLst>
+            </p:cNvPr>
+            <p:cNvPicPr>
+              <a:picLocks noChangeAspect="1"/>
+            </p:cNvPicPr>
+            <p:nvPr/>
+          </p:nvPicPr>
+          <p:blipFill>
+            <a:blip r:embed="rId4">
+              <a:clrChange>
+                <a:clrFrom>
+                  <a:srgbClr val="FFFFFF"/>
+                </a:clrFrom>
+                <a:clrTo>
+                  <a:srgbClr val="FFFFFF">
+                    <a:alpha val="0"/>
+                  </a:srgbClr>
+                </a:clrTo>
+              </a:clrChange>
+            </a:blip>
+            <a:stretch>
+              <a:fillRect/>
+            </a:stretch>
+          </p:blipFill>
+          <p:spPr>
+            <a:xfrm>
+              <a:off x="2429188" y="1833305"/>
+              <a:ext cx="908492" cy="682597"/>
+            </a:xfrm>
+            <a:prstGeom prst="rect">
+              <a:avLst/>
+            </a:prstGeom>
+          </p:spPr>
+        </p:pic>
+        <p:grpSp>
+          <p:nvGrpSpPr>
+            <p:cNvPr id="15" name="Group 14">
+              <a:extLst>
+                <a:ext uri="{FF2B5EF4-FFF2-40B4-BE49-F238E27FC236}">
+                  <a16:creationId xmlns:a16="http://schemas.microsoft.com/office/drawing/2014/main" id="{30315DF7-20F6-43D4-98CF-138E19477ED3}"/>
+                </a:ext>
+              </a:extLst>
+            </p:cNvPr>
+            <p:cNvGrpSpPr/>
+            <p:nvPr/>
+          </p:nvGrpSpPr>
+          <p:grpSpPr>
+            <a:xfrm>
+              <a:off x="1708483" y="2689037"/>
+              <a:ext cx="624952" cy="469559"/>
+              <a:chOff x="2429188" y="2873716"/>
+              <a:chExt cx="624952" cy="469559"/>
+            </a:xfrm>
+          </p:grpSpPr>
+          <p:pic>
+            <p:nvPicPr>
+              <p:cNvPr id="12" name="Picture 11">
+                <a:extLst>
+                  <a:ext uri="{FF2B5EF4-FFF2-40B4-BE49-F238E27FC236}">
+                    <a16:creationId xmlns:a16="http://schemas.microsoft.com/office/drawing/2014/main" id="{8DEBBE3C-A8CD-447A-B079-561A98235925}"/>
+                  </a:ext>
+                </a:extLst>
+              </p:cNvPr>
+              <p:cNvPicPr>
+                <a:picLocks noChangeAspect="1"/>
+              </p:cNvPicPr>
+              <p:nvPr/>
+            </p:nvPicPr>
+            <p:blipFill>
+              <a:blip r:embed="rId4">
+                <a:clrChange>
+                  <a:clrFrom>
+                    <a:srgbClr val="FFFFFF"/>
+                  </a:clrFrom>
+                  <a:clrTo>
+                    <a:srgbClr val="FFFFFF">
+                      <a:alpha val="0"/>
+                    </a:srgbClr>
+                  </a:clrTo>
+                </a:clrChange>
+              </a:blip>
+              <a:stretch>
+                <a:fillRect/>
+              </a:stretch>
+            </p:blipFill>
+            <p:spPr>
+              <a:xfrm>
+                <a:off x="2429188" y="2873716"/>
+                <a:ext cx="624952" cy="469559"/>
+              </a:xfrm>
+              <a:prstGeom prst="rect">
+                <a:avLst/>
+              </a:prstGeom>
+            </p:spPr>
+          </p:pic>
+          <p:sp>
+            <p:nvSpPr>
+              <p:cNvPr id="13" name="Oval 12">
+                <a:extLst>
+                  <a:ext uri="{FF2B5EF4-FFF2-40B4-BE49-F238E27FC236}">
+                    <a16:creationId xmlns:a16="http://schemas.microsoft.com/office/drawing/2014/main" id="{D3595DB4-046A-4F66-862D-2074EFA49EDA}"/>
+                  </a:ext>
+                </a:extLst>
+              </p:cNvPr>
+              <p:cNvSpPr/>
+              <p:nvPr/>
+            </p:nvSpPr>
+            <p:spPr>
+              <a:xfrm>
+                <a:off x="2589213" y="3062288"/>
+                <a:ext cx="82550" cy="79375"/>
+              </a:xfrm>
+              <a:prstGeom prst="ellipse">
+                <a:avLst/>
+              </a:prstGeom>
+              <a:solidFill>
+                <a:schemeClr val="bg1"/>
+              </a:solidFill>
+              <a:ln>
+                <a:noFill/>
+              </a:ln>
+            </p:spPr>
+            <p:style>
+              <a:lnRef idx="2">
+                <a:schemeClr val="accent1">
+                  <a:shade val="50000"/>
+                </a:schemeClr>
+              </a:lnRef>
+              <a:fillRef idx="1">
+                <a:schemeClr val="accent1"/>
+              </a:fillRef>
+              <a:effectRef idx="0">
+                <a:schemeClr val="accent1"/>
+              </a:effectRef>
+              <a:fontRef idx="minor">
+                <a:schemeClr val="lt1"/>
+              </a:fontRef>
+            </p:style>
+            <p:txBody>
+              <a:bodyPr rtlCol="0" anchor="ctr"/>
+              <a:lstStyle/>
+              <a:p>
+                <a:pPr algn="ctr"/>
+                <a:endParaRPr lang="en-GB"/>
+              </a:p>
+            </p:txBody>
+          </p:sp>
+          <p:sp>
+            <p:nvSpPr>
+              <p:cNvPr id="14" name="Oval 13">
+                <a:extLst>
+                  <a:ext uri="{FF2B5EF4-FFF2-40B4-BE49-F238E27FC236}">
+                    <a16:creationId xmlns:a16="http://schemas.microsoft.com/office/drawing/2014/main" id="{646727D3-7AC1-4E1E-A565-8C900593433A}"/>
+                  </a:ext>
+                </a:extLst>
+              </p:cNvPr>
+              <p:cNvSpPr/>
+              <p:nvPr/>
+            </p:nvSpPr>
+            <p:spPr>
+              <a:xfrm>
+                <a:off x="2780401" y="3062288"/>
+                <a:ext cx="82550" cy="79375"/>
+              </a:xfrm>
+              <a:prstGeom prst="ellipse">
+                <a:avLst/>
+              </a:prstGeom>
+              <a:solidFill>
+                <a:schemeClr val="bg1"/>
+              </a:solidFill>
+              <a:ln>
+                <a:noFill/>
+              </a:ln>
+            </p:spPr>
+            <p:style>
+              <a:lnRef idx="2">
+                <a:schemeClr val="accent1">
+                  <a:shade val="50000"/>
+                </a:schemeClr>
+              </a:lnRef>
+              <a:fillRef idx="1">
+                <a:schemeClr val="accent1"/>
+              </a:fillRef>
+              <a:effectRef idx="0">
+                <a:schemeClr val="accent1"/>
+              </a:effectRef>
+              <a:fontRef idx="minor">
+                <a:schemeClr val="lt1"/>
+              </a:fontRef>
+            </p:style>
+            <p:txBody>
+              <a:bodyPr rtlCol="0" anchor="ctr"/>
+              <a:lstStyle/>
+              <a:p>
+                <a:pPr algn="ctr"/>
+                <a:endParaRPr lang="en-GB"/>
+              </a:p>
+            </p:txBody>
+          </p:sp>
+        </p:grpSp>
+        <p:grpSp>
+          <p:nvGrpSpPr>
+            <p:cNvPr id="16" name="Group 15">
+              <a:extLst>
+                <a:ext uri="{FF2B5EF4-FFF2-40B4-BE49-F238E27FC236}">
+                  <a16:creationId xmlns:a16="http://schemas.microsoft.com/office/drawing/2014/main" id="{4185D8C3-396F-4819-AB5C-C4144FB6B40E}"/>
+                </a:ext>
+              </a:extLst>
+            </p:cNvPr>
+            <p:cNvGrpSpPr/>
+            <p:nvPr/>
+          </p:nvGrpSpPr>
+          <p:grpSpPr>
+            <a:xfrm>
+              <a:off x="3427217" y="2682516"/>
+              <a:ext cx="624952" cy="469559"/>
+              <a:chOff x="2429188" y="2873716"/>
+              <a:chExt cx="624952" cy="469559"/>
+            </a:xfrm>
+          </p:grpSpPr>
+          <p:pic>
+            <p:nvPicPr>
+              <p:cNvPr id="17" name="Picture 16">
+                <a:extLst>
+                  <a:ext uri="{FF2B5EF4-FFF2-40B4-BE49-F238E27FC236}">
+                    <a16:creationId xmlns:a16="http://schemas.microsoft.com/office/drawing/2014/main" id="{288F8E3F-DA1F-44D0-AF65-E7758C915D3E}"/>
+                  </a:ext>
+                </a:extLst>
+              </p:cNvPr>
+              <p:cNvPicPr>
+                <a:picLocks noChangeAspect="1"/>
+              </p:cNvPicPr>
+              <p:nvPr/>
+            </p:nvPicPr>
+            <p:blipFill>
+              <a:blip r:embed="rId4">
+                <a:clrChange>
+                  <a:clrFrom>
+                    <a:srgbClr val="FFFFFF"/>
+                  </a:clrFrom>
+                  <a:clrTo>
+                    <a:srgbClr val="FFFFFF">
+                      <a:alpha val="0"/>
+                    </a:srgbClr>
+                  </a:clrTo>
+                </a:clrChange>
+              </a:blip>
+              <a:stretch>
+                <a:fillRect/>
+              </a:stretch>
+            </p:blipFill>
+            <p:spPr>
+              <a:xfrm>
+                <a:off x="2429188" y="2873716"/>
+                <a:ext cx="624952" cy="469559"/>
+              </a:xfrm>
+              <a:prstGeom prst="rect">
+                <a:avLst/>
+              </a:prstGeom>
+            </p:spPr>
+          </p:pic>
+          <p:sp>
+            <p:nvSpPr>
+              <p:cNvPr id="18" name="Oval 17">
+                <a:extLst>
+                  <a:ext uri="{FF2B5EF4-FFF2-40B4-BE49-F238E27FC236}">
+                    <a16:creationId xmlns:a16="http://schemas.microsoft.com/office/drawing/2014/main" id="{785D664E-82F4-431B-874E-F2C464A53794}"/>
+                  </a:ext>
+                </a:extLst>
+              </p:cNvPr>
+              <p:cNvSpPr/>
+              <p:nvPr/>
+            </p:nvSpPr>
+            <p:spPr>
+              <a:xfrm>
+                <a:off x="2589213" y="3062288"/>
+                <a:ext cx="82550" cy="79375"/>
+              </a:xfrm>
+              <a:prstGeom prst="ellipse">
+                <a:avLst/>
+              </a:prstGeom>
+              <a:solidFill>
+                <a:schemeClr val="bg1"/>
+              </a:solidFill>
+              <a:ln>
+                <a:noFill/>
+              </a:ln>
+            </p:spPr>
+            <p:style>
+              <a:lnRef idx="2">
+                <a:schemeClr val="accent1">
+                  <a:shade val="50000"/>
+                </a:schemeClr>
+              </a:lnRef>
+              <a:fillRef idx="1">
+                <a:schemeClr val="accent1"/>
+              </a:fillRef>
+              <a:effectRef idx="0">
+                <a:schemeClr val="accent1"/>
+              </a:effectRef>
+              <a:fontRef idx="minor">
+                <a:schemeClr val="lt1"/>
+              </a:fontRef>
+            </p:style>
+            <p:txBody>
+              <a:bodyPr rtlCol="0" anchor="ctr"/>
+              <a:lstStyle/>
+              <a:p>
+                <a:pPr algn="ctr"/>
+                <a:endParaRPr lang="en-GB"/>
+              </a:p>
+            </p:txBody>
+          </p:sp>
+          <p:sp>
+            <p:nvSpPr>
+              <p:cNvPr id="19" name="Oval 18">
+                <a:extLst>
+                  <a:ext uri="{FF2B5EF4-FFF2-40B4-BE49-F238E27FC236}">
+                    <a16:creationId xmlns:a16="http://schemas.microsoft.com/office/drawing/2014/main" id="{C8F53273-5907-4C69-A138-85C141D3B971}"/>
+                  </a:ext>
+                </a:extLst>
+              </p:cNvPr>
+              <p:cNvSpPr/>
+              <p:nvPr/>
+            </p:nvSpPr>
+            <p:spPr>
+              <a:xfrm>
+                <a:off x="2780401" y="3062288"/>
+                <a:ext cx="82550" cy="79375"/>
+              </a:xfrm>
+              <a:prstGeom prst="ellipse">
+                <a:avLst/>
+              </a:prstGeom>
+              <a:solidFill>
+                <a:schemeClr val="bg1"/>
+              </a:solidFill>
+              <a:ln>
+                <a:noFill/>
+              </a:ln>
+            </p:spPr>
+            <p:style>
+              <a:lnRef idx="2">
+                <a:schemeClr val="accent1">
+                  <a:shade val="50000"/>
+                </a:schemeClr>
+              </a:lnRef>
+              <a:fillRef idx="1">
+                <a:schemeClr val="accent1"/>
+              </a:fillRef>
+              <a:effectRef idx="0">
+                <a:schemeClr val="accent1"/>
+              </a:effectRef>
+              <a:fontRef idx="minor">
+                <a:schemeClr val="lt1"/>
+              </a:fontRef>
+            </p:style>
+            <p:txBody>
+              <a:bodyPr rtlCol="0" anchor="ctr"/>
+              <a:lstStyle/>
+              <a:p>
+                <a:pPr algn="ctr"/>
+                <a:endParaRPr lang="en-GB"/>
+              </a:p>
+            </p:txBody>
+          </p:sp>
+        </p:grpSp>
+        <p:cxnSp>
+          <p:nvCxnSpPr>
+            <p:cNvPr id="21" name="Straight Arrow Connector 20">
+              <a:extLst>
+                <a:ext uri="{FF2B5EF4-FFF2-40B4-BE49-F238E27FC236}">
+                  <a16:creationId xmlns:a16="http://schemas.microsoft.com/office/drawing/2014/main" id="{5CDEBFF7-411B-40DD-8066-8742E512090F}"/>
+                </a:ext>
+              </a:extLst>
+            </p:cNvPr>
+            <p:cNvCxnSpPr>
+              <a:cxnSpLocks/>
+            </p:cNvCxnSpPr>
+            <p:nvPr/>
+          </p:nvCxnSpPr>
+          <p:spPr>
+            <a:xfrm flipH="1">
+              <a:off x="2185052" y="2315633"/>
+              <a:ext cx="393049" cy="448734"/>
+            </a:xfrm>
+            <a:prstGeom prst="straightConnector1">
+              <a:avLst/>
+            </a:prstGeom>
+            <a:ln w="38100">
+              <a:solidFill>
+                <a:srgbClr val="3999C6"/>
+              </a:solidFill>
+              <a:tailEnd type="triangle"/>
+            </a:ln>
+          </p:spPr>
+          <p:style>
+            <a:lnRef idx="1">
+              <a:schemeClr val="accent1"/>
+            </a:lnRef>
+            <a:fillRef idx="0">
+              <a:schemeClr val="accent1"/>
+            </a:fillRef>
+            <a:effectRef idx="0">
+              <a:schemeClr val="accent1"/>
+            </a:effectRef>
+            <a:fontRef idx="minor">
+              <a:schemeClr val="tx1"/>
+            </a:fontRef>
+          </p:style>
+        </p:cxnSp>
+        <p:cxnSp>
+          <p:nvCxnSpPr>
+            <p:cNvPr id="24" name="Straight Arrow Connector 23">
+              <a:extLst>
+                <a:ext uri="{FF2B5EF4-FFF2-40B4-BE49-F238E27FC236}">
+                  <a16:creationId xmlns:a16="http://schemas.microsoft.com/office/drawing/2014/main" id="{CD79DB06-0A34-4546-869E-D6617308635C}"/>
+                </a:ext>
+              </a:extLst>
+            </p:cNvPr>
+            <p:cNvCxnSpPr>
+              <a:cxnSpLocks/>
+            </p:cNvCxnSpPr>
+            <p:nvPr/>
+          </p:nvCxnSpPr>
+          <p:spPr>
+            <a:xfrm>
+              <a:off x="3141155" y="2315633"/>
+              <a:ext cx="393049" cy="448734"/>
+            </a:xfrm>
+            <a:prstGeom prst="straightConnector1">
+              <a:avLst/>
+            </a:prstGeom>
+            <a:ln w="38100">
+              <a:solidFill>
+                <a:srgbClr val="3999C6"/>
+              </a:solidFill>
+              <a:tailEnd type="triangle"/>
+            </a:ln>
+          </p:spPr>
+          <p:style>
+            <a:lnRef idx="1">
+              <a:schemeClr val="accent1"/>
+            </a:lnRef>
+            <a:fillRef idx="0">
+              <a:schemeClr val="accent1"/>
+            </a:fillRef>
+            <a:effectRef idx="0">
+              <a:schemeClr val="accent1"/>
+            </a:effectRef>
+            <a:fontRef idx="minor">
+              <a:schemeClr val="tx1"/>
+            </a:fontRef>
+          </p:style>
+        </p:cxnSp>
+        <p:cxnSp>
+          <p:nvCxnSpPr>
+            <p:cNvPr id="29" name="Straight Arrow Connector 28">
+              <a:extLst>
+                <a:ext uri="{FF2B5EF4-FFF2-40B4-BE49-F238E27FC236}">
+                  <a16:creationId xmlns:a16="http://schemas.microsoft.com/office/drawing/2014/main" id="{B416F5BA-0E3B-4C82-84B7-92B43B849093}"/>
+                </a:ext>
+              </a:extLst>
+            </p:cNvPr>
+            <p:cNvCxnSpPr>
+              <a:cxnSpLocks/>
+            </p:cNvCxnSpPr>
+            <p:nvPr/>
+          </p:nvCxnSpPr>
+          <p:spPr>
+            <a:xfrm>
+              <a:off x="3739693" y="3043767"/>
+              <a:ext cx="0" cy="411044"/>
+            </a:xfrm>
+            <a:prstGeom prst="straightConnector1">
+              <a:avLst/>
+            </a:prstGeom>
+            <a:ln w="38100">
+              <a:solidFill>
+                <a:srgbClr val="7FBA00"/>
+              </a:solidFill>
+              <a:tailEnd type="triangle"/>
+            </a:ln>
+          </p:spPr>
+          <p:style>
+            <a:lnRef idx="1">
+              <a:schemeClr val="accent1"/>
+            </a:lnRef>
+            <a:fillRef idx="0">
+              <a:schemeClr val="accent1"/>
+            </a:fillRef>
+            <a:effectRef idx="0">
+              <a:schemeClr val="accent1"/>
+            </a:effectRef>
+            <a:fontRef idx="minor">
+              <a:schemeClr val="tx1"/>
+            </a:fontRef>
+          </p:style>
+        </p:cxnSp>
+        <p:cxnSp>
+          <p:nvCxnSpPr>
+            <p:cNvPr id="30" name="Straight Arrow Connector 29">
+              <a:extLst>
+                <a:ext uri="{FF2B5EF4-FFF2-40B4-BE49-F238E27FC236}">
+                  <a16:creationId xmlns:a16="http://schemas.microsoft.com/office/drawing/2014/main" id="{08FBFEDE-DFE6-481E-85C3-D875AF253641}"/>
+                </a:ext>
+              </a:extLst>
+            </p:cNvPr>
+            <p:cNvCxnSpPr>
+              <a:cxnSpLocks/>
+            </p:cNvCxnSpPr>
+            <p:nvPr/>
+          </p:nvCxnSpPr>
+          <p:spPr>
+            <a:xfrm>
+              <a:off x="2007188" y="3043767"/>
+              <a:ext cx="0" cy="411044"/>
+            </a:xfrm>
+            <a:prstGeom prst="straightConnector1">
+              <a:avLst/>
+            </a:prstGeom>
+            <a:ln w="38100">
+              <a:solidFill>
+                <a:srgbClr val="7FBA00"/>
+              </a:solidFill>
+              <a:tailEnd type="triangle"/>
+            </a:ln>
+          </p:spPr>
+          <p:style>
+            <a:lnRef idx="1">
+              <a:schemeClr val="accent1"/>
+            </a:lnRef>
+            <a:fillRef idx="0">
+              <a:schemeClr val="accent1"/>
+            </a:fillRef>
+            <a:effectRef idx="0">
+              <a:schemeClr val="accent1"/>
+            </a:effectRef>
+            <a:fontRef idx="minor">
+              <a:schemeClr val="tx1"/>
+            </a:fontRef>
+          </p:style>
+        </p:cxnSp>
+        <p:grpSp>
+          <p:nvGrpSpPr>
+            <p:cNvPr id="31" name="Group 30">
+              <a:extLst>
+                <a:ext uri="{FF2B5EF4-FFF2-40B4-BE49-F238E27FC236}">
+                  <a16:creationId xmlns:a16="http://schemas.microsoft.com/office/drawing/2014/main" id="{6F08E917-7375-4321-8F36-9123BA9214E7}"/>
+                </a:ext>
+              </a:extLst>
+            </p:cNvPr>
+            <p:cNvGrpSpPr/>
+            <p:nvPr/>
+          </p:nvGrpSpPr>
+          <p:grpSpPr>
+            <a:xfrm>
+              <a:off x="1598959" y="3407833"/>
+              <a:ext cx="816458" cy="816458"/>
+              <a:chOff x="3409780" y="3171178"/>
+              <a:chExt cx="816458" cy="816458"/>
+            </a:xfrm>
+          </p:grpSpPr>
+          <p:pic>
+            <p:nvPicPr>
+              <p:cNvPr id="32" name="Graphic 31" descr="Lock">
+                <a:extLst>
+                  <a:ext uri="{FF2B5EF4-FFF2-40B4-BE49-F238E27FC236}">
+                    <a16:creationId xmlns:a16="http://schemas.microsoft.com/office/drawing/2014/main" id="{CE96B6F2-357A-44D2-B287-2AD3CC81112B}"/>
+                  </a:ext>
+                </a:extLst>
+              </p:cNvPr>
+              <p:cNvPicPr>
+                <a:picLocks noChangeAspect="1"/>
+              </p:cNvPicPr>
+              <p:nvPr/>
+            </p:nvPicPr>
+            <p:blipFill>
+              <a:blip r:embed="rId2">
+                <a:extLst>
+                  <a:ext uri="{28A0092B-C50C-407E-A947-70E740481C1C}">
+                    <a14:useLocalDpi xmlns:a14="http://schemas.microsoft.com/office/drawing/2010/main" val="0"/>
+                  </a:ext>
+                  <a:ext uri="{96DAC541-7B7A-43D3-8B79-37D633B846F1}">
+                    <asvg:svgBlip xmlns:asvg="http://schemas.microsoft.com/office/drawing/2016/SVG/main" r:embed="rId3"/>
+                  </a:ext>
+                </a:extLst>
+              </a:blip>
+              <a:stretch>
+                <a:fillRect/>
+              </a:stretch>
+            </p:blipFill>
+            <p:spPr>
+              <a:xfrm>
+                <a:off x="3409780" y="3171178"/>
+                <a:ext cx="816458" cy="816458"/>
+              </a:xfrm>
+              <a:prstGeom prst="rect">
+                <a:avLst/>
+              </a:prstGeom>
+            </p:spPr>
+          </p:pic>
+          <p:sp>
+            <p:nvSpPr>
+              <p:cNvPr id="33" name="TextBox 32">
+                <a:extLst>
+                  <a:ext uri="{FF2B5EF4-FFF2-40B4-BE49-F238E27FC236}">
+                    <a16:creationId xmlns:a16="http://schemas.microsoft.com/office/drawing/2014/main" id="{8832550D-1127-4F86-862F-60CA6BB2A12E}"/>
+                  </a:ext>
+                </a:extLst>
+              </p:cNvPr>
+              <p:cNvSpPr txBox="1"/>
+              <p:nvPr/>
+            </p:nvSpPr>
+            <p:spPr>
+              <a:xfrm>
+                <a:off x="3610354" y="3595916"/>
+                <a:ext cx="371748" cy="215444"/>
+              </a:xfrm>
+              <a:prstGeom prst="rect">
+                <a:avLst/>
+              </a:prstGeom>
+              <a:solidFill>
+                <a:srgbClr val="5B9BD5"/>
+              </a:solidFill>
+            </p:spPr>
+            <p:txBody>
+              <a:bodyPr wrap="square" lIns="0" tIns="0" rIns="0" bIns="0" rtlCol="0">
+                <a:spAutoFit/>
+              </a:bodyPr>
+              <a:lstStyle/>
+              <a:p>
+                <a:pPr algn="ctr"/>
+                <a:r>
+                  <a:rPr lang="en-GB" sz="1400" b="1" dirty="0">
+                    <a:solidFill>
+                      <a:schemeClr val="bg1"/>
+                    </a:solidFill>
+                    <a:latin typeface="Segoe UI Semilight" panose="020B0402040204020203" pitchFamily="34" charset="0"/>
+                    <a:cs typeface="Segoe UI Semilight" panose="020B0402040204020203" pitchFamily="34" charset="0"/>
+                  </a:rPr>
+                  <a:t>NSG</a:t>
+                </a:r>
+              </a:p>
+            </p:txBody>
+          </p:sp>
+        </p:grpSp>
+        <p:sp>
+          <p:nvSpPr>
+            <p:cNvPr id="34" name="TextBox 33">
+              <a:extLst>
+                <a:ext uri="{FF2B5EF4-FFF2-40B4-BE49-F238E27FC236}">
+                  <a16:creationId xmlns:a16="http://schemas.microsoft.com/office/drawing/2014/main" id="{E3454FAA-D27D-41EF-8D26-B364E9985566}"/>
+                </a:ext>
+              </a:extLst>
+            </p:cNvPr>
+            <p:cNvSpPr txBox="1"/>
+            <p:nvPr/>
+          </p:nvSpPr>
+          <p:spPr>
+            <a:xfrm>
+              <a:off x="3194050" y="1996979"/>
+              <a:ext cx="1422400" cy="307777"/>
+            </a:xfrm>
+            <a:prstGeom prst="rect">
+              <a:avLst/>
+            </a:prstGeom>
+            <a:noFill/>
+          </p:spPr>
+          <p:txBody>
+            <a:bodyPr wrap="square" rtlCol="0">
+              <a:spAutoFit/>
+            </a:bodyPr>
+            <a:lstStyle/>
+            <a:p>
+              <a:pPr algn="ctr"/>
+              <a:r>
+                <a:rPr lang="en-GB" sz="1400" dirty="0">
+                  <a:latin typeface="Segoe UI Semilight" panose="020B0402040204020203" pitchFamily="34" charset="0"/>
+                  <a:cs typeface="Segoe UI Semilight" panose="020B0402040204020203" pitchFamily="34" charset="0"/>
+                </a:rPr>
+                <a:t>Virtual Network</a:t>
+              </a:r>
+            </a:p>
+          </p:txBody>
+        </p:sp>
+        <p:sp>
+          <p:nvSpPr>
+            <p:cNvPr id="35" name="TextBox 34">
+              <a:extLst>
+                <a:ext uri="{FF2B5EF4-FFF2-40B4-BE49-F238E27FC236}">
+                  <a16:creationId xmlns:a16="http://schemas.microsoft.com/office/drawing/2014/main" id="{52BC2A4F-FAB6-487C-9A44-A02F4198FB89}"/>
+                </a:ext>
+              </a:extLst>
+            </p:cNvPr>
+            <p:cNvSpPr txBox="1"/>
+            <p:nvPr/>
+          </p:nvSpPr>
+          <p:spPr>
+            <a:xfrm>
+              <a:off x="3870593" y="2773616"/>
+              <a:ext cx="777596" cy="276999"/>
+            </a:xfrm>
+            <a:prstGeom prst="rect">
+              <a:avLst/>
+            </a:prstGeom>
+            <a:noFill/>
+          </p:spPr>
+          <p:txBody>
+            <a:bodyPr wrap="square" rtlCol="0">
+              <a:spAutoFit/>
+            </a:bodyPr>
+            <a:lstStyle/>
+            <a:p>
+              <a:pPr algn="ctr"/>
+              <a:r>
+                <a:rPr lang="en-GB" sz="1200" dirty="0">
+                  <a:latin typeface="Segoe UI Semilight" panose="020B0402040204020203" pitchFamily="34" charset="0"/>
+                  <a:cs typeface="Segoe UI Semilight" panose="020B0402040204020203" pitchFamily="34" charset="0"/>
+                </a:rPr>
+                <a:t>Subnet</a:t>
+              </a:r>
+            </a:p>
+          </p:txBody>
+        </p:sp>
+      </p:grpSp>
+    </p:spTree>
+    <p:extLst>
+      <p:ext uri="{BB962C8B-B14F-4D97-AF65-F5344CB8AC3E}">
+        <p14:creationId xmlns:p14="http://schemas.microsoft.com/office/powerpoint/2010/main" val="1932858768"/>
+      </p:ext>
+    </p:extLst>
+  </p:cSld>
+  <p:clrMapOvr>
+    <a:masterClrMapping/>
+  </p:clrMapOvr>
+</p:sld>
+</file>
+
 <file path=ppt/theme/theme1.xml><?xml version="1.0" encoding="utf-8"?>
 <a:theme xmlns:a="http://schemas.openxmlformats.org/drawingml/2006/main" name="Office Theme">
   <a:themeElements>

--- a/learn-pr/azure/hub-and-spoke-network-architecture/media/media.pptx
+++ b/learn-pr/azure/hub-and-spoke-network-architecture/media/media.pptx
@@ -263,7 +263,7 @@
           <a:p>
             <a:fld id="{46442A20-0CBE-4B59-A660-255D23BCF90B}" type="datetimeFigureOut">
               <a:rPr lang="en-GB" smtClean="0"/>
-              <a:t>25/06/2019</a:t>
+              <a:t>27/06/2019</a:t>
             </a:fld>
             <a:endParaRPr lang="en-GB"/>
           </a:p>
@@ -463,7 +463,7 @@
           <a:p>
             <a:fld id="{46442A20-0CBE-4B59-A660-255D23BCF90B}" type="datetimeFigureOut">
               <a:rPr lang="en-GB" smtClean="0"/>
-              <a:t>25/06/2019</a:t>
+              <a:t>27/06/2019</a:t>
             </a:fld>
             <a:endParaRPr lang="en-GB"/>
           </a:p>
@@ -673,7 +673,7 @@
           <a:p>
             <a:fld id="{46442A20-0CBE-4B59-A660-255D23BCF90B}" type="datetimeFigureOut">
               <a:rPr lang="en-GB" smtClean="0"/>
-              <a:t>25/06/2019</a:t>
+              <a:t>27/06/2019</a:t>
             </a:fld>
             <a:endParaRPr lang="en-GB"/>
           </a:p>
@@ -873,7 +873,7 @@
           <a:p>
             <a:fld id="{46442A20-0CBE-4B59-A660-255D23BCF90B}" type="datetimeFigureOut">
               <a:rPr lang="en-GB" smtClean="0"/>
-              <a:t>25/06/2019</a:t>
+              <a:t>27/06/2019</a:t>
             </a:fld>
             <a:endParaRPr lang="en-GB"/>
           </a:p>
@@ -1149,7 +1149,7 @@
           <a:p>
             <a:fld id="{46442A20-0CBE-4B59-A660-255D23BCF90B}" type="datetimeFigureOut">
               <a:rPr lang="en-GB" smtClean="0"/>
-              <a:t>25/06/2019</a:t>
+              <a:t>27/06/2019</a:t>
             </a:fld>
             <a:endParaRPr lang="en-GB"/>
           </a:p>
@@ -1417,7 +1417,7 @@
           <a:p>
             <a:fld id="{46442A20-0CBE-4B59-A660-255D23BCF90B}" type="datetimeFigureOut">
               <a:rPr lang="en-GB" smtClean="0"/>
-              <a:t>25/06/2019</a:t>
+              <a:t>27/06/2019</a:t>
             </a:fld>
             <a:endParaRPr lang="en-GB"/>
           </a:p>
@@ -1832,7 +1832,7 @@
           <a:p>
             <a:fld id="{46442A20-0CBE-4B59-A660-255D23BCF90B}" type="datetimeFigureOut">
               <a:rPr lang="en-GB" smtClean="0"/>
-              <a:t>25/06/2019</a:t>
+              <a:t>27/06/2019</a:t>
             </a:fld>
             <a:endParaRPr lang="en-GB"/>
           </a:p>
@@ -1974,7 +1974,7 @@
           <a:p>
             <a:fld id="{46442A20-0CBE-4B59-A660-255D23BCF90B}" type="datetimeFigureOut">
               <a:rPr lang="en-GB" smtClean="0"/>
-              <a:t>25/06/2019</a:t>
+              <a:t>27/06/2019</a:t>
             </a:fld>
             <a:endParaRPr lang="en-GB"/>
           </a:p>
@@ -2087,7 +2087,7 @@
           <a:p>
             <a:fld id="{46442A20-0CBE-4B59-A660-255D23BCF90B}" type="datetimeFigureOut">
               <a:rPr lang="en-GB" smtClean="0"/>
-              <a:t>25/06/2019</a:t>
+              <a:t>27/06/2019</a:t>
             </a:fld>
             <a:endParaRPr lang="en-GB"/>
           </a:p>
@@ -2400,7 +2400,7 @@
           <a:p>
             <a:fld id="{46442A20-0CBE-4B59-A660-255D23BCF90B}" type="datetimeFigureOut">
               <a:rPr lang="en-GB" smtClean="0"/>
-              <a:t>25/06/2019</a:t>
+              <a:t>27/06/2019</a:t>
             </a:fld>
             <a:endParaRPr lang="en-GB"/>
           </a:p>
@@ -2689,7 +2689,7 @@
           <a:p>
             <a:fld id="{46442A20-0CBE-4B59-A660-255D23BCF90B}" type="datetimeFigureOut">
               <a:rPr lang="en-GB" smtClean="0"/>
-              <a:t>25/06/2019</a:t>
+              <a:t>27/06/2019</a:t>
             </a:fld>
             <a:endParaRPr lang="en-GB"/>
           </a:p>
@@ -2932,7 +2932,7 @@
           <a:p>
             <a:fld id="{46442A20-0CBE-4B59-A660-255D23BCF90B}" type="datetimeFigureOut">
               <a:rPr lang="en-GB" smtClean="0"/>
-              <a:t>25/06/2019</a:t>
+              <a:t>27/06/2019</a:t>
             </a:fld>
             <a:endParaRPr lang="en-GB"/>
           </a:p>
@@ -4697,12 +4697,779 @@
           <a:chExt cx="0" cy="0"/>
         </a:xfrm>
       </p:grpSpPr>
+      <p:sp>
+        <p:nvSpPr>
+          <p:cNvPr id="104" name="Rectangle 103">
+            <a:extLst>
+              <a:ext uri="{FF2B5EF4-FFF2-40B4-BE49-F238E27FC236}">
+                <a16:creationId xmlns:a16="http://schemas.microsoft.com/office/drawing/2014/main" id="{0C70AD25-65C1-468D-AAF6-CC7B41D6B837}"/>
+              </a:ext>
+            </a:extLst>
+          </p:cNvPr>
+          <p:cNvSpPr/>
+          <p:nvPr/>
+        </p:nvSpPr>
+        <p:spPr>
+          <a:xfrm>
+            <a:off x="292425" y="1978173"/>
+            <a:ext cx="1574822" cy="1310454"/>
+          </a:xfrm>
+          <a:prstGeom prst="rect">
+            <a:avLst/>
+          </a:prstGeom>
+          <a:solidFill>
+            <a:schemeClr val="bg1">
+              <a:lumMod val="85000"/>
+            </a:schemeClr>
+          </a:solidFill>
+          <a:ln>
+            <a:solidFill>
+              <a:schemeClr val="bg1">
+                <a:lumMod val="75000"/>
+              </a:schemeClr>
+            </a:solidFill>
+          </a:ln>
+        </p:spPr>
+        <p:style>
+          <a:lnRef idx="2">
+            <a:schemeClr val="accent3">
+              <a:shade val="50000"/>
+            </a:schemeClr>
+          </a:lnRef>
+          <a:fillRef idx="1">
+            <a:schemeClr val="accent3"/>
+          </a:fillRef>
+          <a:effectRef idx="0">
+            <a:schemeClr val="accent3"/>
+          </a:effectRef>
+          <a:fontRef idx="minor">
+            <a:schemeClr val="lt1"/>
+          </a:fontRef>
+        </p:style>
+        <p:txBody>
+          <a:bodyPr rtlCol="0" anchor="ctr"/>
+          <a:lstStyle/>
+          <a:p>
+            <a:pPr algn="ctr"/>
+            <a:endParaRPr lang="en-GB"/>
+          </a:p>
+        </p:txBody>
+      </p:sp>
+      <p:sp>
+        <p:nvSpPr>
+          <p:cNvPr id="172" name="Rectangle 171">
+            <a:extLst>
+              <a:ext uri="{FF2B5EF4-FFF2-40B4-BE49-F238E27FC236}">
+                <a16:creationId xmlns:a16="http://schemas.microsoft.com/office/drawing/2014/main" id="{32AA820B-A66A-46AA-94F7-5E3EA5DE5EEB}"/>
+              </a:ext>
+            </a:extLst>
+          </p:cNvPr>
+          <p:cNvSpPr/>
+          <p:nvPr/>
+        </p:nvSpPr>
+        <p:spPr>
+          <a:xfrm>
+            <a:off x="6077065" y="4046417"/>
+            <a:ext cx="2012393" cy="1517856"/>
+          </a:xfrm>
+          <a:prstGeom prst="rect">
+            <a:avLst/>
+          </a:prstGeom>
+          <a:solidFill>
+            <a:schemeClr val="bg1">
+              <a:lumMod val="85000"/>
+            </a:schemeClr>
+          </a:solidFill>
+          <a:ln>
+            <a:solidFill>
+              <a:schemeClr val="bg1">
+                <a:lumMod val="75000"/>
+              </a:schemeClr>
+            </a:solidFill>
+          </a:ln>
+        </p:spPr>
+        <p:style>
+          <a:lnRef idx="2">
+            <a:schemeClr val="accent3">
+              <a:shade val="50000"/>
+            </a:schemeClr>
+          </a:lnRef>
+          <a:fillRef idx="1">
+            <a:schemeClr val="accent3"/>
+          </a:fillRef>
+          <a:effectRef idx="0">
+            <a:schemeClr val="accent3"/>
+          </a:effectRef>
+          <a:fontRef idx="minor">
+            <a:schemeClr val="lt1"/>
+          </a:fontRef>
+        </p:style>
+        <p:txBody>
+          <a:bodyPr rtlCol="0" anchor="ctr"/>
+          <a:lstStyle/>
+          <a:p>
+            <a:pPr algn="ctr"/>
+            <a:endParaRPr lang="en-GB"/>
+          </a:p>
+        </p:txBody>
+      </p:sp>
+      <p:sp>
+        <p:nvSpPr>
+          <p:cNvPr id="31" name="Rectangle 30">
+            <a:extLst>
+              <a:ext uri="{FF2B5EF4-FFF2-40B4-BE49-F238E27FC236}">
+                <a16:creationId xmlns:a16="http://schemas.microsoft.com/office/drawing/2014/main" id="{2F54B260-6A58-40C6-A05B-535779722010}"/>
+              </a:ext>
+            </a:extLst>
+          </p:cNvPr>
+          <p:cNvSpPr/>
+          <p:nvPr/>
+        </p:nvSpPr>
+        <p:spPr>
+          <a:xfrm rot="2675702">
+            <a:off x="6432243" y="4233018"/>
+            <a:ext cx="617423" cy="617423"/>
+          </a:xfrm>
+          <a:prstGeom prst="rect">
+            <a:avLst/>
+          </a:prstGeom>
+          <a:solidFill>
+            <a:schemeClr val="bg1"/>
+          </a:solidFill>
+          <a:ln>
+            <a:noFill/>
+          </a:ln>
+        </p:spPr>
+        <p:style>
+          <a:lnRef idx="2">
+            <a:schemeClr val="accent1">
+              <a:shade val="50000"/>
+            </a:schemeClr>
+          </a:lnRef>
+          <a:fillRef idx="1">
+            <a:schemeClr val="accent1"/>
+          </a:fillRef>
+          <a:effectRef idx="0">
+            <a:schemeClr val="accent1"/>
+          </a:effectRef>
+          <a:fontRef idx="minor">
+            <a:schemeClr val="lt1"/>
+          </a:fontRef>
+        </p:style>
+        <p:txBody>
+          <a:bodyPr rtlCol="0" anchor="ctr"/>
+          <a:lstStyle/>
+          <a:p>
+            <a:pPr algn="ctr"/>
+            <a:endParaRPr lang="en-GB"/>
+          </a:p>
+        </p:txBody>
+      </p:sp>
+      <p:pic>
+        <p:nvPicPr>
+          <p:cNvPr id="35" name="Picture 34">
+            <a:extLst>
+              <a:ext uri="{FF2B5EF4-FFF2-40B4-BE49-F238E27FC236}">
+                <a16:creationId xmlns:a16="http://schemas.microsoft.com/office/drawing/2014/main" id="{1535C81E-CD2C-4AD5-BF99-FA0E3AB6BAA9}"/>
+              </a:ext>
+            </a:extLst>
+          </p:cNvPr>
+          <p:cNvPicPr>
+            <a:picLocks noChangeAspect="1"/>
+          </p:cNvPicPr>
+          <p:nvPr/>
+        </p:nvPicPr>
+        <p:blipFill>
+          <a:blip r:embed="rId2">
+            <a:clrChange>
+              <a:clrFrom>
+                <a:srgbClr val="FFFFFF"/>
+              </a:clrFrom>
+              <a:clrTo>
+                <a:srgbClr val="FFFFFF">
+                  <a:alpha val="0"/>
+                </a:srgbClr>
+              </a:clrTo>
+            </a:clrChange>
+          </a:blip>
+          <a:stretch>
+            <a:fillRect/>
+          </a:stretch>
+        </p:blipFill>
+        <p:spPr>
+          <a:xfrm>
+            <a:off x="6146442" y="4021937"/>
+            <a:ext cx="1174810" cy="1041454"/>
+          </a:xfrm>
+          <a:prstGeom prst="rect">
+            <a:avLst/>
+          </a:prstGeom>
+        </p:spPr>
+      </p:pic>
+      <p:sp>
+        <p:nvSpPr>
+          <p:cNvPr id="174" name="Rectangle 173">
+            <a:extLst>
+              <a:ext uri="{FF2B5EF4-FFF2-40B4-BE49-F238E27FC236}">
+                <a16:creationId xmlns:a16="http://schemas.microsoft.com/office/drawing/2014/main" id="{9D40270A-3FF6-40A0-A21C-AECD43330A6E}"/>
+              </a:ext>
+            </a:extLst>
+          </p:cNvPr>
+          <p:cNvSpPr/>
+          <p:nvPr/>
+        </p:nvSpPr>
+        <p:spPr>
+          <a:xfrm>
+            <a:off x="6077065" y="1919334"/>
+            <a:ext cx="2497316" cy="1656427"/>
+          </a:xfrm>
+          <a:prstGeom prst="rect">
+            <a:avLst/>
+          </a:prstGeom>
+          <a:solidFill>
+            <a:schemeClr val="bg1">
+              <a:lumMod val="85000"/>
+            </a:schemeClr>
+          </a:solidFill>
+          <a:ln>
+            <a:solidFill>
+              <a:schemeClr val="bg1">
+                <a:lumMod val="75000"/>
+              </a:schemeClr>
+            </a:solidFill>
+          </a:ln>
+        </p:spPr>
+        <p:style>
+          <a:lnRef idx="2">
+            <a:schemeClr val="accent3">
+              <a:shade val="50000"/>
+            </a:schemeClr>
+          </a:lnRef>
+          <a:fillRef idx="1">
+            <a:schemeClr val="accent3"/>
+          </a:fillRef>
+          <a:effectRef idx="0">
+            <a:schemeClr val="accent3"/>
+          </a:effectRef>
+          <a:fontRef idx="minor">
+            <a:schemeClr val="lt1"/>
+          </a:fontRef>
+        </p:style>
+        <p:txBody>
+          <a:bodyPr rtlCol="0" anchor="ctr"/>
+          <a:lstStyle/>
+          <a:p>
+            <a:pPr algn="ctr"/>
+            <a:endParaRPr lang="en-GB"/>
+          </a:p>
+        </p:txBody>
+      </p:sp>
+      <p:sp>
+        <p:nvSpPr>
+          <p:cNvPr id="173" name="TextBox 172">
+            <a:extLst>
+              <a:ext uri="{FF2B5EF4-FFF2-40B4-BE49-F238E27FC236}">
+                <a16:creationId xmlns:a16="http://schemas.microsoft.com/office/drawing/2014/main" id="{4B322011-622E-4D30-B762-DFAE830934DF}"/>
+              </a:ext>
+            </a:extLst>
+          </p:cNvPr>
+          <p:cNvSpPr txBox="1"/>
+          <p:nvPr/>
+        </p:nvSpPr>
+        <p:spPr>
+          <a:xfrm>
+            <a:off x="6068418" y="5533873"/>
+            <a:ext cx="989696" cy="307777"/>
+          </a:xfrm>
+          <a:prstGeom prst="rect">
+            <a:avLst/>
+          </a:prstGeom>
+          <a:noFill/>
+        </p:spPr>
+        <p:txBody>
+          <a:bodyPr wrap="square" rtlCol="0">
+            <a:spAutoFit/>
+          </a:bodyPr>
+          <a:lstStyle/>
+          <a:p>
+            <a:pPr algn="ctr"/>
+            <a:r>
+              <a:rPr lang="en-GB" sz="1400" dirty="0">
+                <a:latin typeface="Segoe UI Semilight" panose="020B0402040204020203" pitchFamily="34" charset="0"/>
+                <a:cs typeface="Segoe UI Semilight" panose="020B0402040204020203" pitchFamily="34" charset="0"/>
+              </a:rPr>
+              <a:t>AD subnet</a:t>
+            </a:r>
+          </a:p>
+        </p:txBody>
+      </p:sp>
+      <p:sp>
+        <p:nvSpPr>
+          <p:cNvPr id="100" name="Rectangle 99">
+            <a:extLst>
+              <a:ext uri="{FF2B5EF4-FFF2-40B4-BE49-F238E27FC236}">
+                <a16:creationId xmlns:a16="http://schemas.microsoft.com/office/drawing/2014/main" id="{A71496A7-2054-4A70-8A62-749D88DD3687}"/>
+              </a:ext>
+            </a:extLst>
+          </p:cNvPr>
+          <p:cNvSpPr/>
+          <p:nvPr/>
+        </p:nvSpPr>
+        <p:spPr>
+          <a:xfrm>
+            <a:off x="2447463" y="1978173"/>
+            <a:ext cx="1574822" cy="1310454"/>
+          </a:xfrm>
+          <a:prstGeom prst="rect">
+            <a:avLst/>
+          </a:prstGeom>
+          <a:solidFill>
+            <a:schemeClr val="bg1">
+              <a:lumMod val="85000"/>
+            </a:schemeClr>
+          </a:solidFill>
+          <a:ln>
+            <a:solidFill>
+              <a:schemeClr val="bg1">
+                <a:lumMod val="75000"/>
+              </a:schemeClr>
+            </a:solidFill>
+          </a:ln>
+        </p:spPr>
+        <p:style>
+          <a:lnRef idx="2">
+            <a:schemeClr val="accent3">
+              <a:shade val="50000"/>
+            </a:schemeClr>
+          </a:lnRef>
+          <a:fillRef idx="1">
+            <a:schemeClr val="accent3"/>
+          </a:fillRef>
+          <a:effectRef idx="0">
+            <a:schemeClr val="accent3"/>
+          </a:effectRef>
+          <a:fontRef idx="minor">
+            <a:schemeClr val="lt1"/>
+          </a:fontRef>
+        </p:style>
+        <p:txBody>
+          <a:bodyPr rtlCol="0" anchor="ctr"/>
+          <a:lstStyle/>
+          <a:p>
+            <a:pPr algn="ctr"/>
+            <a:endParaRPr lang="en-GB"/>
+          </a:p>
+        </p:txBody>
+      </p:sp>
+      <p:sp>
+        <p:nvSpPr>
+          <p:cNvPr id="6" name="Rectangle 5">
+            <a:extLst>
+              <a:ext uri="{FF2B5EF4-FFF2-40B4-BE49-F238E27FC236}">
+                <a16:creationId xmlns:a16="http://schemas.microsoft.com/office/drawing/2014/main" id="{654AA660-F981-4AFF-A527-CF5FCFEF65D2}"/>
+              </a:ext>
+            </a:extLst>
+          </p:cNvPr>
+          <p:cNvSpPr/>
+          <p:nvPr/>
+        </p:nvSpPr>
+        <p:spPr>
+          <a:xfrm>
+            <a:off x="2447463" y="4046417"/>
+            <a:ext cx="1574822" cy="1888048"/>
+          </a:xfrm>
+          <a:prstGeom prst="rect">
+            <a:avLst/>
+          </a:prstGeom>
+          <a:solidFill>
+            <a:schemeClr val="bg1">
+              <a:lumMod val="85000"/>
+            </a:schemeClr>
+          </a:solidFill>
+          <a:ln>
+            <a:solidFill>
+              <a:schemeClr val="bg1">
+                <a:lumMod val="75000"/>
+              </a:schemeClr>
+            </a:solidFill>
+          </a:ln>
+        </p:spPr>
+        <p:style>
+          <a:lnRef idx="2">
+            <a:schemeClr val="accent3">
+              <a:shade val="50000"/>
+            </a:schemeClr>
+          </a:lnRef>
+          <a:fillRef idx="1">
+            <a:schemeClr val="accent3"/>
+          </a:fillRef>
+          <a:effectRef idx="0">
+            <a:schemeClr val="accent3"/>
+          </a:effectRef>
+          <a:fontRef idx="minor">
+            <a:schemeClr val="lt1"/>
+          </a:fontRef>
+        </p:style>
+        <p:txBody>
+          <a:bodyPr rtlCol="0" anchor="ctr"/>
+          <a:lstStyle/>
+          <a:p>
+            <a:pPr algn="ctr"/>
+            <a:endParaRPr lang="en-GB"/>
+          </a:p>
+        </p:txBody>
+      </p:sp>
+      <p:sp>
+        <p:nvSpPr>
+          <p:cNvPr id="8" name="Cloud 7">
+            <a:extLst>
+              <a:ext uri="{FF2B5EF4-FFF2-40B4-BE49-F238E27FC236}">
+                <a16:creationId xmlns:a16="http://schemas.microsoft.com/office/drawing/2014/main" id="{D04C277F-B9BC-4C2A-B7FD-11CCC26EF43B}"/>
+              </a:ext>
+            </a:extLst>
+          </p:cNvPr>
+          <p:cNvSpPr/>
+          <p:nvPr/>
+        </p:nvSpPr>
+        <p:spPr>
+          <a:xfrm>
+            <a:off x="6678697" y="108536"/>
+            <a:ext cx="2540000" cy="1143000"/>
+          </a:xfrm>
+          <a:prstGeom prst="cloud">
+            <a:avLst/>
+          </a:prstGeom>
+          <a:solidFill>
+            <a:srgbClr val="5B9BD5"/>
+          </a:solidFill>
+          <a:ln>
+            <a:noFill/>
+          </a:ln>
+        </p:spPr>
+        <p:style>
+          <a:lnRef idx="2">
+            <a:schemeClr val="accent1">
+              <a:shade val="50000"/>
+            </a:schemeClr>
+          </a:lnRef>
+          <a:fillRef idx="1">
+            <a:schemeClr val="accent1"/>
+          </a:fillRef>
+          <a:effectRef idx="0">
+            <a:schemeClr val="accent1"/>
+          </a:effectRef>
+          <a:fontRef idx="minor">
+            <a:schemeClr val="lt1"/>
+          </a:fontRef>
+        </p:style>
+        <p:txBody>
+          <a:bodyPr rtlCol="0" anchor="ctr"/>
+          <a:lstStyle/>
+          <a:p>
+            <a:pPr algn="ctr"/>
+            <a:r>
+              <a:rPr lang="en-GB" dirty="0">
+                <a:latin typeface="Segoe UI Semilight" panose="020B0402040204020203" pitchFamily="34" charset="0"/>
+                <a:cs typeface="Segoe UI Semilight" panose="020B0402040204020203" pitchFamily="34" charset="0"/>
+              </a:rPr>
+              <a:t>Public Internet</a:t>
+            </a:r>
+          </a:p>
+        </p:txBody>
+      </p:sp>
+      <p:sp>
+        <p:nvSpPr>
+          <p:cNvPr id="162" name="Arrow: Bent 161">
+            <a:extLst>
+              <a:ext uri="{FF2B5EF4-FFF2-40B4-BE49-F238E27FC236}">
+                <a16:creationId xmlns:a16="http://schemas.microsoft.com/office/drawing/2014/main" id="{F582D883-654F-49D0-83EB-27FCFC763400}"/>
+              </a:ext>
+            </a:extLst>
+          </p:cNvPr>
+          <p:cNvSpPr/>
+          <p:nvPr/>
+        </p:nvSpPr>
+        <p:spPr>
+          <a:xfrm flipH="1">
+            <a:off x="8876851" y="417443"/>
+            <a:ext cx="644402" cy="3760839"/>
+          </a:xfrm>
+          <a:prstGeom prst="bentArrow">
+            <a:avLst>
+              <a:gd name="adj1" fmla="val 25000"/>
+              <a:gd name="adj2" fmla="val 25000"/>
+              <a:gd name="adj3" fmla="val 25000"/>
+              <a:gd name="adj4" fmla="val 0"/>
+            </a:avLst>
+          </a:prstGeom>
+          <a:solidFill>
+            <a:srgbClr val="77C5E6"/>
+          </a:solidFill>
+          <a:ln>
+            <a:noFill/>
+          </a:ln>
+        </p:spPr>
+        <p:style>
+          <a:lnRef idx="2">
+            <a:schemeClr val="accent1">
+              <a:shade val="50000"/>
+            </a:schemeClr>
+          </a:lnRef>
+          <a:fillRef idx="1">
+            <a:schemeClr val="accent1"/>
+          </a:fillRef>
+          <a:effectRef idx="0">
+            <a:schemeClr val="accent1"/>
+          </a:effectRef>
+          <a:fontRef idx="minor">
+            <a:schemeClr val="lt1"/>
+          </a:fontRef>
+        </p:style>
+        <p:txBody>
+          <a:bodyPr rtlCol="0" anchor="ctr"/>
+          <a:lstStyle/>
+          <a:p>
+            <a:pPr algn="ctr"/>
+            <a:endParaRPr lang="en-GB">
+              <a:solidFill>
+                <a:schemeClr val="tx1"/>
+              </a:solidFill>
+            </a:endParaRPr>
+          </a:p>
+        </p:txBody>
+      </p:sp>
+      <p:sp>
+        <p:nvSpPr>
+          <p:cNvPr id="75" name="TextBox 74">
+            <a:extLst>
+              <a:ext uri="{FF2B5EF4-FFF2-40B4-BE49-F238E27FC236}">
+                <a16:creationId xmlns:a16="http://schemas.microsoft.com/office/drawing/2014/main" id="{8FA94EC7-C901-45AE-93FA-15AA4D3789BF}"/>
+              </a:ext>
+            </a:extLst>
+          </p:cNvPr>
+          <p:cNvSpPr txBox="1"/>
+          <p:nvPr/>
+        </p:nvSpPr>
+        <p:spPr>
+          <a:xfrm>
+            <a:off x="5963517" y="1461447"/>
+            <a:ext cx="2767236" cy="307777"/>
+          </a:xfrm>
+          <a:prstGeom prst="rect">
+            <a:avLst/>
+          </a:prstGeom>
+          <a:noFill/>
+        </p:spPr>
+        <p:txBody>
+          <a:bodyPr wrap="square" rtlCol="0">
+            <a:spAutoFit/>
+          </a:bodyPr>
+          <a:lstStyle/>
+          <a:p>
+            <a:pPr algn="ctr"/>
+            <a:r>
+              <a:rPr lang="en-GB" sz="1400" dirty="0">
+                <a:solidFill>
+                  <a:srgbClr val="5B9BD5"/>
+                </a:solidFill>
+                <a:latin typeface="Segoe UI Black" panose="020B0A02040204020203" pitchFamily="34" charset="0"/>
+                <a:ea typeface="Segoe UI Black" panose="020B0A02040204020203" pitchFamily="34" charset="0"/>
+                <a:cs typeface="Segoe UI Semilight" panose="020B0402040204020203" pitchFamily="34" charset="0"/>
+              </a:rPr>
+              <a:t>Hub</a:t>
+            </a:r>
+          </a:p>
+        </p:txBody>
+      </p:sp>
+      <p:pic>
+        <p:nvPicPr>
+          <p:cNvPr id="29" name="Picture 28">
+            <a:extLst>
+              <a:ext uri="{FF2B5EF4-FFF2-40B4-BE49-F238E27FC236}">
+                <a16:creationId xmlns:a16="http://schemas.microsoft.com/office/drawing/2014/main" id="{06080F83-D104-4305-A019-280A4DFBEBCF}"/>
+              </a:ext>
+            </a:extLst>
+          </p:cNvPr>
+          <p:cNvPicPr>
+            <a:picLocks noChangeAspect="1"/>
+          </p:cNvPicPr>
+          <p:nvPr/>
+        </p:nvPicPr>
+        <p:blipFill>
+          <a:blip r:embed="rId3">
+            <a:clrChange>
+              <a:clrFrom>
+                <a:srgbClr val="FFFFFF"/>
+              </a:clrFrom>
+              <a:clrTo>
+                <a:srgbClr val="FFFFFF">
+                  <a:alpha val="0"/>
+                </a:srgbClr>
+              </a:clrTo>
+            </a:clrChange>
+          </a:blip>
+          <a:stretch>
+            <a:fillRect/>
+          </a:stretch>
+        </p:blipFill>
+        <p:spPr>
+          <a:xfrm>
+            <a:off x="7504458" y="2533196"/>
+            <a:ext cx="984301" cy="1092256"/>
+          </a:xfrm>
+          <a:prstGeom prst="rect">
+            <a:avLst/>
+          </a:prstGeom>
+        </p:spPr>
+      </p:pic>
+      <p:sp>
+        <p:nvSpPr>
+          <p:cNvPr id="4" name="AutoShape 2" descr="1">
+            <a:extLst>
+              <a:ext uri="{FF2B5EF4-FFF2-40B4-BE49-F238E27FC236}">
+                <a16:creationId xmlns:a16="http://schemas.microsoft.com/office/drawing/2014/main" id="{D2741D4E-C0E7-4313-B888-AD4CD7CEC177}"/>
+              </a:ext>
+            </a:extLst>
+          </p:cNvPr>
+          <p:cNvSpPr>
+            <a:spLocks noChangeAspect="1" noChangeArrowheads="1"/>
+          </p:cNvSpPr>
+          <p:nvPr/>
+        </p:nvSpPr>
+        <p:spPr bwMode="auto">
+          <a:xfrm>
+            <a:off x="5857135" y="3774386"/>
+            <a:ext cx="2602727" cy="2602727"/>
+          </a:xfrm>
+          <a:prstGeom prst="rect">
+            <a:avLst/>
+          </a:prstGeom>
+          <a:noFill/>
+          <a:extLst>
+            <a:ext uri="{909E8E84-426E-40DD-AFC4-6F175D3DCCD1}">
+              <a14:hiddenFill xmlns:a14="http://schemas.microsoft.com/office/drawing/2010/main">
+                <a:solidFill>
+                  <a:srgbClr val="FFFFFF"/>
+                </a:solidFill>
+              </a14:hiddenFill>
+            </a:ext>
+          </a:extLst>
+        </p:spPr>
+        <p:txBody>
+          <a:bodyPr vert="horz" wrap="square" lIns="91440" tIns="45720" rIns="91440" bIns="45720" numCol="1" anchor="t" anchorCtr="0" compatLnSpc="1">
+            <a:prstTxWarp prst="textNoShape">
+              <a:avLst/>
+            </a:prstTxWarp>
+          </a:bodyPr>
+          <a:lstStyle/>
+          <a:p>
+            <a:endParaRPr lang="en-GB">
+              <a:latin typeface="Segoe UI Semilight" panose="020B0402040204020203" pitchFamily="34" charset="0"/>
+              <a:cs typeface="Segoe UI Semilight" panose="020B0402040204020203" pitchFamily="34" charset="0"/>
+            </a:endParaRPr>
+          </a:p>
+        </p:txBody>
+      </p:sp>
+      <p:pic>
+        <p:nvPicPr>
+          <p:cNvPr id="36" name="Picture 35">
+            <a:extLst>
+              <a:ext uri="{FF2B5EF4-FFF2-40B4-BE49-F238E27FC236}">
+                <a16:creationId xmlns:a16="http://schemas.microsoft.com/office/drawing/2014/main" id="{EB6BBCFB-8E63-423E-8851-46E9097D52F7}"/>
+              </a:ext>
+            </a:extLst>
+          </p:cNvPr>
+          <p:cNvPicPr>
+            <a:picLocks noChangeAspect="1"/>
+          </p:cNvPicPr>
+          <p:nvPr/>
+        </p:nvPicPr>
+        <p:blipFill>
+          <a:blip r:embed="rId4">
+            <a:clrChange>
+              <a:clrFrom>
+                <a:srgbClr val="FFFFFF"/>
+              </a:clrFrom>
+              <a:clrTo>
+                <a:srgbClr val="FFFFFF">
+                  <a:alpha val="0"/>
+                </a:srgbClr>
+              </a:clrTo>
+            </a:clrChange>
+          </a:blip>
+          <a:stretch>
+            <a:fillRect/>
+          </a:stretch>
+        </p:blipFill>
+        <p:spPr>
+          <a:xfrm>
+            <a:off x="6376227" y="2416146"/>
+            <a:ext cx="869995" cy="850944"/>
+          </a:xfrm>
+          <a:prstGeom prst="rect">
+            <a:avLst/>
+          </a:prstGeom>
+        </p:spPr>
+      </p:pic>
+      <p:sp>
+        <p:nvSpPr>
+          <p:cNvPr id="58" name="Rectangle 57">
+            <a:extLst>
+              <a:ext uri="{FF2B5EF4-FFF2-40B4-BE49-F238E27FC236}">
+                <a16:creationId xmlns:a16="http://schemas.microsoft.com/office/drawing/2014/main" id="{E0BDE120-D5D1-49ED-9AB6-743C1B5DDAF2}"/>
+              </a:ext>
+            </a:extLst>
+          </p:cNvPr>
+          <p:cNvSpPr/>
+          <p:nvPr/>
+        </p:nvSpPr>
+        <p:spPr>
+          <a:xfrm>
+            <a:off x="5950844" y="1765594"/>
+            <a:ext cx="2770293" cy="4153923"/>
+          </a:xfrm>
+          <a:prstGeom prst="rect">
+            <a:avLst/>
+          </a:prstGeom>
+          <a:noFill/>
+          <a:ln w="38100">
+            <a:solidFill>
+              <a:srgbClr val="5B9BD5"/>
+            </a:solidFill>
+            <a:prstDash val="sysDot"/>
+          </a:ln>
+        </p:spPr>
+        <p:style>
+          <a:lnRef idx="2">
+            <a:schemeClr val="accent1">
+              <a:shade val="50000"/>
+            </a:schemeClr>
+          </a:lnRef>
+          <a:fillRef idx="1">
+            <a:schemeClr val="accent1"/>
+          </a:fillRef>
+          <a:effectRef idx="0">
+            <a:schemeClr val="accent1"/>
+          </a:effectRef>
+          <a:fontRef idx="minor">
+            <a:schemeClr val="lt1"/>
+          </a:fontRef>
+        </p:style>
+        <p:txBody>
+          <a:bodyPr rtlCol="0" anchor="ctr"/>
+          <a:lstStyle/>
+          <a:p>
+            <a:pPr algn="ctr"/>
+            <a:endParaRPr lang="en-GB"/>
+          </a:p>
+        </p:txBody>
+      </p:sp>
       <p:grpSp>
         <p:nvGrpSpPr>
-          <p:cNvPr id="164" name="Group 163">
-            <a:extLst>
-              <a:ext uri="{FF2B5EF4-FFF2-40B4-BE49-F238E27FC236}">
-                <a16:creationId xmlns:a16="http://schemas.microsoft.com/office/drawing/2014/main" id="{D0BA5481-B61D-4879-84CF-1CF60BE799E7}"/>
+          <p:cNvPr id="61" name="Group 60">
+            <a:extLst>
+              <a:ext uri="{FF2B5EF4-FFF2-40B4-BE49-F238E27FC236}">
+                <a16:creationId xmlns:a16="http://schemas.microsoft.com/office/drawing/2014/main" id="{02FFCFF1-2457-46FF-ABEB-177C71E9B6FC}"/>
               </a:ext>
             </a:extLst>
           </p:cNvPr>
@@ -4711,18 +5478,18 @@
         </p:nvGrpSpPr>
         <p:grpSpPr>
           <a:xfrm>
-            <a:off x="140450" y="1080821"/>
-            <a:ext cx="11786120" cy="5708631"/>
-            <a:chOff x="140450" y="1080821"/>
-            <a:chExt cx="11786120" cy="5708631"/>
+            <a:off x="8126036" y="5586533"/>
+            <a:ext cx="908492" cy="682597"/>
+            <a:chOff x="5358637" y="4686040"/>
+            <a:chExt cx="908492" cy="682597"/>
           </a:xfrm>
         </p:grpSpPr>
         <p:sp>
           <p:nvSpPr>
-            <p:cNvPr id="8" name="Cloud 7">
+            <p:cNvPr id="60" name="Rectangle 59">
               <a:extLst>
                 <a:ext uri="{FF2B5EF4-FFF2-40B4-BE49-F238E27FC236}">
-                  <a16:creationId xmlns:a16="http://schemas.microsoft.com/office/drawing/2014/main" id="{D04C277F-B9BC-4C2A-B7FD-11CCC26EF43B}"/>
+                  <a16:creationId xmlns:a16="http://schemas.microsoft.com/office/drawing/2014/main" id="{E2D81316-84F0-4EA5-B2C0-5D8AE24B47EF}"/>
                 </a:ext>
               </a:extLst>
             </p:cNvPr>
@@ -4731,1126 +5498,14 @@
           </p:nvSpPr>
           <p:spPr>
             <a:xfrm>
-              <a:off x="6678697" y="1080821"/>
-              <a:ext cx="2540000" cy="1143000"/>
-            </a:xfrm>
-            <a:prstGeom prst="cloud">
-              <a:avLst/>
-            </a:prstGeom>
-            <a:solidFill>
-              <a:srgbClr val="5B9BD5"/>
-            </a:solidFill>
-            <a:ln>
-              <a:noFill/>
-            </a:ln>
-          </p:spPr>
-          <p:style>
-            <a:lnRef idx="2">
-              <a:schemeClr val="accent1">
-                <a:shade val="50000"/>
-              </a:schemeClr>
-            </a:lnRef>
-            <a:fillRef idx="1">
-              <a:schemeClr val="accent1"/>
-            </a:fillRef>
-            <a:effectRef idx="0">
-              <a:schemeClr val="accent1"/>
-            </a:effectRef>
-            <a:fontRef idx="minor">
-              <a:schemeClr val="lt1"/>
-            </a:fontRef>
-          </p:style>
-          <p:txBody>
-            <a:bodyPr rtlCol="0" anchor="ctr"/>
-            <a:lstStyle/>
-            <a:p>
-              <a:pPr algn="ctr"/>
-              <a:r>
-                <a:rPr lang="en-GB" dirty="0">
-                  <a:latin typeface="Segoe UI Semilight" panose="020B0402040204020203" pitchFamily="34" charset="0"/>
-                  <a:cs typeface="Segoe UI Semilight" panose="020B0402040204020203" pitchFamily="34" charset="0"/>
-                </a:rPr>
-                <a:t>Public Internet</a:t>
-              </a:r>
-            </a:p>
-          </p:txBody>
-        </p:sp>
-        <p:sp>
-          <p:nvSpPr>
-            <p:cNvPr id="162" name="Arrow: Bent 161">
-              <a:extLst>
-                <a:ext uri="{FF2B5EF4-FFF2-40B4-BE49-F238E27FC236}">
-                  <a16:creationId xmlns:a16="http://schemas.microsoft.com/office/drawing/2014/main" id="{F582D883-654F-49D0-83EB-27FCFC763400}"/>
-                </a:ext>
-              </a:extLst>
-            </p:cNvPr>
-            <p:cNvSpPr/>
-            <p:nvPr/>
-          </p:nvSpPr>
-          <p:spPr>
-            <a:xfrm flipH="1">
-              <a:off x="8876851" y="1416424"/>
-              <a:ext cx="644402" cy="2761858"/>
-            </a:xfrm>
-            <a:prstGeom prst="bentArrow">
-              <a:avLst>
-                <a:gd name="adj1" fmla="val 25000"/>
-                <a:gd name="adj2" fmla="val 25000"/>
-                <a:gd name="adj3" fmla="val 25000"/>
-                <a:gd name="adj4" fmla="val 0"/>
-              </a:avLst>
-            </a:prstGeom>
-            <a:solidFill>
-              <a:srgbClr val="77C5E6"/>
-            </a:solidFill>
-            <a:ln>
-              <a:noFill/>
-            </a:ln>
-          </p:spPr>
-          <p:style>
-            <a:lnRef idx="2">
-              <a:schemeClr val="accent1">
-                <a:shade val="50000"/>
-              </a:schemeClr>
-            </a:lnRef>
-            <a:fillRef idx="1">
-              <a:schemeClr val="accent1"/>
-            </a:fillRef>
-            <a:effectRef idx="0">
-              <a:schemeClr val="accent1"/>
-            </a:effectRef>
-            <a:fontRef idx="minor">
-              <a:schemeClr val="lt1"/>
-            </a:fontRef>
-          </p:style>
-          <p:txBody>
-            <a:bodyPr rtlCol="0" anchor="ctr"/>
-            <a:lstStyle/>
-            <a:p>
-              <a:pPr algn="ctr"/>
-              <a:endParaRPr lang="en-GB">
-                <a:solidFill>
-                  <a:schemeClr val="tx1"/>
-                </a:solidFill>
-              </a:endParaRPr>
-            </a:p>
-          </p:txBody>
-        </p:sp>
-        <p:grpSp>
-          <p:nvGrpSpPr>
-            <p:cNvPr id="78" name="Group 77">
-              <a:extLst>
-                <a:ext uri="{FF2B5EF4-FFF2-40B4-BE49-F238E27FC236}">
-                  <a16:creationId xmlns:a16="http://schemas.microsoft.com/office/drawing/2014/main" id="{78BD2E25-1D47-4405-9664-C928350A34CA}"/>
-                </a:ext>
-              </a:extLst>
-            </p:cNvPr>
-            <p:cNvGrpSpPr/>
-            <p:nvPr/>
-          </p:nvGrpSpPr>
-          <p:grpSpPr>
-            <a:xfrm>
-              <a:off x="5857135" y="2929505"/>
-              <a:ext cx="3177393" cy="3447608"/>
-              <a:chOff x="4472547" y="618164"/>
-              <a:chExt cx="3177393" cy="3447608"/>
-            </a:xfrm>
-          </p:grpSpPr>
-          <p:sp>
-            <p:nvSpPr>
-              <p:cNvPr id="75" name="TextBox 74">
-                <a:extLst>
-                  <a:ext uri="{FF2B5EF4-FFF2-40B4-BE49-F238E27FC236}">
-                    <a16:creationId xmlns:a16="http://schemas.microsoft.com/office/drawing/2014/main" id="{8FA94EC7-C901-45AE-93FA-15AA4D3789BF}"/>
-                  </a:ext>
-                </a:extLst>
-              </p:cNvPr>
-              <p:cNvSpPr txBox="1"/>
-              <p:nvPr/>
-            </p:nvSpPr>
-            <p:spPr>
-              <a:xfrm>
-                <a:off x="4578929" y="618164"/>
-                <a:ext cx="2767236" cy="307777"/>
-              </a:xfrm>
-              <a:prstGeom prst="rect">
-                <a:avLst/>
-              </a:prstGeom>
-              <a:noFill/>
-            </p:spPr>
-            <p:txBody>
-              <a:bodyPr wrap="square" rtlCol="0">
-                <a:spAutoFit/>
-              </a:bodyPr>
-              <a:lstStyle/>
-              <a:p>
-                <a:pPr algn="ctr"/>
-                <a:r>
-                  <a:rPr lang="en-GB" sz="1400" dirty="0">
-                    <a:solidFill>
-                      <a:srgbClr val="5B9BD5"/>
-                    </a:solidFill>
-                    <a:latin typeface="Segoe UI Black" panose="020B0A02040204020203" pitchFamily="34" charset="0"/>
-                    <a:ea typeface="Segoe UI Black" panose="020B0A02040204020203" pitchFamily="34" charset="0"/>
-                    <a:cs typeface="Segoe UI Semilight" panose="020B0402040204020203" pitchFamily="34" charset="0"/>
-                  </a:rPr>
-                  <a:t>Hub</a:t>
-                </a:r>
-              </a:p>
-            </p:txBody>
-          </p:sp>
-          <p:grpSp>
-            <p:nvGrpSpPr>
-              <p:cNvPr id="74" name="Group 73">
-                <a:extLst>
-                  <a:ext uri="{FF2B5EF4-FFF2-40B4-BE49-F238E27FC236}">
-                    <a16:creationId xmlns:a16="http://schemas.microsoft.com/office/drawing/2014/main" id="{5164267A-75A8-4B2A-8BC1-1C43F0F82B74}"/>
-                  </a:ext>
-                </a:extLst>
-              </p:cNvPr>
-              <p:cNvGrpSpPr/>
-              <p:nvPr/>
-            </p:nvGrpSpPr>
-            <p:grpSpPr>
-              <a:xfrm>
-                <a:off x="4472547" y="907308"/>
-                <a:ext cx="3177393" cy="3158464"/>
-                <a:chOff x="3305920" y="153286"/>
-                <a:chExt cx="3177393" cy="3158464"/>
-              </a:xfrm>
-            </p:grpSpPr>
-            <p:pic>
-              <p:nvPicPr>
-                <p:cNvPr id="29" name="Picture 28">
-                  <a:extLst>
-                    <a:ext uri="{FF2B5EF4-FFF2-40B4-BE49-F238E27FC236}">
-                      <a16:creationId xmlns:a16="http://schemas.microsoft.com/office/drawing/2014/main" id="{06080F83-D104-4305-A019-280A4DFBEBCF}"/>
-                    </a:ext>
-                  </a:extLst>
-                </p:cNvPr>
-                <p:cNvPicPr>
-                  <a:picLocks noChangeAspect="1"/>
-                </p:cNvPicPr>
-                <p:nvPr/>
-              </p:nvPicPr>
-              <p:blipFill>
-                <a:blip r:embed="rId2"/>
-                <a:stretch>
-                  <a:fillRect/>
-                </a:stretch>
-              </p:blipFill>
-              <p:spPr>
-                <a:xfrm>
-                  <a:off x="4953243" y="616946"/>
-                  <a:ext cx="984301" cy="1092256"/>
-                </a:xfrm>
-                <a:prstGeom prst="rect">
-                  <a:avLst/>
-                </a:prstGeom>
-              </p:spPr>
-            </p:pic>
-            <p:sp>
-              <p:nvSpPr>
-                <p:cNvPr id="4" name="AutoShape 2" descr="1">
-                  <a:extLst>
-                    <a:ext uri="{FF2B5EF4-FFF2-40B4-BE49-F238E27FC236}">
-                      <a16:creationId xmlns:a16="http://schemas.microsoft.com/office/drawing/2014/main" id="{D2741D4E-C0E7-4313-B888-AD4CD7CEC177}"/>
-                    </a:ext>
-                  </a:extLst>
-                </p:cNvPr>
-                <p:cNvSpPr>
-                  <a:spLocks noChangeAspect="1" noChangeArrowheads="1"/>
-                </p:cNvSpPr>
-                <p:nvPr/>
-              </p:nvSpPr>
-              <p:spPr bwMode="auto">
-                <a:xfrm>
-                  <a:off x="3305920" y="709023"/>
-                  <a:ext cx="2602727" cy="2602727"/>
-                </a:xfrm>
-                <a:prstGeom prst="rect">
-                  <a:avLst/>
-                </a:prstGeom>
-                <a:noFill/>
-                <a:extLst>
-                  <a:ext uri="{909E8E84-426E-40DD-AFC4-6F175D3DCCD1}">
-                    <a14:hiddenFill xmlns:a14="http://schemas.microsoft.com/office/drawing/2010/main">
-                      <a:solidFill>
-                        <a:srgbClr val="FFFFFF"/>
-                      </a:solidFill>
-                    </a14:hiddenFill>
-                  </a:ext>
-                </a:extLst>
-              </p:spPr>
-              <p:txBody>
-                <a:bodyPr vert="horz" wrap="square" lIns="91440" tIns="45720" rIns="91440" bIns="45720" numCol="1" anchor="t" anchorCtr="0" compatLnSpc="1">
-                  <a:prstTxWarp prst="textNoShape">
-                    <a:avLst/>
-                  </a:prstTxWarp>
-                </a:bodyPr>
-                <a:lstStyle/>
-                <a:p>
-                  <a:endParaRPr lang="en-GB">
-                    <a:latin typeface="Segoe UI Semilight" panose="020B0402040204020203" pitchFamily="34" charset="0"/>
-                    <a:cs typeface="Segoe UI Semilight" panose="020B0402040204020203" pitchFamily="34" charset="0"/>
-                  </a:endParaRPr>
-                </a:p>
-              </p:txBody>
-            </p:sp>
-            <p:pic>
-              <p:nvPicPr>
-                <p:cNvPr id="26" name="Picture 25">
-                  <a:extLst>
-                    <a:ext uri="{FF2B5EF4-FFF2-40B4-BE49-F238E27FC236}">
-                      <a16:creationId xmlns:a16="http://schemas.microsoft.com/office/drawing/2014/main" id="{11422D63-0B0C-4AA9-9A52-B60F82AE7ED8}"/>
-                    </a:ext>
-                  </a:extLst>
-                </p:cNvPr>
-                <p:cNvPicPr>
-                  <a:picLocks noChangeAspect="1"/>
-                </p:cNvPicPr>
-                <p:nvPr/>
-              </p:nvPicPr>
-              <p:blipFill>
-                <a:blip r:embed="rId3">
-                  <a:clrChange>
-                    <a:clrFrom>
-                      <a:srgbClr val="FFFFFF"/>
-                    </a:clrFrom>
-                    <a:clrTo>
-                      <a:srgbClr val="FFFFFF">
-                        <a:alpha val="0"/>
-                      </a:srgbClr>
-                    </a:clrTo>
-                  </a:clrChange>
-                </a:blip>
-                <a:stretch>
-                  <a:fillRect/>
-                </a:stretch>
-              </p:blipFill>
-              <p:spPr>
-                <a:xfrm>
-                  <a:off x="4857705" y="1693996"/>
-                  <a:ext cx="1079555" cy="857294"/>
-                </a:xfrm>
-                <a:prstGeom prst="rect">
-                  <a:avLst/>
-                </a:prstGeom>
-              </p:spPr>
-            </p:pic>
-            <p:pic>
-              <p:nvPicPr>
-                <p:cNvPr id="35" name="Picture 34">
-                  <a:extLst>
-                    <a:ext uri="{FF2B5EF4-FFF2-40B4-BE49-F238E27FC236}">
-                      <a16:creationId xmlns:a16="http://schemas.microsoft.com/office/drawing/2014/main" id="{1535C81E-CD2C-4AD5-BF99-FA0E3AB6BAA9}"/>
-                    </a:ext>
-                  </a:extLst>
-                </p:cNvPr>
-                <p:cNvPicPr>
-                  <a:picLocks noChangeAspect="1"/>
-                </p:cNvPicPr>
-                <p:nvPr/>
-              </p:nvPicPr>
-              <p:blipFill>
-                <a:blip r:embed="rId4">
-                  <a:clrChange>
-                    <a:clrFrom>
-                      <a:srgbClr val="FFFFFF"/>
-                    </a:clrFrom>
-                    <a:clrTo>
-                      <a:srgbClr val="FFFFFF">
-                        <a:alpha val="0"/>
-                      </a:srgbClr>
-                    </a:clrTo>
-                  </a:clrChange>
-                </a:blip>
-                <a:stretch>
-                  <a:fillRect/>
-                </a:stretch>
-              </p:blipFill>
-              <p:spPr>
-                <a:xfrm>
-                  <a:off x="3595227" y="1420168"/>
-                  <a:ext cx="1174810" cy="1041454"/>
-                </a:xfrm>
-                <a:prstGeom prst="rect">
-                  <a:avLst/>
-                </a:prstGeom>
-              </p:spPr>
-            </p:pic>
-            <p:pic>
-              <p:nvPicPr>
-                <p:cNvPr id="36" name="Picture 35">
-                  <a:extLst>
-                    <a:ext uri="{FF2B5EF4-FFF2-40B4-BE49-F238E27FC236}">
-                      <a16:creationId xmlns:a16="http://schemas.microsoft.com/office/drawing/2014/main" id="{EB6BBCFB-8E63-423E-8851-46E9097D52F7}"/>
-                    </a:ext>
-                  </a:extLst>
-                </p:cNvPr>
-                <p:cNvPicPr>
-                  <a:picLocks noChangeAspect="1"/>
-                </p:cNvPicPr>
-                <p:nvPr/>
-              </p:nvPicPr>
-              <p:blipFill>
-                <a:blip r:embed="rId5"/>
-                <a:stretch>
-                  <a:fillRect/>
-                </a:stretch>
-              </p:blipFill>
-              <p:spPr>
-                <a:xfrm>
-                  <a:off x="3825012" y="499896"/>
-                  <a:ext cx="869995" cy="850944"/>
-                </a:xfrm>
-                <a:prstGeom prst="rect">
-                  <a:avLst/>
-                </a:prstGeom>
-              </p:spPr>
-            </p:pic>
-            <p:sp>
-              <p:nvSpPr>
-                <p:cNvPr id="58" name="Rectangle 57">
-                  <a:extLst>
-                    <a:ext uri="{FF2B5EF4-FFF2-40B4-BE49-F238E27FC236}">
-                      <a16:creationId xmlns:a16="http://schemas.microsoft.com/office/drawing/2014/main" id="{E0BDE120-D5D1-49ED-9AB6-743C1B5DDAF2}"/>
-                    </a:ext>
-                  </a:extLst>
-                </p:cNvPr>
-                <p:cNvSpPr/>
-                <p:nvPr/>
-              </p:nvSpPr>
-              <p:spPr>
-                <a:xfrm>
-                  <a:off x="3399629" y="153286"/>
-                  <a:ext cx="2770293" cy="2700867"/>
-                </a:xfrm>
-                <a:prstGeom prst="rect">
-                  <a:avLst/>
-                </a:prstGeom>
-                <a:noFill/>
-                <a:ln w="38100">
-                  <a:solidFill>
-                    <a:srgbClr val="5B9BD5"/>
-                  </a:solidFill>
-                  <a:prstDash val="sysDot"/>
-                </a:ln>
-              </p:spPr>
-              <p:style>
-                <a:lnRef idx="2">
-                  <a:schemeClr val="accent1">
-                    <a:shade val="50000"/>
-                  </a:schemeClr>
-                </a:lnRef>
-                <a:fillRef idx="1">
-                  <a:schemeClr val="accent1"/>
-                </a:fillRef>
-                <a:effectRef idx="0">
-                  <a:schemeClr val="accent1"/>
-                </a:effectRef>
-                <a:fontRef idx="minor">
-                  <a:schemeClr val="lt1"/>
-                </a:fontRef>
-              </p:style>
-              <p:txBody>
-                <a:bodyPr rtlCol="0" anchor="ctr"/>
-                <a:lstStyle/>
-                <a:p>
-                  <a:pPr algn="ctr"/>
-                  <a:endParaRPr lang="en-GB"/>
-                </a:p>
-              </p:txBody>
-            </p:sp>
-            <p:grpSp>
-              <p:nvGrpSpPr>
-                <p:cNvPr id="61" name="Group 60">
-                  <a:extLst>
-                    <a:ext uri="{FF2B5EF4-FFF2-40B4-BE49-F238E27FC236}">
-                      <a16:creationId xmlns:a16="http://schemas.microsoft.com/office/drawing/2014/main" id="{02FFCFF1-2457-46FF-ABEB-177C71E9B6FC}"/>
-                    </a:ext>
-                  </a:extLst>
-                </p:cNvPr>
-                <p:cNvGrpSpPr/>
-                <p:nvPr/>
-              </p:nvGrpSpPr>
-              <p:grpSpPr>
-                <a:xfrm>
-                  <a:off x="5574821" y="2521170"/>
-                  <a:ext cx="908492" cy="682597"/>
-                  <a:chOff x="5358637" y="4686040"/>
-                  <a:chExt cx="908492" cy="682597"/>
-                </a:xfrm>
-              </p:grpSpPr>
-              <p:sp>
-                <p:nvSpPr>
-                  <p:cNvPr id="60" name="Rectangle 59">
-                    <a:extLst>
-                      <a:ext uri="{FF2B5EF4-FFF2-40B4-BE49-F238E27FC236}">
-                        <a16:creationId xmlns:a16="http://schemas.microsoft.com/office/drawing/2014/main" id="{E2D81316-84F0-4EA5-B2C0-5D8AE24B47EF}"/>
-                      </a:ext>
-                    </a:extLst>
-                  </p:cNvPr>
-                  <p:cNvSpPr/>
-                  <p:nvPr/>
-                </p:nvSpPr>
-                <p:spPr>
-                  <a:xfrm>
-                    <a:off x="5427133" y="4818529"/>
-                    <a:ext cx="713691" cy="407895"/>
-                  </a:xfrm>
-                  <a:prstGeom prst="rect">
-                    <a:avLst/>
-                  </a:prstGeom>
-                  <a:solidFill>
-                    <a:schemeClr val="bg1"/>
-                  </a:solidFill>
-                  <a:ln>
-                    <a:noFill/>
-                  </a:ln>
-                </p:spPr>
-                <p:style>
-                  <a:lnRef idx="2">
-                    <a:schemeClr val="accent1">
-                      <a:shade val="50000"/>
-                    </a:schemeClr>
-                  </a:lnRef>
-                  <a:fillRef idx="1">
-                    <a:schemeClr val="accent1"/>
-                  </a:fillRef>
-                  <a:effectRef idx="0">
-                    <a:schemeClr val="accent1"/>
-                  </a:effectRef>
-                  <a:fontRef idx="minor">
-                    <a:schemeClr val="lt1"/>
-                  </a:fontRef>
-                </p:style>
-                <p:txBody>
-                  <a:bodyPr rtlCol="0" anchor="ctr"/>
-                  <a:lstStyle/>
-                  <a:p>
-                    <a:pPr algn="ctr"/>
-                    <a:endParaRPr lang="en-GB"/>
-                  </a:p>
-                </p:txBody>
-              </p:sp>
-              <p:pic>
-                <p:nvPicPr>
-                  <p:cNvPr id="59" name="Picture 58">
-                    <a:extLst>
-                      <a:ext uri="{FF2B5EF4-FFF2-40B4-BE49-F238E27FC236}">
-                        <a16:creationId xmlns:a16="http://schemas.microsoft.com/office/drawing/2014/main" id="{7E32F89D-79D1-45A5-A1F4-0C52884F93ED}"/>
-                      </a:ext>
-                    </a:extLst>
-                  </p:cNvPr>
-                  <p:cNvPicPr>
-                    <a:picLocks noChangeAspect="1"/>
-                  </p:cNvPicPr>
-                  <p:nvPr/>
-                </p:nvPicPr>
-                <p:blipFill>
-                  <a:blip r:embed="rId6">
-                    <a:clrChange>
-                      <a:clrFrom>
-                        <a:srgbClr val="FFFFFF"/>
-                      </a:clrFrom>
-                      <a:clrTo>
-                        <a:srgbClr val="FFFFFF">
-                          <a:alpha val="0"/>
-                        </a:srgbClr>
-                      </a:clrTo>
-                    </a:clrChange>
-                  </a:blip>
-                  <a:stretch>
-                    <a:fillRect/>
-                  </a:stretch>
-                </p:blipFill>
-                <p:spPr>
-                  <a:xfrm>
-                    <a:off x="5358637" y="4686040"/>
-                    <a:ext cx="908492" cy="682597"/>
-                  </a:xfrm>
-                  <a:prstGeom prst="rect">
-                    <a:avLst/>
-                  </a:prstGeom>
-                </p:spPr>
-              </p:pic>
-            </p:grpSp>
-            <p:sp>
-              <p:nvSpPr>
-                <p:cNvPr id="68" name="TextBox 67">
-                  <a:extLst>
-                    <a:ext uri="{FF2B5EF4-FFF2-40B4-BE49-F238E27FC236}">
-                      <a16:creationId xmlns:a16="http://schemas.microsoft.com/office/drawing/2014/main" id="{737A5110-B902-4EB7-925A-176F4328E5D1}"/>
-                    </a:ext>
-                  </a:extLst>
-                </p:cNvPr>
-                <p:cNvSpPr txBox="1"/>
-                <p:nvPr/>
-              </p:nvSpPr>
-              <p:spPr>
-                <a:xfrm>
-                  <a:off x="5125444" y="2843935"/>
-                  <a:ext cx="713691" cy="307777"/>
-                </a:xfrm>
-                <a:prstGeom prst="rect">
-                  <a:avLst/>
-                </a:prstGeom>
-                <a:noFill/>
-              </p:spPr>
-              <p:txBody>
-                <a:bodyPr wrap="square" rtlCol="0">
-                  <a:spAutoFit/>
-                </a:bodyPr>
-                <a:lstStyle/>
-                <a:p>
-                  <a:pPr algn="ctr"/>
-                  <a:r>
-                    <a:rPr lang="en-GB" sz="1400" dirty="0" err="1">
-                      <a:latin typeface="Segoe UI Semilight" panose="020B0402040204020203" pitchFamily="34" charset="0"/>
-                      <a:cs typeface="Segoe UI Semilight" panose="020B0402040204020203" pitchFamily="34" charset="0"/>
-                    </a:rPr>
-                    <a:t>VNet</a:t>
-                  </a:r>
-                  <a:endParaRPr lang="en-GB" sz="1400" dirty="0">
-                    <a:latin typeface="Segoe UI Semilight" panose="020B0402040204020203" pitchFamily="34" charset="0"/>
-                    <a:cs typeface="Segoe UI Semilight" panose="020B0402040204020203" pitchFamily="34" charset="0"/>
-                  </a:endParaRPr>
-                </a:p>
-              </p:txBody>
-            </p:sp>
-            <p:sp>
-              <p:nvSpPr>
-                <p:cNvPr id="69" name="TextBox 68">
-                  <a:extLst>
-                    <a:ext uri="{FF2B5EF4-FFF2-40B4-BE49-F238E27FC236}">
-                      <a16:creationId xmlns:a16="http://schemas.microsoft.com/office/drawing/2014/main" id="{B07A2E68-80E6-4876-B3B9-CF2CFD7ADE0D}"/>
-                    </a:ext>
-                  </a:extLst>
-                </p:cNvPr>
-                <p:cNvSpPr txBox="1"/>
-                <p:nvPr/>
-              </p:nvSpPr>
-              <p:spPr>
-                <a:xfrm>
-                  <a:off x="3735497" y="2345882"/>
-                  <a:ext cx="908492" cy="523220"/>
-                </a:xfrm>
-                <a:prstGeom prst="rect">
-                  <a:avLst/>
-                </a:prstGeom>
-                <a:noFill/>
-              </p:spPr>
-              <p:txBody>
-                <a:bodyPr wrap="square" rtlCol="0">
-                  <a:spAutoFit/>
-                </a:bodyPr>
-                <a:lstStyle/>
-                <a:p>
-                  <a:pPr algn="ctr"/>
-                  <a:r>
-                    <a:rPr lang="en-GB" sz="1400" dirty="0">
-                      <a:latin typeface="Segoe UI Semilight" panose="020B0402040204020203" pitchFamily="34" charset="0"/>
-                      <a:cs typeface="Segoe UI Semilight" panose="020B0402040204020203" pitchFamily="34" charset="0"/>
-                    </a:rPr>
-                    <a:t>Active Directory</a:t>
-                  </a:r>
-                </a:p>
-              </p:txBody>
-            </p:sp>
-            <p:sp>
-              <p:nvSpPr>
-                <p:cNvPr id="70" name="TextBox 69">
-                  <a:extLst>
-                    <a:ext uri="{FF2B5EF4-FFF2-40B4-BE49-F238E27FC236}">
-                      <a16:creationId xmlns:a16="http://schemas.microsoft.com/office/drawing/2014/main" id="{FFBC1F5F-D413-49CF-91BA-299EBC64F855}"/>
-                    </a:ext>
-                  </a:extLst>
-                </p:cNvPr>
-                <p:cNvSpPr txBox="1"/>
-                <p:nvPr/>
-              </p:nvSpPr>
-              <p:spPr>
-                <a:xfrm>
-                  <a:off x="4899637" y="222444"/>
-                  <a:ext cx="1009010" cy="523220"/>
-                </a:xfrm>
-                <a:prstGeom prst="rect">
-                  <a:avLst/>
-                </a:prstGeom>
-                <a:noFill/>
-              </p:spPr>
-              <p:txBody>
-                <a:bodyPr wrap="square" rtlCol="0">
-                  <a:spAutoFit/>
-                </a:bodyPr>
-                <a:lstStyle/>
-                <a:p>
-                  <a:pPr algn="ctr"/>
-                  <a:r>
-                    <a:rPr lang="en-GB" sz="1400" dirty="0">
-                      <a:latin typeface="Segoe UI Semilight" panose="020B0402040204020203" pitchFamily="34" charset="0"/>
-                      <a:cs typeface="Segoe UI Semilight" panose="020B0402040204020203" pitchFamily="34" charset="0"/>
-                    </a:rPr>
-                    <a:t>DDOS protection</a:t>
-                  </a:r>
-                </a:p>
-              </p:txBody>
-            </p:sp>
-            <p:sp>
-              <p:nvSpPr>
-                <p:cNvPr id="71" name="TextBox 70">
-                  <a:extLst>
-                    <a:ext uri="{FF2B5EF4-FFF2-40B4-BE49-F238E27FC236}">
-                      <a16:creationId xmlns:a16="http://schemas.microsoft.com/office/drawing/2014/main" id="{F8CA4FF7-ACF8-4198-9D55-FE1CBFE699A7}"/>
-                    </a:ext>
-                  </a:extLst>
-                </p:cNvPr>
-                <p:cNvSpPr txBox="1"/>
-                <p:nvPr/>
-              </p:nvSpPr>
-              <p:spPr>
-                <a:xfrm>
-                  <a:off x="3390014" y="264850"/>
-                  <a:ext cx="869995" cy="523220"/>
-                </a:xfrm>
-                <a:prstGeom prst="rect">
-                  <a:avLst/>
-                </a:prstGeom>
-                <a:noFill/>
-              </p:spPr>
-              <p:txBody>
-                <a:bodyPr wrap="square" rtlCol="0">
-                  <a:spAutoFit/>
-                </a:bodyPr>
-                <a:lstStyle/>
-                <a:p>
-                  <a:pPr algn="ctr"/>
-                  <a:r>
-                    <a:rPr lang="en-GB" sz="1400" dirty="0">
-                      <a:latin typeface="Segoe UI Semilight" panose="020B0402040204020203" pitchFamily="34" charset="0"/>
-                      <a:cs typeface="Segoe UI Semilight" panose="020B0402040204020203" pitchFamily="34" charset="0"/>
-                    </a:rPr>
-                    <a:t>Azure Firewall</a:t>
-                  </a:r>
-                </a:p>
-              </p:txBody>
-            </p:sp>
-          </p:grpSp>
-        </p:grpSp>
-        <p:sp>
-          <p:nvSpPr>
-            <p:cNvPr id="15" name="TextBox 14">
-              <a:extLst>
-                <a:ext uri="{FF2B5EF4-FFF2-40B4-BE49-F238E27FC236}">
-                  <a16:creationId xmlns:a16="http://schemas.microsoft.com/office/drawing/2014/main" id="{7A20343E-32D2-41A1-8C87-8A0DE735F4F4}"/>
-                </a:ext>
-              </a:extLst>
-            </p:cNvPr>
-            <p:cNvSpPr txBox="1"/>
-            <p:nvPr/>
-          </p:nvSpPr>
-          <p:spPr>
-            <a:xfrm>
-              <a:off x="10316210" y="3244174"/>
-              <a:ext cx="1451231" cy="369332"/>
+              <a:off x="5427133" y="4818529"/>
+              <a:ext cx="713691" cy="407895"/>
             </a:xfrm>
             <a:prstGeom prst="rect">
               <a:avLst/>
             </a:prstGeom>
-            <a:noFill/>
-          </p:spPr>
-          <p:txBody>
-            <a:bodyPr wrap="none" rtlCol="0">
-              <a:spAutoFit/>
-            </a:bodyPr>
-            <a:lstStyle/>
-            <a:p>
-              <a:r>
-                <a:rPr lang="en-GB" dirty="0">
-                  <a:latin typeface="Segoe UI Semilight" panose="020B0402040204020203" pitchFamily="34" charset="0"/>
-                  <a:cs typeface="Segoe UI Semilight" panose="020B0402040204020203" pitchFamily="34" charset="0"/>
-                </a:rPr>
-                <a:t>On-Premises</a:t>
-              </a:r>
-            </a:p>
-          </p:txBody>
-        </p:sp>
-        <p:sp>
-          <p:nvSpPr>
-            <p:cNvPr id="16" name="Rectangle 15">
-              <a:extLst>
-                <a:ext uri="{FF2B5EF4-FFF2-40B4-BE49-F238E27FC236}">
-                  <a16:creationId xmlns:a16="http://schemas.microsoft.com/office/drawing/2014/main" id="{622970DB-C4BE-4FD8-AA13-70AA24E535D8}"/>
-                </a:ext>
-              </a:extLst>
-            </p:cNvPr>
-            <p:cNvSpPr/>
-            <p:nvPr/>
-          </p:nvSpPr>
-          <p:spPr>
-            <a:xfrm>
-              <a:off x="10077450" y="3182842"/>
-              <a:ext cx="1849120" cy="2940934"/>
-            </a:xfrm>
-            <a:prstGeom prst="rect">
-              <a:avLst/>
-            </a:prstGeom>
-            <a:noFill/>
-            <a:ln w="76200">
-              <a:solidFill>
-                <a:srgbClr val="A5A5A5"/>
-              </a:solidFill>
-              <a:prstDash val="sysDot"/>
-            </a:ln>
-          </p:spPr>
-          <p:style>
-            <a:lnRef idx="2">
-              <a:schemeClr val="accent1">
-                <a:shade val="50000"/>
-              </a:schemeClr>
-            </a:lnRef>
-            <a:fillRef idx="1">
-              <a:schemeClr val="accent1"/>
-            </a:fillRef>
-            <a:effectRef idx="0">
-              <a:schemeClr val="accent1"/>
-            </a:effectRef>
-            <a:fontRef idx="minor">
-              <a:schemeClr val="lt1"/>
-            </a:fontRef>
-          </p:style>
-          <p:txBody>
-            <a:bodyPr rtlCol="0" anchor="ctr"/>
-            <a:lstStyle/>
-            <a:p>
-              <a:pPr algn="ctr"/>
-              <a:endParaRPr lang="en-GB">
-                <a:latin typeface="Segoe UI Semilight" panose="020B0402040204020203" pitchFamily="34" charset="0"/>
-                <a:cs typeface="Segoe UI Semilight" panose="020B0402040204020203" pitchFamily="34" charset="0"/>
-              </a:endParaRPr>
-            </a:p>
-          </p:txBody>
-        </p:sp>
-        <p:grpSp>
-          <p:nvGrpSpPr>
-            <p:cNvPr id="159" name="Group 158">
-              <a:extLst>
-                <a:ext uri="{FF2B5EF4-FFF2-40B4-BE49-F238E27FC236}">
-                  <a16:creationId xmlns:a16="http://schemas.microsoft.com/office/drawing/2014/main" id="{1EE5864B-16DD-40E5-A3E8-2FC71E651CF6}"/>
-                </a:ext>
-              </a:extLst>
-            </p:cNvPr>
-            <p:cNvGrpSpPr/>
-            <p:nvPr/>
-          </p:nvGrpSpPr>
-          <p:grpSpPr>
-            <a:xfrm>
-              <a:off x="8366718" y="4796000"/>
-              <a:ext cx="3322174" cy="1199161"/>
-              <a:chOff x="8366718" y="3575852"/>
-              <a:chExt cx="3322174" cy="1199161"/>
-            </a:xfrm>
-          </p:grpSpPr>
-          <p:grpSp>
-            <p:nvGrpSpPr>
-              <p:cNvPr id="80" name="Group 79">
-                <a:extLst>
-                  <a:ext uri="{FF2B5EF4-FFF2-40B4-BE49-F238E27FC236}">
-                    <a16:creationId xmlns:a16="http://schemas.microsoft.com/office/drawing/2014/main" id="{05E85FB0-7702-4CF1-BF32-C92AD1897B5A}"/>
-                  </a:ext>
-                </a:extLst>
-              </p:cNvPr>
-              <p:cNvGrpSpPr/>
-              <p:nvPr/>
-            </p:nvGrpSpPr>
-            <p:grpSpPr>
-              <a:xfrm>
-                <a:off x="10316210" y="3613506"/>
-                <a:ext cx="1372682" cy="1161507"/>
-                <a:chOff x="9528810" y="848880"/>
-                <a:chExt cx="1372682" cy="1161507"/>
-              </a:xfrm>
-            </p:grpSpPr>
-            <p:pic>
-              <p:nvPicPr>
-                <p:cNvPr id="12" name="Graphic 11" descr="Building">
-                  <a:extLst>
-                    <a:ext uri="{FF2B5EF4-FFF2-40B4-BE49-F238E27FC236}">
-                      <a16:creationId xmlns:a16="http://schemas.microsoft.com/office/drawing/2014/main" id="{BB05C67C-AFA8-48B8-A50D-4F4C8EACCF38}"/>
-                    </a:ext>
-                  </a:extLst>
-                </p:cNvPr>
-                <p:cNvPicPr>
-                  <a:picLocks noChangeAspect="1"/>
-                </p:cNvPicPr>
-                <p:nvPr/>
-              </p:nvPicPr>
-              <p:blipFill>
-                <a:blip r:embed="rId7">
-                  <a:extLst>
-                    <a:ext uri="{28A0092B-C50C-407E-A947-70E740481C1C}">
-                      <a14:useLocalDpi xmlns:a14="http://schemas.microsoft.com/office/drawing/2010/main" val="0"/>
-                    </a:ext>
-                    <a:ext uri="{96DAC541-7B7A-43D3-8B79-37D633B846F1}">
-                      <asvg:svgBlip xmlns:asvg="http://schemas.microsoft.com/office/drawing/2016/SVG/main" r:embed="rId8"/>
-                    </a:ext>
-                  </a:extLst>
-                </a:blip>
-                <a:stretch>
-                  <a:fillRect/>
-                </a:stretch>
-              </p:blipFill>
-              <p:spPr>
-                <a:xfrm>
-                  <a:off x="9758043" y="848880"/>
-                  <a:ext cx="914400" cy="914400"/>
-                </a:xfrm>
-                <a:prstGeom prst="rect">
-                  <a:avLst/>
-                </a:prstGeom>
-              </p:spPr>
-            </p:pic>
-            <p:sp>
-              <p:nvSpPr>
-                <p:cNvPr id="17" name="TextBox 16">
-                  <a:extLst>
-                    <a:ext uri="{FF2B5EF4-FFF2-40B4-BE49-F238E27FC236}">
-                      <a16:creationId xmlns:a16="http://schemas.microsoft.com/office/drawing/2014/main" id="{8021D4FA-6E55-4511-BD58-330BD07874C3}"/>
-                    </a:ext>
-                  </a:extLst>
-                </p:cNvPr>
-                <p:cNvSpPr txBox="1"/>
-                <p:nvPr/>
-              </p:nvSpPr>
-              <p:spPr>
-                <a:xfrm>
-                  <a:off x="9528810" y="1702610"/>
-                  <a:ext cx="1372682" cy="307777"/>
-                </a:xfrm>
-                <a:prstGeom prst="rect">
-                  <a:avLst/>
-                </a:prstGeom>
-                <a:noFill/>
-              </p:spPr>
-              <p:txBody>
-                <a:bodyPr wrap="square" rtlCol="0">
-                  <a:spAutoFit/>
-                </a:bodyPr>
-                <a:lstStyle/>
-                <a:p>
-                  <a:pPr algn="ctr"/>
-                  <a:r>
-                    <a:rPr lang="en-GB" sz="1400" dirty="0">
-                      <a:latin typeface="Segoe UI Semilight" panose="020B0402040204020203" pitchFamily="34" charset="0"/>
-                      <a:cs typeface="Segoe UI Semilight" panose="020B0402040204020203" pitchFamily="34" charset="0"/>
-                    </a:rPr>
-                    <a:t>HQ</a:t>
-                  </a:r>
-                </a:p>
-              </p:txBody>
-            </p:sp>
-          </p:grpSp>
-          <p:grpSp>
-            <p:nvGrpSpPr>
-              <p:cNvPr id="158" name="Group 157">
-                <a:extLst>
-                  <a:ext uri="{FF2B5EF4-FFF2-40B4-BE49-F238E27FC236}">
-                    <a16:creationId xmlns:a16="http://schemas.microsoft.com/office/drawing/2014/main" id="{24A4C56F-0795-4ECF-B470-2BDCF0265F0A}"/>
-                  </a:ext>
-                </a:extLst>
-              </p:cNvPr>
-              <p:cNvGrpSpPr/>
-              <p:nvPr/>
-            </p:nvGrpSpPr>
-            <p:grpSpPr>
-              <a:xfrm>
-                <a:off x="8366718" y="3575852"/>
-                <a:ext cx="2129831" cy="995260"/>
-                <a:chOff x="8366718" y="3575852"/>
-                <a:chExt cx="2129831" cy="995260"/>
-              </a:xfrm>
-            </p:grpSpPr>
-            <p:sp>
-              <p:nvSpPr>
-                <p:cNvPr id="136" name="Arrow: Left-Right 135">
-                  <a:extLst>
-                    <a:ext uri="{FF2B5EF4-FFF2-40B4-BE49-F238E27FC236}">
-                      <a16:creationId xmlns:a16="http://schemas.microsoft.com/office/drawing/2014/main" id="{89487CB8-D983-4725-A02E-605350E28D3B}"/>
-                    </a:ext>
-                  </a:extLst>
-                </p:cNvPr>
-                <p:cNvSpPr/>
-                <p:nvPr/>
-              </p:nvSpPr>
-              <p:spPr>
-                <a:xfrm>
-                  <a:off x="8366718" y="3575852"/>
-                  <a:ext cx="2129831" cy="995260"/>
-                </a:xfrm>
-                <a:prstGeom prst="leftRightArrow">
-                  <a:avLst>
-                    <a:gd name="adj1" fmla="val 70417"/>
-                    <a:gd name="adj2" fmla="val 25755"/>
-                  </a:avLst>
-                </a:prstGeom>
-                <a:solidFill>
-                  <a:srgbClr val="A5A5A5"/>
-                </a:solidFill>
-                <a:ln>
-                  <a:noFill/>
-                </a:ln>
-              </p:spPr>
-              <p:style>
-                <a:lnRef idx="2">
-                  <a:schemeClr val="accent1">
-                    <a:shade val="50000"/>
-                  </a:schemeClr>
-                </a:lnRef>
-                <a:fillRef idx="1">
-                  <a:schemeClr val="accent1"/>
-                </a:fillRef>
-                <a:effectRef idx="0">
-                  <a:schemeClr val="accent1"/>
-                </a:effectRef>
-                <a:fontRef idx="minor">
-                  <a:schemeClr val="lt1"/>
-                </a:fontRef>
-              </p:style>
-              <p:txBody>
-                <a:bodyPr rtlCol="0" anchor="ctr"/>
-                <a:lstStyle/>
-                <a:p>
-                  <a:pPr algn="ctr"/>
-                  <a:endParaRPr lang="en-GB"/>
-                </a:p>
-              </p:txBody>
-            </p:sp>
-            <p:grpSp>
-              <p:nvGrpSpPr>
-                <p:cNvPr id="77" name="Group 76">
-                  <a:extLst>
-                    <a:ext uri="{FF2B5EF4-FFF2-40B4-BE49-F238E27FC236}">
-                      <a16:creationId xmlns:a16="http://schemas.microsoft.com/office/drawing/2014/main" id="{998DEFAD-6D25-4009-B3D2-3A60E0266513}"/>
-                    </a:ext>
-                  </a:extLst>
-                </p:cNvPr>
-                <p:cNvGrpSpPr/>
-                <p:nvPr/>
-              </p:nvGrpSpPr>
-              <p:grpSpPr>
-                <a:xfrm>
-                  <a:off x="8772579" y="3666600"/>
-                  <a:ext cx="1199798" cy="800636"/>
-                  <a:chOff x="7963947" y="1085755"/>
-                  <a:chExt cx="1199798" cy="800636"/>
-                </a:xfrm>
-              </p:grpSpPr>
-              <p:pic>
-                <p:nvPicPr>
-                  <p:cNvPr id="25" name="Picture 24">
-                    <a:extLst>
-                      <a:ext uri="{FF2B5EF4-FFF2-40B4-BE49-F238E27FC236}">
-                        <a16:creationId xmlns:a16="http://schemas.microsoft.com/office/drawing/2014/main" id="{521F238D-09BA-4C31-B67F-B6000BFFDBEB}"/>
-                      </a:ext>
-                    </a:extLst>
-                  </p:cNvPr>
-                  <p:cNvPicPr>
-                    <a:picLocks noChangeAspect="1"/>
-                  </p:cNvPicPr>
-                  <p:nvPr/>
-                </p:nvPicPr>
-                <p:blipFill>
-                  <a:blip r:embed="rId9">
-                    <a:clrChange>
-                      <a:clrFrom>
-                        <a:srgbClr val="FFFFFF"/>
-                      </a:clrFrom>
-                      <a:clrTo>
-                        <a:srgbClr val="FFFFFF">
-                          <a:alpha val="0"/>
-                        </a:srgbClr>
-                      </a:clrTo>
-                    </a:clrChange>
-                  </a:blip>
-                  <a:stretch>
-                    <a:fillRect/>
-                  </a:stretch>
-                </p:blipFill>
-                <p:spPr>
-                  <a:xfrm>
-                    <a:off x="8117991" y="1085755"/>
-                    <a:ext cx="891710" cy="677525"/>
-                  </a:xfrm>
-                  <a:prstGeom prst="rect">
-                    <a:avLst/>
-                  </a:prstGeom>
-                </p:spPr>
-              </p:pic>
-              <p:sp>
-                <p:nvSpPr>
-                  <p:cNvPr id="33" name="TextBox 32">
-                    <a:extLst>
-                      <a:ext uri="{FF2B5EF4-FFF2-40B4-BE49-F238E27FC236}">
-                        <a16:creationId xmlns:a16="http://schemas.microsoft.com/office/drawing/2014/main" id="{F5D17D4D-8777-4219-80D6-3F36F07BD671}"/>
-                      </a:ext>
-                    </a:extLst>
-                  </p:cNvPr>
-                  <p:cNvSpPr txBox="1"/>
-                  <p:nvPr/>
-                </p:nvSpPr>
-                <p:spPr>
-                  <a:xfrm>
-                    <a:off x="7963947" y="1578614"/>
-                    <a:ext cx="1199798" cy="307777"/>
-                  </a:xfrm>
-                  <a:prstGeom prst="rect">
-                    <a:avLst/>
-                  </a:prstGeom>
-                  <a:noFill/>
-                </p:spPr>
-                <p:txBody>
-                  <a:bodyPr wrap="square" rtlCol="0">
-                    <a:spAutoFit/>
-                  </a:bodyPr>
-                  <a:lstStyle/>
-                  <a:p>
-                    <a:pPr algn="ctr"/>
-                    <a:r>
-                      <a:rPr lang="en-GB" sz="1400" dirty="0">
-                        <a:latin typeface="Segoe UI Semilight" panose="020B0402040204020203" pitchFamily="34" charset="0"/>
-                        <a:cs typeface="Segoe UI Semilight" panose="020B0402040204020203" pitchFamily="34" charset="0"/>
-                      </a:rPr>
-                      <a:t>ExpressRoute</a:t>
-                    </a:r>
-                  </a:p>
-                </p:txBody>
-              </p:sp>
-            </p:grpSp>
-          </p:grpSp>
-        </p:grpSp>
-        <p:sp>
-          <p:nvSpPr>
-            <p:cNvPr id="137" name="Arrow: Right 136">
-              <a:extLst>
-                <a:ext uri="{FF2B5EF4-FFF2-40B4-BE49-F238E27FC236}">
-                  <a16:creationId xmlns:a16="http://schemas.microsoft.com/office/drawing/2014/main" id="{205E1C7E-2A17-4B42-8EAB-2386319A3508}"/>
-                </a:ext>
-              </a:extLst>
-            </p:cNvPr>
-            <p:cNvSpPr/>
-            <p:nvPr/>
-          </p:nvSpPr>
-          <p:spPr>
-            <a:xfrm>
-              <a:off x="9360765" y="3575762"/>
-              <a:ext cx="1135784" cy="317522"/>
-            </a:xfrm>
-            <a:prstGeom prst="rightArrow">
-              <a:avLst/>
-            </a:prstGeom>
             <a:solidFill>
-              <a:srgbClr val="77C5E6"/>
+              <a:schemeClr val="bg1"/>
             </a:solidFill>
             <a:ln>
               <a:noFill/>
@@ -5881,12 +5536,828 @@
             </a:p>
           </p:txBody>
         </p:sp>
+        <p:pic>
+          <p:nvPicPr>
+            <p:cNvPr id="59" name="Picture 58">
+              <a:extLst>
+                <a:ext uri="{FF2B5EF4-FFF2-40B4-BE49-F238E27FC236}">
+                  <a16:creationId xmlns:a16="http://schemas.microsoft.com/office/drawing/2014/main" id="{7E32F89D-79D1-45A5-A1F4-0C52884F93ED}"/>
+                </a:ext>
+              </a:extLst>
+            </p:cNvPr>
+            <p:cNvPicPr>
+              <a:picLocks noChangeAspect="1"/>
+            </p:cNvPicPr>
+            <p:nvPr/>
+          </p:nvPicPr>
+          <p:blipFill>
+            <a:blip r:embed="rId5">
+              <a:clrChange>
+                <a:clrFrom>
+                  <a:srgbClr val="FFFFFF"/>
+                </a:clrFrom>
+                <a:clrTo>
+                  <a:srgbClr val="FFFFFF">
+                    <a:alpha val="0"/>
+                  </a:srgbClr>
+                </a:clrTo>
+              </a:clrChange>
+            </a:blip>
+            <a:stretch>
+              <a:fillRect/>
+            </a:stretch>
+          </p:blipFill>
+          <p:spPr>
+            <a:xfrm>
+              <a:off x="5358637" y="4686040"/>
+              <a:ext cx="908492" cy="682597"/>
+            </a:xfrm>
+            <a:prstGeom prst="rect">
+              <a:avLst/>
+            </a:prstGeom>
+          </p:spPr>
+        </p:pic>
+      </p:grpSp>
+      <p:sp>
+        <p:nvSpPr>
+          <p:cNvPr id="68" name="TextBox 67">
+            <a:extLst>
+              <a:ext uri="{FF2B5EF4-FFF2-40B4-BE49-F238E27FC236}">
+                <a16:creationId xmlns:a16="http://schemas.microsoft.com/office/drawing/2014/main" id="{737A5110-B902-4EB7-925A-176F4328E5D1}"/>
+              </a:ext>
+            </a:extLst>
+          </p:cNvPr>
+          <p:cNvSpPr txBox="1"/>
+          <p:nvPr/>
+        </p:nvSpPr>
+        <p:spPr>
+          <a:xfrm>
+            <a:off x="7676659" y="5909298"/>
+            <a:ext cx="713691" cy="307777"/>
+          </a:xfrm>
+          <a:prstGeom prst="rect">
+            <a:avLst/>
+          </a:prstGeom>
+          <a:noFill/>
+        </p:spPr>
+        <p:txBody>
+          <a:bodyPr wrap="square" rtlCol="0">
+            <a:spAutoFit/>
+          </a:bodyPr>
+          <a:lstStyle/>
+          <a:p>
+            <a:pPr algn="ctr"/>
+            <a:r>
+              <a:rPr lang="en-GB" sz="1400" dirty="0" err="1">
+                <a:latin typeface="Segoe UI Semilight" panose="020B0402040204020203" pitchFamily="34" charset="0"/>
+                <a:cs typeface="Segoe UI Semilight" panose="020B0402040204020203" pitchFamily="34" charset="0"/>
+              </a:rPr>
+              <a:t>VNet</a:t>
+            </a:r>
+            <a:endParaRPr lang="en-GB" sz="1400" dirty="0">
+              <a:latin typeface="Segoe UI Semilight" panose="020B0402040204020203" pitchFamily="34" charset="0"/>
+              <a:cs typeface="Segoe UI Semilight" panose="020B0402040204020203" pitchFamily="34" charset="0"/>
+            </a:endParaRPr>
+          </a:p>
+        </p:txBody>
+      </p:sp>
+      <p:sp>
+        <p:nvSpPr>
+          <p:cNvPr id="69" name="TextBox 68">
+            <a:extLst>
+              <a:ext uri="{FF2B5EF4-FFF2-40B4-BE49-F238E27FC236}">
+                <a16:creationId xmlns:a16="http://schemas.microsoft.com/office/drawing/2014/main" id="{B07A2E68-80E6-4876-B3B9-CF2CFD7ADE0D}"/>
+              </a:ext>
+            </a:extLst>
+          </p:cNvPr>
+          <p:cNvSpPr txBox="1"/>
+          <p:nvPr/>
+        </p:nvSpPr>
+        <p:spPr>
+          <a:xfrm>
+            <a:off x="6286712" y="4947651"/>
+            <a:ext cx="908492" cy="523220"/>
+          </a:xfrm>
+          <a:prstGeom prst="rect">
+            <a:avLst/>
+          </a:prstGeom>
+          <a:noFill/>
+        </p:spPr>
+        <p:txBody>
+          <a:bodyPr wrap="square" rtlCol="0">
+            <a:spAutoFit/>
+          </a:bodyPr>
+          <a:lstStyle/>
+          <a:p>
+            <a:pPr algn="ctr"/>
+            <a:r>
+              <a:rPr lang="en-GB" sz="1400" dirty="0">
+                <a:latin typeface="Segoe UI Semilight" panose="020B0402040204020203" pitchFamily="34" charset="0"/>
+                <a:cs typeface="Segoe UI Semilight" panose="020B0402040204020203" pitchFamily="34" charset="0"/>
+              </a:rPr>
+              <a:t>Active Directory</a:t>
+            </a:r>
+          </a:p>
+        </p:txBody>
+      </p:sp>
+      <p:sp>
+        <p:nvSpPr>
+          <p:cNvPr id="70" name="TextBox 69">
+            <a:extLst>
+              <a:ext uri="{FF2B5EF4-FFF2-40B4-BE49-F238E27FC236}">
+                <a16:creationId xmlns:a16="http://schemas.microsoft.com/office/drawing/2014/main" id="{FFBC1F5F-D413-49CF-91BA-299EBC64F855}"/>
+              </a:ext>
+            </a:extLst>
+          </p:cNvPr>
+          <p:cNvSpPr txBox="1"/>
+          <p:nvPr/>
+        </p:nvSpPr>
+        <p:spPr>
+          <a:xfrm>
+            <a:off x="7450852" y="2138694"/>
+            <a:ext cx="1009010" cy="523220"/>
+          </a:xfrm>
+          <a:prstGeom prst="rect">
+            <a:avLst/>
+          </a:prstGeom>
+          <a:noFill/>
+        </p:spPr>
+        <p:txBody>
+          <a:bodyPr wrap="square" rtlCol="0">
+            <a:spAutoFit/>
+          </a:bodyPr>
+          <a:lstStyle/>
+          <a:p>
+            <a:pPr algn="ctr"/>
+            <a:r>
+              <a:rPr lang="en-GB" sz="1400" dirty="0">
+                <a:latin typeface="Segoe UI Semilight" panose="020B0402040204020203" pitchFamily="34" charset="0"/>
+                <a:cs typeface="Segoe UI Semilight" panose="020B0402040204020203" pitchFamily="34" charset="0"/>
+              </a:rPr>
+              <a:t>DDOS protection</a:t>
+            </a:r>
+          </a:p>
+        </p:txBody>
+      </p:sp>
+      <p:sp>
+        <p:nvSpPr>
+          <p:cNvPr id="71" name="TextBox 70">
+            <a:extLst>
+              <a:ext uri="{FF2B5EF4-FFF2-40B4-BE49-F238E27FC236}">
+                <a16:creationId xmlns:a16="http://schemas.microsoft.com/office/drawing/2014/main" id="{F8CA4FF7-ACF8-4198-9D55-FE1CBFE699A7}"/>
+              </a:ext>
+            </a:extLst>
+          </p:cNvPr>
+          <p:cNvSpPr txBox="1"/>
+          <p:nvPr/>
+        </p:nvSpPr>
+        <p:spPr>
+          <a:xfrm>
+            <a:off x="6007465" y="2081635"/>
+            <a:ext cx="869995" cy="523220"/>
+          </a:xfrm>
+          <a:prstGeom prst="rect">
+            <a:avLst/>
+          </a:prstGeom>
+          <a:noFill/>
+        </p:spPr>
+        <p:txBody>
+          <a:bodyPr wrap="square" rtlCol="0">
+            <a:spAutoFit/>
+          </a:bodyPr>
+          <a:lstStyle/>
+          <a:p>
+            <a:pPr algn="ctr"/>
+            <a:r>
+              <a:rPr lang="en-GB" sz="1400" dirty="0">
+                <a:latin typeface="Segoe UI Semilight" panose="020B0402040204020203" pitchFamily="34" charset="0"/>
+                <a:cs typeface="Segoe UI Semilight" panose="020B0402040204020203" pitchFamily="34" charset="0"/>
+              </a:rPr>
+              <a:t>Azure Firewall</a:t>
+            </a:r>
+          </a:p>
+        </p:txBody>
+      </p:sp>
+      <p:sp>
+        <p:nvSpPr>
+          <p:cNvPr id="15" name="TextBox 14">
+            <a:extLst>
+              <a:ext uri="{FF2B5EF4-FFF2-40B4-BE49-F238E27FC236}">
+                <a16:creationId xmlns:a16="http://schemas.microsoft.com/office/drawing/2014/main" id="{7A20343E-32D2-41A1-8C87-8A0DE735F4F4}"/>
+              </a:ext>
+            </a:extLst>
+          </p:cNvPr>
+          <p:cNvSpPr txBox="1"/>
+          <p:nvPr/>
+        </p:nvSpPr>
+        <p:spPr>
+          <a:xfrm>
+            <a:off x="10316210" y="3244174"/>
+            <a:ext cx="1451231" cy="369332"/>
+          </a:xfrm>
+          <a:prstGeom prst="rect">
+            <a:avLst/>
+          </a:prstGeom>
+          <a:noFill/>
+        </p:spPr>
+        <p:txBody>
+          <a:bodyPr wrap="none" rtlCol="0">
+            <a:spAutoFit/>
+          </a:bodyPr>
+          <a:lstStyle/>
+          <a:p>
+            <a:r>
+              <a:rPr lang="en-GB" dirty="0">
+                <a:latin typeface="Segoe UI Semilight" panose="020B0402040204020203" pitchFamily="34" charset="0"/>
+                <a:cs typeface="Segoe UI Semilight" panose="020B0402040204020203" pitchFamily="34" charset="0"/>
+              </a:rPr>
+              <a:t>On-Premises</a:t>
+            </a:r>
+          </a:p>
+        </p:txBody>
+      </p:sp>
+      <p:sp>
+        <p:nvSpPr>
+          <p:cNvPr id="16" name="Rectangle 15">
+            <a:extLst>
+              <a:ext uri="{FF2B5EF4-FFF2-40B4-BE49-F238E27FC236}">
+                <a16:creationId xmlns:a16="http://schemas.microsoft.com/office/drawing/2014/main" id="{622970DB-C4BE-4FD8-AA13-70AA24E535D8}"/>
+              </a:ext>
+            </a:extLst>
+          </p:cNvPr>
+          <p:cNvSpPr/>
+          <p:nvPr/>
+        </p:nvSpPr>
+        <p:spPr>
+          <a:xfrm>
+            <a:off x="10077450" y="3182842"/>
+            <a:ext cx="1849120" cy="2940934"/>
+          </a:xfrm>
+          <a:prstGeom prst="rect">
+            <a:avLst/>
+          </a:prstGeom>
+          <a:noFill/>
+          <a:ln w="76200">
+            <a:solidFill>
+              <a:srgbClr val="A5A5A5"/>
+            </a:solidFill>
+            <a:prstDash val="sysDot"/>
+          </a:ln>
+        </p:spPr>
+        <p:style>
+          <a:lnRef idx="2">
+            <a:schemeClr val="accent1">
+              <a:shade val="50000"/>
+            </a:schemeClr>
+          </a:lnRef>
+          <a:fillRef idx="1">
+            <a:schemeClr val="accent1"/>
+          </a:fillRef>
+          <a:effectRef idx="0">
+            <a:schemeClr val="accent1"/>
+          </a:effectRef>
+          <a:fontRef idx="minor">
+            <a:schemeClr val="lt1"/>
+          </a:fontRef>
+        </p:style>
+        <p:txBody>
+          <a:bodyPr rtlCol="0" anchor="ctr"/>
+          <a:lstStyle/>
+          <a:p>
+            <a:pPr algn="ctr"/>
+            <a:endParaRPr lang="en-GB">
+              <a:latin typeface="Segoe UI Semilight" panose="020B0402040204020203" pitchFamily="34" charset="0"/>
+              <a:cs typeface="Segoe UI Semilight" panose="020B0402040204020203" pitchFamily="34" charset="0"/>
+            </a:endParaRPr>
+          </a:p>
+        </p:txBody>
+      </p:sp>
+      <p:grpSp>
+        <p:nvGrpSpPr>
+          <p:cNvPr id="159" name="Group 158">
+            <a:extLst>
+              <a:ext uri="{FF2B5EF4-FFF2-40B4-BE49-F238E27FC236}">
+                <a16:creationId xmlns:a16="http://schemas.microsoft.com/office/drawing/2014/main" id="{1EE5864B-16DD-40E5-A3E8-2FC71E651CF6}"/>
+              </a:ext>
+            </a:extLst>
+          </p:cNvPr>
+          <p:cNvGrpSpPr/>
+          <p:nvPr/>
+        </p:nvGrpSpPr>
+        <p:grpSpPr>
+          <a:xfrm>
+            <a:off x="8366718" y="4796000"/>
+            <a:ext cx="3322174" cy="1199161"/>
+            <a:chOff x="8366718" y="3575852"/>
+            <a:chExt cx="3322174" cy="1199161"/>
+          </a:xfrm>
+        </p:grpSpPr>
+        <p:grpSp>
+          <p:nvGrpSpPr>
+            <p:cNvPr id="80" name="Group 79">
+              <a:extLst>
+                <a:ext uri="{FF2B5EF4-FFF2-40B4-BE49-F238E27FC236}">
+                  <a16:creationId xmlns:a16="http://schemas.microsoft.com/office/drawing/2014/main" id="{05E85FB0-7702-4CF1-BF32-C92AD1897B5A}"/>
+                </a:ext>
+              </a:extLst>
+            </p:cNvPr>
+            <p:cNvGrpSpPr/>
+            <p:nvPr/>
+          </p:nvGrpSpPr>
+          <p:grpSpPr>
+            <a:xfrm>
+              <a:off x="10316210" y="3613506"/>
+              <a:ext cx="1372682" cy="1161507"/>
+              <a:chOff x="9528810" y="848880"/>
+              <a:chExt cx="1372682" cy="1161507"/>
+            </a:xfrm>
+          </p:grpSpPr>
+          <p:pic>
+            <p:nvPicPr>
+              <p:cNvPr id="12" name="Graphic 11" descr="Building">
+                <a:extLst>
+                  <a:ext uri="{FF2B5EF4-FFF2-40B4-BE49-F238E27FC236}">
+                    <a16:creationId xmlns:a16="http://schemas.microsoft.com/office/drawing/2014/main" id="{BB05C67C-AFA8-48B8-A50D-4F4C8EACCF38}"/>
+                  </a:ext>
+                </a:extLst>
+              </p:cNvPr>
+              <p:cNvPicPr>
+                <a:picLocks noChangeAspect="1"/>
+              </p:cNvPicPr>
+              <p:nvPr/>
+            </p:nvPicPr>
+            <p:blipFill>
+              <a:blip r:embed="rId6">
+                <a:extLst>
+                  <a:ext uri="{28A0092B-C50C-407E-A947-70E740481C1C}">
+                    <a14:useLocalDpi xmlns:a14="http://schemas.microsoft.com/office/drawing/2010/main" val="0"/>
+                  </a:ext>
+                  <a:ext uri="{96DAC541-7B7A-43D3-8B79-37D633B846F1}">
+                    <asvg:svgBlip xmlns:asvg="http://schemas.microsoft.com/office/drawing/2016/SVG/main" r:embed="rId7"/>
+                  </a:ext>
+                </a:extLst>
+              </a:blip>
+              <a:stretch>
+                <a:fillRect/>
+              </a:stretch>
+            </p:blipFill>
+            <p:spPr>
+              <a:xfrm>
+                <a:off x="9758043" y="848880"/>
+                <a:ext cx="914400" cy="914400"/>
+              </a:xfrm>
+              <a:prstGeom prst="rect">
+                <a:avLst/>
+              </a:prstGeom>
+            </p:spPr>
+          </p:pic>
+          <p:sp>
+            <p:nvSpPr>
+              <p:cNvPr id="17" name="TextBox 16">
+                <a:extLst>
+                  <a:ext uri="{FF2B5EF4-FFF2-40B4-BE49-F238E27FC236}">
+                    <a16:creationId xmlns:a16="http://schemas.microsoft.com/office/drawing/2014/main" id="{8021D4FA-6E55-4511-BD58-330BD07874C3}"/>
+                  </a:ext>
+                </a:extLst>
+              </p:cNvPr>
+              <p:cNvSpPr txBox="1"/>
+              <p:nvPr/>
+            </p:nvSpPr>
+            <p:spPr>
+              <a:xfrm>
+                <a:off x="9528810" y="1702610"/>
+                <a:ext cx="1372682" cy="307777"/>
+              </a:xfrm>
+              <a:prstGeom prst="rect">
+                <a:avLst/>
+              </a:prstGeom>
+              <a:noFill/>
+            </p:spPr>
+            <p:txBody>
+              <a:bodyPr wrap="square" rtlCol="0">
+                <a:spAutoFit/>
+              </a:bodyPr>
+              <a:lstStyle/>
+              <a:p>
+                <a:pPr algn="ctr"/>
+                <a:r>
+                  <a:rPr lang="en-GB" sz="1400" dirty="0">
+                    <a:latin typeface="Segoe UI Semilight" panose="020B0402040204020203" pitchFamily="34" charset="0"/>
+                    <a:cs typeface="Segoe UI Semilight" panose="020B0402040204020203" pitchFamily="34" charset="0"/>
+                  </a:rPr>
+                  <a:t>HQ</a:t>
+                </a:r>
+              </a:p>
+            </p:txBody>
+          </p:sp>
+        </p:grpSp>
+        <p:grpSp>
+          <p:nvGrpSpPr>
+            <p:cNvPr id="158" name="Group 157">
+              <a:extLst>
+                <a:ext uri="{FF2B5EF4-FFF2-40B4-BE49-F238E27FC236}">
+                  <a16:creationId xmlns:a16="http://schemas.microsoft.com/office/drawing/2014/main" id="{24A4C56F-0795-4ECF-B470-2BDCF0265F0A}"/>
+                </a:ext>
+              </a:extLst>
+            </p:cNvPr>
+            <p:cNvGrpSpPr/>
+            <p:nvPr/>
+          </p:nvGrpSpPr>
+          <p:grpSpPr>
+            <a:xfrm>
+              <a:off x="8366718" y="3575852"/>
+              <a:ext cx="2129831" cy="995260"/>
+              <a:chOff x="8366718" y="3575852"/>
+              <a:chExt cx="2129831" cy="995260"/>
+            </a:xfrm>
+          </p:grpSpPr>
+          <p:sp>
+            <p:nvSpPr>
+              <p:cNvPr id="136" name="Arrow: Left-Right 135">
+                <a:extLst>
+                  <a:ext uri="{FF2B5EF4-FFF2-40B4-BE49-F238E27FC236}">
+                    <a16:creationId xmlns:a16="http://schemas.microsoft.com/office/drawing/2014/main" id="{89487CB8-D983-4725-A02E-605350E28D3B}"/>
+                  </a:ext>
+                </a:extLst>
+              </p:cNvPr>
+              <p:cNvSpPr/>
+              <p:nvPr/>
+            </p:nvSpPr>
+            <p:spPr>
+              <a:xfrm>
+                <a:off x="8366718" y="3575852"/>
+                <a:ext cx="2129831" cy="995260"/>
+              </a:xfrm>
+              <a:prstGeom prst="leftRightArrow">
+                <a:avLst>
+                  <a:gd name="adj1" fmla="val 70417"/>
+                  <a:gd name="adj2" fmla="val 25755"/>
+                </a:avLst>
+              </a:prstGeom>
+              <a:solidFill>
+                <a:srgbClr val="A5A5A5"/>
+              </a:solidFill>
+              <a:ln>
+                <a:noFill/>
+              </a:ln>
+            </p:spPr>
+            <p:style>
+              <a:lnRef idx="2">
+                <a:schemeClr val="accent1">
+                  <a:shade val="50000"/>
+                </a:schemeClr>
+              </a:lnRef>
+              <a:fillRef idx="1">
+                <a:schemeClr val="accent1"/>
+              </a:fillRef>
+              <a:effectRef idx="0">
+                <a:schemeClr val="accent1"/>
+              </a:effectRef>
+              <a:fontRef idx="minor">
+                <a:schemeClr val="lt1"/>
+              </a:fontRef>
+            </p:style>
+            <p:txBody>
+              <a:bodyPr rtlCol="0" anchor="ctr"/>
+              <a:lstStyle/>
+              <a:p>
+                <a:pPr algn="ctr"/>
+                <a:endParaRPr lang="en-GB"/>
+              </a:p>
+            </p:txBody>
+          </p:sp>
+          <p:grpSp>
+            <p:nvGrpSpPr>
+              <p:cNvPr id="77" name="Group 76">
+                <a:extLst>
+                  <a:ext uri="{FF2B5EF4-FFF2-40B4-BE49-F238E27FC236}">
+                    <a16:creationId xmlns:a16="http://schemas.microsoft.com/office/drawing/2014/main" id="{998DEFAD-6D25-4009-B3D2-3A60E0266513}"/>
+                  </a:ext>
+                </a:extLst>
+              </p:cNvPr>
+              <p:cNvGrpSpPr/>
+              <p:nvPr/>
+            </p:nvGrpSpPr>
+            <p:grpSpPr>
+              <a:xfrm>
+                <a:off x="8772579" y="3666600"/>
+                <a:ext cx="1199798" cy="800636"/>
+                <a:chOff x="7963947" y="1085755"/>
+                <a:chExt cx="1199798" cy="800636"/>
+              </a:xfrm>
+            </p:grpSpPr>
+            <p:pic>
+              <p:nvPicPr>
+                <p:cNvPr id="25" name="Picture 24">
+                  <a:extLst>
+                    <a:ext uri="{FF2B5EF4-FFF2-40B4-BE49-F238E27FC236}">
+                      <a16:creationId xmlns:a16="http://schemas.microsoft.com/office/drawing/2014/main" id="{521F238D-09BA-4C31-B67F-B6000BFFDBEB}"/>
+                    </a:ext>
+                  </a:extLst>
+                </p:cNvPr>
+                <p:cNvPicPr>
+                  <a:picLocks noChangeAspect="1"/>
+                </p:cNvPicPr>
+                <p:nvPr/>
+              </p:nvPicPr>
+              <p:blipFill>
+                <a:blip r:embed="rId8">
+                  <a:clrChange>
+                    <a:clrFrom>
+                      <a:srgbClr val="FFFFFF"/>
+                    </a:clrFrom>
+                    <a:clrTo>
+                      <a:srgbClr val="FFFFFF">
+                        <a:alpha val="0"/>
+                      </a:srgbClr>
+                    </a:clrTo>
+                  </a:clrChange>
+                </a:blip>
+                <a:stretch>
+                  <a:fillRect/>
+                </a:stretch>
+              </p:blipFill>
+              <p:spPr>
+                <a:xfrm>
+                  <a:off x="8117991" y="1085755"/>
+                  <a:ext cx="891710" cy="677525"/>
+                </a:xfrm>
+                <a:prstGeom prst="rect">
+                  <a:avLst/>
+                </a:prstGeom>
+              </p:spPr>
+            </p:pic>
+            <p:sp>
+              <p:nvSpPr>
+                <p:cNvPr id="33" name="TextBox 32">
+                  <a:extLst>
+                    <a:ext uri="{FF2B5EF4-FFF2-40B4-BE49-F238E27FC236}">
+                      <a16:creationId xmlns:a16="http://schemas.microsoft.com/office/drawing/2014/main" id="{F5D17D4D-8777-4219-80D6-3F36F07BD671}"/>
+                    </a:ext>
+                  </a:extLst>
+                </p:cNvPr>
+                <p:cNvSpPr txBox="1"/>
+                <p:nvPr/>
+              </p:nvSpPr>
+              <p:spPr>
+                <a:xfrm>
+                  <a:off x="7963947" y="1578614"/>
+                  <a:ext cx="1199798" cy="307777"/>
+                </a:xfrm>
+                <a:prstGeom prst="rect">
+                  <a:avLst/>
+                </a:prstGeom>
+                <a:noFill/>
+              </p:spPr>
+              <p:txBody>
+                <a:bodyPr wrap="square" rtlCol="0">
+                  <a:spAutoFit/>
+                </a:bodyPr>
+                <a:lstStyle/>
+                <a:p>
+                  <a:pPr algn="ctr"/>
+                  <a:r>
+                    <a:rPr lang="en-GB" sz="1400" dirty="0">
+                      <a:latin typeface="Segoe UI Semilight" panose="020B0402040204020203" pitchFamily="34" charset="0"/>
+                      <a:cs typeface="Segoe UI Semilight" panose="020B0402040204020203" pitchFamily="34" charset="0"/>
+                    </a:rPr>
+                    <a:t>ExpressRoute</a:t>
+                  </a:r>
+                </a:p>
+              </p:txBody>
+            </p:sp>
+          </p:grpSp>
+        </p:grpSp>
+      </p:grpSp>
+      <p:sp>
+        <p:nvSpPr>
+          <p:cNvPr id="137" name="Arrow: Right 136">
+            <a:extLst>
+              <a:ext uri="{FF2B5EF4-FFF2-40B4-BE49-F238E27FC236}">
+                <a16:creationId xmlns:a16="http://schemas.microsoft.com/office/drawing/2014/main" id="{205E1C7E-2A17-4B42-8EAB-2386319A3508}"/>
+              </a:ext>
+            </a:extLst>
+          </p:cNvPr>
+          <p:cNvSpPr/>
+          <p:nvPr/>
+        </p:nvSpPr>
+        <p:spPr>
+          <a:xfrm>
+            <a:off x="9360765" y="3575762"/>
+            <a:ext cx="1135784" cy="317522"/>
+          </a:xfrm>
+          <a:prstGeom prst="rightArrow">
+            <a:avLst/>
+          </a:prstGeom>
+          <a:solidFill>
+            <a:srgbClr val="77C5E6"/>
+          </a:solidFill>
+          <a:ln>
+            <a:noFill/>
+          </a:ln>
+        </p:spPr>
+        <p:style>
+          <a:lnRef idx="2">
+            <a:schemeClr val="accent1">
+              <a:shade val="50000"/>
+            </a:schemeClr>
+          </a:lnRef>
+          <a:fillRef idx="1">
+            <a:schemeClr val="accent1"/>
+          </a:fillRef>
+          <a:effectRef idx="0">
+            <a:schemeClr val="accent1"/>
+          </a:effectRef>
+          <a:fontRef idx="minor">
+            <a:schemeClr val="lt1"/>
+          </a:fontRef>
+        </p:style>
+        <p:txBody>
+          <a:bodyPr rtlCol="0" anchor="ctr"/>
+          <a:lstStyle/>
+          <a:p>
+            <a:pPr algn="ctr"/>
+            <a:endParaRPr lang="en-GB"/>
+          </a:p>
+        </p:txBody>
+      </p:sp>
+      <p:sp>
+        <p:nvSpPr>
+          <p:cNvPr id="140" name="Arrow: Right 139">
+            <a:extLst>
+              <a:ext uri="{FF2B5EF4-FFF2-40B4-BE49-F238E27FC236}">
+                <a16:creationId xmlns:a16="http://schemas.microsoft.com/office/drawing/2014/main" id="{AC4A0C1E-66C3-4F22-B811-49DE5D1BFD9E}"/>
+              </a:ext>
+            </a:extLst>
+          </p:cNvPr>
+          <p:cNvSpPr/>
+          <p:nvPr/>
+        </p:nvSpPr>
+        <p:spPr>
+          <a:xfrm>
+            <a:off x="9360765" y="3948550"/>
+            <a:ext cx="1135784" cy="317522"/>
+          </a:xfrm>
+          <a:prstGeom prst="rightArrow">
+            <a:avLst/>
+          </a:prstGeom>
+          <a:solidFill>
+            <a:srgbClr val="77C5E6"/>
+          </a:solidFill>
+          <a:ln>
+            <a:noFill/>
+          </a:ln>
+        </p:spPr>
+        <p:style>
+          <a:lnRef idx="2">
+            <a:schemeClr val="accent1">
+              <a:shade val="50000"/>
+            </a:schemeClr>
+          </a:lnRef>
+          <a:fillRef idx="1">
+            <a:schemeClr val="accent1"/>
+          </a:fillRef>
+          <a:effectRef idx="0">
+            <a:schemeClr val="accent1"/>
+          </a:effectRef>
+          <a:fontRef idx="minor">
+            <a:schemeClr val="lt1"/>
+          </a:fontRef>
+        </p:style>
+        <p:txBody>
+          <a:bodyPr rtlCol="0" anchor="ctr"/>
+          <a:lstStyle/>
+          <a:p>
+            <a:pPr algn="ctr"/>
+            <a:endParaRPr lang="en-GB"/>
+          </a:p>
+        </p:txBody>
+      </p:sp>
+      <p:grpSp>
+        <p:nvGrpSpPr>
+          <p:cNvPr id="79" name="Group 78">
+            <a:extLst>
+              <a:ext uri="{FF2B5EF4-FFF2-40B4-BE49-F238E27FC236}">
+                <a16:creationId xmlns:a16="http://schemas.microsoft.com/office/drawing/2014/main" id="{300321F2-6491-4A5C-9990-1BEC4262435F}"/>
+              </a:ext>
+            </a:extLst>
+          </p:cNvPr>
+          <p:cNvGrpSpPr/>
+          <p:nvPr/>
+        </p:nvGrpSpPr>
+        <p:grpSpPr>
+          <a:xfrm>
+            <a:off x="10316210" y="3497886"/>
+            <a:ext cx="1372682" cy="1037511"/>
+            <a:chOff x="9528810" y="2749936"/>
+            <a:chExt cx="1372682" cy="1037511"/>
+          </a:xfrm>
+        </p:grpSpPr>
+        <p:pic>
+          <p:nvPicPr>
+            <p:cNvPr id="10" name="Graphic 9" descr="City">
+              <a:extLst>
+                <a:ext uri="{FF2B5EF4-FFF2-40B4-BE49-F238E27FC236}">
+                  <a16:creationId xmlns:a16="http://schemas.microsoft.com/office/drawing/2014/main" id="{3C061ECA-946C-4459-8146-9BC2166D9312}"/>
+                </a:ext>
+              </a:extLst>
+            </p:cNvPr>
+            <p:cNvPicPr>
+              <a:picLocks noChangeAspect="1"/>
+            </p:cNvPicPr>
+            <p:nvPr/>
+          </p:nvPicPr>
+          <p:blipFill>
+            <a:blip r:embed="rId9">
+              <a:extLst>
+                <a:ext uri="{28A0092B-C50C-407E-A947-70E740481C1C}">
+                  <a14:useLocalDpi xmlns:a14="http://schemas.microsoft.com/office/drawing/2010/main" val="0"/>
+                </a:ext>
+                <a:ext uri="{96DAC541-7B7A-43D3-8B79-37D633B846F1}">
+                  <asvg:svgBlip xmlns:asvg="http://schemas.microsoft.com/office/drawing/2016/SVG/main" r:embed="rId10"/>
+                </a:ext>
+              </a:extLst>
+            </a:blip>
+            <a:stretch>
+              <a:fillRect/>
+            </a:stretch>
+          </p:blipFill>
+          <p:spPr>
+            <a:xfrm>
+              <a:off x="9758043" y="2749936"/>
+              <a:ext cx="914400" cy="914400"/>
+            </a:xfrm>
+            <a:prstGeom prst="rect">
+              <a:avLst/>
+            </a:prstGeom>
+          </p:spPr>
+        </p:pic>
         <p:sp>
           <p:nvSpPr>
-            <p:cNvPr id="140" name="Arrow: Right 139">
+            <p:cNvPr id="18" name="TextBox 17">
               <a:extLst>
                 <a:ext uri="{FF2B5EF4-FFF2-40B4-BE49-F238E27FC236}">
-                  <a16:creationId xmlns:a16="http://schemas.microsoft.com/office/drawing/2014/main" id="{AC4A0C1E-66C3-4F22-B811-49DE5D1BFD9E}"/>
+                  <a16:creationId xmlns:a16="http://schemas.microsoft.com/office/drawing/2014/main" id="{9E7332B4-1E81-4CFC-B6D2-AB3D7B0CDF93}"/>
+                </a:ext>
+              </a:extLst>
+            </p:cNvPr>
+            <p:cNvSpPr txBox="1"/>
+            <p:nvPr/>
+          </p:nvSpPr>
+          <p:spPr>
+            <a:xfrm>
+              <a:off x="9528810" y="3479670"/>
+              <a:ext cx="1372682" cy="307777"/>
+            </a:xfrm>
+            <a:prstGeom prst="rect">
+              <a:avLst/>
+            </a:prstGeom>
+            <a:noFill/>
+          </p:spPr>
+          <p:txBody>
+            <a:bodyPr wrap="square" rtlCol="0">
+              <a:spAutoFit/>
+            </a:bodyPr>
+            <a:lstStyle/>
+            <a:p>
+              <a:pPr algn="ctr"/>
+              <a:r>
+                <a:rPr lang="en-GB" sz="1400" dirty="0">
+                  <a:latin typeface="Segoe UI Semilight" panose="020B0402040204020203" pitchFamily="34" charset="0"/>
+                  <a:cs typeface="Segoe UI Semilight" panose="020B0402040204020203" pitchFamily="34" charset="0"/>
+                </a:rPr>
+                <a:t>Satellite Offices</a:t>
+              </a:r>
+            </a:p>
+          </p:txBody>
+        </p:sp>
+      </p:grpSp>
+      <p:grpSp>
+        <p:nvGrpSpPr>
+          <p:cNvPr id="161" name="Group 160">
+            <a:extLst>
+              <a:ext uri="{FF2B5EF4-FFF2-40B4-BE49-F238E27FC236}">
+                <a16:creationId xmlns:a16="http://schemas.microsoft.com/office/drawing/2014/main" id="{49FC2C55-736B-4441-875F-A67245FB56FC}"/>
+              </a:ext>
+            </a:extLst>
+          </p:cNvPr>
+          <p:cNvGrpSpPr/>
+          <p:nvPr/>
+        </p:nvGrpSpPr>
+        <p:grpSpPr>
+          <a:xfrm>
+            <a:off x="8942018" y="3454599"/>
+            <a:ext cx="1016052" cy="965868"/>
+            <a:chOff x="8942018" y="2041151"/>
+            <a:chExt cx="1016052" cy="965868"/>
+          </a:xfrm>
+        </p:grpSpPr>
+        <p:sp>
+          <p:nvSpPr>
+            <p:cNvPr id="142" name="Rectangle 141">
+              <a:extLst>
+                <a:ext uri="{FF2B5EF4-FFF2-40B4-BE49-F238E27FC236}">
+                  <a16:creationId xmlns:a16="http://schemas.microsoft.com/office/drawing/2014/main" id="{F7EF69FB-0706-4341-878F-C83627B36903}"/>
                 </a:ext>
               </a:extLst>
             </p:cNvPr>
@@ -5895,14 +6366,14 @@
           </p:nvSpPr>
           <p:spPr>
             <a:xfrm>
-              <a:off x="9360765" y="3948550"/>
-              <a:ext cx="1135784" cy="317522"/>
+              <a:off x="9194800" y="2331694"/>
+              <a:ext cx="484135" cy="366772"/>
             </a:xfrm>
-            <a:prstGeom prst="rightArrow">
+            <a:prstGeom prst="rect">
               <a:avLst/>
             </a:prstGeom>
             <a:solidFill>
-              <a:srgbClr val="77C5E6"/>
+              <a:schemeClr val="bg1"/>
             </a:solidFill>
             <a:ln>
               <a:noFill/>
@@ -5935,10 +6406,10 @@
         </p:sp>
         <p:grpSp>
           <p:nvGrpSpPr>
-            <p:cNvPr id="79" name="Group 78">
+            <p:cNvPr id="76" name="Group 75">
               <a:extLst>
                 <a:ext uri="{FF2B5EF4-FFF2-40B4-BE49-F238E27FC236}">
-                  <a16:creationId xmlns:a16="http://schemas.microsoft.com/office/drawing/2014/main" id="{300321F2-6491-4A5C-9990-1BEC4262435F}"/>
+                  <a16:creationId xmlns:a16="http://schemas.microsoft.com/office/drawing/2014/main" id="{41551FEA-0E8F-4EFF-AE58-A6CF3EA5DEE9}"/>
                 </a:ext>
               </a:extLst>
             </p:cNvPr>
@@ -5947,18 +6418,18 @@
           </p:nvGrpSpPr>
           <p:grpSpPr>
             <a:xfrm>
-              <a:off x="10316210" y="3497886"/>
-              <a:ext cx="1372682" cy="1037511"/>
-              <a:chOff x="9528810" y="2749936"/>
-              <a:chExt cx="1372682" cy="1037511"/>
+              <a:off x="8942018" y="2041151"/>
+              <a:ext cx="1016052" cy="965868"/>
+              <a:chOff x="8044949" y="3099904"/>
+              <a:chExt cx="1016052" cy="965868"/>
             </a:xfrm>
           </p:grpSpPr>
           <p:pic>
             <p:nvPicPr>
-              <p:cNvPr id="10" name="Graphic 9" descr="City">
+              <p:cNvPr id="27" name="Picture 26">
                 <a:extLst>
                   <a:ext uri="{FF2B5EF4-FFF2-40B4-BE49-F238E27FC236}">
-                    <a16:creationId xmlns:a16="http://schemas.microsoft.com/office/drawing/2014/main" id="{3C061ECA-946C-4459-8146-9BC2166D9312}"/>
+                    <a16:creationId xmlns:a16="http://schemas.microsoft.com/office/drawing/2014/main" id="{055D241C-DD88-4380-9DBA-9BB353CD539F}"/>
                   </a:ext>
                 </a:extLst>
               </p:cNvPr>
@@ -5968,15 +6439,17 @@
               <p:nvPr/>
             </p:nvPicPr>
             <p:blipFill>
-              <a:blip r:embed="rId10">
-                <a:extLst>
-                  <a:ext uri="{28A0092B-C50C-407E-A947-70E740481C1C}">
-                    <a14:useLocalDpi xmlns:a14="http://schemas.microsoft.com/office/drawing/2010/main" val="0"/>
-                  </a:ext>
-                  <a:ext uri="{96DAC541-7B7A-43D3-8B79-37D633B846F1}">
-                    <asvg:svgBlip xmlns:asvg="http://schemas.microsoft.com/office/drawing/2016/SVG/main" r:embed="rId11"/>
-                  </a:ext>
-                </a:extLst>
+              <a:blip r:embed="rId11">
+                <a:clrChange>
+                  <a:clrFrom>
+                    <a:srgbClr val="FFFFFF"/>
+                  </a:clrFrom>
+                  <a:clrTo>
+                    <a:srgbClr val="FFFFFF">
+                      <a:alpha val="0"/>
+                    </a:srgbClr>
+                  </a:clrTo>
+                </a:clrChange>
               </a:blip>
               <a:stretch>
                 <a:fillRect/>
@@ -5984,8 +6457,8 @@
             </p:blipFill>
             <p:spPr>
               <a:xfrm>
-                <a:off x="9758043" y="2749936"/>
-                <a:ext cx="914400" cy="914400"/>
+                <a:off x="8197149" y="3099904"/>
+                <a:ext cx="699380" cy="712493"/>
               </a:xfrm>
               <a:prstGeom prst="rect">
                 <a:avLst/>
@@ -5994,10 +6467,10 @@
           </p:pic>
           <p:sp>
             <p:nvSpPr>
-              <p:cNvPr id="18" name="TextBox 17">
+              <p:cNvPr id="34" name="TextBox 33">
                 <a:extLst>
                   <a:ext uri="{FF2B5EF4-FFF2-40B4-BE49-F238E27FC236}">
-                    <a16:creationId xmlns:a16="http://schemas.microsoft.com/office/drawing/2014/main" id="{9E7332B4-1E81-4CFC-B6D2-AB3D7B0CDF93}"/>
+                    <a16:creationId xmlns:a16="http://schemas.microsoft.com/office/drawing/2014/main" id="{413CB75F-A91B-49DC-9A9E-EE97F5B6ED7B}"/>
                   </a:ext>
                 </a:extLst>
               </p:cNvPr>
@@ -6006,8 +6479,8 @@
             </p:nvSpPr>
             <p:spPr>
               <a:xfrm>
-                <a:off x="9528810" y="3479670"/>
-                <a:ext cx="1372682" cy="307777"/>
+                <a:off x="8044949" y="3757995"/>
+                <a:ext cx="1016052" cy="307777"/>
               </a:xfrm>
               <a:prstGeom prst="rect">
                 <a:avLst/>
@@ -6026,18 +6499,396 @@
                     <a:latin typeface="Segoe UI Semilight" panose="020B0402040204020203" pitchFamily="34" charset="0"/>
                     <a:cs typeface="Segoe UI Semilight" panose="020B0402040204020203" pitchFamily="34" charset="0"/>
                   </a:rPr>
-                  <a:t>Satellite Offices</a:t>
+                  <a:t>VPN</a:t>
                 </a:r>
               </a:p>
             </p:txBody>
           </p:sp>
         </p:grpSp>
+      </p:grpSp>
+      <p:sp>
+        <p:nvSpPr>
+          <p:cNvPr id="62" name="Rectangle 61">
+            <a:extLst>
+              <a:ext uri="{FF2B5EF4-FFF2-40B4-BE49-F238E27FC236}">
+                <a16:creationId xmlns:a16="http://schemas.microsoft.com/office/drawing/2014/main" id="{C4BEC688-0C34-4004-9739-EE4E16B9F344}"/>
+              </a:ext>
+            </a:extLst>
+          </p:cNvPr>
+          <p:cNvSpPr/>
+          <p:nvPr/>
+        </p:nvSpPr>
+        <p:spPr>
+          <a:xfrm>
+            <a:off x="173715" y="1754059"/>
+            <a:ext cx="1811051" cy="4695513"/>
+          </a:xfrm>
+          <a:prstGeom prst="rect">
+            <a:avLst/>
+          </a:prstGeom>
+          <a:noFill/>
+          <a:ln w="38100">
+            <a:solidFill>
+              <a:srgbClr val="5B9BD5"/>
+            </a:solidFill>
+            <a:prstDash val="sysDot"/>
+          </a:ln>
+        </p:spPr>
+        <p:style>
+          <a:lnRef idx="2">
+            <a:schemeClr val="accent1">
+              <a:shade val="50000"/>
+            </a:schemeClr>
+          </a:lnRef>
+          <a:fillRef idx="1">
+            <a:schemeClr val="accent1"/>
+          </a:fillRef>
+          <a:effectRef idx="0">
+            <a:schemeClr val="accent1"/>
+          </a:effectRef>
+          <a:fontRef idx="minor">
+            <a:schemeClr val="lt1"/>
+          </a:fontRef>
+        </p:style>
+        <p:txBody>
+          <a:bodyPr rtlCol="0" anchor="ctr"/>
+          <a:lstStyle/>
+          <a:p>
+            <a:pPr algn="ctr"/>
+            <a:endParaRPr lang="en-GB"/>
+          </a:p>
+        </p:txBody>
+      </p:sp>
+      <p:grpSp>
+        <p:nvGrpSpPr>
+          <p:cNvPr id="63" name="Group 62">
+            <a:extLst>
+              <a:ext uri="{FF2B5EF4-FFF2-40B4-BE49-F238E27FC236}">
+                <a16:creationId xmlns:a16="http://schemas.microsoft.com/office/drawing/2014/main" id="{84618313-D453-465C-A754-FF95BF8E5CD7}"/>
+              </a:ext>
+            </a:extLst>
+          </p:cNvPr>
+          <p:cNvGrpSpPr/>
+          <p:nvPr/>
+        </p:nvGrpSpPr>
+        <p:grpSpPr>
+          <a:xfrm>
+            <a:off x="1397511" y="6106855"/>
+            <a:ext cx="908492" cy="682597"/>
+            <a:chOff x="5358637" y="4686040"/>
+            <a:chExt cx="908492" cy="682597"/>
+          </a:xfrm>
+        </p:grpSpPr>
+        <p:sp>
+          <p:nvSpPr>
+            <p:cNvPr id="64" name="Rectangle 63">
+              <a:extLst>
+                <a:ext uri="{FF2B5EF4-FFF2-40B4-BE49-F238E27FC236}">
+                  <a16:creationId xmlns:a16="http://schemas.microsoft.com/office/drawing/2014/main" id="{3475E751-AC4D-43FA-B57B-0510676E99D0}"/>
+                </a:ext>
+              </a:extLst>
+            </p:cNvPr>
+            <p:cNvSpPr/>
+            <p:nvPr/>
+          </p:nvSpPr>
+          <p:spPr>
+            <a:xfrm>
+              <a:off x="5427133" y="4818529"/>
+              <a:ext cx="713691" cy="407895"/>
+            </a:xfrm>
+            <a:prstGeom prst="rect">
+              <a:avLst/>
+            </a:prstGeom>
+            <a:solidFill>
+              <a:schemeClr val="bg1"/>
+            </a:solidFill>
+            <a:ln>
+              <a:noFill/>
+            </a:ln>
+          </p:spPr>
+          <p:style>
+            <a:lnRef idx="2">
+              <a:schemeClr val="accent1">
+                <a:shade val="50000"/>
+              </a:schemeClr>
+            </a:lnRef>
+            <a:fillRef idx="1">
+              <a:schemeClr val="accent1"/>
+            </a:fillRef>
+            <a:effectRef idx="0">
+              <a:schemeClr val="accent1"/>
+            </a:effectRef>
+            <a:fontRef idx="minor">
+              <a:schemeClr val="lt1"/>
+            </a:fontRef>
+          </p:style>
+          <p:txBody>
+            <a:bodyPr rtlCol="0" anchor="ctr"/>
+            <a:lstStyle/>
+            <a:p>
+              <a:pPr algn="ctr"/>
+              <a:endParaRPr lang="en-GB"/>
+            </a:p>
+          </p:txBody>
+        </p:sp>
+        <p:pic>
+          <p:nvPicPr>
+            <p:cNvPr id="65" name="Picture 64">
+              <a:extLst>
+                <a:ext uri="{FF2B5EF4-FFF2-40B4-BE49-F238E27FC236}">
+                  <a16:creationId xmlns:a16="http://schemas.microsoft.com/office/drawing/2014/main" id="{6F3E8E70-AD2D-441D-8162-F545CE69C542}"/>
+                </a:ext>
+              </a:extLst>
+            </p:cNvPr>
+            <p:cNvPicPr>
+              <a:picLocks noChangeAspect="1"/>
+            </p:cNvPicPr>
+            <p:nvPr/>
+          </p:nvPicPr>
+          <p:blipFill>
+            <a:blip r:embed="rId5">
+              <a:clrChange>
+                <a:clrFrom>
+                  <a:srgbClr val="FFFFFF"/>
+                </a:clrFrom>
+                <a:clrTo>
+                  <a:srgbClr val="FFFFFF">
+                    <a:alpha val="0"/>
+                  </a:srgbClr>
+                </a:clrTo>
+              </a:clrChange>
+            </a:blip>
+            <a:stretch>
+              <a:fillRect/>
+            </a:stretch>
+          </p:blipFill>
+          <p:spPr>
+            <a:xfrm>
+              <a:off x="5358637" y="4686040"/>
+              <a:ext cx="908492" cy="682597"/>
+            </a:xfrm>
+            <a:prstGeom prst="rect">
+              <a:avLst/>
+            </a:prstGeom>
+          </p:spPr>
+        </p:pic>
+      </p:grpSp>
+      <p:sp>
+        <p:nvSpPr>
+          <p:cNvPr id="67" name="TextBox 66">
+            <a:extLst>
+              <a:ext uri="{FF2B5EF4-FFF2-40B4-BE49-F238E27FC236}">
+                <a16:creationId xmlns:a16="http://schemas.microsoft.com/office/drawing/2014/main" id="{84D30738-E727-44E9-966E-01EBB1BF9D10}"/>
+              </a:ext>
+            </a:extLst>
+          </p:cNvPr>
+          <p:cNvSpPr txBox="1"/>
+          <p:nvPr/>
+        </p:nvSpPr>
+        <p:spPr>
+          <a:xfrm>
+            <a:off x="948953" y="6438355"/>
+            <a:ext cx="713691" cy="307777"/>
+          </a:xfrm>
+          <a:prstGeom prst="rect">
+            <a:avLst/>
+          </a:prstGeom>
+          <a:noFill/>
+        </p:spPr>
+        <p:txBody>
+          <a:bodyPr wrap="square" rtlCol="0">
+            <a:spAutoFit/>
+          </a:bodyPr>
+          <a:lstStyle/>
+          <a:p>
+            <a:pPr algn="ctr"/>
+            <a:r>
+              <a:rPr lang="en-GB" sz="1400" dirty="0" err="1">
+                <a:latin typeface="Segoe UI Semilight" panose="020B0402040204020203" pitchFamily="34" charset="0"/>
+                <a:cs typeface="Segoe UI Semilight" panose="020B0402040204020203" pitchFamily="34" charset="0"/>
+              </a:rPr>
+              <a:t>VNet</a:t>
+            </a:r>
+            <a:endParaRPr lang="en-GB" sz="1400" dirty="0">
+              <a:latin typeface="Segoe UI Semilight" panose="020B0402040204020203" pitchFamily="34" charset="0"/>
+              <a:cs typeface="Segoe UI Semilight" panose="020B0402040204020203" pitchFamily="34" charset="0"/>
+            </a:endParaRPr>
+          </a:p>
+        </p:txBody>
+      </p:sp>
+      <p:sp>
+        <p:nvSpPr>
+          <p:cNvPr id="72" name="TextBox 71">
+            <a:extLst>
+              <a:ext uri="{FF2B5EF4-FFF2-40B4-BE49-F238E27FC236}">
+                <a16:creationId xmlns:a16="http://schemas.microsoft.com/office/drawing/2014/main" id="{287BDEC1-A5B1-4356-A84A-2F274EEE8C58}"/>
+              </a:ext>
+            </a:extLst>
+          </p:cNvPr>
+          <p:cNvSpPr txBox="1"/>
+          <p:nvPr/>
+        </p:nvSpPr>
+        <p:spPr>
+          <a:xfrm>
+            <a:off x="173715" y="1461761"/>
+            <a:ext cx="1811052" cy="307777"/>
+          </a:xfrm>
+          <a:prstGeom prst="rect">
+            <a:avLst/>
+          </a:prstGeom>
+          <a:noFill/>
+        </p:spPr>
+        <p:txBody>
+          <a:bodyPr wrap="square" rtlCol="0">
+            <a:spAutoFit/>
+          </a:bodyPr>
+          <a:lstStyle/>
+          <a:p>
+            <a:pPr algn="r"/>
+            <a:r>
+              <a:rPr lang="en-GB" sz="1400" dirty="0">
+                <a:solidFill>
+                  <a:srgbClr val="5B9BD5"/>
+                </a:solidFill>
+                <a:latin typeface="Segoe UI Black" panose="020B0A02040204020203" pitchFamily="34" charset="0"/>
+                <a:ea typeface="Segoe UI Black" panose="020B0A02040204020203" pitchFamily="34" charset="0"/>
+                <a:cs typeface="Segoe UI Semilight" panose="020B0402040204020203" pitchFamily="34" charset="0"/>
+              </a:rPr>
+              <a:t>Website</a:t>
+            </a:r>
+          </a:p>
+        </p:txBody>
+      </p:sp>
+      <p:grpSp>
+        <p:nvGrpSpPr>
+          <p:cNvPr id="112" name="Group 111">
+            <a:extLst>
+              <a:ext uri="{FF2B5EF4-FFF2-40B4-BE49-F238E27FC236}">
+                <a16:creationId xmlns:a16="http://schemas.microsoft.com/office/drawing/2014/main" id="{4575BAC4-D85A-46DB-8199-DE6EC1B7263D}"/>
+              </a:ext>
+            </a:extLst>
+          </p:cNvPr>
+          <p:cNvGrpSpPr/>
+          <p:nvPr/>
+        </p:nvGrpSpPr>
+        <p:grpSpPr>
+          <a:xfrm>
+            <a:off x="3257182" y="1968313"/>
+            <a:ext cx="816458" cy="816458"/>
+            <a:chOff x="3828158" y="4585427"/>
+            <a:chExt cx="816458" cy="816458"/>
+          </a:xfrm>
+        </p:grpSpPr>
+        <p:pic>
+          <p:nvPicPr>
+            <p:cNvPr id="134" name="Graphic 133" descr="Lock">
+              <a:extLst>
+                <a:ext uri="{FF2B5EF4-FFF2-40B4-BE49-F238E27FC236}">
+                  <a16:creationId xmlns:a16="http://schemas.microsoft.com/office/drawing/2014/main" id="{6F9C496F-E825-400F-B2C7-73477CD92FE6}"/>
+                </a:ext>
+              </a:extLst>
+            </p:cNvPr>
+            <p:cNvPicPr>
+              <a:picLocks noChangeAspect="1"/>
+            </p:cNvPicPr>
+            <p:nvPr/>
+          </p:nvPicPr>
+          <p:blipFill>
+            <a:blip r:embed="rId12">
+              <a:extLst>
+                <a:ext uri="{28A0092B-C50C-407E-A947-70E740481C1C}">
+                  <a14:useLocalDpi xmlns:a14="http://schemas.microsoft.com/office/drawing/2010/main" val="0"/>
+                </a:ext>
+                <a:ext uri="{96DAC541-7B7A-43D3-8B79-37D633B846F1}">
+                  <asvg:svgBlip xmlns:asvg="http://schemas.microsoft.com/office/drawing/2016/SVG/main" r:embed="rId13"/>
+                </a:ext>
+              </a:extLst>
+            </a:blip>
+            <a:stretch>
+              <a:fillRect/>
+            </a:stretch>
+          </p:blipFill>
+          <p:spPr>
+            <a:xfrm>
+              <a:off x="3828158" y="4585427"/>
+              <a:ext cx="816458" cy="816458"/>
+            </a:xfrm>
+            <a:prstGeom prst="rect">
+              <a:avLst/>
+            </a:prstGeom>
+          </p:spPr>
+        </p:pic>
+        <p:sp>
+          <p:nvSpPr>
+            <p:cNvPr id="135" name="TextBox 134">
+              <a:extLst>
+                <a:ext uri="{FF2B5EF4-FFF2-40B4-BE49-F238E27FC236}">
+                  <a16:creationId xmlns:a16="http://schemas.microsoft.com/office/drawing/2014/main" id="{25B20A87-43F8-40E1-808E-846309FF2B2C}"/>
+                </a:ext>
+              </a:extLst>
+            </p:cNvPr>
+            <p:cNvSpPr txBox="1"/>
+            <p:nvPr/>
+          </p:nvSpPr>
+          <p:spPr>
+            <a:xfrm>
+              <a:off x="4028732" y="5010165"/>
+              <a:ext cx="371748" cy="215444"/>
+            </a:xfrm>
+            <a:prstGeom prst="rect">
+              <a:avLst/>
+            </a:prstGeom>
+            <a:solidFill>
+              <a:srgbClr val="5B9BD5"/>
+            </a:solidFill>
+          </p:spPr>
+          <p:txBody>
+            <a:bodyPr wrap="square" lIns="0" tIns="0" rIns="0" bIns="0" rtlCol="0">
+              <a:spAutoFit/>
+            </a:bodyPr>
+            <a:lstStyle/>
+            <a:p>
+              <a:pPr algn="ctr"/>
+              <a:r>
+                <a:rPr lang="en-GB" sz="1400" b="1" dirty="0">
+                  <a:solidFill>
+                    <a:schemeClr val="bg1"/>
+                  </a:solidFill>
+                  <a:latin typeface="Segoe UI Semilight" panose="020B0402040204020203" pitchFamily="34" charset="0"/>
+                  <a:cs typeface="Segoe UI Semilight" panose="020B0402040204020203" pitchFamily="34" charset="0"/>
+                </a:rPr>
+                <a:t>NSG</a:t>
+              </a:r>
+            </a:p>
+          </p:txBody>
+        </p:sp>
+      </p:grpSp>
+      <p:grpSp>
+        <p:nvGrpSpPr>
+          <p:cNvPr id="115" name="Group 114">
+            <a:extLst>
+              <a:ext uri="{FF2B5EF4-FFF2-40B4-BE49-F238E27FC236}">
+                <a16:creationId xmlns:a16="http://schemas.microsoft.com/office/drawing/2014/main" id="{6F594179-D037-4268-A3F9-B0A02F0CFD38}"/>
+              </a:ext>
+            </a:extLst>
+          </p:cNvPr>
+          <p:cNvGrpSpPr/>
+          <p:nvPr/>
+        </p:nvGrpSpPr>
+        <p:grpSpPr>
+          <a:xfrm>
+            <a:off x="2749156" y="4985624"/>
+            <a:ext cx="1016052" cy="984356"/>
+            <a:chOff x="1592994" y="5295937"/>
+            <a:chExt cx="1016052" cy="984356"/>
+          </a:xfrm>
+        </p:grpSpPr>
         <p:grpSp>
           <p:nvGrpSpPr>
-            <p:cNvPr id="161" name="Group 160">
+            <p:cNvPr id="125" name="Group 124">
               <a:extLst>
                 <a:ext uri="{FF2B5EF4-FFF2-40B4-BE49-F238E27FC236}">
-                  <a16:creationId xmlns:a16="http://schemas.microsoft.com/office/drawing/2014/main" id="{49FC2C55-736B-4441-875F-A67245FB56FC}"/>
+                  <a16:creationId xmlns:a16="http://schemas.microsoft.com/office/drawing/2014/main" id="{CFAA27AF-E845-4C61-91FD-7477ECAAEF04}"/>
                 </a:ext>
               </a:extLst>
             </p:cNvPr>
@@ -6046,18 +6897,59 @@
           </p:nvGrpSpPr>
           <p:grpSpPr>
             <a:xfrm>
-              <a:off x="8942018" y="3454599"/>
-              <a:ext cx="1016052" cy="965868"/>
-              <a:chOff x="8942018" y="2041151"/>
-              <a:chExt cx="1016052" cy="965868"/>
+              <a:off x="1674715" y="5295937"/>
+              <a:ext cx="818403" cy="749822"/>
+              <a:chOff x="6908241" y="4869690"/>
+              <a:chExt cx="1136708" cy="1041454"/>
             </a:xfrm>
           </p:grpSpPr>
+          <p:pic>
+            <p:nvPicPr>
+              <p:cNvPr id="127" name="Picture 126">
+                <a:extLst>
+                  <a:ext uri="{FF2B5EF4-FFF2-40B4-BE49-F238E27FC236}">
+                    <a16:creationId xmlns:a16="http://schemas.microsoft.com/office/drawing/2014/main" id="{31480F15-EBBB-4253-8295-5A915A0F1248}"/>
+                  </a:ext>
+                </a:extLst>
+              </p:cNvPr>
+              <p:cNvPicPr>
+                <a:picLocks noChangeAspect="1"/>
+              </p:cNvPicPr>
+              <p:nvPr/>
+            </p:nvPicPr>
+            <p:blipFill>
+              <a:blip r:embed="rId14">
+                <a:clrChange>
+                  <a:clrFrom>
+                    <a:srgbClr val="FFFFFF"/>
+                  </a:clrFrom>
+                  <a:clrTo>
+                    <a:srgbClr val="FFFFFF">
+                      <a:alpha val="0"/>
+                    </a:srgbClr>
+                  </a:clrTo>
+                </a:clrChange>
+              </a:blip>
+              <a:stretch>
+                <a:fillRect/>
+              </a:stretch>
+            </p:blipFill>
+            <p:spPr>
+              <a:xfrm>
+                <a:off x="6908241" y="4869690"/>
+                <a:ext cx="1136708" cy="1041454"/>
+              </a:xfrm>
+              <a:prstGeom prst="rect">
+                <a:avLst/>
+              </a:prstGeom>
+            </p:spPr>
+          </p:pic>
           <p:sp>
             <p:nvSpPr>
-              <p:cNvPr id="142" name="Rectangle 141">
+              <p:cNvPr id="128" name="Rectangle 127">
                 <a:extLst>
                   <a:ext uri="{FF2B5EF4-FFF2-40B4-BE49-F238E27FC236}">
-                    <a16:creationId xmlns:a16="http://schemas.microsoft.com/office/drawing/2014/main" id="{F7EF69FB-0706-4341-878F-C83627B36903}"/>
+                    <a16:creationId xmlns:a16="http://schemas.microsoft.com/office/drawing/2014/main" id="{16EF04F9-605D-4630-805A-C59CB6AFD454}"/>
                   </a:ext>
                 </a:extLst>
               </p:cNvPr>
@@ -6066,14 +6958,14 @@
             </p:nvSpPr>
             <p:spPr>
               <a:xfrm>
-                <a:off x="9194800" y="2331694"/>
-                <a:ext cx="484135" cy="366772"/>
+                <a:off x="7207250" y="5060951"/>
+                <a:ext cx="562070" cy="482600"/>
               </a:xfrm>
               <a:prstGeom prst="rect">
                 <a:avLst/>
               </a:prstGeom>
               <a:solidFill>
-                <a:schemeClr val="bg1"/>
+                <a:srgbClr val="59B4D9"/>
               </a:solidFill>
               <a:ln>
                 <a:noFill/>
@@ -6104,114 +6996,796 @@
               </a:p>
             </p:txBody>
           </p:sp>
-          <p:grpSp>
-            <p:nvGrpSpPr>
-              <p:cNvPr id="76" name="Group 75">
+          <p:pic>
+            <p:nvPicPr>
+              <p:cNvPr id="129" name="Graphic 128" descr="Database">
                 <a:extLst>
                   <a:ext uri="{FF2B5EF4-FFF2-40B4-BE49-F238E27FC236}">
-                    <a16:creationId xmlns:a16="http://schemas.microsoft.com/office/drawing/2014/main" id="{41551FEA-0E8F-4EFF-AE58-A6CF3EA5DEE9}"/>
+                    <a16:creationId xmlns:a16="http://schemas.microsoft.com/office/drawing/2014/main" id="{A4987C5C-7433-4F90-BA04-863D7180A2A7}"/>
                   </a:ext>
                 </a:extLst>
               </p:cNvPr>
-              <p:cNvGrpSpPr/>
+              <p:cNvPicPr>
+                <a:picLocks noChangeAspect="1"/>
+              </p:cNvPicPr>
               <p:nvPr/>
-            </p:nvGrpSpPr>
-            <p:grpSpPr>
+            </p:nvPicPr>
+            <p:blipFill>
+              <a:blip r:embed="rId15">
+                <a:extLst>
+                  <a:ext uri="{28A0092B-C50C-407E-A947-70E740481C1C}">
+                    <a14:useLocalDpi xmlns:a14="http://schemas.microsoft.com/office/drawing/2010/main" val="0"/>
+                  </a:ext>
+                  <a:ext uri="{96DAC541-7B7A-43D3-8B79-37D633B846F1}">
+                    <asvg:svgBlip xmlns:asvg="http://schemas.microsoft.com/office/drawing/2016/SVG/main" r:embed="rId16"/>
+                  </a:ext>
+                </a:extLst>
+              </a:blip>
+              <a:stretch>
+                <a:fillRect/>
+              </a:stretch>
+            </p:blipFill>
+            <p:spPr>
               <a:xfrm>
-                <a:off x="8942018" y="2041151"/>
-                <a:ext cx="1016052" cy="965868"/>
-                <a:chOff x="8044949" y="3099904"/>
-                <a:chExt cx="1016052" cy="965868"/>
+                <a:off x="7230111" y="5041901"/>
+                <a:ext cx="530474" cy="530474"/>
               </a:xfrm>
-            </p:grpSpPr>
-            <p:pic>
-              <p:nvPicPr>
-                <p:cNvPr id="27" name="Picture 26">
-                  <a:extLst>
-                    <a:ext uri="{FF2B5EF4-FFF2-40B4-BE49-F238E27FC236}">
-                      <a16:creationId xmlns:a16="http://schemas.microsoft.com/office/drawing/2014/main" id="{055D241C-DD88-4380-9DBA-9BB353CD539F}"/>
-                    </a:ext>
-                  </a:extLst>
-                </p:cNvPr>
-                <p:cNvPicPr>
-                  <a:picLocks noChangeAspect="1"/>
-                </p:cNvPicPr>
-                <p:nvPr/>
-              </p:nvPicPr>
-              <p:blipFill>
-                <a:blip r:embed="rId12">
-                  <a:clrChange>
-                    <a:clrFrom>
-                      <a:srgbClr val="FFFFFF"/>
-                    </a:clrFrom>
-                    <a:clrTo>
-                      <a:srgbClr val="FFFFFF">
-                        <a:alpha val="0"/>
-                      </a:srgbClr>
-                    </a:clrTo>
-                  </a:clrChange>
-                </a:blip>
-                <a:stretch>
-                  <a:fillRect/>
-                </a:stretch>
-              </p:blipFill>
-              <p:spPr>
-                <a:xfrm>
-                  <a:off x="8197149" y="3099904"/>
-                  <a:ext cx="699380" cy="712493"/>
-                </a:xfrm>
-                <a:prstGeom prst="rect">
-                  <a:avLst/>
-                </a:prstGeom>
-              </p:spPr>
-            </p:pic>
-            <p:sp>
-              <p:nvSpPr>
-                <p:cNvPr id="34" name="TextBox 33">
-                  <a:extLst>
-                    <a:ext uri="{FF2B5EF4-FFF2-40B4-BE49-F238E27FC236}">
-                      <a16:creationId xmlns:a16="http://schemas.microsoft.com/office/drawing/2014/main" id="{413CB75F-A91B-49DC-9A9E-EE97F5B6ED7B}"/>
-                    </a:ext>
-                  </a:extLst>
-                </p:cNvPr>
-                <p:cNvSpPr txBox="1"/>
-                <p:nvPr/>
-              </p:nvSpPr>
-              <p:spPr>
-                <a:xfrm>
-                  <a:off x="8044949" y="3757995"/>
-                  <a:ext cx="1016052" cy="307777"/>
-                </a:xfrm>
-                <a:prstGeom prst="rect">
-                  <a:avLst/>
-                </a:prstGeom>
-                <a:noFill/>
-              </p:spPr>
-              <p:txBody>
-                <a:bodyPr wrap="square" rtlCol="0">
-                  <a:spAutoFit/>
-                </a:bodyPr>
-                <a:lstStyle/>
-                <a:p>
-                  <a:pPr algn="ctr"/>
-                  <a:r>
-                    <a:rPr lang="en-GB" sz="1400" dirty="0">
-                      <a:latin typeface="Segoe UI Semilight" panose="020B0402040204020203" pitchFamily="34" charset="0"/>
-                      <a:cs typeface="Segoe UI Semilight" panose="020B0402040204020203" pitchFamily="34" charset="0"/>
-                    </a:rPr>
-                    <a:t>VPN</a:t>
-                  </a:r>
-                </a:p>
-              </p:txBody>
-            </p:sp>
-          </p:grpSp>
+              <a:prstGeom prst="rect">
+                <a:avLst/>
+              </a:prstGeom>
+            </p:spPr>
+          </p:pic>
         </p:grpSp>
+        <p:sp>
+          <p:nvSpPr>
+            <p:cNvPr id="126" name="TextBox 125">
+              <a:extLst>
+                <a:ext uri="{FF2B5EF4-FFF2-40B4-BE49-F238E27FC236}">
+                  <a16:creationId xmlns:a16="http://schemas.microsoft.com/office/drawing/2014/main" id="{4AF8119F-6679-40B1-B9EC-1C22F9FE84C9}"/>
+                </a:ext>
+              </a:extLst>
+            </p:cNvPr>
+            <p:cNvSpPr txBox="1"/>
+            <p:nvPr/>
+          </p:nvSpPr>
+          <p:spPr>
+            <a:xfrm>
+              <a:off x="1592994" y="5972516"/>
+              <a:ext cx="1016052" cy="307777"/>
+            </a:xfrm>
+            <a:prstGeom prst="rect">
+              <a:avLst/>
+            </a:prstGeom>
+            <a:noFill/>
+          </p:spPr>
+          <p:txBody>
+            <a:bodyPr wrap="square" rtlCol="0">
+              <a:spAutoFit/>
+            </a:bodyPr>
+            <a:lstStyle/>
+            <a:p>
+              <a:pPr algn="ctr"/>
+              <a:r>
+                <a:rPr lang="en-GB" sz="1400" dirty="0">
+                  <a:latin typeface="Segoe UI Semilight" panose="020B0402040204020203" pitchFamily="34" charset="0"/>
+                  <a:cs typeface="Segoe UI Semilight" panose="020B0402040204020203" pitchFamily="34" charset="0"/>
+                </a:rPr>
+                <a:t>DB</a:t>
+              </a:r>
+            </a:p>
+          </p:txBody>
+        </p:sp>
+      </p:grpSp>
+      <p:sp>
+        <p:nvSpPr>
+          <p:cNvPr id="116" name="Rectangle 115">
+            <a:extLst>
+              <a:ext uri="{FF2B5EF4-FFF2-40B4-BE49-F238E27FC236}">
+                <a16:creationId xmlns:a16="http://schemas.microsoft.com/office/drawing/2014/main" id="{B1DE6C72-9C1D-4DAB-AC17-19057C52A63F}"/>
+              </a:ext>
+            </a:extLst>
+          </p:cNvPr>
+          <p:cNvSpPr/>
+          <p:nvPr/>
+        </p:nvSpPr>
+        <p:spPr>
+          <a:xfrm>
+            <a:off x="2321644" y="1754059"/>
+            <a:ext cx="1811051" cy="4695513"/>
+          </a:xfrm>
+          <a:prstGeom prst="rect">
+            <a:avLst/>
+          </a:prstGeom>
+          <a:noFill/>
+          <a:ln w="38100">
+            <a:solidFill>
+              <a:srgbClr val="5B9BD5"/>
+            </a:solidFill>
+            <a:prstDash val="sysDot"/>
+          </a:ln>
+        </p:spPr>
+        <p:style>
+          <a:lnRef idx="2">
+            <a:schemeClr val="accent1">
+              <a:shade val="50000"/>
+            </a:schemeClr>
+          </a:lnRef>
+          <a:fillRef idx="1">
+            <a:schemeClr val="accent1"/>
+          </a:fillRef>
+          <a:effectRef idx="0">
+            <a:schemeClr val="accent1"/>
+          </a:effectRef>
+          <a:fontRef idx="minor">
+            <a:schemeClr val="lt1"/>
+          </a:fontRef>
+        </p:style>
+        <p:txBody>
+          <a:bodyPr rtlCol="0" anchor="ctr"/>
+          <a:lstStyle/>
+          <a:p>
+            <a:pPr algn="ctr"/>
+            <a:endParaRPr lang="en-GB"/>
+          </a:p>
+        </p:txBody>
+      </p:sp>
+      <p:grpSp>
+        <p:nvGrpSpPr>
+          <p:cNvPr id="117" name="Group 116">
+            <a:extLst>
+              <a:ext uri="{FF2B5EF4-FFF2-40B4-BE49-F238E27FC236}">
+                <a16:creationId xmlns:a16="http://schemas.microsoft.com/office/drawing/2014/main" id="{79841015-9905-42BA-A2F2-124D1016F209}"/>
+              </a:ext>
+            </a:extLst>
+          </p:cNvPr>
+          <p:cNvGrpSpPr/>
+          <p:nvPr/>
+        </p:nvGrpSpPr>
+        <p:grpSpPr>
+          <a:xfrm>
+            <a:off x="3545440" y="6106855"/>
+            <a:ext cx="908492" cy="682597"/>
+            <a:chOff x="5358637" y="4686040"/>
+            <a:chExt cx="908492" cy="682597"/>
+          </a:xfrm>
+        </p:grpSpPr>
+        <p:sp>
+          <p:nvSpPr>
+            <p:cNvPr id="123" name="Rectangle 122">
+              <a:extLst>
+                <a:ext uri="{FF2B5EF4-FFF2-40B4-BE49-F238E27FC236}">
+                  <a16:creationId xmlns:a16="http://schemas.microsoft.com/office/drawing/2014/main" id="{34A0EC9F-EC5B-4CA0-BC92-22D994518253}"/>
+                </a:ext>
+              </a:extLst>
+            </p:cNvPr>
+            <p:cNvSpPr/>
+            <p:nvPr/>
+          </p:nvSpPr>
+          <p:spPr>
+            <a:xfrm>
+              <a:off x="5427133" y="4818529"/>
+              <a:ext cx="713691" cy="407895"/>
+            </a:xfrm>
+            <a:prstGeom prst="rect">
+              <a:avLst/>
+            </a:prstGeom>
+            <a:solidFill>
+              <a:schemeClr val="bg1"/>
+            </a:solidFill>
+            <a:ln>
+              <a:noFill/>
+            </a:ln>
+          </p:spPr>
+          <p:style>
+            <a:lnRef idx="2">
+              <a:schemeClr val="accent1">
+                <a:shade val="50000"/>
+              </a:schemeClr>
+            </a:lnRef>
+            <a:fillRef idx="1">
+              <a:schemeClr val="accent1"/>
+            </a:fillRef>
+            <a:effectRef idx="0">
+              <a:schemeClr val="accent1"/>
+            </a:effectRef>
+            <a:fontRef idx="minor">
+              <a:schemeClr val="lt1"/>
+            </a:fontRef>
+          </p:style>
+          <p:txBody>
+            <a:bodyPr rtlCol="0" anchor="ctr"/>
+            <a:lstStyle/>
+            <a:p>
+              <a:pPr algn="ctr"/>
+              <a:endParaRPr lang="en-GB"/>
+            </a:p>
+          </p:txBody>
+        </p:sp>
+        <p:pic>
+          <p:nvPicPr>
+            <p:cNvPr id="124" name="Picture 123">
+              <a:extLst>
+                <a:ext uri="{FF2B5EF4-FFF2-40B4-BE49-F238E27FC236}">
+                  <a16:creationId xmlns:a16="http://schemas.microsoft.com/office/drawing/2014/main" id="{7262BD0E-9AD6-4A66-82C4-58AA0EFC6D51}"/>
+                </a:ext>
+              </a:extLst>
+            </p:cNvPr>
+            <p:cNvPicPr>
+              <a:picLocks noChangeAspect="1"/>
+            </p:cNvPicPr>
+            <p:nvPr/>
+          </p:nvPicPr>
+          <p:blipFill>
+            <a:blip r:embed="rId5">
+              <a:clrChange>
+                <a:clrFrom>
+                  <a:srgbClr val="FFFFFF"/>
+                </a:clrFrom>
+                <a:clrTo>
+                  <a:srgbClr val="FFFFFF">
+                    <a:alpha val="0"/>
+                  </a:srgbClr>
+                </a:clrTo>
+              </a:clrChange>
+            </a:blip>
+            <a:stretch>
+              <a:fillRect/>
+            </a:stretch>
+          </p:blipFill>
+          <p:spPr>
+            <a:xfrm>
+              <a:off x="5358637" y="4686040"/>
+              <a:ext cx="908492" cy="682597"/>
+            </a:xfrm>
+            <a:prstGeom prst="rect">
+              <a:avLst/>
+            </a:prstGeom>
+          </p:spPr>
+        </p:pic>
+      </p:grpSp>
+      <p:sp>
+        <p:nvSpPr>
+          <p:cNvPr id="119" name="TextBox 118">
+            <a:extLst>
+              <a:ext uri="{FF2B5EF4-FFF2-40B4-BE49-F238E27FC236}">
+                <a16:creationId xmlns:a16="http://schemas.microsoft.com/office/drawing/2014/main" id="{F89F6402-8470-429E-8991-BC845C0C64E1}"/>
+              </a:ext>
+            </a:extLst>
+          </p:cNvPr>
+          <p:cNvSpPr txBox="1"/>
+          <p:nvPr/>
+        </p:nvSpPr>
+        <p:spPr>
+          <a:xfrm>
+            <a:off x="3096882" y="6438355"/>
+            <a:ext cx="713691" cy="307777"/>
+          </a:xfrm>
+          <a:prstGeom prst="rect">
+            <a:avLst/>
+          </a:prstGeom>
+          <a:noFill/>
+        </p:spPr>
+        <p:txBody>
+          <a:bodyPr wrap="square" rtlCol="0">
+            <a:spAutoFit/>
+          </a:bodyPr>
+          <a:lstStyle/>
+          <a:p>
+            <a:pPr algn="ctr"/>
+            <a:r>
+              <a:rPr lang="en-GB" sz="1400" dirty="0" err="1">
+                <a:latin typeface="Segoe UI Semilight" panose="020B0402040204020203" pitchFamily="34" charset="0"/>
+                <a:cs typeface="Segoe UI Semilight" panose="020B0402040204020203" pitchFamily="34" charset="0"/>
+              </a:rPr>
+              <a:t>VNet</a:t>
+            </a:r>
+            <a:endParaRPr lang="en-GB" sz="1400" dirty="0">
+              <a:latin typeface="Segoe UI Semilight" panose="020B0402040204020203" pitchFamily="34" charset="0"/>
+              <a:cs typeface="Segoe UI Semilight" panose="020B0402040204020203" pitchFamily="34" charset="0"/>
+            </a:endParaRPr>
+          </a:p>
+        </p:txBody>
+      </p:sp>
+      <p:sp>
+        <p:nvSpPr>
+          <p:cNvPr id="120" name="TextBox 119">
+            <a:extLst>
+              <a:ext uri="{FF2B5EF4-FFF2-40B4-BE49-F238E27FC236}">
+                <a16:creationId xmlns:a16="http://schemas.microsoft.com/office/drawing/2014/main" id="{E6C30A14-E90C-4B0D-9EC3-B6AC6ACA2283}"/>
+              </a:ext>
+            </a:extLst>
+          </p:cNvPr>
+          <p:cNvSpPr txBox="1"/>
+          <p:nvPr/>
+        </p:nvSpPr>
+        <p:spPr>
+          <a:xfrm>
+            <a:off x="2321644" y="1457817"/>
+            <a:ext cx="1811052" cy="307777"/>
+          </a:xfrm>
+          <a:prstGeom prst="rect">
+            <a:avLst/>
+          </a:prstGeom>
+          <a:noFill/>
+        </p:spPr>
+        <p:txBody>
+          <a:bodyPr wrap="square" rtlCol="0">
+            <a:spAutoFit/>
+          </a:bodyPr>
+          <a:lstStyle/>
+          <a:p>
+            <a:pPr algn="r"/>
+            <a:r>
+              <a:rPr lang="en-GB" sz="1400" dirty="0">
+                <a:solidFill>
+                  <a:srgbClr val="5B9BD5"/>
+                </a:solidFill>
+                <a:latin typeface="Segoe UI Black" panose="020B0A02040204020203" pitchFamily="34" charset="0"/>
+                <a:ea typeface="Segoe UI Black" panose="020B0A02040204020203" pitchFamily="34" charset="0"/>
+                <a:cs typeface="Segoe UI Semilight" panose="020B0402040204020203" pitchFamily="34" charset="0"/>
+              </a:rPr>
+              <a:t>Quote App</a:t>
+            </a:r>
+          </a:p>
+        </p:txBody>
+      </p:sp>
+      <p:cxnSp>
+        <p:nvCxnSpPr>
+          <p:cNvPr id="146" name="Straight Arrow Connector 145">
+            <a:extLst>
+              <a:ext uri="{FF2B5EF4-FFF2-40B4-BE49-F238E27FC236}">
+                <a16:creationId xmlns:a16="http://schemas.microsoft.com/office/drawing/2014/main" id="{85A04DDE-65A1-4664-BFA0-948BE7F2FD77}"/>
+              </a:ext>
+            </a:extLst>
+          </p:cNvPr>
+          <p:cNvCxnSpPr>
+            <a:stCxn id="8" idx="1"/>
+            <a:endCxn id="70" idx="0"/>
+          </p:cNvCxnSpPr>
+          <p:nvPr/>
+        </p:nvCxnSpPr>
+        <p:spPr>
+          <a:xfrm>
+            <a:off x="7948697" y="1250319"/>
+            <a:ext cx="6660" cy="888375"/>
+          </a:xfrm>
+          <a:prstGeom prst="straightConnector1">
+            <a:avLst/>
+          </a:prstGeom>
+          <a:ln w="38100">
+            <a:solidFill>
+              <a:srgbClr val="5B9BD5"/>
+            </a:solidFill>
+            <a:headEnd type="triangle"/>
+            <a:tailEnd type="triangle"/>
+          </a:ln>
+        </p:spPr>
+        <p:style>
+          <a:lnRef idx="1">
+            <a:schemeClr val="accent1"/>
+          </a:lnRef>
+          <a:fillRef idx="0">
+            <a:schemeClr val="accent1"/>
+          </a:fillRef>
+          <a:effectRef idx="0">
+            <a:schemeClr val="accent1"/>
+          </a:effectRef>
+          <a:fontRef idx="minor">
+            <a:schemeClr val="tx1"/>
+          </a:fontRef>
+        </p:style>
+      </p:cxnSp>
+      <p:cxnSp>
+        <p:nvCxnSpPr>
+          <p:cNvPr id="149" name="Connector: Elbow 148">
+            <a:extLst>
+              <a:ext uri="{FF2B5EF4-FFF2-40B4-BE49-F238E27FC236}">
+                <a16:creationId xmlns:a16="http://schemas.microsoft.com/office/drawing/2014/main" id="{C44271AA-3E57-4761-815E-BFE542E115A3}"/>
+              </a:ext>
+            </a:extLst>
+          </p:cNvPr>
+          <p:cNvCxnSpPr>
+            <a:stCxn id="121" idx="0"/>
+            <a:endCxn id="36" idx="1"/>
+          </p:cNvCxnSpPr>
+          <p:nvPr/>
+        </p:nvCxnSpPr>
+        <p:spPr>
+          <a:xfrm rot="16200000" flipH="1">
+            <a:off x="4257505" y="722897"/>
+            <a:ext cx="785226" cy="3452217"/>
+          </a:xfrm>
+          <a:prstGeom prst="bentConnector4">
+            <a:avLst>
+              <a:gd name="adj1" fmla="val -130881"/>
+              <a:gd name="adj2" fmla="val 56456"/>
+            </a:avLst>
+          </a:prstGeom>
+          <a:ln w="38100">
+            <a:solidFill>
+              <a:srgbClr val="92C426"/>
+            </a:solidFill>
+            <a:headEnd type="triangle"/>
+            <a:tailEnd type="triangle"/>
+          </a:ln>
+        </p:spPr>
+        <p:style>
+          <a:lnRef idx="1">
+            <a:schemeClr val="accent1"/>
+          </a:lnRef>
+          <a:fillRef idx="0">
+            <a:schemeClr val="accent1"/>
+          </a:fillRef>
+          <a:effectRef idx="0">
+            <a:schemeClr val="accent1"/>
+          </a:effectRef>
+          <a:fontRef idx="minor">
+            <a:schemeClr val="tx1"/>
+          </a:fontRef>
+        </p:style>
+      </p:cxnSp>
+      <p:cxnSp>
+        <p:nvCxnSpPr>
+          <p:cNvPr id="151" name="Connector: Elbow 150">
+            <a:extLst>
+              <a:ext uri="{FF2B5EF4-FFF2-40B4-BE49-F238E27FC236}">
+                <a16:creationId xmlns:a16="http://schemas.microsoft.com/office/drawing/2014/main" id="{54D863C8-E926-4ED7-844B-5A0FC94C1F00}"/>
+              </a:ext>
+            </a:extLst>
+          </p:cNvPr>
+          <p:cNvCxnSpPr>
+            <a:cxnSpLocks/>
+            <a:stCxn id="157" idx="0"/>
+            <a:endCxn id="36" idx="1"/>
+          </p:cNvCxnSpPr>
+          <p:nvPr/>
+        </p:nvCxnSpPr>
+        <p:spPr>
+          <a:xfrm rot="16200000" flipH="1">
+            <a:off x="3179986" y="-354622"/>
+            <a:ext cx="785226" cy="5607255"/>
+          </a:xfrm>
+          <a:prstGeom prst="bentConnector4">
+            <a:avLst>
+              <a:gd name="adj1" fmla="val -130881"/>
+              <a:gd name="adj2" fmla="val 73189"/>
+            </a:avLst>
+          </a:prstGeom>
+          <a:ln w="38100">
+            <a:solidFill>
+              <a:srgbClr val="92C426"/>
+            </a:solidFill>
+            <a:headEnd type="triangle"/>
+            <a:tailEnd type="triangle"/>
+          </a:ln>
+        </p:spPr>
+        <p:style>
+          <a:lnRef idx="1">
+            <a:schemeClr val="accent1"/>
+          </a:lnRef>
+          <a:fillRef idx="0">
+            <a:schemeClr val="accent1"/>
+          </a:fillRef>
+          <a:effectRef idx="0">
+            <a:schemeClr val="accent1"/>
+          </a:effectRef>
+          <a:fontRef idx="minor">
+            <a:schemeClr val="tx1"/>
+          </a:fontRef>
+        </p:style>
+      </p:cxnSp>
+      <p:sp>
+        <p:nvSpPr>
+          <p:cNvPr id="156" name="TextBox 155">
+            <a:extLst>
+              <a:ext uri="{FF2B5EF4-FFF2-40B4-BE49-F238E27FC236}">
+                <a16:creationId xmlns:a16="http://schemas.microsoft.com/office/drawing/2014/main" id="{2962CD03-6CAD-4F96-AA62-CDAC5669D815}"/>
+              </a:ext>
+            </a:extLst>
+          </p:cNvPr>
+          <p:cNvSpPr txBox="1"/>
+          <p:nvPr/>
+        </p:nvSpPr>
+        <p:spPr>
+          <a:xfrm>
+            <a:off x="768971" y="696746"/>
+            <a:ext cx="4105179" cy="307777"/>
+          </a:xfrm>
+          <a:prstGeom prst="rect">
+            <a:avLst/>
+          </a:prstGeom>
+          <a:noFill/>
+        </p:spPr>
+        <p:txBody>
+          <a:bodyPr wrap="square" rtlCol="0">
+            <a:spAutoFit/>
+          </a:bodyPr>
+          <a:lstStyle/>
+          <a:p>
+            <a:pPr algn="ctr"/>
+            <a:r>
+              <a:rPr lang="en-GB" sz="1400" dirty="0" err="1">
+                <a:latin typeface="Segoe UI Semilight" panose="020B0402040204020203" pitchFamily="34" charset="0"/>
+                <a:cs typeface="Segoe UI Semilight" panose="020B0402040204020203" pitchFamily="34" charset="0"/>
+              </a:rPr>
+              <a:t>VNet</a:t>
+            </a:r>
+            <a:r>
+              <a:rPr lang="en-GB" sz="1400" dirty="0">
+                <a:latin typeface="Segoe UI Semilight" panose="020B0402040204020203" pitchFamily="34" charset="0"/>
+                <a:cs typeface="Segoe UI Semilight" panose="020B0402040204020203" pitchFamily="34" charset="0"/>
+              </a:rPr>
+              <a:t> Peering</a:t>
+            </a:r>
+          </a:p>
+        </p:txBody>
+      </p:sp>
+      <p:sp>
+        <p:nvSpPr>
+          <p:cNvPr id="102" name="TextBox 101">
+            <a:extLst>
+              <a:ext uri="{FF2B5EF4-FFF2-40B4-BE49-F238E27FC236}">
+                <a16:creationId xmlns:a16="http://schemas.microsoft.com/office/drawing/2014/main" id="{700F54DD-A4F2-414F-A30A-231BB8D0E5F7}"/>
+              </a:ext>
+            </a:extLst>
+          </p:cNvPr>
+          <p:cNvSpPr txBox="1"/>
+          <p:nvPr/>
+        </p:nvSpPr>
+        <p:spPr>
+          <a:xfrm>
+            <a:off x="2438815" y="5899610"/>
+            <a:ext cx="1583470" cy="307777"/>
+          </a:xfrm>
+          <a:prstGeom prst="rect">
+            <a:avLst/>
+          </a:prstGeom>
+          <a:noFill/>
+        </p:spPr>
+        <p:txBody>
+          <a:bodyPr wrap="square" rtlCol="0">
+            <a:spAutoFit/>
+          </a:bodyPr>
+          <a:lstStyle/>
+          <a:p>
+            <a:pPr algn="ctr"/>
+            <a:r>
+              <a:rPr lang="en-GB" sz="1400" dirty="0">
+                <a:latin typeface="Segoe UI Semilight" panose="020B0402040204020203" pitchFamily="34" charset="0"/>
+                <a:cs typeface="Segoe UI Semilight" panose="020B0402040204020203" pitchFamily="34" charset="0"/>
+              </a:rPr>
+              <a:t>Workload subnet</a:t>
+            </a:r>
+          </a:p>
+        </p:txBody>
+      </p:sp>
+      <p:sp>
+        <p:nvSpPr>
+          <p:cNvPr id="103" name="TextBox 102">
+            <a:extLst>
+              <a:ext uri="{FF2B5EF4-FFF2-40B4-BE49-F238E27FC236}">
+                <a16:creationId xmlns:a16="http://schemas.microsoft.com/office/drawing/2014/main" id="{77E1A520-D423-4BDE-B602-9539ECF283E1}"/>
+              </a:ext>
+            </a:extLst>
+          </p:cNvPr>
+          <p:cNvSpPr txBox="1"/>
+          <p:nvPr/>
+        </p:nvSpPr>
+        <p:spPr>
+          <a:xfrm>
+            <a:off x="2438815" y="3302869"/>
+            <a:ext cx="1583470" cy="523220"/>
+          </a:xfrm>
+          <a:prstGeom prst="rect">
+            <a:avLst/>
+          </a:prstGeom>
+          <a:noFill/>
+        </p:spPr>
+        <p:txBody>
+          <a:bodyPr wrap="square" rtlCol="0">
+            <a:spAutoFit/>
+          </a:bodyPr>
+          <a:lstStyle/>
+          <a:p>
+            <a:pPr algn="ctr"/>
+            <a:r>
+              <a:rPr lang="en-GB" sz="1400" dirty="0">
+                <a:latin typeface="Segoe UI Semilight" panose="020B0402040204020203" pitchFamily="34" charset="0"/>
+                <a:cs typeface="Segoe UI Semilight" panose="020B0402040204020203" pitchFamily="34" charset="0"/>
+              </a:rPr>
+              <a:t>Management subnet</a:t>
+            </a:r>
+          </a:p>
+        </p:txBody>
+      </p:sp>
+      <p:sp>
+        <p:nvSpPr>
+          <p:cNvPr id="105" name="Rectangle 104">
+            <a:extLst>
+              <a:ext uri="{FF2B5EF4-FFF2-40B4-BE49-F238E27FC236}">
+                <a16:creationId xmlns:a16="http://schemas.microsoft.com/office/drawing/2014/main" id="{E68017FE-125C-4871-8796-216D2BD3895C}"/>
+              </a:ext>
+            </a:extLst>
+          </p:cNvPr>
+          <p:cNvSpPr/>
+          <p:nvPr/>
+        </p:nvSpPr>
+        <p:spPr>
+          <a:xfrm>
+            <a:off x="292425" y="4046417"/>
+            <a:ext cx="1574822" cy="1888048"/>
+          </a:xfrm>
+          <a:prstGeom prst="rect">
+            <a:avLst/>
+          </a:prstGeom>
+          <a:solidFill>
+            <a:schemeClr val="bg1">
+              <a:lumMod val="85000"/>
+            </a:schemeClr>
+          </a:solidFill>
+          <a:ln>
+            <a:solidFill>
+              <a:schemeClr val="bg1">
+                <a:lumMod val="75000"/>
+              </a:schemeClr>
+            </a:solidFill>
+          </a:ln>
+        </p:spPr>
+        <p:style>
+          <a:lnRef idx="2">
+            <a:schemeClr val="accent3">
+              <a:shade val="50000"/>
+            </a:schemeClr>
+          </a:lnRef>
+          <a:fillRef idx="1">
+            <a:schemeClr val="accent3"/>
+          </a:fillRef>
+          <a:effectRef idx="0">
+            <a:schemeClr val="accent3"/>
+          </a:effectRef>
+          <a:fontRef idx="minor">
+            <a:schemeClr val="lt1"/>
+          </a:fontRef>
+        </p:style>
+        <p:txBody>
+          <a:bodyPr rtlCol="0" anchor="ctr"/>
+          <a:lstStyle/>
+          <a:p>
+            <a:pPr algn="ctr"/>
+            <a:endParaRPr lang="en-GB"/>
+          </a:p>
+        </p:txBody>
+      </p:sp>
+      <p:grpSp>
+        <p:nvGrpSpPr>
+          <p:cNvPr id="106" name="Group 105">
+            <a:extLst>
+              <a:ext uri="{FF2B5EF4-FFF2-40B4-BE49-F238E27FC236}">
+                <a16:creationId xmlns:a16="http://schemas.microsoft.com/office/drawing/2014/main" id="{1B0B8231-A1D5-43E6-9E5A-20640F17C7EF}"/>
+              </a:ext>
+            </a:extLst>
+          </p:cNvPr>
+          <p:cNvGrpSpPr/>
+          <p:nvPr/>
+        </p:nvGrpSpPr>
+        <p:grpSpPr>
+          <a:xfrm>
+            <a:off x="1102144" y="1968313"/>
+            <a:ext cx="816458" cy="816458"/>
+            <a:chOff x="3828158" y="4585427"/>
+            <a:chExt cx="816458" cy="816458"/>
+          </a:xfrm>
+        </p:grpSpPr>
+        <p:pic>
+          <p:nvPicPr>
+            <p:cNvPr id="107" name="Graphic 106" descr="Lock">
+              <a:extLst>
+                <a:ext uri="{FF2B5EF4-FFF2-40B4-BE49-F238E27FC236}">
+                  <a16:creationId xmlns:a16="http://schemas.microsoft.com/office/drawing/2014/main" id="{FCC5FD8E-F780-4433-B86D-792309806594}"/>
+                </a:ext>
+              </a:extLst>
+            </p:cNvPr>
+            <p:cNvPicPr>
+              <a:picLocks noChangeAspect="1"/>
+            </p:cNvPicPr>
+            <p:nvPr/>
+          </p:nvPicPr>
+          <p:blipFill>
+            <a:blip r:embed="rId12">
+              <a:extLst>
+                <a:ext uri="{28A0092B-C50C-407E-A947-70E740481C1C}">
+                  <a14:useLocalDpi xmlns:a14="http://schemas.microsoft.com/office/drawing/2010/main" val="0"/>
+                </a:ext>
+                <a:ext uri="{96DAC541-7B7A-43D3-8B79-37D633B846F1}">
+                  <asvg:svgBlip xmlns:asvg="http://schemas.microsoft.com/office/drawing/2016/SVG/main" r:embed="rId13"/>
+                </a:ext>
+              </a:extLst>
+            </a:blip>
+            <a:stretch>
+              <a:fillRect/>
+            </a:stretch>
+          </p:blipFill>
+          <p:spPr>
+            <a:xfrm>
+              <a:off x="3828158" y="4585427"/>
+              <a:ext cx="816458" cy="816458"/>
+            </a:xfrm>
+            <a:prstGeom prst="rect">
+              <a:avLst/>
+            </a:prstGeom>
+          </p:spPr>
+        </p:pic>
+        <p:sp>
+          <p:nvSpPr>
+            <p:cNvPr id="108" name="TextBox 107">
+              <a:extLst>
+                <a:ext uri="{FF2B5EF4-FFF2-40B4-BE49-F238E27FC236}">
+                  <a16:creationId xmlns:a16="http://schemas.microsoft.com/office/drawing/2014/main" id="{7E0F6DC3-45FA-404E-9FE8-835635B8B719}"/>
+                </a:ext>
+              </a:extLst>
+            </p:cNvPr>
+            <p:cNvSpPr txBox="1"/>
+            <p:nvPr/>
+          </p:nvSpPr>
+          <p:spPr>
+            <a:xfrm>
+              <a:off x="4028732" y="5010165"/>
+              <a:ext cx="371748" cy="215444"/>
+            </a:xfrm>
+            <a:prstGeom prst="rect">
+              <a:avLst/>
+            </a:prstGeom>
+            <a:solidFill>
+              <a:srgbClr val="5B9BD5"/>
+            </a:solidFill>
+          </p:spPr>
+          <p:txBody>
+            <a:bodyPr wrap="square" lIns="0" tIns="0" rIns="0" bIns="0" rtlCol="0">
+              <a:spAutoFit/>
+            </a:bodyPr>
+            <a:lstStyle/>
+            <a:p>
+              <a:pPr algn="ctr"/>
+              <a:r>
+                <a:rPr lang="en-GB" sz="1400" b="1" dirty="0">
+                  <a:solidFill>
+                    <a:schemeClr val="bg1"/>
+                  </a:solidFill>
+                  <a:latin typeface="Segoe UI Semilight" panose="020B0402040204020203" pitchFamily="34" charset="0"/>
+                  <a:cs typeface="Segoe UI Semilight" panose="020B0402040204020203" pitchFamily="34" charset="0"/>
+                </a:rPr>
+                <a:t>NSG</a:t>
+              </a:r>
+            </a:p>
+          </p:txBody>
+        </p:sp>
+      </p:grpSp>
+      <p:grpSp>
+        <p:nvGrpSpPr>
+          <p:cNvPr id="147" name="Group 146">
+            <a:extLst>
+              <a:ext uri="{FF2B5EF4-FFF2-40B4-BE49-F238E27FC236}">
+                <a16:creationId xmlns:a16="http://schemas.microsoft.com/office/drawing/2014/main" id="{C187623A-2FE3-43E0-956E-6F6FB7587F94}"/>
+              </a:ext>
+            </a:extLst>
+          </p:cNvPr>
+          <p:cNvGrpSpPr/>
+          <p:nvPr/>
+        </p:nvGrpSpPr>
+        <p:grpSpPr>
+          <a:xfrm>
+            <a:off x="594118" y="4985624"/>
+            <a:ext cx="1016052" cy="984356"/>
+            <a:chOff x="1592994" y="5295937"/>
+            <a:chExt cx="1016052" cy="984356"/>
+          </a:xfrm>
+        </p:grpSpPr>
         <p:grpSp>
           <p:nvGrpSpPr>
-            <p:cNvPr id="110" name="Group 109">
+            <p:cNvPr id="148" name="Group 147">
               <a:extLst>
                 <a:ext uri="{FF2B5EF4-FFF2-40B4-BE49-F238E27FC236}">
-                  <a16:creationId xmlns:a16="http://schemas.microsoft.com/office/drawing/2014/main" id="{CA3B33A1-953E-4B7A-B547-A19B741E62EA}"/>
+                  <a16:creationId xmlns:a16="http://schemas.microsoft.com/office/drawing/2014/main" id="{457CBAB3-ED62-4315-AE23-4FC7CD6DA4B2}"/>
                 </a:ext>
               </a:extLst>
             </p:cNvPr>
@@ -6220,515 +7794,59 @@
           </p:nvGrpSpPr>
           <p:grpSpPr>
             <a:xfrm>
-              <a:off x="140450" y="2929505"/>
-              <a:ext cx="2165553" cy="3859947"/>
-              <a:chOff x="140450" y="52955"/>
-              <a:chExt cx="2165553" cy="3859947"/>
+              <a:off x="1674715" y="5295937"/>
+              <a:ext cx="818403" cy="749822"/>
+              <a:chOff x="6908241" y="4869690"/>
+              <a:chExt cx="1136708" cy="1041454"/>
             </a:xfrm>
           </p:grpSpPr>
-          <p:grpSp>
-            <p:nvGrpSpPr>
-              <p:cNvPr id="48" name="Group 47">
+          <p:pic>
+            <p:nvPicPr>
+              <p:cNvPr id="152" name="Picture 151">
                 <a:extLst>
                   <a:ext uri="{FF2B5EF4-FFF2-40B4-BE49-F238E27FC236}">
-                    <a16:creationId xmlns:a16="http://schemas.microsoft.com/office/drawing/2014/main" id="{1B76919F-83CD-45BA-B56B-44B69287829B}"/>
+                    <a16:creationId xmlns:a16="http://schemas.microsoft.com/office/drawing/2014/main" id="{B88364AB-EC67-499D-BAA0-050CD0201518}"/>
                   </a:ext>
                 </a:extLst>
               </p:cNvPr>
-              <p:cNvGrpSpPr/>
+              <p:cNvPicPr>
+                <a:picLocks noChangeAspect="1"/>
+              </p:cNvPicPr>
               <p:nvPr/>
-            </p:nvGrpSpPr>
-            <p:grpSpPr>
+            </p:nvPicPr>
+            <p:blipFill>
+              <a:blip r:embed="rId14">
+                <a:clrChange>
+                  <a:clrFrom>
+                    <a:srgbClr val="FFFFFF"/>
+                  </a:clrFrom>
+                  <a:clrTo>
+                    <a:srgbClr val="FFFFFF">
+                      <a:alpha val="0"/>
+                    </a:srgbClr>
+                  </a:clrTo>
+                </a:clrChange>
+              </a:blip>
+              <a:stretch>
+                <a:fillRect/>
+              </a:stretch>
+            </p:blipFill>
+            <p:spPr>
               <a:xfrm>
-                <a:off x="1261851" y="313678"/>
-                <a:ext cx="816458" cy="816458"/>
-                <a:chOff x="3828158" y="4585427"/>
-                <a:chExt cx="816458" cy="816458"/>
+                <a:off x="6908241" y="4869690"/>
+                <a:ext cx="1136708" cy="1041454"/>
               </a:xfrm>
-            </p:grpSpPr>
-            <p:pic>
-              <p:nvPicPr>
-                <p:cNvPr id="40" name="Graphic 39" descr="Lock">
-                  <a:extLst>
-                    <a:ext uri="{FF2B5EF4-FFF2-40B4-BE49-F238E27FC236}">
-                      <a16:creationId xmlns:a16="http://schemas.microsoft.com/office/drawing/2014/main" id="{1264F9E4-D246-4378-B554-1EAE314D6073}"/>
-                    </a:ext>
-                  </a:extLst>
-                </p:cNvPr>
-                <p:cNvPicPr>
-                  <a:picLocks noChangeAspect="1"/>
-                </p:cNvPicPr>
-                <p:nvPr/>
-              </p:nvPicPr>
-              <p:blipFill>
-                <a:blip r:embed="rId13">
-                  <a:extLst>
-                    <a:ext uri="{28A0092B-C50C-407E-A947-70E740481C1C}">
-                      <a14:useLocalDpi xmlns:a14="http://schemas.microsoft.com/office/drawing/2010/main" val="0"/>
-                    </a:ext>
-                    <a:ext uri="{96DAC541-7B7A-43D3-8B79-37D633B846F1}">
-                      <asvg:svgBlip xmlns:asvg="http://schemas.microsoft.com/office/drawing/2016/SVG/main" r:embed="rId14"/>
-                    </a:ext>
-                  </a:extLst>
-                </a:blip>
-                <a:stretch>
-                  <a:fillRect/>
-                </a:stretch>
-              </p:blipFill>
-              <p:spPr>
-                <a:xfrm>
-                  <a:off x="3828158" y="4585427"/>
-                  <a:ext cx="816458" cy="816458"/>
-                </a:xfrm>
-                <a:prstGeom prst="rect">
-                  <a:avLst/>
-                </a:prstGeom>
-              </p:spPr>
-            </p:pic>
-            <p:sp>
-              <p:nvSpPr>
-                <p:cNvPr id="41" name="TextBox 40">
-                  <a:extLst>
-                    <a:ext uri="{FF2B5EF4-FFF2-40B4-BE49-F238E27FC236}">
-                      <a16:creationId xmlns:a16="http://schemas.microsoft.com/office/drawing/2014/main" id="{4913B024-AE82-4D2A-9C6E-CC6B64282ABD}"/>
-                    </a:ext>
-                  </a:extLst>
-                </p:cNvPr>
-                <p:cNvSpPr txBox="1"/>
-                <p:nvPr/>
-              </p:nvSpPr>
-              <p:spPr>
-                <a:xfrm>
-                  <a:off x="4028732" y="5010165"/>
-                  <a:ext cx="371748" cy="215444"/>
-                </a:xfrm>
-                <a:prstGeom prst="rect">
-                  <a:avLst/>
-                </a:prstGeom>
-                <a:solidFill>
-                  <a:srgbClr val="5B9BD5"/>
-                </a:solidFill>
-              </p:spPr>
-              <p:txBody>
-                <a:bodyPr wrap="square" lIns="0" tIns="0" rIns="0" bIns="0" rtlCol="0">
-                  <a:spAutoFit/>
-                </a:bodyPr>
-                <a:lstStyle/>
-                <a:p>
-                  <a:pPr algn="ctr"/>
-                  <a:r>
-                    <a:rPr lang="en-GB" sz="1400" b="1" dirty="0">
-                      <a:solidFill>
-                        <a:schemeClr val="bg1"/>
-                      </a:solidFill>
-                      <a:latin typeface="Segoe UI Semilight" panose="020B0402040204020203" pitchFamily="34" charset="0"/>
-                      <a:cs typeface="Segoe UI Semilight" panose="020B0402040204020203" pitchFamily="34" charset="0"/>
-                    </a:rPr>
-                    <a:t>NSG</a:t>
-                  </a:r>
-                </a:p>
-              </p:txBody>
-            </p:sp>
-          </p:grpSp>
-          <p:grpSp>
-            <p:nvGrpSpPr>
-              <p:cNvPr id="54" name="Group 53">
+              <a:prstGeom prst="rect">
+                <a:avLst/>
+              </a:prstGeom>
+            </p:spPr>
+          </p:pic>
+          <p:sp>
+            <p:nvSpPr>
+              <p:cNvPr id="153" name="Rectangle 152">
                 <a:extLst>
                   <a:ext uri="{FF2B5EF4-FFF2-40B4-BE49-F238E27FC236}">
-                    <a16:creationId xmlns:a16="http://schemas.microsoft.com/office/drawing/2014/main" id="{1BE7E0FB-7979-48A2-B7F5-A62A50D7433D}"/>
-                  </a:ext>
-                </a:extLst>
-              </p:cNvPr>
-              <p:cNvGrpSpPr/>
-              <p:nvPr/>
-            </p:nvGrpSpPr>
-            <p:grpSpPr>
-              <a:xfrm>
-                <a:off x="140450" y="1550586"/>
-                <a:ext cx="1016052" cy="984582"/>
-                <a:chOff x="568313" y="4311129"/>
-                <a:chExt cx="1016052" cy="984582"/>
-              </a:xfrm>
-            </p:grpSpPr>
-            <p:pic>
-              <p:nvPicPr>
-                <p:cNvPr id="30" name="Picture 29">
-                  <a:extLst>
-                    <a:ext uri="{FF2B5EF4-FFF2-40B4-BE49-F238E27FC236}">
-                      <a16:creationId xmlns:a16="http://schemas.microsoft.com/office/drawing/2014/main" id="{635DD745-A63D-4918-8610-5DF4C1731EBE}"/>
-                    </a:ext>
-                  </a:extLst>
-                </p:cNvPr>
-                <p:cNvPicPr>
-                  <a:picLocks noChangeAspect="1"/>
-                </p:cNvPicPr>
-                <p:nvPr/>
-              </p:nvPicPr>
-              <p:blipFill>
-                <a:blip r:embed="rId15"/>
-                <a:stretch>
-                  <a:fillRect/>
-                </a:stretch>
-              </p:blipFill>
-              <p:spPr>
-                <a:xfrm>
-                  <a:off x="667138" y="4311129"/>
-                  <a:ext cx="818403" cy="749822"/>
-                </a:xfrm>
-                <a:prstGeom prst="rect">
-                  <a:avLst/>
-                </a:prstGeom>
-              </p:spPr>
-            </p:pic>
-            <p:sp>
-              <p:nvSpPr>
-                <p:cNvPr id="49" name="TextBox 48">
-                  <a:extLst>
-                    <a:ext uri="{FF2B5EF4-FFF2-40B4-BE49-F238E27FC236}">
-                      <a16:creationId xmlns:a16="http://schemas.microsoft.com/office/drawing/2014/main" id="{B8604F9F-1072-41D8-8801-E346584DD829}"/>
-                    </a:ext>
-                  </a:extLst>
-                </p:cNvPr>
-                <p:cNvSpPr txBox="1"/>
-                <p:nvPr/>
-              </p:nvSpPr>
-              <p:spPr>
-                <a:xfrm>
-                  <a:off x="568313" y="4987934"/>
-                  <a:ext cx="1016052" cy="307777"/>
-                </a:xfrm>
-                <a:prstGeom prst="rect">
-                  <a:avLst/>
-                </a:prstGeom>
-                <a:noFill/>
-              </p:spPr>
-              <p:txBody>
-                <a:bodyPr wrap="square" rtlCol="0">
-                  <a:spAutoFit/>
-                </a:bodyPr>
-                <a:lstStyle/>
-                <a:p>
-                  <a:pPr algn="ctr"/>
-                  <a:r>
-                    <a:rPr lang="en-GB" sz="1400" dirty="0">
-                      <a:latin typeface="Segoe UI Semilight" panose="020B0402040204020203" pitchFamily="34" charset="0"/>
-                      <a:cs typeface="Segoe UI Semilight" panose="020B0402040204020203" pitchFamily="34" charset="0"/>
-                    </a:rPr>
-                    <a:t>IIS</a:t>
-                  </a:r>
-                </a:p>
-              </p:txBody>
-            </p:sp>
-          </p:grpSp>
-          <p:grpSp>
-            <p:nvGrpSpPr>
-              <p:cNvPr id="55" name="Group 54">
-                <a:extLst>
-                  <a:ext uri="{FF2B5EF4-FFF2-40B4-BE49-F238E27FC236}">
-                    <a16:creationId xmlns:a16="http://schemas.microsoft.com/office/drawing/2014/main" id="{4ED0F3DA-B7FE-42A2-8AD4-388BC014C162}"/>
-                  </a:ext>
-                </a:extLst>
-              </p:cNvPr>
-              <p:cNvGrpSpPr/>
-              <p:nvPr/>
-            </p:nvGrpSpPr>
-            <p:grpSpPr>
-              <a:xfrm>
-                <a:off x="909780" y="1550586"/>
-                <a:ext cx="1016052" cy="984582"/>
-                <a:chOff x="1592994" y="4311129"/>
-                <a:chExt cx="1016052" cy="984582"/>
-              </a:xfrm>
-            </p:grpSpPr>
-            <p:pic>
-              <p:nvPicPr>
-                <p:cNvPr id="37" name="Picture 36">
-                  <a:extLst>
-                    <a:ext uri="{FF2B5EF4-FFF2-40B4-BE49-F238E27FC236}">
-                      <a16:creationId xmlns:a16="http://schemas.microsoft.com/office/drawing/2014/main" id="{D299BE9F-5683-47DC-93D4-465401F5862B}"/>
-                    </a:ext>
-                  </a:extLst>
-                </p:cNvPr>
-                <p:cNvPicPr>
-                  <a:picLocks noChangeAspect="1"/>
-                </p:cNvPicPr>
-                <p:nvPr/>
-              </p:nvPicPr>
-              <p:blipFill>
-                <a:blip r:embed="rId15"/>
-                <a:stretch>
-                  <a:fillRect/>
-                </a:stretch>
-              </p:blipFill>
-              <p:spPr>
-                <a:xfrm>
-                  <a:off x="1688942" y="4311129"/>
-                  <a:ext cx="818403" cy="749822"/>
-                </a:xfrm>
-                <a:prstGeom prst="rect">
-                  <a:avLst/>
-                </a:prstGeom>
-              </p:spPr>
-            </p:pic>
-            <p:sp>
-              <p:nvSpPr>
-                <p:cNvPr id="50" name="TextBox 49">
-                  <a:extLst>
-                    <a:ext uri="{FF2B5EF4-FFF2-40B4-BE49-F238E27FC236}">
-                      <a16:creationId xmlns:a16="http://schemas.microsoft.com/office/drawing/2014/main" id="{83D1D68A-038D-48F0-ACD9-5AF9907619E9}"/>
-                    </a:ext>
-                  </a:extLst>
-                </p:cNvPr>
-                <p:cNvSpPr txBox="1"/>
-                <p:nvPr/>
-              </p:nvSpPr>
-              <p:spPr>
-                <a:xfrm>
-                  <a:off x="1592994" y="4987934"/>
-                  <a:ext cx="1016052" cy="307777"/>
-                </a:xfrm>
-                <a:prstGeom prst="rect">
-                  <a:avLst/>
-                </a:prstGeom>
-                <a:noFill/>
-              </p:spPr>
-              <p:txBody>
-                <a:bodyPr wrap="square" rtlCol="0">
-                  <a:spAutoFit/>
-                </a:bodyPr>
-                <a:lstStyle/>
-                <a:p>
-                  <a:pPr algn="ctr"/>
-                  <a:r>
-                    <a:rPr lang="en-GB" sz="1400" dirty="0">
-                      <a:latin typeface="Segoe UI Semilight" panose="020B0402040204020203" pitchFamily="34" charset="0"/>
-                      <a:cs typeface="Segoe UI Semilight" panose="020B0402040204020203" pitchFamily="34" charset="0"/>
-                    </a:rPr>
-                    <a:t>IIS</a:t>
-                  </a:r>
-                </a:p>
-              </p:txBody>
-            </p:sp>
-          </p:grpSp>
-          <p:grpSp>
-            <p:nvGrpSpPr>
-              <p:cNvPr id="57" name="Group 56">
-                <a:extLst>
-                  <a:ext uri="{FF2B5EF4-FFF2-40B4-BE49-F238E27FC236}">
-                    <a16:creationId xmlns:a16="http://schemas.microsoft.com/office/drawing/2014/main" id="{D7A07CD3-0A7A-4C3B-AB52-96CD76847D18}"/>
-                  </a:ext>
-                </a:extLst>
-              </p:cNvPr>
-              <p:cNvGrpSpPr/>
-              <p:nvPr/>
-            </p:nvGrpSpPr>
-            <p:grpSpPr>
-              <a:xfrm>
-                <a:off x="576588" y="2438974"/>
-                <a:ext cx="1016052" cy="984356"/>
-                <a:chOff x="1592994" y="5295937"/>
-                <a:chExt cx="1016052" cy="984356"/>
-              </a:xfrm>
-            </p:grpSpPr>
-            <p:grpSp>
-              <p:nvGrpSpPr>
-                <p:cNvPr id="47" name="Group 46">
-                  <a:extLst>
-                    <a:ext uri="{FF2B5EF4-FFF2-40B4-BE49-F238E27FC236}">
-                      <a16:creationId xmlns:a16="http://schemas.microsoft.com/office/drawing/2014/main" id="{FE5A5D7C-89EA-4FC9-9EA2-C9A27493E3BE}"/>
-                    </a:ext>
-                  </a:extLst>
-                </p:cNvPr>
-                <p:cNvGrpSpPr/>
-                <p:nvPr/>
-              </p:nvGrpSpPr>
-              <p:grpSpPr>
-                <a:xfrm>
-                  <a:off x="1674715" y="5295937"/>
-                  <a:ext cx="818403" cy="749822"/>
-                  <a:chOff x="6908241" y="4869690"/>
-                  <a:chExt cx="1136708" cy="1041454"/>
-                </a:xfrm>
-              </p:grpSpPr>
-              <p:pic>
-                <p:nvPicPr>
-                  <p:cNvPr id="43" name="Picture 42">
-                    <a:extLst>
-                      <a:ext uri="{FF2B5EF4-FFF2-40B4-BE49-F238E27FC236}">
-                        <a16:creationId xmlns:a16="http://schemas.microsoft.com/office/drawing/2014/main" id="{6F3BAFC5-55DB-441D-81F8-4AF82011CD77}"/>
-                      </a:ext>
-                    </a:extLst>
-                  </p:cNvPr>
-                  <p:cNvPicPr>
-                    <a:picLocks noChangeAspect="1"/>
-                  </p:cNvPicPr>
-                  <p:nvPr/>
-                </p:nvPicPr>
-                <p:blipFill>
-                  <a:blip r:embed="rId15">
-                    <a:clrChange>
-                      <a:clrFrom>
-                        <a:srgbClr val="FFFFFF"/>
-                      </a:clrFrom>
-                      <a:clrTo>
-                        <a:srgbClr val="FFFFFF">
-                          <a:alpha val="0"/>
-                        </a:srgbClr>
-                      </a:clrTo>
-                    </a:clrChange>
-                  </a:blip>
-                  <a:stretch>
-                    <a:fillRect/>
-                  </a:stretch>
-                </p:blipFill>
-                <p:spPr>
-                  <a:xfrm>
-                    <a:off x="6908241" y="4869690"/>
-                    <a:ext cx="1136708" cy="1041454"/>
-                  </a:xfrm>
-                  <a:prstGeom prst="rect">
-                    <a:avLst/>
-                  </a:prstGeom>
-                </p:spPr>
-              </p:pic>
-              <p:sp>
-                <p:nvSpPr>
-                  <p:cNvPr id="44" name="Rectangle 43">
-                    <a:extLst>
-                      <a:ext uri="{FF2B5EF4-FFF2-40B4-BE49-F238E27FC236}">
-                        <a16:creationId xmlns:a16="http://schemas.microsoft.com/office/drawing/2014/main" id="{DC51FB42-FE55-4BE1-A70F-E9FC1AEC60B0}"/>
-                      </a:ext>
-                    </a:extLst>
-                  </p:cNvPr>
-                  <p:cNvSpPr/>
-                  <p:nvPr/>
-                </p:nvSpPr>
-                <p:spPr>
-                  <a:xfrm>
-                    <a:off x="7207250" y="5060951"/>
-                    <a:ext cx="562070" cy="482600"/>
-                  </a:xfrm>
-                  <a:prstGeom prst="rect">
-                    <a:avLst/>
-                  </a:prstGeom>
-                  <a:solidFill>
-                    <a:srgbClr val="59B4D9"/>
-                  </a:solidFill>
-                  <a:ln>
-                    <a:noFill/>
-                  </a:ln>
-                </p:spPr>
-                <p:style>
-                  <a:lnRef idx="2">
-                    <a:schemeClr val="accent1">
-                      <a:shade val="50000"/>
-                    </a:schemeClr>
-                  </a:lnRef>
-                  <a:fillRef idx="1">
-                    <a:schemeClr val="accent1"/>
-                  </a:fillRef>
-                  <a:effectRef idx="0">
-                    <a:schemeClr val="accent1"/>
-                  </a:effectRef>
-                  <a:fontRef idx="minor">
-                    <a:schemeClr val="lt1"/>
-                  </a:fontRef>
-                </p:style>
-                <p:txBody>
-                  <a:bodyPr rtlCol="0" anchor="ctr"/>
-                  <a:lstStyle/>
-                  <a:p>
-                    <a:pPr algn="ctr"/>
-                    <a:endParaRPr lang="en-GB"/>
-                  </a:p>
-                </p:txBody>
-              </p:sp>
-              <p:pic>
-                <p:nvPicPr>
-                  <p:cNvPr id="46" name="Graphic 45" descr="Database">
-                    <a:extLst>
-                      <a:ext uri="{FF2B5EF4-FFF2-40B4-BE49-F238E27FC236}">
-                        <a16:creationId xmlns:a16="http://schemas.microsoft.com/office/drawing/2014/main" id="{B4F10433-30AF-4BE0-B7E8-522D4EF80122}"/>
-                      </a:ext>
-                    </a:extLst>
-                  </p:cNvPr>
-                  <p:cNvPicPr>
-                    <a:picLocks noChangeAspect="1"/>
-                  </p:cNvPicPr>
-                  <p:nvPr/>
-                </p:nvPicPr>
-                <p:blipFill>
-                  <a:blip r:embed="rId16">
-                    <a:extLst>
-                      <a:ext uri="{28A0092B-C50C-407E-A947-70E740481C1C}">
-                        <a14:useLocalDpi xmlns:a14="http://schemas.microsoft.com/office/drawing/2010/main" val="0"/>
-                      </a:ext>
-                      <a:ext uri="{96DAC541-7B7A-43D3-8B79-37D633B846F1}">
-                        <asvg:svgBlip xmlns:asvg="http://schemas.microsoft.com/office/drawing/2016/SVG/main" r:embed="rId17"/>
-                      </a:ext>
-                    </a:extLst>
-                  </a:blip>
-                  <a:stretch>
-                    <a:fillRect/>
-                  </a:stretch>
-                </p:blipFill>
-                <p:spPr>
-                  <a:xfrm>
-                    <a:off x="7230111" y="5041901"/>
-                    <a:ext cx="530474" cy="530474"/>
-                  </a:xfrm>
-                  <a:prstGeom prst="rect">
-                    <a:avLst/>
-                  </a:prstGeom>
-                </p:spPr>
-              </p:pic>
-            </p:grpSp>
-            <p:sp>
-              <p:nvSpPr>
-                <p:cNvPr id="52" name="TextBox 51">
-                  <a:extLst>
-                    <a:ext uri="{FF2B5EF4-FFF2-40B4-BE49-F238E27FC236}">
-                      <a16:creationId xmlns:a16="http://schemas.microsoft.com/office/drawing/2014/main" id="{975C0A49-FEAA-4731-BB43-2A055D3EDA80}"/>
-                    </a:ext>
-                  </a:extLst>
-                </p:cNvPr>
-                <p:cNvSpPr txBox="1"/>
-                <p:nvPr/>
-              </p:nvSpPr>
-              <p:spPr>
-                <a:xfrm>
-                  <a:off x="1592994" y="5972516"/>
-                  <a:ext cx="1016052" cy="307777"/>
-                </a:xfrm>
-                <a:prstGeom prst="rect">
-                  <a:avLst/>
-                </a:prstGeom>
-                <a:noFill/>
-              </p:spPr>
-              <p:txBody>
-                <a:bodyPr wrap="square" rtlCol="0">
-                  <a:spAutoFit/>
-                </a:bodyPr>
-                <a:lstStyle/>
-                <a:p>
-                  <a:pPr algn="ctr"/>
-                  <a:r>
-                    <a:rPr lang="en-GB" sz="1400" dirty="0">
-                      <a:latin typeface="Segoe UI Semilight" panose="020B0402040204020203" pitchFamily="34" charset="0"/>
-                      <a:cs typeface="Segoe UI Semilight" panose="020B0402040204020203" pitchFamily="34" charset="0"/>
-                    </a:rPr>
-                    <a:t>DB</a:t>
-                  </a:r>
-                </a:p>
-              </p:txBody>
-            </p:sp>
-          </p:grpSp>
-          <p:sp>
-            <p:nvSpPr>
-              <p:cNvPr id="62" name="Rectangle 61">
-                <a:extLst>
-                  <a:ext uri="{FF2B5EF4-FFF2-40B4-BE49-F238E27FC236}">
-                    <a16:creationId xmlns:a16="http://schemas.microsoft.com/office/drawing/2014/main" id="{C4BEC688-0C34-4004-9739-EE4E16B9F344}"/>
+                    <a16:creationId xmlns:a16="http://schemas.microsoft.com/office/drawing/2014/main" id="{B076C0F6-0E33-4B30-BB1E-AF0C58EFCE97}"/>
                   </a:ext>
                 </a:extLst>
               </p:cNvPr>
@@ -6737,18 +7855,17 @@
             </p:nvSpPr>
             <p:spPr>
               <a:xfrm>
-                <a:off x="173715" y="337222"/>
-                <a:ext cx="1811051" cy="3235800"/>
+                <a:off x="7207250" y="5060951"/>
+                <a:ext cx="562070" cy="482600"/>
               </a:xfrm>
               <a:prstGeom prst="rect">
                 <a:avLst/>
               </a:prstGeom>
-              <a:noFill/>
-              <a:ln w="38100">
-                <a:solidFill>
-                  <a:srgbClr val="5B9BD5"/>
-                </a:solidFill>
-                <a:prstDash val="sysDot"/>
+              <a:solidFill>
+                <a:srgbClr val="59B4D9"/>
+              </a:solidFill>
+              <a:ln>
+                <a:noFill/>
               </a:ln>
             </p:spPr>
             <p:style>
@@ -6776,1331 +7893,52 @@
               </a:p>
             </p:txBody>
           </p:sp>
-          <p:grpSp>
-            <p:nvGrpSpPr>
-              <p:cNvPr id="63" name="Group 62">
+          <p:pic>
+            <p:nvPicPr>
+              <p:cNvPr id="154" name="Graphic 153" descr="Database">
                 <a:extLst>
                   <a:ext uri="{FF2B5EF4-FFF2-40B4-BE49-F238E27FC236}">
-                    <a16:creationId xmlns:a16="http://schemas.microsoft.com/office/drawing/2014/main" id="{84618313-D453-465C-A754-FF95BF8E5CD7}"/>
+                    <a16:creationId xmlns:a16="http://schemas.microsoft.com/office/drawing/2014/main" id="{58753FB2-5A44-42C9-9B2F-6B311D2AF5DD}"/>
                   </a:ext>
                 </a:extLst>
               </p:cNvPr>
-              <p:cNvGrpSpPr/>
+              <p:cNvPicPr>
+                <a:picLocks noChangeAspect="1"/>
+              </p:cNvPicPr>
               <p:nvPr/>
-            </p:nvGrpSpPr>
-            <p:grpSpPr>
-              <a:xfrm>
-                <a:off x="1397511" y="3230305"/>
-                <a:ext cx="908492" cy="682597"/>
-                <a:chOff x="5358637" y="4686040"/>
-                <a:chExt cx="908492" cy="682597"/>
-              </a:xfrm>
-            </p:grpSpPr>
-            <p:sp>
-              <p:nvSpPr>
-                <p:cNvPr id="64" name="Rectangle 63">
-                  <a:extLst>
-                    <a:ext uri="{FF2B5EF4-FFF2-40B4-BE49-F238E27FC236}">
-                      <a16:creationId xmlns:a16="http://schemas.microsoft.com/office/drawing/2014/main" id="{3475E751-AC4D-43FA-B57B-0510676E99D0}"/>
-                    </a:ext>
-                  </a:extLst>
-                </p:cNvPr>
-                <p:cNvSpPr/>
-                <p:nvPr/>
-              </p:nvSpPr>
-              <p:spPr>
-                <a:xfrm>
-                  <a:off x="5427133" y="4818529"/>
-                  <a:ext cx="713691" cy="407895"/>
-                </a:xfrm>
-                <a:prstGeom prst="rect">
-                  <a:avLst/>
-                </a:prstGeom>
-                <a:solidFill>
-                  <a:schemeClr val="bg1"/>
-                </a:solidFill>
-                <a:ln>
-                  <a:noFill/>
-                </a:ln>
-              </p:spPr>
-              <p:style>
-                <a:lnRef idx="2">
-                  <a:schemeClr val="accent1">
-                    <a:shade val="50000"/>
-                  </a:schemeClr>
-                </a:lnRef>
-                <a:fillRef idx="1">
-                  <a:schemeClr val="accent1"/>
-                </a:fillRef>
-                <a:effectRef idx="0">
-                  <a:schemeClr val="accent1"/>
-                </a:effectRef>
-                <a:fontRef idx="minor">
-                  <a:schemeClr val="lt1"/>
-                </a:fontRef>
-              </p:style>
-              <p:txBody>
-                <a:bodyPr rtlCol="0" anchor="ctr"/>
-                <a:lstStyle/>
-                <a:p>
-                  <a:pPr algn="ctr"/>
-                  <a:endParaRPr lang="en-GB"/>
-                </a:p>
-              </p:txBody>
-            </p:sp>
-            <p:pic>
-              <p:nvPicPr>
-                <p:cNvPr id="65" name="Picture 64">
-                  <a:extLst>
-                    <a:ext uri="{FF2B5EF4-FFF2-40B4-BE49-F238E27FC236}">
-                      <a16:creationId xmlns:a16="http://schemas.microsoft.com/office/drawing/2014/main" id="{6F3E8E70-AD2D-441D-8162-F545CE69C542}"/>
-                    </a:ext>
-                  </a:extLst>
-                </p:cNvPr>
-                <p:cNvPicPr>
-                  <a:picLocks noChangeAspect="1"/>
-                </p:cNvPicPr>
-                <p:nvPr/>
-              </p:nvPicPr>
-              <p:blipFill>
-                <a:blip r:embed="rId6">
-                  <a:clrChange>
-                    <a:clrFrom>
-                      <a:srgbClr val="FFFFFF"/>
-                    </a:clrFrom>
-                    <a:clrTo>
-                      <a:srgbClr val="FFFFFF">
-                        <a:alpha val="0"/>
-                      </a:srgbClr>
-                    </a:clrTo>
-                  </a:clrChange>
-                </a:blip>
-                <a:stretch>
-                  <a:fillRect/>
-                </a:stretch>
-              </p:blipFill>
-              <p:spPr>
-                <a:xfrm>
-                  <a:off x="5358637" y="4686040"/>
-                  <a:ext cx="908492" cy="682597"/>
-                </a:xfrm>
-                <a:prstGeom prst="rect">
-                  <a:avLst/>
-                </a:prstGeom>
-              </p:spPr>
-            </p:pic>
-          </p:grpSp>
-          <p:grpSp>
-            <p:nvGrpSpPr>
-              <p:cNvPr id="109" name="Group 108">
+            </p:nvPicPr>
+            <p:blipFill>
+              <a:blip r:embed="rId15">
                 <a:extLst>
-                  <a:ext uri="{FF2B5EF4-FFF2-40B4-BE49-F238E27FC236}">
-                    <a16:creationId xmlns:a16="http://schemas.microsoft.com/office/drawing/2014/main" id="{F9332310-6BAC-4834-AF64-DA60907FD617}"/>
+                  <a:ext uri="{28A0092B-C50C-407E-A947-70E740481C1C}">
+                    <a14:useLocalDpi xmlns:a14="http://schemas.microsoft.com/office/drawing/2010/main" val="0"/>
+                  </a:ext>
+                  <a:ext uri="{96DAC541-7B7A-43D3-8B79-37D633B846F1}">
+                    <asvg:svgBlip xmlns:asvg="http://schemas.microsoft.com/office/drawing/2016/SVG/main" r:embed="rId16"/>
                   </a:ext>
                 </a:extLst>
-              </p:cNvPr>
-              <p:cNvGrpSpPr/>
-              <p:nvPr/>
-            </p:nvGrpSpPr>
-            <p:grpSpPr>
-              <a:xfrm>
-                <a:off x="196618" y="401757"/>
-                <a:ext cx="1126728" cy="1142160"/>
-                <a:chOff x="1076591" y="401757"/>
-                <a:chExt cx="1126728" cy="1142160"/>
-              </a:xfrm>
-            </p:grpSpPr>
-            <p:pic>
-              <p:nvPicPr>
-                <p:cNvPr id="24" name="Picture 23">
-                  <a:extLst>
-                    <a:ext uri="{FF2B5EF4-FFF2-40B4-BE49-F238E27FC236}">
-                      <a16:creationId xmlns:a16="http://schemas.microsoft.com/office/drawing/2014/main" id="{C6D968C1-0A4E-4211-A90E-779CEEEE97F7}"/>
-                    </a:ext>
-                  </a:extLst>
-                </p:cNvPr>
-                <p:cNvPicPr>
-                  <a:picLocks noChangeAspect="1"/>
-                </p:cNvPicPr>
-                <p:nvPr/>
-              </p:nvPicPr>
-              <p:blipFill>
-                <a:blip r:embed="rId18">
-                  <a:clrChange>
-                    <a:clrFrom>
-                      <a:srgbClr val="FFFFFF"/>
-                    </a:clrFrom>
-                    <a:clrTo>
-                      <a:srgbClr val="FFFFFF">
-                        <a:alpha val="0"/>
-                      </a:srgbClr>
-                    </a:clrTo>
-                  </a:clrChange>
-                </a:blip>
-                <a:stretch>
-                  <a:fillRect/>
-                </a:stretch>
-              </p:blipFill>
-              <p:spPr>
-                <a:xfrm>
-                  <a:off x="1210276" y="401757"/>
-                  <a:ext cx="891556" cy="768110"/>
-                </a:xfrm>
-                <a:prstGeom prst="rect">
-                  <a:avLst/>
-                </a:prstGeom>
-              </p:spPr>
-            </p:pic>
-            <p:sp>
-              <p:nvSpPr>
-                <p:cNvPr id="66" name="TextBox 65">
-                  <a:extLst>
-                    <a:ext uri="{FF2B5EF4-FFF2-40B4-BE49-F238E27FC236}">
-                      <a16:creationId xmlns:a16="http://schemas.microsoft.com/office/drawing/2014/main" id="{06CD8D36-7BE6-4385-AD88-718D9D42D6C7}"/>
-                    </a:ext>
-                  </a:extLst>
-                </p:cNvPr>
-                <p:cNvSpPr txBox="1"/>
-                <p:nvPr/>
-              </p:nvSpPr>
-              <p:spPr>
-                <a:xfrm>
-                  <a:off x="1076591" y="1020697"/>
-                  <a:ext cx="1126728" cy="523220"/>
-                </a:xfrm>
-                <a:prstGeom prst="rect">
-                  <a:avLst/>
-                </a:prstGeom>
-                <a:noFill/>
-              </p:spPr>
-              <p:txBody>
-                <a:bodyPr wrap="square" rtlCol="0">
-                  <a:spAutoFit/>
-                </a:bodyPr>
-                <a:lstStyle/>
-                <a:p>
-                  <a:pPr algn="ctr"/>
-                  <a:r>
-                    <a:rPr lang="en-GB" sz="1400" dirty="0">
-                      <a:latin typeface="Segoe UI Semilight" panose="020B0402040204020203" pitchFamily="34" charset="0"/>
-                      <a:cs typeface="Segoe UI Semilight" panose="020B0402040204020203" pitchFamily="34" charset="0"/>
-                    </a:rPr>
-                    <a:t>Load Balancer</a:t>
-                  </a:r>
-                </a:p>
-              </p:txBody>
-            </p:sp>
-          </p:grpSp>
-          <p:sp>
-            <p:nvSpPr>
-              <p:cNvPr id="67" name="TextBox 66">
-                <a:extLst>
-                  <a:ext uri="{FF2B5EF4-FFF2-40B4-BE49-F238E27FC236}">
-                    <a16:creationId xmlns:a16="http://schemas.microsoft.com/office/drawing/2014/main" id="{84D30738-E727-44E9-966E-01EBB1BF9D10}"/>
-                  </a:ext>
-                </a:extLst>
-              </p:cNvPr>
-              <p:cNvSpPr txBox="1"/>
-              <p:nvPr/>
-            </p:nvSpPr>
+              </a:blip>
+              <a:stretch>
+                <a:fillRect/>
+              </a:stretch>
+            </p:blipFill>
             <p:spPr>
               <a:xfrm>
-                <a:off x="948953" y="3561805"/>
-                <a:ext cx="713691" cy="307777"/>
+                <a:off x="7230111" y="5041901"/>
+                <a:ext cx="530474" cy="530474"/>
               </a:xfrm>
               <a:prstGeom prst="rect">
                 <a:avLst/>
               </a:prstGeom>
-              <a:noFill/>
             </p:spPr>
-            <p:txBody>
-              <a:bodyPr wrap="square" rtlCol="0">
-                <a:spAutoFit/>
-              </a:bodyPr>
-              <a:lstStyle/>
-              <a:p>
-                <a:pPr algn="ctr"/>
-                <a:r>
-                  <a:rPr lang="en-GB" sz="1400" dirty="0" err="1">
-                    <a:latin typeface="Segoe UI Semilight" panose="020B0402040204020203" pitchFamily="34" charset="0"/>
-                    <a:cs typeface="Segoe UI Semilight" panose="020B0402040204020203" pitchFamily="34" charset="0"/>
-                  </a:rPr>
-                  <a:t>VNet</a:t>
-                </a:r>
-                <a:endParaRPr lang="en-GB" sz="1400" dirty="0">
-                  <a:latin typeface="Segoe UI Semilight" panose="020B0402040204020203" pitchFamily="34" charset="0"/>
-                  <a:cs typeface="Segoe UI Semilight" panose="020B0402040204020203" pitchFamily="34" charset="0"/>
-                </a:endParaRPr>
-              </a:p>
-            </p:txBody>
-          </p:sp>
-          <p:sp>
-            <p:nvSpPr>
-              <p:cNvPr id="72" name="TextBox 71">
-                <a:extLst>
-                  <a:ext uri="{FF2B5EF4-FFF2-40B4-BE49-F238E27FC236}">
-                    <a16:creationId xmlns:a16="http://schemas.microsoft.com/office/drawing/2014/main" id="{287BDEC1-A5B1-4356-A84A-2F274EEE8C58}"/>
-                  </a:ext>
-                </a:extLst>
-              </p:cNvPr>
-              <p:cNvSpPr txBox="1"/>
-              <p:nvPr/>
-            </p:nvSpPr>
-            <p:spPr>
-              <a:xfrm>
-                <a:off x="173715" y="52955"/>
-                <a:ext cx="1811052" cy="307777"/>
-              </a:xfrm>
-              <a:prstGeom prst="rect">
-                <a:avLst/>
-              </a:prstGeom>
-              <a:noFill/>
-            </p:spPr>
-            <p:txBody>
-              <a:bodyPr wrap="square" rtlCol="0">
-                <a:spAutoFit/>
-              </a:bodyPr>
-              <a:lstStyle/>
-              <a:p>
-                <a:pPr algn="r"/>
-                <a:r>
-                  <a:rPr lang="en-GB" sz="1400" dirty="0">
-                    <a:solidFill>
-                      <a:srgbClr val="5B9BD5"/>
-                    </a:solidFill>
-                    <a:latin typeface="Segoe UI Black" panose="020B0A02040204020203" pitchFamily="34" charset="0"/>
-                    <a:ea typeface="Segoe UI Black" panose="020B0A02040204020203" pitchFamily="34" charset="0"/>
-                    <a:cs typeface="Segoe UI Semilight" panose="020B0402040204020203" pitchFamily="34" charset="0"/>
-                  </a:rPr>
-                  <a:t>Spoke 1</a:t>
-                </a:r>
-              </a:p>
-            </p:txBody>
-          </p:sp>
+          </p:pic>
         </p:grpSp>
-        <p:grpSp>
-          <p:nvGrpSpPr>
-            <p:cNvPr id="111" name="Group 110">
+        <p:sp>
+          <p:nvSpPr>
+            <p:cNvPr id="150" name="TextBox 149">
               <a:extLst>
                 <a:ext uri="{FF2B5EF4-FFF2-40B4-BE49-F238E27FC236}">
-                  <a16:creationId xmlns:a16="http://schemas.microsoft.com/office/drawing/2014/main" id="{F6F2AD89-1C7A-497E-8211-4CE4784B1C56}"/>
-                </a:ext>
-              </a:extLst>
-            </p:cNvPr>
-            <p:cNvGrpSpPr/>
-            <p:nvPr/>
-          </p:nvGrpSpPr>
-          <p:grpSpPr>
-            <a:xfrm>
-              <a:off x="2288379" y="2929505"/>
-              <a:ext cx="2165553" cy="3859947"/>
-              <a:chOff x="140450" y="52955"/>
-              <a:chExt cx="2165553" cy="3859947"/>
-            </a:xfrm>
-          </p:grpSpPr>
-          <p:grpSp>
-            <p:nvGrpSpPr>
-              <p:cNvPr id="112" name="Group 111">
-                <a:extLst>
-                  <a:ext uri="{FF2B5EF4-FFF2-40B4-BE49-F238E27FC236}">
-                    <a16:creationId xmlns:a16="http://schemas.microsoft.com/office/drawing/2014/main" id="{4575BAC4-D85A-46DB-8199-DE6EC1B7263D}"/>
-                  </a:ext>
-                </a:extLst>
-              </p:cNvPr>
-              <p:cNvGrpSpPr/>
-              <p:nvPr/>
-            </p:nvGrpSpPr>
-            <p:grpSpPr>
-              <a:xfrm>
-                <a:off x="1261851" y="313678"/>
-                <a:ext cx="816458" cy="816458"/>
-                <a:chOff x="3828158" y="4585427"/>
-                <a:chExt cx="816458" cy="816458"/>
-              </a:xfrm>
-            </p:grpSpPr>
-            <p:pic>
-              <p:nvPicPr>
-                <p:cNvPr id="134" name="Graphic 133" descr="Lock">
-                  <a:extLst>
-                    <a:ext uri="{FF2B5EF4-FFF2-40B4-BE49-F238E27FC236}">
-                      <a16:creationId xmlns:a16="http://schemas.microsoft.com/office/drawing/2014/main" id="{6F9C496F-E825-400F-B2C7-73477CD92FE6}"/>
-                    </a:ext>
-                  </a:extLst>
-                </p:cNvPr>
-                <p:cNvPicPr>
-                  <a:picLocks noChangeAspect="1"/>
-                </p:cNvPicPr>
-                <p:nvPr/>
-              </p:nvPicPr>
-              <p:blipFill>
-                <a:blip r:embed="rId13">
-                  <a:extLst>
-                    <a:ext uri="{28A0092B-C50C-407E-A947-70E740481C1C}">
-                      <a14:useLocalDpi xmlns:a14="http://schemas.microsoft.com/office/drawing/2010/main" val="0"/>
-                    </a:ext>
-                    <a:ext uri="{96DAC541-7B7A-43D3-8B79-37D633B846F1}">
-                      <asvg:svgBlip xmlns:asvg="http://schemas.microsoft.com/office/drawing/2016/SVG/main" r:embed="rId14"/>
-                    </a:ext>
-                  </a:extLst>
-                </a:blip>
-                <a:stretch>
-                  <a:fillRect/>
-                </a:stretch>
-              </p:blipFill>
-              <p:spPr>
-                <a:xfrm>
-                  <a:off x="3828158" y="4585427"/>
-                  <a:ext cx="816458" cy="816458"/>
-                </a:xfrm>
-                <a:prstGeom prst="rect">
-                  <a:avLst/>
-                </a:prstGeom>
-              </p:spPr>
-            </p:pic>
-            <p:sp>
-              <p:nvSpPr>
-                <p:cNvPr id="135" name="TextBox 134">
-                  <a:extLst>
-                    <a:ext uri="{FF2B5EF4-FFF2-40B4-BE49-F238E27FC236}">
-                      <a16:creationId xmlns:a16="http://schemas.microsoft.com/office/drawing/2014/main" id="{25B20A87-43F8-40E1-808E-846309FF2B2C}"/>
-                    </a:ext>
-                  </a:extLst>
-                </p:cNvPr>
-                <p:cNvSpPr txBox="1"/>
-                <p:nvPr/>
-              </p:nvSpPr>
-              <p:spPr>
-                <a:xfrm>
-                  <a:off x="4028732" y="5010165"/>
-                  <a:ext cx="371748" cy="215444"/>
-                </a:xfrm>
-                <a:prstGeom prst="rect">
-                  <a:avLst/>
-                </a:prstGeom>
-                <a:solidFill>
-                  <a:srgbClr val="5B9BD5"/>
-                </a:solidFill>
-              </p:spPr>
-              <p:txBody>
-                <a:bodyPr wrap="square" lIns="0" tIns="0" rIns="0" bIns="0" rtlCol="0">
-                  <a:spAutoFit/>
-                </a:bodyPr>
-                <a:lstStyle/>
-                <a:p>
-                  <a:pPr algn="ctr"/>
-                  <a:r>
-                    <a:rPr lang="en-GB" sz="1400" b="1" dirty="0">
-                      <a:solidFill>
-                        <a:schemeClr val="bg1"/>
-                      </a:solidFill>
-                      <a:latin typeface="Segoe UI Semilight" panose="020B0402040204020203" pitchFamily="34" charset="0"/>
-                      <a:cs typeface="Segoe UI Semilight" panose="020B0402040204020203" pitchFamily="34" charset="0"/>
-                    </a:rPr>
-                    <a:t>NSG</a:t>
-                  </a:r>
-                </a:p>
-              </p:txBody>
-            </p:sp>
-          </p:grpSp>
-          <p:grpSp>
-            <p:nvGrpSpPr>
-              <p:cNvPr id="113" name="Group 112">
-                <a:extLst>
-                  <a:ext uri="{FF2B5EF4-FFF2-40B4-BE49-F238E27FC236}">
-                    <a16:creationId xmlns:a16="http://schemas.microsoft.com/office/drawing/2014/main" id="{DD28F5AB-BA71-4706-9AAD-02B0911606B6}"/>
-                  </a:ext>
-                </a:extLst>
-              </p:cNvPr>
-              <p:cNvGrpSpPr/>
-              <p:nvPr/>
-            </p:nvGrpSpPr>
-            <p:grpSpPr>
-              <a:xfrm>
-                <a:off x="140450" y="1550586"/>
-                <a:ext cx="1016052" cy="984582"/>
-                <a:chOff x="568313" y="4311129"/>
-                <a:chExt cx="1016052" cy="984582"/>
-              </a:xfrm>
-            </p:grpSpPr>
-            <p:pic>
-              <p:nvPicPr>
-                <p:cNvPr id="132" name="Picture 131">
-                  <a:extLst>
-                    <a:ext uri="{FF2B5EF4-FFF2-40B4-BE49-F238E27FC236}">
-                      <a16:creationId xmlns:a16="http://schemas.microsoft.com/office/drawing/2014/main" id="{9DD9B193-0DFE-4515-91F3-D15B26A219A6}"/>
-                    </a:ext>
-                  </a:extLst>
-                </p:cNvPr>
-                <p:cNvPicPr>
-                  <a:picLocks noChangeAspect="1"/>
-                </p:cNvPicPr>
-                <p:nvPr/>
-              </p:nvPicPr>
-              <p:blipFill>
-                <a:blip r:embed="rId15"/>
-                <a:stretch>
-                  <a:fillRect/>
-                </a:stretch>
-              </p:blipFill>
-              <p:spPr>
-                <a:xfrm>
-                  <a:off x="667138" y="4311129"/>
-                  <a:ext cx="818403" cy="749822"/>
-                </a:xfrm>
-                <a:prstGeom prst="rect">
-                  <a:avLst/>
-                </a:prstGeom>
-              </p:spPr>
-            </p:pic>
-            <p:sp>
-              <p:nvSpPr>
-                <p:cNvPr id="133" name="TextBox 132">
-                  <a:extLst>
-                    <a:ext uri="{FF2B5EF4-FFF2-40B4-BE49-F238E27FC236}">
-                      <a16:creationId xmlns:a16="http://schemas.microsoft.com/office/drawing/2014/main" id="{9DBD75A6-6489-4E7B-A8E7-A9C03EE90CC2}"/>
-                    </a:ext>
-                  </a:extLst>
-                </p:cNvPr>
-                <p:cNvSpPr txBox="1"/>
-                <p:nvPr/>
-              </p:nvSpPr>
-              <p:spPr>
-                <a:xfrm>
-                  <a:off x="568313" y="4987934"/>
-                  <a:ext cx="1016052" cy="307777"/>
-                </a:xfrm>
-                <a:prstGeom prst="rect">
-                  <a:avLst/>
-                </a:prstGeom>
-                <a:noFill/>
-              </p:spPr>
-              <p:txBody>
-                <a:bodyPr wrap="square" rtlCol="0">
-                  <a:spAutoFit/>
-                </a:bodyPr>
-                <a:lstStyle/>
-                <a:p>
-                  <a:pPr algn="ctr"/>
-                  <a:r>
-                    <a:rPr lang="en-GB" sz="1400" dirty="0">
-                      <a:latin typeface="Segoe UI Semilight" panose="020B0402040204020203" pitchFamily="34" charset="0"/>
-                      <a:cs typeface="Segoe UI Semilight" panose="020B0402040204020203" pitchFamily="34" charset="0"/>
-                    </a:rPr>
-                    <a:t>IIS</a:t>
-                  </a:r>
-                </a:p>
-              </p:txBody>
-            </p:sp>
-          </p:grpSp>
-          <p:grpSp>
-            <p:nvGrpSpPr>
-              <p:cNvPr id="114" name="Group 113">
-                <a:extLst>
-                  <a:ext uri="{FF2B5EF4-FFF2-40B4-BE49-F238E27FC236}">
-                    <a16:creationId xmlns:a16="http://schemas.microsoft.com/office/drawing/2014/main" id="{FE3F3D5B-B6CE-4B16-A2F9-2BAC65D7CA6E}"/>
-                  </a:ext>
-                </a:extLst>
-              </p:cNvPr>
-              <p:cNvGrpSpPr/>
-              <p:nvPr/>
-            </p:nvGrpSpPr>
-            <p:grpSpPr>
-              <a:xfrm>
-                <a:off x="909780" y="1550586"/>
-                <a:ext cx="1016052" cy="984582"/>
-                <a:chOff x="1592994" y="4311129"/>
-                <a:chExt cx="1016052" cy="984582"/>
-              </a:xfrm>
-            </p:grpSpPr>
-            <p:pic>
-              <p:nvPicPr>
-                <p:cNvPr id="130" name="Picture 129">
-                  <a:extLst>
-                    <a:ext uri="{FF2B5EF4-FFF2-40B4-BE49-F238E27FC236}">
-                      <a16:creationId xmlns:a16="http://schemas.microsoft.com/office/drawing/2014/main" id="{CC693226-0B9C-47AF-A4D4-C6BBBE089F02}"/>
-                    </a:ext>
-                  </a:extLst>
-                </p:cNvPr>
-                <p:cNvPicPr>
-                  <a:picLocks noChangeAspect="1"/>
-                </p:cNvPicPr>
-                <p:nvPr/>
-              </p:nvPicPr>
-              <p:blipFill>
-                <a:blip r:embed="rId15"/>
-                <a:stretch>
-                  <a:fillRect/>
-                </a:stretch>
-              </p:blipFill>
-              <p:spPr>
-                <a:xfrm>
-                  <a:off x="1688942" y="4311129"/>
-                  <a:ext cx="818403" cy="749822"/>
-                </a:xfrm>
-                <a:prstGeom prst="rect">
-                  <a:avLst/>
-                </a:prstGeom>
-              </p:spPr>
-            </p:pic>
-            <p:sp>
-              <p:nvSpPr>
-                <p:cNvPr id="131" name="TextBox 130">
-                  <a:extLst>
-                    <a:ext uri="{FF2B5EF4-FFF2-40B4-BE49-F238E27FC236}">
-                      <a16:creationId xmlns:a16="http://schemas.microsoft.com/office/drawing/2014/main" id="{F8591797-75CD-4227-AFB1-FE307829214A}"/>
-                    </a:ext>
-                  </a:extLst>
-                </p:cNvPr>
-                <p:cNvSpPr txBox="1"/>
-                <p:nvPr/>
-              </p:nvSpPr>
-              <p:spPr>
-                <a:xfrm>
-                  <a:off x="1592994" y="4987934"/>
-                  <a:ext cx="1016052" cy="307777"/>
-                </a:xfrm>
-                <a:prstGeom prst="rect">
-                  <a:avLst/>
-                </a:prstGeom>
-                <a:noFill/>
-              </p:spPr>
-              <p:txBody>
-                <a:bodyPr wrap="square" rtlCol="0">
-                  <a:spAutoFit/>
-                </a:bodyPr>
-                <a:lstStyle/>
-                <a:p>
-                  <a:pPr algn="ctr"/>
-                  <a:r>
-                    <a:rPr lang="en-GB" sz="1400" dirty="0">
-                      <a:latin typeface="Segoe UI Semilight" panose="020B0402040204020203" pitchFamily="34" charset="0"/>
-                      <a:cs typeface="Segoe UI Semilight" panose="020B0402040204020203" pitchFamily="34" charset="0"/>
-                    </a:rPr>
-                    <a:t>IIS</a:t>
-                  </a:r>
-                </a:p>
-              </p:txBody>
-            </p:sp>
-          </p:grpSp>
-          <p:grpSp>
-            <p:nvGrpSpPr>
-              <p:cNvPr id="115" name="Group 114">
-                <a:extLst>
-                  <a:ext uri="{FF2B5EF4-FFF2-40B4-BE49-F238E27FC236}">
-                    <a16:creationId xmlns:a16="http://schemas.microsoft.com/office/drawing/2014/main" id="{6F594179-D037-4268-A3F9-B0A02F0CFD38}"/>
-                  </a:ext>
-                </a:extLst>
-              </p:cNvPr>
-              <p:cNvGrpSpPr/>
-              <p:nvPr/>
-            </p:nvGrpSpPr>
-            <p:grpSpPr>
-              <a:xfrm>
-                <a:off x="576588" y="2438974"/>
-                <a:ext cx="1016052" cy="984356"/>
-                <a:chOff x="1592994" y="5295937"/>
-                <a:chExt cx="1016052" cy="984356"/>
-              </a:xfrm>
-            </p:grpSpPr>
-            <p:grpSp>
-              <p:nvGrpSpPr>
-                <p:cNvPr id="125" name="Group 124">
-                  <a:extLst>
-                    <a:ext uri="{FF2B5EF4-FFF2-40B4-BE49-F238E27FC236}">
-                      <a16:creationId xmlns:a16="http://schemas.microsoft.com/office/drawing/2014/main" id="{CFAA27AF-E845-4C61-91FD-7477ECAAEF04}"/>
-                    </a:ext>
-                  </a:extLst>
-                </p:cNvPr>
-                <p:cNvGrpSpPr/>
-                <p:nvPr/>
-              </p:nvGrpSpPr>
-              <p:grpSpPr>
-                <a:xfrm>
-                  <a:off x="1674715" y="5295937"/>
-                  <a:ext cx="818403" cy="749822"/>
-                  <a:chOff x="6908241" y="4869690"/>
-                  <a:chExt cx="1136708" cy="1041454"/>
-                </a:xfrm>
-              </p:grpSpPr>
-              <p:pic>
-                <p:nvPicPr>
-                  <p:cNvPr id="127" name="Picture 126">
-                    <a:extLst>
-                      <a:ext uri="{FF2B5EF4-FFF2-40B4-BE49-F238E27FC236}">
-                        <a16:creationId xmlns:a16="http://schemas.microsoft.com/office/drawing/2014/main" id="{31480F15-EBBB-4253-8295-5A915A0F1248}"/>
-                      </a:ext>
-                    </a:extLst>
-                  </p:cNvPr>
-                  <p:cNvPicPr>
-                    <a:picLocks noChangeAspect="1"/>
-                  </p:cNvPicPr>
-                  <p:nvPr/>
-                </p:nvPicPr>
-                <p:blipFill>
-                  <a:blip r:embed="rId15">
-                    <a:clrChange>
-                      <a:clrFrom>
-                        <a:srgbClr val="FFFFFF"/>
-                      </a:clrFrom>
-                      <a:clrTo>
-                        <a:srgbClr val="FFFFFF">
-                          <a:alpha val="0"/>
-                        </a:srgbClr>
-                      </a:clrTo>
-                    </a:clrChange>
-                  </a:blip>
-                  <a:stretch>
-                    <a:fillRect/>
-                  </a:stretch>
-                </p:blipFill>
-                <p:spPr>
-                  <a:xfrm>
-                    <a:off x="6908241" y="4869690"/>
-                    <a:ext cx="1136708" cy="1041454"/>
-                  </a:xfrm>
-                  <a:prstGeom prst="rect">
-                    <a:avLst/>
-                  </a:prstGeom>
-                </p:spPr>
-              </p:pic>
-              <p:sp>
-                <p:nvSpPr>
-                  <p:cNvPr id="128" name="Rectangle 127">
-                    <a:extLst>
-                      <a:ext uri="{FF2B5EF4-FFF2-40B4-BE49-F238E27FC236}">
-                        <a16:creationId xmlns:a16="http://schemas.microsoft.com/office/drawing/2014/main" id="{16EF04F9-605D-4630-805A-C59CB6AFD454}"/>
-                      </a:ext>
-                    </a:extLst>
-                  </p:cNvPr>
-                  <p:cNvSpPr/>
-                  <p:nvPr/>
-                </p:nvSpPr>
-                <p:spPr>
-                  <a:xfrm>
-                    <a:off x="7207250" y="5060951"/>
-                    <a:ext cx="562070" cy="482600"/>
-                  </a:xfrm>
-                  <a:prstGeom prst="rect">
-                    <a:avLst/>
-                  </a:prstGeom>
-                  <a:solidFill>
-                    <a:srgbClr val="59B4D9"/>
-                  </a:solidFill>
-                  <a:ln>
-                    <a:noFill/>
-                  </a:ln>
-                </p:spPr>
-                <p:style>
-                  <a:lnRef idx="2">
-                    <a:schemeClr val="accent1">
-                      <a:shade val="50000"/>
-                    </a:schemeClr>
-                  </a:lnRef>
-                  <a:fillRef idx="1">
-                    <a:schemeClr val="accent1"/>
-                  </a:fillRef>
-                  <a:effectRef idx="0">
-                    <a:schemeClr val="accent1"/>
-                  </a:effectRef>
-                  <a:fontRef idx="minor">
-                    <a:schemeClr val="lt1"/>
-                  </a:fontRef>
-                </p:style>
-                <p:txBody>
-                  <a:bodyPr rtlCol="0" anchor="ctr"/>
-                  <a:lstStyle/>
-                  <a:p>
-                    <a:pPr algn="ctr"/>
-                    <a:endParaRPr lang="en-GB"/>
-                  </a:p>
-                </p:txBody>
-              </p:sp>
-              <p:pic>
-                <p:nvPicPr>
-                  <p:cNvPr id="129" name="Graphic 128" descr="Database">
-                    <a:extLst>
-                      <a:ext uri="{FF2B5EF4-FFF2-40B4-BE49-F238E27FC236}">
-                        <a16:creationId xmlns:a16="http://schemas.microsoft.com/office/drawing/2014/main" id="{A4987C5C-7433-4F90-BA04-863D7180A2A7}"/>
-                      </a:ext>
-                    </a:extLst>
-                  </p:cNvPr>
-                  <p:cNvPicPr>
-                    <a:picLocks noChangeAspect="1"/>
-                  </p:cNvPicPr>
-                  <p:nvPr/>
-                </p:nvPicPr>
-                <p:blipFill>
-                  <a:blip r:embed="rId16">
-                    <a:extLst>
-                      <a:ext uri="{28A0092B-C50C-407E-A947-70E740481C1C}">
-                        <a14:useLocalDpi xmlns:a14="http://schemas.microsoft.com/office/drawing/2010/main" val="0"/>
-                      </a:ext>
-                      <a:ext uri="{96DAC541-7B7A-43D3-8B79-37D633B846F1}">
-                        <asvg:svgBlip xmlns:asvg="http://schemas.microsoft.com/office/drawing/2016/SVG/main" r:embed="rId17"/>
-                      </a:ext>
-                    </a:extLst>
-                  </a:blip>
-                  <a:stretch>
-                    <a:fillRect/>
-                  </a:stretch>
-                </p:blipFill>
-                <p:spPr>
-                  <a:xfrm>
-                    <a:off x="7230111" y="5041901"/>
-                    <a:ext cx="530474" cy="530474"/>
-                  </a:xfrm>
-                  <a:prstGeom prst="rect">
-                    <a:avLst/>
-                  </a:prstGeom>
-                </p:spPr>
-              </p:pic>
-            </p:grpSp>
-            <p:sp>
-              <p:nvSpPr>
-                <p:cNvPr id="126" name="TextBox 125">
-                  <a:extLst>
-                    <a:ext uri="{FF2B5EF4-FFF2-40B4-BE49-F238E27FC236}">
-                      <a16:creationId xmlns:a16="http://schemas.microsoft.com/office/drawing/2014/main" id="{4AF8119F-6679-40B1-B9EC-1C22F9FE84C9}"/>
-                    </a:ext>
-                  </a:extLst>
-                </p:cNvPr>
-                <p:cNvSpPr txBox="1"/>
-                <p:nvPr/>
-              </p:nvSpPr>
-              <p:spPr>
-                <a:xfrm>
-                  <a:off x="1592994" y="5972516"/>
-                  <a:ext cx="1016052" cy="307777"/>
-                </a:xfrm>
-                <a:prstGeom prst="rect">
-                  <a:avLst/>
-                </a:prstGeom>
-                <a:noFill/>
-              </p:spPr>
-              <p:txBody>
-                <a:bodyPr wrap="square" rtlCol="0">
-                  <a:spAutoFit/>
-                </a:bodyPr>
-                <a:lstStyle/>
-                <a:p>
-                  <a:pPr algn="ctr"/>
-                  <a:r>
-                    <a:rPr lang="en-GB" sz="1400" dirty="0">
-                      <a:latin typeface="Segoe UI Semilight" panose="020B0402040204020203" pitchFamily="34" charset="0"/>
-                      <a:cs typeface="Segoe UI Semilight" panose="020B0402040204020203" pitchFamily="34" charset="0"/>
-                    </a:rPr>
-                    <a:t>DB</a:t>
-                  </a:r>
-                </a:p>
-              </p:txBody>
-            </p:sp>
-          </p:grpSp>
-          <p:sp>
-            <p:nvSpPr>
-              <p:cNvPr id="116" name="Rectangle 115">
-                <a:extLst>
-                  <a:ext uri="{FF2B5EF4-FFF2-40B4-BE49-F238E27FC236}">
-                    <a16:creationId xmlns:a16="http://schemas.microsoft.com/office/drawing/2014/main" id="{B1DE6C72-9C1D-4DAB-AC17-19057C52A63F}"/>
-                  </a:ext>
-                </a:extLst>
-              </p:cNvPr>
-              <p:cNvSpPr/>
-              <p:nvPr/>
-            </p:nvSpPr>
-            <p:spPr>
-              <a:xfrm>
-                <a:off x="173715" y="337222"/>
-                <a:ext cx="1811051" cy="3235800"/>
-              </a:xfrm>
-              <a:prstGeom prst="rect">
-                <a:avLst/>
-              </a:prstGeom>
-              <a:noFill/>
-              <a:ln w="38100">
-                <a:solidFill>
-                  <a:srgbClr val="5B9BD5"/>
-                </a:solidFill>
-                <a:prstDash val="sysDot"/>
-              </a:ln>
-            </p:spPr>
-            <p:style>
-              <a:lnRef idx="2">
-                <a:schemeClr val="accent1">
-                  <a:shade val="50000"/>
-                </a:schemeClr>
-              </a:lnRef>
-              <a:fillRef idx="1">
-                <a:schemeClr val="accent1"/>
-              </a:fillRef>
-              <a:effectRef idx="0">
-                <a:schemeClr val="accent1"/>
-              </a:effectRef>
-              <a:fontRef idx="minor">
-                <a:schemeClr val="lt1"/>
-              </a:fontRef>
-            </p:style>
-            <p:txBody>
-              <a:bodyPr rtlCol="0" anchor="ctr"/>
-              <a:lstStyle/>
-              <a:p>
-                <a:pPr algn="ctr"/>
-                <a:endParaRPr lang="en-GB"/>
-              </a:p>
-            </p:txBody>
-          </p:sp>
-          <p:grpSp>
-            <p:nvGrpSpPr>
-              <p:cNvPr id="117" name="Group 116">
-                <a:extLst>
-                  <a:ext uri="{FF2B5EF4-FFF2-40B4-BE49-F238E27FC236}">
-                    <a16:creationId xmlns:a16="http://schemas.microsoft.com/office/drawing/2014/main" id="{79841015-9905-42BA-A2F2-124D1016F209}"/>
-                  </a:ext>
-                </a:extLst>
-              </p:cNvPr>
-              <p:cNvGrpSpPr/>
-              <p:nvPr/>
-            </p:nvGrpSpPr>
-            <p:grpSpPr>
-              <a:xfrm>
-                <a:off x="1397511" y="3230305"/>
-                <a:ext cx="908492" cy="682597"/>
-                <a:chOff x="5358637" y="4686040"/>
-                <a:chExt cx="908492" cy="682597"/>
-              </a:xfrm>
-            </p:grpSpPr>
-            <p:sp>
-              <p:nvSpPr>
-                <p:cNvPr id="123" name="Rectangle 122">
-                  <a:extLst>
-                    <a:ext uri="{FF2B5EF4-FFF2-40B4-BE49-F238E27FC236}">
-                      <a16:creationId xmlns:a16="http://schemas.microsoft.com/office/drawing/2014/main" id="{34A0EC9F-EC5B-4CA0-BC92-22D994518253}"/>
-                    </a:ext>
-                  </a:extLst>
-                </p:cNvPr>
-                <p:cNvSpPr/>
-                <p:nvPr/>
-              </p:nvSpPr>
-              <p:spPr>
-                <a:xfrm>
-                  <a:off x="5427133" y="4818529"/>
-                  <a:ext cx="713691" cy="407895"/>
-                </a:xfrm>
-                <a:prstGeom prst="rect">
-                  <a:avLst/>
-                </a:prstGeom>
-                <a:solidFill>
-                  <a:schemeClr val="bg1"/>
-                </a:solidFill>
-                <a:ln>
-                  <a:noFill/>
-                </a:ln>
-              </p:spPr>
-              <p:style>
-                <a:lnRef idx="2">
-                  <a:schemeClr val="accent1">
-                    <a:shade val="50000"/>
-                  </a:schemeClr>
-                </a:lnRef>
-                <a:fillRef idx="1">
-                  <a:schemeClr val="accent1"/>
-                </a:fillRef>
-                <a:effectRef idx="0">
-                  <a:schemeClr val="accent1"/>
-                </a:effectRef>
-                <a:fontRef idx="minor">
-                  <a:schemeClr val="lt1"/>
-                </a:fontRef>
-              </p:style>
-              <p:txBody>
-                <a:bodyPr rtlCol="0" anchor="ctr"/>
-                <a:lstStyle/>
-                <a:p>
-                  <a:pPr algn="ctr"/>
-                  <a:endParaRPr lang="en-GB"/>
-                </a:p>
-              </p:txBody>
-            </p:sp>
-            <p:pic>
-              <p:nvPicPr>
-                <p:cNvPr id="124" name="Picture 123">
-                  <a:extLst>
-                    <a:ext uri="{FF2B5EF4-FFF2-40B4-BE49-F238E27FC236}">
-                      <a16:creationId xmlns:a16="http://schemas.microsoft.com/office/drawing/2014/main" id="{7262BD0E-9AD6-4A66-82C4-58AA0EFC6D51}"/>
-                    </a:ext>
-                  </a:extLst>
-                </p:cNvPr>
-                <p:cNvPicPr>
-                  <a:picLocks noChangeAspect="1"/>
-                </p:cNvPicPr>
-                <p:nvPr/>
-              </p:nvPicPr>
-              <p:blipFill>
-                <a:blip r:embed="rId6">
-                  <a:clrChange>
-                    <a:clrFrom>
-                      <a:srgbClr val="FFFFFF"/>
-                    </a:clrFrom>
-                    <a:clrTo>
-                      <a:srgbClr val="FFFFFF">
-                        <a:alpha val="0"/>
-                      </a:srgbClr>
-                    </a:clrTo>
-                  </a:clrChange>
-                </a:blip>
-                <a:stretch>
-                  <a:fillRect/>
-                </a:stretch>
-              </p:blipFill>
-              <p:spPr>
-                <a:xfrm>
-                  <a:off x="5358637" y="4686040"/>
-                  <a:ext cx="908492" cy="682597"/>
-                </a:xfrm>
-                <a:prstGeom prst="rect">
-                  <a:avLst/>
-                </a:prstGeom>
-              </p:spPr>
-            </p:pic>
-          </p:grpSp>
-          <p:grpSp>
-            <p:nvGrpSpPr>
-              <p:cNvPr id="118" name="Group 117">
-                <a:extLst>
-                  <a:ext uri="{FF2B5EF4-FFF2-40B4-BE49-F238E27FC236}">
-                    <a16:creationId xmlns:a16="http://schemas.microsoft.com/office/drawing/2014/main" id="{5A3CD03B-BB5D-4F01-BA3A-460AF6F574E7}"/>
-                  </a:ext>
-                </a:extLst>
-              </p:cNvPr>
-              <p:cNvGrpSpPr/>
-              <p:nvPr/>
-            </p:nvGrpSpPr>
-            <p:grpSpPr>
-              <a:xfrm>
-                <a:off x="196618" y="401757"/>
-                <a:ext cx="1126728" cy="1142160"/>
-                <a:chOff x="1076591" y="401757"/>
-                <a:chExt cx="1126728" cy="1142160"/>
-              </a:xfrm>
-            </p:grpSpPr>
-            <p:pic>
-              <p:nvPicPr>
-                <p:cNvPr id="121" name="Picture 120">
-                  <a:extLst>
-                    <a:ext uri="{FF2B5EF4-FFF2-40B4-BE49-F238E27FC236}">
-                      <a16:creationId xmlns:a16="http://schemas.microsoft.com/office/drawing/2014/main" id="{6CC90D85-A32E-43D8-B6C6-3CF8C9C64B4D}"/>
-                    </a:ext>
-                  </a:extLst>
-                </p:cNvPr>
-                <p:cNvPicPr>
-                  <a:picLocks noChangeAspect="1"/>
-                </p:cNvPicPr>
-                <p:nvPr/>
-              </p:nvPicPr>
-              <p:blipFill>
-                <a:blip r:embed="rId18">
-                  <a:clrChange>
-                    <a:clrFrom>
-                      <a:srgbClr val="FFFFFF"/>
-                    </a:clrFrom>
-                    <a:clrTo>
-                      <a:srgbClr val="FFFFFF">
-                        <a:alpha val="0"/>
-                      </a:srgbClr>
-                    </a:clrTo>
-                  </a:clrChange>
-                </a:blip>
-                <a:stretch>
-                  <a:fillRect/>
-                </a:stretch>
-              </p:blipFill>
-              <p:spPr>
-                <a:xfrm>
-                  <a:off x="1210276" y="401757"/>
-                  <a:ext cx="891556" cy="768110"/>
-                </a:xfrm>
-                <a:prstGeom prst="rect">
-                  <a:avLst/>
-                </a:prstGeom>
-              </p:spPr>
-            </p:pic>
-            <p:sp>
-              <p:nvSpPr>
-                <p:cNvPr id="122" name="TextBox 121">
-                  <a:extLst>
-                    <a:ext uri="{FF2B5EF4-FFF2-40B4-BE49-F238E27FC236}">
-                      <a16:creationId xmlns:a16="http://schemas.microsoft.com/office/drawing/2014/main" id="{311D21CE-85C6-4CE3-94F2-4ACC1747BB0D}"/>
-                    </a:ext>
-                  </a:extLst>
-                </p:cNvPr>
-                <p:cNvSpPr txBox="1"/>
-                <p:nvPr/>
-              </p:nvSpPr>
-              <p:spPr>
-                <a:xfrm>
-                  <a:off x="1076591" y="1020697"/>
-                  <a:ext cx="1126728" cy="523220"/>
-                </a:xfrm>
-                <a:prstGeom prst="rect">
-                  <a:avLst/>
-                </a:prstGeom>
-                <a:noFill/>
-              </p:spPr>
-              <p:txBody>
-                <a:bodyPr wrap="square" rtlCol="0">
-                  <a:spAutoFit/>
-                </a:bodyPr>
-                <a:lstStyle/>
-                <a:p>
-                  <a:pPr algn="ctr"/>
-                  <a:r>
-                    <a:rPr lang="en-GB" sz="1400" dirty="0">
-                      <a:latin typeface="Segoe UI Semilight" panose="020B0402040204020203" pitchFamily="34" charset="0"/>
-                      <a:cs typeface="Segoe UI Semilight" panose="020B0402040204020203" pitchFamily="34" charset="0"/>
-                    </a:rPr>
-                    <a:t>Load Balancer</a:t>
-                  </a:r>
-                </a:p>
-              </p:txBody>
-            </p:sp>
-          </p:grpSp>
-          <p:sp>
-            <p:nvSpPr>
-              <p:cNvPr id="119" name="TextBox 118">
-                <a:extLst>
-                  <a:ext uri="{FF2B5EF4-FFF2-40B4-BE49-F238E27FC236}">
-                    <a16:creationId xmlns:a16="http://schemas.microsoft.com/office/drawing/2014/main" id="{F89F6402-8470-429E-8991-BC845C0C64E1}"/>
-                  </a:ext>
-                </a:extLst>
-              </p:cNvPr>
-              <p:cNvSpPr txBox="1"/>
-              <p:nvPr/>
-            </p:nvSpPr>
-            <p:spPr>
-              <a:xfrm>
-                <a:off x="948953" y="3561805"/>
-                <a:ext cx="713691" cy="307777"/>
-              </a:xfrm>
-              <a:prstGeom prst="rect">
-                <a:avLst/>
-              </a:prstGeom>
-              <a:noFill/>
-            </p:spPr>
-            <p:txBody>
-              <a:bodyPr wrap="square" rtlCol="0">
-                <a:spAutoFit/>
-              </a:bodyPr>
-              <a:lstStyle/>
-              <a:p>
-                <a:pPr algn="ctr"/>
-                <a:r>
-                  <a:rPr lang="en-GB" sz="1400" dirty="0" err="1">
-                    <a:latin typeface="Segoe UI Semilight" panose="020B0402040204020203" pitchFamily="34" charset="0"/>
-                    <a:cs typeface="Segoe UI Semilight" panose="020B0402040204020203" pitchFamily="34" charset="0"/>
-                  </a:rPr>
-                  <a:t>VNet</a:t>
-                </a:r>
-                <a:endParaRPr lang="en-GB" sz="1400" dirty="0">
-                  <a:latin typeface="Segoe UI Semilight" panose="020B0402040204020203" pitchFamily="34" charset="0"/>
-                  <a:cs typeface="Segoe UI Semilight" panose="020B0402040204020203" pitchFamily="34" charset="0"/>
-                </a:endParaRPr>
-              </a:p>
-            </p:txBody>
-          </p:sp>
-          <p:sp>
-            <p:nvSpPr>
-              <p:cNvPr id="120" name="TextBox 119">
-                <a:extLst>
-                  <a:ext uri="{FF2B5EF4-FFF2-40B4-BE49-F238E27FC236}">
-                    <a16:creationId xmlns:a16="http://schemas.microsoft.com/office/drawing/2014/main" id="{E6C30A14-E90C-4B0D-9EC3-B6AC6ACA2283}"/>
-                  </a:ext>
-                </a:extLst>
-              </p:cNvPr>
-              <p:cNvSpPr txBox="1"/>
-              <p:nvPr/>
-            </p:nvSpPr>
-            <p:spPr>
-              <a:xfrm>
-                <a:off x="173715" y="52955"/>
-                <a:ext cx="1811052" cy="307777"/>
-              </a:xfrm>
-              <a:prstGeom prst="rect">
-                <a:avLst/>
-              </a:prstGeom>
-              <a:noFill/>
-            </p:spPr>
-            <p:txBody>
-              <a:bodyPr wrap="square" rtlCol="0">
-                <a:spAutoFit/>
-              </a:bodyPr>
-              <a:lstStyle/>
-              <a:p>
-                <a:pPr algn="r"/>
-                <a:r>
-                  <a:rPr lang="en-GB" sz="1400" dirty="0">
-                    <a:solidFill>
-                      <a:srgbClr val="5B9BD5"/>
-                    </a:solidFill>
-                    <a:latin typeface="Segoe UI Black" panose="020B0A02040204020203" pitchFamily="34" charset="0"/>
-                    <a:ea typeface="Segoe UI Black" panose="020B0A02040204020203" pitchFamily="34" charset="0"/>
-                    <a:cs typeface="Segoe UI Semilight" panose="020B0402040204020203" pitchFamily="34" charset="0"/>
-                  </a:rPr>
-                  <a:t>Spoke 2</a:t>
-                </a:r>
-              </a:p>
-            </p:txBody>
-          </p:sp>
-        </p:grpSp>
-        <p:cxnSp>
-          <p:nvCxnSpPr>
-            <p:cNvPr id="146" name="Straight Arrow Connector 145">
-              <a:extLst>
-                <a:ext uri="{FF2B5EF4-FFF2-40B4-BE49-F238E27FC236}">
-                  <a16:creationId xmlns:a16="http://schemas.microsoft.com/office/drawing/2014/main" id="{85A04DDE-65A1-4664-BFA0-948BE7F2FD77}"/>
-                </a:ext>
-              </a:extLst>
-            </p:cNvPr>
-            <p:cNvCxnSpPr>
-              <a:stCxn id="8" idx="1"/>
-              <a:endCxn id="70" idx="0"/>
-            </p:cNvCxnSpPr>
-            <p:nvPr/>
-          </p:nvCxnSpPr>
-          <p:spPr>
-            <a:xfrm>
-              <a:off x="7948697" y="2222604"/>
-              <a:ext cx="6660" cy="1065203"/>
-            </a:xfrm>
-            <a:prstGeom prst="straightConnector1">
-              <a:avLst/>
-            </a:prstGeom>
-            <a:ln w="38100">
-              <a:solidFill>
-                <a:srgbClr val="5B9BD5"/>
-              </a:solidFill>
-              <a:headEnd type="triangle"/>
-              <a:tailEnd type="triangle"/>
-            </a:ln>
-          </p:spPr>
-          <p:style>
-            <a:lnRef idx="1">
-              <a:schemeClr val="accent1"/>
-            </a:lnRef>
-            <a:fillRef idx="0">
-              <a:schemeClr val="accent1"/>
-            </a:fillRef>
-            <a:effectRef idx="0">
-              <a:schemeClr val="accent1"/>
-            </a:effectRef>
-            <a:fontRef idx="minor">
-              <a:schemeClr val="tx1"/>
-            </a:fontRef>
-          </p:style>
-        </p:cxnSp>
-        <p:cxnSp>
-          <p:nvCxnSpPr>
-            <p:cNvPr id="149" name="Connector: Elbow 148">
-              <a:extLst>
-                <a:ext uri="{FF2B5EF4-FFF2-40B4-BE49-F238E27FC236}">
-                  <a16:creationId xmlns:a16="http://schemas.microsoft.com/office/drawing/2014/main" id="{C44271AA-3E57-4761-815E-BFE542E115A3}"/>
-                </a:ext>
-              </a:extLst>
-            </p:cNvPr>
-            <p:cNvCxnSpPr>
-              <a:stCxn id="121" idx="0"/>
-              <a:endCxn id="36" idx="1"/>
-            </p:cNvCxnSpPr>
-            <p:nvPr/>
-          </p:nvCxnSpPr>
-          <p:spPr>
-            <a:xfrm rot="16200000" flipH="1">
-              <a:off x="4293906" y="1908411"/>
-              <a:ext cx="712424" cy="3452217"/>
-            </a:xfrm>
-            <a:prstGeom prst="bentConnector4">
-              <a:avLst>
-                <a:gd name="adj1" fmla="val -93589"/>
-                <a:gd name="adj2" fmla="val 56456"/>
-              </a:avLst>
-            </a:prstGeom>
-            <a:ln w="38100">
-              <a:solidFill>
-                <a:srgbClr val="92C426"/>
-              </a:solidFill>
-              <a:headEnd type="triangle"/>
-              <a:tailEnd type="triangle"/>
-            </a:ln>
-          </p:spPr>
-          <p:style>
-            <a:lnRef idx="1">
-              <a:schemeClr val="accent1"/>
-            </a:lnRef>
-            <a:fillRef idx="0">
-              <a:schemeClr val="accent1"/>
-            </a:fillRef>
-            <a:effectRef idx="0">
-              <a:schemeClr val="accent1"/>
-            </a:effectRef>
-            <a:fontRef idx="minor">
-              <a:schemeClr val="tx1"/>
-            </a:fontRef>
-          </p:style>
-        </p:cxnSp>
-        <p:cxnSp>
-          <p:nvCxnSpPr>
-            <p:cNvPr id="151" name="Connector: Elbow 150">
-              <a:extLst>
-                <a:ext uri="{FF2B5EF4-FFF2-40B4-BE49-F238E27FC236}">
-                  <a16:creationId xmlns:a16="http://schemas.microsoft.com/office/drawing/2014/main" id="{54D863C8-E926-4ED7-844B-5A0FC94C1F00}"/>
-                </a:ext>
-              </a:extLst>
-            </p:cNvPr>
-            <p:cNvCxnSpPr>
-              <a:cxnSpLocks/>
-              <a:stCxn id="24" idx="0"/>
-              <a:endCxn id="36" idx="1"/>
-            </p:cNvCxnSpPr>
-            <p:nvPr/>
-          </p:nvCxnSpPr>
-          <p:spPr>
-            <a:xfrm rot="16200000" flipH="1">
-              <a:off x="3219942" y="834446"/>
-              <a:ext cx="712424" cy="5600146"/>
-            </a:xfrm>
-            <a:prstGeom prst="bentConnector4">
-              <a:avLst>
-                <a:gd name="adj1" fmla="val -93589"/>
-                <a:gd name="adj2" fmla="val 73143"/>
-              </a:avLst>
-            </a:prstGeom>
-            <a:ln w="38100">
-              <a:solidFill>
-                <a:srgbClr val="92C426"/>
-              </a:solidFill>
-              <a:headEnd type="triangle"/>
-              <a:tailEnd type="triangle"/>
-            </a:ln>
-          </p:spPr>
-          <p:style>
-            <a:lnRef idx="1">
-              <a:schemeClr val="accent1"/>
-            </a:lnRef>
-            <a:fillRef idx="0">
-              <a:schemeClr val="accent1"/>
-            </a:fillRef>
-            <a:effectRef idx="0">
-              <a:schemeClr val="accent1"/>
-            </a:effectRef>
-            <a:fontRef idx="minor">
-              <a:schemeClr val="tx1"/>
-            </a:fontRef>
-          </p:style>
-        </p:cxnSp>
-        <p:sp>
-          <p:nvSpPr>
-            <p:cNvPr id="156" name="TextBox 155">
-              <a:extLst>
-                <a:ext uri="{FF2B5EF4-FFF2-40B4-BE49-F238E27FC236}">
-                  <a16:creationId xmlns:a16="http://schemas.microsoft.com/office/drawing/2014/main" id="{2962CD03-6CAD-4F96-AA62-CDAC5669D815}"/>
+                  <a16:creationId xmlns:a16="http://schemas.microsoft.com/office/drawing/2014/main" id="{9A3C68F4-F24D-4738-B526-AC5F37E5A4EE}"/>
                 </a:ext>
               </a:extLst>
             </p:cNvPr>
@@ -8109,8 +7947,8 @@
           </p:nvSpPr>
           <p:spPr>
             <a:xfrm>
-              <a:off x="776080" y="2274159"/>
-              <a:ext cx="4087090" cy="307777"/>
+              <a:off x="1592994" y="5972516"/>
+              <a:ext cx="1016052" cy="307777"/>
             </a:xfrm>
             <a:prstGeom prst="rect">
               <a:avLst/>
@@ -8125,23 +7963,1278 @@
             <a:p>
               <a:pPr algn="ctr"/>
               <a:r>
-                <a:rPr lang="en-GB" sz="1400" dirty="0" err="1">
+                <a:rPr lang="en-GB" sz="1400" dirty="0">
                   <a:latin typeface="Segoe UI Semilight" panose="020B0402040204020203" pitchFamily="34" charset="0"/>
                   <a:cs typeface="Segoe UI Semilight" panose="020B0402040204020203" pitchFamily="34" charset="0"/>
                 </a:rPr>
-                <a:t>VNet</a:t>
+                <a:t>DB</a:t>
               </a:r>
+            </a:p>
+          </p:txBody>
+        </p:sp>
+      </p:grpSp>
+      <p:sp>
+        <p:nvSpPr>
+          <p:cNvPr id="163" name="TextBox 162">
+            <a:extLst>
+              <a:ext uri="{FF2B5EF4-FFF2-40B4-BE49-F238E27FC236}">
+                <a16:creationId xmlns:a16="http://schemas.microsoft.com/office/drawing/2014/main" id="{716C959C-8C88-4630-B9C5-F9FE6EBB05B4}"/>
+              </a:ext>
+            </a:extLst>
+          </p:cNvPr>
+          <p:cNvSpPr txBox="1"/>
+          <p:nvPr/>
+        </p:nvSpPr>
+        <p:spPr>
+          <a:xfrm>
+            <a:off x="283777" y="5899610"/>
+            <a:ext cx="1583470" cy="307777"/>
+          </a:xfrm>
+          <a:prstGeom prst="rect">
+            <a:avLst/>
+          </a:prstGeom>
+          <a:noFill/>
+        </p:spPr>
+        <p:txBody>
+          <a:bodyPr wrap="square" rtlCol="0">
+            <a:spAutoFit/>
+          </a:bodyPr>
+          <a:lstStyle/>
+          <a:p>
+            <a:pPr algn="ctr"/>
+            <a:r>
+              <a:rPr lang="en-GB" sz="1400" dirty="0">
+                <a:latin typeface="Segoe UI Semilight" panose="020B0402040204020203" pitchFamily="34" charset="0"/>
+                <a:cs typeface="Segoe UI Semilight" panose="020B0402040204020203" pitchFamily="34" charset="0"/>
+              </a:rPr>
+              <a:t>Workload subnet</a:t>
+            </a:r>
+          </a:p>
+        </p:txBody>
+      </p:sp>
+      <p:sp>
+        <p:nvSpPr>
+          <p:cNvPr id="165" name="TextBox 164">
+            <a:extLst>
+              <a:ext uri="{FF2B5EF4-FFF2-40B4-BE49-F238E27FC236}">
+                <a16:creationId xmlns:a16="http://schemas.microsoft.com/office/drawing/2014/main" id="{5BE475EC-F6FE-4AF4-9A0D-ABB74576C154}"/>
+              </a:ext>
+            </a:extLst>
+          </p:cNvPr>
+          <p:cNvSpPr txBox="1"/>
+          <p:nvPr/>
+        </p:nvSpPr>
+        <p:spPr>
+          <a:xfrm>
+            <a:off x="283777" y="3302869"/>
+            <a:ext cx="1583470" cy="523220"/>
+          </a:xfrm>
+          <a:prstGeom prst="rect">
+            <a:avLst/>
+          </a:prstGeom>
+          <a:noFill/>
+        </p:spPr>
+        <p:txBody>
+          <a:bodyPr wrap="square" rtlCol="0">
+            <a:spAutoFit/>
+          </a:bodyPr>
+          <a:lstStyle/>
+          <a:p>
+            <a:pPr algn="ctr"/>
+            <a:r>
+              <a:rPr lang="en-GB" sz="1400" dirty="0">
+                <a:latin typeface="Segoe UI Semilight" panose="020B0402040204020203" pitchFamily="34" charset="0"/>
+                <a:cs typeface="Segoe UI Semilight" panose="020B0402040204020203" pitchFamily="34" charset="0"/>
+              </a:rPr>
+              <a:t>Management subnet</a:t>
+            </a:r>
+          </a:p>
+        </p:txBody>
+      </p:sp>
+      <p:sp>
+        <p:nvSpPr>
+          <p:cNvPr id="32" name="Oval 31">
+            <a:extLst>
+              <a:ext uri="{FF2B5EF4-FFF2-40B4-BE49-F238E27FC236}">
+                <a16:creationId xmlns:a16="http://schemas.microsoft.com/office/drawing/2014/main" id="{903E3E88-96D2-4A17-B279-6E6915D22C49}"/>
+              </a:ext>
+            </a:extLst>
+          </p:cNvPr>
+          <p:cNvSpPr/>
+          <p:nvPr/>
+        </p:nvSpPr>
+        <p:spPr>
+          <a:xfrm>
+            <a:off x="7312975" y="4227620"/>
+            <a:ext cx="568380" cy="568380"/>
+          </a:xfrm>
+          <a:prstGeom prst="ellipse">
+            <a:avLst/>
+          </a:prstGeom>
+          <a:solidFill>
+            <a:schemeClr val="bg1"/>
+          </a:solidFill>
+          <a:ln>
+            <a:noFill/>
+          </a:ln>
+        </p:spPr>
+        <p:style>
+          <a:lnRef idx="2">
+            <a:schemeClr val="accent1">
+              <a:shade val="50000"/>
+            </a:schemeClr>
+          </a:lnRef>
+          <a:fillRef idx="1">
+            <a:schemeClr val="accent1"/>
+          </a:fillRef>
+          <a:effectRef idx="0">
+            <a:schemeClr val="accent1"/>
+          </a:effectRef>
+          <a:fontRef idx="minor">
+            <a:schemeClr val="lt1"/>
+          </a:fontRef>
+        </p:style>
+        <p:txBody>
+          <a:bodyPr rtlCol="0" anchor="ctr"/>
+          <a:lstStyle/>
+          <a:p>
+            <a:pPr algn="ctr"/>
+            <a:endParaRPr lang="en-GB"/>
+          </a:p>
+        </p:txBody>
+      </p:sp>
+      <p:pic>
+        <p:nvPicPr>
+          <p:cNvPr id="26" name="Picture 25">
+            <a:extLst>
+              <a:ext uri="{FF2B5EF4-FFF2-40B4-BE49-F238E27FC236}">
+                <a16:creationId xmlns:a16="http://schemas.microsoft.com/office/drawing/2014/main" id="{11422D63-0B0C-4AA9-9A52-B60F82AE7ED8}"/>
+              </a:ext>
+            </a:extLst>
+          </p:cNvPr>
+          <p:cNvPicPr>
+            <a:picLocks noChangeAspect="1"/>
+          </p:cNvPicPr>
+          <p:nvPr/>
+        </p:nvPicPr>
+        <p:blipFill>
+          <a:blip r:embed="rId17">
+            <a:clrChange>
+              <a:clrFrom>
+                <a:srgbClr val="FFFFFF"/>
+              </a:clrFrom>
+              <a:clrTo>
+                <a:srgbClr val="FFFFFF">
+                  <a:alpha val="0"/>
+                </a:srgbClr>
+              </a:clrTo>
+            </a:clrChange>
+          </a:blip>
+          <a:stretch>
+            <a:fillRect/>
+          </a:stretch>
+        </p:blipFill>
+        <p:spPr>
+          <a:xfrm>
+            <a:off x="7058114" y="4104374"/>
+            <a:ext cx="1079555" cy="857294"/>
+          </a:xfrm>
+          <a:prstGeom prst="rect">
+            <a:avLst/>
+          </a:prstGeom>
+        </p:spPr>
+      </p:pic>
+      <p:sp>
+        <p:nvSpPr>
+          <p:cNvPr id="175" name="TextBox 174">
+            <a:extLst>
+              <a:ext uri="{FF2B5EF4-FFF2-40B4-BE49-F238E27FC236}">
+                <a16:creationId xmlns:a16="http://schemas.microsoft.com/office/drawing/2014/main" id="{B464606D-EB59-4DF8-A729-37312B7B391D}"/>
+              </a:ext>
+            </a:extLst>
+          </p:cNvPr>
+          <p:cNvSpPr txBox="1"/>
+          <p:nvPr/>
+        </p:nvSpPr>
+        <p:spPr>
+          <a:xfrm>
+            <a:off x="6071576" y="3525555"/>
+            <a:ext cx="2497315" cy="307777"/>
+          </a:xfrm>
+          <a:prstGeom prst="rect">
+            <a:avLst/>
+          </a:prstGeom>
+          <a:noFill/>
+        </p:spPr>
+        <p:txBody>
+          <a:bodyPr wrap="square" rtlCol="0">
+            <a:spAutoFit/>
+          </a:bodyPr>
+          <a:lstStyle/>
+          <a:p>
+            <a:pPr algn="ctr"/>
+            <a:r>
+              <a:rPr lang="en-GB" sz="1400" dirty="0">
+                <a:latin typeface="Segoe UI Semilight" panose="020B0402040204020203" pitchFamily="34" charset="0"/>
+                <a:cs typeface="Segoe UI Semilight" panose="020B0402040204020203" pitchFamily="34" charset="0"/>
+              </a:rPr>
+              <a:t>Management subnet</a:t>
+            </a:r>
+          </a:p>
+        </p:txBody>
+      </p:sp>
+      <p:sp>
+        <p:nvSpPr>
+          <p:cNvPr id="176" name="Rectangle 175">
+            <a:extLst>
+              <a:ext uri="{FF2B5EF4-FFF2-40B4-BE49-F238E27FC236}">
+                <a16:creationId xmlns:a16="http://schemas.microsoft.com/office/drawing/2014/main" id="{9C6165DB-4BDC-49D1-BF1E-D8892E83376C}"/>
+              </a:ext>
+            </a:extLst>
+          </p:cNvPr>
+          <p:cNvSpPr/>
+          <p:nvPr/>
+        </p:nvSpPr>
+        <p:spPr>
+          <a:xfrm rot="2675702">
+            <a:off x="2662409" y="2204330"/>
+            <a:ext cx="456874" cy="456874"/>
+          </a:xfrm>
+          <a:prstGeom prst="rect">
+            <a:avLst/>
+          </a:prstGeom>
+          <a:solidFill>
+            <a:schemeClr val="bg1"/>
+          </a:solidFill>
+          <a:ln>
+            <a:noFill/>
+          </a:ln>
+        </p:spPr>
+        <p:style>
+          <a:lnRef idx="2">
+            <a:schemeClr val="accent1">
+              <a:shade val="50000"/>
+            </a:schemeClr>
+          </a:lnRef>
+          <a:fillRef idx="1">
+            <a:schemeClr val="accent1"/>
+          </a:fillRef>
+          <a:effectRef idx="0">
+            <a:schemeClr val="accent1"/>
+          </a:effectRef>
+          <a:fontRef idx="minor">
+            <a:schemeClr val="lt1"/>
+          </a:fontRef>
+        </p:style>
+        <p:txBody>
+          <a:bodyPr rtlCol="0" anchor="ctr"/>
+          <a:lstStyle/>
+          <a:p>
+            <a:pPr algn="ctr"/>
+            <a:endParaRPr lang="en-GB"/>
+          </a:p>
+        </p:txBody>
+      </p:sp>
+      <p:sp>
+        <p:nvSpPr>
+          <p:cNvPr id="177" name="Rectangle 176">
+            <a:extLst>
+              <a:ext uri="{FF2B5EF4-FFF2-40B4-BE49-F238E27FC236}">
+                <a16:creationId xmlns:a16="http://schemas.microsoft.com/office/drawing/2014/main" id="{899BCCB1-C1C0-40B0-97BE-C24D664403F3}"/>
+              </a:ext>
+            </a:extLst>
+          </p:cNvPr>
+          <p:cNvSpPr/>
+          <p:nvPr/>
+        </p:nvSpPr>
+        <p:spPr>
+          <a:xfrm rot="2675702">
+            <a:off x="505875" y="2204329"/>
+            <a:ext cx="456874" cy="456874"/>
+          </a:xfrm>
+          <a:prstGeom prst="rect">
+            <a:avLst/>
+          </a:prstGeom>
+          <a:solidFill>
+            <a:schemeClr val="bg1"/>
+          </a:solidFill>
+          <a:ln>
+            <a:noFill/>
+          </a:ln>
+        </p:spPr>
+        <p:style>
+          <a:lnRef idx="2">
+            <a:schemeClr val="accent1">
+              <a:shade val="50000"/>
+            </a:schemeClr>
+          </a:lnRef>
+          <a:fillRef idx="1">
+            <a:schemeClr val="accent1"/>
+          </a:fillRef>
+          <a:effectRef idx="0">
+            <a:schemeClr val="accent1"/>
+          </a:effectRef>
+          <a:fontRef idx="minor">
+            <a:schemeClr val="lt1"/>
+          </a:fontRef>
+        </p:style>
+        <p:txBody>
+          <a:bodyPr rtlCol="0" anchor="ctr"/>
+          <a:lstStyle/>
+          <a:p>
+            <a:pPr algn="ctr"/>
+            <a:endParaRPr lang="en-GB"/>
+          </a:p>
+        </p:txBody>
+      </p:sp>
+      <p:grpSp>
+        <p:nvGrpSpPr>
+          <p:cNvPr id="155" name="Group 154">
+            <a:extLst>
+              <a:ext uri="{FF2B5EF4-FFF2-40B4-BE49-F238E27FC236}">
+                <a16:creationId xmlns:a16="http://schemas.microsoft.com/office/drawing/2014/main" id="{40B27AA1-7D70-40F4-A46D-FA066B56B8F0}"/>
+              </a:ext>
+            </a:extLst>
+          </p:cNvPr>
+          <p:cNvGrpSpPr/>
+          <p:nvPr/>
+        </p:nvGrpSpPr>
+        <p:grpSpPr>
+          <a:xfrm>
+            <a:off x="189509" y="2056392"/>
+            <a:ext cx="1126728" cy="1142160"/>
+            <a:chOff x="1076591" y="401757"/>
+            <a:chExt cx="1126728" cy="1142160"/>
+          </a:xfrm>
+        </p:grpSpPr>
+        <p:pic>
+          <p:nvPicPr>
+            <p:cNvPr id="157" name="Picture 156">
+              <a:extLst>
+                <a:ext uri="{FF2B5EF4-FFF2-40B4-BE49-F238E27FC236}">
+                  <a16:creationId xmlns:a16="http://schemas.microsoft.com/office/drawing/2014/main" id="{9D344988-CC20-48AB-BDAC-2C0FA1BBD69A}"/>
+                </a:ext>
+              </a:extLst>
+            </p:cNvPr>
+            <p:cNvPicPr>
+              <a:picLocks noChangeAspect="1"/>
+            </p:cNvPicPr>
+            <p:nvPr/>
+          </p:nvPicPr>
+          <p:blipFill>
+            <a:blip r:embed="rId18">
+              <a:clrChange>
+                <a:clrFrom>
+                  <a:srgbClr val="FFFFFF"/>
+                </a:clrFrom>
+                <a:clrTo>
+                  <a:srgbClr val="FFFFFF">
+                    <a:alpha val="0"/>
+                  </a:srgbClr>
+                </a:clrTo>
+              </a:clrChange>
+            </a:blip>
+            <a:stretch>
+              <a:fillRect/>
+            </a:stretch>
+          </p:blipFill>
+          <p:spPr>
+            <a:xfrm>
+              <a:off x="1210276" y="401757"/>
+              <a:ext cx="891556" cy="768110"/>
+            </a:xfrm>
+            <a:prstGeom prst="rect">
+              <a:avLst/>
+            </a:prstGeom>
+          </p:spPr>
+        </p:pic>
+        <p:sp>
+          <p:nvSpPr>
+            <p:cNvPr id="160" name="TextBox 159">
+              <a:extLst>
+                <a:ext uri="{FF2B5EF4-FFF2-40B4-BE49-F238E27FC236}">
+                  <a16:creationId xmlns:a16="http://schemas.microsoft.com/office/drawing/2014/main" id="{F996B9B0-E26B-443C-94B4-7D12507CE399}"/>
+                </a:ext>
+              </a:extLst>
+            </p:cNvPr>
+            <p:cNvSpPr txBox="1"/>
+            <p:nvPr/>
+          </p:nvSpPr>
+          <p:spPr>
+            <a:xfrm>
+              <a:off x="1076591" y="1020697"/>
+              <a:ext cx="1126728" cy="523220"/>
+            </a:xfrm>
+            <a:prstGeom prst="rect">
+              <a:avLst/>
+            </a:prstGeom>
+            <a:noFill/>
+          </p:spPr>
+          <p:txBody>
+            <a:bodyPr wrap="square" rtlCol="0">
+              <a:spAutoFit/>
+            </a:bodyPr>
+            <a:lstStyle/>
+            <a:p>
+              <a:pPr algn="ctr"/>
               <a:r>
                 <a:rPr lang="en-GB" sz="1400" dirty="0">
                   <a:latin typeface="Segoe UI Semilight" panose="020B0402040204020203" pitchFamily="34" charset="0"/>
                   <a:cs typeface="Segoe UI Semilight" panose="020B0402040204020203" pitchFamily="34" charset="0"/>
                 </a:rPr>
-                <a:t> Peering</a:t>
+                <a:t>Load Balancer</a:t>
               </a:r>
             </a:p>
           </p:txBody>
         </p:sp>
       </p:grpSp>
+      <p:grpSp>
+        <p:nvGrpSpPr>
+          <p:cNvPr id="118" name="Group 117">
+            <a:extLst>
+              <a:ext uri="{FF2B5EF4-FFF2-40B4-BE49-F238E27FC236}">
+                <a16:creationId xmlns:a16="http://schemas.microsoft.com/office/drawing/2014/main" id="{5A3CD03B-BB5D-4F01-BA3A-460AF6F574E7}"/>
+              </a:ext>
+            </a:extLst>
+          </p:cNvPr>
+          <p:cNvGrpSpPr/>
+          <p:nvPr/>
+        </p:nvGrpSpPr>
+        <p:grpSpPr>
+          <a:xfrm>
+            <a:off x="2344547" y="2056392"/>
+            <a:ext cx="1126728" cy="1142160"/>
+            <a:chOff x="1076591" y="401757"/>
+            <a:chExt cx="1126728" cy="1142160"/>
+          </a:xfrm>
+        </p:grpSpPr>
+        <p:pic>
+          <p:nvPicPr>
+            <p:cNvPr id="121" name="Picture 120">
+              <a:extLst>
+                <a:ext uri="{FF2B5EF4-FFF2-40B4-BE49-F238E27FC236}">
+                  <a16:creationId xmlns:a16="http://schemas.microsoft.com/office/drawing/2014/main" id="{6CC90D85-A32E-43D8-B6C6-3CF8C9C64B4D}"/>
+                </a:ext>
+              </a:extLst>
+            </p:cNvPr>
+            <p:cNvPicPr>
+              <a:picLocks noChangeAspect="1"/>
+            </p:cNvPicPr>
+            <p:nvPr/>
+          </p:nvPicPr>
+          <p:blipFill>
+            <a:blip r:embed="rId18">
+              <a:clrChange>
+                <a:clrFrom>
+                  <a:srgbClr val="FFFFFF"/>
+                </a:clrFrom>
+                <a:clrTo>
+                  <a:srgbClr val="FFFFFF">
+                    <a:alpha val="0"/>
+                  </a:srgbClr>
+                </a:clrTo>
+              </a:clrChange>
+            </a:blip>
+            <a:stretch>
+              <a:fillRect/>
+            </a:stretch>
+          </p:blipFill>
+          <p:spPr>
+            <a:xfrm>
+              <a:off x="1210276" y="401757"/>
+              <a:ext cx="891556" cy="768110"/>
+            </a:xfrm>
+            <a:prstGeom prst="rect">
+              <a:avLst/>
+            </a:prstGeom>
+          </p:spPr>
+        </p:pic>
+        <p:sp>
+          <p:nvSpPr>
+            <p:cNvPr id="122" name="TextBox 121">
+              <a:extLst>
+                <a:ext uri="{FF2B5EF4-FFF2-40B4-BE49-F238E27FC236}">
+                  <a16:creationId xmlns:a16="http://schemas.microsoft.com/office/drawing/2014/main" id="{311D21CE-85C6-4CE3-94F2-4ACC1747BB0D}"/>
+                </a:ext>
+              </a:extLst>
+            </p:cNvPr>
+            <p:cNvSpPr txBox="1"/>
+            <p:nvPr/>
+          </p:nvSpPr>
+          <p:spPr>
+            <a:xfrm>
+              <a:off x="1076591" y="1020697"/>
+              <a:ext cx="1126728" cy="523220"/>
+            </a:xfrm>
+            <a:prstGeom prst="rect">
+              <a:avLst/>
+            </a:prstGeom>
+            <a:noFill/>
+          </p:spPr>
+          <p:txBody>
+            <a:bodyPr wrap="square" rtlCol="0">
+              <a:spAutoFit/>
+            </a:bodyPr>
+            <a:lstStyle/>
+            <a:p>
+              <a:pPr algn="ctr"/>
+              <a:r>
+                <a:rPr lang="en-GB" sz="1400" dirty="0">
+                  <a:latin typeface="Segoe UI Semilight" panose="020B0402040204020203" pitchFamily="34" charset="0"/>
+                  <a:cs typeface="Segoe UI Semilight" panose="020B0402040204020203" pitchFamily="34" charset="0"/>
+                </a:rPr>
+                <a:t>Load Balancer</a:t>
+              </a:r>
+            </a:p>
+          </p:txBody>
+        </p:sp>
+      </p:grpSp>
+      <p:sp>
+        <p:nvSpPr>
+          <p:cNvPr id="178" name="Rectangle 177">
+            <a:extLst>
+              <a:ext uri="{FF2B5EF4-FFF2-40B4-BE49-F238E27FC236}">
+                <a16:creationId xmlns:a16="http://schemas.microsoft.com/office/drawing/2014/main" id="{D5EC6031-E8FD-4EA2-BC27-C5DF2FFC2238}"/>
+              </a:ext>
+            </a:extLst>
+          </p:cNvPr>
+          <p:cNvSpPr/>
+          <p:nvPr/>
+        </p:nvSpPr>
+        <p:spPr>
+          <a:xfrm rot="3630878">
+            <a:off x="2735328" y="4230964"/>
+            <a:ext cx="263042" cy="263240"/>
+          </a:xfrm>
+          <a:prstGeom prst="rect">
+            <a:avLst/>
+          </a:prstGeom>
+          <a:solidFill>
+            <a:schemeClr val="bg1"/>
+          </a:solidFill>
+          <a:ln>
+            <a:noFill/>
+          </a:ln>
+        </p:spPr>
+        <p:style>
+          <a:lnRef idx="2">
+            <a:schemeClr val="accent1">
+              <a:shade val="50000"/>
+            </a:schemeClr>
+          </a:lnRef>
+          <a:fillRef idx="1">
+            <a:schemeClr val="accent1"/>
+          </a:fillRef>
+          <a:effectRef idx="0">
+            <a:schemeClr val="accent1"/>
+          </a:effectRef>
+          <a:fontRef idx="minor">
+            <a:schemeClr val="lt1"/>
+          </a:fontRef>
+        </p:style>
+        <p:txBody>
+          <a:bodyPr rtlCol="0" anchor="ctr"/>
+          <a:lstStyle/>
+          <a:p>
+            <a:pPr algn="ctr"/>
+            <a:endParaRPr lang="en-GB"/>
+          </a:p>
+        </p:txBody>
+      </p:sp>
+      <p:sp>
+        <p:nvSpPr>
+          <p:cNvPr id="179" name="Rectangle 178">
+            <a:extLst>
+              <a:ext uri="{FF2B5EF4-FFF2-40B4-BE49-F238E27FC236}">
+                <a16:creationId xmlns:a16="http://schemas.microsoft.com/office/drawing/2014/main" id="{3135E53C-6D69-4111-B190-5435C2549D95}"/>
+              </a:ext>
+            </a:extLst>
+          </p:cNvPr>
+          <p:cNvSpPr/>
+          <p:nvPr/>
+        </p:nvSpPr>
+        <p:spPr>
+          <a:xfrm rot="3630878">
+            <a:off x="3510889" y="4230964"/>
+            <a:ext cx="263042" cy="263240"/>
+          </a:xfrm>
+          <a:prstGeom prst="rect">
+            <a:avLst/>
+          </a:prstGeom>
+          <a:solidFill>
+            <a:schemeClr val="bg1"/>
+          </a:solidFill>
+          <a:ln>
+            <a:noFill/>
+          </a:ln>
+        </p:spPr>
+        <p:style>
+          <a:lnRef idx="2">
+            <a:schemeClr val="accent1">
+              <a:shade val="50000"/>
+            </a:schemeClr>
+          </a:lnRef>
+          <a:fillRef idx="1">
+            <a:schemeClr val="accent1"/>
+          </a:fillRef>
+          <a:effectRef idx="0">
+            <a:schemeClr val="accent1"/>
+          </a:effectRef>
+          <a:fontRef idx="minor">
+            <a:schemeClr val="lt1"/>
+          </a:fontRef>
+        </p:style>
+        <p:txBody>
+          <a:bodyPr rtlCol="0" anchor="ctr"/>
+          <a:lstStyle/>
+          <a:p>
+            <a:pPr algn="ctr"/>
+            <a:endParaRPr lang="en-GB"/>
+          </a:p>
+        </p:txBody>
+      </p:sp>
+      <p:sp>
+        <p:nvSpPr>
+          <p:cNvPr id="180" name="Rectangle 179">
+            <a:extLst>
+              <a:ext uri="{FF2B5EF4-FFF2-40B4-BE49-F238E27FC236}">
+                <a16:creationId xmlns:a16="http://schemas.microsoft.com/office/drawing/2014/main" id="{57C37620-E115-404C-B6E0-4C3F28CC987B}"/>
+              </a:ext>
+            </a:extLst>
+          </p:cNvPr>
+          <p:cNvSpPr/>
+          <p:nvPr/>
+        </p:nvSpPr>
+        <p:spPr>
+          <a:xfrm rot="3630878">
+            <a:off x="1350504" y="4230964"/>
+            <a:ext cx="263042" cy="263240"/>
+          </a:xfrm>
+          <a:prstGeom prst="rect">
+            <a:avLst/>
+          </a:prstGeom>
+          <a:solidFill>
+            <a:schemeClr val="bg1"/>
+          </a:solidFill>
+          <a:ln>
+            <a:noFill/>
+          </a:ln>
+        </p:spPr>
+        <p:style>
+          <a:lnRef idx="2">
+            <a:schemeClr val="accent1">
+              <a:shade val="50000"/>
+            </a:schemeClr>
+          </a:lnRef>
+          <a:fillRef idx="1">
+            <a:schemeClr val="accent1"/>
+          </a:fillRef>
+          <a:effectRef idx="0">
+            <a:schemeClr val="accent1"/>
+          </a:effectRef>
+          <a:fontRef idx="minor">
+            <a:schemeClr val="lt1"/>
+          </a:fontRef>
+        </p:style>
+        <p:txBody>
+          <a:bodyPr rtlCol="0" anchor="ctr"/>
+          <a:lstStyle/>
+          <a:p>
+            <a:pPr algn="ctr"/>
+            <a:endParaRPr lang="en-GB"/>
+          </a:p>
+        </p:txBody>
+      </p:sp>
+      <p:sp>
+        <p:nvSpPr>
+          <p:cNvPr id="181" name="Rectangle 180">
+            <a:extLst>
+              <a:ext uri="{FF2B5EF4-FFF2-40B4-BE49-F238E27FC236}">
+                <a16:creationId xmlns:a16="http://schemas.microsoft.com/office/drawing/2014/main" id="{4087DFB7-3B47-41A7-BD25-5300F3C087D6}"/>
+              </a:ext>
+            </a:extLst>
+          </p:cNvPr>
+          <p:cNvSpPr/>
+          <p:nvPr/>
+        </p:nvSpPr>
+        <p:spPr>
+          <a:xfrm rot="3630878">
+            <a:off x="579610" y="4230964"/>
+            <a:ext cx="263042" cy="263240"/>
+          </a:xfrm>
+          <a:prstGeom prst="rect">
+            <a:avLst/>
+          </a:prstGeom>
+          <a:solidFill>
+            <a:schemeClr val="bg1"/>
+          </a:solidFill>
+          <a:ln>
+            <a:noFill/>
+          </a:ln>
+        </p:spPr>
+        <p:style>
+          <a:lnRef idx="2">
+            <a:schemeClr val="accent1">
+              <a:shade val="50000"/>
+            </a:schemeClr>
+          </a:lnRef>
+          <a:fillRef idx="1">
+            <a:schemeClr val="accent1"/>
+          </a:fillRef>
+          <a:effectRef idx="0">
+            <a:schemeClr val="accent1"/>
+          </a:effectRef>
+          <a:fontRef idx="minor">
+            <a:schemeClr val="lt1"/>
+          </a:fontRef>
+        </p:style>
+        <p:txBody>
+          <a:bodyPr rtlCol="0" anchor="ctr"/>
+          <a:lstStyle/>
+          <a:p>
+            <a:pPr algn="ctr"/>
+            <a:endParaRPr lang="en-GB"/>
+          </a:p>
+        </p:txBody>
+      </p:sp>
+      <p:grpSp>
+        <p:nvGrpSpPr>
+          <p:cNvPr id="113" name="Group 112">
+            <a:extLst>
+              <a:ext uri="{FF2B5EF4-FFF2-40B4-BE49-F238E27FC236}">
+                <a16:creationId xmlns:a16="http://schemas.microsoft.com/office/drawing/2014/main" id="{DD28F5AB-BA71-4706-9AAD-02B0911606B6}"/>
+              </a:ext>
+            </a:extLst>
+          </p:cNvPr>
+          <p:cNvGrpSpPr/>
+          <p:nvPr/>
+        </p:nvGrpSpPr>
+        <p:grpSpPr>
+          <a:xfrm>
+            <a:off x="2348638" y="4078809"/>
+            <a:ext cx="1016052" cy="984582"/>
+            <a:chOff x="568313" y="4311129"/>
+            <a:chExt cx="1016052" cy="984582"/>
+          </a:xfrm>
+        </p:grpSpPr>
+        <p:pic>
+          <p:nvPicPr>
+            <p:cNvPr id="132" name="Picture 131">
+              <a:extLst>
+                <a:ext uri="{FF2B5EF4-FFF2-40B4-BE49-F238E27FC236}">
+                  <a16:creationId xmlns:a16="http://schemas.microsoft.com/office/drawing/2014/main" id="{9DD9B193-0DFE-4515-91F3-D15B26A219A6}"/>
+                </a:ext>
+              </a:extLst>
+            </p:cNvPr>
+            <p:cNvPicPr>
+              <a:picLocks noChangeAspect="1"/>
+            </p:cNvPicPr>
+            <p:nvPr/>
+          </p:nvPicPr>
+          <p:blipFill>
+            <a:blip r:embed="rId14">
+              <a:clrChange>
+                <a:clrFrom>
+                  <a:srgbClr val="FFFFFF"/>
+                </a:clrFrom>
+                <a:clrTo>
+                  <a:srgbClr val="FFFFFF">
+                    <a:alpha val="0"/>
+                  </a:srgbClr>
+                </a:clrTo>
+              </a:clrChange>
+            </a:blip>
+            <a:stretch>
+              <a:fillRect/>
+            </a:stretch>
+          </p:blipFill>
+          <p:spPr>
+            <a:xfrm>
+              <a:off x="667138" y="4311129"/>
+              <a:ext cx="818403" cy="749822"/>
+            </a:xfrm>
+            <a:prstGeom prst="rect">
+              <a:avLst/>
+            </a:prstGeom>
+          </p:spPr>
+        </p:pic>
+        <p:sp>
+          <p:nvSpPr>
+            <p:cNvPr id="133" name="TextBox 132">
+              <a:extLst>
+                <a:ext uri="{FF2B5EF4-FFF2-40B4-BE49-F238E27FC236}">
+                  <a16:creationId xmlns:a16="http://schemas.microsoft.com/office/drawing/2014/main" id="{9DBD75A6-6489-4E7B-A8E7-A9C03EE90CC2}"/>
+                </a:ext>
+              </a:extLst>
+            </p:cNvPr>
+            <p:cNvSpPr txBox="1"/>
+            <p:nvPr/>
+          </p:nvSpPr>
+          <p:spPr>
+            <a:xfrm>
+              <a:off x="568313" y="4987934"/>
+              <a:ext cx="1016052" cy="307777"/>
+            </a:xfrm>
+            <a:prstGeom prst="rect">
+              <a:avLst/>
+            </a:prstGeom>
+            <a:noFill/>
+          </p:spPr>
+          <p:txBody>
+            <a:bodyPr wrap="square" rtlCol="0">
+              <a:spAutoFit/>
+            </a:bodyPr>
+            <a:lstStyle/>
+            <a:p>
+              <a:pPr algn="ctr"/>
+              <a:r>
+                <a:rPr lang="en-GB" sz="1400" dirty="0">
+                  <a:latin typeface="Segoe UI Semilight" panose="020B0402040204020203" pitchFamily="34" charset="0"/>
+                  <a:cs typeface="Segoe UI Semilight" panose="020B0402040204020203" pitchFamily="34" charset="0"/>
+                </a:rPr>
+                <a:t>IIS</a:t>
+              </a:r>
+            </a:p>
+          </p:txBody>
+        </p:sp>
+      </p:grpSp>
+      <p:grpSp>
+        <p:nvGrpSpPr>
+          <p:cNvPr id="114" name="Group 113">
+            <a:extLst>
+              <a:ext uri="{FF2B5EF4-FFF2-40B4-BE49-F238E27FC236}">
+                <a16:creationId xmlns:a16="http://schemas.microsoft.com/office/drawing/2014/main" id="{FE3F3D5B-B6CE-4B16-A2F9-2BAC65D7CA6E}"/>
+              </a:ext>
+            </a:extLst>
+          </p:cNvPr>
+          <p:cNvGrpSpPr/>
+          <p:nvPr/>
+        </p:nvGrpSpPr>
+        <p:grpSpPr>
+          <a:xfrm>
+            <a:off x="3117968" y="4078809"/>
+            <a:ext cx="1016052" cy="984582"/>
+            <a:chOff x="1592994" y="4311129"/>
+            <a:chExt cx="1016052" cy="984582"/>
+          </a:xfrm>
+        </p:grpSpPr>
+        <p:pic>
+          <p:nvPicPr>
+            <p:cNvPr id="130" name="Picture 129">
+              <a:extLst>
+                <a:ext uri="{FF2B5EF4-FFF2-40B4-BE49-F238E27FC236}">
+                  <a16:creationId xmlns:a16="http://schemas.microsoft.com/office/drawing/2014/main" id="{CC693226-0B9C-47AF-A4D4-C6BBBE089F02}"/>
+                </a:ext>
+              </a:extLst>
+            </p:cNvPr>
+            <p:cNvPicPr>
+              <a:picLocks noChangeAspect="1"/>
+            </p:cNvPicPr>
+            <p:nvPr/>
+          </p:nvPicPr>
+          <p:blipFill>
+            <a:blip r:embed="rId14">
+              <a:clrChange>
+                <a:clrFrom>
+                  <a:srgbClr val="FFFFFF"/>
+                </a:clrFrom>
+                <a:clrTo>
+                  <a:srgbClr val="FFFFFF">
+                    <a:alpha val="0"/>
+                  </a:srgbClr>
+                </a:clrTo>
+              </a:clrChange>
+            </a:blip>
+            <a:stretch>
+              <a:fillRect/>
+            </a:stretch>
+          </p:blipFill>
+          <p:spPr>
+            <a:xfrm>
+              <a:off x="1688942" y="4311129"/>
+              <a:ext cx="818403" cy="749822"/>
+            </a:xfrm>
+            <a:prstGeom prst="rect">
+              <a:avLst/>
+            </a:prstGeom>
+          </p:spPr>
+        </p:pic>
+        <p:sp>
+          <p:nvSpPr>
+            <p:cNvPr id="131" name="TextBox 130">
+              <a:extLst>
+                <a:ext uri="{FF2B5EF4-FFF2-40B4-BE49-F238E27FC236}">
+                  <a16:creationId xmlns:a16="http://schemas.microsoft.com/office/drawing/2014/main" id="{F8591797-75CD-4227-AFB1-FE307829214A}"/>
+                </a:ext>
+              </a:extLst>
+            </p:cNvPr>
+            <p:cNvSpPr txBox="1"/>
+            <p:nvPr/>
+          </p:nvSpPr>
+          <p:spPr>
+            <a:xfrm>
+              <a:off x="1592994" y="4987934"/>
+              <a:ext cx="1016052" cy="307777"/>
+            </a:xfrm>
+            <a:prstGeom prst="rect">
+              <a:avLst/>
+            </a:prstGeom>
+            <a:noFill/>
+          </p:spPr>
+          <p:txBody>
+            <a:bodyPr wrap="square" rtlCol="0">
+              <a:spAutoFit/>
+            </a:bodyPr>
+            <a:lstStyle/>
+            <a:p>
+              <a:pPr algn="ctr"/>
+              <a:r>
+                <a:rPr lang="en-GB" sz="1400" dirty="0">
+                  <a:latin typeface="Segoe UI Semilight" panose="020B0402040204020203" pitchFamily="34" charset="0"/>
+                  <a:cs typeface="Segoe UI Semilight" panose="020B0402040204020203" pitchFamily="34" charset="0"/>
+                </a:rPr>
+                <a:t>IIS</a:t>
+              </a:r>
+            </a:p>
+          </p:txBody>
+        </p:sp>
+      </p:grpSp>
+      <p:grpSp>
+        <p:nvGrpSpPr>
+          <p:cNvPr id="138" name="Group 137">
+            <a:extLst>
+              <a:ext uri="{FF2B5EF4-FFF2-40B4-BE49-F238E27FC236}">
+                <a16:creationId xmlns:a16="http://schemas.microsoft.com/office/drawing/2014/main" id="{F00568CE-1584-4DB9-ABF8-5AFF21AE2708}"/>
+              </a:ext>
+            </a:extLst>
+          </p:cNvPr>
+          <p:cNvGrpSpPr/>
+          <p:nvPr/>
+        </p:nvGrpSpPr>
+        <p:grpSpPr>
+          <a:xfrm>
+            <a:off x="193600" y="4078809"/>
+            <a:ext cx="1016052" cy="984582"/>
+            <a:chOff x="568313" y="4311129"/>
+            <a:chExt cx="1016052" cy="984582"/>
+          </a:xfrm>
+        </p:grpSpPr>
+        <p:pic>
+          <p:nvPicPr>
+            <p:cNvPr id="139" name="Picture 138">
+              <a:extLst>
+                <a:ext uri="{FF2B5EF4-FFF2-40B4-BE49-F238E27FC236}">
+                  <a16:creationId xmlns:a16="http://schemas.microsoft.com/office/drawing/2014/main" id="{642EB26B-92C3-4A63-BF4E-721DEE1323E1}"/>
+                </a:ext>
+              </a:extLst>
+            </p:cNvPr>
+            <p:cNvPicPr>
+              <a:picLocks noChangeAspect="1"/>
+            </p:cNvPicPr>
+            <p:nvPr/>
+          </p:nvPicPr>
+          <p:blipFill>
+            <a:blip r:embed="rId14">
+              <a:clrChange>
+                <a:clrFrom>
+                  <a:srgbClr val="FFFFFF"/>
+                </a:clrFrom>
+                <a:clrTo>
+                  <a:srgbClr val="FFFFFF">
+                    <a:alpha val="0"/>
+                  </a:srgbClr>
+                </a:clrTo>
+              </a:clrChange>
+            </a:blip>
+            <a:stretch>
+              <a:fillRect/>
+            </a:stretch>
+          </p:blipFill>
+          <p:spPr>
+            <a:xfrm>
+              <a:off x="667138" y="4311129"/>
+              <a:ext cx="818403" cy="749822"/>
+            </a:xfrm>
+            <a:prstGeom prst="rect">
+              <a:avLst/>
+            </a:prstGeom>
+          </p:spPr>
+        </p:pic>
+        <p:sp>
+          <p:nvSpPr>
+            <p:cNvPr id="141" name="TextBox 140">
+              <a:extLst>
+                <a:ext uri="{FF2B5EF4-FFF2-40B4-BE49-F238E27FC236}">
+                  <a16:creationId xmlns:a16="http://schemas.microsoft.com/office/drawing/2014/main" id="{E141BD17-4FE5-4EF7-A251-204D9E67E8DC}"/>
+                </a:ext>
+              </a:extLst>
+            </p:cNvPr>
+            <p:cNvSpPr txBox="1"/>
+            <p:nvPr/>
+          </p:nvSpPr>
+          <p:spPr>
+            <a:xfrm>
+              <a:off x="568313" y="4987934"/>
+              <a:ext cx="1016052" cy="307777"/>
+            </a:xfrm>
+            <a:prstGeom prst="rect">
+              <a:avLst/>
+            </a:prstGeom>
+            <a:noFill/>
+          </p:spPr>
+          <p:txBody>
+            <a:bodyPr wrap="square" rtlCol="0">
+              <a:spAutoFit/>
+            </a:bodyPr>
+            <a:lstStyle/>
+            <a:p>
+              <a:pPr algn="ctr"/>
+              <a:r>
+                <a:rPr lang="en-GB" sz="1400" dirty="0">
+                  <a:latin typeface="Segoe UI Semilight" panose="020B0402040204020203" pitchFamily="34" charset="0"/>
+                  <a:cs typeface="Segoe UI Semilight" panose="020B0402040204020203" pitchFamily="34" charset="0"/>
+                </a:rPr>
+                <a:t>IIS</a:t>
+              </a:r>
+            </a:p>
+          </p:txBody>
+        </p:sp>
+      </p:grpSp>
+      <p:grpSp>
+        <p:nvGrpSpPr>
+          <p:cNvPr id="143" name="Group 142">
+            <a:extLst>
+              <a:ext uri="{FF2B5EF4-FFF2-40B4-BE49-F238E27FC236}">
+                <a16:creationId xmlns:a16="http://schemas.microsoft.com/office/drawing/2014/main" id="{00F3F700-CC04-416C-9E8B-36322A8C99C6}"/>
+              </a:ext>
+            </a:extLst>
+          </p:cNvPr>
+          <p:cNvGrpSpPr/>
+          <p:nvPr/>
+        </p:nvGrpSpPr>
+        <p:grpSpPr>
+          <a:xfrm>
+            <a:off x="962930" y="4078809"/>
+            <a:ext cx="1016052" cy="984582"/>
+            <a:chOff x="1592994" y="4311129"/>
+            <a:chExt cx="1016052" cy="984582"/>
+          </a:xfrm>
+        </p:grpSpPr>
+        <p:pic>
+          <p:nvPicPr>
+            <p:cNvPr id="144" name="Picture 143">
+              <a:extLst>
+                <a:ext uri="{FF2B5EF4-FFF2-40B4-BE49-F238E27FC236}">
+                  <a16:creationId xmlns:a16="http://schemas.microsoft.com/office/drawing/2014/main" id="{8296FB24-A4C5-4671-99A6-DBF3F31EAA55}"/>
+                </a:ext>
+              </a:extLst>
+            </p:cNvPr>
+            <p:cNvPicPr>
+              <a:picLocks noChangeAspect="1"/>
+            </p:cNvPicPr>
+            <p:nvPr/>
+          </p:nvPicPr>
+          <p:blipFill>
+            <a:blip r:embed="rId14">
+              <a:clrChange>
+                <a:clrFrom>
+                  <a:srgbClr val="FFFFFF"/>
+                </a:clrFrom>
+                <a:clrTo>
+                  <a:srgbClr val="FFFFFF">
+                    <a:alpha val="0"/>
+                  </a:srgbClr>
+                </a:clrTo>
+              </a:clrChange>
+            </a:blip>
+            <a:stretch>
+              <a:fillRect/>
+            </a:stretch>
+          </p:blipFill>
+          <p:spPr>
+            <a:xfrm>
+              <a:off x="1688942" y="4311129"/>
+              <a:ext cx="818403" cy="749822"/>
+            </a:xfrm>
+            <a:prstGeom prst="rect">
+              <a:avLst/>
+            </a:prstGeom>
+          </p:spPr>
+        </p:pic>
+        <p:sp>
+          <p:nvSpPr>
+            <p:cNvPr id="145" name="TextBox 144">
+              <a:extLst>
+                <a:ext uri="{FF2B5EF4-FFF2-40B4-BE49-F238E27FC236}">
+                  <a16:creationId xmlns:a16="http://schemas.microsoft.com/office/drawing/2014/main" id="{191A1967-FAE2-4BAD-9E80-102962FBD6C1}"/>
+                </a:ext>
+              </a:extLst>
+            </p:cNvPr>
+            <p:cNvSpPr txBox="1"/>
+            <p:nvPr/>
+          </p:nvSpPr>
+          <p:spPr>
+            <a:xfrm>
+              <a:off x="1592994" y="4987934"/>
+              <a:ext cx="1016052" cy="307777"/>
+            </a:xfrm>
+            <a:prstGeom prst="rect">
+              <a:avLst/>
+            </a:prstGeom>
+            <a:noFill/>
+          </p:spPr>
+          <p:txBody>
+            <a:bodyPr wrap="square" rtlCol="0">
+              <a:spAutoFit/>
+            </a:bodyPr>
+            <a:lstStyle/>
+            <a:p>
+              <a:pPr algn="ctr"/>
+              <a:r>
+                <a:rPr lang="en-GB" sz="1400" dirty="0">
+                  <a:latin typeface="Segoe UI Semilight" panose="020B0402040204020203" pitchFamily="34" charset="0"/>
+                  <a:cs typeface="Segoe UI Semilight" panose="020B0402040204020203" pitchFamily="34" charset="0"/>
+                </a:rPr>
+                <a:t>IIS</a:t>
+              </a:r>
+            </a:p>
+          </p:txBody>
+        </p:sp>
+      </p:grpSp>
+      <p:pic>
+        <p:nvPicPr>
+          <p:cNvPr id="39" name="Graphic 38" descr="User">
+            <a:extLst>
+              <a:ext uri="{FF2B5EF4-FFF2-40B4-BE49-F238E27FC236}">
+                <a16:creationId xmlns:a16="http://schemas.microsoft.com/office/drawing/2014/main" id="{5F45B7F3-0431-44EC-A023-21B9648EC391}"/>
+              </a:ext>
+            </a:extLst>
+          </p:cNvPr>
+          <p:cNvPicPr>
+            <a:picLocks noChangeAspect="1"/>
+          </p:cNvPicPr>
+          <p:nvPr/>
+        </p:nvPicPr>
+        <p:blipFill>
+          <a:blip r:embed="rId19">
+            <a:extLst>
+              <a:ext uri="{28A0092B-C50C-407E-A947-70E740481C1C}">
+                <a14:useLocalDpi xmlns:a14="http://schemas.microsoft.com/office/drawing/2010/main" val="0"/>
+              </a:ext>
+              <a:ext uri="{96DAC541-7B7A-43D3-8B79-37D633B846F1}">
+                <asvg:svgBlip xmlns:asvg="http://schemas.microsoft.com/office/drawing/2016/SVG/main" r:embed="rId20"/>
+              </a:ext>
+            </a:extLst>
+          </a:blip>
+          <a:stretch>
+            <a:fillRect/>
+          </a:stretch>
+        </p:blipFill>
+        <p:spPr>
+          <a:xfrm>
+            <a:off x="5399935" y="166133"/>
+            <a:ext cx="914400" cy="914400"/>
+          </a:xfrm>
+          <a:prstGeom prst="rect">
+            <a:avLst/>
+          </a:prstGeom>
+        </p:spPr>
+      </p:pic>
+      <p:sp>
+        <p:nvSpPr>
+          <p:cNvPr id="42" name="Arrow: Left-Right 41">
+            <a:extLst>
+              <a:ext uri="{FF2B5EF4-FFF2-40B4-BE49-F238E27FC236}">
+                <a16:creationId xmlns:a16="http://schemas.microsoft.com/office/drawing/2014/main" id="{2540A1C4-930D-4C24-874E-842A771907F1}"/>
+              </a:ext>
+            </a:extLst>
+          </p:cNvPr>
+          <p:cNvSpPr/>
+          <p:nvPr/>
+        </p:nvSpPr>
+        <p:spPr>
+          <a:xfrm>
+            <a:off x="6143640" y="545355"/>
+            <a:ext cx="793873" cy="136789"/>
+          </a:xfrm>
+          <a:prstGeom prst="leftRightArrow">
+            <a:avLst/>
+          </a:prstGeom>
+          <a:solidFill>
+            <a:srgbClr val="77C5E6"/>
+          </a:solidFill>
+          <a:ln>
+            <a:noFill/>
+          </a:ln>
+        </p:spPr>
+        <p:style>
+          <a:lnRef idx="2">
+            <a:schemeClr val="accent1">
+              <a:shade val="50000"/>
+            </a:schemeClr>
+          </a:lnRef>
+          <a:fillRef idx="1">
+            <a:schemeClr val="accent1"/>
+          </a:fillRef>
+          <a:effectRef idx="0">
+            <a:schemeClr val="accent1"/>
+          </a:effectRef>
+          <a:fontRef idx="minor">
+            <a:schemeClr val="lt1"/>
+          </a:fontRef>
+        </p:style>
+        <p:txBody>
+          <a:bodyPr rtlCol="0" anchor="ctr"/>
+          <a:lstStyle/>
+          <a:p>
+            <a:pPr algn="ctr"/>
+            <a:endParaRPr lang="en-GB"/>
+          </a:p>
+        </p:txBody>
+      </p:sp>
+      <p:sp>
+        <p:nvSpPr>
+          <p:cNvPr id="182" name="TextBox 181">
+            <a:extLst>
+              <a:ext uri="{FF2B5EF4-FFF2-40B4-BE49-F238E27FC236}">
+                <a16:creationId xmlns:a16="http://schemas.microsoft.com/office/drawing/2014/main" id="{518CC5D5-AE02-4689-ABFF-E3C815C614C3}"/>
+              </a:ext>
+            </a:extLst>
+          </p:cNvPr>
+          <p:cNvSpPr txBox="1"/>
+          <p:nvPr/>
+        </p:nvSpPr>
+        <p:spPr>
+          <a:xfrm>
+            <a:off x="5286927" y="885702"/>
+            <a:ext cx="1140416" cy="307777"/>
+          </a:xfrm>
+          <a:prstGeom prst="rect">
+            <a:avLst/>
+          </a:prstGeom>
+          <a:noFill/>
+        </p:spPr>
+        <p:txBody>
+          <a:bodyPr wrap="square" rtlCol="0">
+            <a:spAutoFit/>
+          </a:bodyPr>
+          <a:lstStyle/>
+          <a:p>
+            <a:pPr algn="ctr"/>
+            <a:r>
+              <a:rPr lang="en-GB" sz="1400" dirty="0">
+                <a:solidFill>
+                  <a:srgbClr val="77C5E6"/>
+                </a:solidFill>
+                <a:latin typeface="Segoe UI Black" panose="020B0A02040204020203" pitchFamily="34" charset="0"/>
+                <a:ea typeface="Segoe UI Black" panose="020B0A02040204020203" pitchFamily="34" charset="0"/>
+                <a:cs typeface="Segoe UI Semilight" panose="020B0402040204020203" pitchFamily="34" charset="0"/>
+              </a:rPr>
+              <a:t>Customers</a:t>
+            </a:r>
+          </a:p>
+        </p:txBody>
+      </p:sp>
     </p:spTree>
     <p:extLst>
       <p:ext uri="{BB962C8B-B14F-4D97-AF65-F5344CB8AC3E}">

--- a/learn-pr/azure/hub-and-spoke-network-architecture/media/media.pptx
+++ b/learn-pr/azure/hub-and-spoke-network-architecture/media/media.pptx
@@ -4697,779 +4697,12 @@
           <a:chExt cx="0" cy="0"/>
         </a:xfrm>
       </p:grpSpPr>
-      <p:sp>
-        <p:nvSpPr>
-          <p:cNvPr id="104" name="Rectangle 103">
+      <p:grpSp>
+        <p:nvGrpSpPr>
+          <p:cNvPr id="2" name="Group 1">
             <a:extLst>
               <a:ext uri="{FF2B5EF4-FFF2-40B4-BE49-F238E27FC236}">
-                <a16:creationId xmlns:a16="http://schemas.microsoft.com/office/drawing/2014/main" id="{0C70AD25-65C1-468D-AAF6-CC7B41D6B837}"/>
-              </a:ext>
-            </a:extLst>
-          </p:cNvPr>
-          <p:cNvSpPr/>
-          <p:nvPr/>
-        </p:nvSpPr>
-        <p:spPr>
-          <a:xfrm>
-            <a:off x="292425" y="1978173"/>
-            <a:ext cx="1574822" cy="1310454"/>
-          </a:xfrm>
-          <a:prstGeom prst="rect">
-            <a:avLst/>
-          </a:prstGeom>
-          <a:solidFill>
-            <a:schemeClr val="bg1">
-              <a:lumMod val="85000"/>
-            </a:schemeClr>
-          </a:solidFill>
-          <a:ln>
-            <a:solidFill>
-              <a:schemeClr val="bg1">
-                <a:lumMod val="75000"/>
-              </a:schemeClr>
-            </a:solidFill>
-          </a:ln>
-        </p:spPr>
-        <p:style>
-          <a:lnRef idx="2">
-            <a:schemeClr val="accent3">
-              <a:shade val="50000"/>
-            </a:schemeClr>
-          </a:lnRef>
-          <a:fillRef idx="1">
-            <a:schemeClr val="accent3"/>
-          </a:fillRef>
-          <a:effectRef idx="0">
-            <a:schemeClr val="accent3"/>
-          </a:effectRef>
-          <a:fontRef idx="minor">
-            <a:schemeClr val="lt1"/>
-          </a:fontRef>
-        </p:style>
-        <p:txBody>
-          <a:bodyPr rtlCol="0" anchor="ctr"/>
-          <a:lstStyle/>
-          <a:p>
-            <a:pPr algn="ctr"/>
-            <a:endParaRPr lang="en-GB"/>
-          </a:p>
-        </p:txBody>
-      </p:sp>
-      <p:sp>
-        <p:nvSpPr>
-          <p:cNvPr id="172" name="Rectangle 171">
-            <a:extLst>
-              <a:ext uri="{FF2B5EF4-FFF2-40B4-BE49-F238E27FC236}">
-                <a16:creationId xmlns:a16="http://schemas.microsoft.com/office/drawing/2014/main" id="{32AA820B-A66A-46AA-94F7-5E3EA5DE5EEB}"/>
-              </a:ext>
-            </a:extLst>
-          </p:cNvPr>
-          <p:cNvSpPr/>
-          <p:nvPr/>
-        </p:nvSpPr>
-        <p:spPr>
-          <a:xfrm>
-            <a:off x="6077065" y="4046417"/>
-            <a:ext cx="2012393" cy="1517856"/>
-          </a:xfrm>
-          <a:prstGeom prst="rect">
-            <a:avLst/>
-          </a:prstGeom>
-          <a:solidFill>
-            <a:schemeClr val="bg1">
-              <a:lumMod val="85000"/>
-            </a:schemeClr>
-          </a:solidFill>
-          <a:ln>
-            <a:solidFill>
-              <a:schemeClr val="bg1">
-                <a:lumMod val="75000"/>
-              </a:schemeClr>
-            </a:solidFill>
-          </a:ln>
-        </p:spPr>
-        <p:style>
-          <a:lnRef idx="2">
-            <a:schemeClr val="accent3">
-              <a:shade val="50000"/>
-            </a:schemeClr>
-          </a:lnRef>
-          <a:fillRef idx="1">
-            <a:schemeClr val="accent3"/>
-          </a:fillRef>
-          <a:effectRef idx="0">
-            <a:schemeClr val="accent3"/>
-          </a:effectRef>
-          <a:fontRef idx="minor">
-            <a:schemeClr val="lt1"/>
-          </a:fontRef>
-        </p:style>
-        <p:txBody>
-          <a:bodyPr rtlCol="0" anchor="ctr"/>
-          <a:lstStyle/>
-          <a:p>
-            <a:pPr algn="ctr"/>
-            <a:endParaRPr lang="en-GB"/>
-          </a:p>
-        </p:txBody>
-      </p:sp>
-      <p:sp>
-        <p:nvSpPr>
-          <p:cNvPr id="31" name="Rectangle 30">
-            <a:extLst>
-              <a:ext uri="{FF2B5EF4-FFF2-40B4-BE49-F238E27FC236}">
-                <a16:creationId xmlns:a16="http://schemas.microsoft.com/office/drawing/2014/main" id="{2F54B260-6A58-40C6-A05B-535779722010}"/>
-              </a:ext>
-            </a:extLst>
-          </p:cNvPr>
-          <p:cNvSpPr/>
-          <p:nvPr/>
-        </p:nvSpPr>
-        <p:spPr>
-          <a:xfrm rot="2675702">
-            <a:off x="6432243" y="4233018"/>
-            <a:ext cx="617423" cy="617423"/>
-          </a:xfrm>
-          <a:prstGeom prst="rect">
-            <a:avLst/>
-          </a:prstGeom>
-          <a:solidFill>
-            <a:schemeClr val="bg1"/>
-          </a:solidFill>
-          <a:ln>
-            <a:noFill/>
-          </a:ln>
-        </p:spPr>
-        <p:style>
-          <a:lnRef idx="2">
-            <a:schemeClr val="accent1">
-              <a:shade val="50000"/>
-            </a:schemeClr>
-          </a:lnRef>
-          <a:fillRef idx="1">
-            <a:schemeClr val="accent1"/>
-          </a:fillRef>
-          <a:effectRef idx="0">
-            <a:schemeClr val="accent1"/>
-          </a:effectRef>
-          <a:fontRef idx="minor">
-            <a:schemeClr val="lt1"/>
-          </a:fontRef>
-        </p:style>
-        <p:txBody>
-          <a:bodyPr rtlCol="0" anchor="ctr"/>
-          <a:lstStyle/>
-          <a:p>
-            <a:pPr algn="ctr"/>
-            <a:endParaRPr lang="en-GB"/>
-          </a:p>
-        </p:txBody>
-      </p:sp>
-      <p:pic>
-        <p:nvPicPr>
-          <p:cNvPr id="35" name="Picture 34">
-            <a:extLst>
-              <a:ext uri="{FF2B5EF4-FFF2-40B4-BE49-F238E27FC236}">
-                <a16:creationId xmlns:a16="http://schemas.microsoft.com/office/drawing/2014/main" id="{1535C81E-CD2C-4AD5-BF99-FA0E3AB6BAA9}"/>
-              </a:ext>
-            </a:extLst>
-          </p:cNvPr>
-          <p:cNvPicPr>
-            <a:picLocks noChangeAspect="1"/>
-          </p:cNvPicPr>
-          <p:nvPr/>
-        </p:nvPicPr>
-        <p:blipFill>
-          <a:blip r:embed="rId2">
-            <a:clrChange>
-              <a:clrFrom>
-                <a:srgbClr val="FFFFFF"/>
-              </a:clrFrom>
-              <a:clrTo>
-                <a:srgbClr val="FFFFFF">
-                  <a:alpha val="0"/>
-                </a:srgbClr>
-              </a:clrTo>
-            </a:clrChange>
-          </a:blip>
-          <a:stretch>
-            <a:fillRect/>
-          </a:stretch>
-        </p:blipFill>
-        <p:spPr>
-          <a:xfrm>
-            <a:off x="6146442" y="4021937"/>
-            <a:ext cx="1174810" cy="1041454"/>
-          </a:xfrm>
-          <a:prstGeom prst="rect">
-            <a:avLst/>
-          </a:prstGeom>
-        </p:spPr>
-      </p:pic>
-      <p:sp>
-        <p:nvSpPr>
-          <p:cNvPr id="174" name="Rectangle 173">
-            <a:extLst>
-              <a:ext uri="{FF2B5EF4-FFF2-40B4-BE49-F238E27FC236}">
-                <a16:creationId xmlns:a16="http://schemas.microsoft.com/office/drawing/2014/main" id="{9D40270A-3FF6-40A0-A21C-AECD43330A6E}"/>
-              </a:ext>
-            </a:extLst>
-          </p:cNvPr>
-          <p:cNvSpPr/>
-          <p:nvPr/>
-        </p:nvSpPr>
-        <p:spPr>
-          <a:xfrm>
-            <a:off x="6077065" y="1919334"/>
-            <a:ext cx="2497316" cy="1656427"/>
-          </a:xfrm>
-          <a:prstGeom prst="rect">
-            <a:avLst/>
-          </a:prstGeom>
-          <a:solidFill>
-            <a:schemeClr val="bg1">
-              <a:lumMod val="85000"/>
-            </a:schemeClr>
-          </a:solidFill>
-          <a:ln>
-            <a:solidFill>
-              <a:schemeClr val="bg1">
-                <a:lumMod val="75000"/>
-              </a:schemeClr>
-            </a:solidFill>
-          </a:ln>
-        </p:spPr>
-        <p:style>
-          <a:lnRef idx="2">
-            <a:schemeClr val="accent3">
-              <a:shade val="50000"/>
-            </a:schemeClr>
-          </a:lnRef>
-          <a:fillRef idx="1">
-            <a:schemeClr val="accent3"/>
-          </a:fillRef>
-          <a:effectRef idx="0">
-            <a:schemeClr val="accent3"/>
-          </a:effectRef>
-          <a:fontRef idx="minor">
-            <a:schemeClr val="lt1"/>
-          </a:fontRef>
-        </p:style>
-        <p:txBody>
-          <a:bodyPr rtlCol="0" anchor="ctr"/>
-          <a:lstStyle/>
-          <a:p>
-            <a:pPr algn="ctr"/>
-            <a:endParaRPr lang="en-GB"/>
-          </a:p>
-        </p:txBody>
-      </p:sp>
-      <p:sp>
-        <p:nvSpPr>
-          <p:cNvPr id="173" name="TextBox 172">
-            <a:extLst>
-              <a:ext uri="{FF2B5EF4-FFF2-40B4-BE49-F238E27FC236}">
-                <a16:creationId xmlns:a16="http://schemas.microsoft.com/office/drawing/2014/main" id="{4B322011-622E-4D30-B762-DFAE830934DF}"/>
-              </a:ext>
-            </a:extLst>
-          </p:cNvPr>
-          <p:cNvSpPr txBox="1"/>
-          <p:nvPr/>
-        </p:nvSpPr>
-        <p:spPr>
-          <a:xfrm>
-            <a:off x="6068418" y="5533873"/>
-            <a:ext cx="989696" cy="307777"/>
-          </a:xfrm>
-          <a:prstGeom prst="rect">
-            <a:avLst/>
-          </a:prstGeom>
-          <a:noFill/>
-        </p:spPr>
-        <p:txBody>
-          <a:bodyPr wrap="square" rtlCol="0">
-            <a:spAutoFit/>
-          </a:bodyPr>
-          <a:lstStyle/>
-          <a:p>
-            <a:pPr algn="ctr"/>
-            <a:r>
-              <a:rPr lang="en-GB" sz="1400" dirty="0">
-                <a:latin typeface="Segoe UI Semilight" panose="020B0402040204020203" pitchFamily="34" charset="0"/>
-                <a:cs typeface="Segoe UI Semilight" panose="020B0402040204020203" pitchFamily="34" charset="0"/>
-              </a:rPr>
-              <a:t>AD subnet</a:t>
-            </a:r>
-          </a:p>
-        </p:txBody>
-      </p:sp>
-      <p:sp>
-        <p:nvSpPr>
-          <p:cNvPr id="100" name="Rectangle 99">
-            <a:extLst>
-              <a:ext uri="{FF2B5EF4-FFF2-40B4-BE49-F238E27FC236}">
-                <a16:creationId xmlns:a16="http://schemas.microsoft.com/office/drawing/2014/main" id="{A71496A7-2054-4A70-8A62-749D88DD3687}"/>
-              </a:ext>
-            </a:extLst>
-          </p:cNvPr>
-          <p:cNvSpPr/>
-          <p:nvPr/>
-        </p:nvSpPr>
-        <p:spPr>
-          <a:xfrm>
-            <a:off x="2447463" y="1978173"/>
-            <a:ext cx="1574822" cy="1310454"/>
-          </a:xfrm>
-          <a:prstGeom prst="rect">
-            <a:avLst/>
-          </a:prstGeom>
-          <a:solidFill>
-            <a:schemeClr val="bg1">
-              <a:lumMod val="85000"/>
-            </a:schemeClr>
-          </a:solidFill>
-          <a:ln>
-            <a:solidFill>
-              <a:schemeClr val="bg1">
-                <a:lumMod val="75000"/>
-              </a:schemeClr>
-            </a:solidFill>
-          </a:ln>
-        </p:spPr>
-        <p:style>
-          <a:lnRef idx="2">
-            <a:schemeClr val="accent3">
-              <a:shade val="50000"/>
-            </a:schemeClr>
-          </a:lnRef>
-          <a:fillRef idx="1">
-            <a:schemeClr val="accent3"/>
-          </a:fillRef>
-          <a:effectRef idx="0">
-            <a:schemeClr val="accent3"/>
-          </a:effectRef>
-          <a:fontRef idx="minor">
-            <a:schemeClr val="lt1"/>
-          </a:fontRef>
-        </p:style>
-        <p:txBody>
-          <a:bodyPr rtlCol="0" anchor="ctr"/>
-          <a:lstStyle/>
-          <a:p>
-            <a:pPr algn="ctr"/>
-            <a:endParaRPr lang="en-GB"/>
-          </a:p>
-        </p:txBody>
-      </p:sp>
-      <p:sp>
-        <p:nvSpPr>
-          <p:cNvPr id="6" name="Rectangle 5">
-            <a:extLst>
-              <a:ext uri="{FF2B5EF4-FFF2-40B4-BE49-F238E27FC236}">
-                <a16:creationId xmlns:a16="http://schemas.microsoft.com/office/drawing/2014/main" id="{654AA660-F981-4AFF-A527-CF5FCFEF65D2}"/>
-              </a:ext>
-            </a:extLst>
-          </p:cNvPr>
-          <p:cNvSpPr/>
-          <p:nvPr/>
-        </p:nvSpPr>
-        <p:spPr>
-          <a:xfrm>
-            <a:off x="2447463" y="4046417"/>
-            <a:ext cx="1574822" cy="1888048"/>
-          </a:xfrm>
-          <a:prstGeom prst="rect">
-            <a:avLst/>
-          </a:prstGeom>
-          <a:solidFill>
-            <a:schemeClr val="bg1">
-              <a:lumMod val="85000"/>
-            </a:schemeClr>
-          </a:solidFill>
-          <a:ln>
-            <a:solidFill>
-              <a:schemeClr val="bg1">
-                <a:lumMod val="75000"/>
-              </a:schemeClr>
-            </a:solidFill>
-          </a:ln>
-        </p:spPr>
-        <p:style>
-          <a:lnRef idx="2">
-            <a:schemeClr val="accent3">
-              <a:shade val="50000"/>
-            </a:schemeClr>
-          </a:lnRef>
-          <a:fillRef idx="1">
-            <a:schemeClr val="accent3"/>
-          </a:fillRef>
-          <a:effectRef idx="0">
-            <a:schemeClr val="accent3"/>
-          </a:effectRef>
-          <a:fontRef idx="minor">
-            <a:schemeClr val="lt1"/>
-          </a:fontRef>
-        </p:style>
-        <p:txBody>
-          <a:bodyPr rtlCol="0" anchor="ctr"/>
-          <a:lstStyle/>
-          <a:p>
-            <a:pPr algn="ctr"/>
-            <a:endParaRPr lang="en-GB"/>
-          </a:p>
-        </p:txBody>
-      </p:sp>
-      <p:sp>
-        <p:nvSpPr>
-          <p:cNvPr id="8" name="Cloud 7">
-            <a:extLst>
-              <a:ext uri="{FF2B5EF4-FFF2-40B4-BE49-F238E27FC236}">
-                <a16:creationId xmlns:a16="http://schemas.microsoft.com/office/drawing/2014/main" id="{D04C277F-B9BC-4C2A-B7FD-11CCC26EF43B}"/>
-              </a:ext>
-            </a:extLst>
-          </p:cNvPr>
-          <p:cNvSpPr/>
-          <p:nvPr/>
-        </p:nvSpPr>
-        <p:spPr>
-          <a:xfrm>
-            <a:off x="6678697" y="108536"/>
-            <a:ext cx="2540000" cy="1143000"/>
-          </a:xfrm>
-          <a:prstGeom prst="cloud">
-            <a:avLst/>
-          </a:prstGeom>
-          <a:solidFill>
-            <a:srgbClr val="5B9BD5"/>
-          </a:solidFill>
-          <a:ln>
-            <a:noFill/>
-          </a:ln>
-        </p:spPr>
-        <p:style>
-          <a:lnRef idx="2">
-            <a:schemeClr val="accent1">
-              <a:shade val="50000"/>
-            </a:schemeClr>
-          </a:lnRef>
-          <a:fillRef idx="1">
-            <a:schemeClr val="accent1"/>
-          </a:fillRef>
-          <a:effectRef idx="0">
-            <a:schemeClr val="accent1"/>
-          </a:effectRef>
-          <a:fontRef idx="minor">
-            <a:schemeClr val="lt1"/>
-          </a:fontRef>
-        </p:style>
-        <p:txBody>
-          <a:bodyPr rtlCol="0" anchor="ctr"/>
-          <a:lstStyle/>
-          <a:p>
-            <a:pPr algn="ctr"/>
-            <a:r>
-              <a:rPr lang="en-GB" dirty="0">
-                <a:latin typeface="Segoe UI Semilight" panose="020B0402040204020203" pitchFamily="34" charset="0"/>
-                <a:cs typeface="Segoe UI Semilight" panose="020B0402040204020203" pitchFamily="34" charset="0"/>
-              </a:rPr>
-              <a:t>Public Internet</a:t>
-            </a:r>
-          </a:p>
-        </p:txBody>
-      </p:sp>
-      <p:sp>
-        <p:nvSpPr>
-          <p:cNvPr id="162" name="Arrow: Bent 161">
-            <a:extLst>
-              <a:ext uri="{FF2B5EF4-FFF2-40B4-BE49-F238E27FC236}">
-                <a16:creationId xmlns:a16="http://schemas.microsoft.com/office/drawing/2014/main" id="{F582D883-654F-49D0-83EB-27FCFC763400}"/>
-              </a:ext>
-            </a:extLst>
-          </p:cNvPr>
-          <p:cNvSpPr/>
-          <p:nvPr/>
-        </p:nvSpPr>
-        <p:spPr>
-          <a:xfrm flipH="1">
-            <a:off x="8876851" y="417443"/>
-            <a:ext cx="644402" cy="3760839"/>
-          </a:xfrm>
-          <a:prstGeom prst="bentArrow">
-            <a:avLst>
-              <a:gd name="adj1" fmla="val 25000"/>
-              <a:gd name="adj2" fmla="val 25000"/>
-              <a:gd name="adj3" fmla="val 25000"/>
-              <a:gd name="adj4" fmla="val 0"/>
-            </a:avLst>
-          </a:prstGeom>
-          <a:solidFill>
-            <a:srgbClr val="77C5E6"/>
-          </a:solidFill>
-          <a:ln>
-            <a:noFill/>
-          </a:ln>
-        </p:spPr>
-        <p:style>
-          <a:lnRef idx="2">
-            <a:schemeClr val="accent1">
-              <a:shade val="50000"/>
-            </a:schemeClr>
-          </a:lnRef>
-          <a:fillRef idx="1">
-            <a:schemeClr val="accent1"/>
-          </a:fillRef>
-          <a:effectRef idx="0">
-            <a:schemeClr val="accent1"/>
-          </a:effectRef>
-          <a:fontRef idx="minor">
-            <a:schemeClr val="lt1"/>
-          </a:fontRef>
-        </p:style>
-        <p:txBody>
-          <a:bodyPr rtlCol="0" anchor="ctr"/>
-          <a:lstStyle/>
-          <a:p>
-            <a:pPr algn="ctr"/>
-            <a:endParaRPr lang="en-GB">
-              <a:solidFill>
-                <a:schemeClr val="tx1"/>
-              </a:solidFill>
-            </a:endParaRPr>
-          </a:p>
-        </p:txBody>
-      </p:sp>
-      <p:sp>
-        <p:nvSpPr>
-          <p:cNvPr id="75" name="TextBox 74">
-            <a:extLst>
-              <a:ext uri="{FF2B5EF4-FFF2-40B4-BE49-F238E27FC236}">
-                <a16:creationId xmlns:a16="http://schemas.microsoft.com/office/drawing/2014/main" id="{8FA94EC7-C901-45AE-93FA-15AA4D3789BF}"/>
-              </a:ext>
-            </a:extLst>
-          </p:cNvPr>
-          <p:cNvSpPr txBox="1"/>
-          <p:nvPr/>
-        </p:nvSpPr>
-        <p:spPr>
-          <a:xfrm>
-            <a:off x="5963517" y="1461447"/>
-            <a:ext cx="2767236" cy="307777"/>
-          </a:xfrm>
-          <a:prstGeom prst="rect">
-            <a:avLst/>
-          </a:prstGeom>
-          <a:noFill/>
-        </p:spPr>
-        <p:txBody>
-          <a:bodyPr wrap="square" rtlCol="0">
-            <a:spAutoFit/>
-          </a:bodyPr>
-          <a:lstStyle/>
-          <a:p>
-            <a:pPr algn="ctr"/>
-            <a:r>
-              <a:rPr lang="en-GB" sz="1400" dirty="0">
-                <a:solidFill>
-                  <a:srgbClr val="5B9BD5"/>
-                </a:solidFill>
-                <a:latin typeface="Segoe UI Black" panose="020B0A02040204020203" pitchFamily="34" charset="0"/>
-                <a:ea typeface="Segoe UI Black" panose="020B0A02040204020203" pitchFamily="34" charset="0"/>
-                <a:cs typeface="Segoe UI Semilight" panose="020B0402040204020203" pitchFamily="34" charset="0"/>
-              </a:rPr>
-              <a:t>Hub</a:t>
-            </a:r>
-          </a:p>
-        </p:txBody>
-      </p:sp>
-      <p:pic>
-        <p:nvPicPr>
-          <p:cNvPr id="29" name="Picture 28">
-            <a:extLst>
-              <a:ext uri="{FF2B5EF4-FFF2-40B4-BE49-F238E27FC236}">
-                <a16:creationId xmlns:a16="http://schemas.microsoft.com/office/drawing/2014/main" id="{06080F83-D104-4305-A019-280A4DFBEBCF}"/>
-              </a:ext>
-            </a:extLst>
-          </p:cNvPr>
-          <p:cNvPicPr>
-            <a:picLocks noChangeAspect="1"/>
-          </p:cNvPicPr>
-          <p:nvPr/>
-        </p:nvPicPr>
-        <p:blipFill>
-          <a:blip r:embed="rId3">
-            <a:clrChange>
-              <a:clrFrom>
-                <a:srgbClr val="FFFFFF"/>
-              </a:clrFrom>
-              <a:clrTo>
-                <a:srgbClr val="FFFFFF">
-                  <a:alpha val="0"/>
-                </a:srgbClr>
-              </a:clrTo>
-            </a:clrChange>
-          </a:blip>
-          <a:stretch>
-            <a:fillRect/>
-          </a:stretch>
-        </p:blipFill>
-        <p:spPr>
-          <a:xfrm>
-            <a:off x="7504458" y="2533196"/>
-            <a:ext cx="984301" cy="1092256"/>
-          </a:xfrm>
-          <a:prstGeom prst="rect">
-            <a:avLst/>
-          </a:prstGeom>
-        </p:spPr>
-      </p:pic>
-      <p:sp>
-        <p:nvSpPr>
-          <p:cNvPr id="4" name="AutoShape 2" descr="1">
-            <a:extLst>
-              <a:ext uri="{FF2B5EF4-FFF2-40B4-BE49-F238E27FC236}">
-                <a16:creationId xmlns:a16="http://schemas.microsoft.com/office/drawing/2014/main" id="{D2741D4E-C0E7-4313-B888-AD4CD7CEC177}"/>
-              </a:ext>
-            </a:extLst>
-          </p:cNvPr>
-          <p:cNvSpPr>
-            <a:spLocks noChangeAspect="1" noChangeArrowheads="1"/>
-          </p:cNvSpPr>
-          <p:nvPr/>
-        </p:nvSpPr>
-        <p:spPr bwMode="auto">
-          <a:xfrm>
-            <a:off x="5857135" y="3774386"/>
-            <a:ext cx="2602727" cy="2602727"/>
-          </a:xfrm>
-          <a:prstGeom prst="rect">
-            <a:avLst/>
-          </a:prstGeom>
-          <a:noFill/>
-          <a:extLst>
-            <a:ext uri="{909E8E84-426E-40DD-AFC4-6F175D3DCCD1}">
-              <a14:hiddenFill xmlns:a14="http://schemas.microsoft.com/office/drawing/2010/main">
-                <a:solidFill>
-                  <a:srgbClr val="FFFFFF"/>
-                </a:solidFill>
-              </a14:hiddenFill>
-            </a:ext>
-          </a:extLst>
-        </p:spPr>
-        <p:txBody>
-          <a:bodyPr vert="horz" wrap="square" lIns="91440" tIns="45720" rIns="91440" bIns="45720" numCol="1" anchor="t" anchorCtr="0" compatLnSpc="1">
-            <a:prstTxWarp prst="textNoShape">
-              <a:avLst/>
-            </a:prstTxWarp>
-          </a:bodyPr>
-          <a:lstStyle/>
-          <a:p>
-            <a:endParaRPr lang="en-GB">
-              <a:latin typeface="Segoe UI Semilight" panose="020B0402040204020203" pitchFamily="34" charset="0"/>
-              <a:cs typeface="Segoe UI Semilight" panose="020B0402040204020203" pitchFamily="34" charset="0"/>
-            </a:endParaRPr>
-          </a:p>
-        </p:txBody>
-      </p:sp>
-      <p:pic>
-        <p:nvPicPr>
-          <p:cNvPr id="36" name="Picture 35">
-            <a:extLst>
-              <a:ext uri="{FF2B5EF4-FFF2-40B4-BE49-F238E27FC236}">
-                <a16:creationId xmlns:a16="http://schemas.microsoft.com/office/drawing/2014/main" id="{EB6BBCFB-8E63-423E-8851-46E9097D52F7}"/>
-              </a:ext>
-            </a:extLst>
-          </p:cNvPr>
-          <p:cNvPicPr>
-            <a:picLocks noChangeAspect="1"/>
-          </p:cNvPicPr>
-          <p:nvPr/>
-        </p:nvPicPr>
-        <p:blipFill>
-          <a:blip r:embed="rId4">
-            <a:clrChange>
-              <a:clrFrom>
-                <a:srgbClr val="FFFFFF"/>
-              </a:clrFrom>
-              <a:clrTo>
-                <a:srgbClr val="FFFFFF">
-                  <a:alpha val="0"/>
-                </a:srgbClr>
-              </a:clrTo>
-            </a:clrChange>
-          </a:blip>
-          <a:stretch>
-            <a:fillRect/>
-          </a:stretch>
-        </p:blipFill>
-        <p:spPr>
-          <a:xfrm>
-            <a:off x="6376227" y="2416146"/>
-            <a:ext cx="869995" cy="850944"/>
-          </a:xfrm>
-          <a:prstGeom prst="rect">
-            <a:avLst/>
-          </a:prstGeom>
-        </p:spPr>
-      </p:pic>
-      <p:sp>
-        <p:nvSpPr>
-          <p:cNvPr id="58" name="Rectangle 57">
-            <a:extLst>
-              <a:ext uri="{FF2B5EF4-FFF2-40B4-BE49-F238E27FC236}">
-                <a16:creationId xmlns:a16="http://schemas.microsoft.com/office/drawing/2014/main" id="{E0BDE120-D5D1-49ED-9AB6-743C1B5DDAF2}"/>
-              </a:ext>
-            </a:extLst>
-          </p:cNvPr>
-          <p:cNvSpPr/>
-          <p:nvPr/>
-        </p:nvSpPr>
-        <p:spPr>
-          <a:xfrm>
-            <a:off x="5950844" y="1765594"/>
-            <a:ext cx="2770293" cy="4153923"/>
-          </a:xfrm>
-          <a:prstGeom prst="rect">
-            <a:avLst/>
-          </a:prstGeom>
-          <a:noFill/>
-          <a:ln w="38100">
-            <a:solidFill>
-              <a:srgbClr val="5B9BD5"/>
-            </a:solidFill>
-            <a:prstDash val="sysDot"/>
-          </a:ln>
-        </p:spPr>
-        <p:style>
-          <a:lnRef idx="2">
-            <a:schemeClr val="accent1">
-              <a:shade val="50000"/>
-            </a:schemeClr>
-          </a:lnRef>
-          <a:fillRef idx="1">
-            <a:schemeClr val="accent1"/>
-          </a:fillRef>
-          <a:effectRef idx="0">
-            <a:schemeClr val="accent1"/>
-          </a:effectRef>
-          <a:fontRef idx="minor">
-            <a:schemeClr val="lt1"/>
-          </a:fontRef>
-        </p:style>
-        <p:txBody>
-          <a:bodyPr rtlCol="0" anchor="ctr"/>
-          <a:lstStyle/>
-          <a:p>
-            <a:pPr algn="ctr"/>
-            <a:endParaRPr lang="en-GB"/>
-          </a:p>
-        </p:txBody>
-      </p:sp>
-      <p:grpSp>
-        <p:nvGrpSpPr>
-          <p:cNvPr id="61" name="Group 60">
-            <a:extLst>
-              <a:ext uri="{FF2B5EF4-FFF2-40B4-BE49-F238E27FC236}">
-                <a16:creationId xmlns:a16="http://schemas.microsoft.com/office/drawing/2014/main" id="{02FFCFF1-2457-46FF-ABEB-177C71E9B6FC}"/>
+                <a16:creationId xmlns:a16="http://schemas.microsoft.com/office/drawing/2014/main" id="{80EF3CC3-B5A8-49E6-B21B-661EDAA2760B}"/>
               </a:ext>
             </a:extLst>
           </p:cNvPr>
@@ -5478,18 +4711,18 @@
         </p:nvGrpSpPr>
         <p:grpSpPr>
           <a:xfrm>
-            <a:off x="8126036" y="5586533"/>
-            <a:ext cx="908492" cy="682597"/>
-            <a:chOff x="5358637" y="4686040"/>
-            <a:chExt cx="908492" cy="682597"/>
+            <a:off x="173715" y="108536"/>
+            <a:ext cx="11752855" cy="6680916"/>
+            <a:chOff x="173715" y="108536"/>
+            <a:chExt cx="11752855" cy="6680916"/>
           </a:xfrm>
         </p:grpSpPr>
         <p:sp>
           <p:nvSpPr>
-            <p:cNvPr id="60" name="Rectangle 59">
+            <p:cNvPr id="104" name="Rectangle 103">
               <a:extLst>
                 <a:ext uri="{FF2B5EF4-FFF2-40B4-BE49-F238E27FC236}">
-                  <a16:creationId xmlns:a16="http://schemas.microsoft.com/office/drawing/2014/main" id="{E2D81316-84F0-4EA5-B2C0-5D8AE24B47EF}"/>
+                  <a16:creationId xmlns:a16="http://schemas.microsoft.com/office/drawing/2014/main" id="{0C70AD25-65C1-468D-AAF6-CC7B41D6B837}"/>
                 </a:ext>
               </a:extLst>
             </p:cNvPr>
@@ -5498,8 +4731,124 @@
           </p:nvSpPr>
           <p:spPr>
             <a:xfrm>
-              <a:off x="5427133" y="4818529"/>
-              <a:ext cx="713691" cy="407895"/>
+              <a:off x="292425" y="1978173"/>
+              <a:ext cx="1574822" cy="1310454"/>
+            </a:xfrm>
+            <a:prstGeom prst="rect">
+              <a:avLst/>
+            </a:prstGeom>
+            <a:solidFill>
+              <a:schemeClr val="bg1">
+                <a:lumMod val="85000"/>
+              </a:schemeClr>
+            </a:solidFill>
+            <a:ln>
+              <a:solidFill>
+                <a:schemeClr val="bg1">
+                  <a:lumMod val="75000"/>
+                </a:schemeClr>
+              </a:solidFill>
+            </a:ln>
+          </p:spPr>
+          <p:style>
+            <a:lnRef idx="2">
+              <a:schemeClr val="accent3">
+                <a:shade val="50000"/>
+              </a:schemeClr>
+            </a:lnRef>
+            <a:fillRef idx="1">
+              <a:schemeClr val="accent3"/>
+            </a:fillRef>
+            <a:effectRef idx="0">
+              <a:schemeClr val="accent3"/>
+            </a:effectRef>
+            <a:fontRef idx="minor">
+              <a:schemeClr val="lt1"/>
+            </a:fontRef>
+          </p:style>
+          <p:txBody>
+            <a:bodyPr rtlCol="0" anchor="ctr"/>
+            <a:lstStyle/>
+            <a:p>
+              <a:pPr algn="ctr"/>
+              <a:endParaRPr lang="en-GB"/>
+            </a:p>
+          </p:txBody>
+        </p:sp>
+        <p:sp>
+          <p:nvSpPr>
+            <p:cNvPr id="172" name="Rectangle 171">
+              <a:extLst>
+                <a:ext uri="{FF2B5EF4-FFF2-40B4-BE49-F238E27FC236}">
+                  <a16:creationId xmlns:a16="http://schemas.microsoft.com/office/drawing/2014/main" id="{32AA820B-A66A-46AA-94F7-5E3EA5DE5EEB}"/>
+                </a:ext>
+              </a:extLst>
+            </p:cNvPr>
+            <p:cNvSpPr/>
+            <p:nvPr/>
+          </p:nvSpPr>
+          <p:spPr>
+            <a:xfrm>
+              <a:off x="6077065" y="4046417"/>
+              <a:ext cx="2012393" cy="1517856"/>
+            </a:xfrm>
+            <a:prstGeom prst="rect">
+              <a:avLst/>
+            </a:prstGeom>
+            <a:solidFill>
+              <a:schemeClr val="bg1">
+                <a:lumMod val="85000"/>
+              </a:schemeClr>
+            </a:solidFill>
+            <a:ln>
+              <a:solidFill>
+                <a:schemeClr val="bg1">
+                  <a:lumMod val="75000"/>
+                </a:schemeClr>
+              </a:solidFill>
+            </a:ln>
+          </p:spPr>
+          <p:style>
+            <a:lnRef idx="2">
+              <a:schemeClr val="accent3">
+                <a:shade val="50000"/>
+              </a:schemeClr>
+            </a:lnRef>
+            <a:fillRef idx="1">
+              <a:schemeClr val="accent3"/>
+            </a:fillRef>
+            <a:effectRef idx="0">
+              <a:schemeClr val="accent3"/>
+            </a:effectRef>
+            <a:fontRef idx="minor">
+              <a:schemeClr val="lt1"/>
+            </a:fontRef>
+          </p:style>
+          <p:txBody>
+            <a:bodyPr rtlCol="0" anchor="ctr"/>
+            <a:lstStyle/>
+            <a:p>
+              <a:pPr algn="ctr"/>
+              <a:endParaRPr lang="en-GB"/>
+            </a:p>
+          </p:txBody>
+        </p:sp>
+        <p:sp>
+          <p:nvSpPr>
+            <p:cNvPr id="31" name="Rectangle 30">
+              <a:extLst>
+                <a:ext uri="{FF2B5EF4-FFF2-40B4-BE49-F238E27FC236}">
+                  <a16:creationId xmlns:a16="http://schemas.microsoft.com/office/drawing/2014/main" id="{2F54B260-6A58-40C6-A05B-535779722010}"/>
+                </a:ext>
+              </a:extLst>
+            </p:cNvPr>
+            <p:cNvSpPr/>
+            <p:nvPr/>
+          </p:nvSpPr>
+          <p:spPr>
+            <a:xfrm rot="2675702">
+              <a:off x="6432243" y="4233018"/>
+              <a:ext cx="617423" cy="617423"/>
             </a:xfrm>
             <a:prstGeom prst="rect">
               <a:avLst/>
@@ -5538,10 +4887,10 @@
         </p:sp>
         <p:pic>
           <p:nvPicPr>
-            <p:cNvPr id="59" name="Picture 58">
+            <p:cNvPr id="35" name="Picture 34">
               <a:extLst>
                 <a:ext uri="{FF2B5EF4-FFF2-40B4-BE49-F238E27FC236}">
-                  <a16:creationId xmlns:a16="http://schemas.microsoft.com/office/drawing/2014/main" id="{7E32F89D-79D1-45A5-A1F4-0C52884F93ED}"/>
+                  <a16:creationId xmlns:a16="http://schemas.microsoft.com/office/drawing/2014/main" id="{1535C81E-CD2C-4AD5-BF99-FA0E3AB6BAA9}"/>
                 </a:ext>
               </a:extLst>
             </p:cNvPr>
@@ -5551,7 +4900,7 @@
             <p:nvPr/>
           </p:nvPicPr>
           <p:blipFill>
-            <a:blip r:embed="rId5">
+            <a:blip r:embed="rId2">
               <a:clrChange>
                 <a:clrFrom>
                   <a:srgbClr val="FFFFFF"/>
@@ -5569,295 +4918,578 @@
           </p:blipFill>
           <p:spPr>
             <a:xfrm>
-              <a:off x="5358637" y="4686040"/>
-              <a:ext cx="908492" cy="682597"/>
+              <a:off x="6146442" y="4021937"/>
+              <a:ext cx="1174810" cy="1041454"/>
             </a:xfrm>
             <a:prstGeom prst="rect">
               <a:avLst/>
             </a:prstGeom>
           </p:spPr>
         </p:pic>
-      </p:grpSp>
-      <p:sp>
-        <p:nvSpPr>
-          <p:cNvPr id="68" name="TextBox 67">
+        <p:sp>
+          <p:nvSpPr>
+            <p:cNvPr id="174" name="Rectangle 173">
+              <a:extLst>
+                <a:ext uri="{FF2B5EF4-FFF2-40B4-BE49-F238E27FC236}">
+                  <a16:creationId xmlns:a16="http://schemas.microsoft.com/office/drawing/2014/main" id="{9D40270A-3FF6-40A0-A21C-AECD43330A6E}"/>
+                </a:ext>
+              </a:extLst>
+            </p:cNvPr>
+            <p:cNvSpPr/>
+            <p:nvPr/>
+          </p:nvSpPr>
+          <p:spPr>
+            <a:xfrm>
+              <a:off x="6077065" y="1919334"/>
+              <a:ext cx="2497316" cy="1656427"/>
+            </a:xfrm>
+            <a:prstGeom prst="rect">
+              <a:avLst/>
+            </a:prstGeom>
+            <a:solidFill>
+              <a:schemeClr val="bg1">
+                <a:lumMod val="85000"/>
+              </a:schemeClr>
+            </a:solidFill>
+            <a:ln>
+              <a:solidFill>
+                <a:schemeClr val="bg1">
+                  <a:lumMod val="75000"/>
+                </a:schemeClr>
+              </a:solidFill>
+            </a:ln>
+          </p:spPr>
+          <p:style>
+            <a:lnRef idx="2">
+              <a:schemeClr val="accent3">
+                <a:shade val="50000"/>
+              </a:schemeClr>
+            </a:lnRef>
+            <a:fillRef idx="1">
+              <a:schemeClr val="accent3"/>
+            </a:fillRef>
+            <a:effectRef idx="0">
+              <a:schemeClr val="accent3"/>
+            </a:effectRef>
+            <a:fontRef idx="minor">
+              <a:schemeClr val="lt1"/>
+            </a:fontRef>
+          </p:style>
+          <p:txBody>
+            <a:bodyPr rtlCol="0" anchor="ctr"/>
+            <a:lstStyle/>
+            <a:p>
+              <a:pPr algn="ctr"/>
+              <a:endParaRPr lang="en-GB"/>
+            </a:p>
+          </p:txBody>
+        </p:sp>
+        <p:sp>
+          <p:nvSpPr>
+            <p:cNvPr id="173" name="TextBox 172">
+              <a:extLst>
+                <a:ext uri="{FF2B5EF4-FFF2-40B4-BE49-F238E27FC236}">
+                  <a16:creationId xmlns:a16="http://schemas.microsoft.com/office/drawing/2014/main" id="{4B322011-622E-4D30-B762-DFAE830934DF}"/>
+                </a:ext>
+              </a:extLst>
+            </p:cNvPr>
+            <p:cNvSpPr txBox="1"/>
+            <p:nvPr/>
+          </p:nvSpPr>
+          <p:spPr>
+            <a:xfrm>
+              <a:off x="6068418" y="5533873"/>
+              <a:ext cx="989696" cy="307777"/>
+            </a:xfrm>
+            <a:prstGeom prst="rect">
+              <a:avLst/>
+            </a:prstGeom>
+            <a:noFill/>
+          </p:spPr>
+          <p:txBody>
+            <a:bodyPr wrap="square" rtlCol="0">
+              <a:spAutoFit/>
+            </a:bodyPr>
+            <a:lstStyle/>
+            <a:p>
+              <a:pPr algn="ctr"/>
+              <a:r>
+                <a:rPr lang="en-GB" sz="1400" dirty="0">
+                  <a:latin typeface="Segoe UI Semilight" panose="020B0402040204020203" pitchFamily="34" charset="0"/>
+                  <a:cs typeface="Segoe UI Semilight" panose="020B0402040204020203" pitchFamily="34" charset="0"/>
+                </a:rPr>
+                <a:t>AD subnet</a:t>
+              </a:r>
+            </a:p>
+          </p:txBody>
+        </p:sp>
+        <p:sp>
+          <p:nvSpPr>
+            <p:cNvPr id="100" name="Rectangle 99">
+              <a:extLst>
+                <a:ext uri="{FF2B5EF4-FFF2-40B4-BE49-F238E27FC236}">
+                  <a16:creationId xmlns:a16="http://schemas.microsoft.com/office/drawing/2014/main" id="{A71496A7-2054-4A70-8A62-749D88DD3687}"/>
+                </a:ext>
+              </a:extLst>
+            </p:cNvPr>
+            <p:cNvSpPr/>
+            <p:nvPr/>
+          </p:nvSpPr>
+          <p:spPr>
+            <a:xfrm>
+              <a:off x="2447463" y="1978173"/>
+              <a:ext cx="1574822" cy="1310454"/>
+            </a:xfrm>
+            <a:prstGeom prst="rect">
+              <a:avLst/>
+            </a:prstGeom>
+            <a:solidFill>
+              <a:schemeClr val="bg1">
+                <a:lumMod val="85000"/>
+              </a:schemeClr>
+            </a:solidFill>
+            <a:ln>
+              <a:solidFill>
+                <a:schemeClr val="bg1">
+                  <a:lumMod val="75000"/>
+                </a:schemeClr>
+              </a:solidFill>
+            </a:ln>
+          </p:spPr>
+          <p:style>
+            <a:lnRef idx="2">
+              <a:schemeClr val="accent3">
+                <a:shade val="50000"/>
+              </a:schemeClr>
+            </a:lnRef>
+            <a:fillRef idx="1">
+              <a:schemeClr val="accent3"/>
+            </a:fillRef>
+            <a:effectRef idx="0">
+              <a:schemeClr val="accent3"/>
+            </a:effectRef>
+            <a:fontRef idx="minor">
+              <a:schemeClr val="lt1"/>
+            </a:fontRef>
+          </p:style>
+          <p:txBody>
+            <a:bodyPr rtlCol="0" anchor="ctr"/>
+            <a:lstStyle/>
+            <a:p>
+              <a:pPr algn="ctr"/>
+              <a:endParaRPr lang="en-GB"/>
+            </a:p>
+          </p:txBody>
+        </p:sp>
+        <p:sp>
+          <p:nvSpPr>
+            <p:cNvPr id="6" name="Rectangle 5">
+              <a:extLst>
+                <a:ext uri="{FF2B5EF4-FFF2-40B4-BE49-F238E27FC236}">
+                  <a16:creationId xmlns:a16="http://schemas.microsoft.com/office/drawing/2014/main" id="{654AA660-F981-4AFF-A527-CF5FCFEF65D2}"/>
+                </a:ext>
+              </a:extLst>
+            </p:cNvPr>
+            <p:cNvSpPr/>
+            <p:nvPr/>
+          </p:nvSpPr>
+          <p:spPr>
+            <a:xfrm>
+              <a:off x="2447463" y="4046417"/>
+              <a:ext cx="1574822" cy="1888048"/>
+            </a:xfrm>
+            <a:prstGeom prst="rect">
+              <a:avLst/>
+            </a:prstGeom>
+            <a:solidFill>
+              <a:schemeClr val="bg1">
+                <a:lumMod val="85000"/>
+              </a:schemeClr>
+            </a:solidFill>
+            <a:ln>
+              <a:solidFill>
+                <a:schemeClr val="bg1">
+                  <a:lumMod val="75000"/>
+                </a:schemeClr>
+              </a:solidFill>
+            </a:ln>
+          </p:spPr>
+          <p:style>
+            <a:lnRef idx="2">
+              <a:schemeClr val="accent3">
+                <a:shade val="50000"/>
+              </a:schemeClr>
+            </a:lnRef>
+            <a:fillRef idx="1">
+              <a:schemeClr val="accent3"/>
+            </a:fillRef>
+            <a:effectRef idx="0">
+              <a:schemeClr val="accent3"/>
+            </a:effectRef>
+            <a:fontRef idx="minor">
+              <a:schemeClr val="lt1"/>
+            </a:fontRef>
+          </p:style>
+          <p:txBody>
+            <a:bodyPr rtlCol="0" anchor="ctr"/>
+            <a:lstStyle/>
+            <a:p>
+              <a:pPr algn="ctr"/>
+              <a:endParaRPr lang="en-GB"/>
+            </a:p>
+          </p:txBody>
+        </p:sp>
+        <p:sp>
+          <p:nvSpPr>
+            <p:cNvPr id="8" name="Cloud 7">
+              <a:extLst>
+                <a:ext uri="{FF2B5EF4-FFF2-40B4-BE49-F238E27FC236}">
+                  <a16:creationId xmlns:a16="http://schemas.microsoft.com/office/drawing/2014/main" id="{D04C277F-B9BC-4C2A-B7FD-11CCC26EF43B}"/>
+                </a:ext>
+              </a:extLst>
+            </p:cNvPr>
+            <p:cNvSpPr/>
+            <p:nvPr/>
+          </p:nvSpPr>
+          <p:spPr>
+            <a:xfrm>
+              <a:off x="6678697" y="108536"/>
+              <a:ext cx="2540000" cy="1143000"/>
+            </a:xfrm>
+            <a:prstGeom prst="cloud">
+              <a:avLst/>
+            </a:prstGeom>
+            <a:solidFill>
+              <a:srgbClr val="5B9BD5"/>
+            </a:solidFill>
+            <a:ln>
+              <a:noFill/>
+            </a:ln>
+          </p:spPr>
+          <p:style>
+            <a:lnRef idx="2">
+              <a:schemeClr val="accent1">
+                <a:shade val="50000"/>
+              </a:schemeClr>
+            </a:lnRef>
+            <a:fillRef idx="1">
+              <a:schemeClr val="accent1"/>
+            </a:fillRef>
+            <a:effectRef idx="0">
+              <a:schemeClr val="accent1"/>
+            </a:effectRef>
+            <a:fontRef idx="minor">
+              <a:schemeClr val="lt1"/>
+            </a:fontRef>
+          </p:style>
+          <p:txBody>
+            <a:bodyPr rtlCol="0" anchor="ctr"/>
+            <a:lstStyle/>
+            <a:p>
+              <a:pPr algn="ctr"/>
+              <a:r>
+                <a:rPr lang="en-GB" dirty="0">
+                  <a:latin typeface="Segoe UI Semilight" panose="020B0402040204020203" pitchFamily="34" charset="0"/>
+                  <a:cs typeface="Segoe UI Semilight" panose="020B0402040204020203" pitchFamily="34" charset="0"/>
+                </a:rPr>
+                <a:t>Public Internet</a:t>
+              </a:r>
+            </a:p>
+          </p:txBody>
+        </p:sp>
+        <p:sp>
+          <p:nvSpPr>
+            <p:cNvPr id="162" name="Arrow: Bent 161">
+              <a:extLst>
+                <a:ext uri="{FF2B5EF4-FFF2-40B4-BE49-F238E27FC236}">
+                  <a16:creationId xmlns:a16="http://schemas.microsoft.com/office/drawing/2014/main" id="{F582D883-654F-49D0-83EB-27FCFC763400}"/>
+                </a:ext>
+              </a:extLst>
+            </p:cNvPr>
+            <p:cNvSpPr/>
+            <p:nvPr/>
+          </p:nvSpPr>
+          <p:spPr>
+            <a:xfrm flipH="1">
+              <a:off x="8876851" y="417443"/>
+              <a:ext cx="644402" cy="3760839"/>
+            </a:xfrm>
+            <a:prstGeom prst="bentArrow">
+              <a:avLst>
+                <a:gd name="adj1" fmla="val 25000"/>
+                <a:gd name="adj2" fmla="val 25000"/>
+                <a:gd name="adj3" fmla="val 25000"/>
+                <a:gd name="adj4" fmla="val 0"/>
+              </a:avLst>
+            </a:prstGeom>
+            <a:solidFill>
+              <a:srgbClr val="77C5E6"/>
+            </a:solidFill>
+            <a:ln>
+              <a:noFill/>
+            </a:ln>
+          </p:spPr>
+          <p:style>
+            <a:lnRef idx="2">
+              <a:schemeClr val="accent1">
+                <a:shade val="50000"/>
+              </a:schemeClr>
+            </a:lnRef>
+            <a:fillRef idx="1">
+              <a:schemeClr val="accent1"/>
+            </a:fillRef>
+            <a:effectRef idx="0">
+              <a:schemeClr val="accent1"/>
+            </a:effectRef>
+            <a:fontRef idx="minor">
+              <a:schemeClr val="lt1"/>
+            </a:fontRef>
+          </p:style>
+          <p:txBody>
+            <a:bodyPr rtlCol="0" anchor="ctr"/>
+            <a:lstStyle/>
+            <a:p>
+              <a:pPr algn="ctr"/>
+              <a:endParaRPr lang="en-GB">
+                <a:solidFill>
+                  <a:schemeClr val="tx1"/>
+                </a:solidFill>
+              </a:endParaRPr>
+            </a:p>
+          </p:txBody>
+        </p:sp>
+        <p:sp>
+          <p:nvSpPr>
+            <p:cNvPr id="75" name="TextBox 74">
+              <a:extLst>
+                <a:ext uri="{FF2B5EF4-FFF2-40B4-BE49-F238E27FC236}">
+                  <a16:creationId xmlns:a16="http://schemas.microsoft.com/office/drawing/2014/main" id="{8FA94EC7-C901-45AE-93FA-15AA4D3789BF}"/>
+                </a:ext>
+              </a:extLst>
+            </p:cNvPr>
+            <p:cNvSpPr txBox="1"/>
+            <p:nvPr/>
+          </p:nvSpPr>
+          <p:spPr>
+            <a:xfrm>
+              <a:off x="5963517" y="1461447"/>
+              <a:ext cx="2767236" cy="307777"/>
+            </a:xfrm>
+            <a:prstGeom prst="rect">
+              <a:avLst/>
+            </a:prstGeom>
+            <a:noFill/>
+          </p:spPr>
+          <p:txBody>
+            <a:bodyPr wrap="square" rtlCol="0">
+              <a:spAutoFit/>
+            </a:bodyPr>
+            <a:lstStyle/>
+            <a:p>
+              <a:pPr algn="ctr"/>
+              <a:r>
+                <a:rPr lang="en-GB" sz="1400" dirty="0">
+                  <a:solidFill>
+                    <a:srgbClr val="5B9BD5"/>
+                  </a:solidFill>
+                  <a:latin typeface="Segoe UI Black" panose="020B0A02040204020203" pitchFamily="34" charset="0"/>
+                  <a:ea typeface="Segoe UI Black" panose="020B0A02040204020203" pitchFamily="34" charset="0"/>
+                  <a:cs typeface="Segoe UI Semilight" panose="020B0402040204020203" pitchFamily="34" charset="0"/>
+                </a:rPr>
+                <a:t>Hub</a:t>
+              </a:r>
+            </a:p>
+          </p:txBody>
+        </p:sp>
+        <p:pic>
+          <p:nvPicPr>
+            <p:cNvPr id="29" name="Picture 28">
+              <a:extLst>
+                <a:ext uri="{FF2B5EF4-FFF2-40B4-BE49-F238E27FC236}">
+                  <a16:creationId xmlns:a16="http://schemas.microsoft.com/office/drawing/2014/main" id="{06080F83-D104-4305-A019-280A4DFBEBCF}"/>
+                </a:ext>
+              </a:extLst>
+            </p:cNvPr>
+            <p:cNvPicPr>
+              <a:picLocks noChangeAspect="1"/>
+            </p:cNvPicPr>
+            <p:nvPr/>
+          </p:nvPicPr>
+          <p:blipFill>
+            <a:blip r:embed="rId3">
+              <a:clrChange>
+                <a:clrFrom>
+                  <a:srgbClr val="FFFFFF"/>
+                </a:clrFrom>
+                <a:clrTo>
+                  <a:srgbClr val="FFFFFF">
+                    <a:alpha val="0"/>
+                  </a:srgbClr>
+                </a:clrTo>
+              </a:clrChange>
+            </a:blip>
+            <a:stretch>
+              <a:fillRect/>
+            </a:stretch>
+          </p:blipFill>
+          <p:spPr>
+            <a:xfrm>
+              <a:off x="7504458" y="2533196"/>
+              <a:ext cx="984301" cy="1092256"/>
+            </a:xfrm>
+            <a:prstGeom prst="rect">
+              <a:avLst/>
+            </a:prstGeom>
+          </p:spPr>
+        </p:pic>
+        <p:sp>
+          <p:nvSpPr>
+            <p:cNvPr id="4" name="AutoShape 2" descr="1">
+              <a:extLst>
+                <a:ext uri="{FF2B5EF4-FFF2-40B4-BE49-F238E27FC236}">
+                  <a16:creationId xmlns:a16="http://schemas.microsoft.com/office/drawing/2014/main" id="{D2741D4E-C0E7-4313-B888-AD4CD7CEC177}"/>
+                </a:ext>
+              </a:extLst>
+            </p:cNvPr>
+            <p:cNvSpPr>
+              <a:spLocks noChangeAspect="1" noChangeArrowheads="1"/>
+            </p:cNvSpPr>
+            <p:nvPr/>
+          </p:nvSpPr>
+          <p:spPr bwMode="auto">
+            <a:xfrm>
+              <a:off x="5857135" y="3774386"/>
+              <a:ext cx="2602727" cy="2602727"/>
+            </a:xfrm>
+            <a:prstGeom prst="rect">
+              <a:avLst/>
+            </a:prstGeom>
+            <a:noFill/>
             <a:extLst>
-              <a:ext uri="{FF2B5EF4-FFF2-40B4-BE49-F238E27FC236}">
-                <a16:creationId xmlns:a16="http://schemas.microsoft.com/office/drawing/2014/main" id="{737A5110-B902-4EB7-925A-176F4328E5D1}"/>
+              <a:ext uri="{909E8E84-426E-40DD-AFC4-6F175D3DCCD1}">
+                <a14:hiddenFill xmlns:a14="http://schemas.microsoft.com/office/drawing/2010/main">
+                  <a:solidFill>
+                    <a:srgbClr val="FFFFFF"/>
+                  </a:solidFill>
+                </a14:hiddenFill>
               </a:ext>
             </a:extLst>
-          </p:cNvPr>
-          <p:cNvSpPr txBox="1"/>
-          <p:nvPr/>
-        </p:nvSpPr>
-        <p:spPr>
-          <a:xfrm>
-            <a:off x="7676659" y="5909298"/>
-            <a:ext cx="713691" cy="307777"/>
-          </a:xfrm>
-          <a:prstGeom prst="rect">
-            <a:avLst/>
-          </a:prstGeom>
-          <a:noFill/>
-        </p:spPr>
-        <p:txBody>
-          <a:bodyPr wrap="square" rtlCol="0">
-            <a:spAutoFit/>
-          </a:bodyPr>
-          <a:lstStyle/>
-          <a:p>
-            <a:pPr algn="ctr"/>
-            <a:r>
-              <a:rPr lang="en-GB" sz="1400" dirty="0" err="1">
+          </p:spPr>
+          <p:txBody>
+            <a:bodyPr vert="horz" wrap="square" lIns="91440" tIns="45720" rIns="91440" bIns="45720" numCol="1" anchor="t" anchorCtr="0" compatLnSpc="1">
+              <a:prstTxWarp prst="textNoShape">
+                <a:avLst/>
+              </a:prstTxWarp>
+            </a:bodyPr>
+            <a:lstStyle/>
+            <a:p>
+              <a:endParaRPr lang="en-GB">
                 <a:latin typeface="Segoe UI Semilight" panose="020B0402040204020203" pitchFamily="34" charset="0"/>
                 <a:cs typeface="Segoe UI Semilight" panose="020B0402040204020203" pitchFamily="34" charset="0"/>
-              </a:rPr>
-              <a:t>VNet</a:t>
-            </a:r>
-            <a:endParaRPr lang="en-GB" sz="1400" dirty="0">
-              <a:latin typeface="Segoe UI Semilight" panose="020B0402040204020203" pitchFamily="34" charset="0"/>
-              <a:cs typeface="Segoe UI Semilight" panose="020B0402040204020203" pitchFamily="34" charset="0"/>
-            </a:endParaRPr>
-          </a:p>
-        </p:txBody>
-      </p:sp>
-      <p:sp>
-        <p:nvSpPr>
-          <p:cNvPr id="69" name="TextBox 68">
-            <a:extLst>
-              <a:ext uri="{FF2B5EF4-FFF2-40B4-BE49-F238E27FC236}">
-                <a16:creationId xmlns:a16="http://schemas.microsoft.com/office/drawing/2014/main" id="{B07A2E68-80E6-4876-B3B9-CF2CFD7ADE0D}"/>
-              </a:ext>
-            </a:extLst>
-          </p:cNvPr>
-          <p:cNvSpPr txBox="1"/>
-          <p:nvPr/>
-        </p:nvSpPr>
-        <p:spPr>
-          <a:xfrm>
-            <a:off x="6286712" y="4947651"/>
-            <a:ext cx="908492" cy="523220"/>
-          </a:xfrm>
-          <a:prstGeom prst="rect">
-            <a:avLst/>
-          </a:prstGeom>
-          <a:noFill/>
-        </p:spPr>
-        <p:txBody>
-          <a:bodyPr wrap="square" rtlCol="0">
-            <a:spAutoFit/>
-          </a:bodyPr>
-          <a:lstStyle/>
-          <a:p>
-            <a:pPr algn="ctr"/>
-            <a:r>
-              <a:rPr lang="en-GB" sz="1400" dirty="0">
-                <a:latin typeface="Segoe UI Semilight" panose="020B0402040204020203" pitchFamily="34" charset="0"/>
-                <a:cs typeface="Segoe UI Semilight" panose="020B0402040204020203" pitchFamily="34" charset="0"/>
-              </a:rPr>
-              <a:t>Active Directory</a:t>
-            </a:r>
-          </a:p>
-        </p:txBody>
-      </p:sp>
-      <p:sp>
-        <p:nvSpPr>
-          <p:cNvPr id="70" name="TextBox 69">
-            <a:extLst>
-              <a:ext uri="{FF2B5EF4-FFF2-40B4-BE49-F238E27FC236}">
-                <a16:creationId xmlns:a16="http://schemas.microsoft.com/office/drawing/2014/main" id="{FFBC1F5F-D413-49CF-91BA-299EBC64F855}"/>
-              </a:ext>
-            </a:extLst>
-          </p:cNvPr>
-          <p:cNvSpPr txBox="1"/>
-          <p:nvPr/>
-        </p:nvSpPr>
-        <p:spPr>
-          <a:xfrm>
-            <a:off x="7450852" y="2138694"/>
-            <a:ext cx="1009010" cy="523220"/>
-          </a:xfrm>
-          <a:prstGeom prst="rect">
-            <a:avLst/>
-          </a:prstGeom>
-          <a:noFill/>
-        </p:spPr>
-        <p:txBody>
-          <a:bodyPr wrap="square" rtlCol="0">
-            <a:spAutoFit/>
-          </a:bodyPr>
-          <a:lstStyle/>
-          <a:p>
-            <a:pPr algn="ctr"/>
-            <a:r>
-              <a:rPr lang="en-GB" sz="1400" dirty="0">
-                <a:latin typeface="Segoe UI Semilight" panose="020B0402040204020203" pitchFamily="34" charset="0"/>
-                <a:cs typeface="Segoe UI Semilight" panose="020B0402040204020203" pitchFamily="34" charset="0"/>
-              </a:rPr>
-              <a:t>DDOS protection</a:t>
-            </a:r>
-          </a:p>
-        </p:txBody>
-      </p:sp>
-      <p:sp>
-        <p:nvSpPr>
-          <p:cNvPr id="71" name="TextBox 70">
-            <a:extLst>
-              <a:ext uri="{FF2B5EF4-FFF2-40B4-BE49-F238E27FC236}">
-                <a16:creationId xmlns:a16="http://schemas.microsoft.com/office/drawing/2014/main" id="{F8CA4FF7-ACF8-4198-9D55-FE1CBFE699A7}"/>
-              </a:ext>
-            </a:extLst>
-          </p:cNvPr>
-          <p:cNvSpPr txBox="1"/>
-          <p:nvPr/>
-        </p:nvSpPr>
-        <p:spPr>
-          <a:xfrm>
-            <a:off x="6007465" y="2081635"/>
-            <a:ext cx="869995" cy="523220"/>
-          </a:xfrm>
-          <a:prstGeom prst="rect">
-            <a:avLst/>
-          </a:prstGeom>
-          <a:noFill/>
-        </p:spPr>
-        <p:txBody>
-          <a:bodyPr wrap="square" rtlCol="0">
-            <a:spAutoFit/>
-          </a:bodyPr>
-          <a:lstStyle/>
-          <a:p>
-            <a:pPr algn="ctr"/>
-            <a:r>
-              <a:rPr lang="en-GB" sz="1400" dirty="0">
-                <a:latin typeface="Segoe UI Semilight" panose="020B0402040204020203" pitchFamily="34" charset="0"/>
-                <a:cs typeface="Segoe UI Semilight" panose="020B0402040204020203" pitchFamily="34" charset="0"/>
-              </a:rPr>
-              <a:t>Azure Firewall</a:t>
-            </a:r>
-          </a:p>
-        </p:txBody>
-      </p:sp>
-      <p:sp>
-        <p:nvSpPr>
-          <p:cNvPr id="15" name="TextBox 14">
-            <a:extLst>
-              <a:ext uri="{FF2B5EF4-FFF2-40B4-BE49-F238E27FC236}">
-                <a16:creationId xmlns:a16="http://schemas.microsoft.com/office/drawing/2014/main" id="{7A20343E-32D2-41A1-8C87-8A0DE735F4F4}"/>
-              </a:ext>
-            </a:extLst>
-          </p:cNvPr>
-          <p:cNvSpPr txBox="1"/>
-          <p:nvPr/>
-        </p:nvSpPr>
-        <p:spPr>
-          <a:xfrm>
-            <a:off x="10316210" y="3244174"/>
-            <a:ext cx="1451231" cy="369332"/>
-          </a:xfrm>
-          <a:prstGeom prst="rect">
-            <a:avLst/>
-          </a:prstGeom>
-          <a:noFill/>
-        </p:spPr>
-        <p:txBody>
-          <a:bodyPr wrap="none" rtlCol="0">
-            <a:spAutoFit/>
-          </a:bodyPr>
-          <a:lstStyle/>
-          <a:p>
-            <a:r>
-              <a:rPr lang="en-GB" dirty="0">
-                <a:latin typeface="Segoe UI Semilight" panose="020B0402040204020203" pitchFamily="34" charset="0"/>
-                <a:cs typeface="Segoe UI Semilight" panose="020B0402040204020203" pitchFamily="34" charset="0"/>
-              </a:rPr>
-              <a:t>On-Premises</a:t>
-            </a:r>
-          </a:p>
-        </p:txBody>
-      </p:sp>
-      <p:sp>
-        <p:nvSpPr>
-          <p:cNvPr id="16" name="Rectangle 15">
-            <a:extLst>
-              <a:ext uri="{FF2B5EF4-FFF2-40B4-BE49-F238E27FC236}">
-                <a16:creationId xmlns:a16="http://schemas.microsoft.com/office/drawing/2014/main" id="{622970DB-C4BE-4FD8-AA13-70AA24E535D8}"/>
-              </a:ext>
-            </a:extLst>
-          </p:cNvPr>
-          <p:cNvSpPr/>
-          <p:nvPr/>
-        </p:nvSpPr>
-        <p:spPr>
-          <a:xfrm>
-            <a:off x="10077450" y="3182842"/>
-            <a:ext cx="1849120" cy="2940934"/>
-          </a:xfrm>
-          <a:prstGeom prst="rect">
-            <a:avLst/>
-          </a:prstGeom>
-          <a:noFill/>
-          <a:ln w="76200">
-            <a:solidFill>
-              <a:srgbClr val="A5A5A5"/>
-            </a:solidFill>
-            <a:prstDash val="sysDot"/>
-          </a:ln>
-        </p:spPr>
-        <p:style>
-          <a:lnRef idx="2">
-            <a:schemeClr val="accent1">
-              <a:shade val="50000"/>
-            </a:schemeClr>
-          </a:lnRef>
-          <a:fillRef idx="1">
-            <a:schemeClr val="accent1"/>
-          </a:fillRef>
-          <a:effectRef idx="0">
-            <a:schemeClr val="accent1"/>
-          </a:effectRef>
-          <a:fontRef idx="minor">
-            <a:schemeClr val="lt1"/>
-          </a:fontRef>
-        </p:style>
-        <p:txBody>
-          <a:bodyPr rtlCol="0" anchor="ctr"/>
-          <a:lstStyle/>
-          <a:p>
-            <a:pPr algn="ctr"/>
-            <a:endParaRPr lang="en-GB">
-              <a:latin typeface="Segoe UI Semilight" panose="020B0402040204020203" pitchFamily="34" charset="0"/>
-              <a:cs typeface="Segoe UI Semilight" panose="020B0402040204020203" pitchFamily="34" charset="0"/>
-            </a:endParaRPr>
-          </a:p>
-        </p:txBody>
-      </p:sp>
-      <p:grpSp>
-        <p:nvGrpSpPr>
-          <p:cNvPr id="159" name="Group 158">
-            <a:extLst>
-              <a:ext uri="{FF2B5EF4-FFF2-40B4-BE49-F238E27FC236}">
-                <a16:creationId xmlns:a16="http://schemas.microsoft.com/office/drawing/2014/main" id="{1EE5864B-16DD-40E5-A3E8-2FC71E651CF6}"/>
-              </a:ext>
-            </a:extLst>
-          </p:cNvPr>
-          <p:cNvGrpSpPr/>
-          <p:nvPr/>
-        </p:nvGrpSpPr>
-        <p:grpSpPr>
-          <a:xfrm>
-            <a:off x="8366718" y="4796000"/>
-            <a:ext cx="3322174" cy="1199161"/>
-            <a:chOff x="8366718" y="3575852"/>
-            <a:chExt cx="3322174" cy="1199161"/>
-          </a:xfrm>
-        </p:grpSpPr>
+              </a:endParaRPr>
+            </a:p>
+          </p:txBody>
+        </p:sp>
+        <p:pic>
+          <p:nvPicPr>
+            <p:cNvPr id="36" name="Picture 35">
+              <a:extLst>
+                <a:ext uri="{FF2B5EF4-FFF2-40B4-BE49-F238E27FC236}">
+                  <a16:creationId xmlns:a16="http://schemas.microsoft.com/office/drawing/2014/main" id="{EB6BBCFB-8E63-423E-8851-46E9097D52F7}"/>
+                </a:ext>
+              </a:extLst>
+            </p:cNvPr>
+            <p:cNvPicPr>
+              <a:picLocks noChangeAspect="1"/>
+            </p:cNvPicPr>
+            <p:nvPr/>
+          </p:nvPicPr>
+          <p:blipFill>
+            <a:blip r:embed="rId4">
+              <a:clrChange>
+                <a:clrFrom>
+                  <a:srgbClr val="FFFFFF"/>
+                </a:clrFrom>
+                <a:clrTo>
+                  <a:srgbClr val="FFFFFF">
+                    <a:alpha val="0"/>
+                  </a:srgbClr>
+                </a:clrTo>
+              </a:clrChange>
+            </a:blip>
+            <a:stretch>
+              <a:fillRect/>
+            </a:stretch>
+          </p:blipFill>
+          <p:spPr>
+            <a:xfrm>
+              <a:off x="6376227" y="2416146"/>
+              <a:ext cx="869995" cy="850944"/>
+            </a:xfrm>
+            <a:prstGeom prst="rect">
+              <a:avLst/>
+            </a:prstGeom>
+          </p:spPr>
+        </p:pic>
+        <p:sp>
+          <p:nvSpPr>
+            <p:cNvPr id="58" name="Rectangle 57">
+              <a:extLst>
+                <a:ext uri="{FF2B5EF4-FFF2-40B4-BE49-F238E27FC236}">
+                  <a16:creationId xmlns:a16="http://schemas.microsoft.com/office/drawing/2014/main" id="{E0BDE120-D5D1-49ED-9AB6-743C1B5DDAF2}"/>
+                </a:ext>
+              </a:extLst>
+            </p:cNvPr>
+            <p:cNvSpPr/>
+            <p:nvPr/>
+          </p:nvSpPr>
+          <p:spPr>
+            <a:xfrm>
+              <a:off x="5950844" y="1765594"/>
+              <a:ext cx="2770293" cy="4153923"/>
+            </a:xfrm>
+            <a:prstGeom prst="rect">
+              <a:avLst/>
+            </a:prstGeom>
+            <a:noFill/>
+            <a:ln w="38100">
+              <a:solidFill>
+                <a:srgbClr val="5B9BD5"/>
+              </a:solidFill>
+              <a:prstDash val="sysDot"/>
+            </a:ln>
+          </p:spPr>
+          <p:style>
+            <a:lnRef idx="2">
+              <a:schemeClr val="accent1">
+                <a:shade val="50000"/>
+              </a:schemeClr>
+            </a:lnRef>
+            <a:fillRef idx="1">
+              <a:schemeClr val="accent1"/>
+            </a:fillRef>
+            <a:effectRef idx="0">
+              <a:schemeClr val="accent1"/>
+            </a:effectRef>
+            <a:fontRef idx="minor">
+              <a:schemeClr val="lt1"/>
+            </a:fontRef>
+          </p:style>
+          <p:txBody>
+            <a:bodyPr rtlCol="0" anchor="ctr"/>
+            <a:lstStyle/>
+            <a:p>
+              <a:pPr algn="ctr"/>
+              <a:endParaRPr lang="en-GB"/>
+            </a:p>
+          </p:txBody>
+        </p:sp>
         <p:grpSp>
           <p:nvGrpSpPr>
-            <p:cNvPr id="80" name="Group 79">
+            <p:cNvPr id="61" name="Group 60">
               <a:extLst>
                 <a:ext uri="{FF2B5EF4-FFF2-40B4-BE49-F238E27FC236}">
-                  <a16:creationId xmlns:a16="http://schemas.microsoft.com/office/drawing/2014/main" id="{05E85FB0-7702-4CF1-BF32-C92AD1897B5A}"/>
+                  <a16:creationId xmlns:a16="http://schemas.microsoft.com/office/drawing/2014/main" id="{02FFCFF1-2457-46FF-ABEB-177C71E9B6FC}"/>
                 </a:ext>
               </a:extLst>
             </p:cNvPr>
@@ -5866,18 +5498,70 @@
           </p:nvGrpSpPr>
           <p:grpSpPr>
             <a:xfrm>
-              <a:off x="10316210" y="3613506"/>
-              <a:ext cx="1372682" cy="1161507"/>
-              <a:chOff x="9528810" y="848880"/>
-              <a:chExt cx="1372682" cy="1161507"/>
+              <a:off x="8126036" y="5586533"/>
+              <a:ext cx="908492" cy="682597"/>
+              <a:chOff x="5358637" y="4686040"/>
+              <a:chExt cx="908492" cy="682597"/>
             </a:xfrm>
           </p:grpSpPr>
+          <p:sp>
+            <p:nvSpPr>
+              <p:cNvPr id="60" name="Rectangle 59">
+                <a:extLst>
+                  <a:ext uri="{FF2B5EF4-FFF2-40B4-BE49-F238E27FC236}">
+                    <a16:creationId xmlns:a16="http://schemas.microsoft.com/office/drawing/2014/main" id="{E2D81316-84F0-4EA5-B2C0-5D8AE24B47EF}"/>
+                  </a:ext>
+                </a:extLst>
+              </p:cNvPr>
+              <p:cNvSpPr/>
+              <p:nvPr/>
+            </p:nvSpPr>
+            <p:spPr>
+              <a:xfrm>
+                <a:off x="5427133" y="4818529"/>
+                <a:ext cx="713691" cy="407895"/>
+              </a:xfrm>
+              <a:prstGeom prst="rect">
+                <a:avLst/>
+              </a:prstGeom>
+              <a:solidFill>
+                <a:schemeClr val="bg1"/>
+              </a:solidFill>
+              <a:ln>
+                <a:noFill/>
+              </a:ln>
+            </p:spPr>
+            <p:style>
+              <a:lnRef idx="2">
+                <a:schemeClr val="accent1">
+                  <a:shade val="50000"/>
+                </a:schemeClr>
+              </a:lnRef>
+              <a:fillRef idx="1">
+                <a:schemeClr val="accent1"/>
+              </a:fillRef>
+              <a:effectRef idx="0">
+                <a:schemeClr val="accent1"/>
+              </a:effectRef>
+              <a:fontRef idx="minor">
+                <a:schemeClr val="lt1"/>
+              </a:fontRef>
+            </p:style>
+            <p:txBody>
+              <a:bodyPr rtlCol="0" anchor="ctr"/>
+              <a:lstStyle/>
+              <a:p>
+                <a:pPr algn="ctr"/>
+                <a:endParaRPr lang="en-GB"/>
+              </a:p>
+            </p:txBody>
+          </p:sp>
           <p:pic>
             <p:nvPicPr>
-              <p:cNvPr id="12" name="Graphic 11" descr="Building">
+              <p:cNvPr id="59" name="Picture 58">
                 <a:extLst>
                   <a:ext uri="{FF2B5EF4-FFF2-40B4-BE49-F238E27FC236}">
-                    <a16:creationId xmlns:a16="http://schemas.microsoft.com/office/drawing/2014/main" id="{BB05C67C-AFA8-48B8-A50D-4F4C8EACCF38}"/>
+                    <a16:creationId xmlns:a16="http://schemas.microsoft.com/office/drawing/2014/main" id="{7E32F89D-79D1-45A5-A1F4-0C52884F93ED}"/>
                   </a:ext>
                 </a:extLst>
               </p:cNvPr>
@@ -5887,13 +5571,730 @@
               <p:nvPr/>
             </p:nvPicPr>
             <p:blipFill>
-              <a:blip r:embed="rId6">
+              <a:blip r:embed="rId5">
+                <a:clrChange>
+                  <a:clrFrom>
+                    <a:srgbClr val="FFFFFF"/>
+                  </a:clrFrom>
+                  <a:clrTo>
+                    <a:srgbClr val="FFFFFF">
+                      <a:alpha val="0"/>
+                    </a:srgbClr>
+                  </a:clrTo>
+                </a:clrChange>
+              </a:blip>
+              <a:stretch>
+                <a:fillRect/>
+              </a:stretch>
+            </p:blipFill>
+            <p:spPr>
+              <a:xfrm>
+                <a:off x="5358637" y="4686040"/>
+                <a:ext cx="908492" cy="682597"/>
+              </a:xfrm>
+              <a:prstGeom prst="rect">
+                <a:avLst/>
+              </a:prstGeom>
+            </p:spPr>
+          </p:pic>
+        </p:grpSp>
+        <p:sp>
+          <p:nvSpPr>
+            <p:cNvPr id="68" name="TextBox 67">
+              <a:extLst>
+                <a:ext uri="{FF2B5EF4-FFF2-40B4-BE49-F238E27FC236}">
+                  <a16:creationId xmlns:a16="http://schemas.microsoft.com/office/drawing/2014/main" id="{737A5110-B902-4EB7-925A-176F4328E5D1}"/>
+                </a:ext>
+              </a:extLst>
+            </p:cNvPr>
+            <p:cNvSpPr txBox="1"/>
+            <p:nvPr/>
+          </p:nvSpPr>
+          <p:spPr>
+            <a:xfrm>
+              <a:off x="7676659" y="5909298"/>
+              <a:ext cx="713691" cy="307777"/>
+            </a:xfrm>
+            <a:prstGeom prst="rect">
+              <a:avLst/>
+            </a:prstGeom>
+            <a:noFill/>
+          </p:spPr>
+          <p:txBody>
+            <a:bodyPr wrap="square" rtlCol="0">
+              <a:spAutoFit/>
+            </a:bodyPr>
+            <a:lstStyle/>
+            <a:p>
+              <a:pPr algn="ctr"/>
+              <a:r>
+                <a:rPr lang="en-GB" sz="1400" dirty="0" err="1">
+                  <a:latin typeface="Segoe UI Semilight" panose="020B0402040204020203" pitchFamily="34" charset="0"/>
+                  <a:cs typeface="Segoe UI Semilight" panose="020B0402040204020203" pitchFamily="34" charset="0"/>
+                </a:rPr>
+                <a:t>VNet</a:t>
+              </a:r>
+              <a:endParaRPr lang="en-GB" sz="1400" dirty="0">
+                <a:latin typeface="Segoe UI Semilight" panose="020B0402040204020203" pitchFamily="34" charset="0"/>
+                <a:cs typeface="Segoe UI Semilight" panose="020B0402040204020203" pitchFamily="34" charset="0"/>
+              </a:endParaRPr>
+            </a:p>
+          </p:txBody>
+        </p:sp>
+        <p:sp>
+          <p:nvSpPr>
+            <p:cNvPr id="69" name="TextBox 68">
+              <a:extLst>
+                <a:ext uri="{FF2B5EF4-FFF2-40B4-BE49-F238E27FC236}">
+                  <a16:creationId xmlns:a16="http://schemas.microsoft.com/office/drawing/2014/main" id="{B07A2E68-80E6-4876-B3B9-CF2CFD7ADE0D}"/>
+                </a:ext>
+              </a:extLst>
+            </p:cNvPr>
+            <p:cNvSpPr txBox="1"/>
+            <p:nvPr/>
+          </p:nvSpPr>
+          <p:spPr>
+            <a:xfrm>
+              <a:off x="6286712" y="4947651"/>
+              <a:ext cx="908492" cy="523220"/>
+            </a:xfrm>
+            <a:prstGeom prst="rect">
+              <a:avLst/>
+            </a:prstGeom>
+            <a:noFill/>
+          </p:spPr>
+          <p:txBody>
+            <a:bodyPr wrap="square" rtlCol="0">
+              <a:spAutoFit/>
+            </a:bodyPr>
+            <a:lstStyle/>
+            <a:p>
+              <a:pPr algn="ctr"/>
+              <a:r>
+                <a:rPr lang="en-GB" sz="1400" dirty="0">
+                  <a:latin typeface="Segoe UI Semilight" panose="020B0402040204020203" pitchFamily="34" charset="0"/>
+                  <a:cs typeface="Segoe UI Semilight" panose="020B0402040204020203" pitchFamily="34" charset="0"/>
+                </a:rPr>
+                <a:t>Active Directory</a:t>
+              </a:r>
+            </a:p>
+          </p:txBody>
+        </p:sp>
+        <p:sp>
+          <p:nvSpPr>
+            <p:cNvPr id="70" name="TextBox 69">
+              <a:extLst>
+                <a:ext uri="{FF2B5EF4-FFF2-40B4-BE49-F238E27FC236}">
+                  <a16:creationId xmlns:a16="http://schemas.microsoft.com/office/drawing/2014/main" id="{FFBC1F5F-D413-49CF-91BA-299EBC64F855}"/>
+                </a:ext>
+              </a:extLst>
+            </p:cNvPr>
+            <p:cNvSpPr txBox="1"/>
+            <p:nvPr/>
+          </p:nvSpPr>
+          <p:spPr>
+            <a:xfrm>
+              <a:off x="7450852" y="2138694"/>
+              <a:ext cx="1009010" cy="523220"/>
+            </a:xfrm>
+            <a:prstGeom prst="rect">
+              <a:avLst/>
+            </a:prstGeom>
+            <a:noFill/>
+          </p:spPr>
+          <p:txBody>
+            <a:bodyPr wrap="square" rtlCol="0">
+              <a:spAutoFit/>
+            </a:bodyPr>
+            <a:lstStyle/>
+            <a:p>
+              <a:pPr algn="ctr"/>
+              <a:r>
+                <a:rPr lang="en-GB" sz="1400" dirty="0">
+                  <a:latin typeface="Segoe UI Semilight" panose="020B0402040204020203" pitchFamily="34" charset="0"/>
+                  <a:cs typeface="Segoe UI Semilight" panose="020B0402040204020203" pitchFamily="34" charset="0"/>
+                </a:rPr>
+                <a:t>DDOS protection</a:t>
+              </a:r>
+            </a:p>
+          </p:txBody>
+        </p:sp>
+        <p:sp>
+          <p:nvSpPr>
+            <p:cNvPr id="71" name="TextBox 70">
+              <a:extLst>
+                <a:ext uri="{FF2B5EF4-FFF2-40B4-BE49-F238E27FC236}">
+                  <a16:creationId xmlns:a16="http://schemas.microsoft.com/office/drawing/2014/main" id="{F8CA4FF7-ACF8-4198-9D55-FE1CBFE699A7}"/>
+                </a:ext>
+              </a:extLst>
+            </p:cNvPr>
+            <p:cNvSpPr txBox="1"/>
+            <p:nvPr/>
+          </p:nvSpPr>
+          <p:spPr>
+            <a:xfrm>
+              <a:off x="6007465" y="2081635"/>
+              <a:ext cx="869995" cy="523220"/>
+            </a:xfrm>
+            <a:prstGeom prst="rect">
+              <a:avLst/>
+            </a:prstGeom>
+            <a:noFill/>
+          </p:spPr>
+          <p:txBody>
+            <a:bodyPr wrap="square" rtlCol="0">
+              <a:spAutoFit/>
+            </a:bodyPr>
+            <a:lstStyle/>
+            <a:p>
+              <a:pPr algn="ctr"/>
+              <a:r>
+                <a:rPr lang="en-GB" sz="1400" dirty="0">
+                  <a:latin typeface="Segoe UI Semilight" panose="020B0402040204020203" pitchFamily="34" charset="0"/>
+                  <a:cs typeface="Segoe UI Semilight" panose="020B0402040204020203" pitchFamily="34" charset="0"/>
+                </a:rPr>
+                <a:t>Azure Firewall</a:t>
+              </a:r>
+            </a:p>
+          </p:txBody>
+        </p:sp>
+        <p:sp>
+          <p:nvSpPr>
+            <p:cNvPr id="15" name="TextBox 14">
+              <a:extLst>
+                <a:ext uri="{FF2B5EF4-FFF2-40B4-BE49-F238E27FC236}">
+                  <a16:creationId xmlns:a16="http://schemas.microsoft.com/office/drawing/2014/main" id="{7A20343E-32D2-41A1-8C87-8A0DE735F4F4}"/>
+                </a:ext>
+              </a:extLst>
+            </p:cNvPr>
+            <p:cNvSpPr txBox="1"/>
+            <p:nvPr/>
+          </p:nvSpPr>
+          <p:spPr>
+            <a:xfrm>
+              <a:off x="10316210" y="3244174"/>
+              <a:ext cx="1451231" cy="369332"/>
+            </a:xfrm>
+            <a:prstGeom prst="rect">
+              <a:avLst/>
+            </a:prstGeom>
+            <a:noFill/>
+          </p:spPr>
+          <p:txBody>
+            <a:bodyPr wrap="none" rtlCol="0">
+              <a:spAutoFit/>
+            </a:bodyPr>
+            <a:lstStyle/>
+            <a:p>
+              <a:r>
+                <a:rPr lang="en-GB" dirty="0">
+                  <a:latin typeface="Segoe UI Semilight" panose="020B0402040204020203" pitchFamily="34" charset="0"/>
+                  <a:cs typeface="Segoe UI Semilight" panose="020B0402040204020203" pitchFamily="34" charset="0"/>
+                </a:rPr>
+                <a:t>On-Premises</a:t>
+              </a:r>
+            </a:p>
+          </p:txBody>
+        </p:sp>
+        <p:sp>
+          <p:nvSpPr>
+            <p:cNvPr id="16" name="Rectangle 15">
+              <a:extLst>
+                <a:ext uri="{FF2B5EF4-FFF2-40B4-BE49-F238E27FC236}">
+                  <a16:creationId xmlns:a16="http://schemas.microsoft.com/office/drawing/2014/main" id="{622970DB-C4BE-4FD8-AA13-70AA24E535D8}"/>
+                </a:ext>
+              </a:extLst>
+            </p:cNvPr>
+            <p:cNvSpPr/>
+            <p:nvPr/>
+          </p:nvSpPr>
+          <p:spPr>
+            <a:xfrm>
+              <a:off x="10077450" y="3182842"/>
+              <a:ext cx="1849120" cy="2940934"/>
+            </a:xfrm>
+            <a:prstGeom prst="rect">
+              <a:avLst/>
+            </a:prstGeom>
+            <a:noFill/>
+            <a:ln w="76200">
+              <a:solidFill>
+                <a:srgbClr val="A5A5A5"/>
+              </a:solidFill>
+              <a:prstDash val="sysDot"/>
+            </a:ln>
+          </p:spPr>
+          <p:style>
+            <a:lnRef idx="2">
+              <a:schemeClr val="accent1">
+                <a:shade val="50000"/>
+              </a:schemeClr>
+            </a:lnRef>
+            <a:fillRef idx="1">
+              <a:schemeClr val="accent1"/>
+            </a:fillRef>
+            <a:effectRef idx="0">
+              <a:schemeClr val="accent1"/>
+            </a:effectRef>
+            <a:fontRef idx="minor">
+              <a:schemeClr val="lt1"/>
+            </a:fontRef>
+          </p:style>
+          <p:txBody>
+            <a:bodyPr rtlCol="0" anchor="ctr"/>
+            <a:lstStyle/>
+            <a:p>
+              <a:pPr algn="ctr"/>
+              <a:endParaRPr lang="en-GB">
+                <a:latin typeface="Segoe UI Semilight" panose="020B0402040204020203" pitchFamily="34" charset="0"/>
+                <a:cs typeface="Segoe UI Semilight" panose="020B0402040204020203" pitchFamily="34" charset="0"/>
+              </a:endParaRPr>
+            </a:p>
+          </p:txBody>
+        </p:sp>
+        <p:grpSp>
+          <p:nvGrpSpPr>
+            <p:cNvPr id="159" name="Group 158">
+              <a:extLst>
+                <a:ext uri="{FF2B5EF4-FFF2-40B4-BE49-F238E27FC236}">
+                  <a16:creationId xmlns:a16="http://schemas.microsoft.com/office/drawing/2014/main" id="{1EE5864B-16DD-40E5-A3E8-2FC71E651CF6}"/>
+                </a:ext>
+              </a:extLst>
+            </p:cNvPr>
+            <p:cNvGrpSpPr/>
+            <p:nvPr/>
+          </p:nvGrpSpPr>
+          <p:grpSpPr>
+            <a:xfrm>
+              <a:off x="8366718" y="4796000"/>
+              <a:ext cx="3322174" cy="1199161"/>
+              <a:chOff x="8366718" y="3575852"/>
+              <a:chExt cx="3322174" cy="1199161"/>
+            </a:xfrm>
+          </p:grpSpPr>
+          <p:grpSp>
+            <p:nvGrpSpPr>
+              <p:cNvPr id="80" name="Group 79">
+                <a:extLst>
+                  <a:ext uri="{FF2B5EF4-FFF2-40B4-BE49-F238E27FC236}">
+                    <a16:creationId xmlns:a16="http://schemas.microsoft.com/office/drawing/2014/main" id="{05E85FB0-7702-4CF1-BF32-C92AD1897B5A}"/>
+                  </a:ext>
+                </a:extLst>
+              </p:cNvPr>
+              <p:cNvGrpSpPr/>
+              <p:nvPr/>
+            </p:nvGrpSpPr>
+            <p:grpSpPr>
+              <a:xfrm>
+                <a:off x="10316210" y="3613506"/>
+                <a:ext cx="1372682" cy="1161507"/>
+                <a:chOff x="9528810" y="848880"/>
+                <a:chExt cx="1372682" cy="1161507"/>
+              </a:xfrm>
+            </p:grpSpPr>
+            <p:pic>
+              <p:nvPicPr>
+                <p:cNvPr id="12" name="Graphic 11" descr="Building">
+                  <a:extLst>
+                    <a:ext uri="{FF2B5EF4-FFF2-40B4-BE49-F238E27FC236}">
+                      <a16:creationId xmlns:a16="http://schemas.microsoft.com/office/drawing/2014/main" id="{BB05C67C-AFA8-48B8-A50D-4F4C8EACCF38}"/>
+                    </a:ext>
+                  </a:extLst>
+                </p:cNvPr>
+                <p:cNvPicPr>
+                  <a:picLocks noChangeAspect="1"/>
+                </p:cNvPicPr>
+                <p:nvPr/>
+              </p:nvPicPr>
+              <p:blipFill>
+                <a:blip r:embed="rId6">
+                  <a:extLst>
+                    <a:ext uri="{28A0092B-C50C-407E-A947-70E740481C1C}">
+                      <a14:useLocalDpi xmlns:a14="http://schemas.microsoft.com/office/drawing/2010/main" val="0"/>
+                    </a:ext>
+                    <a:ext uri="{96DAC541-7B7A-43D3-8B79-37D633B846F1}">
+                      <asvg:svgBlip xmlns:asvg="http://schemas.microsoft.com/office/drawing/2016/SVG/main" r:embed="rId7"/>
+                    </a:ext>
+                  </a:extLst>
+                </a:blip>
+                <a:stretch>
+                  <a:fillRect/>
+                </a:stretch>
+              </p:blipFill>
+              <p:spPr>
+                <a:xfrm>
+                  <a:off x="9758043" y="848880"/>
+                  <a:ext cx="914400" cy="914400"/>
+                </a:xfrm>
+                <a:prstGeom prst="rect">
+                  <a:avLst/>
+                </a:prstGeom>
+              </p:spPr>
+            </p:pic>
+            <p:sp>
+              <p:nvSpPr>
+                <p:cNvPr id="17" name="TextBox 16">
+                  <a:extLst>
+                    <a:ext uri="{FF2B5EF4-FFF2-40B4-BE49-F238E27FC236}">
+                      <a16:creationId xmlns:a16="http://schemas.microsoft.com/office/drawing/2014/main" id="{8021D4FA-6E55-4511-BD58-330BD07874C3}"/>
+                    </a:ext>
+                  </a:extLst>
+                </p:cNvPr>
+                <p:cNvSpPr txBox="1"/>
+                <p:nvPr/>
+              </p:nvSpPr>
+              <p:spPr>
+                <a:xfrm>
+                  <a:off x="9528810" y="1702610"/>
+                  <a:ext cx="1372682" cy="307777"/>
+                </a:xfrm>
+                <a:prstGeom prst="rect">
+                  <a:avLst/>
+                </a:prstGeom>
+                <a:noFill/>
+              </p:spPr>
+              <p:txBody>
+                <a:bodyPr wrap="square" rtlCol="0">
+                  <a:spAutoFit/>
+                </a:bodyPr>
+                <a:lstStyle/>
+                <a:p>
+                  <a:pPr algn="ctr"/>
+                  <a:r>
+                    <a:rPr lang="en-GB" sz="1400" dirty="0">
+                      <a:latin typeface="Segoe UI Semilight" panose="020B0402040204020203" pitchFamily="34" charset="0"/>
+                      <a:cs typeface="Segoe UI Semilight" panose="020B0402040204020203" pitchFamily="34" charset="0"/>
+                    </a:rPr>
+                    <a:t>HQ</a:t>
+                  </a:r>
+                </a:p>
+              </p:txBody>
+            </p:sp>
+          </p:grpSp>
+          <p:grpSp>
+            <p:nvGrpSpPr>
+              <p:cNvPr id="158" name="Group 157">
+                <a:extLst>
+                  <a:ext uri="{FF2B5EF4-FFF2-40B4-BE49-F238E27FC236}">
+                    <a16:creationId xmlns:a16="http://schemas.microsoft.com/office/drawing/2014/main" id="{24A4C56F-0795-4ECF-B470-2BDCF0265F0A}"/>
+                  </a:ext>
+                </a:extLst>
+              </p:cNvPr>
+              <p:cNvGrpSpPr/>
+              <p:nvPr/>
+            </p:nvGrpSpPr>
+            <p:grpSpPr>
+              <a:xfrm>
+                <a:off x="8366718" y="3575852"/>
+                <a:ext cx="2129831" cy="995260"/>
+                <a:chOff x="8366718" y="3575852"/>
+                <a:chExt cx="2129831" cy="995260"/>
+              </a:xfrm>
+            </p:grpSpPr>
+            <p:sp>
+              <p:nvSpPr>
+                <p:cNvPr id="136" name="Arrow: Left-Right 135">
+                  <a:extLst>
+                    <a:ext uri="{FF2B5EF4-FFF2-40B4-BE49-F238E27FC236}">
+                      <a16:creationId xmlns:a16="http://schemas.microsoft.com/office/drawing/2014/main" id="{89487CB8-D983-4725-A02E-605350E28D3B}"/>
+                    </a:ext>
+                  </a:extLst>
+                </p:cNvPr>
+                <p:cNvSpPr/>
+                <p:nvPr/>
+              </p:nvSpPr>
+              <p:spPr>
+                <a:xfrm>
+                  <a:off x="8366718" y="3575852"/>
+                  <a:ext cx="2129831" cy="995260"/>
+                </a:xfrm>
+                <a:prstGeom prst="leftRightArrow">
+                  <a:avLst>
+                    <a:gd name="adj1" fmla="val 70417"/>
+                    <a:gd name="adj2" fmla="val 25755"/>
+                  </a:avLst>
+                </a:prstGeom>
+                <a:solidFill>
+                  <a:srgbClr val="A5A5A5"/>
+                </a:solidFill>
+                <a:ln>
+                  <a:noFill/>
+                </a:ln>
+              </p:spPr>
+              <p:style>
+                <a:lnRef idx="2">
+                  <a:schemeClr val="accent1">
+                    <a:shade val="50000"/>
+                  </a:schemeClr>
+                </a:lnRef>
+                <a:fillRef idx="1">
+                  <a:schemeClr val="accent1"/>
+                </a:fillRef>
+                <a:effectRef idx="0">
+                  <a:schemeClr val="accent1"/>
+                </a:effectRef>
+                <a:fontRef idx="minor">
+                  <a:schemeClr val="lt1"/>
+                </a:fontRef>
+              </p:style>
+              <p:txBody>
+                <a:bodyPr rtlCol="0" anchor="ctr"/>
+                <a:lstStyle/>
+                <a:p>
+                  <a:pPr algn="ctr"/>
+                  <a:endParaRPr lang="en-GB"/>
+                </a:p>
+              </p:txBody>
+            </p:sp>
+            <p:grpSp>
+              <p:nvGrpSpPr>
+                <p:cNvPr id="77" name="Group 76">
+                  <a:extLst>
+                    <a:ext uri="{FF2B5EF4-FFF2-40B4-BE49-F238E27FC236}">
+                      <a16:creationId xmlns:a16="http://schemas.microsoft.com/office/drawing/2014/main" id="{998DEFAD-6D25-4009-B3D2-3A60E0266513}"/>
+                    </a:ext>
+                  </a:extLst>
+                </p:cNvPr>
+                <p:cNvGrpSpPr/>
+                <p:nvPr/>
+              </p:nvGrpSpPr>
+              <p:grpSpPr>
+                <a:xfrm>
+                  <a:off x="8772579" y="3666600"/>
+                  <a:ext cx="1199798" cy="800636"/>
+                  <a:chOff x="7963947" y="1085755"/>
+                  <a:chExt cx="1199798" cy="800636"/>
+                </a:xfrm>
+              </p:grpSpPr>
+              <p:pic>
+                <p:nvPicPr>
+                  <p:cNvPr id="25" name="Picture 24">
+                    <a:extLst>
+                      <a:ext uri="{FF2B5EF4-FFF2-40B4-BE49-F238E27FC236}">
+                        <a16:creationId xmlns:a16="http://schemas.microsoft.com/office/drawing/2014/main" id="{521F238D-09BA-4C31-B67F-B6000BFFDBEB}"/>
+                      </a:ext>
+                    </a:extLst>
+                  </p:cNvPr>
+                  <p:cNvPicPr>
+                    <a:picLocks noChangeAspect="1"/>
+                  </p:cNvPicPr>
+                  <p:nvPr/>
+                </p:nvPicPr>
+                <p:blipFill>
+                  <a:blip r:embed="rId8">
+                    <a:clrChange>
+                      <a:clrFrom>
+                        <a:srgbClr val="FFFFFF"/>
+                      </a:clrFrom>
+                      <a:clrTo>
+                        <a:srgbClr val="FFFFFF">
+                          <a:alpha val="0"/>
+                        </a:srgbClr>
+                      </a:clrTo>
+                    </a:clrChange>
+                  </a:blip>
+                  <a:stretch>
+                    <a:fillRect/>
+                  </a:stretch>
+                </p:blipFill>
+                <p:spPr>
+                  <a:xfrm>
+                    <a:off x="8117991" y="1085755"/>
+                    <a:ext cx="891710" cy="677525"/>
+                  </a:xfrm>
+                  <a:prstGeom prst="rect">
+                    <a:avLst/>
+                  </a:prstGeom>
+                </p:spPr>
+              </p:pic>
+              <p:sp>
+                <p:nvSpPr>
+                  <p:cNvPr id="33" name="TextBox 32">
+                    <a:extLst>
+                      <a:ext uri="{FF2B5EF4-FFF2-40B4-BE49-F238E27FC236}">
+                        <a16:creationId xmlns:a16="http://schemas.microsoft.com/office/drawing/2014/main" id="{F5D17D4D-8777-4219-80D6-3F36F07BD671}"/>
+                      </a:ext>
+                    </a:extLst>
+                  </p:cNvPr>
+                  <p:cNvSpPr txBox="1"/>
+                  <p:nvPr/>
+                </p:nvSpPr>
+                <p:spPr>
+                  <a:xfrm>
+                    <a:off x="7963947" y="1578614"/>
+                    <a:ext cx="1199798" cy="307777"/>
+                  </a:xfrm>
+                  <a:prstGeom prst="rect">
+                    <a:avLst/>
+                  </a:prstGeom>
+                  <a:noFill/>
+                </p:spPr>
+                <p:txBody>
+                  <a:bodyPr wrap="square" rtlCol="0">
+                    <a:spAutoFit/>
+                  </a:bodyPr>
+                  <a:lstStyle/>
+                  <a:p>
+                    <a:pPr algn="ctr"/>
+                    <a:r>
+                      <a:rPr lang="en-GB" sz="1400" dirty="0">
+                        <a:latin typeface="Segoe UI Semilight" panose="020B0402040204020203" pitchFamily="34" charset="0"/>
+                        <a:cs typeface="Segoe UI Semilight" panose="020B0402040204020203" pitchFamily="34" charset="0"/>
+                      </a:rPr>
+                      <a:t>ExpressRoute</a:t>
+                    </a:r>
+                  </a:p>
+                </p:txBody>
+              </p:sp>
+            </p:grpSp>
+          </p:grpSp>
+        </p:grpSp>
+        <p:sp>
+          <p:nvSpPr>
+            <p:cNvPr id="137" name="Arrow: Right 136">
+              <a:extLst>
+                <a:ext uri="{FF2B5EF4-FFF2-40B4-BE49-F238E27FC236}">
+                  <a16:creationId xmlns:a16="http://schemas.microsoft.com/office/drawing/2014/main" id="{205E1C7E-2A17-4B42-8EAB-2386319A3508}"/>
+                </a:ext>
+              </a:extLst>
+            </p:cNvPr>
+            <p:cNvSpPr/>
+            <p:nvPr/>
+          </p:nvSpPr>
+          <p:spPr>
+            <a:xfrm>
+              <a:off x="9360765" y="3575762"/>
+              <a:ext cx="1135784" cy="317522"/>
+            </a:xfrm>
+            <a:prstGeom prst="rightArrow">
+              <a:avLst/>
+            </a:prstGeom>
+            <a:solidFill>
+              <a:srgbClr val="77C5E6"/>
+            </a:solidFill>
+            <a:ln>
+              <a:noFill/>
+            </a:ln>
+          </p:spPr>
+          <p:style>
+            <a:lnRef idx="2">
+              <a:schemeClr val="accent1">
+                <a:shade val="50000"/>
+              </a:schemeClr>
+            </a:lnRef>
+            <a:fillRef idx="1">
+              <a:schemeClr val="accent1"/>
+            </a:fillRef>
+            <a:effectRef idx="0">
+              <a:schemeClr val="accent1"/>
+            </a:effectRef>
+            <a:fontRef idx="minor">
+              <a:schemeClr val="lt1"/>
+            </a:fontRef>
+          </p:style>
+          <p:txBody>
+            <a:bodyPr rtlCol="0" anchor="ctr"/>
+            <a:lstStyle/>
+            <a:p>
+              <a:pPr algn="ctr"/>
+              <a:endParaRPr lang="en-GB"/>
+            </a:p>
+          </p:txBody>
+        </p:sp>
+        <p:sp>
+          <p:nvSpPr>
+            <p:cNvPr id="140" name="Arrow: Right 139">
+              <a:extLst>
+                <a:ext uri="{FF2B5EF4-FFF2-40B4-BE49-F238E27FC236}">
+                  <a16:creationId xmlns:a16="http://schemas.microsoft.com/office/drawing/2014/main" id="{AC4A0C1E-66C3-4F22-B811-49DE5D1BFD9E}"/>
+                </a:ext>
+              </a:extLst>
+            </p:cNvPr>
+            <p:cNvSpPr/>
+            <p:nvPr/>
+          </p:nvSpPr>
+          <p:spPr>
+            <a:xfrm>
+              <a:off x="9360765" y="3948550"/>
+              <a:ext cx="1135784" cy="317522"/>
+            </a:xfrm>
+            <a:prstGeom prst="rightArrow">
+              <a:avLst/>
+            </a:prstGeom>
+            <a:solidFill>
+              <a:srgbClr val="77C5E6"/>
+            </a:solidFill>
+            <a:ln>
+              <a:noFill/>
+            </a:ln>
+          </p:spPr>
+          <p:style>
+            <a:lnRef idx="2">
+              <a:schemeClr val="accent1">
+                <a:shade val="50000"/>
+              </a:schemeClr>
+            </a:lnRef>
+            <a:fillRef idx="1">
+              <a:schemeClr val="accent1"/>
+            </a:fillRef>
+            <a:effectRef idx="0">
+              <a:schemeClr val="accent1"/>
+            </a:effectRef>
+            <a:fontRef idx="minor">
+              <a:schemeClr val="lt1"/>
+            </a:fontRef>
+          </p:style>
+          <p:txBody>
+            <a:bodyPr rtlCol="0" anchor="ctr"/>
+            <a:lstStyle/>
+            <a:p>
+              <a:pPr algn="ctr"/>
+              <a:endParaRPr lang="en-GB"/>
+            </a:p>
+          </p:txBody>
+        </p:sp>
+        <p:grpSp>
+          <p:nvGrpSpPr>
+            <p:cNvPr id="79" name="Group 78">
+              <a:extLst>
+                <a:ext uri="{FF2B5EF4-FFF2-40B4-BE49-F238E27FC236}">
+                  <a16:creationId xmlns:a16="http://schemas.microsoft.com/office/drawing/2014/main" id="{300321F2-6491-4A5C-9990-1BEC4262435F}"/>
+                </a:ext>
+              </a:extLst>
+            </p:cNvPr>
+            <p:cNvGrpSpPr/>
+            <p:nvPr/>
+          </p:nvGrpSpPr>
+          <p:grpSpPr>
+            <a:xfrm>
+              <a:off x="10316210" y="3497886"/>
+              <a:ext cx="1372682" cy="1037511"/>
+              <a:chOff x="9528810" y="2749936"/>
+              <a:chExt cx="1372682" cy="1037511"/>
+            </a:xfrm>
+          </p:grpSpPr>
+          <p:pic>
+            <p:nvPicPr>
+              <p:cNvPr id="10" name="Graphic 9" descr="City">
+                <a:extLst>
+                  <a:ext uri="{FF2B5EF4-FFF2-40B4-BE49-F238E27FC236}">
+                    <a16:creationId xmlns:a16="http://schemas.microsoft.com/office/drawing/2014/main" id="{3C061ECA-946C-4459-8146-9BC2166D9312}"/>
+                  </a:ext>
+                </a:extLst>
+              </p:cNvPr>
+              <p:cNvPicPr>
+                <a:picLocks noChangeAspect="1"/>
+              </p:cNvPicPr>
+              <p:nvPr/>
+            </p:nvPicPr>
+            <p:blipFill>
+              <a:blip r:embed="rId9">
                 <a:extLst>
                   <a:ext uri="{28A0092B-C50C-407E-A947-70E740481C1C}">
                     <a14:useLocalDpi xmlns:a14="http://schemas.microsoft.com/office/drawing/2010/main" val="0"/>
                   </a:ext>
                   <a:ext uri="{96DAC541-7B7A-43D3-8B79-37D633B846F1}">
-                    <asvg:svgBlip xmlns:asvg="http://schemas.microsoft.com/office/drawing/2016/SVG/main" r:embed="rId7"/>
+                    <asvg:svgBlip xmlns:asvg="http://schemas.microsoft.com/office/drawing/2016/SVG/main" r:embed="rId10"/>
                   </a:ext>
                 </a:extLst>
               </a:blip>
@@ -5903,7 +6304,7 @@
             </p:blipFill>
             <p:spPr>
               <a:xfrm>
-                <a:off x="9758043" y="848880"/>
+                <a:off x="9758043" y="2749936"/>
                 <a:ext cx="914400" cy="914400"/>
               </a:xfrm>
               <a:prstGeom prst="rect">
@@ -5913,10 +6314,10 @@
           </p:pic>
           <p:sp>
             <p:nvSpPr>
-              <p:cNvPr id="17" name="TextBox 16">
+              <p:cNvPr id="18" name="TextBox 17">
                 <a:extLst>
                   <a:ext uri="{FF2B5EF4-FFF2-40B4-BE49-F238E27FC236}">
-                    <a16:creationId xmlns:a16="http://schemas.microsoft.com/office/drawing/2014/main" id="{8021D4FA-6E55-4511-BD58-330BD07874C3}"/>
+                    <a16:creationId xmlns:a16="http://schemas.microsoft.com/office/drawing/2014/main" id="{9E7332B4-1E81-4CFC-B6D2-AB3D7B0CDF93}"/>
                   </a:ext>
                 </a:extLst>
               </p:cNvPr>
@@ -5925,7 +6326,7 @@
             </p:nvSpPr>
             <p:spPr>
               <a:xfrm>
-                <a:off x="9528810" y="1702610"/>
+                <a:off x="9528810" y="3479670"/>
                 <a:ext cx="1372682" cy="307777"/>
               </a:xfrm>
               <a:prstGeom prst="rect">
@@ -5945,7 +6346,7 @@
                     <a:latin typeface="Segoe UI Semilight" panose="020B0402040204020203" pitchFamily="34" charset="0"/>
                     <a:cs typeface="Segoe UI Semilight" panose="020B0402040204020203" pitchFamily="34" charset="0"/>
                   </a:rPr>
-                  <a:t>HQ</a:t>
+                  <a:t>Satellite Offices</a:t>
                 </a:r>
               </a:p>
             </p:txBody>
@@ -5953,10 +6354,10 @@
         </p:grpSp>
         <p:grpSp>
           <p:nvGrpSpPr>
-            <p:cNvPr id="158" name="Group 157">
+            <p:cNvPr id="161" name="Group 160">
               <a:extLst>
                 <a:ext uri="{FF2B5EF4-FFF2-40B4-BE49-F238E27FC236}">
-                  <a16:creationId xmlns:a16="http://schemas.microsoft.com/office/drawing/2014/main" id="{24A4C56F-0795-4ECF-B470-2BDCF0265F0A}"/>
+                  <a16:creationId xmlns:a16="http://schemas.microsoft.com/office/drawing/2014/main" id="{49FC2C55-736B-4441-875F-A67245FB56FC}"/>
                 </a:ext>
               </a:extLst>
             </p:cNvPr>
@@ -5965,18 +6366,18 @@
           </p:nvGrpSpPr>
           <p:grpSpPr>
             <a:xfrm>
-              <a:off x="8366718" y="3575852"/>
-              <a:ext cx="2129831" cy="995260"/>
-              <a:chOff x="8366718" y="3575852"/>
-              <a:chExt cx="2129831" cy="995260"/>
+              <a:off x="8942018" y="3454599"/>
+              <a:ext cx="1016052" cy="965868"/>
+              <a:chOff x="8942018" y="2041151"/>
+              <a:chExt cx="1016052" cy="965868"/>
             </a:xfrm>
           </p:grpSpPr>
           <p:sp>
             <p:nvSpPr>
-              <p:cNvPr id="136" name="Arrow: Left-Right 135">
+              <p:cNvPr id="142" name="Rectangle 141">
                 <a:extLst>
                   <a:ext uri="{FF2B5EF4-FFF2-40B4-BE49-F238E27FC236}">
-                    <a16:creationId xmlns:a16="http://schemas.microsoft.com/office/drawing/2014/main" id="{89487CB8-D983-4725-A02E-605350E28D3B}"/>
+                    <a16:creationId xmlns:a16="http://schemas.microsoft.com/office/drawing/2014/main" id="{F7EF69FB-0706-4341-878F-C83627B36903}"/>
                   </a:ext>
                 </a:extLst>
               </p:cNvPr>
@@ -5985,17 +6386,14 @@
             </p:nvSpPr>
             <p:spPr>
               <a:xfrm>
-                <a:off x="8366718" y="3575852"/>
-                <a:ext cx="2129831" cy="995260"/>
+                <a:off x="9194800" y="2331694"/>
+                <a:ext cx="484135" cy="366772"/>
               </a:xfrm>
-              <a:prstGeom prst="leftRightArrow">
-                <a:avLst>
-                  <a:gd name="adj1" fmla="val 70417"/>
-                  <a:gd name="adj2" fmla="val 25755"/>
-                </a:avLst>
+              <a:prstGeom prst="rect">
+                <a:avLst/>
               </a:prstGeom>
               <a:solidFill>
-                <a:srgbClr val="A5A5A5"/>
+                <a:schemeClr val="bg1"/>
               </a:solidFill>
               <a:ln>
                 <a:noFill/>
@@ -6028,10 +6426,10 @@
           </p:sp>
           <p:grpSp>
             <p:nvGrpSpPr>
-              <p:cNvPr id="77" name="Group 76">
+              <p:cNvPr id="76" name="Group 75">
                 <a:extLst>
                   <a:ext uri="{FF2B5EF4-FFF2-40B4-BE49-F238E27FC236}">
-                    <a16:creationId xmlns:a16="http://schemas.microsoft.com/office/drawing/2014/main" id="{998DEFAD-6D25-4009-B3D2-3A60E0266513}"/>
+                    <a16:creationId xmlns:a16="http://schemas.microsoft.com/office/drawing/2014/main" id="{41551FEA-0E8F-4EFF-AE58-A6CF3EA5DEE9}"/>
                   </a:ext>
                 </a:extLst>
               </p:cNvPr>
@@ -6040,18 +6438,18 @@
             </p:nvGrpSpPr>
             <p:grpSpPr>
               <a:xfrm>
-                <a:off x="8772579" y="3666600"/>
-                <a:ext cx="1199798" cy="800636"/>
-                <a:chOff x="7963947" y="1085755"/>
-                <a:chExt cx="1199798" cy="800636"/>
+                <a:off x="8942018" y="2041151"/>
+                <a:ext cx="1016052" cy="965868"/>
+                <a:chOff x="8044949" y="3099904"/>
+                <a:chExt cx="1016052" cy="965868"/>
               </a:xfrm>
             </p:grpSpPr>
             <p:pic>
               <p:nvPicPr>
-                <p:cNvPr id="25" name="Picture 24">
+                <p:cNvPr id="27" name="Picture 26">
                   <a:extLst>
                     <a:ext uri="{FF2B5EF4-FFF2-40B4-BE49-F238E27FC236}">
-                      <a16:creationId xmlns:a16="http://schemas.microsoft.com/office/drawing/2014/main" id="{521F238D-09BA-4C31-B67F-B6000BFFDBEB}"/>
+                      <a16:creationId xmlns:a16="http://schemas.microsoft.com/office/drawing/2014/main" id="{055D241C-DD88-4380-9DBA-9BB353CD539F}"/>
                     </a:ext>
                   </a:extLst>
                 </p:cNvPr>
@@ -6061,7 +6459,7 @@
                 <p:nvPr/>
               </p:nvPicPr>
               <p:blipFill>
-                <a:blip r:embed="rId8">
+                <a:blip r:embed="rId11">
                   <a:clrChange>
                     <a:clrFrom>
                       <a:srgbClr val="FFFFFF"/>
@@ -6079,8 +6477,8 @@
               </p:blipFill>
               <p:spPr>
                 <a:xfrm>
-                  <a:off x="8117991" y="1085755"/>
-                  <a:ext cx="891710" cy="677525"/>
+                  <a:off x="8197149" y="3099904"/>
+                  <a:ext cx="699380" cy="712493"/>
                 </a:xfrm>
                 <a:prstGeom prst="rect">
                   <a:avLst/>
@@ -6089,10 +6487,10 @@
             </p:pic>
             <p:sp>
               <p:nvSpPr>
-                <p:cNvPr id="33" name="TextBox 32">
+                <p:cNvPr id="34" name="TextBox 33">
                   <a:extLst>
                     <a:ext uri="{FF2B5EF4-FFF2-40B4-BE49-F238E27FC236}">
-                      <a16:creationId xmlns:a16="http://schemas.microsoft.com/office/drawing/2014/main" id="{F5D17D4D-8777-4219-80D6-3F36F07BD671}"/>
+                      <a16:creationId xmlns:a16="http://schemas.microsoft.com/office/drawing/2014/main" id="{413CB75F-A91B-49DC-9A9E-EE97F5B6ED7B}"/>
                     </a:ext>
                   </a:extLst>
                 </p:cNvPr>
@@ -6101,8 +6499,8 @@
               </p:nvSpPr>
               <p:spPr>
                 <a:xfrm>
-                  <a:off x="7963947" y="1578614"/>
-                  <a:ext cx="1199798" cy="307777"/>
+                  <a:off x="8044949" y="3757995"/>
+                  <a:ext cx="1016052" cy="307777"/>
                 </a:xfrm>
                 <a:prstGeom prst="rect">
                   <a:avLst/>
@@ -6121,183 +6519,186 @@
                       <a:latin typeface="Segoe UI Semilight" panose="020B0402040204020203" pitchFamily="34" charset="0"/>
                       <a:cs typeface="Segoe UI Semilight" panose="020B0402040204020203" pitchFamily="34" charset="0"/>
                     </a:rPr>
-                    <a:t>ExpressRoute</a:t>
+                    <a:t>VPN</a:t>
                   </a:r>
                 </a:p>
               </p:txBody>
             </p:sp>
           </p:grpSp>
         </p:grpSp>
-      </p:grpSp>
-      <p:sp>
-        <p:nvSpPr>
-          <p:cNvPr id="137" name="Arrow: Right 136">
-            <a:extLst>
-              <a:ext uri="{FF2B5EF4-FFF2-40B4-BE49-F238E27FC236}">
-                <a16:creationId xmlns:a16="http://schemas.microsoft.com/office/drawing/2014/main" id="{205E1C7E-2A17-4B42-8EAB-2386319A3508}"/>
-              </a:ext>
-            </a:extLst>
-          </p:cNvPr>
-          <p:cNvSpPr/>
-          <p:nvPr/>
-        </p:nvSpPr>
-        <p:spPr>
-          <a:xfrm>
-            <a:off x="9360765" y="3575762"/>
-            <a:ext cx="1135784" cy="317522"/>
-          </a:xfrm>
-          <a:prstGeom prst="rightArrow">
-            <a:avLst/>
-          </a:prstGeom>
-          <a:solidFill>
-            <a:srgbClr val="77C5E6"/>
-          </a:solidFill>
-          <a:ln>
-            <a:noFill/>
-          </a:ln>
-        </p:spPr>
-        <p:style>
-          <a:lnRef idx="2">
-            <a:schemeClr val="accent1">
-              <a:shade val="50000"/>
-            </a:schemeClr>
-          </a:lnRef>
-          <a:fillRef idx="1">
-            <a:schemeClr val="accent1"/>
-          </a:fillRef>
-          <a:effectRef idx="0">
-            <a:schemeClr val="accent1"/>
-          </a:effectRef>
-          <a:fontRef idx="minor">
-            <a:schemeClr val="lt1"/>
-          </a:fontRef>
-        </p:style>
-        <p:txBody>
-          <a:bodyPr rtlCol="0" anchor="ctr"/>
-          <a:lstStyle/>
-          <a:p>
-            <a:pPr algn="ctr"/>
-            <a:endParaRPr lang="en-GB"/>
-          </a:p>
-        </p:txBody>
-      </p:sp>
-      <p:sp>
-        <p:nvSpPr>
-          <p:cNvPr id="140" name="Arrow: Right 139">
-            <a:extLst>
-              <a:ext uri="{FF2B5EF4-FFF2-40B4-BE49-F238E27FC236}">
-                <a16:creationId xmlns:a16="http://schemas.microsoft.com/office/drawing/2014/main" id="{AC4A0C1E-66C3-4F22-B811-49DE5D1BFD9E}"/>
-              </a:ext>
-            </a:extLst>
-          </p:cNvPr>
-          <p:cNvSpPr/>
-          <p:nvPr/>
-        </p:nvSpPr>
-        <p:spPr>
-          <a:xfrm>
-            <a:off x="9360765" y="3948550"/>
-            <a:ext cx="1135784" cy="317522"/>
-          </a:xfrm>
-          <a:prstGeom prst="rightArrow">
-            <a:avLst/>
-          </a:prstGeom>
-          <a:solidFill>
-            <a:srgbClr val="77C5E6"/>
-          </a:solidFill>
-          <a:ln>
-            <a:noFill/>
-          </a:ln>
-        </p:spPr>
-        <p:style>
-          <a:lnRef idx="2">
-            <a:schemeClr val="accent1">
-              <a:shade val="50000"/>
-            </a:schemeClr>
-          </a:lnRef>
-          <a:fillRef idx="1">
-            <a:schemeClr val="accent1"/>
-          </a:fillRef>
-          <a:effectRef idx="0">
-            <a:schemeClr val="accent1"/>
-          </a:effectRef>
-          <a:fontRef idx="minor">
-            <a:schemeClr val="lt1"/>
-          </a:fontRef>
-        </p:style>
-        <p:txBody>
-          <a:bodyPr rtlCol="0" anchor="ctr"/>
-          <a:lstStyle/>
-          <a:p>
-            <a:pPr algn="ctr"/>
-            <a:endParaRPr lang="en-GB"/>
-          </a:p>
-        </p:txBody>
-      </p:sp>
-      <p:grpSp>
-        <p:nvGrpSpPr>
-          <p:cNvPr id="79" name="Group 78">
-            <a:extLst>
-              <a:ext uri="{FF2B5EF4-FFF2-40B4-BE49-F238E27FC236}">
-                <a16:creationId xmlns:a16="http://schemas.microsoft.com/office/drawing/2014/main" id="{300321F2-6491-4A5C-9990-1BEC4262435F}"/>
-              </a:ext>
-            </a:extLst>
-          </p:cNvPr>
-          <p:cNvGrpSpPr/>
-          <p:nvPr/>
-        </p:nvGrpSpPr>
-        <p:grpSpPr>
-          <a:xfrm>
-            <a:off x="10316210" y="3497886"/>
-            <a:ext cx="1372682" cy="1037511"/>
-            <a:chOff x="9528810" y="2749936"/>
-            <a:chExt cx="1372682" cy="1037511"/>
-          </a:xfrm>
-        </p:grpSpPr>
-        <p:pic>
-          <p:nvPicPr>
-            <p:cNvPr id="10" name="Graphic 9" descr="City">
+        <p:sp>
+          <p:nvSpPr>
+            <p:cNvPr id="62" name="Rectangle 61">
               <a:extLst>
                 <a:ext uri="{FF2B5EF4-FFF2-40B4-BE49-F238E27FC236}">
-                  <a16:creationId xmlns:a16="http://schemas.microsoft.com/office/drawing/2014/main" id="{3C061ECA-946C-4459-8146-9BC2166D9312}"/>
+                  <a16:creationId xmlns:a16="http://schemas.microsoft.com/office/drawing/2014/main" id="{C4BEC688-0C34-4004-9739-EE4E16B9F344}"/>
                 </a:ext>
               </a:extLst>
             </p:cNvPr>
-            <p:cNvPicPr>
-              <a:picLocks noChangeAspect="1"/>
-            </p:cNvPicPr>
+            <p:cNvSpPr/>
             <p:nvPr/>
-          </p:nvPicPr>
-          <p:blipFill>
-            <a:blip r:embed="rId9">
-              <a:extLst>
-                <a:ext uri="{28A0092B-C50C-407E-A947-70E740481C1C}">
-                  <a14:useLocalDpi xmlns:a14="http://schemas.microsoft.com/office/drawing/2010/main" val="0"/>
-                </a:ext>
-                <a:ext uri="{96DAC541-7B7A-43D3-8B79-37D633B846F1}">
-                  <asvg:svgBlip xmlns:asvg="http://schemas.microsoft.com/office/drawing/2016/SVG/main" r:embed="rId10"/>
-                </a:ext>
-              </a:extLst>
-            </a:blip>
-            <a:stretch>
-              <a:fillRect/>
-            </a:stretch>
-          </p:blipFill>
+          </p:nvSpPr>
           <p:spPr>
             <a:xfrm>
-              <a:off x="9758043" y="2749936"/>
-              <a:ext cx="914400" cy="914400"/>
+              <a:off x="173715" y="1754059"/>
+              <a:ext cx="1811051" cy="4695513"/>
             </a:xfrm>
             <a:prstGeom prst="rect">
               <a:avLst/>
             </a:prstGeom>
+            <a:noFill/>
+            <a:ln w="38100">
+              <a:solidFill>
+                <a:srgbClr val="5B9BD5"/>
+              </a:solidFill>
+              <a:prstDash val="sysDot"/>
+            </a:ln>
           </p:spPr>
-        </p:pic>
+          <p:style>
+            <a:lnRef idx="2">
+              <a:schemeClr val="accent1">
+                <a:shade val="50000"/>
+              </a:schemeClr>
+            </a:lnRef>
+            <a:fillRef idx="1">
+              <a:schemeClr val="accent1"/>
+            </a:fillRef>
+            <a:effectRef idx="0">
+              <a:schemeClr val="accent1"/>
+            </a:effectRef>
+            <a:fontRef idx="minor">
+              <a:schemeClr val="lt1"/>
+            </a:fontRef>
+          </p:style>
+          <p:txBody>
+            <a:bodyPr rtlCol="0" anchor="ctr"/>
+            <a:lstStyle/>
+            <a:p>
+              <a:pPr algn="ctr"/>
+              <a:endParaRPr lang="en-GB"/>
+            </a:p>
+          </p:txBody>
+        </p:sp>
+        <p:grpSp>
+          <p:nvGrpSpPr>
+            <p:cNvPr id="63" name="Group 62">
+              <a:extLst>
+                <a:ext uri="{FF2B5EF4-FFF2-40B4-BE49-F238E27FC236}">
+                  <a16:creationId xmlns:a16="http://schemas.microsoft.com/office/drawing/2014/main" id="{84618313-D453-465C-A754-FF95BF8E5CD7}"/>
+                </a:ext>
+              </a:extLst>
+            </p:cNvPr>
+            <p:cNvGrpSpPr/>
+            <p:nvPr/>
+          </p:nvGrpSpPr>
+          <p:grpSpPr>
+            <a:xfrm>
+              <a:off x="1397511" y="6106855"/>
+              <a:ext cx="908492" cy="682597"/>
+              <a:chOff x="5358637" y="4686040"/>
+              <a:chExt cx="908492" cy="682597"/>
+            </a:xfrm>
+          </p:grpSpPr>
+          <p:sp>
+            <p:nvSpPr>
+              <p:cNvPr id="64" name="Rectangle 63">
+                <a:extLst>
+                  <a:ext uri="{FF2B5EF4-FFF2-40B4-BE49-F238E27FC236}">
+                    <a16:creationId xmlns:a16="http://schemas.microsoft.com/office/drawing/2014/main" id="{3475E751-AC4D-43FA-B57B-0510676E99D0}"/>
+                  </a:ext>
+                </a:extLst>
+              </p:cNvPr>
+              <p:cNvSpPr/>
+              <p:nvPr/>
+            </p:nvSpPr>
+            <p:spPr>
+              <a:xfrm>
+                <a:off x="5427133" y="4818529"/>
+                <a:ext cx="713691" cy="407895"/>
+              </a:xfrm>
+              <a:prstGeom prst="rect">
+                <a:avLst/>
+              </a:prstGeom>
+              <a:solidFill>
+                <a:schemeClr val="bg1"/>
+              </a:solidFill>
+              <a:ln>
+                <a:noFill/>
+              </a:ln>
+            </p:spPr>
+            <p:style>
+              <a:lnRef idx="2">
+                <a:schemeClr val="accent1">
+                  <a:shade val="50000"/>
+                </a:schemeClr>
+              </a:lnRef>
+              <a:fillRef idx="1">
+                <a:schemeClr val="accent1"/>
+              </a:fillRef>
+              <a:effectRef idx="0">
+                <a:schemeClr val="accent1"/>
+              </a:effectRef>
+              <a:fontRef idx="minor">
+                <a:schemeClr val="lt1"/>
+              </a:fontRef>
+            </p:style>
+            <p:txBody>
+              <a:bodyPr rtlCol="0" anchor="ctr"/>
+              <a:lstStyle/>
+              <a:p>
+                <a:pPr algn="ctr"/>
+                <a:endParaRPr lang="en-GB"/>
+              </a:p>
+            </p:txBody>
+          </p:sp>
+          <p:pic>
+            <p:nvPicPr>
+              <p:cNvPr id="65" name="Picture 64">
+                <a:extLst>
+                  <a:ext uri="{FF2B5EF4-FFF2-40B4-BE49-F238E27FC236}">
+                    <a16:creationId xmlns:a16="http://schemas.microsoft.com/office/drawing/2014/main" id="{6F3E8E70-AD2D-441D-8162-F545CE69C542}"/>
+                  </a:ext>
+                </a:extLst>
+              </p:cNvPr>
+              <p:cNvPicPr>
+                <a:picLocks noChangeAspect="1"/>
+              </p:cNvPicPr>
+              <p:nvPr/>
+            </p:nvPicPr>
+            <p:blipFill>
+              <a:blip r:embed="rId5">
+                <a:clrChange>
+                  <a:clrFrom>
+                    <a:srgbClr val="FFFFFF"/>
+                  </a:clrFrom>
+                  <a:clrTo>
+                    <a:srgbClr val="FFFFFF">
+                      <a:alpha val="0"/>
+                    </a:srgbClr>
+                  </a:clrTo>
+                </a:clrChange>
+              </a:blip>
+              <a:stretch>
+                <a:fillRect/>
+              </a:stretch>
+            </p:blipFill>
+            <p:spPr>
+              <a:xfrm>
+                <a:off x="5358637" y="4686040"/>
+                <a:ext cx="908492" cy="682597"/>
+              </a:xfrm>
+              <a:prstGeom prst="rect">
+                <a:avLst/>
+              </a:prstGeom>
+            </p:spPr>
+          </p:pic>
+        </p:grpSp>
         <p:sp>
           <p:nvSpPr>
-            <p:cNvPr id="18" name="TextBox 17">
+            <p:cNvPr id="67" name="TextBox 66">
               <a:extLst>
                 <a:ext uri="{FF2B5EF4-FFF2-40B4-BE49-F238E27FC236}">
-                  <a16:creationId xmlns:a16="http://schemas.microsoft.com/office/drawing/2014/main" id="{9E7332B4-1E81-4CFC-B6D2-AB3D7B0CDF93}"/>
+                  <a16:creationId xmlns:a16="http://schemas.microsoft.com/office/drawing/2014/main" id="{84D30738-E727-44E9-966E-01EBB1BF9D10}"/>
                 </a:ext>
               </a:extLst>
             </p:cNvPr>
@@ -6306,8 +6707,855 @@
           </p:nvSpPr>
           <p:spPr>
             <a:xfrm>
-              <a:off x="9528810" y="3479670"/>
-              <a:ext cx="1372682" cy="307777"/>
+              <a:off x="948953" y="6438355"/>
+              <a:ext cx="713691" cy="307777"/>
+            </a:xfrm>
+            <a:prstGeom prst="rect">
+              <a:avLst/>
+            </a:prstGeom>
+            <a:noFill/>
+          </p:spPr>
+          <p:txBody>
+            <a:bodyPr wrap="square" rtlCol="0">
+              <a:spAutoFit/>
+            </a:bodyPr>
+            <a:lstStyle/>
+            <a:p>
+              <a:pPr algn="ctr"/>
+              <a:r>
+                <a:rPr lang="en-GB" sz="1400" dirty="0" err="1">
+                  <a:latin typeface="Segoe UI Semilight" panose="020B0402040204020203" pitchFamily="34" charset="0"/>
+                  <a:cs typeface="Segoe UI Semilight" panose="020B0402040204020203" pitchFamily="34" charset="0"/>
+                </a:rPr>
+                <a:t>VNet</a:t>
+              </a:r>
+              <a:endParaRPr lang="en-GB" sz="1400" dirty="0">
+                <a:latin typeface="Segoe UI Semilight" panose="020B0402040204020203" pitchFamily="34" charset="0"/>
+                <a:cs typeface="Segoe UI Semilight" panose="020B0402040204020203" pitchFamily="34" charset="0"/>
+              </a:endParaRPr>
+            </a:p>
+          </p:txBody>
+        </p:sp>
+        <p:sp>
+          <p:nvSpPr>
+            <p:cNvPr id="72" name="TextBox 71">
+              <a:extLst>
+                <a:ext uri="{FF2B5EF4-FFF2-40B4-BE49-F238E27FC236}">
+                  <a16:creationId xmlns:a16="http://schemas.microsoft.com/office/drawing/2014/main" id="{287BDEC1-A5B1-4356-A84A-2F274EEE8C58}"/>
+                </a:ext>
+              </a:extLst>
+            </p:cNvPr>
+            <p:cNvSpPr txBox="1"/>
+            <p:nvPr/>
+          </p:nvSpPr>
+          <p:spPr>
+            <a:xfrm>
+              <a:off x="173715" y="1461761"/>
+              <a:ext cx="1811052" cy="307777"/>
+            </a:xfrm>
+            <a:prstGeom prst="rect">
+              <a:avLst/>
+            </a:prstGeom>
+            <a:noFill/>
+          </p:spPr>
+          <p:txBody>
+            <a:bodyPr wrap="square" rtlCol="0">
+              <a:spAutoFit/>
+            </a:bodyPr>
+            <a:lstStyle/>
+            <a:p>
+              <a:pPr algn="r"/>
+              <a:r>
+                <a:rPr lang="en-GB" sz="1400" dirty="0">
+                  <a:solidFill>
+                    <a:srgbClr val="5B9BD5"/>
+                  </a:solidFill>
+                  <a:latin typeface="Segoe UI Black" panose="020B0A02040204020203" pitchFamily="34" charset="0"/>
+                  <a:ea typeface="Segoe UI Black" panose="020B0A02040204020203" pitchFamily="34" charset="0"/>
+                  <a:cs typeface="Segoe UI Semilight" panose="020B0402040204020203" pitchFamily="34" charset="0"/>
+                </a:rPr>
+                <a:t>Website</a:t>
+              </a:r>
+            </a:p>
+          </p:txBody>
+        </p:sp>
+        <p:grpSp>
+          <p:nvGrpSpPr>
+            <p:cNvPr id="112" name="Group 111">
+              <a:extLst>
+                <a:ext uri="{FF2B5EF4-FFF2-40B4-BE49-F238E27FC236}">
+                  <a16:creationId xmlns:a16="http://schemas.microsoft.com/office/drawing/2014/main" id="{4575BAC4-D85A-46DB-8199-DE6EC1B7263D}"/>
+                </a:ext>
+              </a:extLst>
+            </p:cNvPr>
+            <p:cNvGrpSpPr/>
+            <p:nvPr/>
+          </p:nvGrpSpPr>
+          <p:grpSpPr>
+            <a:xfrm>
+              <a:off x="3257182" y="1968313"/>
+              <a:ext cx="816458" cy="816458"/>
+              <a:chOff x="3828158" y="4585427"/>
+              <a:chExt cx="816458" cy="816458"/>
+            </a:xfrm>
+          </p:grpSpPr>
+          <p:pic>
+            <p:nvPicPr>
+              <p:cNvPr id="134" name="Graphic 133" descr="Lock">
+                <a:extLst>
+                  <a:ext uri="{FF2B5EF4-FFF2-40B4-BE49-F238E27FC236}">
+                    <a16:creationId xmlns:a16="http://schemas.microsoft.com/office/drawing/2014/main" id="{6F9C496F-E825-400F-B2C7-73477CD92FE6}"/>
+                  </a:ext>
+                </a:extLst>
+              </p:cNvPr>
+              <p:cNvPicPr>
+                <a:picLocks noChangeAspect="1"/>
+              </p:cNvPicPr>
+              <p:nvPr/>
+            </p:nvPicPr>
+            <p:blipFill>
+              <a:blip r:embed="rId12">
+                <a:extLst>
+                  <a:ext uri="{28A0092B-C50C-407E-A947-70E740481C1C}">
+                    <a14:useLocalDpi xmlns:a14="http://schemas.microsoft.com/office/drawing/2010/main" val="0"/>
+                  </a:ext>
+                  <a:ext uri="{96DAC541-7B7A-43D3-8B79-37D633B846F1}">
+                    <asvg:svgBlip xmlns:asvg="http://schemas.microsoft.com/office/drawing/2016/SVG/main" r:embed="rId13"/>
+                  </a:ext>
+                </a:extLst>
+              </a:blip>
+              <a:stretch>
+                <a:fillRect/>
+              </a:stretch>
+            </p:blipFill>
+            <p:spPr>
+              <a:xfrm>
+                <a:off x="3828158" y="4585427"/>
+                <a:ext cx="816458" cy="816458"/>
+              </a:xfrm>
+              <a:prstGeom prst="rect">
+                <a:avLst/>
+              </a:prstGeom>
+            </p:spPr>
+          </p:pic>
+          <p:sp>
+            <p:nvSpPr>
+              <p:cNvPr id="135" name="TextBox 134">
+                <a:extLst>
+                  <a:ext uri="{FF2B5EF4-FFF2-40B4-BE49-F238E27FC236}">
+                    <a16:creationId xmlns:a16="http://schemas.microsoft.com/office/drawing/2014/main" id="{25B20A87-43F8-40E1-808E-846309FF2B2C}"/>
+                  </a:ext>
+                </a:extLst>
+              </p:cNvPr>
+              <p:cNvSpPr txBox="1"/>
+              <p:nvPr/>
+            </p:nvSpPr>
+            <p:spPr>
+              <a:xfrm>
+                <a:off x="4028732" y="5010165"/>
+                <a:ext cx="371748" cy="215444"/>
+              </a:xfrm>
+              <a:prstGeom prst="rect">
+                <a:avLst/>
+              </a:prstGeom>
+              <a:solidFill>
+                <a:srgbClr val="5B9BD5"/>
+              </a:solidFill>
+            </p:spPr>
+            <p:txBody>
+              <a:bodyPr wrap="square" lIns="0" tIns="0" rIns="0" bIns="0" rtlCol="0">
+                <a:spAutoFit/>
+              </a:bodyPr>
+              <a:lstStyle/>
+              <a:p>
+                <a:pPr algn="ctr"/>
+                <a:r>
+                  <a:rPr lang="en-GB" sz="1400" b="1" dirty="0">
+                    <a:solidFill>
+                      <a:schemeClr val="bg1"/>
+                    </a:solidFill>
+                    <a:latin typeface="Segoe UI Semilight" panose="020B0402040204020203" pitchFamily="34" charset="0"/>
+                    <a:cs typeface="Segoe UI Semilight" panose="020B0402040204020203" pitchFamily="34" charset="0"/>
+                  </a:rPr>
+                  <a:t>NSG</a:t>
+                </a:r>
+              </a:p>
+            </p:txBody>
+          </p:sp>
+        </p:grpSp>
+        <p:grpSp>
+          <p:nvGrpSpPr>
+            <p:cNvPr id="115" name="Group 114">
+              <a:extLst>
+                <a:ext uri="{FF2B5EF4-FFF2-40B4-BE49-F238E27FC236}">
+                  <a16:creationId xmlns:a16="http://schemas.microsoft.com/office/drawing/2014/main" id="{6F594179-D037-4268-A3F9-B0A02F0CFD38}"/>
+                </a:ext>
+              </a:extLst>
+            </p:cNvPr>
+            <p:cNvGrpSpPr/>
+            <p:nvPr/>
+          </p:nvGrpSpPr>
+          <p:grpSpPr>
+            <a:xfrm>
+              <a:off x="2749156" y="4985624"/>
+              <a:ext cx="1016052" cy="984356"/>
+              <a:chOff x="1592994" y="5295937"/>
+              <a:chExt cx="1016052" cy="984356"/>
+            </a:xfrm>
+          </p:grpSpPr>
+          <p:grpSp>
+            <p:nvGrpSpPr>
+              <p:cNvPr id="125" name="Group 124">
+                <a:extLst>
+                  <a:ext uri="{FF2B5EF4-FFF2-40B4-BE49-F238E27FC236}">
+                    <a16:creationId xmlns:a16="http://schemas.microsoft.com/office/drawing/2014/main" id="{CFAA27AF-E845-4C61-91FD-7477ECAAEF04}"/>
+                  </a:ext>
+                </a:extLst>
+              </p:cNvPr>
+              <p:cNvGrpSpPr/>
+              <p:nvPr/>
+            </p:nvGrpSpPr>
+            <p:grpSpPr>
+              <a:xfrm>
+                <a:off x="1674715" y="5295937"/>
+                <a:ext cx="818403" cy="749822"/>
+                <a:chOff x="6908241" y="4869690"/>
+                <a:chExt cx="1136708" cy="1041454"/>
+              </a:xfrm>
+            </p:grpSpPr>
+            <p:pic>
+              <p:nvPicPr>
+                <p:cNvPr id="127" name="Picture 126">
+                  <a:extLst>
+                    <a:ext uri="{FF2B5EF4-FFF2-40B4-BE49-F238E27FC236}">
+                      <a16:creationId xmlns:a16="http://schemas.microsoft.com/office/drawing/2014/main" id="{31480F15-EBBB-4253-8295-5A915A0F1248}"/>
+                    </a:ext>
+                  </a:extLst>
+                </p:cNvPr>
+                <p:cNvPicPr>
+                  <a:picLocks noChangeAspect="1"/>
+                </p:cNvPicPr>
+                <p:nvPr/>
+              </p:nvPicPr>
+              <p:blipFill>
+                <a:blip r:embed="rId14">
+                  <a:clrChange>
+                    <a:clrFrom>
+                      <a:srgbClr val="FFFFFF"/>
+                    </a:clrFrom>
+                    <a:clrTo>
+                      <a:srgbClr val="FFFFFF">
+                        <a:alpha val="0"/>
+                      </a:srgbClr>
+                    </a:clrTo>
+                  </a:clrChange>
+                </a:blip>
+                <a:stretch>
+                  <a:fillRect/>
+                </a:stretch>
+              </p:blipFill>
+              <p:spPr>
+                <a:xfrm>
+                  <a:off x="6908241" y="4869690"/>
+                  <a:ext cx="1136708" cy="1041454"/>
+                </a:xfrm>
+                <a:prstGeom prst="rect">
+                  <a:avLst/>
+                </a:prstGeom>
+              </p:spPr>
+            </p:pic>
+            <p:sp>
+              <p:nvSpPr>
+                <p:cNvPr id="128" name="Rectangle 127">
+                  <a:extLst>
+                    <a:ext uri="{FF2B5EF4-FFF2-40B4-BE49-F238E27FC236}">
+                      <a16:creationId xmlns:a16="http://schemas.microsoft.com/office/drawing/2014/main" id="{16EF04F9-605D-4630-805A-C59CB6AFD454}"/>
+                    </a:ext>
+                  </a:extLst>
+                </p:cNvPr>
+                <p:cNvSpPr/>
+                <p:nvPr/>
+              </p:nvSpPr>
+              <p:spPr>
+                <a:xfrm>
+                  <a:off x="7207250" y="5060951"/>
+                  <a:ext cx="562070" cy="482600"/>
+                </a:xfrm>
+                <a:prstGeom prst="rect">
+                  <a:avLst/>
+                </a:prstGeom>
+                <a:solidFill>
+                  <a:srgbClr val="59B4D9"/>
+                </a:solidFill>
+                <a:ln>
+                  <a:noFill/>
+                </a:ln>
+              </p:spPr>
+              <p:style>
+                <a:lnRef idx="2">
+                  <a:schemeClr val="accent1">
+                    <a:shade val="50000"/>
+                  </a:schemeClr>
+                </a:lnRef>
+                <a:fillRef idx="1">
+                  <a:schemeClr val="accent1"/>
+                </a:fillRef>
+                <a:effectRef idx="0">
+                  <a:schemeClr val="accent1"/>
+                </a:effectRef>
+                <a:fontRef idx="minor">
+                  <a:schemeClr val="lt1"/>
+                </a:fontRef>
+              </p:style>
+              <p:txBody>
+                <a:bodyPr rtlCol="0" anchor="ctr"/>
+                <a:lstStyle/>
+                <a:p>
+                  <a:pPr algn="ctr"/>
+                  <a:endParaRPr lang="en-GB"/>
+                </a:p>
+              </p:txBody>
+            </p:sp>
+            <p:pic>
+              <p:nvPicPr>
+                <p:cNvPr id="129" name="Graphic 128" descr="Database">
+                  <a:extLst>
+                    <a:ext uri="{FF2B5EF4-FFF2-40B4-BE49-F238E27FC236}">
+                      <a16:creationId xmlns:a16="http://schemas.microsoft.com/office/drawing/2014/main" id="{A4987C5C-7433-4F90-BA04-863D7180A2A7}"/>
+                    </a:ext>
+                  </a:extLst>
+                </p:cNvPr>
+                <p:cNvPicPr>
+                  <a:picLocks noChangeAspect="1"/>
+                </p:cNvPicPr>
+                <p:nvPr/>
+              </p:nvPicPr>
+              <p:blipFill>
+                <a:blip r:embed="rId15">
+                  <a:extLst>
+                    <a:ext uri="{28A0092B-C50C-407E-A947-70E740481C1C}">
+                      <a14:useLocalDpi xmlns:a14="http://schemas.microsoft.com/office/drawing/2010/main" val="0"/>
+                    </a:ext>
+                    <a:ext uri="{96DAC541-7B7A-43D3-8B79-37D633B846F1}">
+                      <asvg:svgBlip xmlns:asvg="http://schemas.microsoft.com/office/drawing/2016/SVG/main" r:embed="rId16"/>
+                    </a:ext>
+                  </a:extLst>
+                </a:blip>
+                <a:stretch>
+                  <a:fillRect/>
+                </a:stretch>
+              </p:blipFill>
+              <p:spPr>
+                <a:xfrm>
+                  <a:off x="7230111" y="5041901"/>
+                  <a:ext cx="530474" cy="530474"/>
+                </a:xfrm>
+                <a:prstGeom prst="rect">
+                  <a:avLst/>
+                </a:prstGeom>
+              </p:spPr>
+            </p:pic>
+          </p:grpSp>
+          <p:sp>
+            <p:nvSpPr>
+              <p:cNvPr id="126" name="TextBox 125">
+                <a:extLst>
+                  <a:ext uri="{FF2B5EF4-FFF2-40B4-BE49-F238E27FC236}">
+                    <a16:creationId xmlns:a16="http://schemas.microsoft.com/office/drawing/2014/main" id="{4AF8119F-6679-40B1-B9EC-1C22F9FE84C9}"/>
+                  </a:ext>
+                </a:extLst>
+              </p:cNvPr>
+              <p:cNvSpPr txBox="1"/>
+              <p:nvPr/>
+            </p:nvSpPr>
+            <p:spPr>
+              <a:xfrm>
+                <a:off x="1592994" y="5972516"/>
+                <a:ext cx="1016052" cy="307777"/>
+              </a:xfrm>
+              <a:prstGeom prst="rect">
+                <a:avLst/>
+              </a:prstGeom>
+              <a:noFill/>
+            </p:spPr>
+            <p:txBody>
+              <a:bodyPr wrap="square" rtlCol="0">
+                <a:spAutoFit/>
+              </a:bodyPr>
+              <a:lstStyle/>
+              <a:p>
+                <a:pPr algn="ctr"/>
+                <a:r>
+                  <a:rPr lang="en-GB" sz="1400" dirty="0">
+                    <a:latin typeface="Segoe UI Semilight" panose="020B0402040204020203" pitchFamily="34" charset="0"/>
+                    <a:cs typeface="Segoe UI Semilight" panose="020B0402040204020203" pitchFamily="34" charset="0"/>
+                  </a:rPr>
+                  <a:t>DB</a:t>
+                </a:r>
+              </a:p>
+            </p:txBody>
+          </p:sp>
+        </p:grpSp>
+        <p:sp>
+          <p:nvSpPr>
+            <p:cNvPr id="116" name="Rectangle 115">
+              <a:extLst>
+                <a:ext uri="{FF2B5EF4-FFF2-40B4-BE49-F238E27FC236}">
+                  <a16:creationId xmlns:a16="http://schemas.microsoft.com/office/drawing/2014/main" id="{B1DE6C72-9C1D-4DAB-AC17-19057C52A63F}"/>
+                </a:ext>
+              </a:extLst>
+            </p:cNvPr>
+            <p:cNvSpPr/>
+            <p:nvPr/>
+          </p:nvSpPr>
+          <p:spPr>
+            <a:xfrm>
+              <a:off x="2321644" y="1754059"/>
+              <a:ext cx="1811051" cy="4695513"/>
+            </a:xfrm>
+            <a:prstGeom prst="rect">
+              <a:avLst/>
+            </a:prstGeom>
+            <a:noFill/>
+            <a:ln w="38100">
+              <a:solidFill>
+                <a:srgbClr val="5B9BD5"/>
+              </a:solidFill>
+              <a:prstDash val="sysDot"/>
+            </a:ln>
+          </p:spPr>
+          <p:style>
+            <a:lnRef idx="2">
+              <a:schemeClr val="accent1">
+                <a:shade val="50000"/>
+              </a:schemeClr>
+            </a:lnRef>
+            <a:fillRef idx="1">
+              <a:schemeClr val="accent1"/>
+            </a:fillRef>
+            <a:effectRef idx="0">
+              <a:schemeClr val="accent1"/>
+            </a:effectRef>
+            <a:fontRef idx="minor">
+              <a:schemeClr val="lt1"/>
+            </a:fontRef>
+          </p:style>
+          <p:txBody>
+            <a:bodyPr rtlCol="0" anchor="ctr"/>
+            <a:lstStyle/>
+            <a:p>
+              <a:pPr algn="ctr"/>
+              <a:endParaRPr lang="en-GB"/>
+            </a:p>
+          </p:txBody>
+        </p:sp>
+        <p:grpSp>
+          <p:nvGrpSpPr>
+            <p:cNvPr id="117" name="Group 116">
+              <a:extLst>
+                <a:ext uri="{FF2B5EF4-FFF2-40B4-BE49-F238E27FC236}">
+                  <a16:creationId xmlns:a16="http://schemas.microsoft.com/office/drawing/2014/main" id="{79841015-9905-42BA-A2F2-124D1016F209}"/>
+                </a:ext>
+              </a:extLst>
+            </p:cNvPr>
+            <p:cNvGrpSpPr/>
+            <p:nvPr/>
+          </p:nvGrpSpPr>
+          <p:grpSpPr>
+            <a:xfrm>
+              <a:off x="3545440" y="6106855"/>
+              <a:ext cx="908492" cy="682597"/>
+              <a:chOff x="5358637" y="4686040"/>
+              <a:chExt cx="908492" cy="682597"/>
+            </a:xfrm>
+          </p:grpSpPr>
+          <p:sp>
+            <p:nvSpPr>
+              <p:cNvPr id="123" name="Rectangle 122">
+                <a:extLst>
+                  <a:ext uri="{FF2B5EF4-FFF2-40B4-BE49-F238E27FC236}">
+                    <a16:creationId xmlns:a16="http://schemas.microsoft.com/office/drawing/2014/main" id="{34A0EC9F-EC5B-4CA0-BC92-22D994518253}"/>
+                  </a:ext>
+                </a:extLst>
+              </p:cNvPr>
+              <p:cNvSpPr/>
+              <p:nvPr/>
+            </p:nvSpPr>
+            <p:spPr>
+              <a:xfrm>
+                <a:off x="5427133" y="4818529"/>
+                <a:ext cx="713691" cy="407895"/>
+              </a:xfrm>
+              <a:prstGeom prst="rect">
+                <a:avLst/>
+              </a:prstGeom>
+              <a:solidFill>
+                <a:schemeClr val="bg1"/>
+              </a:solidFill>
+              <a:ln>
+                <a:noFill/>
+              </a:ln>
+            </p:spPr>
+            <p:style>
+              <a:lnRef idx="2">
+                <a:schemeClr val="accent1">
+                  <a:shade val="50000"/>
+                </a:schemeClr>
+              </a:lnRef>
+              <a:fillRef idx="1">
+                <a:schemeClr val="accent1"/>
+              </a:fillRef>
+              <a:effectRef idx="0">
+                <a:schemeClr val="accent1"/>
+              </a:effectRef>
+              <a:fontRef idx="minor">
+                <a:schemeClr val="lt1"/>
+              </a:fontRef>
+            </p:style>
+            <p:txBody>
+              <a:bodyPr rtlCol="0" anchor="ctr"/>
+              <a:lstStyle/>
+              <a:p>
+                <a:pPr algn="ctr"/>
+                <a:endParaRPr lang="en-GB"/>
+              </a:p>
+            </p:txBody>
+          </p:sp>
+          <p:pic>
+            <p:nvPicPr>
+              <p:cNvPr id="124" name="Picture 123">
+                <a:extLst>
+                  <a:ext uri="{FF2B5EF4-FFF2-40B4-BE49-F238E27FC236}">
+                    <a16:creationId xmlns:a16="http://schemas.microsoft.com/office/drawing/2014/main" id="{7262BD0E-9AD6-4A66-82C4-58AA0EFC6D51}"/>
+                  </a:ext>
+                </a:extLst>
+              </p:cNvPr>
+              <p:cNvPicPr>
+                <a:picLocks noChangeAspect="1"/>
+              </p:cNvPicPr>
+              <p:nvPr/>
+            </p:nvPicPr>
+            <p:blipFill>
+              <a:blip r:embed="rId5">
+                <a:clrChange>
+                  <a:clrFrom>
+                    <a:srgbClr val="FFFFFF"/>
+                  </a:clrFrom>
+                  <a:clrTo>
+                    <a:srgbClr val="FFFFFF">
+                      <a:alpha val="0"/>
+                    </a:srgbClr>
+                  </a:clrTo>
+                </a:clrChange>
+              </a:blip>
+              <a:stretch>
+                <a:fillRect/>
+              </a:stretch>
+            </p:blipFill>
+            <p:spPr>
+              <a:xfrm>
+                <a:off x="5358637" y="4686040"/>
+                <a:ext cx="908492" cy="682597"/>
+              </a:xfrm>
+              <a:prstGeom prst="rect">
+                <a:avLst/>
+              </a:prstGeom>
+            </p:spPr>
+          </p:pic>
+        </p:grpSp>
+        <p:sp>
+          <p:nvSpPr>
+            <p:cNvPr id="119" name="TextBox 118">
+              <a:extLst>
+                <a:ext uri="{FF2B5EF4-FFF2-40B4-BE49-F238E27FC236}">
+                  <a16:creationId xmlns:a16="http://schemas.microsoft.com/office/drawing/2014/main" id="{F89F6402-8470-429E-8991-BC845C0C64E1}"/>
+                </a:ext>
+              </a:extLst>
+            </p:cNvPr>
+            <p:cNvSpPr txBox="1"/>
+            <p:nvPr/>
+          </p:nvSpPr>
+          <p:spPr>
+            <a:xfrm>
+              <a:off x="3096882" y="6438355"/>
+              <a:ext cx="713691" cy="307777"/>
+            </a:xfrm>
+            <a:prstGeom prst="rect">
+              <a:avLst/>
+            </a:prstGeom>
+            <a:noFill/>
+          </p:spPr>
+          <p:txBody>
+            <a:bodyPr wrap="square" rtlCol="0">
+              <a:spAutoFit/>
+            </a:bodyPr>
+            <a:lstStyle/>
+            <a:p>
+              <a:pPr algn="ctr"/>
+              <a:r>
+                <a:rPr lang="en-GB" sz="1400" dirty="0" err="1">
+                  <a:latin typeface="Segoe UI Semilight" panose="020B0402040204020203" pitchFamily="34" charset="0"/>
+                  <a:cs typeface="Segoe UI Semilight" panose="020B0402040204020203" pitchFamily="34" charset="0"/>
+                </a:rPr>
+                <a:t>VNet</a:t>
+              </a:r>
+              <a:endParaRPr lang="en-GB" sz="1400" dirty="0">
+                <a:latin typeface="Segoe UI Semilight" panose="020B0402040204020203" pitchFamily="34" charset="0"/>
+                <a:cs typeface="Segoe UI Semilight" panose="020B0402040204020203" pitchFamily="34" charset="0"/>
+              </a:endParaRPr>
+            </a:p>
+          </p:txBody>
+        </p:sp>
+        <p:sp>
+          <p:nvSpPr>
+            <p:cNvPr id="120" name="TextBox 119">
+              <a:extLst>
+                <a:ext uri="{FF2B5EF4-FFF2-40B4-BE49-F238E27FC236}">
+                  <a16:creationId xmlns:a16="http://schemas.microsoft.com/office/drawing/2014/main" id="{E6C30A14-E90C-4B0D-9EC3-B6AC6ACA2283}"/>
+                </a:ext>
+              </a:extLst>
+            </p:cNvPr>
+            <p:cNvSpPr txBox="1"/>
+            <p:nvPr/>
+          </p:nvSpPr>
+          <p:spPr>
+            <a:xfrm>
+              <a:off x="2321644" y="1457817"/>
+              <a:ext cx="1811052" cy="307777"/>
+            </a:xfrm>
+            <a:prstGeom prst="rect">
+              <a:avLst/>
+            </a:prstGeom>
+            <a:noFill/>
+          </p:spPr>
+          <p:txBody>
+            <a:bodyPr wrap="square" rtlCol="0">
+              <a:spAutoFit/>
+            </a:bodyPr>
+            <a:lstStyle/>
+            <a:p>
+              <a:pPr algn="r"/>
+              <a:r>
+                <a:rPr lang="en-GB" sz="1400" dirty="0">
+                  <a:solidFill>
+                    <a:srgbClr val="5B9BD5"/>
+                  </a:solidFill>
+                  <a:latin typeface="Segoe UI Black" panose="020B0A02040204020203" pitchFamily="34" charset="0"/>
+                  <a:ea typeface="Segoe UI Black" panose="020B0A02040204020203" pitchFamily="34" charset="0"/>
+                  <a:cs typeface="Segoe UI Semilight" panose="020B0402040204020203" pitchFamily="34" charset="0"/>
+                </a:rPr>
+                <a:t>Quote App</a:t>
+              </a:r>
+            </a:p>
+          </p:txBody>
+        </p:sp>
+        <p:cxnSp>
+          <p:nvCxnSpPr>
+            <p:cNvPr id="146" name="Straight Arrow Connector 145">
+              <a:extLst>
+                <a:ext uri="{FF2B5EF4-FFF2-40B4-BE49-F238E27FC236}">
+                  <a16:creationId xmlns:a16="http://schemas.microsoft.com/office/drawing/2014/main" id="{85A04DDE-65A1-4664-BFA0-948BE7F2FD77}"/>
+                </a:ext>
+              </a:extLst>
+            </p:cNvPr>
+            <p:cNvCxnSpPr>
+              <a:stCxn id="8" idx="1"/>
+              <a:endCxn id="70" idx="0"/>
+            </p:cNvCxnSpPr>
+            <p:nvPr/>
+          </p:nvCxnSpPr>
+          <p:spPr>
+            <a:xfrm>
+              <a:off x="7948697" y="1250319"/>
+              <a:ext cx="6660" cy="888375"/>
+            </a:xfrm>
+            <a:prstGeom prst="straightConnector1">
+              <a:avLst/>
+            </a:prstGeom>
+            <a:ln w="38100">
+              <a:solidFill>
+                <a:srgbClr val="5B9BD5"/>
+              </a:solidFill>
+              <a:headEnd type="triangle"/>
+              <a:tailEnd type="triangle"/>
+            </a:ln>
+          </p:spPr>
+          <p:style>
+            <a:lnRef idx="1">
+              <a:schemeClr val="accent1"/>
+            </a:lnRef>
+            <a:fillRef idx="0">
+              <a:schemeClr val="accent1"/>
+            </a:fillRef>
+            <a:effectRef idx="0">
+              <a:schemeClr val="accent1"/>
+            </a:effectRef>
+            <a:fontRef idx="minor">
+              <a:schemeClr val="tx1"/>
+            </a:fontRef>
+          </p:style>
+        </p:cxnSp>
+        <p:cxnSp>
+          <p:nvCxnSpPr>
+            <p:cNvPr id="149" name="Connector: Elbow 148">
+              <a:extLst>
+                <a:ext uri="{FF2B5EF4-FFF2-40B4-BE49-F238E27FC236}">
+                  <a16:creationId xmlns:a16="http://schemas.microsoft.com/office/drawing/2014/main" id="{C44271AA-3E57-4761-815E-BFE542E115A3}"/>
+                </a:ext>
+              </a:extLst>
+            </p:cNvPr>
+            <p:cNvCxnSpPr>
+              <a:stCxn id="121" idx="0"/>
+              <a:endCxn id="36" idx="1"/>
+            </p:cNvCxnSpPr>
+            <p:nvPr/>
+          </p:nvCxnSpPr>
+          <p:spPr>
+            <a:xfrm rot="16200000" flipH="1">
+              <a:off x="4257505" y="722897"/>
+              <a:ext cx="785226" cy="3452217"/>
+            </a:xfrm>
+            <a:prstGeom prst="bentConnector4">
+              <a:avLst>
+                <a:gd name="adj1" fmla="val -130881"/>
+                <a:gd name="adj2" fmla="val 56456"/>
+              </a:avLst>
+            </a:prstGeom>
+            <a:ln w="38100">
+              <a:solidFill>
+                <a:srgbClr val="92C426"/>
+              </a:solidFill>
+              <a:headEnd type="triangle"/>
+              <a:tailEnd type="triangle"/>
+            </a:ln>
+          </p:spPr>
+          <p:style>
+            <a:lnRef idx="1">
+              <a:schemeClr val="accent1"/>
+            </a:lnRef>
+            <a:fillRef idx="0">
+              <a:schemeClr val="accent1"/>
+            </a:fillRef>
+            <a:effectRef idx="0">
+              <a:schemeClr val="accent1"/>
+            </a:effectRef>
+            <a:fontRef idx="minor">
+              <a:schemeClr val="tx1"/>
+            </a:fontRef>
+          </p:style>
+        </p:cxnSp>
+        <p:cxnSp>
+          <p:nvCxnSpPr>
+            <p:cNvPr id="151" name="Connector: Elbow 150">
+              <a:extLst>
+                <a:ext uri="{FF2B5EF4-FFF2-40B4-BE49-F238E27FC236}">
+                  <a16:creationId xmlns:a16="http://schemas.microsoft.com/office/drawing/2014/main" id="{54D863C8-E926-4ED7-844B-5A0FC94C1F00}"/>
+                </a:ext>
+              </a:extLst>
+            </p:cNvPr>
+            <p:cNvCxnSpPr>
+              <a:cxnSpLocks/>
+              <a:stCxn id="157" idx="0"/>
+              <a:endCxn id="36" idx="1"/>
+            </p:cNvCxnSpPr>
+            <p:nvPr/>
+          </p:nvCxnSpPr>
+          <p:spPr>
+            <a:xfrm rot="16200000" flipH="1">
+              <a:off x="3179986" y="-354622"/>
+              <a:ext cx="785226" cy="5607255"/>
+            </a:xfrm>
+            <a:prstGeom prst="bentConnector4">
+              <a:avLst>
+                <a:gd name="adj1" fmla="val -130881"/>
+                <a:gd name="adj2" fmla="val 73189"/>
+              </a:avLst>
+            </a:prstGeom>
+            <a:ln w="38100">
+              <a:solidFill>
+                <a:srgbClr val="92C426"/>
+              </a:solidFill>
+              <a:headEnd type="triangle"/>
+              <a:tailEnd type="triangle"/>
+            </a:ln>
+          </p:spPr>
+          <p:style>
+            <a:lnRef idx="1">
+              <a:schemeClr val="accent1"/>
+            </a:lnRef>
+            <a:fillRef idx="0">
+              <a:schemeClr val="accent1"/>
+            </a:fillRef>
+            <a:effectRef idx="0">
+              <a:schemeClr val="accent1"/>
+            </a:effectRef>
+            <a:fontRef idx="minor">
+              <a:schemeClr val="tx1"/>
+            </a:fontRef>
+          </p:style>
+        </p:cxnSp>
+        <p:sp>
+          <p:nvSpPr>
+            <p:cNvPr id="156" name="TextBox 155">
+              <a:extLst>
+                <a:ext uri="{FF2B5EF4-FFF2-40B4-BE49-F238E27FC236}">
+                  <a16:creationId xmlns:a16="http://schemas.microsoft.com/office/drawing/2014/main" id="{2962CD03-6CAD-4F96-AA62-CDAC5669D815}"/>
+                </a:ext>
+              </a:extLst>
+            </p:cNvPr>
+            <p:cNvSpPr txBox="1"/>
+            <p:nvPr/>
+          </p:nvSpPr>
+          <p:spPr>
+            <a:xfrm>
+              <a:off x="768971" y="696746"/>
+              <a:ext cx="4105179" cy="307777"/>
+            </a:xfrm>
+            <a:prstGeom prst="rect">
+              <a:avLst/>
+            </a:prstGeom>
+            <a:noFill/>
+          </p:spPr>
+          <p:txBody>
+            <a:bodyPr wrap="square" rtlCol="0">
+              <a:spAutoFit/>
+            </a:bodyPr>
+            <a:lstStyle/>
+            <a:p>
+              <a:pPr algn="ctr"/>
+              <a:r>
+                <a:rPr lang="en-GB" sz="1400" dirty="0" err="1">
+                  <a:latin typeface="Segoe UI Semilight" panose="020B0402040204020203" pitchFamily="34" charset="0"/>
+                  <a:cs typeface="Segoe UI Semilight" panose="020B0402040204020203" pitchFamily="34" charset="0"/>
+                </a:rPr>
+                <a:t>VNet</a:t>
+              </a:r>
+              <a:r>
+                <a:rPr lang="en-GB" sz="1400" dirty="0">
+                  <a:latin typeface="Segoe UI Semilight" panose="020B0402040204020203" pitchFamily="34" charset="0"/>
+                  <a:cs typeface="Segoe UI Semilight" panose="020B0402040204020203" pitchFamily="34" charset="0"/>
+                </a:rPr>
+                <a:t> Peering</a:t>
+              </a:r>
+            </a:p>
+          </p:txBody>
+        </p:sp>
+        <p:sp>
+          <p:nvSpPr>
+            <p:cNvPr id="102" name="TextBox 101">
+              <a:extLst>
+                <a:ext uri="{FF2B5EF4-FFF2-40B4-BE49-F238E27FC236}">
+                  <a16:creationId xmlns:a16="http://schemas.microsoft.com/office/drawing/2014/main" id="{700F54DD-A4F2-414F-A30A-231BB8D0E5F7}"/>
+                </a:ext>
+              </a:extLst>
+            </p:cNvPr>
+            <p:cNvSpPr txBox="1"/>
+            <p:nvPr/>
+          </p:nvSpPr>
+          <p:spPr>
+            <a:xfrm>
+              <a:off x="2438815" y="5899610"/>
+              <a:ext cx="1583470" cy="307777"/>
             </a:xfrm>
             <a:prstGeom prst="rect">
               <a:avLst/>
@@ -6326,38 +7574,56 @@
                   <a:latin typeface="Segoe UI Semilight" panose="020B0402040204020203" pitchFamily="34" charset="0"/>
                   <a:cs typeface="Segoe UI Semilight" panose="020B0402040204020203" pitchFamily="34" charset="0"/>
                 </a:rPr>
-                <a:t>Satellite Offices</a:t>
+                <a:t>Workload subnet</a:t>
               </a:r>
             </a:p>
           </p:txBody>
         </p:sp>
-      </p:grpSp>
-      <p:grpSp>
-        <p:nvGrpSpPr>
-          <p:cNvPr id="161" name="Group 160">
-            <a:extLst>
-              <a:ext uri="{FF2B5EF4-FFF2-40B4-BE49-F238E27FC236}">
-                <a16:creationId xmlns:a16="http://schemas.microsoft.com/office/drawing/2014/main" id="{49FC2C55-736B-4441-875F-A67245FB56FC}"/>
-              </a:ext>
-            </a:extLst>
-          </p:cNvPr>
-          <p:cNvGrpSpPr/>
-          <p:nvPr/>
-        </p:nvGrpSpPr>
-        <p:grpSpPr>
-          <a:xfrm>
-            <a:off x="8942018" y="3454599"/>
-            <a:ext cx="1016052" cy="965868"/>
-            <a:chOff x="8942018" y="2041151"/>
-            <a:chExt cx="1016052" cy="965868"/>
-          </a:xfrm>
-        </p:grpSpPr>
         <p:sp>
           <p:nvSpPr>
-            <p:cNvPr id="142" name="Rectangle 141">
+            <p:cNvPr id="103" name="TextBox 102">
               <a:extLst>
                 <a:ext uri="{FF2B5EF4-FFF2-40B4-BE49-F238E27FC236}">
-                  <a16:creationId xmlns:a16="http://schemas.microsoft.com/office/drawing/2014/main" id="{F7EF69FB-0706-4341-878F-C83627B36903}"/>
+                  <a16:creationId xmlns:a16="http://schemas.microsoft.com/office/drawing/2014/main" id="{77E1A520-D423-4BDE-B602-9539ECF283E1}"/>
+                </a:ext>
+              </a:extLst>
+            </p:cNvPr>
+            <p:cNvSpPr txBox="1"/>
+            <p:nvPr/>
+          </p:nvSpPr>
+          <p:spPr>
+            <a:xfrm>
+              <a:off x="2438815" y="3302869"/>
+              <a:ext cx="1583470" cy="523220"/>
+            </a:xfrm>
+            <a:prstGeom prst="rect">
+              <a:avLst/>
+            </a:prstGeom>
+            <a:noFill/>
+          </p:spPr>
+          <p:txBody>
+            <a:bodyPr wrap="square" rtlCol="0">
+              <a:spAutoFit/>
+            </a:bodyPr>
+            <a:lstStyle/>
+            <a:p>
+              <a:pPr algn="ctr"/>
+              <a:r>
+                <a:rPr lang="en-GB" sz="1400" dirty="0">
+                  <a:latin typeface="Segoe UI Semilight" panose="020B0402040204020203" pitchFamily="34" charset="0"/>
+                  <a:cs typeface="Segoe UI Semilight" panose="020B0402040204020203" pitchFamily="34" charset="0"/>
+                </a:rPr>
+                <a:t>Management subnet</a:t>
+              </a:r>
+            </a:p>
+          </p:txBody>
+        </p:sp>
+        <p:sp>
+          <p:nvSpPr>
+            <p:cNvPr id="105" name="Rectangle 104">
+              <a:extLst>
+                <a:ext uri="{FF2B5EF4-FFF2-40B4-BE49-F238E27FC236}">
+                  <a16:creationId xmlns:a16="http://schemas.microsoft.com/office/drawing/2014/main" id="{E68017FE-125C-4871-8796-216D2BD3895C}"/>
                 </a:ext>
               </a:extLst>
             </p:cNvPr>
@@ -6366,8 +7632,645 @@
           </p:nvSpPr>
           <p:spPr>
             <a:xfrm>
-              <a:off x="9194800" y="2331694"/>
-              <a:ext cx="484135" cy="366772"/>
+              <a:off x="292425" y="4046417"/>
+              <a:ext cx="1574822" cy="1888048"/>
+            </a:xfrm>
+            <a:prstGeom prst="rect">
+              <a:avLst/>
+            </a:prstGeom>
+            <a:solidFill>
+              <a:schemeClr val="bg1">
+                <a:lumMod val="85000"/>
+              </a:schemeClr>
+            </a:solidFill>
+            <a:ln>
+              <a:solidFill>
+                <a:schemeClr val="bg1">
+                  <a:lumMod val="75000"/>
+                </a:schemeClr>
+              </a:solidFill>
+            </a:ln>
+          </p:spPr>
+          <p:style>
+            <a:lnRef idx="2">
+              <a:schemeClr val="accent3">
+                <a:shade val="50000"/>
+              </a:schemeClr>
+            </a:lnRef>
+            <a:fillRef idx="1">
+              <a:schemeClr val="accent3"/>
+            </a:fillRef>
+            <a:effectRef idx="0">
+              <a:schemeClr val="accent3"/>
+            </a:effectRef>
+            <a:fontRef idx="minor">
+              <a:schemeClr val="lt1"/>
+            </a:fontRef>
+          </p:style>
+          <p:txBody>
+            <a:bodyPr rtlCol="0" anchor="ctr"/>
+            <a:lstStyle/>
+            <a:p>
+              <a:pPr algn="ctr"/>
+              <a:endParaRPr lang="en-GB"/>
+            </a:p>
+          </p:txBody>
+        </p:sp>
+        <p:grpSp>
+          <p:nvGrpSpPr>
+            <p:cNvPr id="106" name="Group 105">
+              <a:extLst>
+                <a:ext uri="{FF2B5EF4-FFF2-40B4-BE49-F238E27FC236}">
+                  <a16:creationId xmlns:a16="http://schemas.microsoft.com/office/drawing/2014/main" id="{1B0B8231-A1D5-43E6-9E5A-20640F17C7EF}"/>
+                </a:ext>
+              </a:extLst>
+            </p:cNvPr>
+            <p:cNvGrpSpPr/>
+            <p:nvPr/>
+          </p:nvGrpSpPr>
+          <p:grpSpPr>
+            <a:xfrm>
+              <a:off x="1102144" y="1968313"/>
+              <a:ext cx="816458" cy="816458"/>
+              <a:chOff x="3828158" y="4585427"/>
+              <a:chExt cx="816458" cy="816458"/>
+            </a:xfrm>
+          </p:grpSpPr>
+          <p:pic>
+            <p:nvPicPr>
+              <p:cNvPr id="107" name="Graphic 106" descr="Lock">
+                <a:extLst>
+                  <a:ext uri="{FF2B5EF4-FFF2-40B4-BE49-F238E27FC236}">
+                    <a16:creationId xmlns:a16="http://schemas.microsoft.com/office/drawing/2014/main" id="{FCC5FD8E-F780-4433-B86D-792309806594}"/>
+                  </a:ext>
+                </a:extLst>
+              </p:cNvPr>
+              <p:cNvPicPr>
+                <a:picLocks noChangeAspect="1"/>
+              </p:cNvPicPr>
+              <p:nvPr/>
+            </p:nvPicPr>
+            <p:blipFill>
+              <a:blip r:embed="rId12">
+                <a:extLst>
+                  <a:ext uri="{28A0092B-C50C-407E-A947-70E740481C1C}">
+                    <a14:useLocalDpi xmlns:a14="http://schemas.microsoft.com/office/drawing/2010/main" val="0"/>
+                  </a:ext>
+                  <a:ext uri="{96DAC541-7B7A-43D3-8B79-37D633B846F1}">
+                    <asvg:svgBlip xmlns:asvg="http://schemas.microsoft.com/office/drawing/2016/SVG/main" r:embed="rId13"/>
+                  </a:ext>
+                </a:extLst>
+              </a:blip>
+              <a:stretch>
+                <a:fillRect/>
+              </a:stretch>
+            </p:blipFill>
+            <p:spPr>
+              <a:xfrm>
+                <a:off x="3828158" y="4585427"/>
+                <a:ext cx="816458" cy="816458"/>
+              </a:xfrm>
+              <a:prstGeom prst="rect">
+                <a:avLst/>
+              </a:prstGeom>
+            </p:spPr>
+          </p:pic>
+          <p:sp>
+            <p:nvSpPr>
+              <p:cNvPr id="108" name="TextBox 107">
+                <a:extLst>
+                  <a:ext uri="{FF2B5EF4-FFF2-40B4-BE49-F238E27FC236}">
+                    <a16:creationId xmlns:a16="http://schemas.microsoft.com/office/drawing/2014/main" id="{7E0F6DC3-45FA-404E-9FE8-835635B8B719}"/>
+                  </a:ext>
+                </a:extLst>
+              </p:cNvPr>
+              <p:cNvSpPr txBox="1"/>
+              <p:nvPr/>
+            </p:nvSpPr>
+            <p:spPr>
+              <a:xfrm>
+                <a:off x="4028732" y="5010165"/>
+                <a:ext cx="371748" cy="215444"/>
+              </a:xfrm>
+              <a:prstGeom prst="rect">
+                <a:avLst/>
+              </a:prstGeom>
+              <a:solidFill>
+                <a:srgbClr val="5B9BD5"/>
+              </a:solidFill>
+            </p:spPr>
+            <p:txBody>
+              <a:bodyPr wrap="square" lIns="0" tIns="0" rIns="0" bIns="0" rtlCol="0">
+                <a:spAutoFit/>
+              </a:bodyPr>
+              <a:lstStyle/>
+              <a:p>
+                <a:pPr algn="ctr"/>
+                <a:r>
+                  <a:rPr lang="en-GB" sz="1400" b="1" dirty="0">
+                    <a:solidFill>
+                      <a:schemeClr val="bg1"/>
+                    </a:solidFill>
+                    <a:latin typeface="Segoe UI Semilight" panose="020B0402040204020203" pitchFamily="34" charset="0"/>
+                    <a:cs typeface="Segoe UI Semilight" panose="020B0402040204020203" pitchFamily="34" charset="0"/>
+                  </a:rPr>
+                  <a:t>NSG</a:t>
+                </a:r>
+              </a:p>
+            </p:txBody>
+          </p:sp>
+        </p:grpSp>
+        <p:grpSp>
+          <p:nvGrpSpPr>
+            <p:cNvPr id="147" name="Group 146">
+              <a:extLst>
+                <a:ext uri="{FF2B5EF4-FFF2-40B4-BE49-F238E27FC236}">
+                  <a16:creationId xmlns:a16="http://schemas.microsoft.com/office/drawing/2014/main" id="{C187623A-2FE3-43E0-956E-6F6FB7587F94}"/>
+                </a:ext>
+              </a:extLst>
+            </p:cNvPr>
+            <p:cNvGrpSpPr/>
+            <p:nvPr/>
+          </p:nvGrpSpPr>
+          <p:grpSpPr>
+            <a:xfrm>
+              <a:off x="594118" y="4985624"/>
+              <a:ext cx="1016052" cy="984356"/>
+              <a:chOff x="1592994" y="5295937"/>
+              <a:chExt cx="1016052" cy="984356"/>
+            </a:xfrm>
+          </p:grpSpPr>
+          <p:grpSp>
+            <p:nvGrpSpPr>
+              <p:cNvPr id="148" name="Group 147">
+                <a:extLst>
+                  <a:ext uri="{FF2B5EF4-FFF2-40B4-BE49-F238E27FC236}">
+                    <a16:creationId xmlns:a16="http://schemas.microsoft.com/office/drawing/2014/main" id="{457CBAB3-ED62-4315-AE23-4FC7CD6DA4B2}"/>
+                  </a:ext>
+                </a:extLst>
+              </p:cNvPr>
+              <p:cNvGrpSpPr/>
+              <p:nvPr/>
+            </p:nvGrpSpPr>
+            <p:grpSpPr>
+              <a:xfrm>
+                <a:off x="1674715" y="5295937"/>
+                <a:ext cx="818403" cy="749822"/>
+                <a:chOff x="6908241" y="4869690"/>
+                <a:chExt cx="1136708" cy="1041454"/>
+              </a:xfrm>
+            </p:grpSpPr>
+            <p:pic>
+              <p:nvPicPr>
+                <p:cNvPr id="152" name="Picture 151">
+                  <a:extLst>
+                    <a:ext uri="{FF2B5EF4-FFF2-40B4-BE49-F238E27FC236}">
+                      <a16:creationId xmlns:a16="http://schemas.microsoft.com/office/drawing/2014/main" id="{B88364AB-EC67-499D-BAA0-050CD0201518}"/>
+                    </a:ext>
+                  </a:extLst>
+                </p:cNvPr>
+                <p:cNvPicPr>
+                  <a:picLocks noChangeAspect="1"/>
+                </p:cNvPicPr>
+                <p:nvPr/>
+              </p:nvPicPr>
+              <p:blipFill>
+                <a:blip r:embed="rId14">
+                  <a:clrChange>
+                    <a:clrFrom>
+                      <a:srgbClr val="FFFFFF"/>
+                    </a:clrFrom>
+                    <a:clrTo>
+                      <a:srgbClr val="FFFFFF">
+                        <a:alpha val="0"/>
+                      </a:srgbClr>
+                    </a:clrTo>
+                  </a:clrChange>
+                </a:blip>
+                <a:stretch>
+                  <a:fillRect/>
+                </a:stretch>
+              </p:blipFill>
+              <p:spPr>
+                <a:xfrm>
+                  <a:off x="6908241" y="4869690"/>
+                  <a:ext cx="1136708" cy="1041454"/>
+                </a:xfrm>
+                <a:prstGeom prst="rect">
+                  <a:avLst/>
+                </a:prstGeom>
+              </p:spPr>
+            </p:pic>
+            <p:sp>
+              <p:nvSpPr>
+                <p:cNvPr id="153" name="Rectangle 152">
+                  <a:extLst>
+                    <a:ext uri="{FF2B5EF4-FFF2-40B4-BE49-F238E27FC236}">
+                      <a16:creationId xmlns:a16="http://schemas.microsoft.com/office/drawing/2014/main" id="{B076C0F6-0E33-4B30-BB1E-AF0C58EFCE97}"/>
+                    </a:ext>
+                  </a:extLst>
+                </p:cNvPr>
+                <p:cNvSpPr/>
+                <p:nvPr/>
+              </p:nvSpPr>
+              <p:spPr>
+                <a:xfrm>
+                  <a:off x="7207250" y="5060951"/>
+                  <a:ext cx="562070" cy="482600"/>
+                </a:xfrm>
+                <a:prstGeom prst="rect">
+                  <a:avLst/>
+                </a:prstGeom>
+                <a:solidFill>
+                  <a:srgbClr val="59B4D9"/>
+                </a:solidFill>
+                <a:ln>
+                  <a:noFill/>
+                </a:ln>
+              </p:spPr>
+              <p:style>
+                <a:lnRef idx="2">
+                  <a:schemeClr val="accent1">
+                    <a:shade val="50000"/>
+                  </a:schemeClr>
+                </a:lnRef>
+                <a:fillRef idx="1">
+                  <a:schemeClr val="accent1"/>
+                </a:fillRef>
+                <a:effectRef idx="0">
+                  <a:schemeClr val="accent1"/>
+                </a:effectRef>
+                <a:fontRef idx="minor">
+                  <a:schemeClr val="lt1"/>
+                </a:fontRef>
+              </p:style>
+              <p:txBody>
+                <a:bodyPr rtlCol="0" anchor="ctr"/>
+                <a:lstStyle/>
+                <a:p>
+                  <a:pPr algn="ctr"/>
+                  <a:endParaRPr lang="en-GB"/>
+                </a:p>
+              </p:txBody>
+            </p:sp>
+            <p:pic>
+              <p:nvPicPr>
+                <p:cNvPr id="154" name="Graphic 153" descr="Database">
+                  <a:extLst>
+                    <a:ext uri="{FF2B5EF4-FFF2-40B4-BE49-F238E27FC236}">
+                      <a16:creationId xmlns:a16="http://schemas.microsoft.com/office/drawing/2014/main" id="{58753FB2-5A44-42C9-9B2F-6B311D2AF5DD}"/>
+                    </a:ext>
+                  </a:extLst>
+                </p:cNvPr>
+                <p:cNvPicPr>
+                  <a:picLocks noChangeAspect="1"/>
+                </p:cNvPicPr>
+                <p:nvPr/>
+              </p:nvPicPr>
+              <p:blipFill>
+                <a:blip r:embed="rId15">
+                  <a:extLst>
+                    <a:ext uri="{28A0092B-C50C-407E-A947-70E740481C1C}">
+                      <a14:useLocalDpi xmlns:a14="http://schemas.microsoft.com/office/drawing/2010/main" val="0"/>
+                    </a:ext>
+                    <a:ext uri="{96DAC541-7B7A-43D3-8B79-37D633B846F1}">
+                      <asvg:svgBlip xmlns:asvg="http://schemas.microsoft.com/office/drawing/2016/SVG/main" r:embed="rId16"/>
+                    </a:ext>
+                  </a:extLst>
+                </a:blip>
+                <a:stretch>
+                  <a:fillRect/>
+                </a:stretch>
+              </p:blipFill>
+              <p:spPr>
+                <a:xfrm>
+                  <a:off x="7230111" y="5041901"/>
+                  <a:ext cx="530474" cy="530474"/>
+                </a:xfrm>
+                <a:prstGeom prst="rect">
+                  <a:avLst/>
+                </a:prstGeom>
+              </p:spPr>
+            </p:pic>
+          </p:grpSp>
+          <p:sp>
+            <p:nvSpPr>
+              <p:cNvPr id="150" name="TextBox 149">
+                <a:extLst>
+                  <a:ext uri="{FF2B5EF4-FFF2-40B4-BE49-F238E27FC236}">
+                    <a16:creationId xmlns:a16="http://schemas.microsoft.com/office/drawing/2014/main" id="{9A3C68F4-F24D-4738-B526-AC5F37E5A4EE}"/>
+                  </a:ext>
+                </a:extLst>
+              </p:cNvPr>
+              <p:cNvSpPr txBox="1"/>
+              <p:nvPr/>
+            </p:nvSpPr>
+            <p:spPr>
+              <a:xfrm>
+                <a:off x="1592994" y="5972516"/>
+                <a:ext cx="1016052" cy="307777"/>
+              </a:xfrm>
+              <a:prstGeom prst="rect">
+                <a:avLst/>
+              </a:prstGeom>
+              <a:noFill/>
+            </p:spPr>
+            <p:txBody>
+              <a:bodyPr wrap="square" rtlCol="0">
+                <a:spAutoFit/>
+              </a:bodyPr>
+              <a:lstStyle/>
+              <a:p>
+                <a:pPr algn="ctr"/>
+                <a:r>
+                  <a:rPr lang="en-GB" sz="1400" dirty="0">
+                    <a:latin typeface="Segoe UI Semilight" panose="020B0402040204020203" pitchFamily="34" charset="0"/>
+                    <a:cs typeface="Segoe UI Semilight" panose="020B0402040204020203" pitchFamily="34" charset="0"/>
+                  </a:rPr>
+                  <a:t>DB</a:t>
+                </a:r>
+              </a:p>
+            </p:txBody>
+          </p:sp>
+        </p:grpSp>
+        <p:sp>
+          <p:nvSpPr>
+            <p:cNvPr id="163" name="TextBox 162">
+              <a:extLst>
+                <a:ext uri="{FF2B5EF4-FFF2-40B4-BE49-F238E27FC236}">
+                  <a16:creationId xmlns:a16="http://schemas.microsoft.com/office/drawing/2014/main" id="{716C959C-8C88-4630-B9C5-F9FE6EBB05B4}"/>
+                </a:ext>
+              </a:extLst>
+            </p:cNvPr>
+            <p:cNvSpPr txBox="1"/>
+            <p:nvPr/>
+          </p:nvSpPr>
+          <p:spPr>
+            <a:xfrm>
+              <a:off x="283777" y="5899610"/>
+              <a:ext cx="1583470" cy="307777"/>
+            </a:xfrm>
+            <a:prstGeom prst="rect">
+              <a:avLst/>
+            </a:prstGeom>
+            <a:noFill/>
+          </p:spPr>
+          <p:txBody>
+            <a:bodyPr wrap="square" rtlCol="0">
+              <a:spAutoFit/>
+            </a:bodyPr>
+            <a:lstStyle/>
+            <a:p>
+              <a:pPr algn="ctr"/>
+              <a:r>
+                <a:rPr lang="en-GB" sz="1400" dirty="0">
+                  <a:latin typeface="Segoe UI Semilight" panose="020B0402040204020203" pitchFamily="34" charset="0"/>
+                  <a:cs typeface="Segoe UI Semilight" panose="020B0402040204020203" pitchFamily="34" charset="0"/>
+                </a:rPr>
+                <a:t>Workload subnet</a:t>
+              </a:r>
+            </a:p>
+          </p:txBody>
+        </p:sp>
+        <p:sp>
+          <p:nvSpPr>
+            <p:cNvPr id="165" name="TextBox 164">
+              <a:extLst>
+                <a:ext uri="{FF2B5EF4-FFF2-40B4-BE49-F238E27FC236}">
+                  <a16:creationId xmlns:a16="http://schemas.microsoft.com/office/drawing/2014/main" id="{5BE475EC-F6FE-4AF4-9A0D-ABB74576C154}"/>
+                </a:ext>
+              </a:extLst>
+            </p:cNvPr>
+            <p:cNvSpPr txBox="1"/>
+            <p:nvPr/>
+          </p:nvSpPr>
+          <p:spPr>
+            <a:xfrm>
+              <a:off x="283777" y="3302869"/>
+              <a:ext cx="1583470" cy="523220"/>
+            </a:xfrm>
+            <a:prstGeom prst="rect">
+              <a:avLst/>
+            </a:prstGeom>
+            <a:noFill/>
+          </p:spPr>
+          <p:txBody>
+            <a:bodyPr wrap="square" rtlCol="0">
+              <a:spAutoFit/>
+            </a:bodyPr>
+            <a:lstStyle/>
+            <a:p>
+              <a:pPr algn="ctr"/>
+              <a:r>
+                <a:rPr lang="en-GB" sz="1400" dirty="0">
+                  <a:latin typeface="Segoe UI Semilight" panose="020B0402040204020203" pitchFamily="34" charset="0"/>
+                  <a:cs typeface="Segoe UI Semilight" panose="020B0402040204020203" pitchFamily="34" charset="0"/>
+                </a:rPr>
+                <a:t>Management subnet</a:t>
+              </a:r>
+            </a:p>
+          </p:txBody>
+        </p:sp>
+        <p:sp>
+          <p:nvSpPr>
+            <p:cNvPr id="32" name="Oval 31">
+              <a:extLst>
+                <a:ext uri="{FF2B5EF4-FFF2-40B4-BE49-F238E27FC236}">
+                  <a16:creationId xmlns:a16="http://schemas.microsoft.com/office/drawing/2014/main" id="{903E3E88-96D2-4A17-B279-6E6915D22C49}"/>
+                </a:ext>
+              </a:extLst>
+            </p:cNvPr>
+            <p:cNvSpPr/>
+            <p:nvPr/>
+          </p:nvSpPr>
+          <p:spPr>
+            <a:xfrm>
+              <a:off x="7312975" y="4227620"/>
+              <a:ext cx="568380" cy="568380"/>
+            </a:xfrm>
+            <a:prstGeom prst="ellipse">
+              <a:avLst/>
+            </a:prstGeom>
+            <a:solidFill>
+              <a:schemeClr val="bg1"/>
+            </a:solidFill>
+            <a:ln>
+              <a:noFill/>
+            </a:ln>
+          </p:spPr>
+          <p:style>
+            <a:lnRef idx="2">
+              <a:schemeClr val="accent1">
+                <a:shade val="50000"/>
+              </a:schemeClr>
+            </a:lnRef>
+            <a:fillRef idx="1">
+              <a:schemeClr val="accent1"/>
+            </a:fillRef>
+            <a:effectRef idx="0">
+              <a:schemeClr val="accent1"/>
+            </a:effectRef>
+            <a:fontRef idx="minor">
+              <a:schemeClr val="lt1"/>
+            </a:fontRef>
+          </p:style>
+          <p:txBody>
+            <a:bodyPr rtlCol="0" anchor="ctr"/>
+            <a:lstStyle/>
+            <a:p>
+              <a:pPr algn="ctr"/>
+              <a:endParaRPr lang="en-GB"/>
+            </a:p>
+          </p:txBody>
+        </p:sp>
+        <p:pic>
+          <p:nvPicPr>
+            <p:cNvPr id="26" name="Picture 25">
+              <a:extLst>
+                <a:ext uri="{FF2B5EF4-FFF2-40B4-BE49-F238E27FC236}">
+                  <a16:creationId xmlns:a16="http://schemas.microsoft.com/office/drawing/2014/main" id="{11422D63-0B0C-4AA9-9A52-B60F82AE7ED8}"/>
+                </a:ext>
+              </a:extLst>
+            </p:cNvPr>
+            <p:cNvPicPr>
+              <a:picLocks noChangeAspect="1"/>
+            </p:cNvPicPr>
+            <p:nvPr/>
+          </p:nvPicPr>
+          <p:blipFill>
+            <a:blip r:embed="rId17">
+              <a:clrChange>
+                <a:clrFrom>
+                  <a:srgbClr val="FFFFFF"/>
+                </a:clrFrom>
+                <a:clrTo>
+                  <a:srgbClr val="FFFFFF">
+                    <a:alpha val="0"/>
+                  </a:srgbClr>
+                </a:clrTo>
+              </a:clrChange>
+            </a:blip>
+            <a:stretch>
+              <a:fillRect/>
+            </a:stretch>
+          </p:blipFill>
+          <p:spPr>
+            <a:xfrm>
+              <a:off x="7058114" y="4104374"/>
+              <a:ext cx="1079555" cy="857294"/>
+            </a:xfrm>
+            <a:prstGeom prst="rect">
+              <a:avLst/>
+            </a:prstGeom>
+          </p:spPr>
+        </p:pic>
+        <p:sp>
+          <p:nvSpPr>
+            <p:cNvPr id="175" name="TextBox 174">
+              <a:extLst>
+                <a:ext uri="{FF2B5EF4-FFF2-40B4-BE49-F238E27FC236}">
+                  <a16:creationId xmlns:a16="http://schemas.microsoft.com/office/drawing/2014/main" id="{B464606D-EB59-4DF8-A729-37312B7B391D}"/>
+                </a:ext>
+              </a:extLst>
+            </p:cNvPr>
+            <p:cNvSpPr txBox="1"/>
+            <p:nvPr/>
+          </p:nvSpPr>
+          <p:spPr>
+            <a:xfrm>
+              <a:off x="6071576" y="3525555"/>
+              <a:ext cx="2497315" cy="307777"/>
+            </a:xfrm>
+            <a:prstGeom prst="rect">
+              <a:avLst/>
+            </a:prstGeom>
+            <a:noFill/>
+          </p:spPr>
+          <p:txBody>
+            <a:bodyPr wrap="square" rtlCol="0">
+              <a:spAutoFit/>
+            </a:bodyPr>
+            <a:lstStyle/>
+            <a:p>
+              <a:pPr algn="ctr"/>
+              <a:r>
+                <a:rPr lang="en-GB" sz="1400" dirty="0">
+                  <a:latin typeface="Segoe UI Semilight" panose="020B0402040204020203" pitchFamily="34" charset="0"/>
+                  <a:cs typeface="Segoe UI Semilight" panose="020B0402040204020203" pitchFamily="34" charset="0"/>
+                </a:rPr>
+                <a:t>DMZ subnet</a:t>
+              </a:r>
+            </a:p>
+          </p:txBody>
+        </p:sp>
+        <p:sp>
+          <p:nvSpPr>
+            <p:cNvPr id="176" name="Rectangle 175">
+              <a:extLst>
+                <a:ext uri="{FF2B5EF4-FFF2-40B4-BE49-F238E27FC236}">
+                  <a16:creationId xmlns:a16="http://schemas.microsoft.com/office/drawing/2014/main" id="{9C6165DB-4BDC-49D1-BF1E-D8892E83376C}"/>
+                </a:ext>
+              </a:extLst>
+            </p:cNvPr>
+            <p:cNvSpPr/>
+            <p:nvPr/>
+          </p:nvSpPr>
+          <p:spPr>
+            <a:xfrm rot="2675702">
+              <a:off x="2662409" y="2204330"/>
+              <a:ext cx="456874" cy="456874"/>
+            </a:xfrm>
+            <a:prstGeom prst="rect">
+              <a:avLst/>
+            </a:prstGeom>
+            <a:solidFill>
+              <a:schemeClr val="bg1"/>
+            </a:solidFill>
+            <a:ln>
+              <a:noFill/>
+            </a:ln>
+          </p:spPr>
+          <p:style>
+            <a:lnRef idx="2">
+              <a:schemeClr val="accent1">
+                <a:shade val="50000"/>
+              </a:schemeClr>
+            </a:lnRef>
+            <a:fillRef idx="1">
+              <a:schemeClr val="accent1"/>
+            </a:fillRef>
+            <a:effectRef idx="0">
+              <a:schemeClr val="accent1"/>
+            </a:effectRef>
+            <a:fontRef idx="minor">
+              <a:schemeClr val="lt1"/>
+            </a:fontRef>
+          </p:style>
+          <p:txBody>
+            <a:bodyPr rtlCol="0" anchor="ctr"/>
+            <a:lstStyle/>
+            <a:p>
+              <a:pPr algn="ctr"/>
+              <a:endParaRPr lang="en-GB"/>
+            </a:p>
+          </p:txBody>
+        </p:sp>
+        <p:sp>
+          <p:nvSpPr>
+            <p:cNvPr id="177" name="Rectangle 176">
+              <a:extLst>
+                <a:ext uri="{FF2B5EF4-FFF2-40B4-BE49-F238E27FC236}">
+                  <a16:creationId xmlns:a16="http://schemas.microsoft.com/office/drawing/2014/main" id="{899BCCB1-C1C0-40B0-97BE-C24D664403F3}"/>
+                </a:ext>
+              </a:extLst>
+            </p:cNvPr>
+            <p:cNvSpPr/>
+            <p:nvPr/>
+          </p:nvSpPr>
+          <p:spPr>
+            <a:xfrm rot="2675702">
+              <a:off x="505875" y="2204329"/>
+              <a:ext cx="456874" cy="456874"/>
             </a:xfrm>
             <a:prstGeom prst="rect">
               <a:avLst/>
@@ -6406,10 +8309,10 @@
         </p:sp>
         <p:grpSp>
           <p:nvGrpSpPr>
-            <p:cNvPr id="76" name="Group 75">
+            <p:cNvPr id="155" name="Group 154">
               <a:extLst>
                 <a:ext uri="{FF2B5EF4-FFF2-40B4-BE49-F238E27FC236}">
-                  <a16:creationId xmlns:a16="http://schemas.microsoft.com/office/drawing/2014/main" id="{41551FEA-0E8F-4EFF-AE58-A6CF3EA5DEE9}"/>
+                  <a16:creationId xmlns:a16="http://schemas.microsoft.com/office/drawing/2014/main" id="{40B27AA1-7D70-40F4-A46D-FA066B56B8F0}"/>
                 </a:ext>
               </a:extLst>
             </p:cNvPr>
@@ -6418,18 +8321,18 @@
           </p:nvGrpSpPr>
           <p:grpSpPr>
             <a:xfrm>
-              <a:off x="8942018" y="2041151"/>
-              <a:ext cx="1016052" cy="965868"/>
-              <a:chOff x="8044949" y="3099904"/>
-              <a:chExt cx="1016052" cy="965868"/>
+              <a:off x="189509" y="2056392"/>
+              <a:ext cx="1126728" cy="1142160"/>
+              <a:chOff x="1076591" y="401757"/>
+              <a:chExt cx="1126728" cy="1142160"/>
             </a:xfrm>
           </p:grpSpPr>
           <p:pic>
             <p:nvPicPr>
-              <p:cNvPr id="27" name="Picture 26">
+              <p:cNvPr id="157" name="Picture 156">
                 <a:extLst>
                   <a:ext uri="{FF2B5EF4-FFF2-40B4-BE49-F238E27FC236}">
-                    <a16:creationId xmlns:a16="http://schemas.microsoft.com/office/drawing/2014/main" id="{055D241C-DD88-4380-9DBA-9BB353CD539F}"/>
+                    <a16:creationId xmlns:a16="http://schemas.microsoft.com/office/drawing/2014/main" id="{9D344988-CC20-48AB-BDAC-2C0FA1BBD69A}"/>
                   </a:ext>
                 </a:extLst>
               </p:cNvPr>
@@ -6439,7 +8342,7 @@
               <p:nvPr/>
             </p:nvPicPr>
             <p:blipFill>
-              <a:blip r:embed="rId11">
+              <a:blip r:embed="rId18">
                 <a:clrChange>
                   <a:clrFrom>
                     <a:srgbClr val="FFFFFF"/>
@@ -6457,8 +8360,8 @@
             </p:blipFill>
             <p:spPr>
               <a:xfrm>
-                <a:off x="8197149" y="3099904"/>
-                <a:ext cx="699380" cy="712493"/>
+                <a:off x="1210276" y="401757"/>
+                <a:ext cx="891556" cy="768110"/>
               </a:xfrm>
               <a:prstGeom prst="rect">
                 <a:avLst/>
@@ -6467,10 +8370,10 @@
           </p:pic>
           <p:sp>
             <p:nvSpPr>
-              <p:cNvPr id="34" name="TextBox 33">
+              <p:cNvPr id="160" name="TextBox 159">
                 <a:extLst>
                   <a:ext uri="{FF2B5EF4-FFF2-40B4-BE49-F238E27FC236}">
-                    <a16:creationId xmlns:a16="http://schemas.microsoft.com/office/drawing/2014/main" id="{413CB75F-A91B-49DC-9A9E-EE97F5B6ED7B}"/>
+                    <a16:creationId xmlns:a16="http://schemas.microsoft.com/office/drawing/2014/main" id="{F996B9B0-E26B-443C-94B4-7D12507CE399}"/>
                   </a:ext>
                 </a:extLst>
               </p:cNvPr>
@@ -6479,8 +8382,8 @@
             </p:nvSpPr>
             <p:spPr>
               <a:xfrm>
-                <a:off x="8044949" y="3757995"/>
-                <a:ext cx="1016052" cy="307777"/>
+                <a:off x="1076591" y="1020697"/>
+                <a:ext cx="1126728" cy="523220"/>
               </a:xfrm>
               <a:prstGeom prst="rect">
                 <a:avLst/>
@@ -6499,92 +8402,119 @@
                     <a:latin typeface="Segoe UI Semilight" panose="020B0402040204020203" pitchFamily="34" charset="0"/>
                     <a:cs typeface="Segoe UI Semilight" panose="020B0402040204020203" pitchFamily="34" charset="0"/>
                   </a:rPr>
-                  <a:t>VPN</a:t>
+                  <a:t>Load Balancer</a:t>
                 </a:r>
               </a:p>
             </p:txBody>
           </p:sp>
         </p:grpSp>
-      </p:grpSp>
-      <p:sp>
-        <p:nvSpPr>
-          <p:cNvPr id="62" name="Rectangle 61">
-            <a:extLst>
-              <a:ext uri="{FF2B5EF4-FFF2-40B4-BE49-F238E27FC236}">
-                <a16:creationId xmlns:a16="http://schemas.microsoft.com/office/drawing/2014/main" id="{C4BEC688-0C34-4004-9739-EE4E16B9F344}"/>
-              </a:ext>
-            </a:extLst>
-          </p:cNvPr>
-          <p:cNvSpPr/>
-          <p:nvPr/>
-        </p:nvSpPr>
-        <p:spPr>
-          <a:xfrm>
-            <a:off x="173715" y="1754059"/>
-            <a:ext cx="1811051" cy="4695513"/>
-          </a:xfrm>
-          <a:prstGeom prst="rect">
-            <a:avLst/>
-          </a:prstGeom>
-          <a:noFill/>
-          <a:ln w="38100">
-            <a:solidFill>
-              <a:srgbClr val="5B9BD5"/>
-            </a:solidFill>
-            <a:prstDash val="sysDot"/>
-          </a:ln>
-        </p:spPr>
-        <p:style>
-          <a:lnRef idx="2">
-            <a:schemeClr val="accent1">
-              <a:shade val="50000"/>
-            </a:schemeClr>
-          </a:lnRef>
-          <a:fillRef idx="1">
-            <a:schemeClr val="accent1"/>
-          </a:fillRef>
-          <a:effectRef idx="0">
-            <a:schemeClr val="accent1"/>
-          </a:effectRef>
-          <a:fontRef idx="minor">
-            <a:schemeClr val="lt1"/>
-          </a:fontRef>
-        </p:style>
-        <p:txBody>
-          <a:bodyPr rtlCol="0" anchor="ctr"/>
-          <a:lstStyle/>
-          <a:p>
-            <a:pPr algn="ctr"/>
-            <a:endParaRPr lang="en-GB"/>
-          </a:p>
-        </p:txBody>
-      </p:sp>
-      <p:grpSp>
-        <p:nvGrpSpPr>
-          <p:cNvPr id="63" name="Group 62">
-            <a:extLst>
-              <a:ext uri="{FF2B5EF4-FFF2-40B4-BE49-F238E27FC236}">
-                <a16:creationId xmlns:a16="http://schemas.microsoft.com/office/drawing/2014/main" id="{84618313-D453-465C-A754-FF95BF8E5CD7}"/>
-              </a:ext>
-            </a:extLst>
-          </p:cNvPr>
-          <p:cNvGrpSpPr/>
-          <p:nvPr/>
-        </p:nvGrpSpPr>
-        <p:grpSpPr>
-          <a:xfrm>
-            <a:off x="1397511" y="6106855"/>
-            <a:ext cx="908492" cy="682597"/>
-            <a:chOff x="5358637" y="4686040"/>
-            <a:chExt cx="908492" cy="682597"/>
-          </a:xfrm>
-        </p:grpSpPr>
+        <p:grpSp>
+          <p:nvGrpSpPr>
+            <p:cNvPr id="118" name="Group 117">
+              <a:extLst>
+                <a:ext uri="{FF2B5EF4-FFF2-40B4-BE49-F238E27FC236}">
+                  <a16:creationId xmlns:a16="http://schemas.microsoft.com/office/drawing/2014/main" id="{5A3CD03B-BB5D-4F01-BA3A-460AF6F574E7}"/>
+                </a:ext>
+              </a:extLst>
+            </p:cNvPr>
+            <p:cNvGrpSpPr/>
+            <p:nvPr/>
+          </p:nvGrpSpPr>
+          <p:grpSpPr>
+            <a:xfrm>
+              <a:off x="2344547" y="2056392"/>
+              <a:ext cx="1126728" cy="1142160"/>
+              <a:chOff x="1076591" y="401757"/>
+              <a:chExt cx="1126728" cy="1142160"/>
+            </a:xfrm>
+          </p:grpSpPr>
+          <p:pic>
+            <p:nvPicPr>
+              <p:cNvPr id="121" name="Picture 120">
+                <a:extLst>
+                  <a:ext uri="{FF2B5EF4-FFF2-40B4-BE49-F238E27FC236}">
+                    <a16:creationId xmlns:a16="http://schemas.microsoft.com/office/drawing/2014/main" id="{6CC90D85-A32E-43D8-B6C6-3CF8C9C64B4D}"/>
+                  </a:ext>
+                </a:extLst>
+              </p:cNvPr>
+              <p:cNvPicPr>
+                <a:picLocks noChangeAspect="1"/>
+              </p:cNvPicPr>
+              <p:nvPr/>
+            </p:nvPicPr>
+            <p:blipFill>
+              <a:blip r:embed="rId18">
+                <a:clrChange>
+                  <a:clrFrom>
+                    <a:srgbClr val="FFFFFF"/>
+                  </a:clrFrom>
+                  <a:clrTo>
+                    <a:srgbClr val="FFFFFF">
+                      <a:alpha val="0"/>
+                    </a:srgbClr>
+                  </a:clrTo>
+                </a:clrChange>
+              </a:blip>
+              <a:stretch>
+                <a:fillRect/>
+              </a:stretch>
+            </p:blipFill>
+            <p:spPr>
+              <a:xfrm>
+                <a:off x="1210276" y="401757"/>
+                <a:ext cx="891556" cy="768110"/>
+              </a:xfrm>
+              <a:prstGeom prst="rect">
+                <a:avLst/>
+              </a:prstGeom>
+            </p:spPr>
+          </p:pic>
+          <p:sp>
+            <p:nvSpPr>
+              <p:cNvPr id="122" name="TextBox 121">
+                <a:extLst>
+                  <a:ext uri="{FF2B5EF4-FFF2-40B4-BE49-F238E27FC236}">
+                    <a16:creationId xmlns:a16="http://schemas.microsoft.com/office/drawing/2014/main" id="{311D21CE-85C6-4CE3-94F2-4ACC1747BB0D}"/>
+                  </a:ext>
+                </a:extLst>
+              </p:cNvPr>
+              <p:cNvSpPr txBox="1"/>
+              <p:nvPr/>
+            </p:nvSpPr>
+            <p:spPr>
+              <a:xfrm>
+                <a:off x="1076591" y="1020697"/>
+                <a:ext cx="1126728" cy="523220"/>
+              </a:xfrm>
+              <a:prstGeom prst="rect">
+                <a:avLst/>
+              </a:prstGeom>
+              <a:noFill/>
+            </p:spPr>
+            <p:txBody>
+              <a:bodyPr wrap="square" rtlCol="0">
+                <a:spAutoFit/>
+              </a:bodyPr>
+              <a:lstStyle/>
+              <a:p>
+                <a:pPr algn="ctr"/>
+                <a:r>
+                  <a:rPr lang="en-GB" sz="1400" dirty="0">
+                    <a:latin typeface="Segoe UI Semilight" panose="020B0402040204020203" pitchFamily="34" charset="0"/>
+                    <a:cs typeface="Segoe UI Semilight" panose="020B0402040204020203" pitchFamily="34" charset="0"/>
+                  </a:rPr>
+                  <a:t>Load Balancer</a:t>
+                </a:r>
+              </a:p>
+            </p:txBody>
+          </p:sp>
+        </p:grpSp>
         <p:sp>
           <p:nvSpPr>
-            <p:cNvPr id="64" name="Rectangle 63">
+            <p:cNvPr id="178" name="Rectangle 177">
               <a:extLst>
                 <a:ext uri="{FF2B5EF4-FFF2-40B4-BE49-F238E27FC236}">
-                  <a16:creationId xmlns:a16="http://schemas.microsoft.com/office/drawing/2014/main" id="{3475E751-AC4D-43FA-B57B-0510676E99D0}"/>
+                  <a16:creationId xmlns:a16="http://schemas.microsoft.com/office/drawing/2014/main" id="{D5EC6031-E8FD-4EA2-BC27-C5DF2FFC2238}"/>
                 </a:ext>
               </a:extLst>
             </p:cNvPr>
@@ -6592,9 +8522,9 @@
             <p:nvPr/>
           </p:nvSpPr>
           <p:spPr>
-            <a:xfrm>
-              <a:off x="5427133" y="4818529"/>
-              <a:ext cx="713691" cy="407895"/>
+            <a:xfrm rot="3630878">
+              <a:off x="2735328" y="4230964"/>
+              <a:ext cx="263042" cy="263240"/>
             </a:xfrm>
             <a:prstGeom prst="rect">
               <a:avLst/>
@@ -6631,530 +8561,12 @@
             </a:p>
           </p:txBody>
         </p:sp>
-        <p:pic>
-          <p:nvPicPr>
-            <p:cNvPr id="65" name="Picture 64">
-              <a:extLst>
-                <a:ext uri="{FF2B5EF4-FFF2-40B4-BE49-F238E27FC236}">
-                  <a16:creationId xmlns:a16="http://schemas.microsoft.com/office/drawing/2014/main" id="{6F3E8E70-AD2D-441D-8162-F545CE69C542}"/>
-                </a:ext>
-              </a:extLst>
-            </p:cNvPr>
-            <p:cNvPicPr>
-              <a:picLocks noChangeAspect="1"/>
-            </p:cNvPicPr>
-            <p:nvPr/>
-          </p:nvPicPr>
-          <p:blipFill>
-            <a:blip r:embed="rId5">
-              <a:clrChange>
-                <a:clrFrom>
-                  <a:srgbClr val="FFFFFF"/>
-                </a:clrFrom>
-                <a:clrTo>
-                  <a:srgbClr val="FFFFFF">
-                    <a:alpha val="0"/>
-                  </a:srgbClr>
-                </a:clrTo>
-              </a:clrChange>
-            </a:blip>
-            <a:stretch>
-              <a:fillRect/>
-            </a:stretch>
-          </p:blipFill>
-          <p:spPr>
-            <a:xfrm>
-              <a:off x="5358637" y="4686040"/>
-              <a:ext cx="908492" cy="682597"/>
-            </a:xfrm>
-            <a:prstGeom prst="rect">
-              <a:avLst/>
-            </a:prstGeom>
-          </p:spPr>
-        </p:pic>
-      </p:grpSp>
-      <p:sp>
-        <p:nvSpPr>
-          <p:cNvPr id="67" name="TextBox 66">
-            <a:extLst>
-              <a:ext uri="{FF2B5EF4-FFF2-40B4-BE49-F238E27FC236}">
-                <a16:creationId xmlns:a16="http://schemas.microsoft.com/office/drawing/2014/main" id="{84D30738-E727-44E9-966E-01EBB1BF9D10}"/>
-              </a:ext>
-            </a:extLst>
-          </p:cNvPr>
-          <p:cNvSpPr txBox="1"/>
-          <p:nvPr/>
-        </p:nvSpPr>
-        <p:spPr>
-          <a:xfrm>
-            <a:off x="948953" y="6438355"/>
-            <a:ext cx="713691" cy="307777"/>
-          </a:xfrm>
-          <a:prstGeom prst="rect">
-            <a:avLst/>
-          </a:prstGeom>
-          <a:noFill/>
-        </p:spPr>
-        <p:txBody>
-          <a:bodyPr wrap="square" rtlCol="0">
-            <a:spAutoFit/>
-          </a:bodyPr>
-          <a:lstStyle/>
-          <a:p>
-            <a:pPr algn="ctr"/>
-            <a:r>
-              <a:rPr lang="en-GB" sz="1400" dirty="0" err="1">
-                <a:latin typeface="Segoe UI Semilight" panose="020B0402040204020203" pitchFamily="34" charset="0"/>
-                <a:cs typeface="Segoe UI Semilight" panose="020B0402040204020203" pitchFamily="34" charset="0"/>
-              </a:rPr>
-              <a:t>VNet</a:t>
-            </a:r>
-            <a:endParaRPr lang="en-GB" sz="1400" dirty="0">
-              <a:latin typeface="Segoe UI Semilight" panose="020B0402040204020203" pitchFamily="34" charset="0"/>
-              <a:cs typeface="Segoe UI Semilight" panose="020B0402040204020203" pitchFamily="34" charset="0"/>
-            </a:endParaRPr>
-          </a:p>
-        </p:txBody>
-      </p:sp>
-      <p:sp>
-        <p:nvSpPr>
-          <p:cNvPr id="72" name="TextBox 71">
-            <a:extLst>
-              <a:ext uri="{FF2B5EF4-FFF2-40B4-BE49-F238E27FC236}">
-                <a16:creationId xmlns:a16="http://schemas.microsoft.com/office/drawing/2014/main" id="{287BDEC1-A5B1-4356-A84A-2F274EEE8C58}"/>
-              </a:ext>
-            </a:extLst>
-          </p:cNvPr>
-          <p:cNvSpPr txBox="1"/>
-          <p:nvPr/>
-        </p:nvSpPr>
-        <p:spPr>
-          <a:xfrm>
-            <a:off x="173715" y="1461761"/>
-            <a:ext cx="1811052" cy="307777"/>
-          </a:xfrm>
-          <a:prstGeom prst="rect">
-            <a:avLst/>
-          </a:prstGeom>
-          <a:noFill/>
-        </p:spPr>
-        <p:txBody>
-          <a:bodyPr wrap="square" rtlCol="0">
-            <a:spAutoFit/>
-          </a:bodyPr>
-          <a:lstStyle/>
-          <a:p>
-            <a:pPr algn="r"/>
-            <a:r>
-              <a:rPr lang="en-GB" sz="1400" dirty="0">
-                <a:solidFill>
-                  <a:srgbClr val="5B9BD5"/>
-                </a:solidFill>
-                <a:latin typeface="Segoe UI Black" panose="020B0A02040204020203" pitchFamily="34" charset="0"/>
-                <a:ea typeface="Segoe UI Black" panose="020B0A02040204020203" pitchFamily="34" charset="0"/>
-                <a:cs typeface="Segoe UI Semilight" panose="020B0402040204020203" pitchFamily="34" charset="0"/>
-              </a:rPr>
-              <a:t>Website</a:t>
-            </a:r>
-          </a:p>
-        </p:txBody>
-      </p:sp>
-      <p:grpSp>
-        <p:nvGrpSpPr>
-          <p:cNvPr id="112" name="Group 111">
-            <a:extLst>
-              <a:ext uri="{FF2B5EF4-FFF2-40B4-BE49-F238E27FC236}">
-                <a16:creationId xmlns:a16="http://schemas.microsoft.com/office/drawing/2014/main" id="{4575BAC4-D85A-46DB-8199-DE6EC1B7263D}"/>
-              </a:ext>
-            </a:extLst>
-          </p:cNvPr>
-          <p:cNvGrpSpPr/>
-          <p:nvPr/>
-        </p:nvGrpSpPr>
-        <p:grpSpPr>
-          <a:xfrm>
-            <a:off x="3257182" y="1968313"/>
-            <a:ext cx="816458" cy="816458"/>
-            <a:chOff x="3828158" y="4585427"/>
-            <a:chExt cx="816458" cy="816458"/>
-          </a:xfrm>
-        </p:grpSpPr>
-        <p:pic>
-          <p:nvPicPr>
-            <p:cNvPr id="134" name="Graphic 133" descr="Lock">
-              <a:extLst>
-                <a:ext uri="{FF2B5EF4-FFF2-40B4-BE49-F238E27FC236}">
-                  <a16:creationId xmlns:a16="http://schemas.microsoft.com/office/drawing/2014/main" id="{6F9C496F-E825-400F-B2C7-73477CD92FE6}"/>
-                </a:ext>
-              </a:extLst>
-            </p:cNvPr>
-            <p:cNvPicPr>
-              <a:picLocks noChangeAspect="1"/>
-            </p:cNvPicPr>
-            <p:nvPr/>
-          </p:nvPicPr>
-          <p:blipFill>
-            <a:blip r:embed="rId12">
-              <a:extLst>
-                <a:ext uri="{28A0092B-C50C-407E-A947-70E740481C1C}">
-                  <a14:useLocalDpi xmlns:a14="http://schemas.microsoft.com/office/drawing/2010/main" val="0"/>
-                </a:ext>
-                <a:ext uri="{96DAC541-7B7A-43D3-8B79-37D633B846F1}">
-                  <asvg:svgBlip xmlns:asvg="http://schemas.microsoft.com/office/drawing/2016/SVG/main" r:embed="rId13"/>
-                </a:ext>
-              </a:extLst>
-            </a:blip>
-            <a:stretch>
-              <a:fillRect/>
-            </a:stretch>
-          </p:blipFill>
-          <p:spPr>
-            <a:xfrm>
-              <a:off x="3828158" y="4585427"/>
-              <a:ext cx="816458" cy="816458"/>
-            </a:xfrm>
-            <a:prstGeom prst="rect">
-              <a:avLst/>
-            </a:prstGeom>
-          </p:spPr>
-        </p:pic>
         <p:sp>
           <p:nvSpPr>
-            <p:cNvPr id="135" name="TextBox 134">
+            <p:cNvPr id="179" name="Rectangle 178">
               <a:extLst>
                 <a:ext uri="{FF2B5EF4-FFF2-40B4-BE49-F238E27FC236}">
-                  <a16:creationId xmlns:a16="http://schemas.microsoft.com/office/drawing/2014/main" id="{25B20A87-43F8-40E1-808E-846309FF2B2C}"/>
-                </a:ext>
-              </a:extLst>
-            </p:cNvPr>
-            <p:cNvSpPr txBox="1"/>
-            <p:nvPr/>
-          </p:nvSpPr>
-          <p:spPr>
-            <a:xfrm>
-              <a:off x="4028732" y="5010165"/>
-              <a:ext cx="371748" cy="215444"/>
-            </a:xfrm>
-            <a:prstGeom prst="rect">
-              <a:avLst/>
-            </a:prstGeom>
-            <a:solidFill>
-              <a:srgbClr val="5B9BD5"/>
-            </a:solidFill>
-          </p:spPr>
-          <p:txBody>
-            <a:bodyPr wrap="square" lIns="0" tIns="0" rIns="0" bIns="0" rtlCol="0">
-              <a:spAutoFit/>
-            </a:bodyPr>
-            <a:lstStyle/>
-            <a:p>
-              <a:pPr algn="ctr"/>
-              <a:r>
-                <a:rPr lang="en-GB" sz="1400" b="1" dirty="0">
-                  <a:solidFill>
-                    <a:schemeClr val="bg1"/>
-                  </a:solidFill>
-                  <a:latin typeface="Segoe UI Semilight" panose="020B0402040204020203" pitchFamily="34" charset="0"/>
-                  <a:cs typeface="Segoe UI Semilight" panose="020B0402040204020203" pitchFamily="34" charset="0"/>
-                </a:rPr>
-                <a:t>NSG</a:t>
-              </a:r>
-            </a:p>
-          </p:txBody>
-        </p:sp>
-      </p:grpSp>
-      <p:grpSp>
-        <p:nvGrpSpPr>
-          <p:cNvPr id="115" name="Group 114">
-            <a:extLst>
-              <a:ext uri="{FF2B5EF4-FFF2-40B4-BE49-F238E27FC236}">
-                <a16:creationId xmlns:a16="http://schemas.microsoft.com/office/drawing/2014/main" id="{6F594179-D037-4268-A3F9-B0A02F0CFD38}"/>
-              </a:ext>
-            </a:extLst>
-          </p:cNvPr>
-          <p:cNvGrpSpPr/>
-          <p:nvPr/>
-        </p:nvGrpSpPr>
-        <p:grpSpPr>
-          <a:xfrm>
-            <a:off x="2749156" y="4985624"/>
-            <a:ext cx="1016052" cy="984356"/>
-            <a:chOff x="1592994" y="5295937"/>
-            <a:chExt cx="1016052" cy="984356"/>
-          </a:xfrm>
-        </p:grpSpPr>
-        <p:grpSp>
-          <p:nvGrpSpPr>
-            <p:cNvPr id="125" name="Group 124">
-              <a:extLst>
-                <a:ext uri="{FF2B5EF4-FFF2-40B4-BE49-F238E27FC236}">
-                  <a16:creationId xmlns:a16="http://schemas.microsoft.com/office/drawing/2014/main" id="{CFAA27AF-E845-4C61-91FD-7477ECAAEF04}"/>
-                </a:ext>
-              </a:extLst>
-            </p:cNvPr>
-            <p:cNvGrpSpPr/>
-            <p:nvPr/>
-          </p:nvGrpSpPr>
-          <p:grpSpPr>
-            <a:xfrm>
-              <a:off x="1674715" y="5295937"/>
-              <a:ext cx="818403" cy="749822"/>
-              <a:chOff x="6908241" y="4869690"/>
-              <a:chExt cx="1136708" cy="1041454"/>
-            </a:xfrm>
-          </p:grpSpPr>
-          <p:pic>
-            <p:nvPicPr>
-              <p:cNvPr id="127" name="Picture 126">
-                <a:extLst>
-                  <a:ext uri="{FF2B5EF4-FFF2-40B4-BE49-F238E27FC236}">
-                    <a16:creationId xmlns:a16="http://schemas.microsoft.com/office/drawing/2014/main" id="{31480F15-EBBB-4253-8295-5A915A0F1248}"/>
-                  </a:ext>
-                </a:extLst>
-              </p:cNvPr>
-              <p:cNvPicPr>
-                <a:picLocks noChangeAspect="1"/>
-              </p:cNvPicPr>
-              <p:nvPr/>
-            </p:nvPicPr>
-            <p:blipFill>
-              <a:blip r:embed="rId14">
-                <a:clrChange>
-                  <a:clrFrom>
-                    <a:srgbClr val="FFFFFF"/>
-                  </a:clrFrom>
-                  <a:clrTo>
-                    <a:srgbClr val="FFFFFF">
-                      <a:alpha val="0"/>
-                    </a:srgbClr>
-                  </a:clrTo>
-                </a:clrChange>
-              </a:blip>
-              <a:stretch>
-                <a:fillRect/>
-              </a:stretch>
-            </p:blipFill>
-            <p:spPr>
-              <a:xfrm>
-                <a:off x="6908241" y="4869690"/>
-                <a:ext cx="1136708" cy="1041454"/>
-              </a:xfrm>
-              <a:prstGeom prst="rect">
-                <a:avLst/>
-              </a:prstGeom>
-            </p:spPr>
-          </p:pic>
-          <p:sp>
-            <p:nvSpPr>
-              <p:cNvPr id="128" name="Rectangle 127">
-                <a:extLst>
-                  <a:ext uri="{FF2B5EF4-FFF2-40B4-BE49-F238E27FC236}">
-                    <a16:creationId xmlns:a16="http://schemas.microsoft.com/office/drawing/2014/main" id="{16EF04F9-605D-4630-805A-C59CB6AFD454}"/>
-                  </a:ext>
-                </a:extLst>
-              </p:cNvPr>
-              <p:cNvSpPr/>
-              <p:nvPr/>
-            </p:nvSpPr>
-            <p:spPr>
-              <a:xfrm>
-                <a:off x="7207250" y="5060951"/>
-                <a:ext cx="562070" cy="482600"/>
-              </a:xfrm>
-              <a:prstGeom prst="rect">
-                <a:avLst/>
-              </a:prstGeom>
-              <a:solidFill>
-                <a:srgbClr val="59B4D9"/>
-              </a:solidFill>
-              <a:ln>
-                <a:noFill/>
-              </a:ln>
-            </p:spPr>
-            <p:style>
-              <a:lnRef idx="2">
-                <a:schemeClr val="accent1">
-                  <a:shade val="50000"/>
-                </a:schemeClr>
-              </a:lnRef>
-              <a:fillRef idx="1">
-                <a:schemeClr val="accent1"/>
-              </a:fillRef>
-              <a:effectRef idx="0">
-                <a:schemeClr val="accent1"/>
-              </a:effectRef>
-              <a:fontRef idx="minor">
-                <a:schemeClr val="lt1"/>
-              </a:fontRef>
-            </p:style>
-            <p:txBody>
-              <a:bodyPr rtlCol="0" anchor="ctr"/>
-              <a:lstStyle/>
-              <a:p>
-                <a:pPr algn="ctr"/>
-                <a:endParaRPr lang="en-GB"/>
-              </a:p>
-            </p:txBody>
-          </p:sp>
-          <p:pic>
-            <p:nvPicPr>
-              <p:cNvPr id="129" name="Graphic 128" descr="Database">
-                <a:extLst>
-                  <a:ext uri="{FF2B5EF4-FFF2-40B4-BE49-F238E27FC236}">
-                    <a16:creationId xmlns:a16="http://schemas.microsoft.com/office/drawing/2014/main" id="{A4987C5C-7433-4F90-BA04-863D7180A2A7}"/>
-                  </a:ext>
-                </a:extLst>
-              </p:cNvPr>
-              <p:cNvPicPr>
-                <a:picLocks noChangeAspect="1"/>
-              </p:cNvPicPr>
-              <p:nvPr/>
-            </p:nvPicPr>
-            <p:blipFill>
-              <a:blip r:embed="rId15">
-                <a:extLst>
-                  <a:ext uri="{28A0092B-C50C-407E-A947-70E740481C1C}">
-                    <a14:useLocalDpi xmlns:a14="http://schemas.microsoft.com/office/drawing/2010/main" val="0"/>
-                  </a:ext>
-                  <a:ext uri="{96DAC541-7B7A-43D3-8B79-37D633B846F1}">
-                    <asvg:svgBlip xmlns:asvg="http://schemas.microsoft.com/office/drawing/2016/SVG/main" r:embed="rId16"/>
-                  </a:ext>
-                </a:extLst>
-              </a:blip>
-              <a:stretch>
-                <a:fillRect/>
-              </a:stretch>
-            </p:blipFill>
-            <p:spPr>
-              <a:xfrm>
-                <a:off x="7230111" y="5041901"/>
-                <a:ext cx="530474" cy="530474"/>
-              </a:xfrm>
-              <a:prstGeom prst="rect">
-                <a:avLst/>
-              </a:prstGeom>
-            </p:spPr>
-          </p:pic>
-        </p:grpSp>
-        <p:sp>
-          <p:nvSpPr>
-            <p:cNvPr id="126" name="TextBox 125">
-              <a:extLst>
-                <a:ext uri="{FF2B5EF4-FFF2-40B4-BE49-F238E27FC236}">
-                  <a16:creationId xmlns:a16="http://schemas.microsoft.com/office/drawing/2014/main" id="{4AF8119F-6679-40B1-B9EC-1C22F9FE84C9}"/>
-                </a:ext>
-              </a:extLst>
-            </p:cNvPr>
-            <p:cNvSpPr txBox="1"/>
-            <p:nvPr/>
-          </p:nvSpPr>
-          <p:spPr>
-            <a:xfrm>
-              <a:off x="1592994" y="5972516"/>
-              <a:ext cx="1016052" cy="307777"/>
-            </a:xfrm>
-            <a:prstGeom prst="rect">
-              <a:avLst/>
-            </a:prstGeom>
-            <a:noFill/>
-          </p:spPr>
-          <p:txBody>
-            <a:bodyPr wrap="square" rtlCol="0">
-              <a:spAutoFit/>
-            </a:bodyPr>
-            <a:lstStyle/>
-            <a:p>
-              <a:pPr algn="ctr"/>
-              <a:r>
-                <a:rPr lang="en-GB" sz="1400" dirty="0">
-                  <a:latin typeface="Segoe UI Semilight" panose="020B0402040204020203" pitchFamily="34" charset="0"/>
-                  <a:cs typeface="Segoe UI Semilight" panose="020B0402040204020203" pitchFamily="34" charset="0"/>
-                </a:rPr>
-                <a:t>DB</a:t>
-              </a:r>
-            </a:p>
-          </p:txBody>
-        </p:sp>
-      </p:grpSp>
-      <p:sp>
-        <p:nvSpPr>
-          <p:cNvPr id="116" name="Rectangle 115">
-            <a:extLst>
-              <a:ext uri="{FF2B5EF4-FFF2-40B4-BE49-F238E27FC236}">
-                <a16:creationId xmlns:a16="http://schemas.microsoft.com/office/drawing/2014/main" id="{B1DE6C72-9C1D-4DAB-AC17-19057C52A63F}"/>
-              </a:ext>
-            </a:extLst>
-          </p:cNvPr>
-          <p:cNvSpPr/>
-          <p:nvPr/>
-        </p:nvSpPr>
-        <p:spPr>
-          <a:xfrm>
-            <a:off x="2321644" y="1754059"/>
-            <a:ext cx="1811051" cy="4695513"/>
-          </a:xfrm>
-          <a:prstGeom prst="rect">
-            <a:avLst/>
-          </a:prstGeom>
-          <a:noFill/>
-          <a:ln w="38100">
-            <a:solidFill>
-              <a:srgbClr val="5B9BD5"/>
-            </a:solidFill>
-            <a:prstDash val="sysDot"/>
-          </a:ln>
-        </p:spPr>
-        <p:style>
-          <a:lnRef idx="2">
-            <a:schemeClr val="accent1">
-              <a:shade val="50000"/>
-            </a:schemeClr>
-          </a:lnRef>
-          <a:fillRef idx="1">
-            <a:schemeClr val="accent1"/>
-          </a:fillRef>
-          <a:effectRef idx="0">
-            <a:schemeClr val="accent1"/>
-          </a:effectRef>
-          <a:fontRef idx="minor">
-            <a:schemeClr val="lt1"/>
-          </a:fontRef>
-        </p:style>
-        <p:txBody>
-          <a:bodyPr rtlCol="0" anchor="ctr"/>
-          <a:lstStyle/>
-          <a:p>
-            <a:pPr algn="ctr"/>
-            <a:endParaRPr lang="en-GB"/>
-          </a:p>
-        </p:txBody>
-      </p:sp>
-      <p:grpSp>
-        <p:nvGrpSpPr>
-          <p:cNvPr id="117" name="Group 116">
-            <a:extLst>
-              <a:ext uri="{FF2B5EF4-FFF2-40B4-BE49-F238E27FC236}">
-                <a16:creationId xmlns:a16="http://schemas.microsoft.com/office/drawing/2014/main" id="{79841015-9905-42BA-A2F2-124D1016F209}"/>
-              </a:ext>
-            </a:extLst>
-          </p:cNvPr>
-          <p:cNvGrpSpPr/>
-          <p:nvPr/>
-        </p:nvGrpSpPr>
-        <p:grpSpPr>
-          <a:xfrm>
-            <a:off x="3545440" y="6106855"/>
-            <a:ext cx="908492" cy="682597"/>
-            <a:chOff x="5358637" y="4686040"/>
-            <a:chExt cx="908492" cy="682597"/>
-          </a:xfrm>
-        </p:grpSpPr>
-        <p:sp>
-          <p:nvSpPr>
-            <p:cNvPr id="123" name="Rectangle 122">
-              <a:extLst>
-                <a:ext uri="{FF2B5EF4-FFF2-40B4-BE49-F238E27FC236}">
-                  <a16:creationId xmlns:a16="http://schemas.microsoft.com/office/drawing/2014/main" id="{34A0EC9F-EC5B-4CA0-BC92-22D994518253}"/>
+                  <a16:creationId xmlns:a16="http://schemas.microsoft.com/office/drawing/2014/main" id="{3135E53C-6D69-4111-B190-5435C2549D95}"/>
                 </a:ext>
               </a:extLst>
             </p:cNvPr>
@@ -7162,9 +8574,9 @@
             <p:nvPr/>
           </p:nvSpPr>
           <p:spPr>
-            <a:xfrm>
-              <a:off x="5427133" y="4818529"/>
-              <a:ext cx="713691" cy="407895"/>
+            <a:xfrm rot="3630878">
+              <a:off x="3510889" y="4230964"/>
+              <a:ext cx="263042" cy="263240"/>
             </a:xfrm>
             <a:prstGeom prst="rect">
               <a:avLst/>
@@ -7201,591 +8613,116 @@
             </a:p>
           </p:txBody>
         </p:sp>
-        <p:pic>
-          <p:nvPicPr>
-            <p:cNvPr id="124" name="Picture 123">
-              <a:extLst>
-                <a:ext uri="{FF2B5EF4-FFF2-40B4-BE49-F238E27FC236}">
-                  <a16:creationId xmlns:a16="http://schemas.microsoft.com/office/drawing/2014/main" id="{7262BD0E-9AD6-4A66-82C4-58AA0EFC6D51}"/>
-                </a:ext>
-              </a:extLst>
-            </p:cNvPr>
-            <p:cNvPicPr>
-              <a:picLocks noChangeAspect="1"/>
-            </p:cNvPicPr>
-            <p:nvPr/>
-          </p:nvPicPr>
-          <p:blipFill>
-            <a:blip r:embed="rId5">
-              <a:clrChange>
-                <a:clrFrom>
-                  <a:srgbClr val="FFFFFF"/>
-                </a:clrFrom>
-                <a:clrTo>
-                  <a:srgbClr val="FFFFFF">
-                    <a:alpha val="0"/>
-                  </a:srgbClr>
-                </a:clrTo>
-              </a:clrChange>
-            </a:blip>
-            <a:stretch>
-              <a:fillRect/>
-            </a:stretch>
-          </p:blipFill>
-          <p:spPr>
-            <a:xfrm>
-              <a:off x="5358637" y="4686040"/>
-              <a:ext cx="908492" cy="682597"/>
-            </a:xfrm>
-            <a:prstGeom prst="rect">
-              <a:avLst/>
-            </a:prstGeom>
-          </p:spPr>
-        </p:pic>
-      </p:grpSp>
-      <p:sp>
-        <p:nvSpPr>
-          <p:cNvPr id="119" name="TextBox 118">
-            <a:extLst>
-              <a:ext uri="{FF2B5EF4-FFF2-40B4-BE49-F238E27FC236}">
-                <a16:creationId xmlns:a16="http://schemas.microsoft.com/office/drawing/2014/main" id="{F89F6402-8470-429E-8991-BC845C0C64E1}"/>
-              </a:ext>
-            </a:extLst>
-          </p:cNvPr>
-          <p:cNvSpPr txBox="1"/>
-          <p:nvPr/>
-        </p:nvSpPr>
-        <p:spPr>
-          <a:xfrm>
-            <a:off x="3096882" y="6438355"/>
-            <a:ext cx="713691" cy="307777"/>
-          </a:xfrm>
-          <a:prstGeom prst="rect">
-            <a:avLst/>
-          </a:prstGeom>
-          <a:noFill/>
-        </p:spPr>
-        <p:txBody>
-          <a:bodyPr wrap="square" rtlCol="0">
-            <a:spAutoFit/>
-          </a:bodyPr>
-          <a:lstStyle/>
-          <a:p>
-            <a:pPr algn="ctr"/>
-            <a:r>
-              <a:rPr lang="en-GB" sz="1400" dirty="0" err="1">
-                <a:latin typeface="Segoe UI Semilight" panose="020B0402040204020203" pitchFamily="34" charset="0"/>
-                <a:cs typeface="Segoe UI Semilight" panose="020B0402040204020203" pitchFamily="34" charset="0"/>
-              </a:rPr>
-              <a:t>VNet</a:t>
-            </a:r>
-            <a:endParaRPr lang="en-GB" sz="1400" dirty="0">
-              <a:latin typeface="Segoe UI Semilight" panose="020B0402040204020203" pitchFamily="34" charset="0"/>
-              <a:cs typeface="Segoe UI Semilight" panose="020B0402040204020203" pitchFamily="34" charset="0"/>
-            </a:endParaRPr>
-          </a:p>
-        </p:txBody>
-      </p:sp>
-      <p:sp>
-        <p:nvSpPr>
-          <p:cNvPr id="120" name="TextBox 119">
-            <a:extLst>
-              <a:ext uri="{FF2B5EF4-FFF2-40B4-BE49-F238E27FC236}">
-                <a16:creationId xmlns:a16="http://schemas.microsoft.com/office/drawing/2014/main" id="{E6C30A14-E90C-4B0D-9EC3-B6AC6ACA2283}"/>
-              </a:ext>
-            </a:extLst>
-          </p:cNvPr>
-          <p:cNvSpPr txBox="1"/>
-          <p:nvPr/>
-        </p:nvSpPr>
-        <p:spPr>
-          <a:xfrm>
-            <a:off x="2321644" y="1457817"/>
-            <a:ext cx="1811052" cy="307777"/>
-          </a:xfrm>
-          <a:prstGeom prst="rect">
-            <a:avLst/>
-          </a:prstGeom>
-          <a:noFill/>
-        </p:spPr>
-        <p:txBody>
-          <a:bodyPr wrap="square" rtlCol="0">
-            <a:spAutoFit/>
-          </a:bodyPr>
-          <a:lstStyle/>
-          <a:p>
-            <a:pPr algn="r"/>
-            <a:r>
-              <a:rPr lang="en-GB" sz="1400" dirty="0">
-                <a:solidFill>
-                  <a:srgbClr val="5B9BD5"/>
-                </a:solidFill>
-                <a:latin typeface="Segoe UI Black" panose="020B0A02040204020203" pitchFamily="34" charset="0"/>
-                <a:ea typeface="Segoe UI Black" panose="020B0A02040204020203" pitchFamily="34" charset="0"/>
-                <a:cs typeface="Segoe UI Semilight" panose="020B0402040204020203" pitchFamily="34" charset="0"/>
-              </a:rPr>
-              <a:t>Quote App</a:t>
-            </a:r>
-          </a:p>
-        </p:txBody>
-      </p:sp>
-      <p:cxnSp>
-        <p:nvCxnSpPr>
-          <p:cNvPr id="146" name="Straight Arrow Connector 145">
-            <a:extLst>
-              <a:ext uri="{FF2B5EF4-FFF2-40B4-BE49-F238E27FC236}">
-                <a16:creationId xmlns:a16="http://schemas.microsoft.com/office/drawing/2014/main" id="{85A04DDE-65A1-4664-BFA0-948BE7F2FD77}"/>
-              </a:ext>
-            </a:extLst>
-          </p:cNvPr>
-          <p:cNvCxnSpPr>
-            <a:stCxn id="8" idx="1"/>
-            <a:endCxn id="70" idx="0"/>
-          </p:cNvCxnSpPr>
-          <p:nvPr/>
-        </p:nvCxnSpPr>
-        <p:spPr>
-          <a:xfrm>
-            <a:off x="7948697" y="1250319"/>
-            <a:ext cx="6660" cy="888375"/>
-          </a:xfrm>
-          <a:prstGeom prst="straightConnector1">
-            <a:avLst/>
-          </a:prstGeom>
-          <a:ln w="38100">
-            <a:solidFill>
-              <a:srgbClr val="5B9BD5"/>
-            </a:solidFill>
-            <a:headEnd type="triangle"/>
-            <a:tailEnd type="triangle"/>
-          </a:ln>
-        </p:spPr>
-        <p:style>
-          <a:lnRef idx="1">
-            <a:schemeClr val="accent1"/>
-          </a:lnRef>
-          <a:fillRef idx="0">
-            <a:schemeClr val="accent1"/>
-          </a:fillRef>
-          <a:effectRef idx="0">
-            <a:schemeClr val="accent1"/>
-          </a:effectRef>
-          <a:fontRef idx="minor">
-            <a:schemeClr val="tx1"/>
-          </a:fontRef>
-        </p:style>
-      </p:cxnSp>
-      <p:cxnSp>
-        <p:nvCxnSpPr>
-          <p:cNvPr id="149" name="Connector: Elbow 148">
-            <a:extLst>
-              <a:ext uri="{FF2B5EF4-FFF2-40B4-BE49-F238E27FC236}">
-                <a16:creationId xmlns:a16="http://schemas.microsoft.com/office/drawing/2014/main" id="{C44271AA-3E57-4761-815E-BFE542E115A3}"/>
-              </a:ext>
-            </a:extLst>
-          </p:cNvPr>
-          <p:cNvCxnSpPr>
-            <a:stCxn id="121" idx="0"/>
-            <a:endCxn id="36" idx="1"/>
-          </p:cNvCxnSpPr>
-          <p:nvPr/>
-        </p:nvCxnSpPr>
-        <p:spPr>
-          <a:xfrm rot="16200000" flipH="1">
-            <a:off x="4257505" y="722897"/>
-            <a:ext cx="785226" cy="3452217"/>
-          </a:xfrm>
-          <a:prstGeom prst="bentConnector4">
-            <a:avLst>
-              <a:gd name="adj1" fmla="val -130881"/>
-              <a:gd name="adj2" fmla="val 56456"/>
-            </a:avLst>
-          </a:prstGeom>
-          <a:ln w="38100">
-            <a:solidFill>
-              <a:srgbClr val="92C426"/>
-            </a:solidFill>
-            <a:headEnd type="triangle"/>
-            <a:tailEnd type="triangle"/>
-          </a:ln>
-        </p:spPr>
-        <p:style>
-          <a:lnRef idx="1">
-            <a:schemeClr val="accent1"/>
-          </a:lnRef>
-          <a:fillRef idx="0">
-            <a:schemeClr val="accent1"/>
-          </a:fillRef>
-          <a:effectRef idx="0">
-            <a:schemeClr val="accent1"/>
-          </a:effectRef>
-          <a:fontRef idx="minor">
-            <a:schemeClr val="tx1"/>
-          </a:fontRef>
-        </p:style>
-      </p:cxnSp>
-      <p:cxnSp>
-        <p:nvCxnSpPr>
-          <p:cNvPr id="151" name="Connector: Elbow 150">
-            <a:extLst>
-              <a:ext uri="{FF2B5EF4-FFF2-40B4-BE49-F238E27FC236}">
-                <a16:creationId xmlns:a16="http://schemas.microsoft.com/office/drawing/2014/main" id="{54D863C8-E926-4ED7-844B-5A0FC94C1F00}"/>
-              </a:ext>
-            </a:extLst>
-          </p:cNvPr>
-          <p:cNvCxnSpPr>
-            <a:cxnSpLocks/>
-            <a:stCxn id="157" idx="0"/>
-            <a:endCxn id="36" idx="1"/>
-          </p:cNvCxnSpPr>
-          <p:nvPr/>
-        </p:nvCxnSpPr>
-        <p:spPr>
-          <a:xfrm rot="16200000" flipH="1">
-            <a:off x="3179986" y="-354622"/>
-            <a:ext cx="785226" cy="5607255"/>
-          </a:xfrm>
-          <a:prstGeom prst="bentConnector4">
-            <a:avLst>
-              <a:gd name="adj1" fmla="val -130881"/>
-              <a:gd name="adj2" fmla="val 73189"/>
-            </a:avLst>
-          </a:prstGeom>
-          <a:ln w="38100">
-            <a:solidFill>
-              <a:srgbClr val="92C426"/>
-            </a:solidFill>
-            <a:headEnd type="triangle"/>
-            <a:tailEnd type="triangle"/>
-          </a:ln>
-        </p:spPr>
-        <p:style>
-          <a:lnRef idx="1">
-            <a:schemeClr val="accent1"/>
-          </a:lnRef>
-          <a:fillRef idx="0">
-            <a:schemeClr val="accent1"/>
-          </a:fillRef>
-          <a:effectRef idx="0">
-            <a:schemeClr val="accent1"/>
-          </a:effectRef>
-          <a:fontRef idx="minor">
-            <a:schemeClr val="tx1"/>
-          </a:fontRef>
-        </p:style>
-      </p:cxnSp>
-      <p:sp>
-        <p:nvSpPr>
-          <p:cNvPr id="156" name="TextBox 155">
-            <a:extLst>
-              <a:ext uri="{FF2B5EF4-FFF2-40B4-BE49-F238E27FC236}">
-                <a16:creationId xmlns:a16="http://schemas.microsoft.com/office/drawing/2014/main" id="{2962CD03-6CAD-4F96-AA62-CDAC5669D815}"/>
-              </a:ext>
-            </a:extLst>
-          </p:cNvPr>
-          <p:cNvSpPr txBox="1"/>
-          <p:nvPr/>
-        </p:nvSpPr>
-        <p:spPr>
-          <a:xfrm>
-            <a:off x="768971" y="696746"/>
-            <a:ext cx="4105179" cy="307777"/>
-          </a:xfrm>
-          <a:prstGeom prst="rect">
-            <a:avLst/>
-          </a:prstGeom>
-          <a:noFill/>
-        </p:spPr>
-        <p:txBody>
-          <a:bodyPr wrap="square" rtlCol="0">
-            <a:spAutoFit/>
-          </a:bodyPr>
-          <a:lstStyle/>
-          <a:p>
-            <a:pPr algn="ctr"/>
-            <a:r>
-              <a:rPr lang="en-GB" sz="1400" dirty="0" err="1">
-                <a:latin typeface="Segoe UI Semilight" panose="020B0402040204020203" pitchFamily="34" charset="0"/>
-                <a:cs typeface="Segoe UI Semilight" panose="020B0402040204020203" pitchFamily="34" charset="0"/>
-              </a:rPr>
-              <a:t>VNet</a:t>
-            </a:r>
-            <a:r>
-              <a:rPr lang="en-GB" sz="1400" dirty="0">
-                <a:latin typeface="Segoe UI Semilight" panose="020B0402040204020203" pitchFamily="34" charset="0"/>
-                <a:cs typeface="Segoe UI Semilight" panose="020B0402040204020203" pitchFamily="34" charset="0"/>
-              </a:rPr>
-              <a:t> Peering</a:t>
-            </a:r>
-          </a:p>
-        </p:txBody>
-      </p:sp>
-      <p:sp>
-        <p:nvSpPr>
-          <p:cNvPr id="102" name="TextBox 101">
-            <a:extLst>
-              <a:ext uri="{FF2B5EF4-FFF2-40B4-BE49-F238E27FC236}">
-                <a16:creationId xmlns:a16="http://schemas.microsoft.com/office/drawing/2014/main" id="{700F54DD-A4F2-414F-A30A-231BB8D0E5F7}"/>
-              </a:ext>
-            </a:extLst>
-          </p:cNvPr>
-          <p:cNvSpPr txBox="1"/>
-          <p:nvPr/>
-        </p:nvSpPr>
-        <p:spPr>
-          <a:xfrm>
-            <a:off x="2438815" y="5899610"/>
-            <a:ext cx="1583470" cy="307777"/>
-          </a:xfrm>
-          <a:prstGeom prst="rect">
-            <a:avLst/>
-          </a:prstGeom>
-          <a:noFill/>
-        </p:spPr>
-        <p:txBody>
-          <a:bodyPr wrap="square" rtlCol="0">
-            <a:spAutoFit/>
-          </a:bodyPr>
-          <a:lstStyle/>
-          <a:p>
-            <a:pPr algn="ctr"/>
-            <a:r>
-              <a:rPr lang="en-GB" sz="1400" dirty="0">
-                <a:latin typeface="Segoe UI Semilight" panose="020B0402040204020203" pitchFamily="34" charset="0"/>
-                <a:cs typeface="Segoe UI Semilight" panose="020B0402040204020203" pitchFamily="34" charset="0"/>
-              </a:rPr>
-              <a:t>Workload subnet</a:t>
-            </a:r>
-          </a:p>
-        </p:txBody>
-      </p:sp>
-      <p:sp>
-        <p:nvSpPr>
-          <p:cNvPr id="103" name="TextBox 102">
-            <a:extLst>
-              <a:ext uri="{FF2B5EF4-FFF2-40B4-BE49-F238E27FC236}">
-                <a16:creationId xmlns:a16="http://schemas.microsoft.com/office/drawing/2014/main" id="{77E1A520-D423-4BDE-B602-9539ECF283E1}"/>
-              </a:ext>
-            </a:extLst>
-          </p:cNvPr>
-          <p:cNvSpPr txBox="1"/>
-          <p:nvPr/>
-        </p:nvSpPr>
-        <p:spPr>
-          <a:xfrm>
-            <a:off x="2438815" y="3302869"/>
-            <a:ext cx="1583470" cy="523220"/>
-          </a:xfrm>
-          <a:prstGeom prst="rect">
-            <a:avLst/>
-          </a:prstGeom>
-          <a:noFill/>
-        </p:spPr>
-        <p:txBody>
-          <a:bodyPr wrap="square" rtlCol="0">
-            <a:spAutoFit/>
-          </a:bodyPr>
-          <a:lstStyle/>
-          <a:p>
-            <a:pPr algn="ctr"/>
-            <a:r>
-              <a:rPr lang="en-GB" sz="1400" dirty="0">
-                <a:latin typeface="Segoe UI Semilight" panose="020B0402040204020203" pitchFamily="34" charset="0"/>
-                <a:cs typeface="Segoe UI Semilight" panose="020B0402040204020203" pitchFamily="34" charset="0"/>
-              </a:rPr>
-              <a:t>Management subnet</a:t>
-            </a:r>
-          </a:p>
-        </p:txBody>
-      </p:sp>
-      <p:sp>
-        <p:nvSpPr>
-          <p:cNvPr id="105" name="Rectangle 104">
-            <a:extLst>
-              <a:ext uri="{FF2B5EF4-FFF2-40B4-BE49-F238E27FC236}">
-                <a16:creationId xmlns:a16="http://schemas.microsoft.com/office/drawing/2014/main" id="{E68017FE-125C-4871-8796-216D2BD3895C}"/>
-              </a:ext>
-            </a:extLst>
-          </p:cNvPr>
-          <p:cNvSpPr/>
-          <p:nvPr/>
-        </p:nvSpPr>
-        <p:spPr>
-          <a:xfrm>
-            <a:off x="292425" y="4046417"/>
-            <a:ext cx="1574822" cy="1888048"/>
-          </a:xfrm>
-          <a:prstGeom prst="rect">
-            <a:avLst/>
-          </a:prstGeom>
-          <a:solidFill>
-            <a:schemeClr val="bg1">
-              <a:lumMod val="85000"/>
-            </a:schemeClr>
-          </a:solidFill>
-          <a:ln>
-            <a:solidFill>
-              <a:schemeClr val="bg1">
-                <a:lumMod val="75000"/>
-              </a:schemeClr>
-            </a:solidFill>
-          </a:ln>
-        </p:spPr>
-        <p:style>
-          <a:lnRef idx="2">
-            <a:schemeClr val="accent3">
-              <a:shade val="50000"/>
-            </a:schemeClr>
-          </a:lnRef>
-          <a:fillRef idx="1">
-            <a:schemeClr val="accent3"/>
-          </a:fillRef>
-          <a:effectRef idx="0">
-            <a:schemeClr val="accent3"/>
-          </a:effectRef>
-          <a:fontRef idx="minor">
-            <a:schemeClr val="lt1"/>
-          </a:fontRef>
-        </p:style>
-        <p:txBody>
-          <a:bodyPr rtlCol="0" anchor="ctr"/>
-          <a:lstStyle/>
-          <a:p>
-            <a:pPr algn="ctr"/>
-            <a:endParaRPr lang="en-GB"/>
-          </a:p>
-        </p:txBody>
-      </p:sp>
-      <p:grpSp>
-        <p:nvGrpSpPr>
-          <p:cNvPr id="106" name="Group 105">
-            <a:extLst>
-              <a:ext uri="{FF2B5EF4-FFF2-40B4-BE49-F238E27FC236}">
-                <a16:creationId xmlns:a16="http://schemas.microsoft.com/office/drawing/2014/main" id="{1B0B8231-A1D5-43E6-9E5A-20640F17C7EF}"/>
-              </a:ext>
-            </a:extLst>
-          </p:cNvPr>
-          <p:cNvGrpSpPr/>
-          <p:nvPr/>
-        </p:nvGrpSpPr>
-        <p:grpSpPr>
-          <a:xfrm>
-            <a:off x="1102144" y="1968313"/>
-            <a:ext cx="816458" cy="816458"/>
-            <a:chOff x="3828158" y="4585427"/>
-            <a:chExt cx="816458" cy="816458"/>
-          </a:xfrm>
-        </p:grpSpPr>
-        <p:pic>
-          <p:nvPicPr>
-            <p:cNvPr id="107" name="Graphic 106" descr="Lock">
-              <a:extLst>
-                <a:ext uri="{FF2B5EF4-FFF2-40B4-BE49-F238E27FC236}">
-                  <a16:creationId xmlns:a16="http://schemas.microsoft.com/office/drawing/2014/main" id="{FCC5FD8E-F780-4433-B86D-792309806594}"/>
-                </a:ext>
-              </a:extLst>
-            </p:cNvPr>
-            <p:cNvPicPr>
-              <a:picLocks noChangeAspect="1"/>
-            </p:cNvPicPr>
-            <p:nvPr/>
-          </p:nvPicPr>
-          <p:blipFill>
-            <a:blip r:embed="rId12">
-              <a:extLst>
-                <a:ext uri="{28A0092B-C50C-407E-A947-70E740481C1C}">
-                  <a14:useLocalDpi xmlns:a14="http://schemas.microsoft.com/office/drawing/2010/main" val="0"/>
-                </a:ext>
-                <a:ext uri="{96DAC541-7B7A-43D3-8B79-37D633B846F1}">
-                  <asvg:svgBlip xmlns:asvg="http://schemas.microsoft.com/office/drawing/2016/SVG/main" r:embed="rId13"/>
-                </a:ext>
-              </a:extLst>
-            </a:blip>
-            <a:stretch>
-              <a:fillRect/>
-            </a:stretch>
-          </p:blipFill>
-          <p:spPr>
-            <a:xfrm>
-              <a:off x="3828158" y="4585427"/>
-              <a:ext cx="816458" cy="816458"/>
-            </a:xfrm>
-            <a:prstGeom prst="rect">
-              <a:avLst/>
-            </a:prstGeom>
-          </p:spPr>
-        </p:pic>
         <p:sp>
           <p:nvSpPr>
-            <p:cNvPr id="108" name="TextBox 107">
+            <p:cNvPr id="180" name="Rectangle 179">
               <a:extLst>
                 <a:ext uri="{FF2B5EF4-FFF2-40B4-BE49-F238E27FC236}">
-                  <a16:creationId xmlns:a16="http://schemas.microsoft.com/office/drawing/2014/main" id="{7E0F6DC3-45FA-404E-9FE8-835635B8B719}"/>
+                  <a16:creationId xmlns:a16="http://schemas.microsoft.com/office/drawing/2014/main" id="{57C37620-E115-404C-B6E0-4C3F28CC987B}"/>
                 </a:ext>
               </a:extLst>
             </p:cNvPr>
-            <p:cNvSpPr txBox="1"/>
+            <p:cNvSpPr/>
             <p:nvPr/>
           </p:nvSpPr>
           <p:spPr>
-            <a:xfrm>
-              <a:off x="4028732" y="5010165"/>
-              <a:ext cx="371748" cy="215444"/>
+            <a:xfrm rot="3630878">
+              <a:off x="1350504" y="4230964"/>
+              <a:ext cx="263042" cy="263240"/>
             </a:xfrm>
             <a:prstGeom prst="rect">
               <a:avLst/>
             </a:prstGeom>
             <a:solidFill>
-              <a:srgbClr val="5B9BD5"/>
+              <a:schemeClr val="bg1"/>
             </a:solidFill>
+            <a:ln>
+              <a:noFill/>
+            </a:ln>
           </p:spPr>
+          <p:style>
+            <a:lnRef idx="2">
+              <a:schemeClr val="accent1">
+                <a:shade val="50000"/>
+              </a:schemeClr>
+            </a:lnRef>
+            <a:fillRef idx="1">
+              <a:schemeClr val="accent1"/>
+            </a:fillRef>
+            <a:effectRef idx="0">
+              <a:schemeClr val="accent1"/>
+            </a:effectRef>
+            <a:fontRef idx="minor">
+              <a:schemeClr val="lt1"/>
+            </a:fontRef>
+          </p:style>
           <p:txBody>
-            <a:bodyPr wrap="square" lIns="0" tIns="0" rIns="0" bIns="0" rtlCol="0">
-              <a:spAutoFit/>
-            </a:bodyPr>
+            <a:bodyPr rtlCol="0" anchor="ctr"/>
             <a:lstStyle/>
             <a:p>
               <a:pPr algn="ctr"/>
-              <a:r>
-                <a:rPr lang="en-GB" sz="1400" b="1" dirty="0">
-                  <a:solidFill>
-                    <a:schemeClr val="bg1"/>
-                  </a:solidFill>
-                  <a:latin typeface="Segoe UI Semilight" panose="020B0402040204020203" pitchFamily="34" charset="0"/>
-                  <a:cs typeface="Segoe UI Semilight" panose="020B0402040204020203" pitchFamily="34" charset="0"/>
-                </a:rPr>
-                <a:t>NSG</a:t>
-              </a:r>
+              <a:endParaRPr lang="en-GB"/>
             </a:p>
           </p:txBody>
         </p:sp>
-      </p:grpSp>
-      <p:grpSp>
-        <p:nvGrpSpPr>
-          <p:cNvPr id="147" name="Group 146">
-            <a:extLst>
-              <a:ext uri="{FF2B5EF4-FFF2-40B4-BE49-F238E27FC236}">
-                <a16:creationId xmlns:a16="http://schemas.microsoft.com/office/drawing/2014/main" id="{C187623A-2FE3-43E0-956E-6F6FB7587F94}"/>
-              </a:ext>
-            </a:extLst>
-          </p:cNvPr>
-          <p:cNvGrpSpPr/>
-          <p:nvPr/>
-        </p:nvGrpSpPr>
-        <p:grpSpPr>
-          <a:xfrm>
-            <a:off x="594118" y="4985624"/>
-            <a:ext cx="1016052" cy="984356"/>
-            <a:chOff x="1592994" y="5295937"/>
-            <a:chExt cx="1016052" cy="984356"/>
-          </a:xfrm>
-        </p:grpSpPr>
+        <p:sp>
+          <p:nvSpPr>
+            <p:cNvPr id="181" name="Rectangle 180">
+              <a:extLst>
+                <a:ext uri="{FF2B5EF4-FFF2-40B4-BE49-F238E27FC236}">
+                  <a16:creationId xmlns:a16="http://schemas.microsoft.com/office/drawing/2014/main" id="{4087DFB7-3B47-41A7-BD25-5300F3C087D6}"/>
+                </a:ext>
+              </a:extLst>
+            </p:cNvPr>
+            <p:cNvSpPr/>
+            <p:nvPr/>
+          </p:nvSpPr>
+          <p:spPr>
+            <a:xfrm rot="3630878">
+              <a:off x="579610" y="4230964"/>
+              <a:ext cx="263042" cy="263240"/>
+            </a:xfrm>
+            <a:prstGeom prst="rect">
+              <a:avLst/>
+            </a:prstGeom>
+            <a:solidFill>
+              <a:schemeClr val="bg1"/>
+            </a:solidFill>
+            <a:ln>
+              <a:noFill/>
+            </a:ln>
+          </p:spPr>
+          <p:style>
+            <a:lnRef idx="2">
+              <a:schemeClr val="accent1">
+                <a:shade val="50000"/>
+              </a:schemeClr>
+            </a:lnRef>
+            <a:fillRef idx="1">
+              <a:schemeClr val="accent1"/>
+            </a:fillRef>
+            <a:effectRef idx="0">
+              <a:schemeClr val="accent1"/>
+            </a:effectRef>
+            <a:fontRef idx="minor">
+              <a:schemeClr val="lt1"/>
+            </a:fontRef>
+          </p:style>
+          <p:txBody>
+            <a:bodyPr rtlCol="0" anchor="ctr"/>
+            <a:lstStyle/>
+            <a:p>
+              <a:pPr algn="ctr"/>
+              <a:endParaRPr lang="en-GB"/>
+            </a:p>
+          </p:txBody>
+        </p:sp>
         <p:grpSp>
           <p:nvGrpSpPr>
-            <p:cNvPr id="148" name="Group 147">
+            <p:cNvPr id="113" name="Group 112">
               <a:extLst>
                 <a:ext uri="{FF2B5EF4-FFF2-40B4-BE49-F238E27FC236}">
-                  <a16:creationId xmlns:a16="http://schemas.microsoft.com/office/drawing/2014/main" id="{457CBAB3-ED62-4315-AE23-4FC7CD6DA4B2}"/>
+                  <a16:creationId xmlns:a16="http://schemas.microsoft.com/office/drawing/2014/main" id="{DD28F5AB-BA71-4706-9AAD-02B0911606B6}"/>
                 </a:ext>
               </a:extLst>
             </p:cNvPr>
@@ -7794,18 +8731,18 @@
           </p:nvGrpSpPr>
           <p:grpSpPr>
             <a:xfrm>
-              <a:off x="1674715" y="5295937"/>
-              <a:ext cx="818403" cy="749822"/>
-              <a:chOff x="6908241" y="4869690"/>
-              <a:chExt cx="1136708" cy="1041454"/>
+              <a:off x="2348638" y="4078809"/>
+              <a:ext cx="1016052" cy="984582"/>
+              <a:chOff x="568313" y="4311129"/>
+              <a:chExt cx="1016052" cy="984582"/>
             </a:xfrm>
           </p:grpSpPr>
           <p:pic>
             <p:nvPicPr>
-              <p:cNvPr id="152" name="Picture 151">
+              <p:cNvPr id="132" name="Picture 131">
                 <a:extLst>
                   <a:ext uri="{FF2B5EF4-FFF2-40B4-BE49-F238E27FC236}">
-                    <a16:creationId xmlns:a16="http://schemas.microsoft.com/office/drawing/2014/main" id="{B88364AB-EC67-499D-BAA0-050CD0201518}"/>
+                    <a16:creationId xmlns:a16="http://schemas.microsoft.com/office/drawing/2014/main" id="{9DD9B193-0DFE-4515-91F3-D15B26A219A6}"/>
                   </a:ext>
                 </a:extLst>
               </p:cNvPr>
@@ -7833,8 +8770,8 @@
             </p:blipFill>
             <p:spPr>
               <a:xfrm>
-                <a:off x="6908241" y="4869690"/>
-                <a:ext cx="1136708" cy="1041454"/>
+                <a:off x="667138" y="4311129"/>
+                <a:ext cx="818403" cy="749822"/>
               </a:xfrm>
               <a:prstGeom prst="rect">
                 <a:avLst/>
@@ -7843,62 +8780,70 @@
           </p:pic>
           <p:sp>
             <p:nvSpPr>
-              <p:cNvPr id="153" name="Rectangle 152">
+              <p:cNvPr id="133" name="TextBox 132">
                 <a:extLst>
                   <a:ext uri="{FF2B5EF4-FFF2-40B4-BE49-F238E27FC236}">
-                    <a16:creationId xmlns:a16="http://schemas.microsoft.com/office/drawing/2014/main" id="{B076C0F6-0E33-4B30-BB1E-AF0C58EFCE97}"/>
+                    <a16:creationId xmlns:a16="http://schemas.microsoft.com/office/drawing/2014/main" id="{9DBD75A6-6489-4E7B-A8E7-A9C03EE90CC2}"/>
                   </a:ext>
                 </a:extLst>
               </p:cNvPr>
-              <p:cNvSpPr/>
+              <p:cNvSpPr txBox="1"/>
               <p:nvPr/>
             </p:nvSpPr>
             <p:spPr>
               <a:xfrm>
-                <a:off x="7207250" y="5060951"/>
-                <a:ext cx="562070" cy="482600"/>
+                <a:off x="568313" y="4987934"/>
+                <a:ext cx="1016052" cy="307777"/>
               </a:xfrm>
               <a:prstGeom prst="rect">
                 <a:avLst/>
               </a:prstGeom>
-              <a:solidFill>
-                <a:srgbClr val="59B4D9"/>
-              </a:solidFill>
-              <a:ln>
-                <a:noFill/>
-              </a:ln>
+              <a:noFill/>
             </p:spPr>
-            <p:style>
-              <a:lnRef idx="2">
-                <a:schemeClr val="accent1">
-                  <a:shade val="50000"/>
-                </a:schemeClr>
-              </a:lnRef>
-              <a:fillRef idx="1">
-                <a:schemeClr val="accent1"/>
-              </a:fillRef>
-              <a:effectRef idx="0">
-                <a:schemeClr val="accent1"/>
-              </a:effectRef>
-              <a:fontRef idx="minor">
-                <a:schemeClr val="lt1"/>
-              </a:fontRef>
-            </p:style>
             <p:txBody>
-              <a:bodyPr rtlCol="0" anchor="ctr"/>
+              <a:bodyPr wrap="square" rtlCol="0">
+                <a:spAutoFit/>
+              </a:bodyPr>
               <a:lstStyle/>
               <a:p>
                 <a:pPr algn="ctr"/>
-                <a:endParaRPr lang="en-GB"/>
+                <a:r>
+                  <a:rPr lang="en-GB" sz="1400" dirty="0">
+                    <a:latin typeface="Segoe UI Semilight" panose="020B0402040204020203" pitchFamily="34" charset="0"/>
+                    <a:cs typeface="Segoe UI Semilight" panose="020B0402040204020203" pitchFamily="34" charset="0"/>
+                  </a:rPr>
+                  <a:t>IIS</a:t>
+                </a:r>
               </a:p>
             </p:txBody>
           </p:sp>
+        </p:grpSp>
+        <p:grpSp>
+          <p:nvGrpSpPr>
+            <p:cNvPr id="114" name="Group 113">
+              <a:extLst>
+                <a:ext uri="{FF2B5EF4-FFF2-40B4-BE49-F238E27FC236}">
+                  <a16:creationId xmlns:a16="http://schemas.microsoft.com/office/drawing/2014/main" id="{FE3F3D5B-B6CE-4B16-A2F9-2BAC65D7CA6E}"/>
+                </a:ext>
+              </a:extLst>
+            </p:cNvPr>
+            <p:cNvGrpSpPr/>
+            <p:nvPr/>
+          </p:nvGrpSpPr>
+          <p:grpSpPr>
+            <a:xfrm>
+              <a:off x="3117968" y="4078809"/>
+              <a:ext cx="1016052" cy="984582"/>
+              <a:chOff x="1592994" y="4311129"/>
+              <a:chExt cx="1016052" cy="984582"/>
+            </a:xfrm>
+          </p:grpSpPr>
           <p:pic>
             <p:nvPicPr>
-              <p:cNvPr id="154" name="Graphic 153" descr="Database">
+              <p:cNvPr id="130" name="Picture 129">
                 <a:extLst>
                   <a:ext uri="{FF2B5EF4-FFF2-40B4-BE49-F238E27FC236}">
-                    <a16:creationId xmlns:a16="http://schemas.microsoft.com/office/drawing/2014/main" id="{58753FB2-5A44-42C9-9B2F-6B311D2AF5DD}"/>
+                    <a16:creationId xmlns:a16="http://schemas.microsoft.com/office/drawing/2014/main" id="{CC693226-0B9C-47AF-A4D4-C6BBBE089F02}"/>
                   </a:ext>
                 </a:extLst>
               </p:cNvPr>
@@ -7908,15 +8853,17 @@
               <p:nvPr/>
             </p:nvPicPr>
             <p:blipFill>
-              <a:blip r:embed="rId15">
-                <a:extLst>
-                  <a:ext uri="{28A0092B-C50C-407E-A947-70E740481C1C}">
-                    <a14:useLocalDpi xmlns:a14="http://schemas.microsoft.com/office/drawing/2010/main" val="0"/>
-                  </a:ext>
-                  <a:ext uri="{96DAC541-7B7A-43D3-8B79-37D633B846F1}">
-                    <asvg:svgBlip xmlns:asvg="http://schemas.microsoft.com/office/drawing/2016/SVG/main" r:embed="rId16"/>
-                  </a:ext>
-                </a:extLst>
+              <a:blip r:embed="rId14">
+                <a:clrChange>
+                  <a:clrFrom>
+                    <a:srgbClr val="FFFFFF"/>
+                  </a:clrFrom>
+                  <a:clrTo>
+                    <a:srgbClr val="FFFFFF">
+                      <a:alpha val="0"/>
+                    </a:srgbClr>
+                  </a:clrTo>
+                </a:clrChange>
               </a:blip>
               <a:stretch>
                 <a:fillRect/>
@@ -7924,21 +8871,353 @@
             </p:blipFill>
             <p:spPr>
               <a:xfrm>
-                <a:off x="7230111" y="5041901"/>
-                <a:ext cx="530474" cy="530474"/>
+                <a:off x="1688942" y="4311129"/>
+                <a:ext cx="818403" cy="749822"/>
               </a:xfrm>
               <a:prstGeom prst="rect">
                 <a:avLst/>
               </a:prstGeom>
             </p:spPr>
           </p:pic>
+          <p:sp>
+            <p:nvSpPr>
+              <p:cNvPr id="131" name="TextBox 130">
+                <a:extLst>
+                  <a:ext uri="{FF2B5EF4-FFF2-40B4-BE49-F238E27FC236}">
+                    <a16:creationId xmlns:a16="http://schemas.microsoft.com/office/drawing/2014/main" id="{F8591797-75CD-4227-AFB1-FE307829214A}"/>
+                  </a:ext>
+                </a:extLst>
+              </p:cNvPr>
+              <p:cNvSpPr txBox="1"/>
+              <p:nvPr/>
+            </p:nvSpPr>
+            <p:spPr>
+              <a:xfrm>
+                <a:off x="1592994" y="4987934"/>
+                <a:ext cx="1016052" cy="307777"/>
+              </a:xfrm>
+              <a:prstGeom prst="rect">
+                <a:avLst/>
+              </a:prstGeom>
+              <a:noFill/>
+            </p:spPr>
+            <p:txBody>
+              <a:bodyPr wrap="square" rtlCol="0">
+                <a:spAutoFit/>
+              </a:bodyPr>
+              <a:lstStyle/>
+              <a:p>
+                <a:pPr algn="ctr"/>
+                <a:r>
+                  <a:rPr lang="en-GB" sz="1400" dirty="0">
+                    <a:latin typeface="Segoe UI Semilight" panose="020B0402040204020203" pitchFamily="34" charset="0"/>
+                    <a:cs typeface="Segoe UI Semilight" panose="020B0402040204020203" pitchFamily="34" charset="0"/>
+                  </a:rPr>
+                  <a:t>IIS</a:t>
+                </a:r>
+              </a:p>
+            </p:txBody>
+          </p:sp>
         </p:grpSp>
+        <p:grpSp>
+          <p:nvGrpSpPr>
+            <p:cNvPr id="138" name="Group 137">
+              <a:extLst>
+                <a:ext uri="{FF2B5EF4-FFF2-40B4-BE49-F238E27FC236}">
+                  <a16:creationId xmlns:a16="http://schemas.microsoft.com/office/drawing/2014/main" id="{F00568CE-1584-4DB9-ABF8-5AFF21AE2708}"/>
+                </a:ext>
+              </a:extLst>
+            </p:cNvPr>
+            <p:cNvGrpSpPr/>
+            <p:nvPr/>
+          </p:nvGrpSpPr>
+          <p:grpSpPr>
+            <a:xfrm>
+              <a:off x="193600" y="4078809"/>
+              <a:ext cx="1016052" cy="984582"/>
+              <a:chOff x="568313" y="4311129"/>
+              <a:chExt cx="1016052" cy="984582"/>
+            </a:xfrm>
+          </p:grpSpPr>
+          <p:pic>
+            <p:nvPicPr>
+              <p:cNvPr id="139" name="Picture 138">
+                <a:extLst>
+                  <a:ext uri="{FF2B5EF4-FFF2-40B4-BE49-F238E27FC236}">
+                    <a16:creationId xmlns:a16="http://schemas.microsoft.com/office/drawing/2014/main" id="{642EB26B-92C3-4A63-BF4E-721DEE1323E1}"/>
+                  </a:ext>
+                </a:extLst>
+              </p:cNvPr>
+              <p:cNvPicPr>
+                <a:picLocks noChangeAspect="1"/>
+              </p:cNvPicPr>
+              <p:nvPr/>
+            </p:nvPicPr>
+            <p:blipFill>
+              <a:blip r:embed="rId14">
+                <a:clrChange>
+                  <a:clrFrom>
+                    <a:srgbClr val="FFFFFF"/>
+                  </a:clrFrom>
+                  <a:clrTo>
+                    <a:srgbClr val="FFFFFF">
+                      <a:alpha val="0"/>
+                    </a:srgbClr>
+                  </a:clrTo>
+                </a:clrChange>
+              </a:blip>
+              <a:stretch>
+                <a:fillRect/>
+              </a:stretch>
+            </p:blipFill>
+            <p:spPr>
+              <a:xfrm>
+                <a:off x="667138" y="4311129"/>
+                <a:ext cx="818403" cy="749822"/>
+              </a:xfrm>
+              <a:prstGeom prst="rect">
+                <a:avLst/>
+              </a:prstGeom>
+            </p:spPr>
+          </p:pic>
+          <p:sp>
+            <p:nvSpPr>
+              <p:cNvPr id="141" name="TextBox 140">
+                <a:extLst>
+                  <a:ext uri="{FF2B5EF4-FFF2-40B4-BE49-F238E27FC236}">
+                    <a16:creationId xmlns:a16="http://schemas.microsoft.com/office/drawing/2014/main" id="{E141BD17-4FE5-4EF7-A251-204D9E67E8DC}"/>
+                  </a:ext>
+                </a:extLst>
+              </p:cNvPr>
+              <p:cNvSpPr txBox="1"/>
+              <p:nvPr/>
+            </p:nvSpPr>
+            <p:spPr>
+              <a:xfrm>
+                <a:off x="568313" y="4987934"/>
+                <a:ext cx="1016052" cy="307777"/>
+              </a:xfrm>
+              <a:prstGeom prst="rect">
+                <a:avLst/>
+              </a:prstGeom>
+              <a:noFill/>
+            </p:spPr>
+            <p:txBody>
+              <a:bodyPr wrap="square" rtlCol="0">
+                <a:spAutoFit/>
+              </a:bodyPr>
+              <a:lstStyle/>
+              <a:p>
+                <a:pPr algn="ctr"/>
+                <a:r>
+                  <a:rPr lang="en-GB" sz="1400" dirty="0">
+                    <a:latin typeface="Segoe UI Semilight" panose="020B0402040204020203" pitchFamily="34" charset="0"/>
+                    <a:cs typeface="Segoe UI Semilight" panose="020B0402040204020203" pitchFamily="34" charset="0"/>
+                  </a:rPr>
+                  <a:t>IIS</a:t>
+                </a:r>
+              </a:p>
+            </p:txBody>
+          </p:sp>
+        </p:grpSp>
+        <p:grpSp>
+          <p:nvGrpSpPr>
+            <p:cNvPr id="143" name="Group 142">
+              <a:extLst>
+                <a:ext uri="{FF2B5EF4-FFF2-40B4-BE49-F238E27FC236}">
+                  <a16:creationId xmlns:a16="http://schemas.microsoft.com/office/drawing/2014/main" id="{00F3F700-CC04-416C-9E8B-36322A8C99C6}"/>
+                </a:ext>
+              </a:extLst>
+            </p:cNvPr>
+            <p:cNvGrpSpPr/>
+            <p:nvPr/>
+          </p:nvGrpSpPr>
+          <p:grpSpPr>
+            <a:xfrm>
+              <a:off x="962930" y="4078809"/>
+              <a:ext cx="1016052" cy="984582"/>
+              <a:chOff x="1592994" y="4311129"/>
+              <a:chExt cx="1016052" cy="984582"/>
+            </a:xfrm>
+          </p:grpSpPr>
+          <p:pic>
+            <p:nvPicPr>
+              <p:cNvPr id="144" name="Picture 143">
+                <a:extLst>
+                  <a:ext uri="{FF2B5EF4-FFF2-40B4-BE49-F238E27FC236}">
+                    <a16:creationId xmlns:a16="http://schemas.microsoft.com/office/drawing/2014/main" id="{8296FB24-A4C5-4671-99A6-DBF3F31EAA55}"/>
+                  </a:ext>
+                </a:extLst>
+              </p:cNvPr>
+              <p:cNvPicPr>
+                <a:picLocks noChangeAspect="1"/>
+              </p:cNvPicPr>
+              <p:nvPr/>
+            </p:nvPicPr>
+            <p:blipFill>
+              <a:blip r:embed="rId14">
+                <a:clrChange>
+                  <a:clrFrom>
+                    <a:srgbClr val="FFFFFF"/>
+                  </a:clrFrom>
+                  <a:clrTo>
+                    <a:srgbClr val="FFFFFF">
+                      <a:alpha val="0"/>
+                    </a:srgbClr>
+                  </a:clrTo>
+                </a:clrChange>
+              </a:blip>
+              <a:stretch>
+                <a:fillRect/>
+              </a:stretch>
+            </p:blipFill>
+            <p:spPr>
+              <a:xfrm>
+                <a:off x="1688942" y="4311129"/>
+                <a:ext cx="818403" cy="749822"/>
+              </a:xfrm>
+              <a:prstGeom prst="rect">
+                <a:avLst/>
+              </a:prstGeom>
+            </p:spPr>
+          </p:pic>
+          <p:sp>
+            <p:nvSpPr>
+              <p:cNvPr id="145" name="TextBox 144">
+                <a:extLst>
+                  <a:ext uri="{FF2B5EF4-FFF2-40B4-BE49-F238E27FC236}">
+                    <a16:creationId xmlns:a16="http://schemas.microsoft.com/office/drawing/2014/main" id="{191A1967-FAE2-4BAD-9E80-102962FBD6C1}"/>
+                  </a:ext>
+                </a:extLst>
+              </p:cNvPr>
+              <p:cNvSpPr txBox="1"/>
+              <p:nvPr/>
+            </p:nvSpPr>
+            <p:spPr>
+              <a:xfrm>
+                <a:off x="1592994" y="4987934"/>
+                <a:ext cx="1016052" cy="307777"/>
+              </a:xfrm>
+              <a:prstGeom prst="rect">
+                <a:avLst/>
+              </a:prstGeom>
+              <a:noFill/>
+            </p:spPr>
+            <p:txBody>
+              <a:bodyPr wrap="square" rtlCol="0">
+                <a:spAutoFit/>
+              </a:bodyPr>
+              <a:lstStyle/>
+              <a:p>
+                <a:pPr algn="ctr"/>
+                <a:r>
+                  <a:rPr lang="en-GB" sz="1400" dirty="0">
+                    <a:latin typeface="Segoe UI Semilight" panose="020B0402040204020203" pitchFamily="34" charset="0"/>
+                    <a:cs typeface="Segoe UI Semilight" panose="020B0402040204020203" pitchFamily="34" charset="0"/>
+                  </a:rPr>
+                  <a:t>IIS</a:t>
+                </a:r>
+              </a:p>
+            </p:txBody>
+          </p:sp>
+        </p:grpSp>
+        <p:pic>
+          <p:nvPicPr>
+            <p:cNvPr id="39" name="Graphic 38" descr="User">
+              <a:extLst>
+                <a:ext uri="{FF2B5EF4-FFF2-40B4-BE49-F238E27FC236}">
+                  <a16:creationId xmlns:a16="http://schemas.microsoft.com/office/drawing/2014/main" id="{5F45B7F3-0431-44EC-A023-21B9648EC391}"/>
+                </a:ext>
+              </a:extLst>
+            </p:cNvPr>
+            <p:cNvPicPr>
+              <a:picLocks noChangeAspect="1"/>
+            </p:cNvPicPr>
+            <p:nvPr/>
+          </p:nvPicPr>
+          <p:blipFill>
+            <a:blip r:embed="rId19">
+              <a:extLst>
+                <a:ext uri="{28A0092B-C50C-407E-A947-70E740481C1C}">
+                  <a14:useLocalDpi xmlns:a14="http://schemas.microsoft.com/office/drawing/2010/main" val="0"/>
+                </a:ext>
+                <a:ext uri="{96DAC541-7B7A-43D3-8B79-37D633B846F1}">
+                  <asvg:svgBlip xmlns:asvg="http://schemas.microsoft.com/office/drawing/2016/SVG/main" r:embed="rId20"/>
+                </a:ext>
+              </a:extLst>
+            </a:blip>
+            <a:stretch>
+              <a:fillRect/>
+            </a:stretch>
+          </p:blipFill>
+          <p:spPr>
+            <a:xfrm>
+              <a:off x="5399935" y="166133"/>
+              <a:ext cx="914400" cy="914400"/>
+            </a:xfrm>
+            <a:prstGeom prst="rect">
+              <a:avLst/>
+            </a:prstGeom>
+          </p:spPr>
+        </p:pic>
         <p:sp>
           <p:nvSpPr>
-            <p:cNvPr id="150" name="TextBox 149">
+            <p:cNvPr id="42" name="Arrow: Left-Right 41">
               <a:extLst>
                 <a:ext uri="{FF2B5EF4-FFF2-40B4-BE49-F238E27FC236}">
-                  <a16:creationId xmlns:a16="http://schemas.microsoft.com/office/drawing/2014/main" id="{9A3C68F4-F24D-4738-B526-AC5F37E5A4EE}"/>
+                  <a16:creationId xmlns:a16="http://schemas.microsoft.com/office/drawing/2014/main" id="{2540A1C4-930D-4C24-874E-842A771907F1}"/>
+                </a:ext>
+              </a:extLst>
+            </p:cNvPr>
+            <p:cNvSpPr/>
+            <p:nvPr/>
+          </p:nvSpPr>
+          <p:spPr>
+            <a:xfrm>
+              <a:off x="6143640" y="545355"/>
+              <a:ext cx="793873" cy="136789"/>
+            </a:xfrm>
+            <a:prstGeom prst="leftRightArrow">
+              <a:avLst/>
+            </a:prstGeom>
+            <a:solidFill>
+              <a:srgbClr val="77C5E6"/>
+            </a:solidFill>
+            <a:ln>
+              <a:noFill/>
+            </a:ln>
+          </p:spPr>
+          <p:style>
+            <a:lnRef idx="2">
+              <a:schemeClr val="accent1">
+                <a:shade val="50000"/>
+              </a:schemeClr>
+            </a:lnRef>
+            <a:fillRef idx="1">
+              <a:schemeClr val="accent1"/>
+            </a:fillRef>
+            <a:effectRef idx="0">
+              <a:schemeClr val="accent1"/>
+            </a:effectRef>
+            <a:fontRef idx="minor">
+              <a:schemeClr val="lt1"/>
+            </a:fontRef>
+          </p:style>
+          <p:txBody>
+            <a:bodyPr rtlCol="0" anchor="ctr"/>
+            <a:lstStyle/>
+            <a:p>
+              <a:pPr algn="ctr"/>
+              <a:endParaRPr lang="en-GB"/>
+            </a:p>
+          </p:txBody>
+        </p:sp>
+        <p:sp>
+          <p:nvSpPr>
+            <p:cNvPr id="182" name="TextBox 181">
+              <a:extLst>
+                <a:ext uri="{FF2B5EF4-FFF2-40B4-BE49-F238E27FC236}">
+                  <a16:creationId xmlns:a16="http://schemas.microsoft.com/office/drawing/2014/main" id="{518CC5D5-AE02-4689-ABFF-E3C815C614C3}"/>
                 </a:ext>
               </a:extLst>
             </p:cNvPr>
@@ -7947,8 +9226,8 @@
           </p:nvSpPr>
           <p:spPr>
             <a:xfrm>
-              <a:off x="1592994" y="5972516"/>
-              <a:ext cx="1016052" cy="307777"/>
+              <a:off x="5286927" y="885702"/>
+              <a:ext cx="1140416" cy="307777"/>
             </a:xfrm>
             <a:prstGeom prst="rect">
               <a:avLst/>
@@ -7964,1277 +9243,19 @@
               <a:pPr algn="ctr"/>
               <a:r>
                 <a:rPr lang="en-GB" sz="1400" dirty="0">
-                  <a:latin typeface="Segoe UI Semilight" panose="020B0402040204020203" pitchFamily="34" charset="0"/>
+                  <a:solidFill>
+                    <a:srgbClr val="77C5E6"/>
+                  </a:solidFill>
+                  <a:latin typeface="Segoe UI Black" panose="020B0A02040204020203" pitchFamily="34" charset="0"/>
+                  <a:ea typeface="Segoe UI Black" panose="020B0A02040204020203" pitchFamily="34" charset="0"/>
                   <a:cs typeface="Segoe UI Semilight" panose="020B0402040204020203" pitchFamily="34" charset="0"/>
                 </a:rPr>
-                <a:t>DB</a:t>
+                <a:t>Customers</a:t>
               </a:r>
             </a:p>
           </p:txBody>
         </p:sp>
       </p:grpSp>
-      <p:sp>
-        <p:nvSpPr>
-          <p:cNvPr id="163" name="TextBox 162">
-            <a:extLst>
-              <a:ext uri="{FF2B5EF4-FFF2-40B4-BE49-F238E27FC236}">
-                <a16:creationId xmlns:a16="http://schemas.microsoft.com/office/drawing/2014/main" id="{716C959C-8C88-4630-B9C5-F9FE6EBB05B4}"/>
-              </a:ext>
-            </a:extLst>
-          </p:cNvPr>
-          <p:cNvSpPr txBox="1"/>
-          <p:nvPr/>
-        </p:nvSpPr>
-        <p:spPr>
-          <a:xfrm>
-            <a:off x="283777" y="5899610"/>
-            <a:ext cx="1583470" cy="307777"/>
-          </a:xfrm>
-          <a:prstGeom prst="rect">
-            <a:avLst/>
-          </a:prstGeom>
-          <a:noFill/>
-        </p:spPr>
-        <p:txBody>
-          <a:bodyPr wrap="square" rtlCol="0">
-            <a:spAutoFit/>
-          </a:bodyPr>
-          <a:lstStyle/>
-          <a:p>
-            <a:pPr algn="ctr"/>
-            <a:r>
-              <a:rPr lang="en-GB" sz="1400" dirty="0">
-                <a:latin typeface="Segoe UI Semilight" panose="020B0402040204020203" pitchFamily="34" charset="0"/>
-                <a:cs typeface="Segoe UI Semilight" panose="020B0402040204020203" pitchFamily="34" charset="0"/>
-              </a:rPr>
-              <a:t>Workload subnet</a:t>
-            </a:r>
-          </a:p>
-        </p:txBody>
-      </p:sp>
-      <p:sp>
-        <p:nvSpPr>
-          <p:cNvPr id="165" name="TextBox 164">
-            <a:extLst>
-              <a:ext uri="{FF2B5EF4-FFF2-40B4-BE49-F238E27FC236}">
-                <a16:creationId xmlns:a16="http://schemas.microsoft.com/office/drawing/2014/main" id="{5BE475EC-F6FE-4AF4-9A0D-ABB74576C154}"/>
-              </a:ext>
-            </a:extLst>
-          </p:cNvPr>
-          <p:cNvSpPr txBox="1"/>
-          <p:nvPr/>
-        </p:nvSpPr>
-        <p:spPr>
-          <a:xfrm>
-            <a:off x="283777" y="3302869"/>
-            <a:ext cx="1583470" cy="523220"/>
-          </a:xfrm>
-          <a:prstGeom prst="rect">
-            <a:avLst/>
-          </a:prstGeom>
-          <a:noFill/>
-        </p:spPr>
-        <p:txBody>
-          <a:bodyPr wrap="square" rtlCol="0">
-            <a:spAutoFit/>
-          </a:bodyPr>
-          <a:lstStyle/>
-          <a:p>
-            <a:pPr algn="ctr"/>
-            <a:r>
-              <a:rPr lang="en-GB" sz="1400" dirty="0">
-                <a:latin typeface="Segoe UI Semilight" panose="020B0402040204020203" pitchFamily="34" charset="0"/>
-                <a:cs typeface="Segoe UI Semilight" panose="020B0402040204020203" pitchFamily="34" charset="0"/>
-              </a:rPr>
-              <a:t>Management subnet</a:t>
-            </a:r>
-          </a:p>
-        </p:txBody>
-      </p:sp>
-      <p:sp>
-        <p:nvSpPr>
-          <p:cNvPr id="32" name="Oval 31">
-            <a:extLst>
-              <a:ext uri="{FF2B5EF4-FFF2-40B4-BE49-F238E27FC236}">
-                <a16:creationId xmlns:a16="http://schemas.microsoft.com/office/drawing/2014/main" id="{903E3E88-96D2-4A17-B279-6E6915D22C49}"/>
-              </a:ext>
-            </a:extLst>
-          </p:cNvPr>
-          <p:cNvSpPr/>
-          <p:nvPr/>
-        </p:nvSpPr>
-        <p:spPr>
-          <a:xfrm>
-            <a:off x="7312975" y="4227620"/>
-            <a:ext cx="568380" cy="568380"/>
-          </a:xfrm>
-          <a:prstGeom prst="ellipse">
-            <a:avLst/>
-          </a:prstGeom>
-          <a:solidFill>
-            <a:schemeClr val="bg1"/>
-          </a:solidFill>
-          <a:ln>
-            <a:noFill/>
-          </a:ln>
-        </p:spPr>
-        <p:style>
-          <a:lnRef idx="2">
-            <a:schemeClr val="accent1">
-              <a:shade val="50000"/>
-            </a:schemeClr>
-          </a:lnRef>
-          <a:fillRef idx="1">
-            <a:schemeClr val="accent1"/>
-          </a:fillRef>
-          <a:effectRef idx="0">
-            <a:schemeClr val="accent1"/>
-          </a:effectRef>
-          <a:fontRef idx="minor">
-            <a:schemeClr val="lt1"/>
-          </a:fontRef>
-        </p:style>
-        <p:txBody>
-          <a:bodyPr rtlCol="0" anchor="ctr"/>
-          <a:lstStyle/>
-          <a:p>
-            <a:pPr algn="ctr"/>
-            <a:endParaRPr lang="en-GB"/>
-          </a:p>
-        </p:txBody>
-      </p:sp>
-      <p:pic>
-        <p:nvPicPr>
-          <p:cNvPr id="26" name="Picture 25">
-            <a:extLst>
-              <a:ext uri="{FF2B5EF4-FFF2-40B4-BE49-F238E27FC236}">
-                <a16:creationId xmlns:a16="http://schemas.microsoft.com/office/drawing/2014/main" id="{11422D63-0B0C-4AA9-9A52-B60F82AE7ED8}"/>
-              </a:ext>
-            </a:extLst>
-          </p:cNvPr>
-          <p:cNvPicPr>
-            <a:picLocks noChangeAspect="1"/>
-          </p:cNvPicPr>
-          <p:nvPr/>
-        </p:nvPicPr>
-        <p:blipFill>
-          <a:blip r:embed="rId17">
-            <a:clrChange>
-              <a:clrFrom>
-                <a:srgbClr val="FFFFFF"/>
-              </a:clrFrom>
-              <a:clrTo>
-                <a:srgbClr val="FFFFFF">
-                  <a:alpha val="0"/>
-                </a:srgbClr>
-              </a:clrTo>
-            </a:clrChange>
-          </a:blip>
-          <a:stretch>
-            <a:fillRect/>
-          </a:stretch>
-        </p:blipFill>
-        <p:spPr>
-          <a:xfrm>
-            <a:off x="7058114" y="4104374"/>
-            <a:ext cx="1079555" cy="857294"/>
-          </a:xfrm>
-          <a:prstGeom prst="rect">
-            <a:avLst/>
-          </a:prstGeom>
-        </p:spPr>
-      </p:pic>
-      <p:sp>
-        <p:nvSpPr>
-          <p:cNvPr id="175" name="TextBox 174">
-            <a:extLst>
-              <a:ext uri="{FF2B5EF4-FFF2-40B4-BE49-F238E27FC236}">
-                <a16:creationId xmlns:a16="http://schemas.microsoft.com/office/drawing/2014/main" id="{B464606D-EB59-4DF8-A729-37312B7B391D}"/>
-              </a:ext>
-            </a:extLst>
-          </p:cNvPr>
-          <p:cNvSpPr txBox="1"/>
-          <p:nvPr/>
-        </p:nvSpPr>
-        <p:spPr>
-          <a:xfrm>
-            <a:off x="6071576" y="3525555"/>
-            <a:ext cx="2497315" cy="307777"/>
-          </a:xfrm>
-          <a:prstGeom prst="rect">
-            <a:avLst/>
-          </a:prstGeom>
-          <a:noFill/>
-        </p:spPr>
-        <p:txBody>
-          <a:bodyPr wrap="square" rtlCol="0">
-            <a:spAutoFit/>
-          </a:bodyPr>
-          <a:lstStyle/>
-          <a:p>
-            <a:pPr algn="ctr"/>
-            <a:r>
-              <a:rPr lang="en-GB" sz="1400" dirty="0">
-                <a:latin typeface="Segoe UI Semilight" panose="020B0402040204020203" pitchFamily="34" charset="0"/>
-                <a:cs typeface="Segoe UI Semilight" panose="020B0402040204020203" pitchFamily="34" charset="0"/>
-              </a:rPr>
-              <a:t>Management subnet</a:t>
-            </a:r>
-          </a:p>
-        </p:txBody>
-      </p:sp>
-      <p:sp>
-        <p:nvSpPr>
-          <p:cNvPr id="176" name="Rectangle 175">
-            <a:extLst>
-              <a:ext uri="{FF2B5EF4-FFF2-40B4-BE49-F238E27FC236}">
-                <a16:creationId xmlns:a16="http://schemas.microsoft.com/office/drawing/2014/main" id="{9C6165DB-4BDC-49D1-BF1E-D8892E83376C}"/>
-              </a:ext>
-            </a:extLst>
-          </p:cNvPr>
-          <p:cNvSpPr/>
-          <p:nvPr/>
-        </p:nvSpPr>
-        <p:spPr>
-          <a:xfrm rot="2675702">
-            <a:off x="2662409" y="2204330"/>
-            <a:ext cx="456874" cy="456874"/>
-          </a:xfrm>
-          <a:prstGeom prst="rect">
-            <a:avLst/>
-          </a:prstGeom>
-          <a:solidFill>
-            <a:schemeClr val="bg1"/>
-          </a:solidFill>
-          <a:ln>
-            <a:noFill/>
-          </a:ln>
-        </p:spPr>
-        <p:style>
-          <a:lnRef idx="2">
-            <a:schemeClr val="accent1">
-              <a:shade val="50000"/>
-            </a:schemeClr>
-          </a:lnRef>
-          <a:fillRef idx="1">
-            <a:schemeClr val="accent1"/>
-          </a:fillRef>
-          <a:effectRef idx="0">
-            <a:schemeClr val="accent1"/>
-          </a:effectRef>
-          <a:fontRef idx="minor">
-            <a:schemeClr val="lt1"/>
-          </a:fontRef>
-        </p:style>
-        <p:txBody>
-          <a:bodyPr rtlCol="0" anchor="ctr"/>
-          <a:lstStyle/>
-          <a:p>
-            <a:pPr algn="ctr"/>
-            <a:endParaRPr lang="en-GB"/>
-          </a:p>
-        </p:txBody>
-      </p:sp>
-      <p:sp>
-        <p:nvSpPr>
-          <p:cNvPr id="177" name="Rectangle 176">
-            <a:extLst>
-              <a:ext uri="{FF2B5EF4-FFF2-40B4-BE49-F238E27FC236}">
-                <a16:creationId xmlns:a16="http://schemas.microsoft.com/office/drawing/2014/main" id="{899BCCB1-C1C0-40B0-97BE-C24D664403F3}"/>
-              </a:ext>
-            </a:extLst>
-          </p:cNvPr>
-          <p:cNvSpPr/>
-          <p:nvPr/>
-        </p:nvSpPr>
-        <p:spPr>
-          <a:xfrm rot="2675702">
-            <a:off x="505875" y="2204329"/>
-            <a:ext cx="456874" cy="456874"/>
-          </a:xfrm>
-          <a:prstGeom prst="rect">
-            <a:avLst/>
-          </a:prstGeom>
-          <a:solidFill>
-            <a:schemeClr val="bg1"/>
-          </a:solidFill>
-          <a:ln>
-            <a:noFill/>
-          </a:ln>
-        </p:spPr>
-        <p:style>
-          <a:lnRef idx="2">
-            <a:schemeClr val="accent1">
-              <a:shade val="50000"/>
-            </a:schemeClr>
-          </a:lnRef>
-          <a:fillRef idx="1">
-            <a:schemeClr val="accent1"/>
-          </a:fillRef>
-          <a:effectRef idx="0">
-            <a:schemeClr val="accent1"/>
-          </a:effectRef>
-          <a:fontRef idx="minor">
-            <a:schemeClr val="lt1"/>
-          </a:fontRef>
-        </p:style>
-        <p:txBody>
-          <a:bodyPr rtlCol="0" anchor="ctr"/>
-          <a:lstStyle/>
-          <a:p>
-            <a:pPr algn="ctr"/>
-            <a:endParaRPr lang="en-GB"/>
-          </a:p>
-        </p:txBody>
-      </p:sp>
-      <p:grpSp>
-        <p:nvGrpSpPr>
-          <p:cNvPr id="155" name="Group 154">
-            <a:extLst>
-              <a:ext uri="{FF2B5EF4-FFF2-40B4-BE49-F238E27FC236}">
-                <a16:creationId xmlns:a16="http://schemas.microsoft.com/office/drawing/2014/main" id="{40B27AA1-7D70-40F4-A46D-FA066B56B8F0}"/>
-              </a:ext>
-            </a:extLst>
-          </p:cNvPr>
-          <p:cNvGrpSpPr/>
-          <p:nvPr/>
-        </p:nvGrpSpPr>
-        <p:grpSpPr>
-          <a:xfrm>
-            <a:off x="189509" y="2056392"/>
-            <a:ext cx="1126728" cy="1142160"/>
-            <a:chOff x="1076591" y="401757"/>
-            <a:chExt cx="1126728" cy="1142160"/>
-          </a:xfrm>
-        </p:grpSpPr>
-        <p:pic>
-          <p:nvPicPr>
-            <p:cNvPr id="157" name="Picture 156">
-              <a:extLst>
-                <a:ext uri="{FF2B5EF4-FFF2-40B4-BE49-F238E27FC236}">
-                  <a16:creationId xmlns:a16="http://schemas.microsoft.com/office/drawing/2014/main" id="{9D344988-CC20-48AB-BDAC-2C0FA1BBD69A}"/>
-                </a:ext>
-              </a:extLst>
-            </p:cNvPr>
-            <p:cNvPicPr>
-              <a:picLocks noChangeAspect="1"/>
-            </p:cNvPicPr>
-            <p:nvPr/>
-          </p:nvPicPr>
-          <p:blipFill>
-            <a:blip r:embed="rId18">
-              <a:clrChange>
-                <a:clrFrom>
-                  <a:srgbClr val="FFFFFF"/>
-                </a:clrFrom>
-                <a:clrTo>
-                  <a:srgbClr val="FFFFFF">
-                    <a:alpha val="0"/>
-                  </a:srgbClr>
-                </a:clrTo>
-              </a:clrChange>
-            </a:blip>
-            <a:stretch>
-              <a:fillRect/>
-            </a:stretch>
-          </p:blipFill>
-          <p:spPr>
-            <a:xfrm>
-              <a:off x="1210276" y="401757"/>
-              <a:ext cx="891556" cy="768110"/>
-            </a:xfrm>
-            <a:prstGeom prst="rect">
-              <a:avLst/>
-            </a:prstGeom>
-          </p:spPr>
-        </p:pic>
-        <p:sp>
-          <p:nvSpPr>
-            <p:cNvPr id="160" name="TextBox 159">
-              <a:extLst>
-                <a:ext uri="{FF2B5EF4-FFF2-40B4-BE49-F238E27FC236}">
-                  <a16:creationId xmlns:a16="http://schemas.microsoft.com/office/drawing/2014/main" id="{F996B9B0-E26B-443C-94B4-7D12507CE399}"/>
-                </a:ext>
-              </a:extLst>
-            </p:cNvPr>
-            <p:cNvSpPr txBox="1"/>
-            <p:nvPr/>
-          </p:nvSpPr>
-          <p:spPr>
-            <a:xfrm>
-              <a:off x="1076591" y="1020697"/>
-              <a:ext cx="1126728" cy="523220"/>
-            </a:xfrm>
-            <a:prstGeom prst="rect">
-              <a:avLst/>
-            </a:prstGeom>
-            <a:noFill/>
-          </p:spPr>
-          <p:txBody>
-            <a:bodyPr wrap="square" rtlCol="0">
-              <a:spAutoFit/>
-            </a:bodyPr>
-            <a:lstStyle/>
-            <a:p>
-              <a:pPr algn="ctr"/>
-              <a:r>
-                <a:rPr lang="en-GB" sz="1400" dirty="0">
-                  <a:latin typeface="Segoe UI Semilight" panose="020B0402040204020203" pitchFamily="34" charset="0"/>
-                  <a:cs typeface="Segoe UI Semilight" panose="020B0402040204020203" pitchFamily="34" charset="0"/>
-                </a:rPr>
-                <a:t>Load Balancer</a:t>
-              </a:r>
-            </a:p>
-          </p:txBody>
-        </p:sp>
-      </p:grpSp>
-      <p:grpSp>
-        <p:nvGrpSpPr>
-          <p:cNvPr id="118" name="Group 117">
-            <a:extLst>
-              <a:ext uri="{FF2B5EF4-FFF2-40B4-BE49-F238E27FC236}">
-                <a16:creationId xmlns:a16="http://schemas.microsoft.com/office/drawing/2014/main" id="{5A3CD03B-BB5D-4F01-BA3A-460AF6F574E7}"/>
-              </a:ext>
-            </a:extLst>
-          </p:cNvPr>
-          <p:cNvGrpSpPr/>
-          <p:nvPr/>
-        </p:nvGrpSpPr>
-        <p:grpSpPr>
-          <a:xfrm>
-            <a:off x="2344547" y="2056392"/>
-            <a:ext cx="1126728" cy="1142160"/>
-            <a:chOff x="1076591" y="401757"/>
-            <a:chExt cx="1126728" cy="1142160"/>
-          </a:xfrm>
-        </p:grpSpPr>
-        <p:pic>
-          <p:nvPicPr>
-            <p:cNvPr id="121" name="Picture 120">
-              <a:extLst>
-                <a:ext uri="{FF2B5EF4-FFF2-40B4-BE49-F238E27FC236}">
-                  <a16:creationId xmlns:a16="http://schemas.microsoft.com/office/drawing/2014/main" id="{6CC90D85-A32E-43D8-B6C6-3CF8C9C64B4D}"/>
-                </a:ext>
-              </a:extLst>
-            </p:cNvPr>
-            <p:cNvPicPr>
-              <a:picLocks noChangeAspect="1"/>
-            </p:cNvPicPr>
-            <p:nvPr/>
-          </p:nvPicPr>
-          <p:blipFill>
-            <a:blip r:embed="rId18">
-              <a:clrChange>
-                <a:clrFrom>
-                  <a:srgbClr val="FFFFFF"/>
-                </a:clrFrom>
-                <a:clrTo>
-                  <a:srgbClr val="FFFFFF">
-                    <a:alpha val="0"/>
-                  </a:srgbClr>
-                </a:clrTo>
-              </a:clrChange>
-            </a:blip>
-            <a:stretch>
-              <a:fillRect/>
-            </a:stretch>
-          </p:blipFill>
-          <p:spPr>
-            <a:xfrm>
-              <a:off x="1210276" y="401757"/>
-              <a:ext cx="891556" cy="768110"/>
-            </a:xfrm>
-            <a:prstGeom prst="rect">
-              <a:avLst/>
-            </a:prstGeom>
-          </p:spPr>
-        </p:pic>
-        <p:sp>
-          <p:nvSpPr>
-            <p:cNvPr id="122" name="TextBox 121">
-              <a:extLst>
-                <a:ext uri="{FF2B5EF4-FFF2-40B4-BE49-F238E27FC236}">
-                  <a16:creationId xmlns:a16="http://schemas.microsoft.com/office/drawing/2014/main" id="{311D21CE-85C6-4CE3-94F2-4ACC1747BB0D}"/>
-                </a:ext>
-              </a:extLst>
-            </p:cNvPr>
-            <p:cNvSpPr txBox="1"/>
-            <p:nvPr/>
-          </p:nvSpPr>
-          <p:spPr>
-            <a:xfrm>
-              <a:off x="1076591" y="1020697"/>
-              <a:ext cx="1126728" cy="523220"/>
-            </a:xfrm>
-            <a:prstGeom prst="rect">
-              <a:avLst/>
-            </a:prstGeom>
-            <a:noFill/>
-          </p:spPr>
-          <p:txBody>
-            <a:bodyPr wrap="square" rtlCol="0">
-              <a:spAutoFit/>
-            </a:bodyPr>
-            <a:lstStyle/>
-            <a:p>
-              <a:pPr algn="ctr"/>
-              <a:r>
-                <a:rPr lang="en-GB" sz="1400" dirty="0">
-                  <a:latin typeface="Segoe UI Semilight" panose="020B0402040204020203" pitchFamily="34" charset="0"/>
-                  <a:cs typeface="Segoe UI Semilight" panose="020B0402040204020203" pitchFamily="34" charset="0"/>
-                </a:rPr>
-                <a:t>Load Balancer</a:t>
-              </a:r>
-            </a:p>
-          </p:txBody>
-        </p:sp>
-      </p:grpSp>
-      <p:sp>
-        <p:nvSpPr>
-          <p:cNvPr id="178" name="Rectangle 177">
-            <a:extLst>
-              <a:ext uri="{FF2B5EF4-FFF2-40B4-BE49-F238E27FC236}">
-                <a16:creationId xmlns:a16="http://schemas.microsoft.com/office/drawing/2014/main" id="{D5EC6031-E8FD-4EA2-BC27-C5DF2FFC2238}"/>
-              </a:ext>
-            </a:extLst>
-          </p:cNvPr>
-          <p:cNvSpPr/>
-          <p:nvPr/>
-        </p:nvSpPr>
-        <p:spPr>
-          <a:xfrm rot="3630878">
-            <a:off x="2735328" y="4230964"/>
-            <a:ext cx="263042" cy="263240"/>
-          </a:xfrm>
-          <a:prstGeom prst="rect">
-            <a:avLst/>
-          </a:prstGeom>
-          <a:solidFill>
-            <a:schemeClr val="bg1"/>
-          </a:solidFill>
-          <a:ln>
-            <a:noFill/>
-          </a:ln>
-        </p:spPr>
-        <p:style>
-          <a:lnRef idx="2">
-            <a:schemeClr val="accent1">
-              <a:shade val="50000"/>
-            </a:schemeClr>
-          </a:lnRef>
-          <a:fillRef idx="1">
-            <a:schemeClr val="accent1"/>
-          </a:fillRef>
-          <a:effectRef idx="0">
-            <a:schemeClr val="accent1"/>
-          </a:effectRef>
-          <a:fontRef idx="minor">
-            <a:schemeClr val="lt1"/>
-          </a:fontRef>
-        </p:style>
-        <p:txBody>
-          <a:bodyPr rtlCol="0" anchor="ctr"/>
-          <a:lstStyle/>
-          <a:p>
-            <a:pPr algn="ctr"/>
-            <a:endParaRPr lang="en-GB"/>
-          </a:p>
-        </p:txBody>
-      </p:sp>
-      <p:sp>
-        <p:nvSpPr>
-          <p:cNvPr id="179" name="Rectangle 178">
-            <a:extLst>
-              <a:ext uri="{FF2B5EF4-FFF2-40B4-BE49-F238E27FC236}">
-                <a16:creationId xmlns:a16="http://schemas.microsoft.com/office/drawing/2014/main" id="{3135E53C-6D69-4111-B190-5435C2549D95}"/>
-              </a:ext>
-            </a:extLst>
-          </p:cNvPr>
-          <p:cNvSpPr/>
-          <p:nvPr/>
-        </p:nvSpPr>
-        <p:spPr>
-          <a:xfrm rot="3630878">
-            <a:off x="3510889" y="4230964"/>
-            <a:ext cx="263042" cy="263240"/>
-          </a:xfrm>
-          <a:prstGeom prst="rect">
-            <a:avLst/>
-          </a:prstGeom>
-          <a:solidFill>
-            <a:schemeClr val="bg1"/>
-          </a:solidFill>
-          <a:ln>
-            <a:noFill/>
-          </a:ln>
-        </p:spPr>
-        <p:style>
-          <a:lnRef idx="2">
-            <a:schemeClr val="accent1">
-              <a:shade val="50000"/>
-            </a:schemeClr>
-          </a:lnRef>
-          <a:fillRef idx="1">
-            <a:schemeClr val="accent1"/>
-          </a:fillRef>
-          <a:effectRef idx="0">
-            <a:schemeClr val="accent1"/>
-          </a:effectRef>
-          <a:fontRef idx="minor">
-            <a:schemeClr val="lt1"/>
-          </a:fontRef>
-        </p:style>
-        <p:txBody>
-          <a:bodyPr rtlCol="0" anchor="ctr"/>
-          <a:lstStyle/>
-          <a:p>
-            <a:pPr algn="ctr"/>
-            <a:endParaRPr lang="en-GB"/>
-          </a:p>
-        </p:txBody>
-      </p:sp>
-      <p:sp>
-        <p:nvSpPr>
-          <p:cNvPr id="180" name="Rectangle 179">
-            <a:extLst>
-              <a:ext uri="{FF2B5EF4-FFF2-40B4-BE49-F238E27FC236}">
-                <a16:creationId xmlns:a16="http://schemas.microsoft.com/office/drawing/2014/main" id="{57C37620-E115-404C-B6E0-4C3F28CC987B}"/>
-              </a:ext>
-            </a:extLst>
-          </p:cNvPr>
-          <p:cNvSpPr/>
-          <p:nvPr/>
-        </p:nvSpPr>
-        <p:spPr>
-          <a:xfrm rot="3630878">
-            <a:off x="1350504" y="4230964"/>
-            <a:ext cx="263042" cy="263240"/>
-          </a:xfrm>
-          <a:prstGeom prst="rect">
-            <a:avLst/>
-          </a:prstGeom>
-          <a:solidFill>
-            <a:schemeClr val="bg1"/>
-          </a:solidFill>
-          <a:ln>
-            <a:noFill/>
-          </a:ln>
-        </p:spPr>
-        <p:style>
-          <a:lnRef idx="2">
-            <a:schemeClr val="accent1">
-              <a:shade val="50000"/>
-            </a:schemeClr>
-          </a:lnRef>
-          <a:fillRef idx="1">
-            <a:schemeClr val="accent1"/>
-          </a:fillRef>
-          <a:effectRef idx="0">
-            <a:schemeClr val="accent1"/>
-          </a:effectRef>
-          <a:fontRef idx="minor">
-            <a:schemeClr val="lt1"/>
-          </a:fontRef>
-        </p:style>
-        <p:txBody>
-          <a:bodyPr rtlCol="0" anchor="ctr"/>
-          <a:lstStyle/>
-          <a:p>
-            <a:pPr algn="ctr"/>
-            <a:endParaRPr lang="en-GB"/>
-          </a:p>
-        </p:txBody>
-      </p:sp>
-      <p:sp>
-        <p:nvSpPr>
-          <p:cNvPr id="181" name="Rectangle 180">
-            <a:extLst>
-              <a:ext uri="{FF2B5EF4-FFF2-40B4-BE49-F238E27FC236}">
-                <a16:creationId xmlns:a16="http://schemas.microsoft.com/office/drawing/2014/main" id="{4087DFB7-3B47-41A7-BD25-5300F3C087D6}"/>
-              </a:ext>
-            </a:extLst>
-          </p:cNvPr>
-          <p:cNvSpPr/>
-          <p:nvPr/>
-        </p:nvSpPr>
-        <p:spPr>
-          <a:xfrm rot="3630878">
-            <a:off x="579610" y="4230964"/>
-            <a:ext cx="263042" cy="263240"/>
-          </a:xfrm>
-          <a:prstGeom prst="rect">
-            <a:avLst/>
-          </a:prstGeom>
-          <a:solidFill>
-            <a:schemeClr val="bg1"/>
-          </a:solidFill>
-          <a:ln>
-            <a:noFill/>
-          </a:ln>
-        </p:spPr>
-        <p:style>
-          <a:lnRef idx="2">
-            <a:schemeClr val="accent1">
-              <a:shade val="50000"/>
-            </a:schemeClr>
-          </a:lnRef>
-          <a:fillRef idx="1">
-            <a:schemeClr val="accent1"/>
-          </a:fillRef>
-          <a:effectRef idx="0">
-            <a:schemeClr val="accent1"/>
-          </a:effectRef>
-          <a:fontRef idx="minor">
-            <a:schemeClr val="lt1"/>
-          </a:fontRef>
-        </p:style>
-        <p:txBody>
-          <a:bodyPr rtlCol="0" anchor="ctr"/>
-          <a:lstStyle/>
-          <a:p>
-            <a:pPr algn="ctr"/>
-            <a:endParaRPr lang="en-GB"/>
-          </a:p>
-        </p:txBody>
-      </p:sp>
-      <p:grpSp>
-        <p:nvGrpSpPr>
-          <p:cNvPr id="113" name="Group 112">
-            <a:extLst>
-              <a:ext uri="{FF2B5EF4-FFF2-40B4-BE49-F238E27FC236}">
-                <a16:creationId xmlns:a16="http://schemas.microsoft.com/office/drawing/2014/main" id="{DD28F5AB-BA71-4706-9AAD-02B0911606B6}"/>
-              </a:ext>
-            </a:extLst>
-          </p:cNvPr>
-          <p:cNvGrpSpPr/>
-          <p:nvPr/>
-        </p:nvGrpSpPr>
-        <p:grpSpPr>
-          <a:xfrm>
-            <a:off x="2348638" y="4078809"/>
-            <a:ext cx="1016052" cy="984582"/>
-            <a:chOff x="568313" y="4311129"/>
-            <a:chExt cx="1016052" cy="984582"/>
-          </a:xfrm>
-        </p:grpSpPr>
-        <p:pic>
-          <p:nvPicPr>
-            <p:cNvPr id="132" name="Picture 131">
-              <a:extLst>
-                <a:ext uri="{FF2B5EF4-FFF2-40B4-BE49-F238E27FC236}">
-                  <a16:creationId xmlns:a16="http://schemas.microsoft.com/office/drawing/2014/main" id="{9DD9B193-0DFE-4515-91F3-D15B26A219A6}"/>
-                </a:ext>
-              </a:extLst>
-            </p:cNvPr>
-            <p:cNvPicPr>
-              <a:picLocks noChangeAspect="1"/>
-            </p:cNvPicPr>
-            <p:nvPr/>
-          </p:nvPicPr>
-          <p:blipFill>
-            <a:blip r:embed="rId14">
-              <a:clrChange>
-                <a:clrFrom>
-                  <a:srgbClr val="FFFFFF"/>
-                </a:clrFrom>
-                <a:clrTo>
-                  <a:srgbClr val="FFFFFF">
-                    <a:alpha val="0"/>
-                  </a:srgbClr>
-                </a:clrTo>
-              </a:clrChange>
-            </a:blip>
-            <a:stretch>
-              <a:fillRect/>
-            </a:stretch>
-          </p:blipFill>
-          <p:spPr>
-            <a:xfrm>
-              <a:off x="667138" y="4311129"/>
-              <a:ext cx="818403" cy="749822"/>
-            </a:xfrm>
-            <a:prstGeom prst="rect">
-              <a:avLst/>
-            </a:prstGeom>
-          </p:spPr>
-        </p:pic>
-        <p:sp>
-          <p:nvSpPr>
-            <p:cNvPr id="133" name="TextBox 132">
-              <a:extLst>
-                <a:ext uri="{FF2B5EF4-FFF2-40B4-BE49-F238E27FC236}">
-                  <a16:creationId xmlns:a16="http://schemas.microsoft.com/office/drawing/2014/main" id="{9DBD75A6-6489-4E7B-A8E7-A9C03EE90CC2}"/>
-                </a:ext>
-              </a:extLst>
-            </p:cNvPr>
-            <p:cNvSpPr txBox="1"/>
-            <p:nvPr/>
-          </p:nvSpPr>
-          <p:spPr>
-            <a:xfrm>
-              <a:off x="568313" y="4987934"/>
-              <a:ext cx="1016052" cy="307777"/>
-            </a:xfrm>
-            <a:prstGeom prst="rect">
-              <a:avLst/>
-            </a:prstGeom>
-            <a:noFill/>
-          </p:spPr>
-          <p:txBody>
-            <a:bodyPr wrap="square" rtlCol="0">
-              <a:spAutoFit/>
-            </a:bodyPr>
-            <a:lstStyle/>
-            <a:p>
-              <a:pPr algn="ctr"/>
-              <a:r>
-                <a:rPr lang="en-GB" sz="1400" dirty="0">
-                  <a:latin typeface="Segoe UI Semilight" panose="020B0402040204020203" pitchFamily="34" charset="0"/>
-                  <a:cs typeface="Segoe UI Semilight" panose="020B0402040204020203" pitchFamily="34" charset="0"/>
-                </a:rPr>
-                <a:t>IIS</a:t>
-              </a:r>
-            </a:p>
-          </p:txBody>
-        </p:sp>
-      </p:grpSp>
-      <p:grpSp>
-        <p:nvGrpSpPr>
-          <p:cNvPr id="114" name="Group 113">
-            <a:extLst>
-              <a:ext uri="{FF2B5EF4-FFF2-40B4-BE49-F238E27FC236}">
-                <a16:creationId xmlns:a16="http://schemas.microsoft.com/office/drawing/2014/main" id="{FE3F3D5B-B6CE-4B16-A2F9-2BAC65D7CA6E}"/>
-              </a:ext>
-            </a:extLst>
-          </p:cNvPr>
-          <p:cNvGrpSpPr/>
-          <p:nvPr/>
-        </p:nvGrpSpPr>
-        <p:grpSpPr>
-          <a:xfrm>
-            <a:off x="3117968" y="4078809"/>
-            <a:ext cx="1016052" cy="984582"/>
-            <a:chOff x="1592994" y="4311129"/>
-            <a:chExt cx="1016052" cy="984582"/>
-          </a:xfrm>
-        </p:grpSpPr>
-        <p:pic>
-          <p:nvPicPr>
-            <p:cNvPr id="130" name="Picture 129">
-              <a:extLst>
-                <a:ext uri="{FF2B5EF4-FFF2-40B4-BE49-F238E27FC236}">
-                  <a16:creationId xmlns:a16="http://schemas.microsoft.com/office/drawing/2014/main" id="{CC693226-0B9C-47AF-A4D4-C6BBBE089F02}"/>
-                </a:ext>
-              </a:extLst>
-            </p:cNvPr>
-            <p:cNvPicPr>
-              <a:picLocks noChangeAspect="1"/>
-            </p:cNvPicPr>
-            <p:nvPr/>
-          </p:nvPicPr>
-          <p:blipFill>
-            <a:blip r:embed="rId14">
-              <a:clrChange>
-                <a:clrFrom>
-                  <a:srgbClr val="FFFFFF"/>
-                </a:clrFrom>
-                <a:clrTo>
-                  <a:srgbClr val="FFFFFF">
-                    <a:alpha val="0"/>
-                  </a:srgbClr>
-                </a:clrTo>
-              </a:clrChange>
-            </a:blip>
-            <a:stretch>
-              <a:fillRect/>
-            </a:stretch>
-          </p:blipFill>
-          <p:spPr>
-            <a:xfrm>
-              <a:off x="1688942" y="4311129"/>
-              <a:ext cx="818403" cy="749822"/>
-            </a:xfrm>
-            <a:prstGeom prst="rect">
-              <a:avLst/>
-            </a:prstGeom>
-          </p:spPr>
-        </p:pic>
-        <p:sp>
-          <p:nvSpPr>
-            <p:cNvPr id="131" name="TextBox 130">
-              <a:extLst>
-                <a:ext uri="{FF2B5EF4-FFF2-40B4-BE49-F238E27FC236}">
-                  <a16:creationId xmlns:a16="http://schemas.microsoft.com/office/drawing/2014/main" id="{F8591797-75CD-4227-AFB1-FE307829214A}"/>
-                </a:ext>
-              </a:extLst>
-            </p:cNvPr>
-            <p:cNvSpPr txBox="1"/>
-            <p:nvPr/>
-          </p:nvSpPr>
-          <p:spPr>
-            <a:xfrm>
-              <a:off x="1592994" y="4987934"/>
-              <a:ext cx="1016052" cy="307777"/>
-            </a:xfrm>
-            <a:prstGeom prst="rect">
-              <a:avLst/>
-            </a:prstGeom>
-            <a:noFill/>
-          </p:spPr>
-          <p:txBody>
-            <a:bodyPr wrap="square" rtlCol="0">
-              <a:spAutoFit/>
-            </a:bodyPr>
-            <a:lstStyle/>
-            <a:p>
-              <a:pPr algn="ctr"/>
-              <a:r>
-                <a:rPr lang="en-GB" sz="1400" dirty="0">
-                  <a:latin typeface="Segoe UI Semilight" panose="020B0402040204020203" pitchFamily="34" charset="0"/>
-                  <a:cs typeface="Segoe UI Semilight" panose="020B0402040204020203" pitchFamily="34" charset="0"/>
-                </a:rPr>
-                <a:t>IIS</a:t>
-              </a:r>
-            </a:p>
-          </p:txBody>
-        </p:sp>
-      </p:grpSp>
-      <p:grpSp>
-        <p:nvGrpSpPr>
-          <p:cNvPr id="138" name="Group 137">
-            <a:extLst>
-              <a:ext uri="{FF2B5EF4-FFF2-40B4-BE49-F238E27FC236}">
-                <a16:creationId xmlns:a16="http://schemas.microsoft.com/office/drawing/2014/main" id="{F00568CE-1584-4DB9-ABF8-5AFF21AE2708}"/>
-              </a:ext>
-            </a:extLst>
-          </p:cNvPr>
-          <p:cNvGrpSpPr/>
-          <p:nvPr/>
-        </p:nvGrpSpPr>
-        <p:grpSpPr>
-          <a:xfrm>
-            <a:off x="193600" y="4078809"/>
-            <a:ext cx="1016052" cy="984582"/>
-            <a:chOff x="568313" y="4311129"/>
-            <a:chExt cx="1016052" cy="984582"/>
-          </a:xfrm>
-        </p:grpSpPr>
-        <p:pic>
-          <p:nvPicPr>
-            <p:cNvPr id="139" name="Picture 138">
-              <a:extLst>
-                <a:ext uri="{FF2B5EF4-FFF2-40B4-BE49-F238E27FC236}">
-                  <a16:creationId xmlns:a16="http://schemas.microsoft.com/office/drawing/2014/main" id="{642EB26B-92C3-4A63-BF4E-721DEE1323E1}"/>
-                </a:ext>
-              </a:extLst>
-            </p:cNvPr>
-            <p:cNvPicPr>
-              <a:picLocks noChangeAspect="1"/>
-            </p:cNvPicPr>
-            <p:nvPr/>
-          </p:nvPicPr>
-          <p:blipFill>
-            <a:blip r:embed="rId14">
-              <a:clrChange>
-                <a:clrFrom>
-                  <a:srgbClr val="FFFFFF"/>
-                </a:clrFrom>
-                <a:clrTo>
-                  <a:srgbClr val="FFFFFF">
-                    <a:alpha val="0"/>
-                  </a:srgbClr>
-                </a:clrTo>
-              </a:clrChange>
-            </a:blip>
-            <a:stretch>
-              <a:fillRect/>
-            </a:stretch>
-          </p:blipFill>
-          <p:spPr>
-            <a:xfrm>
-              <a:off x="667138" y="4311129"/>
-              <a:ext cx="818403" cy="749822"/>
-            </a:xfrm>
-            <a:prstGeom prst="rect">
-              <a:avLst/>
-            </a:prstGeom>
-          </p:spPr>
-        </p:pic>
-        <p:sp>
-          <p:nvSpPr>
-            <p:cNvPr id="141" name="TextBox 140">
-              <a:extLst>
-                <a:ext uri="{FF2B5EF4-FFF2-40B4-BE49-F238E27FC236}">
-                  <a16:creationId xmlns:a16="http://schemas.microsoft.com/office/drawing/2014/main" id="{E141BD17-4FE5-4EF7-A251-204D9E67E8DC}"/>
-                </a:ext>
-              </a:extLst>
-            </p:cNvPr>
-            <p:cNvSpPr txBox="1"/>
-            <p:nvPr/>
-          </p:nvSpPr>
-          <p:spPr>
-            <a:xfrm>
-              <a:off x="568313" y="4987934"/>
-              <a:ext cx="1016052" cy="307777"/>
-            </a:xfrm>
-            <a:prstGeom prst="rect">
-              <a:avLst/>
-            </a:prstGeom>
-            <a:noFill/>
-          </p:spPr>
-          <p:txBody>
-            <a:bodyPr wrap="square" rtlCol="0">
-              <a:spAutoFit/>
-            </a:bodyPr>
-            <a:lstStyle/>
-            <a:p>
-              <a:pPr algn="ctr"/>
-              <a:r>
-                <a:rPr lang="en-GB" sz="1400" dirty="0">
-                  <a:latin typeface="Segoe UI Semilight" panose="020B0402040204020203" pitchFamily="34" charset="0"/>
-                  <a:cs typeface="Segoe UI Semilight" panose="020B0402040204020203" pitchFamily="34" charset="0"/>
-                </a:rPr>
-                <a:t>IIS</a:t>
-              </a:r>
-            </a:p>
-          </p:txBody>
-        </p:sp>
-      </p:grpSp>
-      <p:grpSp>
-        <p:nvGrpSpPr>
-          <p:cNvPr id="143" name="Group 142">
-            <a:extLst>
-              <a:ext uri="{FF2B5EF4-FFF2-40B4-BE49-F238E27FC236}">
-                <a16:creationId xmlns:a16="http://schemas.microsoft.com/office/drawing/2014/main" id="{00F3F700-CC04-416C-9E8B-36322A8C99C6}"/>
-              </a:ext>
-            </a:extLst>
-          </p:cNvPr>
-          <p:cNvGrpSpPr/>
-          <p:nvPr/>
-        </p:nvGrpSpPr>
-        <p:grpSpPr>
-          <a:xfrm>
-            <a:off x="962930" y="4078809"/>
-            <a:ext cx="1016052" cy="984582"/>
-            <a:chOff x="1592994" y="4311129"/>
-            <a:chExt cx="1016052" cy="984582"/>
-          </a:xfrm>
-        </p:grpSpPr>
-        <p:pic>
-          <p:nvPicPr>
-            <p:cNvPr id="144" name="Picture 143">
-              <a:extLst>
-                <a:ext uri="{FF2B5EF4-FFF2-40B4-BE49-F238E27FC236}">
-                  <a16:creationId xmlns:a16="http://schemas.microsoft.com/office/drawing/2014/main" id="{8296FB24-A4C5-4671-99A6-DBF3F31EAA55}"/>
-                </a:ext>
-              </a:extLst>
-            </p:cNvPr>
-            <p:cNvPicPr>
-              <a:picLocks noChangeAspect="1"/>
-            </p:cNvPicPr>
-            <p:nvPr/>
-          </p:nvPicPr>
-          <p:blipFill>
-            <a:blip r:embed="rId14">
-              <a:clrChange>
-                <a:clrFrom>
-                  <a:srgbClr val="FFFFFF"/>
-                </a:clrFrom>
-                <a:clrTo>
-                  <a:srgbClr val="FFFFFF">
-                    <a:alpha val="0"/>
-                  </a:srgbClr>
-                </a:clrTo>
-              </a:clrChange>
-            </a:blip>
-            <a:stretch>
-              <a:fillRect/>
-            </a:stretch>
-          </p:blipFill>
-          <p:spPr>
-            <a:xfrm>
-              <a:off x="1688942" y="4311129"/>
-              <a:ext cx="818403" cy="749822"/>
-            </a:xfrm>
-            <a:prstGeom prst="rect">
-              <a:avLst/>
-            </a:prstGeom>
-          </p:spPr>
-        </p:pic>
-        <p:sp>
-          <p:nvSpPr>
-            <p:cNvPr id="145" name="TextBox 144">
-              <a:extLst>
-                <a:ext uri="{FF2B5EF4-FFF2-40B4-BE49-F238E27FC236}">
-                  <a16:creationId xmlns:a16="http://schemas.microsoft.com/office/drawing/2014/main" id="{191A1967-FAE2-4BAD-9E80-102962FBD6C1}"/>
-                </a:ext>
-              </a:extLst>
-            </p:cNvPr>
-            <p:cNvSpPr txBox="1"/>
-            <p:nvPr/>
-          </p:nvSpPr>
-          <p:spPr>
-            <a:xfrm>
-              <a:off x="1592994" y="4987934"/>
-              <a:ext cx="1016052" cy="307777"/>
-            </a:xfrm>
-            <a:prstGeom prst="rect">
-              <a:avLst/>
-            </a:prstGeom>
-            <a:noFill/>
-          </p:spPr>
-          <p:txBody>
-            <a:bodyPr wrap="square" rtlCol="0">
-              <a:spAutoFit/>
-            </a:bodyPr>
-            <a:lstStyle/>
-            <a:p>
-              <a:pPr algn="ctr"/>
-              <a:r>
-                <a:rPr lang="en-GB" sz="1400" dirty="0">
-                  <a:latin typeface="Segoe UI Semilight" panose="020B0402040204020203" pitchFamily="34" charset="0"/>
-                  <a:cs typeface="Segoe UI Semilight" panose="020B0402040204020203" pitchFamily="34" charset="0"/>
-                </a:rPr>
-                <a:t>IIS</a:t>
-              </a:r>
-            </a:p>
-          </p:txBody>
-        </p:sp>
-      </p:grpSp>
-      <p:pic>
-        <p:nvPicPr>
-          <p:cNvPr id="39" name="Graphic 38" descr="User">
-            <a:extLst>
-              <a:ext uri="{FF2B5EF4-FFF2-40B4-BE49-F238E27FC236}">
-                <a16:creationId xmlns:a16="http://schemas.microsoft.com/office/drawing/2014/main" id="{5F45B7F3-0431-44EC-A023-21B9648EC391}"/>
-              </a:ext>
-            </a:extLst>
-          </p:cNvPr>
-          <p:cNvPicPr>
-            <a:picLocks noChangeAspect="1"/>
-          </p:cNvPicPr>
-          <p:nvPr/>
-        </p:nvPicPr>
-        <p:blipFill>
-          <a:blip r:embed="rId19">
-            <a:extLst>
-              <a:ext uri="{28A0092B-C50C-407E-A947-70E740481C1C}">
-                <a14:useLocalDpi xmlns:a14="http://schemas.microsoft.com/office/drawing/2010/main" val="0"/>
-              </a:ext>
-              <a:ext uri="{96DAC541-7B7A-43D3-8B79-37D633B846F1}">
-                <asvg:svgBlip xmlns:asvg="http://schemas.microsoft.com/office/drawing/2016/SVG/main" r:embed="rId20"/>
-              </a:ext>
-            </a:extLst>
-          </a:blip>
-          <a:stretch>
-            <a:fillRect/>
-          </a:stretch>
-        </p:blipFill>
-        <p:spPr>
-          <a:xfrm>
-            <a:off x="5399935" y="166133"/>
-            <a:ext cx="914400" cy="914400"/>
-          </a:xfrm>
-          <a:prstGeom prst="rect">
-            <a:avLst/>
-          </a:prstGeom>
-        </p:spPr>
-      </p:pic>
-      <p:sp>
-        <p:nvSpPr>
-          <p:cNvPr id="42" name="Arrow: Left-Right 41">
-            <a:extLst>
-              <a:ext uri="{FF2B5EF4-FFF2-40B4-BE49-F238E27FC236}">
-                <a16:creationId xmlns:a16="http://schemas.microsoft.com/office/drawing/2014/main" id="{2540A1C4-930D-4C24-874E-842A771907F1}"/>
-              </a:ext>
-            </a:extLst>
-          </p:cNvPr>
-          <p:cNvSpPr/>
-          <p:nvPr/>
-        </p:nvSpPr>
-        <p:spPr>
-          <a:xfrm>
-            <a:off x="6143640" y="545355"/>
-            <a:ext cx="793873" cy="136789"/>
-          </a:xfrm>
-          <a:prstGeom prst="leftRightArrow">
-            <a:avLst/>
-          </a:prstGeom>
-          <a:solidFill>
-            <a:srgbClr val="77C5E6"/>
-          </a:solidFill>
-          <a:ln>
-            <a:noFill/>
-          </a:ln>
-        </p:spPr>
-        <p:style>
-          <a:lnRef idx="2">
-            <a:schemeClr val="accent1">
-              <a:shade val="50000"/>
-            </a:schemeClr>
-          </a:lnRef>
-          <a:fillRef idx="1">
-            <a:schemeClr val="accent1"/>
-          </a:fillRef>
-          <a:effectRef idx="0">
-            <a:schemeClr val="accent1"/>
-          </a:effectRef>
-          <a:fontRef idx="minor">
-            <a:schemeClr val="lt1"/>
-          </a:fontRef>
-        </p:style>
-        <p:txBody>
-          <a:bodyPr rtlCol="0" anchor="ctr"/>
-          <a:lstStyle/>
-          <a:p>
-            <a:pPr algn="ctr"/>
-            <a:endParaRPr lang="en-GB"/>
-          </a:p>
-        </p:txBody>
-      </p:sp>
-      <p:sp>
-        <p:nvSpPr>
-          <p:cNvPr id="182" name="TextBox 181">
-            <a:extLst>
-              <a:ext uri="{FF2B5EF4-FFF2-40B4-BE49-F238E27FC236}">
-                <a16:creationId xmlns:a16="http://schemas.microsoft.com/office/drawing/2014/main" id="{518CC5D5-AE02-4689-ABFF-E3C815C614C3}"/>
-              </a:ext>
-            </a:extLst>
-          </p:cNvPr>
-          <p:cNvSpPr txBox="1"/>
-          <p:nvPr/>
-        </p:nvSpPr>
-        <p:spPr>
-          <a:xfrm>
-            <a:off x="5286927" y="885702"/>
-            <a:ext cx="1140416" cy="307777"/>
-          </a:xfrm>
-          <a:prstGeom prst="rect">
-            <a:avLst/>
-          </a:prstGeom>
-          <a:noFill/>
-        </p:spPr>
-        <p:txBody>
-          <a:bodyPr wrap="square" rtlCol="0">
-            <a:spAutoFit/>
-          </a:bodyPr>
-          <a:lstStyle/>
-          <a:p>
-            <a:pPr algn="ctr"/>
-            <a:r>
-              <a:rPr lang="en-GB" sz="1400" dirty="0">
-                <a:solidFill>
-                  <a:srgbClr val="77C5E6"/>
-                </a:solidFill>
-                <a:latin typeface="Segoe UI Black" panose="020B0A02040204020203" pitchFamily="34" charset="0"/>
-                <a:ea typeface="Segoe UI Black" panose="020B0A02040204020203" pitchFamily="34" charset="0"/>
-                <a:cs typeface="Segoe UI Semilight" panose="020B0402040204020203" pitchFamily="34" charset="0"/>
-              </a:rPr>
-              <a:t>Customers</a:t>
-            </a:r>
-          </a:p>
-        </p:txBody>
-      </p:sp>
     </p:spTree>
     <p:extLst>
       <p:ext uri="{BB962C8B-B14F-4D97-AF65-F5344CB8AC3E}">

--- a/learn-pr/azure/hub-and-spoke-network-architecture/media/media.pptx
+++ b/learn-pr/azure/hub-and-spoke-network-architecture/media/media.pptx
@@ -7,7 +7,8 @@
   <p:sldIdLst>
     <p:sldId id="256" r:id="rId2"/>
     <p:sldId id="257" r:id="rId3"/>
-    <p:sldId id="258" r:id="rId4"/>
+    <p:sldId id="259" r:id="rId4"/>
+    <p:sldId id="258" r:id="rId5"/>
   </p:sldIdLst>
   <p:sldSz cx="12192000" cy="6858000"/>
   <p:notesSz cx="6858000" cy="9144000"/>
@@ -263,7 +264,7 @@
           <a:p>
             <a:fld id="{46442A20-0CBE-4B59-A660-255D23BCF90B}" type="datetimeFigureOut">
               <a:rPr lang="en-GB" smtClean="0"/>
-              <a:t>27/06/2019</a:t>
+              <a:t>01/08/2019</a:t>
             </a:fld>
             <a:endParaRPr lang="en-GB"/>
           </a:p>
@@ -463,7 +464,7 @@
           <a:p>
             <a:fld id="{46442A20-0CBE-4B59-A660-255D23BCF90B}" type="datetimeFigureOut">
               <a:rPr lang="en-GB" smtClean="0"/>
-              <a:t>27/06/2019</a:t>
+              <a:t>01/08/2019</a:t>
             </a:fld>
             <a:endParaRPr lang="en-GB"/>
           </a:p>
@@ -673,7 +674,7 @@
           <a:p>
             <a:fld id="{46442A20-0CBE-4B59-A660-255D23BCF90B}" type="datetimeFigureOut">
               <a:rPr lang="en-GB" smtClean="0"/>
-              <a:t>27/06/2019</a:t>
+              <a:t>01/08/2019</a:t>
             </a:fld>
             <a:endParaRPr lang="en-GB"/>
           </a:p>
@@ -873,7 +874,7 @@
           <a:p>
             <a:fld id="{46442A20-0CBE-4B59-A660-255D23BCF90B}" type="datetimeFigureOut">
               <a:rPr lang="en-GB" smtClean="0"/>
-              <a:t>27/06/2019</a:t>
+              <a:t>01/08/2019</a:t>
             </a:fld>
             <a:endParaRPr lang="en-GB"/>
           </a:p>
@@ -1149,7 +1150,7 @@
           <a:p>
             <a:fld id="{46442A20-0CBE-4B59-A660-255D23BCF90B}" type="datetimeFigureOut">
               <a:rPr lang="en-GB" smtClean="0"/>
-              <a:t>27/06/2019</a:t>
+              <a:t>01/08/2019</a:t>
             </a:fld>
             <a:endParaRPr lang="en-GB"/>
           </a:p>
@@ -1417,7 +1418,7 @@
           <a:p>
             <a:fld id="{46442A20-0CBE-4B59-A660-255D23BCF90B}" type="datetimeFigureOut">
               <a:rPr lang="en-GB" smtClean="0"/>
-              <a:t>27/06/2019</a:t>
+              <a:t>01/08/2019</a:t>
             </a:fld>
             <a:endParaRPr lang="en-GB"/>
           </a:p>
@@ -1832,7 +1833,7 @@
           <a:p>
             <a:fld id="{46442A20-0CBE-4B59-A660-255D23BCF90B}" type="datetimeFigureOut">
               <a:rPr lang="en-GB" smtClean="0"/>
-              <a:t>27/06/2019</a:t>
+              <a:t>01/08/2019</a:t>
             </a:fld>
             <a:endParaRPr lang="en-GB"/>
           </a:p>
@@ -1974,7 +1975,7 @@
           <a:p>
             <a:fld id="{46442A20-0CBE-4B59-A660-255D23BCF90B}" type="datetimeFigureOut">
               <a:rPr lang="en-GB" smtClean="0"/>
-              <a:t>27/06/2019</a:t>
+              <a:t>01/08/2019</a:t>
             </a:fld>
             <a:endParaRPr lang="en-GB"/>
           </a:p>
@@ -2087,7 +2088,7 @@
           <a:p>
             <a:fld id="{46442A20-0CBE-4B59-A660-255D23BCF90B}" type="datetimeFigureOut">
               <a:rPr lang="en-GB" smtClean="0"/>
-              <a:t>27/06/2019</a:t>
+              <a:t>01/08/2019</a:t>
             </a:fld>
             <a:endParaRPr lang="en-GB"/>
           </a:p>
@@ -2400,7 +2401,7 @@
           <a:p>
             <a:fld id="{46442A20-0CBE-4B59-A660-255D23BCF90B}" type="datetimeFigureOut">
               <a:rPr lang="en-GB" smtClean="0"/>
-              <a:t>27/06/2019</a:t>
+              <a:t>01/08/2019</a:t>
             </a:fld>
             <a:endParaRPr lang="en-GB"/>
           </a:p>
@@ -2689,7 +2690,7 @@
           <a:p>
             <a:fld id="{46442A20-0CBE-4B59-A660-255D23BCF90B}" type="datetimeFigureOut">
               <a:rPr lang="en-GB" smtClean="0"/>
-              <a:t>27/06/2019</a:t>
+              <a:t>01/08/2019</a:t>
             </a:fld>
             <a:endParaRPr lang="en-GB"/>
           </a:p>
@@ -2932,7 +2933,7 @@
           <a:p>
             <a:fld id="{46442A20-0CBE-4B59-A660-255D23BCF90B}" type="datetimeFigureOut">
               <a:rPr lang="en-GB" smtClean="0"/>
-              <a:t>27/06/2019</a:t>
+              <a:t>01/08/2019</a:t>
             </a:fld>
             <a:endParaRPr lang="en-GB"/>
           </a:p>
@@ -9288,6 +9289,5042 @@
       </p:grpSpPr>
       <p:grpSp>
         <p:nvGrpSpPr>
+          <p:cNvPr id="14" name="Group 13">
+            <a:extLst>
+              <a:ext uri="{FF2B5EF4-FFF2-40B4-BE49-F238E27FC236}">
+                <a16:creationId xmlns:a16="http://schemas.microsoft.com/office/drawing/2014/main" id="{544A70F6-3738-49C0-8922-3C2FC07D1B04}"/>
+              </a:ext>
+            </a:extLst>
+          </p:cNvPr>
+          <p:cNvGrpSpPr/>
+          <p:nvPr/>
+        </p:nvGrpSpPr>
+        <p:grpSpPr>
+          <a:xfrm>
+            <a:off x="722770" y="108536"/>
+            <a:ext cx="11680773" cy="6680916"/>
+            <a:chOff x="722770" y="108536"/>
+            <a:chExt cx="11680773" cy="6680916"/>
+          </a:xfrm>
+        </p:grpSpPr>
+        <p:sp>
+          <p:nvSpPr>
+            <p:cNvPr id="104" name="Rectangle 103">
+              <a:extLst>
+                <a:ext uri="{FF2B5EF4-FFF2-40B4-BE49-F238E27FC236}">
+                  <a16:creationId xmlns:a16="http://schemas.microsoft.com/office/drawing/2014/main" id="{0C70AD25-65C1-468D-AAF6-CC7B41D6B837}"/>
+                </a:ext>
+              </a:extLst>
+            </p:cNvPr>
+            <p:cNvSpPr/>
+            <p:nvPr/>
+          </p:nvSpPr>
+          <p:spPr>
+            <a:xfrm>
+              <a:off x="3010853" y="1978173"/>
+              <a:ext cx="1574822" cy="1310454"/>
+            </a:xfrm>
+            <a:prstGeom prst="rect">
+              <a:avLst/>
+            </a:prstGeom>
+            <a:solidFill>
+              <a:schemeClr val="bg1">
+                <a:lumMod val="85000"/>
+              </a:schemeClr>
+            </a:solidFill>
+            <a:ln>
+              <a:solidFill>
+                <a:schemeClr val="bg1">
+                  <a:lumMod val="75000"/>
+                </a:schemeClr>
+              </a:solidFill>
+            </a:ln>
+          </p:spPr>
+          <p:style>
+            <a:lnRef idx="2">
+              <a:schemeClr val="accent3">
+                <a:shade val="50000"/>
+              </a:schemeClr>
+            </a:lnRef>
+            <a:fillRef idx="1">
+              <a:schemeClr val="accent3"/>
+            </a:fillRef>
+            <a:effectRef idx="0">
+              <a:schemeClr val="accent3"/>
+            </a:effectRef>
+            <a:fontRef idx="minor">
+              <a:schemeClr val="lt1"/>
+            </a:fontRef>
+          </p:style>
+          <p:txBody>
+            <a:bodyPr rtlCol="0" anchor="ctr"/>
+            <a:lstStyle/>
+            <a:p>
+              <a:pPr algn="ctr"/>
+              <a:endParaRPr lang="en-GB"/>
+            </a:p>
+          </p:txBody>
+        </p:sp>
+        <p:sp>
+          <p:nvSpPr>
+            <p:cNvPr id="100" name="Rectangle 99">
+              <a:extLst>
+                <a:ext uri="{FF2B5EF4-FFF2-40B4-BE49-F238E27FC236}">
+                  <a16:creationId xmlns:a16="http://schemas.microsoft.com/office/drawing/2014/main" id="{A71496A7-2054-4A70-8A62-749D88DD3687}"/>
+                </a:ext>
+              </a:extLst>
+            </p:cNvPr>
+            <p:cNvSpPr/>
+            <p:nvPr/>
+          </p:nvSpPr>
+          <p:spPr>
+            <a:xfrm>
+              <a:off x="5165891" y="1978173"/>
+              <a:ext cx="1574822" cy="1310454"/>
+            </a:xfrm>
+            <a:prstGeom prst="rect">
+              <a:avLst/>
+            </a:prstGeom>
+            <a:solidFill>
+              <a:schemeClr val="bg1">
+                <a:lumMod val="85000"/>
+              </a:schemeClr>
+            </a:solidFill>
+            <a:ln>
+              <a:solidFill>
+                <a:schemeClr val="bg1">
+                  <a:lumMod val="75000"/>
+                </a:schemeClr>
+              </a:solidFill>
+            </a:ln>
+          </p:spPr>
+          <p:style>
+            <a:lnRef idx="2">
+              <a:schemeClr val="accent3">
+                <a:shade val="50000"/>
+              </a:schemeClr>
+            </a:lnRef>
+            <a:fillRef idx="1">
+              <a:schemeClr val="accent3"/>
+            </a:fillRef>
+            <a:effectRef idx="0">
+              <a:schemeClr val="accent3"/>
+            </a:effectRef>
+            <a:fontRef idx="minor">
+              <a:schemeClr val="lt1"/>
+            </a:fontRef>
+          </p:style>
+          <p:txBody>
+            <a:bodyPr rtlCol="0" anchor="ctr"/>
+            <a:lstStyle/>
+            <a:p>
+              <a:pPr algn="ctr"/>
+              <a:endParaRPr lang="en-GB"/>
+            </a:p>
+          </p:txBody>
+        </p:sp>
+        <p:sp>
+          <p:nvSpPr>
+            <p:cNvPr id="6" name="Rectangle 5">
+              <a:extLst>
+                <a:ext uri="{FF2B5EF4-FFF2-40B4-BE49-F238E27FC236}">
+                  <a16:creationId xmlns:a16="http://schemas.microsoft.com/office/drawing/2014/main" id="{654AA660-F981-4AFF-A527-CF5FCFEF65D2}"/>
+                </a:ext>
+              </a:extLst>
+            </p:cNvPr>
+            <p:cNvSpPr/>
+            <p:nvPr/>
+          </p:nvSpPr>
+          <p:spPr>
+            <a:xfrm>
+              <a:off x="5165891" y="4046417"/>
+              <a:ext cx="1574822" cy="1888048"/>
+            </a:xfrm>
+            <a:prstGeom prst="rect">
+              <a:avLst/>
+            </a:prstGeom>
+            <a:solidFill>
+              <a:schemeClr val="bg1">
+                <a:lumMod val="85000"/>
+              </a:schemeClr>
+            </a:solidFill>
+            <a:ln>
+              <a:solidFill>
+                <a:schemeClr val="bg1">
+                  <a:lumMod val="75000"/>
+                </a:schemeClr>
+              </a:solidFill>
+            </a:ln>
+          </p:spPr>
+          <p:style>
+            <a:lnRef idx="2">
+              <a:schemeClr val="accent3">
+                <a:shade val="50000"/>
+              </a:schemeClr>
+            </a:lnRef>
+            <a:fillRef idx="1">
+              <a:schemeClr val="accent3"/>
+            </a:fillRef>
+            <a:effectRef idx="0">
+              <a:schemeClr val="accent3"/>
+            </a:effectRef>
+            <a:fontRef idx="minor">
+              <a:schemeClr val="lt1"/>
+            </a:fontRef>
+          </p:style>
+          <p:txBody>
+            <a:bodyPr rtlCol="0" anchor="ctr"/>
+            <a:lstStyle/>
+            <a:p>
+              <a:pPr algn="ctr"/>
+              <a:endParaRPr lang="en-GB"/>
+            </a:p>
+          </p:txBody>
+        </p:sp>
+        <p:sp>
+          <p:nvSpPr>
+            <p:cNvPr id="62" name="Rectangle 61">
+              <a:extLst>
+                <a:ext uri="{FF2B5EF4-FFF2-40B4-BE49-F238E27FC236}">
+                  <a16:creationId xmlns:a16="http://schemas.microsoft.com/office/drawing/2014/main" id="{C4BEC688-0C34-4004-9739-EE4E16B9F344}"/>
+                </a:ext>
+              </a:extLst>
+            </p:cNvPr>
+            <p:cNvSpPr/>
+            <p:nvPr/>
+          </p:nvSpPr>
+          <p:spPr>
+            <a:xfrm>
+              <a:off x="2892143" y="1754059"/>
+              <a:ext cx="1811051" cy="4695513"/>
+            </a:xfrm>
+            <a:prstGeom prst="rect">
+              <a:avLst/>
+            </a:prstGeom>
+            <a:noFill/>
+            <a:ln w="38100">
+              <a:solidFill>
+                <a:srgbClr val="5B9BD5"/>
+              </a:solidFill>
+              <a:prstDash val="sysDot"/>
+            </a:ln>
+          </p:spPr>
+          <p:style>
+            <a:lnRef idx="2">
+              <a:schemeClr val="accent1">
+                <a:shade val="50000"/>
+              </a:schemeClr>
+            </a:lnRef>
+            <a:fillRef idx="1">
+              <a:schemeClr val="accent1"/>
+            </a:fillRef>
+            <a:effectRef idx="0">
+              <a:schemeClr val="accent1"/>
+            </a:effectRef>
+            <a:fontRef idx="minor">
+              <a:schemeClr val="lt1"/>
+            </a:fontRef>
+          </p:style>
+          <p:txBody>
+            <a:bodyPr rtlCol="0" anchor="ctr"/>
+            <a:lstStyle/>
+            <a:p>
+              <a:pPr algn="ctr"/>
+              <a:endParaRPr lang="en-GB"/>
+            </a:p>
+          </p:txBody>
+        </p:sp>
+        <p:grpSp>
+          <p:nvGrpSpPr>
+            <p:cNvPr id="63" name="Group 62">
+              <a:extLst>
+                <a:ext uri="{FF2B5EF4-FFF2-40B4-BE49-F238E27FC236}">
+                  <a16:creationId xmlns:a16="http://schemas.microsoft.com/office/drawing/2014/main" id="{84618313-D453-465C-A754-FF95BF8E5CD7}"/>
+                </a:ext>
+              </a:extLst>
+            </p:cNvPr>
+            <p:cNvGrpSpPr/>
+            <p:nvPr/>
+          </p:nvGrpSpPr>
+          <p:grpSpPr>
+            <a:xfrm>
+              <a:off x="4115939" y="6106855"/>
+              <a:ext cx="908492" cy="682597"/>
+              <a:chOff x="5358637" y="4686040"/>
+              <a:chExt cx="908492" cy="682597"/>
+            </a:xfrm>
+          </p:grpSpPr>
+          <p:sp>
+            <p:nvSpPr>
+              <p:cNvPr id="64" name="Rectangle 63">
+                <a:extLst>
+                  <a:ext uri="{FF2B5EF4-FFF2-40B4-BE49-F238E27FC236}">
+                    <a16:creationId xmlns:a16="http://schemas.microsoft.com/office/drawing/2014/main" id="{3475E751-AC4D-43FA-B57B-0510676E99D0}"/>
+                  </a:ext>
+                </a:extLst>
+              </p:cNvPr>
+              <p:cNvSpPr/>
+              <p:nvPr/>
+            </p:nvSpPr>
+            <p:spPr>
+              <a:xfrm>
+                <a:off x="5427133" y="4818529"/>
+                <a:ext cx="713691" cy="407895"/>
+              </a:xfrm>
+              <a:prstGeom prst="rect">
+                <a:avLst/>
+              </a:prstGeom>
+              <a:solidFill>
+                <a:schemeClr val="bg1"/>
+              </a:solidFill>
+              <a:ln>
+                <a:noFill/>
+              </a:ln>
+            </p:spPr>
+            <p:style>
+              <a:lnRef idx="2">
+                <a:schemeClr val="accent1">
+                  <a:shade val="50000"/>
+                </a:schemeClr>
+              </a:lnRef>
+              <a:fillRef idx="1">
+                <a:schemeClr val="accent1"/>
+              </a:fillRef>
+              <a:effectRef idx="0">
+                <a:schemeClr val="accent1"/>
+              </a:effectRef>
+              <a:fontRef idx="minor">
+                <a:schemeClr val="lt1"/>
+              </a:fontRef>
+            </p:style>
+            <p:txBody>
+              <a:bodyPr rtlCol="0" anchor="ctr"/>
+              <a:lstStyle/>
+              <a:p>
+                <a:pPr algn="ctr"/>
+                <a:endParaRPr lang="en-GB"/>
+              </a:p>
+            </p:txBody>
+          </p:sp>
+          <p:pic>
+            <p:nvPicPr>
+              <p:cNvPr id="65" name="Picture 64">
+                <a:extLst>
+                  <a:ext uri="{FF2B5EF4-FFF2-40B4-BE49-F238E27FC236}">
+                    <a16:creationId xmlns:a16="http://schemas.microsoft.com/office/drawing/2014/main" id="{6F3E8E70-AD2D-441D-8162-F545CE69C542}"/>
+                  </a:ext>
+                </a:extLst>
+              </p:cNvPr>
+              <p:cNvPicPr>
+                <a:picLocks noChangeAspect="1"/>
+              </p:cNvPicPr>
+              <p:nvPr/>
+            </p:nvPicPr>
+            <p:blipFill>
+              <a:blip r:embed="rId2">
+                <a:clrChange>
+                  <a:clrFrom>
+                    <a:srgbClr val="FFFFFF"/>
+                  </a:clrFrom>
+                  <a:clrTo>
+                    <a:srgbClr val="FFFFFF">
+                      <a:alpha val="0"/>
+                    </a:srgbClr>
+                  </a:clrTo>
+                </a:clrChange>
+              </a:blip>
+              <a:stretch>
+                <a:fillRect/>
+              </a:stretch>
+            </p:blipFill>
+            <p:spPr>
+              <a:xfrm>
+                <a:off x="5358637" y="4686040"/>
+                <a:ext cx="908492" cy="682597"/>
+              </a:xfrm>
+              <a:prstGeom prst="rect">
+                <a:avLst/>
+              </a:prstGeom>
+            </p:spPr>
+          </p:pic>
+        </p:grpSp>
+        <p:sp>
+          <p:nvSpPr>
+            <p:cNvPr id="67" name="TextBox 66">
+              <a:extLst>
+                <a:ext uri="{FF2B5EF4-FFF2-40B4-BE49-F238E27FC236}">
+                  <a16:creationId xmlns:a16="http://schemas.microsoft.com/office/drawing/2014/main" id="{84D30738-E727-44E9-966E-01EBB1BF9D10}"/>
+                </a:ext>
+              </a:extLst>
+            </p:cNvPr>
+            <p:cNvSpPr txBox="1"/>
+            <p:nvPr/>
+          </p:nvSpPr>
+          <p:spPr>
+            <a:xfrm>
+              <a:off x="3667381" y="6438355"/>
+              <a:ext cx="713691" cy="307777"/>
+            </a:xfrm>
+            <a:prstGeom prst="rect">
+              <a:avLst/>
+            </a:prstGeom>
+            <a:noFill/>
+          </p:spPr>
+          <p:txBody>
+            <a:bodyPr wrap="square" rtlCol="0">
+              <a:spAutoFit/>
+            </a:bodyPr>
+            <a:lstStyle/>
+            <a:p>
+              <a:pPr algn="ctr"/>
+              <a:r>
+                <a:rPr lang="en-GB" sz="1400" dirty="0" err="1">
+                  <a:latin typeface="Segoe UI Semilight" panose="020B0402040204020203" pitchFamily="34" charset="0"/>
+                  <a:cs typeface="Segoe UI Semilight" panose="020B0402040204020203" pitchFamily="34" charset="0"/>
+                </a:rPr>
+                <a:t>VNet</a:t>
+              </a:r>
+              <a:endParaRPr lang="en-GB" sz="1400" dirty="0">
+                <a:latin typeface="Segoe UI Semilight" panose="020B0402040204020203" pitchFamily="34" charset="0"/>
+                <a:cs typeface="Segoe UI Semilight" panose="020B0402040204020203" pitchFamily="34" charset="0"/>
+              </a:endParaRPr>
+            </a:p>
+          </p:txBody>
+        </p:sp>
+        <p:sp>
+          <p:nvSpPr>
+            <p:cNvPr id="72" name="TextBox 71">
+              <a:extLst>
+                <a:ext uri="{FF2B5EF4-FFF2-40B4-BE49-F238E27FC236}">
+                  <a16:creationId xmlns:a16="http://schemas.microsoft.com/office/drawing/2014/main" id="{287BDEC1-A5B1-4356-A84A-2F274EEE8C58}"/>
+                </a:ext>
+              </a:extLst>
+            </p:cNvPr>
+            <p:cNvSpPr txBox="1"/>
+            <p:nvPr/>
+          </p:nvSpPr>
+          <p:spPr>
+            <a:xfrm>
+              <a:off x="2892143" y="1461761"/>
+              <a:ext cx="1811052" cy="307777"/>
+            </a:xfrm>
+            <a:prstGeom prst="rect">
+              <a:avLst/>
+            </a:prstGeom>
+            <a:noFill/>
+          </p:spPr>
+          <p:txBody>
+            <a:bodyPr wrap="square" rtlCol="0">
+              <a:spAutoFit/>
+            </a:bodyPr>
+            <a:lstStyle/>
+            <a:p>
+              <a:pPr algn="r"/>
+              <a:r>
+                <a:rPr lang="en-GB" sz="1400" dirty="0">
+                  <a:solidFill>
+                    <a:srgbClr val="5B9BD5"/>
+                  </a:solidFill>
+                  <a:latin typeface="Segoe UI Black" panose="020B0A02040204020203" pitchFamily="34" charset="0"/>
+                  <a:ea typeface="Segoe UI Black" panose="020B0A02040204020203" pitchFamily="34" charset="0"/>
+                  <a:cs typeface="Segoe UI Semilight" panose="020B0402040204020203" pitchFamily="34" charset="0"/>
+                </a:rPr>
+                <a:t>Website</a:t>
+              </a:r>
+            </a:p>
+          </p:txBody>
+        </p:sp>
+        <p:grpSp>
+          <p:nvGrpSpPr>
+            <p:cNvPr id="112" name="Group 111">
+              <a:extLst>
+                <a:ext uri="{FF2B5EF4-FFF2-40B4-BE49-F238E27FC236}">
+                  <a16:creationId xmlns:a16="http://schemas.microsoft.com/office/drawing/2014/main" id="{4575BAC4-D85A-46DB-8199-DE6EC1B7263D}"/>
+                </a:ext>
+              </a:extLst>
+            </p:cNvPr>
+            <p:cNvGrpSpPr/>
+            <p:nvPr/>
+          </p:nvGrpSpPr>
+          <p:grpSpPr>
+            <a:xfrm>
+              <a:off x="5975610" y="1968313"/>
+              <a:ext cx="816458" cy="816458"/>
+              <a:chOff x="3828158" y="4585427"/>
+              <a:chExt cx="816458" cy="816458"/>
+            </a:xfrm>
+          </p:grpSpPr>
+          <p:pic>
+            <p:nvPicPr>
+              <p:cNvPr id="134" name="Graphic 133" descr="Lock">
+                <a:extLst>
+                  <a:ext uri="{FF2B5EF4-FFF2-40B4-BE49-F238E27FC236}">
+                    <a16:creationId xmlns:a16="http://schemas.microsoft.com/office/drawing/2014/main" id="{6F9C496F-E825-400F-B2C7-73477CD92FE6}"/>
+                  </a:ext>
+                </a:extLst>
+              </p:cNvPr>
+              <p:cNvPicPr>
+                <a:picLocks noChangeAspect="1"/>
+              </p:cNvPicPr>
+              <p:nvPr/>
+            </p:nvPicPr>
+            <p:blipFill>
+              <a:blip r:embed="rId3">
+                <a:extLst>
+                  <a:ext uri="{28A0092B-C50C-407E-A947-70E740481C1C}">
+                    <a14:useLocalDpi xmlns:a14="http://schemas.microsoft.com/office/drawing/2010/main" val="0"/>
+                  </a:ext>
+                  <a:ext uri="{96DAC541-7B7A-43D3-8B79-37D633B846F1}">
+                    <asvg:svgBlip xmlns:asvg="http://schemas.microsoft.com/office/drawing/2016/SVG/main" r:embed="rId4"/>
+                  </a:ext>
+                </a:extLst>
+              </a:blip>
+              <a:stretch>
+                <a:fillRect/>
+              </a:stretch>
+            </p:blipFill>
+            <p:spPr>
+              <a:xfrm>
+                <a:off x="3828158" y="4585427"/>
+                <a:ext cx="816458" cy="816458"/>
+              </a:xfrm>
+              <a:prstGeom prst="rect">
+                <a:avLst/>
+              </a:prstGeom>
+            </p:spPr>
+          </p:pic>
+          <p:sp>
+            <p:nvSpPr>
+              <p:cNvPr id="135" name="TextBox 134">
+                <a:extLst>
+                  <a:ext uri="{FF2B5EF4-FFF2-40B4-BE49-F238E27FC236}">
+                    <a16:creationId xmlns:a16="http://schemas.microsoft.com/office/drawing/2014/main" id="{25B20A87-43F8-40E1-808E-846309FF2B2C}"/>
+                  </a:ext>
+                </a:extLst>
+              </p:cNvPr>
+              <p:cNvSpPr txBox="1"/>
+              <p:nvPr/>
+            </p:nvSpPr>
+            <p:spPr>
+              <a:xfrm>
+                <a:off x="4028732" y="5010165"/>
+                <a:ext cx="371748" cy="215444"/>
+              </a:xfrm>
+              <a:prstGeom prst="rect">
+                <a:avLst/>
+              </a:prstGeom>
+              <a:solidFill>
+                <a:srgbClr val="5B9BD5"/>
+              </a:solidFill>
+            </p:spPr>
+            <p:txBody>
+              <a:bodyPr wrap="square" lIns="0" tIns="0" rIns="0" bIns="0" rtlCol="0">
+                <a:spAutoFit/>
+              </a:bodyPr>
+              <a:lstStyle/>
+              <a:p>
+                <a:pPr algn="ctr"/>
+                <a:r>
+                  <a:rPr lang="en-GB" sz="1400" b="1" dirty="0">
+                    <a:solidFill>
+                      <a:schemeClr val="bg1"/>
+                    </a:solidFill>
+                    <a:latin typeface="Segoe UI Semilight" panose="020B0402040204020203" pitchFamily="34" charset="0"/>
+                    <a:cs typeface="Segoe UI Semilight" panose="020B0402040204020203" pitchFamily="34" charset="0"/>
+                  </a:rPr>
+                  <a:t>NSG</a:t>
+                </a:r>
+              </a:p>
+            </p:txBody>
+          </p:sp>
+        </p:grpSp>
+        <p:grpSp>
+          <p:nvGrpSpPr>
+            <p:cNvPr id="115" name="Group 114">
+              <a:extLst>
+                <a:ext uri="{FF2B5EF4-FFF2-40B4-BE49-F238E27FC236}">
+                  <a16:creationId xmlns:a16="http://schemas.microsoft.com/office/drawing/2014/main" id="{6F594179-D037-4268-A3F9-B0A02F0CFD38}"/>
+                </a:ext>
+              </a:extLst>
+            </p:cNvPr>
+            <p:cNvGrpSpPr/>
+            <p:nvPr/>
+          </p:nvGrpSpPr>
+          <p:grpSpPr>
+            <a:xfrm>
+              <a:off x="5467584" y="4985624"/>
+              <a:ext cx="1016052" cy="984356"/>
+              <a:chOff x="1592994" y="5295937"/>
+              <a:chExt cx="1016052" cy="984356"/>
+            </a:xfrm>
+          </p:grpSpPr>
+          <p:grpSp>
+            <p:nvGrpSpPr>
+              <p:cNvPr id="125" name="Group 124">
+                <a:extLst>
+                  <a:ext uri="{FF2B5EF4-FFF2-40B4-BE49-F238E27FC236}">
+                    <a16:creationId xmlns:a16="http://schemas.microsoft.com/office/drawing/2014/main" id="{CFAA27AF-E845-4C61-91FD-7477ECAAEF04}"/>
+                  </a:ext>
+                </a:extLst>
+              </p:cNvPr>
+              <p:cNvGrpSpPr/>
+              <p:nvPr/>
+            </p:nvGrpSpPr>
+            <p:grpSpPr>
+              <a:xfrm>
+                <a:off x="1674715" y="5295937"/>
+                <a:ext cx="818403" cy="749822"/>
+                <a:chOff x="6908241" y="4869690"/>
+                <a:chExt cx="1136708" cy="1041454"/>
+              </a:xfrm>
+            </p:grpSpPr>
+            <p:pic>
+              <p:nvPicPr>
+                <p:cNvPr id="127" name="Picture 126">
+                  <a:extLst>
+                    <a:ext uri="{FF2B5EF4-FFF2-40B4-BE49-F238E27FC236}">
+                      <a16:creationId xmlns:a16="http://schemas.microsoft.com/office/drawing/2014/main" id="{31480F15-EBBB-4253-8295-5A915A0F1248}"/>
+                    </a:ext>
+                  </a:extLst>
+                </p:cNvPr>
+                <p:cNvPicPr>
+                  <a:picLocks noChangeAspect="1"/>
+                </p:cNvPicPr>
+                <p:nvPr/>
+              </p:nvPicPr>
+              <p:blipFill>
+                <a:blip r:embed="rId5">
+                  <a:clrChange>
+                    <a:clrFrom>
+                      <a:srgbClr val="FFFFFF"/>
+                    </a:clrFrom>
+                    <a:clrTo>
+                      <a:srgbClr val="FFFFFF">
+                        <a:alpha val="0"/>
+                      </a:srgbClr>
+                    </a:clrTo>
+                  </a:clrChange>
+                </a:blip>
+                <a:stretch>
+                  <a:fillRect/>
+                </a:stretch>
+              </p:blipFill>
+              <p:spPr>
+                <a:xfrm>
+                  <a:off x="6908241" y="4869690"/>
+                  <a:ext cx="1136708" cy="1041454"/>
+                </a:xfrm>
+                <a:prstGeom prst="rect">
+                  <a:avLst/>
+                </a:prstGeom>
+              </p:spPr>
+            </p:pic>
+            <p:sp>
+              <p:nvSpPr>
+                <p:cNvPr id="128" name="Rectangle 127">
+                  <a:extLst>
+                    <a:ext uri="{FF2B5EF4-FFF2-40B4-BE49-F238E27FC236}">
+                      <a16:creationId xmlns:a16="http://schemas.microsoft.com/office/drawing/2014/main" id="{16EF04F9-605D-4630-805A-C59CB6AFD454}"/>
+                    </a:ext>
+                  </a:extLst>
+                </p:cNvPr>
+                <p:cNvSpPr/>
+                <p:nvPr/>
+              </p:nvSpPr>
+              <p:spPr>
+                <a:xfrm>
+                  <a:off x="7207250" y="5060951"/>
+                  <a:ext cx="562070" cy="482600"/>
+                </a:xfrm>
+                <a:prstGeom prst="rect">
+                  <a:avLst/>
+                </a:prstGeom>
+                <a:solidFill>
+                  <a:srgbClr val="59B4D9"/>
+                </a:solidFill>
+                <a:ln>
+                  <a:noFill/>
+                </a:ln>
+              </p:spPr>
+              <p:style>
+                <a:lnRef idx="2">
+                  <a:schemeClr val="accent1">
+                    <a:shade val="50000"/>
+                  </a:schemeClr>
+                </a:lnRef>
+                <a:fillRef idx="1">
+                  <a:schemeClr val="accent1"/>
+                </a:fillRef>
+                <a:effectRef idx="0">
+                  <a:schemeClr val="accent1"/>
+                </a:effectRef>
+                <a:fontRef idx="minor">
+                  <a:schemeClr val="lt1"/>
+                </a:fontRef>
+              </p:style>
+              <p:txBody>
+                <a:bodyPr rtlCol="0" anchor="ctr"/>
+                <a:lstStyle/>
+                <a:p>
+                  <a:pPr algn="ctr"/>
+                  <a:endParaRPr lang="en-GB"/>
+                </a:p>
+              </p:txBody>
+            </p:sp>
+            <p:pic>
+              <p:nvPicPr>
+                <p:cNvPr id="129" name="Graphic 128" descr="Database">
+                  <a:extLst>
+                    <a:ext uri="{FF2B5EF4-FFF2-40B4-BE49-F238E27FC236}">
+                      <a16:creationId xmlns:a16="http://schemas.microsoft.com/office/drawing/2014/main" id="{A4987C5C-7433-4F90-BA04-863D7180A2A7}"/>
+                    </a:ext>
+                  </a:extLst>
+                </p:cNvPr>
+                <p:cNvPicPr>
+                  <a:picLocks noChangeAspect="1"/>
+                </p:cNvPicPr>
+                <p:nvPr/>
+              </p:nvPicPr>
+              <p:blipFill>
+                <a:blip r:embed="rId6">
+                  <a:extLst>
+                    <a:ext uri="{28A0092B-C50C-407E-A947-70E740481C1C}">
+                      <a14:useLocalDpi xmlns:a14="http://schemas.microsoft.com/office/drawing/2010/main" val="0"/>
+                    </a:ext>
+                    <a:ext uri="{96DAC541-7B7A-43D3-8B79-37D633B846F1}">
+                      <asvg:svgBlip xmlns:asvg="http://schemas.microsoft.com/office/drawing/2016/SVG/main" r:embed="rId7"/>
+                    </a:ext>
+                  </a:extLst>
+                </a:blip>
+                <a:stretch>
+                  <a:fillRect/>
+                </a:stretch>
+              </p:blipFill>
+              <p:spPr>
+                <a:xfrm>
+                  <a:off x="7230111" y="5041901"/>
+                  <a:ext cx="530474" cy="530474"/>
+                </a:xfrm>
+                <a:prstGeom prst="rect">
+                  <a:avLst/>
+                </a:prstGeom>
+              </p:spPr>
+            </p:pic>
+          </p:grpSp>
+          <p:sp>
+            <p:nvSpPr>
+              <p:cNvPr id="126" name="TextBox 125">
+                <a:extLst>
+                  <a:ext uri="{FF2B5EF4-FFF2-40B4-BE49-F238E27FC236}">
+                    <a16:creationId xmlns:a16="http://schemas.microsoft.com/office/drawing/2014/main" id="{4AF8119F-6679-40B1-B9EC-1C22F9FE84C9}"/>
+                  </a:ext>
+                </a:extLst>
+              </p:cNvPr>
+              <p:cNvSpPr txBox="1"/>
+              <p:nvPr/>
+            </p:nvSpPr>
+            <p:spPr>
+              <a:xfrm>
+                <a:off x="1592994" y="5972516"/>
+                <a:ext cx="1016052" cy="307777"/>
+              </a:xfrm>
+              <a:prstGeom prst="rect">
+                <a:avLst/>
+              </a:prstGeom>
+              <a:noFill/>
+            </p:spPr>
+            <p:txBody>
+              <a:bodyPr wrap="square" rtlCol="0">
+                <a:spAutoFit/>
+              </a:bodyPr>
+              <a:lstStyle/>
+              <a:p>
+                <a:pPr algn="ctr"/>
+                <a:r>
+                  <a:rPr lang="en-GB" sz="1400" dirty="0">
+                    <a:latin typeface="Segoe UI Semilight" panose="020B0402040204020203" pitchFamily="34" charset="0"/>
+                    <a:cs typeface="Segoe UI Semilight" panose="020B0402040204020203" pitchFamily="34" charset="0"/>
+                  </a:rPr>
+                  <a:t>DB</a:t>
+                </a:r>
+              </a:p>
+            </p:txBody>
+          </p:sp>
+        </p:grpSp>
+        <p:sp>
+          <p:nvSpPr>
+            <p:cNvPr id="116" name="Rectangle 115">
+              <a:extLst>
+                <a:ext uri="{FF2B5EF4-FFF2-40B4-BE49-F238E27FC236}">
+                  <a16:creationId xmlns:a16="http://schemas.microsoft.com/office/drawing/2014/main" id="{B1DE6C72-9C1D-4DAB-AC17-19057C52A63F}"/>
+                </a:ext>
+              </a:extLst>
+            </p:cNvPr>
+            <p:cNvSpPr/>
+            <p:nvPr/>
+          </p:nvSpPr>
+          <p:spPr>
+            <a:xfrm>
+              <a:off x="5040072" y="1754059"/>
+              <a:ext cx="1811051" cy="4695513"/>
+            </a:xfrm>
+            <a:prstGeom prst="rect">
+              <a:avLst/>
+            </a:prstGeom>
+            <a:noFill/>
+            <a:ln w="38100">
+              <a:solidFill>
+                <a:srgbClr val="5B9BD5"/>
+              </a:solidFill>
+              <a:prstDash val="sysDot"/>
+            </a:ln>
+          </p:spPr>
+          <p:style>
+            <a:lnRef idx="2">
+              <a:schemeClr val="accent1">
+                <a:shade val="50000"/>
+              </a:schemeClr>
+            </a:lnRef>
+            <a:fillRef idx="1">
+              <a:schemeClr val="accent1"/>
+            </a:fillRef>
+            <a:effectRef idx="0">
+              <a:schemeClr val="accent1"/>
+            </a:effectRef>
+            <a:fontRef idx="minor">
+              <a:schemeClr val="lt1"/>
+            </a:fontRef>
+          </p:style>
+          <p:txBody>
+            <a:bodyPr rtlCol="0" anchor="ctr"/>
+            <a:lstStyle/>
+            <a:p>
+              <a:pPr algn="ctr"/>
+              <a:endParaRPr lang="en-GB"/>
+            </a:p>
+          </p:txBody>
+        </p:sp>
+        <p:grpSp>
+          <p:nvGrpSpPr>
+            <p:cNvPr id="117" name="Group 116">
+              <a:extLst>
+                <a:ext uri="{FF2B5EF4-FFF2-40B4-BE49-F238E27FC236}">
+                  <a16:creationId xmlns:a16="http://schemas.microsoft.com/office/drawing/2014/main" id="{79841015-9905-42BA-A2F2-124D1016F209}"/>
+                </a:ext>
+              </a:extLst>
+            </p:cNvPr>
+            <p:cNvGrpSpPr/>
+            <p:nvPr/>
+          </p:nvGrpSpPr>
+          <p:grpSpPr>
+            <a:xfrm>
+              <a:off x="6263868" y="6106855"/>
+              <a:ext cx="908492" cy="682597"/>
+              <a:chOff x="5358637" y="4686040"/>
+              <a:chExt cx="908492" cy="682597"/>
+            </a:xfrm>
+          </p:grpSpPr>
+          <p:sp>
+            <p:nvSpPr>
+              <p:cNvPr id="123" name="Rectangle 122">
+                <a:extLst>
+                  <a:ext uri="{FF2B5EF4-FFF2-40B4-BE49-F238E27FC236}">
+                    <a16:creationId xmlns:a16="http://schemas.microsoft.com/office/drawing/2014/main" id="{34A0EC9F-EC5B-4CA0-BC92-22D994518253}"/>
+                  </a:ext>
+                </a:extLst>
+              </p:cNvPr>
+              <p:cNvSpPr/>
+              <p:nvPr/>
+            </p:nvSpPr>
+            <p:spPr>
+              <a:xfrm>
+                <a:off x="5427133" y="4818529"/>
+                <a:ext cx="713691" cy="407895"/>
+              </a:xfrm>
+              <a:prstGeom prst="rect">
+                <a:avLst/>
+              </a:prstGeom>
+              <a:solidFill>
+                <a:schemeClr val="bg1"/>
+              </a:solidFill>
+              <a:ln>
+                <a:noFill/>
+              </a:ln>
+            </p:spPr>
+            <p:style>
+              <a:lnRef idx="2">
+                <a:schemeClr val="accent1">
+                  <a:shade val="50000"/>
+                </a:schemeClr>
+              </a:lnRef>
+              <a:fillRef idx="1">
+                <a:schemeClr val="accent1"/>
+              </a:fillRef>
+              <a:effectRef idx="0">
+                <a:schemeClr val="accent1"/>
+              </a:effectRef>
+              <a:fontRef idx="minor">
+                <a:schemeClr val="lt1"/>
+              </a:fontRef>
+            </p:style>
+            <p:txBody>
+              <a:bodyPr rtlCol="0" anchor="ctr"/>
+              <a:lstStyle/>
+              <a:p>
+                <a:pPr algn="ctr"/>
+                <a:endParaRPr lang="en-GB"/>
+              </a:p>
+            </p:txBody>
+          </p:sp>
+          <p:pic>
+            <p:nvPicPr>
+              <p:cNvPr id="124" name="Picture 123">
+                <a:extLst>
+                  <a:ext uri="{FF2B5EF4-FFF2-40B4-BE49-F238E27FC236}">
+                    <a16:creationId xmlns:a16="http://schemas.microsoft.com/office/drawing/2014/main" id="{7262BD0E-9AD6-4A66-82C4-58AA0EFC6D51}"/>
+                  </a:ext>
+                </a:extLst>
+              </p:cNvPr>
+              <p:cNvPicPr>
+                <a:picLocks noChangeAspect="1"/>
+              </p:cNvPicPr>
+              <p:nvPr/>
+            </p:nvPicPr>
+            <p:blipFill>
+              <a:blip r:embed="rId2">
+                <a:clrChange>
+                  <a:clrFrom>
+                    <a:srgbClr val="FFFFFF"/>
+                  </a:clrFrom>
+                  <a:clrTo>
+                    <a:srgbClr val="FFFFFF">
+                      <a:alpha val="0"/>
+                    </a:srgbClr>
+                  </a:clrTo>
+                </a:clrChange>
+              </a:blip>
+              <a:stretch>
+                <a:fillRect/>
+              </a:stretch>
+            </p:blipFill>
+            <p:spPr>
+              <a:xfrm>
+                <a:off x="5358637" y="4686040"/>
+                <a:ext cx="908492" cy="682597"/>
+              </a:xfrm>
+              <a:prstGeom prst="rect">
+                <a:avLst/>
+              </a:prstGeom>
+            </p:spPr>
+          </p:pic>
+        </p:grpSp>
+        <p:sp>
+          <p:nvSpPr>
+            <p:cNvPr id="119" name="TextBox 118">
+              <a:extLst>
+                <a:ext uri="{FF2B5EF4-FFF2-40B4-BE49-F238E27FC236}">
+                  <a16:creationId xmlns:a16="http://schemas.microsoft.com/office/drawing/2014/main" id="{F89F6402-8470-429E-8991-BC845C0C64E1}"/>
+                </a:ext>
+              </a:extLst>
+            </p:cNvPr>
+            <p:cNvSpPr txBox="1"/>
+            <p:nvPr/>
+          </p:nvSpPr>
+          <p:spPr>
+            <a:xfrm>
+              <a:off x="5815310" y="6438355"/>
+              <a:ext cx="713691" cy="307777"/>
+            </a:xfrm>
+            <a:prstGeom prst="rect">
+              <a:avLst/>
+            </a:prstGeom>
+            <a:noFill/>
+          </p:spPr>
+          <p:txBody>
+            <a:bodyPr wrap="square" rtlCol="0">
+              <a:spAutoFit/>
+            </a:bodyPr>
+            <a:lstStyle/>
+            <a:p>
+              <a:pPr algn="ctr"/>
+              <a:r>
+                <a:rPr lang="en-GB" sz="1400" dirty="0" err="1">
+                  <a:latin typeface="Segoe UI Semilight" panose="020B0402040204020203" pitchFamily="34" charset="0"/>
+                  <a:cs typeface="Segoe UI Semilight" panose="020B0402040204020203" pitchFamily="34" charset="0"/>
+                </a:rPr>
+                <a:t>VNet</a:t>
+              </a:r>
+              <a:endParaRPr lang="en-GB" sz="1400" dirty="0">
+                <a:latin typeface="Segoe UI Semilight" panose="020B0402040204020203" pitchFamily="34" charset="0"/>
+                <a:cs typeface="Segoe UI Semilight" panose="020B0402040204020203" pitchFamily="34" charset="0"/>
+              </a:endParaRPr>
+            </a:p>
+          </p:txBody>
+        </p:sp>
+        <p:sp>
+          <p:nvSpPr>
+            <p:cNvPr id="120" name="TextBox 119">
+              <a:extLst>
+                <a:ext uri="{FF2B5EF4-FFF2-40B4-BE49-F238E27FC236}">
+                  <a16:creationId xmlns:a16="http://schemas.microsoft.com/office/drawing/2014/main" id="{E6C30A14-E90C-4B0D-9EC3-B6AC6ACA2283}"/>
+                </a:ext>
+              </a:extLst>
+            </p:cNvPr>
+            <p:cNvSpPr txBox="1"/>
+            <p:nvPr/>
+          </p:nvSpPr>
+          <p:spPr>
+            <a:xfrm>
+              <a:off x="5040072" y="1457817"/>
+              <a:ext cx="1811052" cy="307777"/>
+            </a:xfrm>
+            <a:prstGeom prst="rect">
+              <a:avLst/>
+            </a:prstGeom>
+            <a:noFill/>
+          </p:spPr>
+          <p:txBody>
+            <a:bodyPr wrap="square" rtlCol="0">
+              <a:spAutoFit/>
+            </a:bodyPr>
+            <a:lstStyle/>
+            <a:p>
+              <a:pPr algn="r"/>
+              <a:r>
+                <a:rPr lang="en-GB" sz="1400" dirty="0">
+                  <a:solidFill>
+                    <a:srgbClr val="5B9BD5"/>
+                  </a:solidFill>
+                  <a:latin typeface="Segoe UI Black" panose="020B0A02040204020203" pitchFamily="34" charset="0"/>
+                  <a:ea typeface="Segoe UI Black" panose="020B0A02040204020203" pitchFamily="34" charset="0"/>
+                  <a:cs typeface="Segoe UI Semilight" panose="020B0402040204020203" pitchFamily="34" charset="0"/>
+                </a:rPr>
+                <a:t>Quote App</a:t>
+              </a:r>
+            </a:p>
+          </p:txBody>
+        </p:sp>
+        <p:cxnSp>
+          <p:nvCxnSpPr>
+            <p:cNvPr id="149" name="Connector: Elbow 148">
+              <a:extLst>
+                <a:ext uri="{FF2B5EF4-FFF2-40B4-BE49-F238E27FC236}">
+                  <a16:creationId xmlns:a16="http://schemas.microsoft.com/office/drawing/2014/main" id="{C44271AA-3E57-4761-815E-BFE542E115A3}"/>
+                </a:ext>
+              </a:extLst>
+            </p:cNvPr>
+            <p:cNvCxnSpPr>
+              <a:stCxn id="121" idx="0"/>
+              <a:endCxn id="36" idx="1"/>
+            </p:cNvCxnSpPr>
+            <p:nvPr/>
+          </p:nvCxnSpPr>
+          <p:spPr>
+            <a:xfrm rot="16200000" flipH="1">
+              <a:off x="6419801" y="1279029"/>
+              <a:ext cx="785226" cy="2339952"/>
+            </a:xfrm>
+            <a:prstGeom prst="bentConnector4">
+              <a:avLst>
+                <a:gd name="adj1" fmla="val -29113"/>
+                <a:gd name="adj2" fmla="val 59525"/>
+              </a:avLst>
+            </a:prstGeom>
+            <a:ln w="38100">
+              <a:solidFill>
+                <a:srgbClr val="92C426"/>
+              </a:solidFill>
+              <a:headEnd type="triangle"/>
+              <a:tailEnd type="triangle"/>
+            </a:ln>
+          </p:spPr>
+          <p:style>
+            <a:lnRef idx="1">
+              <a:schemeClr val="accent1"/>
+            </a:lnRef>
+            <a:fillRef idx="0">
+              <a:schemeClr val="accent1"/>
+            </a:fillRef>
+            <a:effectRef idx="0">
+              <a:schemeClr val="accent1"/>
+            </a:effectRef>
+            <a:fontRef idx="minor">
+              <a:schemeClr val="tx1"/>
+            </a:fontRef>
+          </p:style>
+        </p:cxnSp>
+        <p:sp>
+          <p:nvSpPr>
+            <p:cNvPr id="156" name="TextBox 155">
+              <a:extLst>
+                <a:ext uri="{FF2B5EF4-FFF2-40B4-BE49-F238E27FC236}">
+                  <a16:creationId xmlns:a16="http://schemas.microsoft.com/office/drawing/2014/main" id="{2962CD03-6CAD-4F96-AA62-CDAC5669D815}"/>
+                </a:ext>
+              </a:extLst>
+            </p:cNvPr>
+            <p:cNvSpPr txBox="1"/>
+            <p:nvPr/>
+          </p:nvSpPr>
+          <p:spPr>
+            <a:xfrm>
+              <a:off x="2745944" y="1118083"/>
+              <a:ext cx="4105179" cy="307777"/>
+            </a:xfrm>
+            <a:prstGeom prst="rect">
+              <a:avLst/>
+            </a:prstGeom>
+            <a:noFill/>
+          </p:spPr>
+          <p:txBody>
+            <a:bodyPr wrap="square" rtlCol="0">
+              <a:spAutoFit/>
+            </a:bodyPr>
+            <a:lstStyle/>
+            <a:p>
+              <a:pPr algn="ctr"/>
+              <a:r>
+                <a:rPr lang="en-GB" sz="1400" dirty="0">
+                  <a:latin typeface="Segoe UI Semilight" panose="020B0402040204020203" pitchFamily="34" charset="0"/>
+                  <a:cs typeface="Segoe UI Semilight" panose="020B0402040204020203" pitchFamily="34" charset="0"/>
+                </a:rPr>
+                <a:t>Spokes</a:t>
+              </a:r>
+            </a:p>
+          </p:txBody>
+        </p:sp>
+        <p:sp>
+          <p:nvSpPr>
+            <p:cNvPr id="102" name="TextBox 101">
+              <a:extLst>
+                <a:ext uri="{FF2B5EF4-FFF2-40B4-BE49-F238E27FC236}">
+                  <a16:creationId xmlns:a16="http://schemas.microsoft.com/office/drawing/2014/main" id="{700F54DD-A4F2-414F-A30A-231BB8D0E5F7}"/>
+                </a:ext>
+              </a:extLst>
+            </p:cNvPr>
+            <p:cNvSpPr txBox="1"/>
+            <p:nvPr/>
+          </p:nvSpPr>
+          <p:spPr>
+            <a:xfrm>
+              <a:off x="5157243" y="5899610"/>
+              <a:ext cx="1583470" cy="307777"/>
+            </a:xfrm>
+            <a:prstGeom prst="rect">
+              <a:avLst/>
+            </a:prstGeom>
+            <a:noFill/>
+          </p:spPr>
+          <p:txBody>
+            <a:bodyPr wrap="square" rtlCol="0">
+              <a:spAutoFit/>
+            </a:bodyPr>
+            <a:lstStyle/>
+            <a:p>
+              <a:pPr algn="ctr"/>
+              <a:r>
+                <a:rPr lang="en-GB" sz="1400" dirty="0">
+                  <a:latin typeface="Segoe UI Semilight" panose="020B0402040204020203" pitchFamily="34" charset="0"/>
+                  <a:cs typeface="Segoe UI Semilight" panose="020B0402040204020203" pitchFamily="34" charset="0"/>
+                </a:rPr>
+                <a:t>Workload subnet</a:t>
+              </a:r>
+            </a:p>
+          </p:txBody>
+        </p:sp>
+        <p:sp>
+          <p:nvSpPr>
+            <p:cNvPr id="103" name="TextBox 102">
+              <a:extLst>
+                <a:ext uri="{FF2B5EF4-FFF2-40B4-BE49-F238E27FC236}">
+                  <a16:creationId xmlns:a16="http://schemas.microsoft.com/office/drawing/2014/main" id="{77E1A520-D423-4BDE-B602-9539ECF283E1}"/>
+                </a:ext>
+              </a:extLst>
+            </p:cNvPr>
+            <p:cNvSpPr txBox="1"/>
+            <p:nvPr/>
+          </p:nvSpPr>
+          <p:spPr>
+            <a:xfrm>
+              <a:off x="5157243" y="3302869"/>
+              <a:ext cx="1583470" cy="523220"/>
+            </a:xfrm>
+            <a:prstGeom prst="rect">
+              <a:avLst/>
+            </a:prstGeom>
+            <a:noFill/>
+          </p:spPr>
+          <p:txBody>
+            <a:bodyPr wrap="square" rtlCol="0">
+              <a:spAutoFit/>
+            </a:bodyPr>
+            <a:lstStyle/>
+            <a:p>
+              <a:pPr algn="ctr"/>
+              <a:r>
+                <a:rPr lang="en-GB" sz="1400" dirty="0">
+                  <a:latin typeface="Segoe UI Semilight" panose="020B0402040204020203" pitchFamily="34" charset="0"/>
+                  <a:cs typeface="Segoe UI Semilight" panose="020B0402040204020203" pitchFamily="34" charset="0"/>
+                </a:rPr>
+                <a:t>Management subnet</a:t>
+              </a:r>
+            </a:p>
+          </p:txBody>
+        </p:sp>
+        <p:sp>
+          <p:nvSpPr>
+            <p:cNvPr id="105" name="Rectangle 104">
+              <a:extLst>
+                <a:ext uri="{FF2B5EF4-FFF2-40B4-BE49-F238E27FC236}">
+                  <a16:creationId xmlns:a16="http://schemas.microsoft.com/office/drawing/2014/main" id="{E68017FE-125C-4871-8796-216D2BD3895C}"/>
+                </a:ext>
+              </a:extLst>
+            </p:cNvPr>
+            <p:cNvSpPr/>
+            <p:nvPr/>
+          </p:nvSpPr>
+          <p:spPr>
+            <a:xfrm>
+              <a:off x="3010853" y="4046417"/>
+              <a:ext cx="1574822" cy="1888048"/>
+            </a:xfrm>
+            <a:prstGeom prst="rect">
+              <a:avLst/>
+            </a:prstGeom>
+            <a:solidFill>
+              <a:schemeClr val="bg1">
+                <a:lumMod val="85000"/>
+              </a:schemeClr>
+            </a:solidFill>
+            <a:ln>
+              <a:solidFill>
+                <a:schemeClr val="bg1">
+                  <a:lumMod val="75000"/>
+                </a:schemeClr>
+              </a:solidFill>
+            </a:ln>
+          </p:spPr>
+          <p:style>
+            <a:lnRef idx="2">
+              <a:schemeClr val="accent3">
+                <a:shade val="50000"/>
+              </a:schemeClr>
+            </a:lnRef>
+            <a:fillRef idx="1">
+              <a:schemeClr val="accent3"/>
+            </a:fillRef>
+            <a:effectRef idx="0">
+              <a:schemeClr val="accent3"/>
+            </a:effectRef>
+            <a:fontRef idx="minor">
+              <a:schemeClr val="lt1"/>
+            </a:fontRef>
+          </p:style>
+          <p:txBody>
+            <a:bodyPr rtlCol="0" anchor="ctr"/>
+            <a:lstStyle/>
+            <a:p>
+              <a:pPr algn="ctr"/>
+              <a:endParaRPr lang="en-GB"/>
+            </a:p>
+          </p:txBody>
+        </p:sp>
+        <p:grpSp>
+          <p:nvGrpSpPr>
+            <p:cNvPr id="106" name="Group 105">
+              <a:extLst>
+                <a:ext uri="{FF2B5EF4-FFF2-40B4-BE49-F238E27FC236}">
+                  <a16:creationId xmlns:a16="http://schemas.microsoft.com/office/drawing/2014/main" id="{1B0B8231-A1D5-43E6-9E5A-20640F17C7EF}"/>
+                </a:ext>
+              </a:extLst>
+            </p:cNvPr>
+            <p:cNvGrpSpPr/>
+            <p:nvPr/>
+          </p:nvGrpSpPr>
+          <p:grpSpPr>
+            <a:xfrm>
+              <a:off x="3820572" y="1968313"/>
+              <a:ext cx="816458" cy="816458"/>
+              <a:chOff x="3828158" y="4585427"/>
+              <a:chExt cx="816458" cy="816458"/>
+            </a:xfrm>
+          </p:grpSpPr>
+          <p:pic>
+            <p:nvPicPr>
+              <p:cNvPr id="107" name="Graphic 106" descr="Lock">
+                <a:extLst>
+                  <a:ext uri="{FF2B5EF4-FFF2-40B4-BE49-F238E27FC236}">
+                    <a16:creationId xmlns:a16="http://schemas.microsoft.com/office/drawing/2014/main" id="{FCC5FD8E-F780-4433-B86D-792309806594}"/>
+                  </a:ext>
+                </a:extLst>
+              </p:cNvPr>
+              <p:cNvPicPr>
+                <a:picLocks noChangeAspect="1"/>
+              </p:cNvPicPr>
+              <p:nvPr/>
+            </p:nvPicPr>
+            <p:blipFill>
+              <a:blip r:embed="rId3">
+                <a:extLst>
+                  <a:ext uri="{28A0092B-C50C-407E-A947-70E740481C1C}">
+                    <a14:useLocalDpi xmlns:a14="http://schemas.microsoft.com/office/drawing/2010/main" val="0"/>
+                  </a:ext>
+                  <a:ext uri="{96DAC541-7B7A-43D3-8B79-37D633B846F1}">
+                    <asvg:svgBlip xmlns:asvg="http://schemas.microsoft.com/office/drawing/2016/SVG/main" r:embed="rId4"/>
+                  </a:ext>
+                </a:extLst>
+              </a:blip>
+              <a:stretch>
+                <a:fillRect/>
+              </a:stretch>
+            </p:blipFill>
+            <p:spPr>
+              <a:xfrm>
+                <a:off x="3828158" y="4585427"/>
+                <a:ext cx="816458" cy="816458"/>
+              </a:xfrm>
+              <a:prstGeom prst="rect">
+                <a:avLst/>
+              </a:prstGeom>
+            </p:spPr>
+          </p:pic>
+          <p:sp>
+            <p:nvSpPr>
+              <p:cNvPr id="108" name="TextBox 107">
+                <a:extLst>
+                  <a:ext uri="{FF2B5EF4-FFF2-40B4-BE49-F238E27FC236}">
+                    <a16:creationId xmlns:a16="http://schemas.microsoft.com/office/drawing/2014/main" id="{7E0F6DC3-45FA-404E-9FE8-835635B8B719}"/>
+                  </a:ext>
+                </a:extLst>
+              </p:cNvPr>
+              <p:cNvSpPr txBox="1"/>
+              <p:nvPr/>
+            </p:nvSpPr>
+            <p:spPr>
+              <a:xfrm>
+                <a:off x="4028732" y="5010165"/>
+                <a:ext cx="371748" cy="215444"/>
+              </a:xfrm>
+              <a:prstGeom prst="rect">
+                <a:avLst/>
+              </a:prstGeom>
+              <a:solidFill>
+                <a:srgbClr val="5B9BD5"/>
+              </a:solidFill>
+            </p:spPr>
+            <p:txBody>
+              <a:bodyPr wrap="square" lIns="0" tIns="0" rIns="0" bIns="0" rtlCol="0">
+                <a:spAutoFit/>
+              </a:bodyPr>
+              <a:lstStyle/>
+              <a:p>
+                <a:pPr algn="ctr"/>
+                <a:r>
+                  <a:rPr lang="en-GB" sz="1400" b="1" dirty="0">
+                    <a:solidFill>
+                      <a:schemeClr val="bg1"/>
+                    </a:solidFill>
+                    <a:latin typeface="Segoe UI Semilight" panose="020B0402040204020203" pitchFamily="34" charset="0"/>
+                    <a:cs typeface="Segoe UI Semilight" panose="020B0402040204020203" pitchFamily="34" charset="0"/>
+                  </a:rPr>
+                  <a:t>NSG</a:t>
+                </a:r>
+              </a:p>
+            </p:txBody>
+          </p:sp>
+        </p:grpSp>
+        <p:grpSp>
+          <p:nvGrpSpPr>
+            <p:cNvPr id="147" name="Group 146">
+              <a:extLst>
+                <a:ext uri="{FF2B5EF4-FFF2-40B4-BE49-F238E27FC236}">
+                  <a16:creationId xmlns:a16="http://schemas.microsoft.com/office/drawing/2014/main" id="{C187623A-2FE3-43E0-956E-6F6FB7587F94}"/>
+                </a:ext>
+              </a:extLst>
+            </p:cNvPr>
+            <p:cNvGrpSpPr/>
+            <p:nvPr/>
+          </p:nvGrpSpPr>
+          <p:grpSpPr>
+            <a:xfrm>
+              <a:off x="3312546" y="4985624"/>
+              <a:ext cx="1016052" cy="984356"/>
+              <a:chOff x="1592994" y="5295937"/>
+              <a:chExt cx="1016052" cy="984356"/>
+            </a:xfrm>
+          </p:grpSpPr>
+          <p:grpSp>
+            <p:nvGrpSpPr>
+              <p:cNvPr id="148" name="Group 147">
+                <a:extLst>
+                  <a:ext uri="{FF2B5EF4-FFF2-40B4-BE49-F238E27FC236}">
+                    <a16:creationId xmlns:a16="http://schemas.microsoft.com/office/drawing/2014/main" id="{457CBAB3-ED62-4315-AE23-4FC7CD6DA4B2}"/>
+                  </a:ext>
+                </a:extLst>
+              </p:cNvPr>
+              <p:cNvGrpSpPr/>
+              <p:nvPr/>
+            </p:nvGrpSpPr>
+            <p:grpSpPr>
+              <a:xfrm>
+                <a:off x="1674715" y="5295937"/>
+                <a:ext cx="818403" cy="749822"/>
+                <a:chOff x="6908241" y="4869690"/>
+                <a:chExt cx="1136708" cy="1041454"/>
+              </a:xfrm>
+            </p:grpSpPr>
+            <p:pic>
+              <p:nvPicPr>
+                <p:cNvPr id="152" name="Picture 151">
+                  <a:extLst>
+                    <a:ext uri="{FF2B5EF4-FFF2-40B4-BE49-F238E27FC236}">
+                      <a16:creationId xmlns:a16="http://schemas.microsoft.com/office/drawing/2014/main" id="{B88364AB-EC67-499D-BAA0-050CD0201518}"/>
+                    </a:ext>
+                  </a:extLst>
+                </p:cNvPr>
+                <p:cNvPicPr>
+                  <a:picLocks noChangeAspect="1"/>
+                </p:cNvPicPr>
+                <p:nvPr/>
+              </p:nvPicPr>
+              <p:blipFill>
+                <a:blip r:embed="rId5">
+                  <a:clrChange>
+                    <a:clrFrom>
+                      <a:srgbClr val="FFFFFF"/>
+                    </a:clrFrom>
+                    <a:clrTo>
+                      <a:srgbClr val="FFFFFF">
+                        <a:alpha val="0"/>
+                      </a:srgbClr>
+                    </a:clrTo>
+                  </a:clrChange>
+                </a:blip>
+                <a:stretch>
+                  <a:fillRect/>
+                </a:stretch>
+              </p:blipFill>
+              <p:spPr>
+                <a:xfrm>
+                  <a:off x="6908241" y="4869690"/>
+                  <a:ext cx="1136708" cy="1041454"/>
+                </a:xfrm>
+                <a:prstGeom prst="rect">
+                  <a:avLst/>
+                </a:prstGeom>
+              </p:spPr>
+            </p:pic>
+            <p:sp>
+              <p:nvSpPr>
+                <p:cNvPr id="153" name="Rectangle 152">
+                  <a:extLst>
+                    <a:ext uri="{FF2B5EF4-FFF2-40B4-BE49-F238E27FC236}">
+                      <a16:creationId xmlns:a16="http://schemas.microsoft.com/office/drawing/2014/main" id="{B076C0F6-0E33-4B30-BB1E-AF0C58EFCE97}"/>
+                    </a:ext>
+                  </a:extLst>
+                </p:cNvPr>
+                <p:cNvSpPr/>
+                <p:nvPr/>
+              </p:nvSpPr>
+              <p:spPr>
+                <a:xfrm>
+                  <a:off x="7207250" y="5060951"/>
+                  <a:ext cx="562070" cy="482600"/>
+                </a:xfrm>
+                <a:prstGeom prst="rect">
+                  <a:avLst/>
+                </a:prstGeom>
+                <a:solidFill>
+                  <a:srgbClr val="59B4D9"/>
+                </a:solidFill>
+                <a:ln>
+                  <a:noFill/>
+                </a:ln>
+              </p:spPr>
+              <p:style>
+                <a:lnRef idx="2">
+                  <a:schemeClr val="accent1">
+                    <a:shade val="50000"/>
+                  </a:schemeClr>
+                </a:lnRef>
+                <a:fillRef idx="1">
+                  <a:schemeClr val="accent1"/>
+                </a:fillRef>
+                <a:effectRef idx="0">
+                  <a:schemeClr val="accent1"/>
+                </a:effectRef>
+                <a:fontRef idx="minor">
+                  <a:schemeClr val="lt1"/>
+                </a:fontRef>
+              </p:style>
+              <p:txBody>
+                <a:bodyPr rtlCol="0" anchor="ctr"/>
+                <a:lstStyle/>
+                <a:p>
+                  <a:pPr algn="ctr"/>
+                  <a:endParaRPr lang="en-GB"/>
+                </a:p>
+              </p:txBody>
+            </p:sp>
+            <p:pic>
+              <p:nvPicPr>
+                <p:cNvPr id="154" name="Graphic 153" descr="Database">
+                  <a:extLst>
+                    <a:ext uri="{FF2B5EF4-FFF2-40B4-BE49-F238E27FC236}">
+                      <a16:creationId xmlns:a16="http://schemas.microsoft.com/office/drawing/2014/main" id="{58753FB2-5A44-42C9-9B2F-6B311D2AF5DD}"/>
+                    </a:ext>
+                  </a:extLst>
+                </p:cNvPr>
+                <p:cNvPicPr>
+                  <a:picLocks noChangeAspect="1"/>
+                </p:cNvPicPr>
+                <p:nvPr/>
+              </p:nvPicPr>
+              <p:blipFill>
+                <a:blip r:embed="rId6">
+                  <a:extLst>
+                    <a:ext uri="{28A0092B-C50C-407E-A947-70E740481C1C}">
+                      <a14:useLocalDpi xmlns:a14="http://schemas.microsoft.com/office/drawing/2010/main" val="0"/>
+                    </a:ext>
+                    <a:ext uri="{96DAC541-7B7A-43D3-8B79-37D633B846F1}">
+                      <asvg:svgBlip xmlns:asvg="http://schemas.microsoft.com/office/drawing/2016/SVG/main" r:embed="rId7"/>
+                    </a:ext>
+                  </a:extLst>
+                </a:blip>
+                <a:stretch>
+                  <a:fillRect/>
+                </a:stretch>
+              </p:blipFill>
+              <p:spPr>
+                <a:xfrm>
+                  <a:off x="7230111" y="5041901"/>
+                  <a:ext cx="530474" cy="530474"/>
+                </a:xfrm>
+                <a:prstGeom prst="rect">
+                  <a:avLst/>
+                </a:prstGeom>
+              </p:spPr>
+            </p:pic>
+          </p:grpSp>
+          <p:sp>
+            <p:nvSpPr>
+              <p:cNvPr id="150" name="TextBox 149">
+                <a:extLst>
+                  <a:ext uri="{FF2B5EF4-FFF2-40B4-BE49-F238E27FC236}">
+                    <a16:creationId xmlns:a16="http://schemas.microsoft.com/office/drawing/2014/main" id="{9A3C68F4-F24D-4738-B526-AC5F37E5A4EE}"/>
+                  </a:ext>
+                </a:extLst>
+              </p:cNvPr>
+              <p:cNvSpPr txBox="1"/>
+              <p:nvPr/>
+            </p:nvSpPr>
+            <p:spPr>
+              <a:xfrm>
+                <a:off x="1592994" y="5972516"/>
+                <a:ext cx="1016052" cy="307777"/>
+              </a:xfrm>
+              <a:prstGeom prst="rect">
+                <a:avLst/>
+              </a:prstGeom>
+              <a:noFill/>
+            </p:spPr>
+            <p:txBody>
+              <a:bodyPr wrap="square" rtlCol="0">
+                <a:spAutoFit/>
+              </a:bodyPr>
+              <a:lstStyle/>
+              <a:p>
+                <a:pPr algn="ctr"/>
+                <a:r>
+                  <a:rPr lang="en-GB" sz="1400" dirty="0">
+                    <a:latin typeface="Segoe UI Semilight" panose="020B0402040204020203" pitchFamily="34" charset="0"/>
+                    <a:cs typeface="Segoe UI Semilight" panose="020B0402040204020203" pitchFamily="34" charset="0"/>
+                  </a:rPr>
+                  <a:t>DB</a:t>
+                </a:r>
+              </a:p>
+            </p:txBody>
+          </p:sp>
+        </p:grpSp>
+        <p:sp>
+          <p:nvSpPr>
+            <p:cNvPr id="163" name="TextBox 162">
+              <a:extLst>
+                <a:ext uri="{FF2B5EF4-FFF2-40B4-BE49-F238E27FC236}">
+                  <a16:creationId xmlns:a16="http://schemas.microsoft.com/office/drawing/2014/main" id="{716C959C-8C88-4630-B9C5-F9FE6EBB05B4}"/>
+                </a:ext>
+              </a:extLst>
+            </p:cNvPr>
+            <p:cNvSpPr txBox="1"/>
+            <p:nvPr/>
+          </p:nvSpPr>
+          <p:spPr>
+            <a:xfrm>
+              <a:off x="3002205" y="5899610"/>
+              <a:ext cx="1583470" cy="307777"/>
+            </a:xfrm>
+            <a:prstGeom prst="rect">
+              <a:avLst/>
+            </a:prstGeom>
+            <a:noFill/>
+          </p:spPr>
+          <p:txBody>
+            <a:bodyPr wrap="square" rtlCol="0">
+              <a:spAutoFit/>
+            </a:bodyPr>
+            <a:lstStyle/>
+            <a:p>
+              <a:pPr algn="ctr"/>
+              <a:r>
+                <a:rPr lang="en-GB" sz="1400" dirty="0">
+                  <a:latin typeface="Segoe UI Semilight" panose="020B0402040204020203" pitchFamily="34" charset="0"/>
+                  <a:cs typeface="Segoe UI Semilight" panose="020B0402040204020203" pitchFamily="34" charset="0"/>
+                </a:rPr>
+                <a:t>Workload subnet</a:t>
+              </a:r>
+            </a:p>
+          </p:txBody>
+        </p:sp>
+        <p:sp>
+          <p:nvSpPr>
+            <p:cNvPr id="165" name="TextBox 164">
+              <a:extLst>
+                <a:ext uri="{FF2B5EF4-FFF2-40B4-BE49-F238E27FC236}">
+                  <a16:creationId xmlns:a16="http://schemas.microsoft.com/office/drawing/2014/main" id="{5BE475EC-F6FE-4AF4-9A0D-ABB74576C154}"/>
+                </a:ext>
+              </a:extLst>
+            </p:cNvPr>
+            <p:cNvSpPr txBox="1"/>
+            <p:nvPr/>
+          </p:nvSpPr>
+          <p:spPr>
+            <a:xfrm>
+              <a:off x="3002205" y="3302869"/>
+              <a:ext cx="1583470" cy="523220"/>
+            </a:xfrm>
+            <a:prstGeom prst="rect">
+              <a:avLst/>
+            </a:prstGeom>
+            <a:noFill/>
+          </p:spPr>
+          <p:txBody>
+            <a:bodyPr wrap="square" rtlCol="0">
+              <a:spAutoFit/>
+            </a:bodyPr>
+            <a:lstStyle/>
+            <a:p>
+              <a:pPr algn="ctr"/>
+              <a:r>
+                <a:rPr lang="en-GB" sz="1400" dirty="0">
+                  <a:latin typeface="Segoe UI Semilight" panose="020B0402040204020203" pitchFamily="34" charset="0"/>
+                  <a:cs typeface="Segoe UI Semilight" panose="020B0402040204020203" pitchFamily="34" charset="0"/>
+                </a:rPr>
+                <a:t>Management subnet</a:t>
+              </a:r>
+            </a:p>
+          </p:txBody>
+        </p:sp>
+        <p:grpSp>
+          <p:nvGrpSpPr>
+            <p:cNvPr id="3" name="Group 2">
+              <a:extLst>
+                <a:ext uri="{FF2B5EF4-FFF2-40B4-BE49-F238E27FC236}">
+                  <a16:creationId xmlns:a16="http://schemas.microsoft.com/office/drawing/2014/main" id="{EDDF2D02-62D3-4433-9E76-F885C28CF345}"/>
+                </a:ext>
+              </a:extLst>
+            </p:cNvPr>
+            <p:cNvGrpSpPr/>
+            <p:nvPr/>
+          </p:nvGrpSpPr>
+          <p:grpSpPr>
+            <a:xfrm>
+              <a:off x="7463298" y="108536"/>
+              <a:ext cx="4940245" cy="6268577"/>
+              <a:chOff x="5857135" y="108536"/>
+              <a:chExt cx="4940245" cy="6268577"/>
+            </a:xfrm>
+          </p:grpSpPr>
+          <p:sp>
+            <p:nvSpPr>
+              <p:cNvPr id="172" name="Rectangle 171">
+                <a:extLst>
+                  <a:ext uri="{FF2B5EF4-FFF2-40B4-BE49-F238E27FC236}">
+                    <a16:creationId xmlns:a16="http://schemas.microsoft.com/office/drawing/2014/main" id="{32AA820B-A66A-46AA-94F7-5E3EA5DE5EEB}"/>
+                  </a:ext>
+                </a:extLst>
+              </p:cNvPr>
+              <p:cNvSpPr/>
+              <p:nvPr/>
+            </p:nvSpPr>
+            <p:spPr>
+              <a:xfrm>
+                <a:off x="6077065" y="4046417"/>
+                <a:ext cx="2012393" cy="1517856"/>
+              </a:xfrm>
+              <a:prstGeom prst="rect">
+                <a:avLst/>
+              </a:prstGeom>
+              <a:solidFill>
+                <a:schemeClr val="bg1">
+                  <a:lumMod val="85000"/>
+                </a:schemeClr>
+              </a:solidFill>
+              <a:ln>
+                <a:solidFill>
+                  <a:schemeClr val="bg1">
+                    <a:lumMod val="75000"/>
+                  </a:schemeClr>
+                </a:solidFill>
+              </a:ln>
+            </p:spPr>
+            <p:style>
+              <a:lnRef idx="2">
+                <a:schemeClr val="accent3">
+                  <a:shade val="50000"/>
+                </a:schemeClr>
+              </a:lnRef>
+              <a:fillRef idx="1">
+                <a:schemeClr val="accent3"/>
+              </a:fillRef>
+              <a:effectRef idx="0">
+                <a:schemeClr val="accent3"/>
+              </a:effectRef>
+              <a:fontRef idx="minor">
+                <a:schemeClr val="lt1"/>
+              </a:fontRef>
+            </p:style>
+            <p:txBody>
+              <a:bodyPr rtlCol="0" anchor="ctr"/>
+              <a:lstStyle/>
+              <a:p>
+                <a:pPr algn="ctr"/>
+                <a:endParaRPr lang="en-GB"/>
+              </a:p>
+            </p:txBody>
+          </p:sp>
+          <p:sp>
+            <p:nvSpPr>
+              <p:cNvPr id="31" name="Rectangle 30">
+                <a:extLst>
+                  <a:ext uri="{FF2B5EF4-FFF2-40B4-BE49-F238E27FC236}">
+                    <a16:creationId xmlns:a16="http://schemas.microsoft.com/office/drawing/2014/main" id="{2F54B260-6A58-40C6-A05B-535779722010}"/>
+                  </a:ext>
+                </a:extLst>
+              </p:cNvPr>
+              <p:cNvSpPr/>
+              <p:nvPr/>
+            </p:nvSpPr>
+            <p:spPr>
+              <a:xfrm rot="2675702">
+                <a:off x="6432243" y="4233018"/>
+                <a:ext cx="617423" cy="617423"/>
+              </a:xfrm>
+              <a:prstGeom prst="rect">
+                <a:avLst/>
+              </a:prstGeom>
+              <a:solidFill>
+                <a:schemeClr val="bg1"/>
+              </a:solidFill>
+              <a:ln>
+                <a:noFill/>
+              </a:ln>
+            </p:spPr>
+            <p:style>
+              <a:lnRef idx="2">
+                <a:schemeClr val="accent1">
+                  <a:shade val="50000"/>
+                </a:schemeClr>
+              </a:lnRef>
+              <a:fillRef idx="1">
+                <a:schemeClr val="accent1"/>
+              </a:fillRef>
+              <a:effectRef idx="0">
+                <a:schemeClr val="accent1"/>
+              </a:effectRef>
+              <a:fontRef idx="minor">
+                <a:schemeClr val="lt1"/>
+              </a:fontRef>
+            </p:style>
+            <p:txBody>
+              <a:bodyPr rtlCol="0" anchor="ctr"/>
+              <a:lstStyle/>
+              <a:p>
+                <a:pPr algn="ctr"/>
+                <a:endParaRPr lang="en-GB"/>
+              </a:p>
+            </p:txBody>
+          </p:sp>
+          <p:pic>
+            <p:nvPicPr>
+              <p:cNvPr id="35" name="Picture 34">
+                <a:extLst>
+                  <a:ext uri="{FF2B5EF4-FFF2-40B4-BE49-F238E27FC236}">
+                    <a16:creationId xmlns:a16="http://schemas.microsoft.com/office/drawing/2014/main" id="{1535C81E-CD2C-4AD5-BF99-FA0E3AB6BAA9}"/>
+                  </a:ext>
+                </a:extLst>
+              </p:cNvPr>
+              <p:cNvPicPr>
+                <a:picLocks noChangeAspect="1"/>
+              </p:cNvPicPr>
+              <p:nvPr/>
+            </p:nvPicPr>
+            <p:blipFill>
+              <a:blip r:embed="rId8">
+                <a:clrChange>
+                  <a:clrFrom>
+                    <a:srgbClr val="FFFFFF"/>
+                  </a:clrFrom>
+                  <a:clrTo>
+                    <a:srgbClr val="FFFFFF">
+                      <a:alpha val="0"/>
+                    </a:srgbClr>
+                  </a:clrTo>
+                </a:clrChange>
+              </a:blip>
+              <a:stretch>
+                <a:fillRect/>
+              </a:stretch>
+            </p:blipFill>
+            <p:spPr>
+              <a:xfrm>
+                <a:off x="6146442" y="4021937"/>
+                <a:ext cx="1174810" cy="1041454"/>
+              </a:xfrm>
+              <a:prstGeom prst="rect">
+                <a:avLst/>
+              </a:prstGeom>
+            </p:spPr>
+          </p:pic>
+          <p:sp>
+            <p:nvSpPr>
+              <p:cNvPr id="174" name="Rectangle 173">
+                <a:extLst>
+                  <a:ext uri="{FF2B5EF4-FFF2-40B4-BE49-F238E27FC236}">
+                    <a16:creationId xmlns:a16="http://schemas.microsoft.com/office/drawing/2014/main" id="{9D40270A-3FF6-40A0-A21C-AECD43330A6E}"/>
+                  </a:ext>
+                </a:extLst>
+              </p:cNvPr>
+              <p:cNvSpPr/>
+              <p:nvPr/>
+            </p:nvSpPr>
+            <p:spPr>
+              <a:xfrm>
+                <a:off x="6077065" y="1919334"/>
+                <a:ext cx="2497316" cy="1656427"/>
+              </a:xfrm>
+              <a:prstGeom prst="rect">
+                <a:avLst/>
+              </a:prstGeom>
+              <a:solidFill>
+                <a:schemeClr val="bg1">
+                  <a:lumMod val="85000"/>
+                </a:schemeClr>
+              </a:solidFill>
+              <a:ln>
+                <a:solidFill>
+                  <a:schemeClr val="bg1">
+                    <a:lumMod val="75000"/>
+                  </a:schemeClr>
+                </a:solidFill>
+              </a:ln>
+            </p:spPr>
+            <p:style>
+              <a:lnRef idx="2">
+                <a:schemeClr val="accent3">
+                  <a:shade val="50000"/>
+                </a:schemeClr>
+              </a:lnRef>
+              <a:fillRef idx="1">
+                <a:schemeClr val="accent3"/>
+              </a:fillRef>
+              <a:effectRef idx="0">
+                <a:schemeClr val="accent3"/>
+              </a:effectRef>
+              <a:fontRef idx="minor">
+                <a:schemeClr val="lt1"/>
+              </a:fontRef>
+            </p:style>
+            <p:txBody>
+              <a:bodyPr rtlCol="0" anchor="ctr"/>
+              <a:lstStyle/>
+              <a:p>
+                <a:pPr algn="ctr"/>
+                <a:endParaRPr lang="en-GB"/>
+              </a:p>
+            </p:txBody>
+          </p:sp>
+          <p:sp>
+            <p:nvSpPr>
+              <p:cNvPr id="173" name="TextBox 172">
+                <a:extLst>
+                  <a:ext uri="{FF2B5EF4-FFF2-40B4-BE49-F238E27FC236}">
+                    <a16:creationId xmlns:a16="http://schemas.microsoft.com/office/drawing/2014/main" id="{4B322011-622E-4D30-B762-DFAE830934DF}"/>
+                  </a:ext>
+                </a:extLst>
+              </p:cNvPr>
+              <p:cNvSpPr txBox="1"/>
+              <p:nvPr/>
+            </p:nvSpPr>
+            <p:spPr>
+              <a:xfrm>
+                <a:off x="6068418" y="5533873"/>
+                <a:ext cx="989696" cy="307777"/>
+              </a:xfrm>
+              <a:prstGeom prst="rect">
+                <a:avLst/>
+              </a:prstGeom>
+              <a:noFill/>
+            </p:spPr>
+            <p:txBody>
+              <a:bodyPr wrap="square" rtlCol="0">
+                <a:spAutoFit/>
+              </a:bodyPr>
+              <a:lstStyle/>
+              <a:p>
+                <a:pPr algn="ctr"/>
+                <a:r>
+                  <a:rPr lang="en-GB" sz="1400" dirty="0">
+                    <a:latin typeface="Segoe UI Semilight" panose="020B0402040204020203" pitchFamily="34" charset="0"/>
+                    <a:cs typeface="Segoe UI Semilight" panose="020B0402040204020203" pitchFamily="34" charset="0"/>
+                  </a:rPr>
+                  <a:t>AD subnet</a:t>
+                </a:r>
+              </a:p>
+            </p:txBody>
+          </p:sp>
+          <p:sp>
+            <p:nvSpPr>
+              <p:cNvPr id="8" name="Cloud 7">
+                <a:extLst>
+                  <a:ext uri="{FF2B5EF4-FFF2-40B4-BE49-F238E27FC236}">
+                    <a16:creationId xmlns:a16="http://schemas.microsoft.com/office/drawing/2014/main" id="{D04C277F-B9BC-4C2A-B7FD-11CCC26EF43B}"/>
+                  </a:ext>
+                </a:extLst>
+              </p:cNvPr>
+              <p:cNvSpPr/>
+              <p:nvPr/>
+            </p:nvSpPr>
+            <p:spPr>
+              <a:xfrm>
+                <a:off x="6678697" y="108536"/>
+                <a:ext cx="2540000" cy="1143000"/>
+              </a:xfrm>
+              <a:prstGeom prst="cloud">
+                <a:avLst/>
+              </a:prstGeom>
+              <a:solidFill>
+                <a:srgbClr val="5B9BD5"/>
+              </a:solidFill>
+              <a:ln>
+                <a:noFill/>
+              </a:ln>
+            </p:spPr>
+            <p:style>
+              <a:lnRef idx="2">
+                <a:schemeClr val="accent1">
+                  <a:shade val="50000"/>
+                </a:schemeClr>
+              </a:lnRef>
+              <a:fillRef idx="1">
+                <a:schemeClr val="accent1"/>
+              </a:fillRef>
+              <a:effectRef idx="0">
+                <a:schemeClr val="accent1"/>
+              </a:effectRef>
+              <a:fontRef idx="minor">
+                <a:schemeClr val="lt1"/>
+              </a:fontRef>
+            </p:style>
+            <p:txBody>
+              <a:bodyPr rtlCol="0" anchor="ctr"/>
+              <a:lstStyle/>
+              <a:p>
+                <a:pPr algn="ctr"/>
+                <a:r>
+                  <a:rPr lang="en-GB" dirty="0">
+                    <a:latin typeface="Segoe UI Semilight" panose="020B0402040204020203" pitchFamily="34" charset="0"/>
+                    <a:cs typeface="Segoe UI Semilight" panose="020B0402040204020203" pitchFamily="34" charset="0"/>
+                  </a:rPr>
+                  <a:t>Public Internet</a:t>
+                </a:r>
+              </a:p>
+            </p:txBody>
+          </p:sp>
+          <p:sp>
+            <p:nvSpPr>
+              <p:cNvPr id="75" name="TextBox 74">
+                <a:extLst>
+                  <a:ext uri="{FF2B5EF4-FFF2-40B4-BE49-F238E27FC236}">
+                    <a16:creationId xmlns:a16="http://schemas.microsoft.com/office/drawing/2014/main" id="{8FA94EC7-C901-45AE-93FA-15AA4D3789BF}"/>
+                  </a:ext>
+                </a:extLst>
+              </p:cNvPr>
+              <p:cNvSpPr txBox="1"/>
+              <p:nvPr/>
+            </p:nvSpPr>
+            <p:spPr>
+              <a:xfrm>
+                <a:off x="5963517" y="1461447"/>
+                <a:ext cx="2767236" cy="307777"/>
+              </a:xfrm>
+              <a:prstGeom prst="rect">
+                <a:avLst/>
+              </a:prstGeom>
+              <a:noFill/>
+            </p:spPr>
+            <p:txBody>
+              <a:bodyPr wrap="square" rtlCol="0">
+                <a:spAutoFit/>
+              </a:bodyPr>
+              <a:lstStyle/>
+              <a:p>
+                <a:pPr algn="ctr"/>
+                <a:r>
+                  <a:rPr lang="en-GB" sz="1400" dirty="0">
+                    <a:solidFill>
+                      <a:srgbClr val="5B9BD5"/>
+                    </a:solidFill>
+                    <a:latin typeface="Segoe UI Black" panose="020B0A02040204020203" pitchFamily="34" charset="0"/>
+                    <a:ea typeface="Segoe UI Black" panose="020B0A02040204020203" pitchFamily="34" charset="0"/>
+                    <a:cs typeface="Segoe UI Semilight" panose="020B0402040204020203" pitchFamily="34" charset="0"/>
+                  </a:rPr>
+                  <a:t>Hub</a:t>
+                </a:r>
+              </a:p>
+            </p:txBody>
+          </p:sp>
+          <p:pic>
+            <p:nvPicPr>
+              <p:cNvPr id="29" name="Picture 28">
+                <a:extLst>
+                  <a:ext uri="{FF2B5EF4-FFF2-40B4-BE49-F238E27FC236}">
+                    <a16:creationId xmlns:a16="http://schemas.microsoft.com/office/drawing/2014/main" id="{06080F83-D104-4305-A019-280A4DFBEBCF}"/>
+                  </a:ext>
+                </a:extLst>
+              </p:cNvPr>
+              <p:cNvPicPr>
+                <a:picLocks noChangeAspect="1"/>
+              </p:cNvPicPr>
+              <p:nvPr/>
+            </p:nvPicPr>
+            <p:blipFill>
+              <a:blip r:embed="rId9">
+                <a:clrChange>
+                  <a:clrFrom>
+                    <a:srgbClr val="FFFFFF"/>
+                  </a:clrFrom>
+                  <a:clrTo>
+                    <a:srgbClr val="FFFFFF">
+                      <a:alpha val="0"/>
+                    </a:srgbClr>
+                  </a:clrTo>
+                </a:clrChange>
+              </a:blip>
+              <a:stretch>
+                <a:fillRect/>
+              </a:stretch>
+            </p:blipFill>
+            <p:spPr>
+              <a:xfrm>
+                <a:off x="7504458" y="2533196"/>
+                <a:ext cx="984301" cy="1092256"/>
+              </a:xfrm>
+              <a:prstGeom prst="rect">
+                <a:avLst/>
+              </a:prstGeom>
+            </p:spPr>
+          </p:pic>
+          <p:sp>
+            <p:nvSpPr>
+              <p:cNvPr id="4" name="AutoShape 2" descr="1">
+                <a:extLst>
+                  <a:ext uri="{FF2B5EF4-FFF2-40B4-BE49-F238E27FC236}">
+                    <a16:creationId xmlns:a16="http://schemas.microsoft.com/office/drawing/2014/main" id="{D2741D4E-C0E7-4313-B888-AD4CD7CEC177}"/>
+                  </a:ext>
+                </a:extLst>
+              </p:cNvPr>
+              <p:cNvSpPr>
+                <a:spLocks noChangeAspect="1" noChangeArrowheads="1"/>
+              </p:cNvSpPr>
+              <p:nvPr/>
+            </p:nvSpPr>
+            <p:spPr bwMode="auto">
+              <a:xfrm>
+                <a:off x="5857135" y="3774386"/>
+                <a:ext cx="2602727" cy="2602727"/>
+              </a:xfrm>
+              <a:prstGeom prst="rect">
+                <a:avLst/>
+              </a:prstGeom>
+              <a:noFill/>
+              <a:extLst>
+                <a:ext uri="{909E8E84-426E-40DD-AFC4-6F175D3DCCD1}">
+                  <a14:hiddenFill xmlns:a14="http://schemas.microsoft.com/office/drawing/2010/main">
+                    <a:solidFill>
+                      <a:srgbClr val="FFFFFF"/>
+                    </a:solidFill>
+                  </a14:hiddenFill>
+                </a:ext>
+              </a:extLst>
+            </p:spPr>
+            <p:txBody>
+              <a:bodyPr vert="horz" wrap="square" lIns="91440" tIns="45720" rIns="91440" bIns="45720" numCol="1" anchor="t" anchorCtr="0" compatLnSpc="1">
+                <a:prstTxWarp prst="textNoShape">
+                  <a:avLst/>
+                </a:prstTxWarp>
+              </a:bodyPr>
+              <a:lstStyle/>
+              <a:p>
+                <a:endParaRPr lang="en-GB">
+                  <a:latin typeface="Segoe UI Semilight" panose="020B0402040204020203" pitchFamily="34" charset="0"/>
+                  <a:cs typeface="Segoe UI Semilight" panose="020B0402040204020203" pitchFamily="34" charset="0"/>
+                </a:endParaRPr>
+              </a:p>
+            </p:txBody>
+          </p:sp>
+          <p:pic>
+            <p:nvPicPr>
+              <p:cNvPr id="36" name="Picture 35">
+                <a:extLst>
+                  <a:ext uri="{FF2B5EF4-FFF2-40B4-BE49-F238E27FC236}">
+                    <a16:creationId xmlns:a16="http://schemas.microsoft.com/office/drawing/2014/main" id="{EB6BBCFB-8E63-423E-8851-46E9097D52F7}"/>
+                  </a:ext>
+                </a:extLst>
+              </p:cNvPr>
+              <p:cNvPicPr>
+                <a:picLocks noChangeAspect="1"/>
+              </p:cNvPicPr>
+              <p:nvPr/>
+            </p:nvPicPr>
+            <p:blipFill>
+              <a:blip r:embed="rId10">
+                <a:clrChange>
+                  <a:clrFrom>
+                    <a:srgbClr val="FFFFFF"/>
+                  </a:clrFrom>
+                  <a:clrTo>
+                    <a:srgbClr val="FFFFFF">
+                      <a:alpha val="0"/>
+                    </a:srgbClr>
+                  </a:clrTo>
+                </a:clrChange>
+              </a:blip>
+              <a:stretch>
+                <a:fillRect/>
+              </a:stretch>
+            </p:blipFill>
+            <p:spPr>
+              <a:xfrm>
+                <a:off x="6376227" y="2416146"/>
+                <a:ext cx="869995" cy="850944"/>
+              </a:xfrm>
+              <a:prstGeom prst="rect">
+                <a:avLst/>
+              </a:prstGeom>
+            </p:spPr>
+          </p:pic>
+          <p:sp>
+            <p:nvSpPr>
+              <p:cNvPr id="58" name="Rectangle 57">
+                <a:extLst>
+                  <a:ext uri="{FF2B5EF4-FFF2-40B4-BE49-F238E27FC236}">
+                    <a16:creationId xmlns:a16="http://schemas.microsoft.com/office/drawing/2014/main" id="{E0BDE120-D5D1-49ED-9AB6-743C1B5DDAF2}"/>
+                  </a:ext>
+                </a:extLst>
+              </p:cNvPr>
+              <p:cNvSpPr/>
+              <p:nvPr/>
+            </p:nvSpPr>
+            <p:spPr>
+              <a:xfrm>
+                <a:off x="5950844" y="1765594"/>
+                <a:ext cx="2770293" cy="4153923"/>
+              </a:xfrm>
+              <a:prstGeom prst="rect">
+                <a:avLst/>
+              </a:prstGeom>
+              <a:noFill/>
+              <a:ln w="38100">
+                <a:solidFill>
+                  <a:srgbClr val="5B9BD5"/>
+                </a:solidFill>
+                <a:prstDash val="sysDot"/>
+              </a:ln>
+            </p:spPr>
+            <p:style>
+              <a:lnRef idx="2">
+                <a:schemeClr val="accent1">
+                  <a:shade val="50000"/>
+                </a:schemeClr>
+              </a:lnRef>
+              <a:fillRef idx="1">
+                <a:schemeClr val="accent1"/>
+              </a:fillRef>
+              <a:effectRef idx="0">
+                <a:schemeClr val="accent1"/>
+              </a:effectRef>
+              <a:fontRef idx="minor">
+                <a:schemeClr val="lt1"/>
+              </a:fontRef>
+            </p:style>
+            <p:txBody>
+              <a:bodyPr rtlCol="0" anchor="ctr"/>
+              <a:lstStyle/>
+              <a:p>
+                <a:pPr algn="ctr"/>
+                <a:endParaRPr lang="en-GB"/>
+              </a:p>
+            </p:txBody>
+          </p:sp>
+          <p:grpSp>
+            <p:nvGrpSpPr>
+              <p:cNvPr id="61" name="Group 60">
+                <a:extLst>
+                  <a:ext uri="{FF2B5EF4-FFF2-40B4-BE49-F238E27FC236}">
+                    <a16:creationId xmlns:a16="http://schemas.microsoft.com/office/drawing/2014/main" id="{02FFCFF1-2457-46FF-ABEB-177C71E9B6FC}"/>
+                  </a:ext>
+                </a:extLst>
+              </p:cNvPr>
+              <p:cNvGrpSpPr/>
+              <p:nvPr/>
+            </p:nvGrpSpPr>
+            <p:grpSpPr>
+              <a:xfrm>
+                <a:off x="8126036" y="5586533"/>
+                <a:ext cx="908492" cy="682597"/>
+                <a:chOff x="5358637" y="4686040"/>
+                <a:chExt cx="908492" cy="682597"/>
+              </a:xfrm>
+            </p:grpSpPr>
+            <p:sp>
+              <p:nvSpPr>
+                <p:cNvPr id="60" name="Rectangle 59">
+                  <a:extLst>
+                    <a:ext uri="{FF2B5EF4-FFF2-40B4-BE49-F238E27FC236}">
+                      <a16:creationId xmlns:a16="http://schemas.microsoft.com/office/drawing/2014/main" id="{E2D81316-84F0-4EA5-B2C0-5D8AE24B47EF}"/>
+                    </a:ext>
+                  </a:extLst>
+                </p:cNvPr>
+                <p:cNvSpPr/>
+                <p:nvPr/>
+              </p:nvSpPr>
+              <p:spPr>
+                <a:xfrm>
+                  <a:off x="5427133" y="4818529"/>
+                  <a:ext cx="713691" cy="407895"/>
+                </a:xfrm>
+                <a:prstGeom prst="rect">
+                  <a:avLst/>
+                </a:prstGeom>
+                <a:solidFill>
+                  <a:schemeClr val="bg1"/>
+                </a:solidFill>
+                <a:ln>
+                  <a:noFill/>
+                </a:ln>
+              </p:spPr>
+              <p:style>
+                <a:lnRef idx="2">
+                  <a:schemeClr val="accent1">
+                    <a:shade val="50000"/>
+                  </a:schemeClr>
+                </a:lnRef>
+                <a:fillRef idx="1">
+                  <a:schemeClr val="accent1"/>
+                </a:fillRef>
+                <a:effectRef idx="0">
+                  <a:schemeClr val="accent1"/>
+                </a:effectRef>
+                <a:fontRef idx="minor">
+                  <a:schemeClr val="lt1"/>
+                </a:fontRef>
+              </p:style>
+              <p:txBody>
+                <a:bodyPr rtlCol="0" anchor="ctr"/>
+                <a:lstStyle/>
+                <a:p>
+                  <a:pPr algn="ctr"/>
+                  <a:endParaRPr lang="en-GB"/>
+                </a:p>
+              </p:txBody>
+            </p:sp>
+            <p:pic>
+              <p:nvPicPr>
+                <p:cNvPr id="59" name="Picture 58">
+                  <a:extLst>
+                    <a:ext uri="{FF2B5EF4-FFF2-40B4-BE49-F238E27FC236}">
+                      <a16:creationId xmlns:a16="http://schemas.microsoft.com/office/drawing/2014/main" id="{7E32F89D-79D1-45A5-A1F4-0C52884F93ED}"/>
+                    </a:ext>
+                  </a:extLst>
+                </p:cNvPr>
+                <p:cNvPicPr>
+                  <a:picLocks noChangeAspect="1"/>
+                </p:cNvPicPr>
+                <p:nvPr/>
+              </p:nvPicPr>
+              <p:blipFill>
+                <a:blip r:embed="rId2">
+                  <a:clrChange>
+                    <a:clrFrom>
+                      <a:srgbClr val="FFFFFF"/>
+                    </a:clrFrom>
+                    <a:clrTo>
+                      <a:srgbClr val="FFFFFF">
+                        <a:alpha val="0"/>
+                      </a:srgbClr>
+                    </a:clrTo>
+                  </a:clrChange>
+                </a:blip>
+                <a:stretch>
+                  <a:fillRect/>
+                </a:stretch>
+              </p:blipFill>
+              <p:spPr>
+                <a:xfrm>
+                  <a:off x="5358637" y="4686040"/>
+                  <a:ext cx="908492" cy="682597"/>
+                </a:xfrm>
+                <a:prstGeom prst="rect">
+                  <a:avLst/>
+                </a:prstGeom>
+              </p:spPr>
+            </p:pic>
+          </p:grpSp>
+          <p:sp>
+            <p:nvSpPr>
+              <p:cNvPr id="68" name="TextBox 67">
+                <a:extLst>
+                  <a:ext uri="{FF2B5EF4-FFF2-40B4-BE49-F238E27FC236}">
+                    <a16:creationId xmlns:a16="http://schemas.microsoft.com/office/drawing/2014/main" id="{737A5110-B902-4EB7-925A-176F4328E5D1}"/>
+                  </a:ext>
+                </a:extLst>
+              </p:cNvPr>
+              <p:cNvSpPr txBox="1"/>
+              <p:nvPr/>
+            </p:nvSpPr>
+            <p:spPr>
+              <a:xfrm>
+                <a:off x="7676659" y="5909298"/>
+                <a:ext cx="713691" cy="307777"/>
+              </a:xfrm>
+              <a:prstGeom prst="rect">
+                <a:avLst/>
+              </a:prstGeom>
+              <a:noFill/>
+            </p:spPr>
+            <p:txBody>
+              <a:bodyPr wrap="square" rtlCol="0">
+                <a:spAutoFit/>
+              </a:bodyPr>
+              <a:lstStyle/>
+              <a:p>
+                <a:pPr algn="ctr"/>
+                <a:r>
+                  <a:rPr lang="en-GB" sz="1400" dirty="0" err="1">
+                    <a:latin typeface="Segoe UI Semilight" panose="020B0402040204020203" pitchFamily="34" charset="0"/>
+                    <a:cs typeface="Segoe UI Semilight" panose="020B0402040204020203" pitchFamily="34" charset="0"/>
+                  </a:rPr>
+                  <a:t>VNet</a:t>
+                </a:r>
+                <a:endParaRPr lang="en-GB" sz="1400" dirty="0">
+                  <a:latin typeface="Segoe UI Semilight" panose="020B0402040204020203" pitchFamily="34" charset="0"/>
+                  <a:cs typeface="Segoe UI Semilight" panose="020B0402040204020203" pitchFamily="34" charset="0"/>
+                </a:endParaRPr>
+              </a:p>
+            </p:txBody>
+          </p:sp>
+          <p:sp>
+            <p:nvSpPr>
+              <p:cNvPr id="69" name="TextBox 68">
+                <a:extLst>
+                  <a:ext uri="{FF2B5EF4-FFF2-40B4-BE49-F238E27FC236}">
+                    <a16:creationId xmlns:a16="http://schemas.microsoft.com/office/drawing/2014/main" id="{B07A2E68-80E6-4876-B3B9-CF2CFD7ADE0D}"/>
+                  </a:ext>
+                </a:extLst>
+              </p:cNvPr>
+              <p:cNvSpPr txBox="1"/>
+              <p:nvPr/>
+            </p:nvSpPr>
+            <p:spPr>
+              <a:xfrm>
+                <a:off x="6286712" y="4947651"/>
+                <a:ext cx="908492" cy="523220"/>
+              </a:xfrm>
+              <a:prstGeom prst="rect">
+                <a:avLst/>
+              </a:prstGeom>
+              <a:noFill/>
+            </p:spPr>
+            <p:txBody>
+              <a:bodyPr wrap="square" rtlCol="0">
+                <a:spAutoFit/>
+              </a:bodyPr>
+              <a:lstStyle/>
+              <a:p>
+                <a:pPr algn="ctr"/>
+                <a:r>
+                  <a:rPr lang="en-GB" sz="1400" dirty="0">
+                    <a:latin typeface="Segoe UI Semilight" panose="020B0402040204020203" pitchFamily="34" charset="0"/>
+                    <a:cs typeface="Segoe UI Semilight" panose="020B0402040204020203" pitchFamily="34" charset="0"/>
+                  </a:rPr>
+                  <a:t>Active Directory</a:t>
+                </a:r>
+              </a:p>
+            </p:txBody>
+          </p:sp>
+          <p:sp>
+            <p:nvSpPr>
+              <p:cNvPr id="70" name="TextBox 69">
+                <a:extLst>
+                  <a:ext uri="{FF2B5EF4-FFF2-40B4-BE49-F238E27FC236}">
+                    <a16:creationId xmlns:a16="http://schemas.microsoft.com/office/drawing/2014/main" id="{FFBC1F5F-D413-49CF-91BA-299EBC64F855}"/>
+                  </a:ext>
+                </a:extLst>
+              </p:cNvPr>
+              <p:cNvSpPr txBox="1"/>
+              <p:nvPr/>
+            </p:nvSpPr>
+            <p:spPr>
+              <a:xfrm>
+                <a:off x="7450852" y="2138694"/>
+                <a:ext cx="1009010" cy="523220"/>
+              </a:xfrm>
+              <a:prstGeom prst="rect">
+                <a:avLst/>
+              </a:prstGeom>
+              <a:noFill/>
+            </p:spPr>
+            <p:txBody>
+              <a:bodyPr wrap="square" rtlCol="0">
+                <a:spAutoFit/>
+              </a:bodyPr>
+              <a:lstStyle/>
+              <a:p>
+                <a:pPr algn="ctr"/>
+                <a:r>
+                  <a:rPr lang="en-GB" sz="1400" dirty="0">
+                    <a:latin typeface="Segoe UI Semilight" panose="020B0402040204020203" pitchFamily="34" charset="0"/>
+                    <a:cs typeface="Segoe UI Semilight" panose="020B0402040204020203" pitchFamily="34" charset="0"/>
+                  </a:rPr>
+                  <a:t>DDOS protection</a:t>
+                </a:r>
+              </a:p>
+            </p:txBody>
+          </p:sp>
+          <p:sp>
+            <p:nvSpPr>
+              <p:cNvPr id="71" name="TextBox 70">
+                <a:extLst>
+                  <a:ext uri="{FF2B5EF4-FFF2-40B4-BE49-F238E27FC236}">
+                    <a16:creationId xmlns:a16="http://schemas.microsoft.com/office/drawing/2014/main" id="{F8CA4FF7-ACF8-4198-9D55-FE1CBFE699A7}"/>
+                  </a:ext>
+                </a:extLst>
+              </p:cNvPr>
+              <p:cNvSpPr txBox="1"/>
+              <p:nvPr/>
+            </p:nvSpPr>
+            <p:spPr>
+              <a:xfrm>
+                <a:off x="6007465" y="2081635"/>
+                <a:ext cx="869995" cy="523220"/>
+              </a:xfrm>
+              <a:prstGeom prst="rect">
+                <a:avLst/>
+              </a:prstGeom>
+              <a:noFill/>
+            </p:spPr>
+            <p:txBody>
+              <a:bodyPr wrap="square" rtlCol="0">
+                <a:spAutoFit/>
+              </a:bodyPr>
+              <a:lstStyle/>
+              <a:p>
+                <a:pPr algn="ctr"/>
+                <a:r>
+                  <a:rPr lang="en-GB" sz="1400" dirty="0">
+                    <a:latin typeface="Segoe UI Semilight" panose="020B0402040204020203" pitchFamily="34" charset="0"/>
+                    <a:cs typeface="Segoe UI Semilight" panose="020B0402040204020203" pitchFamily="34" charset="0"/>
+                  </a:rPr>
+                  <a:t>Azure Firewall</a:t>
+                </a:r>
+              </a:p>
+            </p:txBody>
+          </p:sp>
+          <p:grpSp>
+            <p:nvGrpSpPr>
+              <p:cNvPr id="80" name="Group 79">
+                <a:extLst>
+                  <a:ext uri="{FF2B5EF4-FFF2-40B4-BE49-F238E27FC236}">
+                    <a16:creationId xmlns:a16="http://schemas.microsoft.com/office/drawing/2014/main" id="{05E85FB0-7702-4CF1-BF32-C92AD1897B5A}"/>
+                  </a:ext>
+                </a:extLst>
+              </p:cNvPr>
+              <p:cNvGrpSpPr/>
+              <p:nvPr/>
+            </p:nvGrpSpPr>
+            <p:grpSpPr>
+              <a:xfrm>
+                <a:off x="9424698" y="4833654"/>
+                <a:ext cx="1372682" cy="1161507"/>
+                <a:chOff x="9528810" y="848880"/>
+                <a:chExt cx="1372682" cy="1161507"/>
+              </a:xfrm>
+            </p:grpSpPr>
+            <p:pic>
+              <p:nvPicPr>
+                <p:cNvPr id="12" name="Graphic 11" descr="Building">
+                  <a:extLst>
+                    <a:ext uri="{FF2B5EF4-FFF2-40B4-BE49-F238E27FC236}">
+                      <a16:creationId xmlns:a16="http://schemas.microsoft.com/office/drawing/2014/main" id="{BB05C67C-AFA8-48B8-A50D-4F4C8EACCF38}"/>
+                    </a:ext>
+                  </a:extLst>
+                </p:cNvPr>
+                <p:cNvPicPr>
+                  <a:picLocks noChangeAspect="1"/>
+                </p:cNvPicPr>
+                <p:nvPr/>
+              </p:nvPicPr>
+              <p:blipFill>
+                <a:blip r:embed="rId11">
+                  <a:extLst>
+                    <a:ext uri="{28A0092B-C50C-407E-A947-70E740481C1C}">
+                      <a14:useLocalDpi xmlns:a14="http://schemas.microsoft.com/office/drawing/2010/main" val="0"/>
+                    </a:ext>
+                    <a:ext uri="{96DAC541-7B7A-43D3-8B79-37D633B846F1}">
+                      <asvg:svgBlip xmlns:asvg="http://schemas.microsoft.com/office/drawing/2016/SVG/main" r:embed="rId12"/>
+                    </a:ext>
+                  </a:extLst>
+                </a:blip>
+                <a:stretch>
+                  <a:fillRect/>
+                </a:stretch>
+              </p:blipFill>
+              <p:spPr>
+                <a:xfrm>
+                  <a:off x="9758043" y="848880"/>
+                  <a:ext cx="914400" cy="914400"/>
+                </a:xfrm>
+                <a:prstGeom prst="rect">
+                  <a:avLst/>
+                </a:prstGeom>
+              </p:spPr>
+            </p:pic>
+            <p:sp>
+              <p:nvSpPr>
+                <p:cNvPr id="17" name="TextBox 16">
+                  <a:extLst>
+                    <a:ext uri="{FF2B5EF4-FFF2-40B4-BE49-F238E27FC236}">
+                      <a16:creationId xmlns:a16="http://schemas.microsoft.com/office/drawing/2014/main" id="{8021D4FA-6E55-4511-BD58-330BD07874C3}"/>
+                    </a:ext>
+                  </a:extLst>
+                </p:cNvPr>
+                <p:cNvSpPr txBox="1"/>
+                <p:nvPr/>
+              </p:nvSpPr>
+              <p:spPr>
+                <a:xfrm>
+                  <a:off x="9528810" y="1702610"/>
+                  <a:ext cx="1372682" cy="307777"/>
+                </a:xfrm>
+                <a:prstGeom prst="rect">
+                  <a:avLst/>
+                </a:prstGeom>
+                <a:noFill/>
+              </p:spPr>
+              <p:txBody>
+                <a:bodyPr wrap="square" rtlCol="0">
+                  <a:spAutoFit/>
+                </a:bodyPr>
+                <a:lstStyle/>
+                <a:p>
+                  <a:pPr algn="ctr"/>
+                  <a:r>
+                    <a:rPr lang="en-GB" sz="1400" dirty="0">
+                      <a:latin typeface="Segoe UI Semilight" panose="020B0402040204020203" pitchFamily="34" charset="0"/>
+                      <a:cs typeface="Segoe UI Semilight" panose="020B0402040204020203" pitchFamily="34" charset="0"/>
+                    </a:rPr>
+                    <a:t>HQ</a:t>
+                  </a:r>
+                </a:p>
+              </p:txBody>
+            </p:sp>
+          </p:grpSp>
+          <p:sp>
+            <p:nvSpPr>
+              <p:cNvPr id="136" name="Arrow: Left-Right 135">
+                <a:extLst>
+                  <a:ext uri="{FF2B5EF4-FFF2-40B4-BE49-F238E27FC236}">
+                    <a16:creationId xmlns:a16="http://schemas.microsoft.com/office/drawing/2014/main" id="{89487CB8-D983-4725-A02E-605350E28D3B}"/>
+                  </a:ext>
+                </a:extLst>
+              </p:cNvPr>
+              <p:cNvSpPr/>
+              <p:nvPr/>
+            </p:nvSpPr>
+            <p:spPr>
+              <a:xfrm>
+                <a:off x="8366719" y="4796000"/>
+                <a:ext cx="1503637" cy="995260"/>
+              </a:xfrm>
+              <a:prstGeom prst="leftRightArrow">
+                <a:avLst>
+                  <a:gd name="adj1" fmla="val 70417"/>
+                  <a:gd name="adj2" fmla="val 25755"/>
+                </a:avLst>
+              </a:prstGeom>
+              <a:solidFill>
+                <a:srgbClr val="A5A5A5"/>
+              </a:solidFill>
+              <a:ln>
+                <a:noFill/>
+              </a:ln>
+            </p:spPr>
+            <p:style>
+              <a:lnRef idx="2">
+                <a:schemeClr val="accent1">
+                  <a:shade val="50000"/>
+                </a:schemeClr>
+              </a:lnRef>
+              <a:fillRef idx="1">
+                <a:schemeClr val="accent1"/>
+              </a:fillRef>
+              <a:effectRef idx="0">
+                <a:schemeClr val="accent1"/>
+              </a:effectRef>
+              <a:fontRef idx="minor">
+                <a:schemeClr val="lt1"/>
+              </a:fontRef>
+            </p:style>
+            <p:txBody>
+              <a:bodyPr rtlCol="0" anchor="ctr"/>
+              <a:lstStyle/>
+              <a:p>
+                <a:pPr algn="ctr"/>
+                <a:endParaRPr lang="en-GB"/>
+              </a:p>
+            </p:txBody>
+          </p:sp>
+          <p:grpSp>
+            <p:nvGrpSpPr>
+              <p:cNvPr id="77" name="Group 76">
+                <a:extLst>
+                  <a:ext uri="{FF2B5EF4-FFF2-40B4-BE49-F238E27FC236}">
+                    <a16:creationId xmlns:a16="http://schemas.microsoft.com/office/drawing/2014/main" id="{998DEFAD-6D25-4009-B3D2-3A60E0266513}"/>
+                  </a:ext>
+                </a:extLst>
+              </p:cNvPr>
+              <p:cNvGrpSpPr/>
+              <p:nvPr/>
+            </p:nvGrpSpPr>
+            <p:grpSpPr>
+              <a:xfrm>
+                <a:off x="8516424" y="4886748"/>
+                <a:ext cx="1199798" cy="800636"/>
+                <a:chOff x="7963947" y="1085755"/>
+                <a:chExt cx="1199798" cy="800636"/>
+              </a:xfrm>
+            </p:grpSpPr>
+            <p:pic>
+              <p:nvPicPr>
+                <p:cNvPr id="25" name="Picture 24">
+                  <a:extLst>
+                    <a:ext uri="{FF2B5EF4-FFF2-40B4-BE49-F238E27FC236}">
+                      <a16:creationId xmlns:a16="http://schemas.microsoft.com/office/drawing/2014/main" id="{521F238D-09BA-4C31-B67F-B6000BFFDBEB}"/>
+                    </a:ext>
+                  </a:extLst>
+                </p:cNvPr>
+                <p:cNvPicPr>
+                  <a:picLocks noChangeAspect="1"/>
+                </p:cNvPicPr>
+                <p:nvPr/>
+              </p:nvPicPr>
+              <p:blipFill>
+                <a:blip r:embed="rId13">
+                  <a:clrChange>
+                    <a:clrFrom>
+                      <a:srgbClr val="FFFFFF"/>
+                    </a:clrFrom>
+                    <a:clrTo>
+                      <a:srgbClr val="FFFFFF">
+                        <a:alpha val="0"/>
+                      </a:srgbClr>
+                    </a:clrTo>
+                  </a:clrChange>
+                </a:blip>
+                <a:stretch>
+                  <a:fillRect/>
+                </a:stretch>
+              </p:blipFill>
+              <p:spPr>
+                <a:xfrm>
+                  <a:off x="8117991" y="1085755"/>
+                  <a:ext cx="891710" cy="677525"/>
+                </a:xfrm>
+                <a:prstGeom prst="rect">
+                  <a:avLst/>
+                </a:prstGeom>
+              </p:spPr>
+            </p:pic>
+            <p:sp>
+              <p:nvSpPr>
+                <p:cNvPr id="33" name="TextBox 32">
+                  <a:extLst>
+                    <a:ext uri="{FF2B5EF4-FFF2-40B4-BE49-F238E27FC236}">
+                      <a16:creationId xmlns:a16="http://schemas.microsoft.com/office/drawing/2014/main" id="{F5D17D4D-8777-4219-80D6-3F36F07BD671}"/>
+                    </a:ext>
+                  </a:extLst>
+                </p:cNvPr>
+                <p:cNvSpPr txBox="1"/>
+                <p:nvPr/>
+              </p:nvSpPr>
+              <p:spPr>
+                <a:xfrm>
+                  <a:off x="7963947" y="1578614"/>
+                  <a:ext cx="1199798" cy="307777"/>
+                </a:xfrm>
+                <a:prstGeom prst="rect">
+                  <a:avLst/>
+                </a:prstGeom>
+                <a:noFill/>
+              </p:spPr>
+              <p:txBody>
+                <a:bodyPr wrap="square" rtlCol="0">
+                  <a:spAutoFit/>
+                </a:bodyPr>
+                <a:lstStyle/>
+                <a:p>
+                  <a:pPr algn="ctr"/>
+                  <a:r>
+                    <a:rPr lang="en-GB" sz="1400" dirty="0">
+                      <a:latin typeface="Segoe UI Semilight" panose="020B0402040204020203" pitchFamily="34" charset="0"/>
+                      <a:cs typeface="Segoe UI Semilight" panose="020B0402040204020203" pitchFamily="34" charset="0"/>
+                    </a:rPr>
+                    <a:t>ExpressRoute</a:t>
+                  </a:r>
+                </a:p>
+              </p:txBody>
+            </p:sp>
+          </p:grpSp>
+          <p:cxnSp>
+            <p:nvCxnSpPr>
+              <p:cNvPr id="146" name="Straight Arrow Connector 145">
+                <a:extLst>
+                  <a:ext uri="{FF2B5EF4-FFF2-40B4-BE49-F238E27FC236}">
+                    <a16:creationId xmlns:a16="http://schemas.microsoft.com/office/drawing/2014/main" id="{85A04DDE-65A1-4664-BFA0-948BE7F2FD77}"/>
+                  </a:ext>
+                </a:extLst>
+              </p:cNvPr>
+              <p:cNvCxnSpPr>
+                <a:stCxn id="8" idx="1"/>
+                <a:endCxn id="70" idx="0"/>
+              </p:cNvCxnSpPr>
+              <p:nvPr/>
+            </p:nvCxnSpPr>
+            <p:spPr>
+              <a:xfrm>
+                <a:off x="7948697" y="1250319"/>
+                <a:ext cx="6660" cy="888375"/>
+              </a:xfrm>
+              <a:prstGeom prst="straightConnector1">
+                <a:avLst/>
+              </a:prstGeom>
+              <a:ln w="38100">
+                <a:solidFill>
+                  <a:srgbClr val="5B9BD5"/>
+                </a:solidFill>
+                <a:headEnd type="triangle"/>
+                <a:tailEnd type="triangle"/>
+              </a:ln>
+            </p:spPr>
+            <p:style>
+              <a:lnRef idx="1">
+                <a:schemeClr val="accent1"/>
+              </a:lnRef>
+              <a:fillRef idx="0">
+                <a:schemeClr val="accent1"/>
+              </a:fillRef>
+              <a:effectRef idx="0">
+                <a:schemeClr val="accent1"/>
+              </a:effectRef>
+              <a:fontRef idx="minor">
+                <a:schemeClr val="tx1"/>
+              </a:fontRef>
+            </p:style>
+          </p:cxnSp>
+          <p:sp>
+            <p:nvSpPr>
+              <p:cNvPr id="32" name="Oval 31">
+                <a:extLst>
+                  <a:ext uri="{FF2B5EF4-FFF2-40B4-BE49-F238E27FC236}">
+                    <a16:creationId xmlns:a16="http://schemas.microsoft.com/office/drawing/2014/main" id="{903E3E88-96D2-4A17-B279-6E6915D22C49}"/>
+                  </a:ext>
+                </a:extLst>
+              </p:cNvPr>
+              <p:cNvSpPr/>
+              <p:nvPr/>
+            </p:nvSpPr>
+            <p:spPr>
+              <a:xfrm>
+                <a:off x="7312975" y="4227620"/>
+                <a:ext cx="568380" cy="568380"/>
+              </a:xfrm>
+              <a:prstGeom prst="ellipse">
+                <a:avLst/>
+              </a:prstGeom>
+              <a:solidFill>
+                <a:schemeClr val="bg1"/>
+              </a:solidFill>
+              <a:ln>
+                <a:noFill/>
+              </a:ln>
+            </p:spPr>
+            <p:style>
+              <a:lnRef idx="2">
+                <a:schemeClr val="accent1">
+                  <a:shade val="50000"/>
+                </a:schemeClr>
+              </a:lnRef>
+              <a:fillRef idx="1">
+                <a:schemeClr val="accent1"/>
+              </a:fillRef>
+              <a:effectRef idx="0">
+                <a:schemeClr val="accent1"/>
+              </a:effectRef>
+              <a:fontRef idx="minor">
+                <a:schemeClr val="lt1"/>
+              </a:fontRef>
+            </p:style>
+            <p:txBody>
+              <a:bodyPr rtlCol="0" anchor="ctr"/>
+              <a:lstStyle/>
+              <a:p>
+                <a:pPr algn="ctr"/>
+                <a:endParaRPr lang="en-GB"/>
+              </a:p>
+            </p:txBody>
+          </p:sp>
+          <p:pic>
+            <p:nvPicPr>
+              <p:cNvPr id="26" name="Picture 25">
+                <a:extLst>
+                  <a:ext uri="{FF2B5EF4-FFF2-40B4-BE49-F238E27FC236}">
+                    <a16:creationId xmlns:a16="http://schemas.microsoft.com/office/drawing/2014/main" id="{11422D63-0B0C-4AA9-9A52-B60F82AE7ED8}"/>
+                  </a:ext>
+                </a:extLst>
+              </p:cNvPr>
+              <p:cNvPicPr>
+                <a:picLocks noChangeAspect="1"/>
+              </p:cNvPicPr>
+              <p:nvPr/>
+            </p:nvPicPr>
+            <p:blipFill>
+              <a:blip r:embed="rId14">
+                <a:clrChange>
+                  <a:clrFrom>
+                    <a:srgbClr val="FFFFFF"/>
+                  </a:clrFrom>
+                  <a:clrTo>
+                    <a:srgbClr val="FFFFFF">
+                      <a:alpha val="0"/>
+                    </a:srgbClr>
+                  </a:clrTo>
+                </a:clrChange>
+              </a:blip>
+              <a:stretch>
+                <a:fillRect/>
+              </a:stretch>
+            </p:blipFill>
+            <p:spPr>
+              <a:xfrm>
+                <a:off x="7058114" y="4104374"/>
+                <a:ext cx="1079555" cy="857294"/>
+              </a:xfrm>
+              <a:prstGeom prst="rect">
+                <a:avLst/>
+              </a:prstGeom>
+            </p:spPr>
+          </p:pic>
+          <p:sp>
+            <p:nvSpPr>
+              <p:cNvPr id="175" name="TextBox 174">
+                <a:extLst>
+                  <a:ext uri="{FF2B5EF4-FFF2-40B4-BE49-F238E27FC236}">
+                    <a16:creationId xmlns:a16="http://schemas.microsoft.com/office/drawing/2014/main" id="{B464606D-EB59-4DF8-A729-37312B7B391D}"/>
+                  </a:ext>
+                </a:extLst>
+              </p:cNvPr>
+              <p:cNvSpPr txBox="1"/>
+              <p:nvPr/>
+            </p:nvSpPr>
+            <p:spPr>
+              <a:xfrm>
+                <a:off x="6071576" y="3525555"/>
+                <a:ext cx="2497315" cy="307777"/>
+              </a:xfrm>
+              <a:prstGeom prst="rect">
+                <a:avLst/>
+              </a:prstGeom>
+              <a:noFill/>
+            </p:spPr>
+            <p:txBody>
+              <a:bodyPr wrap="square" rtlCol="0">
+                <a:spAutoFit/>
+              </a:bodyPr>
+              <a:lstStyle/>
+              <a:p>
+                <a:pPr algn="ctr"/>
+                <a:r>
+                  <a:rPr lang="en-GB" sz="1400" dirty="0">
+                    <a:latin typeface="Segoe UI Semilight" panose="020B0402040204020203" pitchFamily="34" charset="0"/>
+                    <a:cs typeface="Segoe UI Semilight" panose="020B0402040204020203" pitchFamily="34" charset="0"/>
+                  </a:rPr>
+                  <a:t>DMZ subnet</a:t>
+                </a:r>
+              </a:p>
+            </p:txBody>
+          </p:sp>
+        </p:grpSp>
+        <p:sp>
+          <p:nvSpPr>
+            <p:cNvPr id="176" name="Rectangle 175">
+              <a:extLst>
+                <a:ext uri="{FF2B5EF4-FFF2-40B4-BE49-F238E27FC236}">
+                  <a16:creationId xmlns:a16="http://schemas.microsoft.com/office/drawing/2014/main" id="{9C6165DB-4BDC-49D1-BF1E-D8892E83376C}"/>
+                </a:ext>
+              </a:extLst>
+            </p:cNvPr>
+            <p:cNvSpPr/>
+            <p:nvPr/>
+          </p:nvSpPr>
+          <p:spPr>
+            <a:xfrm rot="2675702">
+              <a:off x="5380837" y="2204330"/>
+              <a:ext cx="456874" cy="456874"/>
+            </a:xfrm>
+            <a:prstGeom prst="rect">
+              <a:avLst/>
+            </a:prstGeom>
+            <a:solidFill>
+              <a:schemeClr val="bg1"/>
+            </a:solidFill>
+            <a:ln>
+              <a:noFill/>
+            </a:ln>
+          </p:spPr>
+          <p:style>
+            <a:lnRef idx="2">
+              <a:schemeClr val="accent1">
+                <a:shade val="50000"/>
+              </a:schemeClr>
+            </a:lnRef>
+            <a:fillRef idx="1">
+              <a:schemeClr val="accent1"/>
+            </a:fillRef>
+            <a:effectRef idx="0">
+              <a:schemeClr val="accent1"/>
+            </a:effectRef>
+            <a:fontRef idx="minor">
+              <a:schemeClr val="lt1"/>
+            </a:fontRef>
+          </p:style>
+          <p:txBody>
+            <a:bodyPr rtlCol="0" anchor="ctr"/>
+            <a:lstStyle/>
+            <a:p>
+              <a:pPr algn="ctr"/>
+              <a:endParaRPr lang="en-GB"/>
+            </a:p>
+          </p:txBody>
+        </p:sp>
+        <p:sp>
+          <p:nvSpPr>
+            <p:cNvPr id="177" name="Rectangle 176">
+              <a:extLst>
+                <a:ext uri="{FF2B5EF4-FFF2-40B4-BE49-F238E27FC236}">
+                  <a16:creationId xmlns:a16="http://schemas.microsoft.com/office/drawing/2014/main" id="{899BCCB1-C1C0-40B0-97BE-C24D664403F3}"/>
+                </a:ext>
+              </a:extLst>
+            </p:cNvPr>
+            <p:cNvSpPr/>
+            <p:nvPr/>
+          </p:nvSpPr>
+          <p:spPr>
+            <a:xfrm rot="2675702">
+              <a:off x="3224303" y="2204329"/>
+              <a:ext cx="456874" cy="456874"/>
+            </a:xfrm>
+            <a:prstGeom prst="rect">
+              <a:avLst/>
+            </a:prstGeom>
+            <a:solidFill>
+              <a:schemeClr val="bg1"/>
+            </a:solidFill>
+            <a:ln>
+              <a:noFill/>
+            </a:ln>
+          </p:spPr>
+          <p:style>
+            <a:lnRef idx="2">
+              <a:schemeClr val="accent1">
+                <a:shade val="50000"/>
+              </a:schemeClr>
+            </a:lnRef>
+            <a:fillRef idx="1">
+              <a:schemeClr val="accent1"/>
+            </a:fillRef>
+            <a:effectRef idx="0">
+              <a:schemeClr val="accent1"/>
+            </a:effectRef>
+            <a:fontRef idx="minor">
+              <a:schemeClr val="lt1"/>
+            </a:fontRef>
+          </p:style>
+          <p:txBody>
+            <a:bodyPr rtlCol="0" anchor="ctr"/>
+            <a:lstStyle/>
+            <a:p>
+              <a:pPr algn="ctr"/>
+              <a:endParaRPr lang="en-GB"/>
+            </a:p>
+          </p:txBody>
+        </p:sp>
+        <p:grpSp>
+          <p:nvGrpSpPr>
+            <p:cNvPr id="155" name="Group 154">
+              <a:extLst>
+                <a:ext uri="{FF2B5EF4-FFF2-40B4-BE49-F238E27FC236}">
+                  <a16:creationId xmlns:a16="http://schemas.microsoft.com/office/drawing/2014/main" id="{40B27AA1-7D70-40F4-A46D-FA066B56B8F0}"/>
+                </a:ext>
+              </a:extLst>
+            </p:cNvPr>
+            <p:cNvGrpSpPr/>
+            <p:nvPr/>
+          </p:nvGrpSpPr>
+          <p:grpSpPr>
+            <a:xfrm>
+              <a:off x="2907937" y="2056392"/>
+              <a:ext cx="1126728" cy="1142160"/>
+              <a:chOff x="1076591" y="401757"/>
+              <a:chExt cx="1126728" cy="1142160"/>
+            </a:xfrm>
+          </p:grpSpPr>
+          <p:pic>
+            <p:nvPicPr>
+              <p:cNvPr id="157" name="Picture 156">
+                <a:extLst>
+                  <a:ext uri="{FF2B5EF4-FFF2-40B4-BE49-F238E27FC236}">
+                    <a16:creationId xmlns:a16="http://schemas.microsoft.com/office/drawing/2014/main" id="{9D344988-CC20-48AB-BDAC-2C0FA1BBD69A}"/>
+                  </a:ext>
+                </a:extLst>
+              </p:cNvPr>
+              <p:cNvPicPr>
+                <a:picLocks noChangeAspect="1"/>
+              </p:cNvPicPr>
+              <p:nvPr/>
+            </p:nvPicPr>
+            <p:blipFill>
+              <a:blip r:embed="rId15">
+                <a:clrChange>
+                  <a:clrFrom>
+                    <a:srgbClr val="FFFFFF"/>
+                  </a:clrFrom>
+                  <a:clrTo>
+                    <a:srgbClr val="FFFFFF">
+                      <a:alpha val="0"/>
+                    </a:srgbClr>
+                  </a:clrTo>
+                </a:clrChange>
+              </a:blip>
+              <a:stretch>
+                <a:fillRect/>
+              </a:stretch>
+            </p:blipFill>
+            <p:spPr>
+              <a:xfrm>
+                <a:off x="1210276" y="401757"/>
+                <a:ext cx="891556" cy="768110"/>
+              </a:xfrm>
+              <a:prstGeom prst="rect">
+                <a:avLst/>
+              </a:prstGeom>
+            </p:spPr>
+          </p:pic>
+          <p:sp>
+            <p:nvSpPr>
+              <p:cNvPr id="160" name="TextBox 159">
+                <a:extLst>
+                  <a:ext uri="{FF2B5EF4-FFF2-40B4-BE49-F238E27FC236}">
+                    <a16:creationId xmlns:a16="http://schemas.microsoft.com/office/drawing/2014/main" id="{F996B9B0-E26B-443C-94B4-7D12507CE399}"/>
+                  </a:ext>
+                </a:extLst>
+              </p:cNvPr>
+              <p:cNvSpPr txBox="1"/>
+              <p:nvPr/>
+            </p:nvSpPr>
+            <p:spPr>
+              <a:xfrm>
+                <a:off x="1076591" y="1020697"/>
+                <a:ext cx="1126728" cy="523220"/>
+              </a:xfrm>
+              <a:prstGeom prst="rect">
+                <a:avLst/>
+              </a:prstGeom>
+              <a:noFill/>
+            </p:spPr>
+            <p:txBody>
+              <a:bodyPr wrap="square" rtlCol="0">
+                <a:spAutoFit/>
+              </a:bodyPr>
+              <a:lstStyle/>
+              <a:p>
+                <a:pPr algn="ctr"/>
+                <a:r>
+                  <a:rPr lang="en-GB" sz="1400" dirty="0">
+                    <a:latin typeface="Segoe UI Semilight" panose="020B0402040204020203" pitchFamily="34" charset="0"/>
+                    <a:cs typeface="Segoe UI Semilight" panose="020B0402040204020203" pitchFamily="34" charset="0"/>
+                  </a:rPr>
+                  <a:t>Load Balancer</a:t>
+                </a:r>
+              </a:p>
+            </p:txBody>
+          </p:sp>
+        </p:grpSp>
+        <p:grpSp>
+          <p:nvGrpSpPr>
+            <p:cNvPr id="118" name="Group 117">
+              <a:extLst>
+                <a:ext uri="{FF2B5EF4-FFF2-40B4-BE49-F238E27FC236}">
+                  <a16:creationId xmlns:a16="http://schemas.microsoft.com/office/drawing/2014/main" id="{5A3CD03B-BB5D-4F01-BA3A-460AF6F574E7}"/>
+                </a:ext>
+              </a:extLst>
+            </p:cNvPr>
+            <p:cNvGrpSpPr/>
+            <p:nvPr/>
+          </p:nvGrpSpPr>
+          <p:grpSpPr>
+            <a:xfrm>
+              <a:off x="5062975" y="2056392"/>
+              <a:ext cx="1126728" cy="1142160"/>
+              <a:chOff x="1076591" y="401757"/>
+              <a:chExt cx="1126728" cy="1142160"/>
+            </a:xfrm>
+          </p:grpSpPr>
+          <p:pic>
+            <p:nvPicPr>
+              <p:cNvPr id="121" name="Picture 120">
+                <a:extLst>
+                  <a:ext uri="{FF2B5EF4-FFF2-40B4-BE49-F238E27FC236}">
+                    <a16:creationId xmlns:a16="http://schemas.microsoft.com/office/drawing/2014/main" id="{6CC90D85-A32E-43D8-B6C6-3CF8C9C64B4D}"/>
+                  </a:ext>
+                </a:extLst>
+              </p:cNvPr>
+              <p:cNvPicPr>
+                <a:picLocks noChangeAspect="1"/>
+              </p:cNvPicPr>
+              <p:nvPr/>
+            </p:nvPicPr>
+            <p:blipFill>
+              <a:blip r:embed="rId15">
+                <a:clrChange>
+                  <a:clrFrom>
+                    <a:srgbClr val="FFFFFF"/>
+                  </a:clrFrom>
+                  <a:clrTo>
+                    <a:srgbClr val="FFFFFF">
+                      <a:alpha val="0"/>
+                    </a:srgbClr>
+                  </a:clrTo>
+                </a:clrChange>
+              </a:blip>
+              <a:stretch>
+                <a:fillRect/>
+              </a:stretch>
+            </p:blipFill>
+            <p:spPr>
+              <a:xfrm>
+                <a:off x="1210276" y="401757"/>
+                <a:ext cx="891556" cy="768110"/>
+              </a:xfrm>
+              <a:prstGeom prst="rect">
+                <a:avLst/>
+              </a:prstGeom>
+            </p:spPr>
+          </p:pic>
+          <p:sp>
+            <p:nvSpPr>
+              <p:cNvPr id="122" name="TextBox 121">
+                <a:extLst>
+                  <a:ext uri="{FF2B5EF4-FFF2-40B4-BE49-F238E27FC236}">
+                    <a16:creationId xmlns:a16="http://schemas.microsoft.com/office/drawing/2014/main" id="{311D21CE-85C6-4CE3-94F2-4ACC1747BB0D}"/>
+                  </a:ext>
+                </a:extLst>
+              </p:cNvPr>
+              <p:cNvSpPr txBox="1"/>
+              <p:nvPr/>
+            </p:nvSpPr>
+            <p:spPr>
+              <a:xfrm>
+                <a:off x="1076591" y="1020697"/>
+                <a:ext cx="1126728" cy="523220"/>
+              </a:xfrm>
+              <a:prstGeom prst="rect">
+                <a:avLst/>
+              </a:prstGeom>
+              <a:noFill/>
+            </p:spPr>
+            <p:txBody>
+              <a:bodyPr wrap="square" rtlCol="0">
+                <a:spAutoFit/>
+              </a:bodyPr>
+              <a:lstStyle/>
+              <a:p>
+                <a:pPr algn="ctr"/>
+                <a:r>
+                  <a:rPr lang="en-GB" sz="1400" dirty="0">
+                    <a:latin typeface="Segoe UI Semilight" panose="020B0402040204020203" pitchFamily="34" charset="0"/>
+                    <a:cs typeface="Segoe UI Semilight" panose="020B0402040204020203" pitchFamily="34" charset="0"/>
+                  </a:rPr>
+                  <a:t>Load Balancer</a:t>
+                </a:r>
+              </a:p>
+            </p:txBody>
+          </p:sp>
+        </p:grpSp>
+        <p:sp>
+          <p:nvSpPr>
+            <p:cNvPr id="178" name="Rectangle 177">
+              <a:extLst>
+                <a:ext uri="{FF2B5EF4-FFF2-40B4-BE49-F238E27FC236}">
+                  <a16:creationId xmlns:a16="http://schemas.microsoft.com/office/drawing/2014/main" id="{D5EC6031-E8FD-4EA2-BC27-C5DF2FFC2238}"/>
+                </a:ext>
+              </a:extLst>
+            </p:cNvPr>
+            <p:cNvSpPr/>
+            <p:nvPr/>
+          </p:nvSpPr>
+          <p:spPr>
+            <a:xfrm rot="3630878">
+              <a:off x="5453756" y="4230964"/>
+              <a:ext cx="263042" cy="263240"/>
+            </a:xfrm>
+            <a:prstGeom prst="rect">
+              <a:avLst/>
+            </a:prstGeom>
+            <a:solidFill>
+              <a:schemeClr val="bg1"/>
+            </a:solidFill>
+            <a:ln>
+              <a:noFill/>
+            </a:ln>
+          </p:spPr>
+          <p:style>
+            <a:lnRef idx="2">
+              <a:schemeClr val="accent1">
+                <a:shade val="50000"/>
+              </a:schemeClr>
+            </a:lnRef>
+            <a:fillRef idx="1">
+              <a:schemeClr val="accent1"/>
+            </a:fillRef>
+            <a:effectRef idx="0">
+              <a:schemeClr val="accent1"/>
+            </a:effectRef>
+            <a:fontRef idx="minor">
+              <a:schemeClr val="lt1"/>
+            </a:fontRef>
+          </p:style>
+          <p:txBody>
+            <a:bodyPr rtlCol="0" anchor="ctr"/>
+            <a:lstStyle/>
+            <a:p>
+              <a:pPr algn="ctr"/>
+              <a:endParaRPr lang="en-GB"/>
+            </a:p>
+          </p:txBody>
+        </p:sp>
+        <p:sp>
+          <p:nvSpPr>
+            <p:cNvPr id="179" name="Rectangle 178">
+              <a:extLst>
+                <a:ext uri="{FF2B5EF4-FFF2-40B4-BE49-F238E27FC236}">
+                  <a16:creationId xmlns:a16="http://schemas.microsoft.com/office/drawing/2014/main" id="{3135E53C-6D69-4111-B190-5435C2549D95}"/>
+                </a:ext>
+              </a:extLst>
+            </p:cNvPr>
+            <p:cNvSpPr/>
+            <p:nvPr/>
+          </p:nvSpPr>
+          <p:spPr>
+            <a:xfrm rot="3630878">
+              <a:off x="6229317" y="4230964"/>
+              <a:ext cx="263042" cy="263240"/>
+            </a:xfrm>
+            <a:prstGeom prst="rect">
+              <a:avLst/>
+            </a:prstGeom>
+            <a:solidFill>
+              <a:schemeClr val="bg1"/>
+            </a:solidFill>
+            <a:ln>
+              <a:noFill/>
+            </a:ln>
+          </p:spPr>
+          <p:style>
+            <a:lnRef idx="2">
+              <a:schemeClr val="accent1">
+                <a:shade val="50000"/>
+              </a:schemeClr>
+            </a:lnRef>
+            <a:fillRef idx="1">
+              <a:schemeClr val="accent1"/>
+            </a:fillRef>
+            <a:effectRef idx="0">
+              <a:schemeClr val="accent1"/>
+            </a:effectRef>
+            <a:fontRef idx="minor">
+              <a:schemeClr val="lt1"/>
+            </a:fontRef>
+          </p:style>
+          <p:txBody>
+            <a:bodyPr rtlCol="0" anchor="ctr"/>
+            <a:lstStyle/>
+            <a:p>
+              <a:pPr algn="ctr"/>
+              <a:endParaRPr lang="en-GB"/>
+            </a:p>
+          </p:txBody>
+        </p:sp>
+        <p:sp>
+          <p:nvSpPr>
+            <p:cNvPr id="180" name="Rectangle 179">
+              <a:extLst>
+                <a:ext uri="{FF2B5EF4-FFF2-40B4-BE49-F238E27FC236}">
+                  <a16:creationId xmlns:a16="http://schemas.microsoft.com/office/drawing/2014/main" id="{57C37620-E115-404C-B6E0-4C3F28CC987B}"/>
+                </a:ext>
+              </a:extLst>
+            </p:cNvPr>
+            <p:cNvSpPr/>
+            <p:nvPr/>
+          </p:nvSpPr>
+          <p:spPr>
+            <a:xfrm rot="3630878">
+              <a:off x="4068932" y="4230964"/>
+              <a:ext cx="263042" cy="263240"/>
+            </a:xfrm>
+            <a:prstGeom prst="rect">
+              <a:avLst/>
+            </a:prstGeom>
+            <a:solidFill>
+              <a:schemeClr val="bg1"/>
+            </a:solidFill>
+            <a:ln>
+              <a:noFill/>
+            </a:ln>
+          </p:spPr>
+          <p:style>
+            <a:lnRef idx="2">
+              <a:schemeClr val="accent1">
+                <a:shade val="50000"/>
+              </a:schemeClr>
+            </a:lnRef>
+            <a:fillRef idx="1">
+              <a:schemeClr val="accent1"/>
+            </a:fillRef>
+            <a:effectRef idx="0">
+              <a:schemeClr val="accent1"/>
+            </a:effectRef>
+            <a:fontRef idx="minor">
+              <a:schemeClr val="lt1"/>
+            </a:fontRef>
+          </p:style>
+          <p:txBody>
+            <a:bodyPr rtlCol="0" anchor="ctr"/>
+            <a:lstStyle/>
+            <a:p>
+              <a:pPr algn="ctr"/>
+              <a:endParaRPr lang="en-GB"/>
+            </a:p>
+          </p:txBody>
+        </p:sp>
+        <p:sp>
+          <p:nvSpPr>
+            <p:cNvPr id="181" name="Rectangle 180">
+              <a:extLst>
+                <a:ext uri="{FF2B5EF4-FFF2-40B4-BE49-F238E27FC236}">
+                  <a16:creationId xmlns:a16="http://schemas.microsoft.com/office/drawing/2014/main" id="{4087DFB7-3B47-41A7-BD25-5300F3C087D6}"/>
+                </a:ext>
+              </a:extLst>
+            </p:cNvPr>
+            <p:cNvSpPr/>
+            <p:nvPr/>
+          </p:nvSpPr>
+          <p:spPr>
+            <a:xfrm rot="3630878">
+              <a:off x="3298038" y="4230964"/>
+              <a:ext cx="263042" cy="263240"/>
+            </a:xfrm>
+            <a:prstGeom prst="rect">
+              <a:avLst/>
+            </a:prstGeom>
+            <a:solidFill>
+              <a:schemeClr val="bg1"/>
+            </a:solidFill>
+            <a:ln>
+              <a:noFill/>
+            </a:ln>
+          </p:spPr>
+          <p:style>
+            <a:lnRef idx="2">
+              <a:schemeClr val="accent1">
+                <a:shade val="50000"/>
+              </a:schemeClr>
+            </a:lnRef>
+            <a:fillRef idx="1">
+              <a:schemeClr val="accent1"/>
+            </a:fillRef>
+            <a:effectRef idx="0">
+              <a:schemeClr val="accent1"/>
+            </a:effectRef>
+            <a:fontRef idx="minor">
+              <a:schemeClr val="lt1"/>
+            </a:fontRef>
+          </p:style>
+          <p:txBody>
+            <a:bodyPr rtlCol="0" anchor="ctr"/>
+            <a:lstStyle/>
+            <a:p>
+              <a:pPr algn="ctr"/>
+              <a:endParaRPr lang="en-GB"/>
+            </a:p>
+          </p:txBody>
+        </p:sp>
+        <p:grpSp>
+          <p:nvGrpSpPr>
+            <p:cNvPr id="113" name="Group 112">
+              <a:extLst>
+                <a:ext uri="{FF2B5EF4-FFF2-40B4-BE49-F238E27FC236}">
+                  <a16:creationId xmlns:a16="http://schemas.microsoft.com/office/drawing/2014/main" id="{DD28F5AB-BA71-4706-9AAD-02B0911606B6}"/>
+                </a:ext>
+              </a:extLst>
+            </p:cNvPr>
+            <p:cNvGrpSpPr/>
+            <p:nvPr/>
+          </p:nvGrpSpPr>
+          <p:grpSpPr>
+            <a:xfrm>
+              <a:off x="5067066" y="4078809"/>
+              <a:ext cx="1016052" cy="984582"/>
+              <a:chOff x="568313" y="4311129"/>
+              <a:chExt cx="1016052" cy="984582"/>
+            </a:xfrm>
+          </p:grpSpPr>
+          <p:pic>
+            <p:nvPicPr>
+              <p:cNvPr id="132" name="Picture 131">
+                <a:extLst>
+                  <a:ext uri="{FF2B5EF4-FFF2-40B4-BE49-F238E27FC236}">
+                    <a16:creationId xmlns:a16="http://schemas.microsoft.com/office/drawing/2014/main" id="{9DD9B193-0DFE-4515-91F3-D15B26A219A6}"/>
+                  </a:ext>
+                </a:extLst>
+              </p:cNvPr>
+              <p:cNvPicPr>
+                <a:picLocks noChangeAspect="1"/>
+              </p:cNvPicPr>
+              <p:nvPr/>
+            </p:nvPicPr>
+            <p:blipFill>
+              <a:blip r:embed="rId5">
+                <a:clrChange>
+                  <a:clrFrom>
+                    <a:srgbClr val="FFFFFF"/>
+                  </a:clrFrom>
+                  <a:clrTo>
+                    <a:srgbClr val="FFFFFF">
+                      <a:alpha val="0"/>
+                    </a:srgbClr>
+                  </a:clrTo>
+                </a:clrChange>
+              </a:blip>
+              <a:stretch>
+                <a:fillRect/>
+              </a:stretch>
+            </p:blipFill>
+            <p:spPr>
+              <a:xfrm>
+                <a:off x="667138" y="4311129"/>
+                <a:ext cx="818403" cy="749822"/>
+              </a:xfrm>
+              <a:prstGeom prst="rect">
+                <a:avLst/>
+              </a:prstGeom>
+            </p:spPr>
+          </p:pic>
+          <p:sp>
+            <p:nvSpPr>
+              <p:cNvPr id="133" name="TextBox 132">
+                <a:extLst>
+                  <a:ext uri="{FF2B5EF4-FFF2-40B4-BE49-F238E27FC236}">
+                    <a16:creationId xmlns:a16="http://schemas.microsoft.com/office/drawing/2014/main" id="{9DBD75A6-6489-4E7B-A8E7-A9C03EE90CC2}"/>
+                  </a:ext>
+                </a:extLst>
+              </p:cNvPr>
+              <p:cNvSpPr txBox="1"/>
+              <p:nvPr/>
+            </p:nvSpPr>
+            <p:spPr>
+              <a:xfrm>
+                <a:off x="568313" y="4987934"/>
+                <a:ext cx="1016052" cy="307777"/>
+              </a:xfrm>
+              <a:prstGeom prst="rect">
+                <a:avLst/>
+              </a:prstGeom>
+              <a:noFill/>
+            </p:spPr>
+            <p:txBody>
+              <a:bodyPr wrap="square" rtlCol="0">
+                <a:spAutoFit/>
+              </a:bodyPr>
+              <a:lstStyle/>
+              <a:p>
+                <a:pPr algn="ctr"/>
+                <a:r>
+                  <a:rPr lang="en-GB" sz="1400" dirty="0">
+                    <a:latin typeface="Segoe UI Semilight" panose="020B0402040204020203" pitchFamily="34" charset="0"/>
+                    <a:cs typeface="Segoe UI Semilight" panose="020B0402040204020203" pitchFamily="34" charset="0"/>
+                  </a:rPr>
+                  <a:t>IIS</a:t>
+                </a:r>
+              </a:p>
+            </p:txBody>
+          </p:sp>
+        </p:grpSp>
+        <p:grpSp>
+          <p:nvGrpSpPr>
+            <p:cNvPr id="114" name="Group 113">
+              <a:extLst>
+                <a:ext uri="{FF2B5EF4-FFF2-40B4-BE49-F238E27FC236}">
+                  <a16:creationId xmlns:a16="http://schemas.microsoft.com/office/drawing/2014/main" id="{FE3F3D5B-B6CE-4B16-A2F9-2BAC65D7CA6E}"/>
+                </a:ext>
+              </a:extLst>
+            </p:cNvPr>
+            <p:cNvGrpSpPr/>
+            <p:nvPr/>
+          </p:nvGrpSpPr>
+          <p:grpSpPr>
+            <a:xfrm>
+              <a:off x="5836396" y="4078809"/>
+              <a:ext cx="1016052" cy="984582"/>
+              <a:chOff x="1592994" y="4311129"/>
+              <a:chExt cx="1016052" cy="984582"/>
+            </a:xfrm>
+          </p:grpSpPr>
+          <p:pic>
+            <p:nvPicPr>
+              <p:cNvPr id="130" name="Picture 129">
+                <a:extLst>
+                  <a:ext uri="{FF2B5EF4-FFF2-40B4-BE49-F238E27FC236}">
+                    <a16:creationId xmlns:a16="http://schemas.microsoft.com/office/drawing/2014/main" id="{CC693226-0B9C-47AF-A4D4-C6BBBE089F02}"/>
+                  </a:ext>
+                </a:extLst>
+              </p:cNvPr>
+              <p:cNvPicPr>
+                <a:picLocks noChangeAspect="1"/>
+              </p:cNvPicPr>
+              <p:nvPr/>
+            </p:nvPicPr>
+            <p:blipFill>
+              <a:blip r:embed="rId5">
+                <a:clrChange>
+                  <a:clrFrom>
+                    <a:srgbClr val="FFFFFF"/>
+                  </a:clrFrom>
+                  <a:clrTo>
+                    <a:srgbClr val="FFFFFF">
+                      <a:alpha val="0"/>
+                    </a:srgbClr>
+                  </a:clrTo>
+                </a:clrChange>
+              </a:blip>
+              <a:stretch>
+                <a:fillRect/>
+              </a:stretch>
+            </p:blipFill>
+            <p:spPr>
+              <a:xfrm>
+                <a:off x="1688942" y="4311129"/>
+                <a:ext cx="818403" cy="749822"/>
+              </a:xfrm>
+              <a:prstGeom prst="rect">
+                <a:avLst/>
+              </a:prstGeom>
+            </p:spPr>
+          </p:pic>
+          <p:sp>
+            <p:nvSpPr>
+              <p:cNvPr id="131" name="TextBox 130">
+                <a:extLst>
+                  <a:ext uri="{FF2B5EF4-FFF2-40B4-BE49-F238E27FC236}">
+                    <a16:creationId xmlns:a16="http://schemas.microsoft.com/office/drawing/2014/main" id="{F8591797-75CD-4227-AFB1-FE307829214A}"/>
+                  </a:ext>
+                </a:extLst>
+              </p:cNvPr>
+              <p:cNvSpPr txBox="1"/>
+              <p:nvPr/>
+            </p:nvSpPr>
+            <p:spPr>
+              <a:xfrm>
+                <a:off x="1592994" y="4987934"/>
+                <a:ext cx="1016052" cy="307777"/>
+              </a:xfrm>
+              <a:prstGeom prst="rect">
+                <a:avLst/>
+              </a:prstGeom>
+              <a:noFill/>
+            </p:spPr>
+            <p:txBody>
+              <a:bodyPr wrap="square" rtlCol="0">
+                <a:spAutoFit/>
+              </a:bodyPr>
+              <a:lstStyle/>
+              <a:p>
+                <a:pPr algn="ctr"/>
+                <a:r>
+                  <a:rPr lang="en-GB" sz="1400" dirty="0">
+                    <a:latin typeface="Segoe UI Semilight" panose="020B0402040204020203" pitchFamily="34" charset="0"/>
+                    <a:cs typeface="Segoe UI Semilight" panose="020B0402040204020203" pitchFamily="34" charset="0"/>
+                  </a:rPr>
+                  <a:t>IIS</a:t>
+                </a:r>
+              </a:p>
+            </p:txBody>
+          </p:sp>
+        </p:grpSp>
+        <p:grpSp>
+          <p:nvGrpSpPr>
+            <p:cNvPr id="138" name="Group 137">
+              <a:extLst>
+                <a:ext uri="{FF2B5EF4-FFF2-40B4-BE49-F238E27FC236}">
+                  <a16:creationId xmlns:a16="http://schemas.microsoft.com/office/drawing/2014/main" id="{F00568CE-1584-4DB9-ABF8-5AFF21AE2708}"/>
+                </a:ext>
+              </a:extLst>
+            </p:cNvPr>
+            <p:cNvGrpSpPr/>
+            <p:nvPr/>
+          </p:nvGrpSpPr>
+          <p:grpSpPr>
+            <a:xfrm>
+              <a:off x="2912028" y="4078809"/>
+              <a:ext cx="1016052" cy="984582"/>
+              <a:chOff x="568313" y="4311129"/>
+              <a:chExt cx="1016052" cy="984582"/>
+            </a:xfrm>
+          </p:grpSpPr>
+          <p:pic>
+            <p:nvPicPr>
+              <p:cNvPr id="139" name="Picture 138">
+                <a:extLst>
+                  <a:ext uri="{FF2B5EF4-FFF2-40B4-BE49-F238E27FC236}">
+                    <a16:creationId xmlns:a16="http://schemas.microsoft.com/office/drawing/2014/main" id="{642EB26B-92C3-4A63-BF4E-721DEE1323E1}"/>
+                  </a:ext>
+                </a:extLst>
+              </p:cNvPr>
+              <p:cNvPicPr>
+                <a:picLocks noChangeAspect="1"/>
+              </p:cNvPicPr>
+              <p:nvPr/>
+            </p:nvPicPr>
+            <p:blipFill>
+              <a:blip r:embed="rId5">
+                <a:clrChange>
+                  <a:clrFrom>
+                    <a:srgbClr val="FFFFFF"/>
+                  </a:clrFrom>
+                  <a:clrTo>
+                    <a:srgbClr val="FFFFFF">
+                      <a:alpha val="0"/>
+                    </a:srgbClr>
+                  </a:clrTo>
+                </a:clrChange>
+              </a:blip>
+              <a:stretch>
+                <a:fillRect/>
+              </a:stretch>
+            </p:blipFill>
+            <p:spPr>
+              <a:xfrm>
+                <a:off x="667138" y="4311129"/>
+                <a:ext cx="818403" cy="749822"/>
+              </a:xfrm>
+              <a:prstGeom prst="rect">
+                <a:avLst/>
+              </a:prstGeom>
+            </p:spPr>
+          </p:pic>
+          <p:sp>
+            <p:nvSpPr>
+              <p:cNvPr id="141" name="TextBox 140">
+                <a:extLst>
+                  <a:ext uri="{FF2B5EF4-FFF2-40B4-BE49-F238E27FC236}">
+                    <a16:creationId xmlns:a16="http://schemas.microsoft.com/office/drawing/2014/main" id="{E141BD17-4FE5-4EF7-A251-204D9E67E8DC}"/>
+                  </a:ext>
+                </a:extLst>
+              </p:cNvPr>
+              <p:cNvSpPr txBox="1"/>
+              <p:nvPr/>
+            </p:nvSpPr>
+            <p:spPr>
+              <a:xfrm>
+                <a:off x="568313" y="4987934"/>
+                <a:ext cx="1016052" cy="307777"/>
+              </a:xfrm>
+              <a:prstGeom prst="rect">
+                <a:avLst/>
+              </a:prstGeom>
+              <a:noFill/>
+            </p:spPr>
+            <p:txBody>
+              <a:bodyPr wrap="square" rtlCol="0">
+                <a:spAutoFit/>
+              </a:bodyPr>
+              <a:lstStyle/>
+              <a:p>
+                <a:pPr algn="ctr"/>
+                <a:r>
+                  <a:rPr lang="en-GB" sz="1400" dirty="0">
+                    <a:latin typeface="Segoe UI Semilight" panose="020B0402040204020203" pitchFamily="34" charset="0"/>
+                    <a:cs typeface="Segoe UI Semilight" panose="020B0402040204020203" pitchFamily="34" charset="0"/>
+                  </a:rPr>
+                  <a:t>IIS</a:t>
+                </a:r>
+              </a:p>
+            </p:txBody>
+          </p:sp>
+        </p:grpSp>
+        <p:grpSp>
+          <p:nvGrpSpPr>
+            <p:cNvPr id="143" name="Group 142">
+              <a:extLst>
+                <a:ext uri="{FF2B5EF4-FFF2-40B4-BE49-F238E27FC236}">
+                  <a16:creationId xmlns:a16="http://schemas.microsoft.com/office/drawing/2014/main" id="{00F3F700-CC04-416C-9E8B-36322A8C99C6}"/>
+                </a:ext>
+              </a:extLst>
+            </p:cNvPr>
+            <p:cNvGrpSpPr/>
+            <p:nvPr/>
+          </p:nvGrpSpPr>
+          <p:grpSpPr>
+            <a:xfrm>
+              <a:off x="3681358" y="4078809"/>
+              <a:ext cx="1016052" cy="984582"/>
+              <a:chOff x="1592994" y="4311129"/>
+              <a:chExt cx="1016052" cy="984582"/>
+            </a:xfrm>
+          </p:grpSpPr>
+          <p:pic>
+            <p:nvPicPr>
+              <p:cNvPr id="144" name="Picture 143">
+                <a:extLst>
+                  <a:ext uri="{FF2B5EF4-FFF2-40B4-BE49-F238E27FC236}">
+                    <a16:creationId xmlns:a16="http://schemas.microsoft.com/office/drawing/2014/main" id="{8296FB24-A4C5-4671-99A6-DBF3F31EAA55}"/>
+                  </a:ext>
+                </a:extLst>
+              </p:cNvPr>
+              <p:cNvPicPr>
+                <a:picLocks noChangeAspect="1"/>
+              </p:cNvPicPr>
+              <p:nvPr/>
+            </p:nvPicPr>
+            <p:blipFill>
+              <a:blip r:embed="rId5">
+                <a:clrChange>
+                  <a:clrFrom>
+                    <a:srgbClr val="FFFFFF"/>
+                  </a:clrFrom>
+                  <a:clrTo>
+                    <a:srgbClr val="FFFFFF">
+                      <a:alpha val="0"/>
+                    </a:srgbClr>
+                  </a:clrTo>
+                </a:clrChange>
+              </a:blip>
+              <a:stretch>
+                <a:fillRect/>
+              </a:stretch>
+            </p:blipFill>
+            <p:spPr>
+              <a:xfrm>
+                <a:off x="1688942" y="4311129"/>
+                <a:ext cx="818403" cy="749822"/>
+              </a:xfrm>
+              <a:prstGeom prst="rect">
+                <a:avLst/>
+              </a:prstGeom>
+            </p:spPr>
+          </p:pic>
+          <p:sp>
+            <p:nvSpPr>
+              <p:cNvPr id="145" name="TextBox 144">
+                <a:extLst>
+                  <a:ext uri="{FF2B5EF4-FFF2-40B4-BE49-F238E27FC236}">
+                    <a16:creationId xmlns:a16="http://schemas.microsoft.com/office/drawing/2014/main" id="{191A1967-FAE2-4BAD-9E80-102962FBD6C1}"/>
+                  </a:ext>
+                </a:extLst>
+              </p:cNvPr>
+              <p:cNvSpPr txBox="1"/>
+              <p:nvPr/>
+            </p:nvSpPr>
+            <p:spPr>
+              <a:xfrm>
+                <a:off x="1592994" y="4987934"/>
+                <a:ext cx="1016052" cy="307777"/>
+              </a:xfrm>
+              <a:prstGeom prst="rect">
+                <a:avLst/>
+              </a:prstGeom>
+              <a:noFill/>
+            </p:spPr>
+            <p:txBody>
+              <a:bodyPr wrap="square" rtlCol="0">
+                <a:spAutoFit/>
+              </a:bodyPr>
+              <a:lstStyle/>
+              <a:p>
+                <a:pPr algn="ctr"/>
+                <a:r>
+                  <a:rPr lang="en-GB" sz="1400" dirty="0">
+                    <a:latin typeface="Segoe UI Semilight" panose="020B0402040204020203" pitchFamily="34" charset="0"/>
+                    <a:cs typeface="Segoe UI Semilight" panose="020B0402040204020203" pitchFamily="34" charset="0"/>
+                  </a:rPr>
+                  <a:t>IIS</a:t>
+                </a:r>
+              </a:p>
+            </p:txBody>
+          </p:sp>
+        </p:grpSp>
+        <p:cxnSp>
+          <p:nvCxnSpPr>
+            <p:cNvPr id="151" name="Connector: Elbow 150">
+              <a:extLst>
+                <a:ext uri="{FF2B5EF4-FFF2-40B4-BE49-F238E27FC236}">
+                  <a16:creationId xmlns:a16="http://schemas.microsoft.com/office/drawing/2014/main" id="{54D863C8-E926-4ED7-844B-5A0FC94C1F00}"/>
+                </a:ext>
+              </a:extLst>
+            </p:cNvPr>
+            <p:cNvCxnSpPr>
+              <a:cxnSpLocks/>
+              <a:stCxn id="157" idx="0"/>
+              <a:endCxn id="36" idx="1"/>
+            </p:cNvCxnSpPr>
+            <p:nvPr/>
+          </p:nvCxnSpPr>
+          <p:spPr>
+            <a:xfrm rot="16200000" flipH="1">
+              <a:off x="5342282" y="201510"/>
+              <a:ext cx="785226" cy="4494990"/>
+            </a:xfrm>
+            <a:prstGeom prst="bentConnector4">
+              <a:avLst>
+                <a:gd name="adj1" fmla="val -29113"/>
+                <a:gd name="adj2" fmla="val 78960"/>
+              </a:avLst>
+            </a:prstGeom>
+            <a:ln w="38100">
+              <a:solidFill>
+                <a:srgbClr val="92C426"/>
+              </a:solidFill>
+              <a:headEnd type="triangle"/>
+              <a:tailEnd type="triangle"/>
+            </a:ln>
+          </p:spPr>
+          <p:style>
+            <a:lnRef idx="1">
+              <a:schemeClr val="accent1"/>
+            </a:lnRef>
+            <a:fillRef idx="0">
+              <a:schemeClr val="accent1"/>
+            </a:fillRef>
+            <a:effectRef idx="0">
+              <a:schemeClr val="accent1"/>
+            </a:effectRef>
+            <a:fontRef idx="minor">
+              <a:schemeClr val="tx1"/>
+            </a:fontRef>
+          </p:style>
+        </p:cxnSp>
+        <p:sp>
+          <p:nvSpPr>
+            <p:cNvPr id="164" name="Rectangle 163">
+              <a:extLst>
+                <a:ext uri="{FF2B5EF4-FFF2-40B4-BE49-F238E27FC236}">
+                  <a16:creationId xmlns:a16="http://schemas.microsoft.com/office/drawing/2014/main" id="{B2317FC3-6392-4ED6-BEEB-EC34881FCF91}"/>
+                </a:ext>
+              </a:extLst>
+            </p:cNvPr>
+            <p:cNvSpPr/>
+            <p:nvPr/>
+          </p:nvSpPr>
+          <p:spPr>
+            <a:xfrm>
+              <a:off x="841480" y="1978173"/>
+              <a:ext cx="1574822" cy="1310454"/>
+            </a:xfrm>
+            <a:prstGeom prst="rect">
+              <a:avLst/>
+            </a:prstGeom>
+            <a:solidFill>
+              <a:schemeClr val="bg1">
+                <a:lumMod val="85000"/>
+              </a:schemeClr>
+            </a:solidFill>
+            <a:ln>
+              <a:solidFill>
+                <a:schemeClr val="bg1">
+                  <a:lumMod val="75000"/>
+                </a:schemeClr>
+              </a:solidFill>
+            </a:ln>
+          </p:spPr>
+          <p:style>
+            <a:lnRef idx="2">
+              <a:schemeClr val="accent3">
+                <a:shade val="50000"/>
+              </a:schemeClr>
+            </a:lnRef>
+            <a:fillRef idx="1">
+              <a:schemeClr val="accent3"/>
+            </a:fillRef>
+            <a:effectRef idx="0">
+              <a:schemeClr val="accent3"/>
+            </a:effectRef>
+            <a:fontRef idx="minor">
+              <a:schemeClr val="lt1"/>
+            </a:fontRef>
+          </p:style>
+          <p:txBody>
+            <a:bodyPr rtlCol="0" anchor="ctr"/>
+            <a:lstStyle/>
+            <a:p>
+              <a:pPr algn="ctr"/>
+              <a:endParaRPr lang="en-GB"/>
+            </a:p>
+          </p:txBody>
+        </p:sp>
+        <p:sp>
+          <p:nvSpPr>
+            <p:cNvPr id="166" name="Rectangle 165">
+              <a:extLst>
+                <a:ext uri="{FF2B5EF4-FFF2-40B4-BE49-F238E27FC236}">
+                  <a16:creationId xmlns:a16="http://schemas.microsoft.com/office/drawing/2014/main" id="{DB5E80FC-4122-4ACF-A8BA-E608309186BE}"/>
+                </a:ext>
+              </a:extLst>
+            </p:cNvPr>
+            <p:cNvSpPr/>
+            <p:nvPr/>
+          </p:nvSpPr>
+          <p:spPr>
+            <a:xfrm>
+              <a:off x="722770" y="1754059"/>
+              <a:ext cx="1811051" cy="4695513"/>
+            </a:xfrm>
+            <a:prstGeom prst="rect">
+              <a:avLst/>
+            </a:prstGeom>
+            <a:noFill/>
+            <a:ln w="38100">
+              <a:solidFill>
+                <a:srgbClr val="5B9BD5"/>
+              </a:solidFill>
+              <a:prstDash val="sysDot"/>
+            </a:ln>
+          </p:spPr>
+          <p:style>
+            <a:lnRef idx="2">
+              <a:schemeClr val="accent1">
+                <a:shade val="50000"/>
+              </a:schemeClr>
+            </a:lnRef>
+            <a:fillRef idx="1">
+              <a:schemeClr val="accent1"/>
+            </a:fillRef>
+            <a:effectRef idx="0">
+              <a:schemeClr val="accent1"/>
+            </a:effectRef>
+            <a:fontRef idx="minor">
+              <a:schemeClr val="lt1"/>
+            </a:fontRef>
+          </p:style>
+          <p:txBody>
+            <a:bodyPr rtlCol="0" anchor="ctr"/>
+            <a:lstStyle/>
+            <a:p>
+              <a:pPr algn="ctr"/>
+              <a:endParaRPr lang="en-GB"/>
+            </a:p>
+          </p:txBody>
+        </p:sp>
+        <p:sp>
+          <p:nvSpPr>
+            <p:cNvPr id="168" name="TextBox 167">
+              <a:extLst>
+                <a:ext uri="{FF2B5EF4-FFF2-40B4-BE49-F238E27FC236}">
+                  <a16:creationId xmlns:a16="http://schemas.microsoft.com/office/drawing/2014/main" id="{368907C9-DB76-451F-AC2B-D50A7473CD1D}"/>
+                </a:ext>
+              </a:extLst>
+            </p:cNvPr>
+            <p:cNvSpPr txBox="1"/>
+            <p:nvPr/>
+          </p:nvSpPr>
+          <p:spPr>
+            <a:xfrm>
+              <a:off x="722770" y="1461761"/>
+              <a:ext cx="1811052" cy="307777"/>
+            </a:xfrm>
+            <a:prstGeom prst="rect">
+              <a:avLst/>
+            </a:prstGeom>
+            <a:noFill/>
+          </p:spPr>
+          <p:txBody>
+            <a:bodyPr wrap="square" rtlCol="0">
+              <a:spAutoFit/>
+            </a:bodyPr>
+            <a:lstStyle/>
+            <a:p>
+              <a:pPr algn="ctr"/>
+              <a:r>
+                <a:rPr lang="en-GB" sz="1400" dirty="0">
+                  <a:solidFill>
+                    <a:srgbClr val="5B9BD5"/>
+                  </a:solidFill>
+                  <a:latin typeface="Segoe UI Black" panose="020B0A02040204020203" pitchFamily="34" charset="0"/>
+                  <a:ea typeface="Segoe UI Black" panose="020B0A02040204020203" pitchFamily="34" charset="0"/>
+                  <a:cs typeface="Segoe UI Semilight" panose="020B0402040204020203" pitchFamily="34" charset="0"/>
+                </a:rPr>
+                <a:t>HR</a:t>
+              </a:r>
+            </a:p>
+          </p:txBody>
+        </p:sp>
+        <p:sp>
+          <p:nvSpPr>
+            <p:cNvPr id="169" name="Rectangle 168">
+              <a:extLst>
+                <a:ext uri="{FF2B5EF4-FFF2-40B4-BE49-F238E27FC236}">
+                  <a16:creationId xmlns:a16="http://schemas.microsoft.com/office/drawing/2014/main" id="{394BC8C6-A3DC-4070-8A41-E95C71AD98BD}"/>
+                </a:ext>
+              </a:extLst>
+            </p:cNvPr>
+            <p:cNvSpPr/>
+            <p:nvPr/>
+          </p:nvSpPr>
+          <p:spPr>
+            <a:xfrm>
+              <a:off x="841480" y="4046417"/>
+              <a:ext cx="1574822" cy="1888048"/>
+            </a:xfrm>
+            <a:prstGeom prst="rect">
+              <a:avLst/>
+            </a:prstGeom>
+            <a:solidFill>
+              <a:schemeClr val="bg1">
+                <a:lumMod val="85000"/>
+              </a:schemeClr>
+            </a:solidFill>
+            <a:ln>
+              <a:solidFill>
+                <a:schemeClr val="bg1">
+                  <a:lumMod val="75000"/>
+                </a:schemeClr>
+              </a:solidFill>
+            </a:ln>
+          </p:spPr>
+          <p:style>
+            <a:lnRef idx="2">
+              <a:schemeClr val="accent3">
+                <a:shade val="50000"/>
+              </a:schemeClr>
+            </a:lnRef>
+            <a:fillRef idx="1">
+              <a:schemeClr val="accent3"/>
+            </a:fillRef>
+            <a:effectRef idx="0">
+              <a:schemeClr val="accent3"/>
+            </a:effectRef>
+            <a:fontRef idx="minor">
+              <a:schemeClr val="lt1"/>
+            </a:fontRef>
+          </p:style>
+          <p:txBody>
+            <a:bodyPr rtlCol="0" anchor="ctr"/>
+            <a:lstStyle/>
+            <a:p>
+              <a:pPr algn="ctr"/>
+              <a:endParaRPr lang="en-GB"/>
+            </a:p>
+          </p:txBody>
+        </p:sp>
+        <p:grpSp>
+          <p:nvGrpSpPr>
+            <p:cNvPr id="170" name="Group 169">
+              <a:extLst>
+                <a:ext uri="{FF2B5EF4-FFF2-40B4-BE49-F238E27FC236}">
+                  <a16:creationId xmlns:a16="http://schemas.microsoft.com/office/drawing/2014/main" id="{87E81733-0C90-4EEB-85B8-20DD1AA819C2}"/>
+                </a:ext>
+              </a:extLst>
+            </p:cNvPr>
+            <p:cNvGrpSpPr/>
+            <p:nvPr/>
+          </p:nvGrpSpPr>
+          <p:grpSpPr>
+            <a:xfrm>
+              <a:off x="1651199" y="1968313"/>
+              <a:ext cx="816458" cy="816458"/>
+              <a:chOff x="3828158" y="4585427"/>
+              <a:chExt cx="816458" cy="816458"/>
+            </a:xfrm>
+          </p:grpSpPr>
+          <p:pic>
+            <p:nvPicPr>
+              <p:cNvPr id="171" name="Graphic 170" descr="Lock">
+                <a:extLst>
+                  <a:ext uri="{FF2B5EF4-FFF2-40B4-BE49-F238E27FC236}">
+                    <a16:creationId xmlns:a16="http://schemas.microsoft.com/office/drawing/2014/main" id="{7239B1C8-A1BF-4218-A15B-76BC8FCFFE8B}"/>
+                  </a:ext>
+                </a:extLst>
+              </p:cNvPr>
+              <p:cNvPicPr>
+                <a:picLocks noChangeAspect="1"/>
+              </p:cNvPicPr>
+              <p:nvPr/>
+            </p:nvPicPr>
+            <p:blipFill>
+              <a:blip r:embed="rId3">
+                <a:extLst>
+                  <a:ext uri="{28A0092B-C50C-407E-A947-70E740481C1C}">
+                    <a14:useLocalDpi xmlns:a14="http://schemas.microsoft.com/office/drawing/2010/main" val="0"/>
+                  </a:ext>
+                  <a:ext uri="{96DAC541-7B7A-43D3-8B79-37D633B846F1}">
+                    <asvg:svgBlip xmlns:asvg="http://schemas.microsoft.com/office/drawing/2016/SVG/main" r:embed="rId4"/>
+                  </a:ext>
+                </a:extLst>
+              </a:blip>
+              <a:stretch>
+                <a:fillRect/>
+              </a:stretch>
+            </p:blipFill>
+            <p:spPr>
+              <a:xfrm>
+                <a:off x="3828158" y="4585427"/>
+                <a:ext cx="816458" cy="816458"/>
+              </a:xfrm>
+              <a:prstGeom prst="rect">
+                <a:avLst/>
+              </a:prstGeom>
+            </p:spPr>
+          </p:pic>
+          <p:sp>
+            <p:nvSpPr>
+              <p:cNvPr id="183" name="TextBox 182">
+                <a:extLst>
+                  <a:ext uri="{FF2B5EF4-FFF2-40B4-BE49-F238E27FC236}">
+                    <a16:creationId xmlns:a16="http://schemas.microsoft.com/office/drawing/2014/main" id="{1AC5659C-F382-4190-AFC5-9F633D267D19}"/>
+                  </a:ext>
+                </a:extLst>
+              </p:cNvPr>
+              <p:cNvSpPr txBox="1"/>
+              <p:nvPr/>
+            </p:nvSpPr>
+            <p:spPr>
+              <a:xfrm>
+                <a:off x="4028732" y="5010165"/>
+                <a:ext cx="371748" cy="215444"/>
+              </a:xfrm>
+              <a:prstGeom prst="rect">
+                <a:avLst/>
+              </a:prstGeom>
+              <a:solidFill>
+                <a:srgbClr val="5B9BD5"/>
+              </a:solidFill>
+            </p:spPr>
+            <p:txBody>
+              <a:bodyPr wrap="square" lIns="0" tIns="0" rIns="0" bIns="0" rtlCol="0">
+                <a:spAutoFit/>
+              </a:bodyPr>
+              <a:lstStyle/>
+              <a:p>
+                <a:pPr algn="ctr"/>
+                <a:r>
+                  <a:rPr lang="en-GB" sz="1400" b="1" dirty="0">
+                    <a:solidFill>
+                      <a:schemeClr val="bg1"/>
+                    </a:solidFill>
+                    <a:latin typeface="Segoe UI Semilight" panose="020B0402040204020203" pitchFamily="34" charset="0"/>
+                    <a:cs typeface="Segoe UI Semilight" panose="020B0402040204020203" pitchFamily="34" charset="0"/>
+                  </a:rPr>
+                  <a:t>NSG</a:t>
+                </a:r>
+              </a:p>
+            </p:txBody>
+          </p:sp>
+        </p:grpSp>
+        <p:grpSp>
+          <p:nvGrpSpPr>
+            <p:cNvPr id="184" name="Group 183">
+              <a:extLst>
+                <a:ext uri="{FF2B5EF4-FFF2-40B4-BE49-F238E27FC236}">
+                  <a16:creationId xmlns:a16="http://schemas.microsoft.com/office/drawing/2014/main" id="{DC2CAAD9-BA55-4999-8347-2BD876E48F44}"/>
+                </a:ext>
+              </a:extLst>
+            </p:cNvPr>
+            <p:cNvGrpSpPr/>
+            <p:nvPr/>
+          </p:nvGrpSpPr>
+          <p:grpSpPr>
+            <a:xfrm>
+              <a:off x="1143173" y="4985624"/>
+              <a:ext cx="1016052" cy="984356"/>
+              <a:chOff x="1592994" y="5295937"/>
+              <a:chExt cx="1016052" cy="984356"/>
+            </a:xfrm>
+          </p:grpSpPr>
+          <p:grpSp>
+            <p:nvGrpSpPr>
+              <p:cNvPr id="185" name="Group 184">
+                <a:extLst>
+                  <a:ext uri="{FF2B5EF4-FFF2-40B4-BE49-F238E27FC236}">
+                    <a16:creationId xmlns:a16="http://schemas.microsoft.com/office/drawing/2014/main" id="{21999144-85C7-4567-8F88-251E641DFD57}"/>
+                  </a:ext>
+                </a:extLst>
+              </p:cNvPr>
+              <p:cNvGrpSpPr/>
+              <p:nvPr/>
+            </p:nvGrpSpPr>
+            <p:grpSpPr>
+              <a:xfrm>
+                <a:off x="1674715" y="5295937"/>
+                <a:ext cx="818403" cy="749822"/>
+                <a:chOff x="6908241" y="4869690"/>
+                <a:chExt cx="1136708" cy="1041454"/>
+              </a:xfrm>
+            </p:grpSpPr>
+            <p:pic>
+              <p:nvPicPr>
+                <p:cNvPr id="187" name="Picture 186">
+                  <a:extLst>
+                    <a:ext uri="{FF2B5EF4-FFF2-40B4-BE49-F238E27FC236}">
+                      <a16:creationId xmlns:a16="http://schemas.microsoft.com/office/drawing/2014/main" id="{BA9CB6FF-7AED-4D62-9AFF-94E42399E284}"/>
+                    </a:ext>
+                  </a:extLst>
+                </p:cNvPr>
+                <p:cNvPicPr>
+                  <a:picLocks noChangeAspect="1"/>
+                </p:cNvPicPr>
+                <p:nvPr/>
+              </p:nvPicPr>
+              <p:blipFill>
+                <a:blip r:embed="rId5">
+                  <a:clrChange>
+                    <a:clrFrom>
+                      <a:srgbClr val="FFFFFF"/>
+                    </a:clrFrom>
+                    <a:clrTo>
+                      <a:srgbClr val="FFFFFF">
+                        <a:alpha val="0"/>
+                      </a:srgbClr>
+                    </a:clrTo>
+                  </a:clrChange>
+                </a:blip>
+                <a:stretch>
+                  <a:fillRect/>
+                </a:stretch>
+              </p:blipFill>
+              <p:spPr>
+                <a:xfrm>
+                  <a:off x="6908241" y="4869690"/>
+                  <a:ext cx="1136708" cy="1041454"/>
+                </a:xfrm>
+                <a:prstGeom prst="rect">
+                  <a:avLst/>
+                </a:prstGeom>
+              </p:spPr>
+            </p:pic>
+            <p:sp>
+              <p:nvSpPr>
+                <p:cNvPr id="188" name="Rectangle 187">
+                  <a:extLst>
+                    <a:ext uri="{FF2B5EF4-FFF2-40B4-BE49-F238E27FC236}">
+                      <a16:creationId xmlns:a16="http://schemas.microsoft.com/office/drawing/2014/main" id="{4422F01A-502F-47E3-8F32-C96180ED794F}"/>
+                    </a:ext>
+                  </a:extLst>
+                </p:cNvPr>
+                <p:cNvSpPr/>
+                <p:nvPr/>
+              </p:nvSpPr>
+              <p:spPr>
+                <a:xfrm>
+                  <a:off x="7207250" y="5060951"/>
+                  <a:ext cx="562070" cy="482600"/>
+                </a:xfrm>
+                <a:prstGeom prst="rect">
+                  <a:avLst/>
+                </a:prstGeom>
+                <a:solidFill>
+                  <a:srgbClr val="59B4D9"/>
+                </a:solidFill>
+                <a:ln>
+                  <a:noFill/>
+                </a:ln>
+              </p:spPr>
+              <p:style>
+                <a:lnRef idx="2">
+                  <a:schemeClr val="accent1">
+                    <a:shade val="50000"/>
+                  </a:schemeClr>
+                </a:lnRef>
+                <a:fillRef idx="1">
+                  <a:schemeClr val="accent1"/>
+                </a:fillRef>
+                <a:effectRef idx="0">
+                  <a:schemeClr val="accent1"/>
+                </a:effectRef>
+                <a:fontRef idx="minor">
+                  <a:schemeClr val="lt1"/>
+                </a:fontRef>
+              </p:style>
+              <p:txBody>
+                <a:bodyPr rtlCol="0" anchor="ctr"/>
+                <a:lstStyle/>
+                <a:p>
+                  <a:pPr algn="ctr"/>
+                  <a:endParaRPr lang="en-GB"/>
+                </a:p>
+              </p:txBody>
+            </p:sp>
+            <p:pic>
+              <p:nvPicPr>
+                <p:cNvPr id="189" name="Graphic 188" descr="Database">
+                  <a:extLst>
+                    <a:ext uri="{FF2B5EF4-FFF2-40B4-BE49-F238E27FC236}">
+                      <a16:creationId xmlns:a16="http://schemas.microsoft.com/office/drawing/2014/main" id="{299A9869-E439-49A7-843A-16C2D1FE1EA3}"/>
+                    </a:ext>
+                  </a:extLst>
+                </p:cNvPr>
+                <p:cNvPicPr>
+                  <a:picLocks noChangeAspect="1"/>
+                </p:cNvPicPr>
+                <p:nvPr/>
+              </p:nvPicPr>
+              <p:blipFill>
+                <a:blip r:embed="rId6">
+                  <a:extLst>
+                    <a:ext uri="{28A0092B-C50C-407E-A947-70E740481C1C}">
+                      <a14:useLocalDpi xmlns:a14="http://schemas.microsoft.com/office/drawing/2010/main" val="0"/>
+                    </a:ext>
+                    <a:ext uri="{96DAC541-7B7A-43D3-8B79-37D633B846F1}">
+                      <asvg:svgBlip xmlns:asvg="http://schemas.microsoft.com/office/drawing/2016/SVG/main" r:embed="rId7"/>
+                    </a:ext>
+                  </a:extLst>
+                </a:blip>
+                <a:stretch>
+                  <a:fillRect/>
+                </a:stretch>
+              </p:blipFill>
+              <p:spPr>
+                <a:xfrm>
+                  <a:off x="7230111" y="5041901"/>
+                  <a:ext cx="530474" cy="530474"/>
+                </a:xfrm>
+                <a:prstGeom prst="rect">
+                  <a:avLst/>
+                </a:prstGeom>
+              </p:spPr>
+            </p:pic>
+          </p:grpSp>
+          <p:sp>
+            <p:nvSpPr>
+              <p:cNvPr id="186" name="TextBox 185">
+                <a:extLst>
+                  <a:ext uri="{FF2B5EF4-FFF2-40B4-BE49-F238E27FC236}">
+                    <a16:creationId xmlns:a16="http://schemas.microsoft.com/office/drawing/2014/main" id="{5FC3339D-6637-40A3-A605-CC070ED3AF67}"/>
+                  </a:ext>
+                </a:extLst>
+              </p:cNvPr>
+              <p:cNvSpPr txBox="1"/>
+              <p:nvPr/>
+            </p:nvSpPr>
+            <p:spPr>
+              <a:xfrm>
+                <a:off x="1592994" y="5972516"/>
+                <a:ext cx="1016052" cy="307777"/>
+              </a:xfrm>
+              <a:prstGeom prst="rect">
+                <a:avLst/>
+              </a:prstGeom>
+              <a:noFill/>
+            </p:spPr>
+            <p:txBody>
+              <a:bodyPr wrap="square" rtlCol="0">
+                <a:spAutoFit/>
+              </a:bodyPr>
+              <a:lstStyle/>
+              <a:p>
+                <a:pPr algn="ctr"/>
+                <a:r>
+                  <a:rPr lang="en-GB" sz="1400" dirty="0">
+                    <a:latin typeface="Segoe UI Semilight" panose="020B0402040204020203" pitchFamily="34" charset="0"/>
+                    <a:cs typeface="Segoe UI Semilight" panose="020B0402040204020203" pitchFamily="34" charset="0"/>
+                  </a:rPr>
+                  <a:t>DB</a:t>
+                </a:r>
+              </a:p>
+            </p:txBody>
+          </p:sp>
+        </p:grpSp>
+        <p:sp>
+          <p:nvSpPr>
+            <p:cNvPr id="190" name="TextBox 189">
+              <a:extLst>
+                <a:ext uri="{FF2B5EF4-FFF2-40B4-BE49-F238E27FC236}">
+                  <a16:creationId xmlns:a16="http://schemas.microsoft.com/office/drawing/2014/main" id="{42F05431-E283-4D2A-BE00-006EAB8ECE44}"/>
+                </a:ext>
+              </a:extLst>
+            </p:cNvPr>
+            <p:cNvSpPr txBox="1"/>
+            <p:nvPr/>
+          </p:nvSpPr>
+          <p:spPr>
+            <a:xfrm>
+              <a:off x="832832" y="5899610"/>
+              <a:ext cx="1583470" cy="307777"/>
+            </a:xfrm>
+            <a:prstGeom prst="rect">
+              <a:avLst/>
+            </a:prstGeom>
+            <a:noFill/>
+          </p:spPr>
+          <p:txBody>
+            <a:bodyPr wrap="square" rtlCol="0">
+              <a:spAutoFit/>
+            </a:bodyPr>
+            <a:lstStyle/>
+            <a:p>
+              <a:pPr algn="ctr"/>
+              <a:r>
+                <a:rPr lang="en-GB" sz="1400" dirty="0">
+                  <a:latin typeface="Segoe UI Semilight" panose="020B0402040204020203" pitchFamily="34" charset="0"/>
+                  <a:cs typeface="Segoe UI Semilight" panose="020B0402040204020203" pitchFamily="34" charset="0"/>
+                </a:rPr>
+                <a:t>Workload subnet</a:t>
+              </a:r>
+            </a:p>
+          </p:txBody>
+        </p:sp>
+        <p:sp>
+          <p:nvSpPr>
+            <p:cNvPr id="191" name="TextBox 190">
+              <a:extLst>
+                <a:ext uri="{FF2B5EF4-FFF2-40B4-BE49-F238E27FC236}">
+                  <a16:creationId xmlns:a16="http://schemas.microsoft.com/office/drawing/2014/main" id="{DDD30551-AAC5-4E51-A5D0-2DFAC3F844F2}"/>
+                </a:ext>
+              </a:extLst>
+            </p:cNvPr>
+            <p:cNvSpPr txBox="1"/>
+            <p:nvPr/>
+          </p:nvSpPr>
+          <p:spPr>
+            <a:xfrm>
+              <a:off x="832832" y="3302869"/>
+              <a:ext cx="1583470" cy="523220"/>
+            </a:xfrm>
+            <a:prstGeom prst="rect">
+              <a:avLst/>
+            </a:prstGeom>
+            <a:noFill/>
+          </p:spPr>
+          <p:txBody>
+            <a:bodyPr wrap="square" rtlCol="0">
+              <a:spAutoFit/>
+            </a:bodyPr>
+            <a:lstStyle/>
+            <a:p>
+              <a:pPr algn="ctr"/>
+              <a:r>
+                <a:rPr lang="en-GB" sz="1400" dirty="0">
+                  <a:latin typeface="Segoe UI Semilight" panose="020B0402040204020203" pitchFamily="34" charset="0"/>
+                  <a:cs typeface="Segoe UI Semilight" panose="020B0402040204020203" pitchFamily="34" charset="0"/>
+                </a:rPr>
+                <a:t>Management subnet</a:t>
+              </a:r>
+            </a:p>
+          </p:txBody>
+        </p:sp>
+        <p:sp>
+          <p:nvSpPr>
+            <p:cNvPr id="192" name="Rectangle 191">
+              <a:extLst>
+                <a:ext uri="{FF2B5EF4-FFF2-40B4-BE49-F238E27FC236}">
+                  <a16:creationId xmlns:a16="http://schemas.microsoft.com/office/drawing/2014/main" id="{BC8C0AFD-030D-48F6-97D2-F71B0154786A}"/>
+                </a:ext>
+              </a:extLst>
+            </p:cNvPr>
+            <p:cNvSpPr/>
+            <p:nvPr/>
+          </p:nvSpPr>
+          <p:spPr>
+            <a:xfrm rot="2675702">
+              <a:off x="1054930" y="2204329"/>
+              <a:ext cx="456874" cy="456874"/>
+            </a:xfrm>
+            <a:prstGeom prst="rect">
+              <a:avLst/>
+            </a:prstGeom>
+            <a:solidFill>
+              <a:schemeClr val="bg1"/>
+            </a:solidFill>
+            <a:ln>
+              <a:noFill/>
+            </a:ln>
+          </p:spPr>
+          <p:style>
+            <a:lnRef idx="2">
+              <a:schemeClr val="accent1">
+                <a:shade val="50000"/>
+              </a:schemeClr>
+            </a:lnRef>
+            <a:fillRef idx="1">
+              <a:schemeClr val="accent1"/>
+            </a:fillRef>
+            <a:effectRef idx="0">
+              <a:schemeClr val="accent1"/>
+            </a:effectRef>
+            <a:fontRef idx="minor">
+              <a:schemeClr val="lt1"/>
+            </a:fontRef>
+          </p:style>
+          <p:txBody>
+            <a:bodyPr rtlCol="0" anchor="ctr"/>
+            <a:lstStyle/>
+            <a:p>
+              <a:pPr algn="ctr"/>
+              <a:endParaRPr lang="en-GB"/>
+            </a:p>
+          </p:txBody>
+        </p:sp>
+        <p:grpSp>
+          <p:nvGrpSpPr>
+            <p:cNvPr id="193" name="Group 192">
+              <a:extLst>
+                <a:ext uri="{FF2B5EF4-FFF2-40B4-BE49-F238E27FC236}">
+                  <a16:creationId xmlns:a16="http://schemas.microsoft.com/office/drawing/2014/main" id="{C2A4E52D-23B0-441B-98E2-B1F23203049B}"/>
+                </a:ext>
+              </a:extLst>
+            </p:cNvPr>
+            <p:cNvGrpSpPr/>
+            <p:nvPr/>
+          </p:nvGrpSpPr>
+          <p:grpSpPr>
+            <a:xfrm>
+              <a:off x="738564" y="2056392"/>
+              <a:ext cx="1126728" cy="1142160"/>
+              <a:chOff x="1076591" y="401757"/>
+              <a:chExt cx="1126728" cy="1142160"/>
+            </a:xfrm>
+          </p:grpSpPr>
+          <p:pic>
+            <p:nvPicPr>
+              <p:cNvPr id="194" name="Picture 193">
+                <a:extLst>
+                  <a:ext uri="{FF2B5EF4-FFF2-40B4-BE49-F238E27FC236}">
+                    <a16:creationId xmlns:a16="http://schemas.microsoft.com/office/drawing/2014/main" id="{7B41D91C-5014-42EA-92F4-F697F25EA179}"/>
+                  </a:ext>
+                </a:extLst>
+              </p:cNvPr>
+              <p:cNvPicPr>
+                <a:picLocks noChangeAspect="1"/>
+              </p:cNvPicPr>
+              <p:nvPr/>
+            </p:nvPicPr>
+            <p:blipFill>
+              <a:blip r:embed="rId15">
+                <a:clrChange>
+                  <a:clrFrom>
+                    <a:srgbClr val="FFFFFF"/>
+                  </a:clrFrom>
+                  <a:clrTo>
+                    <a:srgbClr val="FFFFFF">
+                      <a:alpha val="0"/>
+                    </a:srgbClr>
+                  </a:clrTo>
+                </a:clrChange>
+              </a:blip>
+              <a:stretch>
+                <a:fillRect/>
+              </a:stretch>
+            </p:blipFill>
+            <p:spPr>
+              <a:xfrm>
+                <a:off x="1210276" y="401757"/>
+                <a:ext cx="891556" cy="768110"/>
+              </a:xfrm>
+              <a:prstGeom prst="rect">
+                <a:avLst/>
+              </a:prstGeom>
+            </p:spPr>
+          </p:pic>
+          <p:sp>
+            <p:nvSpPr>
+              <p:cNvPr id="195" name="TextBox 194">
+                <a:extLst>
+                  <a:ext uri="{FF2B5EF4-FFF2-40B4-BE49-F238E27FC236}">
+                    <a16:creationId xmlns:a16="http://schemas.microsoft.com/office/drawing/2014/main" id="{3DD360A5-7963-4D1A-A2C4-BE2AC9BD0B0C}"/>
+                  </a:ext>
+                </a:extLst>
+              </p:cNvPr>
+              <p:cNvSpPr txBox="1"/>
+              <p:nvPr/>
+            </p:nvSpPr>
+            <p:spPr>
+              <a:xfrm>
+                <a:off x="1076591" y="1020697"/>
+                <a:ext cx="1126728" cy="523220"/>
+              </a:xfrm>
+              <a:prstGeom prst="rect">
+                <a:avLst/>
+              </a:prstGeom>
+              <a:noFill/>
+            </p:spPr>
+            <p:txBody>
+              <a:bodyPr wrap="square" rtlCol="0">
+                <a:spAutoFit/>
+              </a:bodyPr>
+              <a:lstStyle/>
+              <a:p>
+                <a:pPr algn="ctr"/>
+                <a:r>
+                  <a:rPr lang="en-GB" sz="1400" dirty="0">
+                    <a:latin typeface="Segoe UI Semilight" panose="020B0402040204020203" pitchFamily="34" charset="0"/>
+                    <a:cs typeface="Segoe UI Semilight" panose="020B0402040204020203" pitchFamily="34" charset="0"/>
+                  </a:rPr>
+                  <a:t>Load Balancer</a:t>
+                </a:r>
+              </a:p>
+            </p:txBody>
+          </p:sp>
+        </p:grpSp>
+        <p:grpSp>
+          <p:nvGrpSpPr>
+            <p:cNvPr id="7" name="Group 6">
+              <a:extLst>
+                <a:ext uri="{FF2B5EF4-FFF2-40B4-BE49-F238E27FC236}">
+                  <a16:creationId xmlns:a16="http://schemas.microsoft.com/office/drawing/2014/main" id="{645DF096-F3D2-403F-97A0-449F8964DFAE}"/>
+                </a:ext>
+              </a:extLst>
+            </p:cNvPr>
+            <p:cNvGrpSpPr/>
+            <p:nvPr/>
+          </p:nvGrpSpPr>
+          <p:grpSpPr>
+            <a:xfrm>
+              <a:off x="1134906" y="4078809"/>
+              <a:ext cx="1016052" cy="984582"/>
+              <a:chOff x="742655" y="4078809"/>
+              <a:chExt cx="1016052" cy="984582"/>
+            </a:xfrm>
+          </p:grpSpPr>
+          <p:sp>
+            <p:nvSpPr>
+              <p:cNvPr id="197" name="Rectangle 196">
+                <a:extLst>
+                  <a:ext uri="{FF2B5EF4-FFF2-40B4-BE49-F238E27FC236}">
+                    <a16:creationId xmlns:a16="http://schemas.microsoft.com/office/drawing/2014/main" id="{52DC3DAE-5479-4D55-9ED2-DD39F604A95F}"/>
+                  </a:ext>
+                </a:extLst>
+              </p:cNvPr>
+              <p:cNvSpPr/>
+              <p:nvPr/>
+            </p:nvSpPr>
+            <p:spPr>
+              <a:xfrm rot="3630878">
+                <a:off x="1128665" y="4230964"/>
+                <a:ext cx="263042" cy="263240"/>
+              </a:xfrm>
+              <a:prstGeom prst="rect">
+                <a:avLst/>
+              </a:prstGeom>
+              <a:solidFill>
+                <a:schemeClr val="bg1"/>
+              </a:solidFill>
+              <a:ln>
+                <a:noFill/>
+              </a:ln>
+            </p:spPr>
+            <p:style>
+              <a:lnRef idx="2">
+                <a:schemeClr val="accent1">
+                  <a:shade val="50000"/>
+                </a:schemeClr>
+              </a:lnRef>
+              <a:fillRef idx="1">
+                <a:schemeClr val="accent1"/>
+              </a:fillRef>
+              <a:effectRef idx="0">
+                <a:schemeClr val="accent1"/>
+              </a:effectRef>
+              <a:fontRef idx="minor">
+                <a:schemeClr val="lt1"/>
+              </a:fontRef>
+            </p:style>
+            <p:txBody>
+              <a:bodyPr rtlCol="0" anchor="ctr"/>
+              <a:lstStyle/>
+              <a:p>
+                <a:pPr algn="ctr"/>
+                <a:endParaRPr lang="en-GB"/>
+              </a:p>
+            </p:txBody>
+          </p:sp>
+          <p:grpSp>
+            <p:nvGrpSpPr>
+              <p:cNvPr id="198" name="Group 197">
+                <a:extLst>
+                  <a:ext uri="{FF2B5EF4-FFF2-40B4-BE49-F238E27FC236}">
+                    <a16:creationId xmlns:a16="http://schemas.microsoft.com/office/drawing/2014/main" id="{EEE1564C-770D-4244-9EFE-06D2D8AF1712}"/>
+                  </a:ext>
+                </a:extLst>
+              </p:cNvPr>
+              <p:cNvGrpSpPr/>
+              <p:nvPr/>
+            </p:nvGrpSpPr>
+            <p:grpSpPr>
+              <a:xfrm>
+                <a:off x="742655" y="4078809"/>
+                <a:ext cx="1016052" cy="984582"/>
+                <a:chOff x="568313" y="4311129"/>
+                <a:chExt cx="1016052" cy="984582"/>
+              </a:xfrm>
+            </p:grpSpPr>
+            <p:pic>
+              <p:nvPicPr>
+                <p:cNvPr id="199" name="Picture 198">
+                  <a:extLst>
+                    <a:ext uri="{FF2B5EF4-FFF2-40B4-BE49-F238E27FC236}">
+                      <a16:creationId xmlns:a16="http://schemas.microsoft.com/office/drawing/2014/main" id="{0C0155DD-3B80-4A00-AAD7-1648D3A139AA}"/>
+                    </a:ext>
+                  </a:extLst>
+                </p:cNvPr>
+                <p:cNvPicPr>
+                  <a:picLocks noChangeAspect="1"/>
+                </p:cNvPicPr>
+                <p:nvPr/>
+              </p:nvPicPr>
+              <p:blipFill>
+                <a:blip r:embed="rId5">
+                  <a:clrChange>
+                    <a:clrFrom>
+                      <a:srgbClr val="FFFFFF"/>
+                    </a:clrFrom>
+                    <a:clrTo>
+                      <a:srgbClr val="FFFFFF">
+                        <a:alpha val="0"/>
+                      </a:srgbClr>
+                    </a:clrTo>
+                  </a:clrChange>
+                </a:blip>
+                <a:stretch>
+                  <a:fillRect/>
+                </a:stretch>
+              </p:blipFill>
+              <p:spPr>
+                <a:xfrm>
+                  <a:off x="667138" y="4311129"/>
+                  <a:ext cx="818403" cy="749822"/>
+                </a:xfrm>
+                <a:prstGeom prst="rect">
+                  <a:avLst/>
+                </a:prstGeom>
+              </p:spPr>
+            </p:pic>
+            <p:sp>
+              <p:nvSpPr>
+                <p:cNvPr id="200" name="TextBox 199">
+                  <a:extLst>
+                    <a:ext uri="{FF2B5EF4-FFF2-40B4-BE49-F238E27FC236}">
+                      <a16:creationId xmlns:a16="http://schemas.microsoft.com/office/drawing/2014/main" id="{C0CAA901-F228-4B45-829E-C8A8D917AD94}"/>
+                    </a:ext>
+                  </a:extLst>
+                </p:cNvPr>
+                <p:cNvSpPr txBox="1"/>
+                <p:nvPr/>
+              </p:nvSpPr>
+              <p:spPr>
+                <a:xfrm>
+                  <a:off x="568313" y="4987934"/>
+                  <a:ext cx="1016052" cy="307777"/>
+                </a:xfrm>
+                <a:prstGeom prst="rect">
+                  <a:avLst/>
+                </a:prstGeom>
+                <a:noFill/>
+              </p:spPr>
+              <p:txBody>
+                <a:bodyPr wrap="square" rtlCol="0">
+                  <a:spAutoFit/>
+                </a:bodyPr>
+                <a:lstStyle/>
+                <a:p>
+                  <a:pPr algn="ctr"/>
+                  <a:r>
+                    <a:rPr lang="en-GB" sz="1400" dirty="0">
+                      <a:latin typeface="Segoe UI Semilight" panose="020B0402040204020203" pitchFamily="34" charset="0"/>
+                      <a:cs typeface="Segoe UI Semilight" panose="020B0402040204020203" pitchFamily="34" charset="0"/>
+                    </a:rPr>
+                    <a:t>App</a:t>
+                  </a:r>
+                </a:p>
+              </p:txBody>
+            </p:sp>
+          </p:grpSp>
+        </p:grpSp>
+        <p:cxnSp>
+          <p:nvCxnSpPr>
+            <p:cNvPr id="204" name="Connector: Elbow 203">
+              <a:extLst>
+                <a:ext uri="{FF2B5EF4-FFF2-40B4-BE49-F238E27FC236}">
+                  <a16:creationId xmlns:a16="http://schemas.microsoft.com/office/drawing/2014/main" id="{A9A20386-3357-42D7-BB50-D6AB34E82D7E}"/>
+                </a:ext>
+              </a:extLst>
+            </p:cNvPr>
+            <p:cNvCxnSpPr>
+              <a:cxnSpLocks/>
+              <a:stCxn id="194" idx="0"/>
+              <a:endCxn id="36" idx="1"/>
+            </p:cNvCxnSpPr>
+            <p:nvPr/>
+          </p:nvCxnSpPr>
+          <p:spPr>
+            <a:xfrm rot="16200000" flipH="1">
+              <a:off x="4257595" y="-883176"/>
+              <a:ext cx="785226" cy="6664363"/>
+            </a:xfrm>
+            <a:prstGeom prst="bentConnector4">
+              <a:avLst>
+                <a:gd name="adj1" fmla="val -29113"/>
+                <a:gd name="adj2" fmla="val 85841"/>
+              </a:avLst>
+            </a:prstGeom>
+            <a:ln w="38100">
+              <a:solidFill>
+                <a:srgbClr val="92C426"/>
+              </a:solidFill>
+              <a:headEnd type="triangle"/>
+              <a:tailEnd type="triangle"/>
+            </a:ln>
+          </p:spPr>
+          <p:style>
+            <a:lnRef idx="1">
+              <a:schemeClr val="accent1"/>
+            </a:lnRef>
+            <a:fillRef idx="0">
+              <a:schemeClr val="accent1"/>
+            </a:fillRef>
+            <a:effectRef idx="0">
+              <a:schemeClr val="accent1"/>
+            </a:effectRef>
+            <a:fontRef idx="minor">
+              <a:schemeClr val="tx1"/>
+            </a:fontRef>
+          </p:style>
+        </p:cxnSp>
+        <p:grpSp>
+          <p:nvGrpSpPr>
+            <p:cNvPr id="205" name="Group 204">
+              <a:extLst>
+                <a:ext uri="{FF2B5EF4-FFF2-40B4-BE49-F238E27FC236}">
+                  <a16:creationId xmlns:a16="http://schemas.microsoft.com/office/drawing/2014/main" id="{60DA8B14-B99E-40E0-9ABA-FBA69BAD1183}"/>
+                </a:ext>
+              </a:extLst>
+            </p:cNvPr>
+            <p:cNvGrpSpPr/>
+            <p:nvPr/>
+          </p:nvGrpSpPr>
+          <p:grpSpPr>
+            <a:xfrm>
+              <a:off x="1944941" y="6106855"/>
+              <a:ext cx="908492" cy="682597"/>
+              <a:chOff x="5358637" y="4686040"/>
+              <a:chExt cx="908492" cy="682597"/>
+            </a:xfrm>
+          </p:grpSpPr>
+          <p:sp>
+            <p:nvSpPr>
+              <p:cNvPr id="206" name="Rectangle 205">
+                <a:extLst>
+                  <a:ext uri="{FF2B5EF4-FFF2-40B4-BE49-F238E27FC236}">
+                    <a16:creationId xmlns:a16="http://schemas.microsoft.com/office/drawing/2014/main" id="{EC841632-E16D-4F10-8985-7FA22C872AE1}"/>
+                  </a:ext>
+                </a:extLst>
+              </p:cNvPr>
+              <p:cNvSpPr/>
+              <p:nvPr/>
+            </p:nvSpPr>
+            <p:spPr>
+              <a:xfrm>
+                <a:off x="5427133" y="4818529"/>
+                <a:ext cx="713691" cy="407895"/>
+              </a:xfrm>
+              <a:prstGeom prst="rect">
+                <a:avLst/>
+              </a:prstGeom>
+              <a:solidFill>
+                <a:schemeClr val="bg1"/>
+              </a:solidFill>
+              <a:ln>
+                <a:noFill/>
+              </a:ln>
+            </p:spPr>
+            <p:style>
+              <a:lnRef idx="2">
+                <a:schemeClr val="accent1">
+                  <a:shade val="50000"/>
+                </a:schemeClr>
+              </a:lnRef>
+              <a:fillRef idx="1">
+                <a:schemeClr val="accent1"/>
+              </a:fillRef>
+              <a:effectRef idx="0">
+                <a:schemeClr val="accent1"/>
+              </a:effectRef>
+              <a:fontRef idx="minor">
+                <a:schemeClr val="lt1"/>
+              </a:fontRef>
+            </p:style>
+            <p:txBody>
+              <a:bodyPr rtlCol="0" anchor="ctr"/>
+              <a:lstStyle/>
+              <a:p>
+                <a:pPr algn="ctr"/>
+                <a:endParaRPr lang="en-GB"/>
+              </a:p>
+            </p:txBody>
+          </p:sp>
+          <p:pic>
+            <p:nvPicPr>
+              <p:cNvPr id="207" name="Picture 206">
+                <a:extLst>
+                  <a:ext uri="{FF2B5EF4-FFF2-40B4-BE49-F238E27FC236}">
+                    <a16:creationId xmlns:a16="http://schemas.microsoft.com/office/drawing/2014/main" id="{D58DCDD8-0F87-4A35-B4C2-1D3DD22F3A23}"/>
+                  </a:ext>
+                </a:extLst>
+              </p:cNvPr>
+              <p:cNvPicPr>
+                <a:picLocks noChangeAspect="1"/>
+              </p:cNvPicPr>
+              <p:nvPr/>
+            </p:nvPicPr>
+            <p:blipFill>
+              <a:blip r:embed="rId2">
+                <a:clrChange>
+                  <a:clrFrom>
+                    <a:srgbClr val="FFFFFF"/>
+                  </a:clrFrom>
+                  <a:clrTo>
+                    <a:srgbClr val="FFFFFF">
+                      <a:alpha val="0"/>
+                    </a:srgbClr>
+                  </a:clrTo>
+                </a:clrChange>
+              </a:blip>
+              <a:stretch>
+                <a:fillRect/>
+              </a:stretch>
+            </p:blipFill>
+            <p:spPr>
+              <a:xfrm>
+                <a:off x="5358637" y="4686040"/>
+                <a:ext cx="908492" cy="682597"/>
+              </a:xfrm>
+              <a:prstGeom prst="rect">
+                <a:avLst/>
+              </a:prstGeom>
+            </p:spPr>
+          </p:pic>
+        </p:grpSp>
+        <p:sp>
+          <p:nvSpPr>
+            <p:cNvPr id="167" name="TextBox 166">
+              <a:extLst>
+                <a:ext uri="{FF2B5EF4-FFF2-40B4-BE49-F238E27FC236}">
+                  <a16:creationId xmlns:a16="http://schemas.microsoft.com/office/drawing/2014/main" id="{56ECCEAF-47DB-4F19-AFDC-E1FA7146687B}"/>
+                </a:ext>
+              </a:extLst>
+            </p:cNvPr>
+            <p:cNvSpPr txBox="1"/>
+            <p:nvPr/>
+          </p:nvSpPr>
+          <p:spPr>
+            <a:xfrm>
+              <a:off x="1498008" y="6438355"/>
+              <a:ext cx="713691" cy="307777"/>
+            </a:xfrm>
+            <a:prstGeom prst="rect">
+              <a:avLst/>
+            </a:prstGeom>
+            <a:noFill/>
+          </p:spPr>
+          <p:txBody>
+            <a:bodyPr wrap="square" rtlCol="0">
+              <a:spAutoFit/>
+            </a:bodyPr>
+            <a:lstStyle/>
+            <a:p>
+              <a:pPr algn="ctr"/>
+              <a:r>
+                <a:rPr lang="en-GB" sz="1400" dirty="0" err="1">
+                  <a:latin typeface="Segoe UI Semilight" panose="020B0402040204020203" pitchFamily="34" charset="0"/>
+                  <a:cs typeface="Segoe UI Semilight" panose="020B0402040204020203" pitchFamily="34" charset="0"/>
+                </a:rPr>
+                <a:t>VNet</a:t>
+              </a:r>
+              <a:endParaRPr lang="en-GB" sz="1400" dirty="0">
+                <a:latin typeface="Segoe UI Semilight" panose="020B0402040204020203" pitchFamily="34" charset="0"/>
+                <a:cs typeface="Segoe UI Semilight" panose="020B0402040204020203" pitchFamily="34" charset="0"/>
+              </a:endParaRPr>
+            </a:p>
+          </p:txBody>
+        </p:sp>
+      </p:grpSp>
+    </p:spTree>
+    <p:extLst>
+      <p:ext uri="{BB962C8B-B14F-4D97-AF65-F5344CB8AC3E}">
+        <p14:creationId xmlns:p14="http://schemas.microsoft.com/office/powerpoint/2010/main" val="782642603"/>
+      </p:ext>
+    </p:extLst>
+  </p:cSld>
+  <p:clrMapOvr>
+    <a:masterClrMapping/>
+  </p:clrMapOvr>
+</p:sld>
+</file>
+
+<file path=ppt/slides/slide4.xml><?xml version="1.0" encoding="utf-8"?>
+<p:sld xmlns:a="http://schemas.openxmlformats.org/drawingml/2006/main" xmlns:r="http://schemas.openxmlformats.org/officeDocument/2006/relationships" xmlns:p="http://schemas.openxmlformats.org/presentationml/2006/main">
+  <p:cSld>
+    <p:spTree>
+      <p:nvGrpSpPr>
+        <p:cNvPr id="1" name=""/>
+        <p:cNvGrpSpPr/>
+        <p:nvPr/>
+      </p:nvGrpSpPr>
+      <p:grpSpPr>
+        <a:xfrm>
+          <a:off x="0" y="0"/>
+          <a:ext cx="0" cy="0"/>
+          <a:chOff x="0" y="0"/>
+          <a:chExt cx="0" cy="0"/>
+        </a:xfrm>
+      </p:grpSpPr>
+      <p:grpSp>
+        <p:nvGrpSpPr>
           <p:cNvPr id="36" name="Group 35">
             <a:extLst>
               <a:ext uri="{FF2B5EF4-FFF2-40B4-BE49-F238E27FC236}">
